--- a/documentation/AlgorithmPoster.pptx
+++ b/documentation/AlgorithmPoster.pptx
@@ -104,7 +104,3606 @@
       </a:defRPr>
     </a:lvl9pPr>
   </p:defaultTextStyle>
+  <p:extLst>
+    <p:ext uri="{EFAFB233-063F-42B5-8137-9DF3F51BA10A}">
+      <p15:sldGuideLst xmlns:p15="http://schemas.microsoft.com/office/powerpoint/2012/main"/>
+    </p:ext>
+  </p:extLst>
 </p:presentation>
+</file>
+
+<file path=ppt/diagrams/colors1.xml><?xml version="1.0" encoding="utf-8"?>
+<dgm:colorsDef xmlns:dgm="http://schemas.openxmlformats.org/drawingml/2006/diagram" xmlns:a="http://schemas.openxmlformats.org/drawingml/2006/main" uniqueId="urn:microsoft.com/office/officeart/2005/8/colors/colorful5">
+  <dgm:title val=""/>
+  <dgm:desc val=""/>
+  <dgm:catLst>
+    <dgm:cat type="colorful" pri="10500"/>
+  </dgm:catLst>
+  <dgm:styleLbl name="node0">
+    <dgm:fillClrLst meth="repeat">
+      <a:schemeClr val="accent4"/>
+    </dgm:fillClrLst>
+    <dgm:linClrLst meth="repeat">
+      <a:schemeClr val="lt1"/>
+    </dgm:linClrLst>
+    <dgm:effectClrLst/>
+    <dgm:txLinClrLst/>
+    <dgm:txFillClrLst/>
+    <dgm:txEffectClrLst/>
+  </dgm:styleLbl>
+  <dgm:styleLbl name="node1">
+    <dgm:fillClrLst>
+      <a:schemeClr val="accent5"/>
+      <a:schemeClr val="accent6"/>
+    </dgm:fillClrLst>
+    <dgm:linClrLst meth="repeat">
+      <a:schemeClr val="lt1"/>
+    </dgm:linClrLst>
+    <dgm:effectClrLst/>
+    <dgm:txLinClrLst/>
+    <dgm:txFillClrLst/>
+    <dgm:txEffectClrLst/>
+  </dgm:styleLbl>
+  <dgm:styleLbl name="alignNode1">
+    <dgm:fillClrLst>
+      <a:schemeClr val="accent5"/>
+      <a:schemeClr val="accent6"/>
+    </dgm:fillClrLst>
+    <dgm:linClrLst>
+      <a:schemeClr val="accent5"/>
+      <a:schemeClr val="accent6"/>
+    </dgm:linClrLst>
+    <dgm:effectClrLst/>
+    <dgm:txLinClrLst/>
+    <dgm:txFillClrLst/>
+    <dgm:txEffectClrLst/>
+  </dgm:styleLbl>
+  <dgm:styleLbl name="lnNode1">
+    <dgm:fillClrLst>
+      <a:schemeClr val="accent5"/>
+      <a:schemeClr val="accent6"/>
+    </dgm:fillClrLst>
+    <dgm:linClrLst meth="repeat">
+      <a:schemeClr val="lt1"/>
+    </dgm:linClrLst>
+    <dgm:effectClrLst/>
+    <dgm:txLinClrLst/>
+    <dgm:txFillClrLst/>
+    <dgm:txEffectClrLst/>
+  </dgm:styleLbl>
+  <dgm:styleLbl name="vennNode1">
+    <dgm:fillClrLst>
+      <a:schemeClr val="accent5">
+        <a:alpha val="50000"/>
+      </a:schemeClr>
+      <a:schemeClr val="accent6">
+        <a:alpha val="50000"/>
+      </a:schemeClr>
+    </dgm:fillClrLst>
+    <dgm:linClrLst meth="repeat">
+      <a:schemeClr val="lt1"/>
+    </dgm:linClrLst>
+    <dgm:effectClrLst/>
+    <dgm:txLinClrLst/>
+    <dgm:txFillClrLst/>
+    <dgm:txEffectClrLst/>
+  </dgm:styleLbl>
+  <dgm:styleLbl name="node2">
+    <dgm:fillClrLst>
+      <a:schemeClr val="accent6"/>
+    </dgm:fillClrLst>
+    <dgm:linClrLst meth="repeat">
+      <a:schemeClr val="lt1"/>
+    </dgm:linClrLst>
+    <dgm:effectClrLst/>
+    <dgm:txLinClrLst/>
+    <dgm:txFillClrLst/>
+    <dgm:txEffectClrLst/>
+  </dgm:styleLbl>
+  <dgm:styleLbl name="node3">
+    <dgm:fillClrLst>
+      <a:schemeClr val="accent1"/>
+    </dgm:fillClrLst>
+    <dgm:linClrLst meth="repeat">
+      <a:schemeClr val="lt1"/>
+    </dgm:linClrLst>
+    <dgm:effectClrLst/>
+    <dgm:txLinClrLst/>
+    <dgm:txFillClrLst/>
+    <dgm:txEffectClrLst/>
+  </dgm:styleLbl>
+  <dgm:styleLbl name="node4">
+    <dgm:fillClrLst>
+      <a:schemeClr val="accent2"/>
+    </dgm:fillClrLst>
+    <dgm:linClrLst meth="repeat">
+      <a:schemeClr val="lt1"/>
+    </dgm:linClrLst>
+    <dgm:effectClrLst/>
+    <dgm:txLinClrLst/>
+    <dgm:txFillClrLst/>
+    <dgm:txEffectClrLst/>
+  </dgm:styleLbl>
+  <dgm:styleLbl name="fgImgPlace1">
+    <dgm:fillClrLst>
+      <a:schemeClr val="accent5">
+        <a:tint val="50000"/>
+      </a:schemeClr>
+      <a:schemeClr val="accent6">
+        <a:tint val="50000"/>
+      </a:schemeClr>
+    </dgm:fillClrLst>
+    <dgm:linClrLst meth="repeat">
+      <a:schemeClr val="lt1"/>
+    </dgm:linClrLst>
+    <dgm:effectClrLst/>
+    <dgm:txLinClrLst/>
+    <dgm:txFillClrLst meth="repeat">
+      <a:schemeClr val="lt1"/>
+    </dgm:txFillClrLst>
+    <dgm:txEffectClrLst/>
+  </dgm:styleLbl>
+  <dgm:styleLbl name="alignImgPlace1">
+    <dgm:fillClrLst>
+      <a:schemeClr val="accent5">
+        <a:tint val="50000"/>
+      </a:schemeClr>
+      <a:schemeClr val="accent6">
+        <a:tint val="20000"/>
+      </a:schemeClr>
+    </dgm:fillClrLst>
+    <dgm:linClrLst meth="repeat">
+      <a:schemeClr val="lt1"/>
+    </dgm:linClrLst>
+    <dgm:effectClrLst/>
+    <dgm:txLinClrLst/>
+    <dgm:txFillClrLst meth="repeat">
+      <a:schemeClr val="lt1"/>
+    </dgm:txFillClrLst>
+    <dgm:txEffectClrLst/>
+  </dgm:styleLbl>
+  <dgm:styleLbl name="bgImgPlace1">
+    <dgm:fillClrLst>
+      <a:schemeClr val="accent5">
+        <a:tint val="50000"/>
+      </a:schemeClr>
+      <a:schemeClr val="accent6">
+        <a:tint val="20000"/>
+      </a:schemeClr>
+    </dgm:fillClrLst>
+    <dgm:linClrLst meth="repeat">
+      <a:schemeClr val="lt1"/>
+    </dgm:linClrLst>
+    <dgm:effectClrLst/>
+    <dgm:txLinClrLst/>
+    <dgm:txFillClrLst meth="repeat">
+      <a:schemeClr val="lt1"/>
+    </dgm:txFillClrLst>
+    <dgm:txEffectClrLst/>
+  </dgm:styleLbl>
+  <dgm:styleLbl name="sibTrans2D1">
+    <dgm:fillClrLst>
+      <a:schemeClr val="accent5"/>
+      <a:schemeClr val="accent6"/>
+    </dgm:fillClrLst>
+    <dgm:linClrLst meth="repeat">
+      <a:schemeClr val="lt1"/>
+    </dgm:linClrLst>
+    <dgm:effectClrLst/>
+    <dgm:txLinClrLst/>
+    <dgm:txFillClrLst/>
+    <dgm:txEffectClrLst/>
+  </dgm:styleLbl>
+  <dgm:styleLbl name="fgSibTrans2D1">
+    <dgm:fillClrLst>
+      <a:schemeClr val="accent5"/>
+      <a:schemeClr val="accent6"/>
+    </dgm:fillClrLst>
+    <dgm:linClrLst meth="repeat">
+      <a:schemeClr val="lt1"/>
+    </dgm:linClrLst>
+    <dgm:effectClrLst/>
+    <dgm:txLinClrLst/>
+    <dgm:txFillClrLst meth="repeat">
+      <a:schemeClr val="lt1"/>
+    </dgm:txFillClrLst>
+    <dgm:txEffectClrLst/>
+  </dgm:styleLbl>
+  <dgm:styleLbl name="bgSibTrans2D1">
+    <dgm:fillClrLst>
+      <a:schemeClr val="accent5"/>
+      <a:schemeClr val="accent6"/>
+    </dgm:fillClrLst>
+    <dgm:linClrLst meth="repeat">
+      <a:schemeClr val="lt1"/>
+    </dgm:linClrLst>
+    <dgm:effectClrLst/>
+    <dgm:txLinClrLst/>
+    <dgm:txFillClrLst meth="repeat">
+      <a:schemeClr val="lt1"/>
+    </dgm:txFillClrLst>
+    <dgm:txEffectClrLst/>
+  </dgm:styleLbl>
+  <dgm:styleLbl name="sibTrans1D1">
+    <dgm:fillClrLst/>
+    <dgm:linClrLst>
+      <a:schemeClr val="accent5"/>
+      <a:schemeClr val="accent6"/>
+    </dgm:linClrLst>
+    <dgm:effectClrLst/>
+    <dgm:txLinClrLst/>
+    <dgm:txFillClrLst meth="repeat">
+      <a:schemeClr val="tx1"/>
+    </dgm:txFillClrLst>
+    <dgm:txEffectClrLst/>
+  </dgm:styleLbl>
+  <dgm:styleLbl name="callout">
+    <dgm:fillClrLst meth="repeat">
+      <a:schemeClr val="accent5"/>
+    </dgm:fillClrLst>
+    <dgm:linClrLst meth="repeat">
+      <a:schemeClr val="accent5">
+        <a:tint val="50000"/>
+      </a:schemeClr>
+    </dgm:linClrLst>
+    <dgm:effectClrLst/>
+    <dgm:txLinClrLst/>
+    <dgm:txFillClrLst meth="repeat">
+      <a:schemeClr val="tx1"/>
+    </dgm:txFillClrLst>
+    <dgm:txEffectClrLst/>
+  </dgm:styleLbl>
+  <dgm:styleLbl name="asst0">
+    <dgm:fillClrLst meth="repeat">
+      <a:schemeClr val="accent5"/>
+    </dgm:fillClrLst>
+    <dgm:linClrLst meth="repeat">
+      <a:schemeClr val="lt1">
+        <a:shade val="80000"/>
+      </a:schemeClr>
+    </dgm:linClrLst>
+    <dgm:effectClrLst/>
+    <dgm:txLinClrLst/>
+    <dgm:txFillClrLst/>
+    <dgm:txEffectClrLst/>
+  </dgm:styleLbl>
+  <dgm:styleLbl name="asst1">
+    <dgm:fillClrLst meth="repeat">
+      <a:schemeClr val="accent6"/>
+    </dgm:fillClrLst>
+    <dgm:linClrLst meth="repeat">
+      <a:schemeClr val="lt1">
+        <a:shade val="80000"/>
+      </a:schemeClr>
+    </dgm:linClrLst>
+    <dgm:effectClrLst/>
+    <dgm:txLinClrLst/>
+    <dgm:txFillClrLst/>
+    <dgm:txEffectClrLst/>
+  </dgm:styleLbl>
+  <dgm:styleLbl name="asst2">
+    <dgm:fillClrLst>
+      <a:schemeClr val="accent1"/>
+    </dgm:fillClrLst>
+    <dgm:linClrLst meth="repeat">
+      <a:schemeClr val="lt1"/>
+    </dgm:linClrLst>
+    <dgm:effectClrLst/>
+    <dgm:txLinClrLst/>
+    <dgm:txFillClrLst/>
+    <dgm:txEffectClrLst/>
+  </dgm:styleLbl>
+  <dgm:styleLbl name="asst3">
+    <dgm:fillClrLst>
+      <a:schemeClr val="accent2"/>
+    </dgm:fillClrLst>
+    <dgm:linClrLst meth="repeat">
+      <a:schemeClr val="lt1"/>
+    </dgm:linClrLst>
+    <dgm:effectClrLst/>
+    <dgm:txLinClrLst/>
+    <dgm:txFillClrLst/>
+    <dgm:txEffectClrLst/>
+  </dgm:styleLbl>
+  <dgm:styleLbl name="asst4">
+    <dgm:fillClrLst>
+      <a:schemeClr val="accent3"/>
+    </dgm:fillClrLst>
+    <dgm:linClrLst meth="repeat">
+      <a:schemeClr val="lt1"/>
+    </dgm:linClrLst>
+    <dgm:effectClrLst/>
+    <dgm:txLinClrLst/>
+    <dgm:txFillClrLst/>
+    <dgm:txEffectClrLst/>
+  </dgm:styleLbl>
+  <dgm:styleLbl name="parChTrans2D1">
+    <dgm:fillClrLst meth="repeat">
+      <a:schemeClr val="accent5"/>
+    </dgm:fillClrLst>
+    <dgm:linClrLst meth="repeat">
+      <a:schemeClr val="lt1"/>
+    </dgm:linClrLst>
+    <dgm:effectClrLst/>
+    <dgm:txLinClrLst/>
+    <dgm:txFillClrLst meth="repeat">
+      <a:schemeClr val="lt1"/>
+    </dgm:txFillClrLst>
+    <dgm:txEffectClrLst/>
+  </dgm:styleLbl>
+  <dgm:styleLbl name="parChTrans2D2">
+    <dgm:fillClrLst meth="repeat">
+      <a:schemeClr val="accent6"/>
+    </dgm:fillClrLst>
+    <dgm:linClrLst meth="repeat">
+      <a:schemeClr val="lt1"/>
+    </dgm:linClrLst>
+    <dgm:effectClrLst/>
+    <dgm:txLinClrLst/>
+    <dgm:txFillClrLst/>
+    <dgm:txEffectClrLst/>
+  </dgm:styleLbl>
+  <dgm:styleLbl name="parChTrans2D3">
+    <dgm:fillClrLst meth="repeat">
+      <a:schemeClr val="accent6"/>
+    </dgm:fillClrLst>
+    <dgm:linClrLst meth="repeat">
+      <a:schemeClr val="lt1"/>
+    </dgm:linClrLst>
+    <dgm:effectClrLst/>
+    <dgm:txLinClrLst/>
+    <dgm:txFillClrLst/>
+    <dgm:txEffectClrLst/>
+  </dgm:styleLbl>
+  <dgm:styleLbl name="parChTrans2D4">
+    <dgm:fillClrLst meth="repeat">
+      <a:schemeClr val="accent1"/>
+    </dgm:fillClrLst>
+    <dgm:linClrLst meth="repeat">
+      <a:schemeClr val="lt1"/>
+    </dgm:linClrLst>
+    <dgm:effectClrLst/>
+    <dgm:txLinClrLst/>
+    <dgm:txFillClrLst meth="repeat">
+      <a:schemeClr val="lt1"/>
+    </dgm:txFillClrLst>
+    <dgm:txEffectClrLst/>
+  </dgm:styleLbl>
+  <dgm:styleLbl name="parChTrans1D1">
+    <dgm:fillClrLst meth="repeat">
+      <a:schemeClr val="accent5"/>
+    </dgm:fillClrLst>
+    <dgm:linClrLst meth="repeat">
+      <a:schemeClr val="accent5"/>
+    </dgm:linClrLst>
+    <dgm:effectClrLst/>
+    <dgm:txLinClrLst/>
+    <dgm:txFillClrLst meth="repeat">
+      <a:schemeClr val="tx1"/>
+    </dgm:txFillClrLst>
+    <dgm:txEffectClrLst/>
+  </dgm:styleLbl>
+  <dgm:styleLbl name="parChTrans1D2">
+    <dgm:fillClrLst meth="repeat">
+      <a:schemeClr val="accent6">
+        <a:tint val="90000"/>
+      </a:schemeClr>
+    </dgm:fillClrLst>
+    <dgm:linClrLst meth="repeat">
+      <a:schemeClr val="accent6"/>
+    </dgm:linClrLst>
+    <dgm:effectClrLst/>
+    <dgm:txLinClrLst/>
+    <dgm:txFillClrLst meth="repeat">
+      <a:schemeClr val="tx1"/>
+    </dgm:txFillClrLst>
+    <dgm:txEffectClrLst/>
+  </dgm:styleLbl>
+  <dgm:styleLbl name="parChTrans1D3">
+    <dgm:fillClrLst meth="repeat">
+      <a:schemeClr val="accent6">
+        <a:tint val="70000"/>
+      </a:schemeClr>
+    </dgm:fillClrLst>
+    <dgm:linClrLst meth="repeat">
+      <a:schemeClr val="accent1"/>
+    </dgm:linClrLst>
+    <dgm:effectClrLst/>
+    <dgm:txLinClrLst/>
+    <dgm:txFillClrLst meth="repeat">
+      <a:schemeClr val="tx1"/>
+    </dgm:txFillClrLst>
+    <dgm:txEffectClrLst/>
+  </dgm:styleLbl>
+  <dgm:styleLbl name="parChTrans1D4">
+    <dgm:fillClrLst meth="repeat">
+      <a:schemeClr val="accent6">
+        <a:tint val="50000"/>
+      </a:schemeClr>
+    </dgm:fillClrLst>
+    <dgm:linClrLst meth="repeat">
+      <a:schemeClr val="accent2"/>
+    </dgm:linClrLst>
+    <dgm:effectClrLst/>
+    <dgm:txLinClrLst/>
+    <dgm:txFillClrLst meth="repeat">
+      <a:schemeClr val="tx1"/>
+    </dgm:txFillClrLst>
+    <dgm:txEffectClrLst/>
+  </dgm:styleLbl>
+  <dgm:styleLbl name="fgAcc1">
+    <dgm:fillClrLst meth="repeat">
+      <a:schemeClr val="lt1">
+        <a:alpha val="90000"/>
+      </a:schemeClr>
+    </dgm:fillClrLst>
+    <dgm:linClrLst>
+      <a:schemeClr val="accent5"/>
+      <a:schemeClr val="accent6"/>
+    </dgm:linClrLst>
+    <dgm:effectClrLst/>
+    <dgm:txLinClrLst/>
+    <dgm:txFillClrLst meth="repeat">
+      <a:schemeClr val="dk1"/>
+    </dgm:txFillClrLst>
+    <dgm:txEffectClrLst/>
+  </dgm:styleLbl>
+  <dgm:styleLbl name="conFgAcc1">
+    <dgm:fillClrLst meth="repeat">
+      <a:schemeClr val="lt1">
+        <a:alpha val="90000"/>
+      </a:schemeClr>
+    </dgm:fillClrLst>
+    <dgm:linClrLst>
+      <a:schemeClr val="accent5"/>
+      <a:schemeClr val="accent6"/>
+    </dgm:linClrLst>
+    <dgm:effectClrLst/>
+    <dgm:txLinClrLst/>
+    <dgm:txFillClrLst meth="repeat">
+      <a:schemeClr val="dk1"/>
+    </dgm:txFillClrLst>
+    <dgm:txEffectClrLst/>
+  </dgm:styleLbl>
+  <dgm:styleLbl name="alignAcc1">
+    <dgm:fillClrLst meth="repeat">
+      <a:schemeClr val="lt1">
+        <a:alpha val="90000"/>
+      </a:schemeClr>
+    </dgm:fillClrLst>
+    <dgm:linClrLst>
+      <a:schemeClr val="accent5"/>
+      <a:schemeClr val="accent6"/>
+    </dgm:linClrLst>
+    <dgm:effectClrLst/>
+    <dgm:txLinClrLst/>
+    <dgm:txFillClrLst meth="repeat">
+      <a:schemeClr val="dk1"/>
+    </dgm:txFillClrLst>
+    <dgm:txEffectClrLst/>
+  </dgm:styleLbl>
+  <dgm:styleLbl name="trAlignAcc1">
+    <dgm:fillClrLst meth="repeat">
+      <a:schemeClr val="lt1">
+        <a:alpha val="40000"/>
+      </a:schemeClr>
+    </dgm:fillClrLst>
+    <dgm:linClrLst meth="repeat">
+      <a:schemeClr val="accent5"/>
+    </dgm:linClrLst>
+    <dgm:effectClrLst/>
+    <dgm:txLinClrLst/>
+    <dgm:txFillClrLst meth="repeat">
+      <a:schemeClr val="dk1"/>
+    </dgm:txFillClrLst>
+    <dgm:txEffectClrLst/>
+  </dgm:styleLbl>
+  <dgm:styleLbl name="bgAcc1">
+    <dgm:fillClrLst meth="repeat">
+      <a:schemeClr val="lt1">
+        <a:alpha val="90000"/>
+      </a:schemeClr>
+    </dgm:fillClrLst>
+    <dgm:linClrLst>
+      <a:schemeClr val="accent5"/>
+      <a:schemeClr val="accent6"/>
+    </dgm:linClrLst>
+    <dgm:effectClrLst/>
+    <dgm:txLinClrLst/>
+    <dgm:txFillClrLst meth="repeat">
+      <a:schemeClr val="dk1"/>
+    </dgm:txFillClrLst>
+    <dgm:txEffectClrLst/>
+  </dgm:styleLbl>
+  <dgm:styleLbl name="solidFgAcc1">
+    <dgm:fillClrLst meth="repeat">
+      <a:schemeClr val="lt1"/>
+    </dgm:fillClrLst>
+    <dgm:linClrLst>
+      <a:schemeClr val="accent5"/>
+      <a:schemeClr val="accent6"/>
+    </dgm:linClrLst>
+    <dgm:effectClrLst/>
+    <dgm:txLinClrLst/>
+    <dgm:txFillClrLst meth="repeat">
+      <a:schemeClr val="dk1"/>
+    </dgm:txFillClrLst>
+    <dgm:txEffectClrLst/>
+  </dgm:styleLbl>
+  <dgm:styleLbl name="solidAlignAcc1">
+    <dgm:fillClrLst meth="repeat">
+      <a:schemeClr val="lt1"/>
+    </dgm:fillClrLst>
+    <dgm:linClrLst>
+      <a:schemeClr val="accent5"/>
+      <a:schemeClr val="accent6"/>
+    </dgm:linClrLst>
+    <dgm:effectClrLst/>
+    <dgm:txLinClrLst/>
+    <dgm:txFillClrLst meth="repeat">
+      <a:schemeClr val="dk1"/>
+    </dgm:txFillClrLst>
+    <dgm:txEffectClrLst/>
+  </dgm:styleLbl>
+  <dgm:styleLbl name="solidBgAcc1">
+    <dgm:fillClrLst meth="repeat">
+      <a:schemeClr val="lt1"/>
+    </dgm:fillClrLst>
+    <dgm:linClrLst>
+      <a:schemeClr val="accent5"/>
+      <a:schemeClr val="accent6"/>
+    </dgm:linClrLst>
+    <dgm:effectClrLst/>
+    <dgm:txLinClrLst/>
+    <dgm:txFillClrLst meth="repeat">
+      <a:schemeClr val="dk1"/>
+    </dgm:txFillClrLst>
+    <dgm:txEffectClrLst/>
+  </dgm:styleLbl>
+  <dgm:styleLbl name="fgAccFollowNode1">
+    <dgm:fillClrLst>
+      <a:schemeClr val="accent5">
+        <a:tint val="40000"/>
+        <a:alpha val="90000"/>
+      </a:schemeClr>
+      <a:schemeClr val="accent6">
+        <a:tint val="40000"/>
+        <a:alpha val="90000"/>
+      </a:schemeClr>
+    </dgm:fillClrLst>
+    <dgm:linClrLst>
+      <a:schemeClr val="accent5">
+        <a:tint val="40000"/>
+        <a:alpha val="90000"/>
+      </a:schemeClr>
+      <a:schemeClr val="accent5">
+        <a:tint val="40000"/>
+        <a:alpha val="90000"/>
+      </a:schemeClr>
+    </dgm:linClrLst>
+    <dgm:effectClrLst/>
+    <dgm:txLinClrLst/>
+    <dgm:txFillClrLst meth="repeat">
+      <a:schemeClr val="dk1"/>
+    </dgm:txFillClrLst>
+    <dgm:txEffectClrLst/>
+  </dgm:styleLbl>
+  <dgm:styleLbl name="alignAccFollowNode1">
+    <dgm:fillClrLst>
+      <a:schemeClr val="accent5">
+        <a:tint val="40000"/>
+        <a:alpha val="90000"/>
+      </a:schemeClr>
+      <a:schemeClr val="accent6">
+        <a:tint val="40000"/>
+        <a:alpha val="90000"/>
+      </a:schemeClr>
+    </dgm:fillClrLst>
+    <dgm:linClrLst>
+      <a:schemeClr val="accent5">
+        <a:tint val="40000"/>
+        <a:alpha val="90000"/>
+      </a:schemeClr>
+      <a:schemeClr val="accent6">
+        <a:tint val="40000"/>
+        <a:alpha val="90000"/>
+      </a:schemeClr>
+    </dgm:linClrLst>
+    <dgm:effectClrLst/>
+    <dgm:txLinClrLst/>
+    <dgm:txFillClrLst meth="repeat">
+      <a:schemeClr val="dk1"/>
+    </dgm:txFillClrLst>
+    <dgm:txEffectClrLst/>
+  </dgm:styleLbl>
+  <dgm:styleLbl name="bgAccFollowNode1">
+    <dgm:fillClrLst>
+      <a:schemeClr val="accent5">
+        <a:tint val="40000"/>
+        <a:alpha val="90000"/>
+      </a:schemeClr>
+      <a:schemeClr val="accent6">
+        <a:tint val="40000"/>
+        <a:alpha val="90000"/>
+      </a:schemeClr>
+    </dgm:fillClrLst>
+    <dgm:linClrLst>
+      <a:schemeClr val="accent5">
+        <a:tint val="40000"/>
+        <a:alpha val="90000"/>
+      </a:schemeClr>
+      <a:schemeClr val="accent6">
+        <a:tint val="40000"/>
+        <a:alpha val="90000"/>
+      </a:schemeClr>
+    </dgm:linClrLst>
+    <dgm:effectClrLst/>
+    <dgm:txLinClrLst/>
+    <dgm:txFillClrLst meth="repeat">
+      <a:schemeClr val="dk1"/>
+    </dgm:txFillClrLst>
+    <dgm:txEffectClrLst/>
+  </dgm:styleLbl>
+  <dgm:styleLbl name="fgAcc0">
+    <dgm:fillClrLst meth="repeat">
+      <a:schemeClr val="lt1">
+        <a:alpha val="90000"/>
+      </a:schemeClr>
+    </dgm:fillClrLst>
+    <dgm:linClrLst>
+      <a:schemeClr val="accent4"/>
+    </dgm:linClrLst>
+    <dgm:effectClrLst/>
+    <dgm:txLinClrLst/>
+    <dgm:txFillClrLst meth="repeat">
+      <a:schemeClr val="dk1"/>
+    </dgm:txFillClrLst>
+    <dgm:txEffectClrLst/>
+  </dgm:styleLbl>
+  <dgm:styleLbl name="fgAcc2">
+    <dgm:fillClrLst meth="repeat">
+      <a:schemeClr val="lt1">
+        <a:alpha val="90000"/>
+      </a:schemeClr>
+    </dgm:fillClrLst>
+    <dgm:linClrLst>
+      <a:schemeClr val="accent6"/>
+    </dgm:linClrLst>
+    <dgm:effectClrLst/>
+    <dgm:txLinClrLst/>
+    <dgm:txFillClrLst meth="repeat">
+      <a:schemeClr val="dk1"/>
+    </dgm:txFillClrLst>
+    <dgm:txEffectClrLst/>
+  </dgm:styleLbl>
+  <dgm:styleLbl name="fgAcc3">
+    <dgm:fillClrLst meth="repeat">
+      <a:schemeClr val="lt1">
+        <a:alpha val="90000"/>
+      </a:schemeClr>
+    </dgm:fillClrLst>
+    <dgm:linClrLst>
+      <a:schemeClr val="accent1"/>
+    </dgm:linClrLst>
+    <dgm:effectClrLst/>
+    <dgm:txLinClrLst/>
+    <dgm:txFillClrLst meth="repeat">
+      <a:schemeClr val="dk1"/>
+    </dgm:txFillClrLst>
+    <dgm:txEffectClrLst/>
+  </dgm:styleLbl>
+  <dgm:styleLbl name="fgAcc4">
+    <dgm:fillClrLst meth="repeat">
+      <a:schemeClr val="lt1">
+        <a:alpha val="90000"/>
+      </a:schemeClr>
+    </dgm:fillClrLst>
+    <dgm:linClrLst>
+      <a:schemeClr val="accent2"/>
+    </dgm:linClrLst>
+    <dgm:effectClrLst/>
+    <dgm:txLinClrLst/>
+    <dgm:txFillClrLst meth="repeat">
+      <a:schemeClr val="dk1"/>
+    </dgm:txFillClrLst>
+    <dgm:txEffectClrLst/>
+  </dgm:styleLbl>
+  <dgm:styleLbl name="bgShp">
+    <dgm:fillClrLst meth="repeat">
+      <a:schemeClr val="accent5">
+        <a:tint val="40000"/>
+      </a:schemeClr>
+    </dgm:fillClrLst>
+    <dgm:linClrLst meth="repeat">
+      <a:schemeClr val="dk1"/>
+    </dgm:linClrLst>
+    <dgm:effectClrLst/>
+    <dgm:txLinClrLst/>
+    <dgm:txFillClrLst meth="repeat">
+      <a:schemeClr val="dk1"/>
+    </dgm:txFillClrLst>
+    <dgm:txEffectClrLst/>
+  </dgm:styleLbl>
+  <dgm:styleLbl name="dkBgShp">
+    <dgm:fillClrLst meth="repeat">
+      <a:schemeClr val="accent5">
+        <a:shade val="90000"/>
+      </a:schemeClr>
+    </dgm:fillClrLst>
+    <dgm:linClrLst meth="repeat">
+      <a:schemeClr val="dk1"/>
+    </dgm:linClrLst>
+    <dgm:effectClrLst/>
+    <dgm:txLinClrLst/>
+    <dgm:txFillClrLst meth="repeat">
+      <a:schemeClr val="lt1"/>
+    </dgm:txFillClrLst>
+    <dgm:txEffectClrLst/>
+  </dgm:styleLbl>
+  <dgm:styleLbl name="trBgShp">
+    <dgm:fillClrLst meth="repeat">
+      <a:schemeClr val="accent5">
+        <a:tint val="50000"/>
+        <a:alpha val="40000"/>
+      </a:schemeClr>
+    </dgm:fillClrLst>
+    <dgm:linClrLst meth="repeat">
+      <a:schemeClr val="accent5"/>
+    </dgm:linClrLst>
+    <dgm:effectClrLst/>
+    <dgm:txLinClrLst/>
+    <dgm:txFillClrLst meth="repeat">
+      <a:schemeClr val="lt1"/>
+    </dgm:txFillClrLst>
+    <dgm:txEffectClrLst/>
+  </dgm:styleLbl>
+  <dgm:styleLbl name="fgShp">
+    <dgm:fillClrLst meth="repeat">
+      <a:schemeClr val="accent5">
+        <a:tint val="40000"/>
+      </a:schemeClr>
+    </dgm:fillClrLst>
+    <dgm:linClrLst meth="repeat">
+      <a:schemeClr val="lt1"/>
+    </dgm:linClrLst>
+    <dgm:effectClrLst/>
+    <dgm:txLinClrLst/>
+    <dgm:txFillClrLst meth="repeat">
+      <a:schemeClr val="dk1"/>
+    </dgm:txFillClrLst>
+    <dgm:txEffectClrLst/>
+  </dgm:styleLbl>
+  <dgm:styleLbl name="revTx">
+    <dgm:fillClrLst meth="repeat">
+      <a:schemeClr val="lt1">
+        <a:alpha val="0"/>
+      </a:schemeClr>
+    </dgm:fillClrLst>
+    <dgm:linClrLst meth="repeat">
+      <a:schemeClr val="dk1">
+        <a:alpha val="0"/>
+      </a:schemeClr>
+    </dgm:linClrLst>
+    <dgm:effectClrLst/>
+    <dgm:txLinClrLst/>
+    <dgm:txFillClrLst meth="repeat">
+      <a:schemeClr val="tx1"/>
+    </dgm:txFillClrLst>
+    <dgm:txEffectClrLst/>
+  </dgm:styleLbl>
+</dgm:colorsDef>
+</file>
+
+<file path=ppt/diagrams/data1.xml><?xml version="1.0" encoding="utf-8"?>
+<dgm:dataModel xmlns:dgm="http://schemas.openxmlformats.org/drawingml/2006/diagram" xmlns:a="http://schemas.openxmlformats.org/drawingml/2006/main">
+  <dgm:ptLst>
+    <dgm:pt modelId="{69D9465D-5278-4893-90E4-FC4A404190FF}" type="doc">
+      <dgm:prSet loTypeId="urn:microsoft.com/office/officeart/2005/8/layout/bProcess4" loCatId="process" qsTypeId="urn:microsoft.com/office/officeart/2005/8/quickstyle/simple1" qsCatId="simple" csTypeId="urn:microsoft.com/office/officeart/2005/8/colors/colorful5" csCatId="colorful" phldr="1"/>
+      <dgm:spPr/>
+      <dgm:t>
+        <a:bodyPr/>
+        <a:lstStyle/>
+        <a:p>
+          <a:endParaRPr lang="en-ZA"/>
+        </a:p>
+      </dgm:t>
+    </dgm:pt>
+    <dgm:pt modelId="{D9BFE88D-86D5-4A4E-9864-049B66CE7B11}">
+      <dgm:prSet phldrT="[Text]"/>
+      <dgm:spPr/>
+      <dgm:t>
+        <a:bodyPr/>
+        <a:lstStyle/>
+        <a:p>
+          <a:r>
+            <a:rPr lang="en-ZA" dirty="0" smtClean="0"/>
+            <a:t>Collect data from the Android’s sensors.</a:t>
+          </a:r>
+          <a:endParaRPr lang="en-ZA" dirty="0"/>
+        </a:p>
+      </dgm:t>
+    </dgm:pt>
+    <dgm:pt modelId="{F9F09A06-4B6D-4FE7-83E2-F8A428C27656}" type="parTrans" cxnId="{35FFAEAE-DC16-4986-AE73-A931A7283792}">
+      <dgm:prSet/>
+      <dgm:spPr/>
+      <dgm:t>
+        <a:bodyPr/>
+        <a:lstStyle/>
+        <a:p>
+          <a:endParaRPr lang="en-ZA"/>
+        </a:p>
+      </dgm:t>
+    </dgm:pt>
+    <dgm:pt modelId="{8E23BBB5-4FFD-4603-8A8B-57D6A8F546C7}" type="sibTrans" cxnId="{35FFAEAE-DC16-4986-AE73-A931A7283792}">
+      <dgm:prSet/>
+      <dgm:spPr/>
+      <dgm:t>
+        <a:bodyPr/>
+        <a:lstStyle/>
+        <a:p>
+          <a:endParaRPr lang="en-ZA"/>
+        </a:p>
+      </dgm:t>
+    </dgm:pt>
+    <dgm:pt modelId="{F6AB84D7-DC04-4772-BBB8-08839E3E3B0E}">
+      <dgm:prSet phldrT="[Text]"/>
+      <dgm:spPr/>
+      <dgm:t>
+        <a:bodyPr/>
+        <a:lstStyle/>
+        <a:p>
+          <a:r>
+            <a:rPr lang="en-ZA" dirty="0" smtClean="0"/>
+            <a:t>We determine many bad things all previous users have averaged per second. And transform that data into a normal distribution.</a:t>
+          </a:r>
+          <a:endParaRPr lang="en-ZA" dirty="0"/>
+        </a:p>
+      </dgm:t>
+    </dgm:pt>
+    <dgm:pt modelId="{F35EFF0E-EA0B-4C57-8CED-83FEB15CD0FD}" type="parTrans" cxnId="{FA601BAF-F0F4-41C1-9E74-90A3437D9622}">
+      <dgm:prSet/>
+      <dgm:spPr/>
+      <dgm:t>
+        <a:bodyPr/>
+        <a:lstStyle/>
+        <a:p>
+          <a:endParaRPr lang="en-ZA"/>
+        </a:p>
+      </dgm:t>
+    </dgm:pt>
+    <dgm:pt modelId="{730DAA83-5ECA-4C62-B660-9C169A24A198}" type="sibTrans" cxnId="{FA601BAF-F0F4-41C1-9E74-90A3437D9622}">
+      <dgm:prSet/>
+      <dgm:spPr/>
+      <dgm:t>
+        <a:bodyPr/>
+        <a:lstStyle/>
+        <a:p>
+          <a:endParaRPr lang="en-ZA"/>
+        </a:p>
+      </dgm:t>
+    </dgm:pt>
+    <dgm:pt modelId="{C24C36EC-6312-42E6-85F3-613C20BC1376}">
+      <dgm:prSet phldrT="[Text]"/>
+      <dgm:spPr/>
+      <dgm:t>
+        <a:bodyPr/>
+        <a:lstStyle/>
+        <a:p>
+          <a:r>
+            <a:rPr lang="en-ZA" dirty="0" smtClean="0"/>
+            <a:t>Determine how many bad things the current user does per second.</a:t>
+          </a:r>
+          <a:endParaRPr lang="en-ZA" dirty="0"/>
+        </a:p>
+      </dgm:t>
+    </dgm:pt>
+    <dgm:pt modelId="{05B560A1-CF69-4666-8BB8-D628BE42664F}" type="parTrans" cxnId="{1EA91787-343D-46F0-A1A6-0C2FA465220B}">
+      <dgm:prSet/>
+      <dgm:spPr/>
+      <dgm:t>
+        <a:bodyPr/>
+        <a:lstStyle/>
+        <a:p>
+          <a:endParaRPr lang="en-ZA"/>
+        </a:p>
+      </dgm:t>
+    </dgm:pt>
+    <dgm:pt modelId="{A015CC84-CBCB-49E3-9D9B-F66E30B67EB4}" type="sibTrans" cxnId="{1EA91787-343D-46F0-A1A6-0C2FA465220B}">
+      <dgm:prSet/>
+      <dgm:spPr/>
+      <dgm:t>
+        <a:bodyPr/>
+        <a:lstStyle/>
+        <a:p>
+          <a:endParaRPr lang="en-ZA"/>
+        </a:p>
+      </dgm:t>
+    </dgm:pt>
+    <dgm:pt modelId="{AC0CA605-AB71-4DDA-8068-AE236D9C9B5B}">
+      <dgm:prSet phldrT="[Text]"/>
+      <dgm:spPr/>
+      <dgm:t>
+        <a:bodyPr/>
+        <a:lstStyle/>
+        <a:p>
+          <a:r>
+            <a:rPr lang="en-ZA" dirty="0" smtClean="0"/>
+            <a:t>One of the useful properties of the data we exploit, is that we are able to estimate a position on a normal distribution for the likelihood of the observed results in terms of the number of bad things per second.</a:t>
+          </a:r>
+          <a:endParaRPr lang="en-ZA" dirty="0"/>
+        </a:p>
+      </dgm:t>
+    </dgm:pt>
+    <dgm:pt modelId="{8CC74D62-4916-498D-B541-D6C5D6CF2E1B}" type="parTrans" cxnId="{5D11504B-F891-4E16-81AF-19A4EDD5D894}">
+      <dgm:prSet/>
+      <dgm:spPr/>
+      <dgm:t>
+        <a:bodyPr/>
+        <a:lstStyle/>
+        <a:p>
+          <a:endParaRPr lang="en-ZA"/>
+        </a:p>
+      </dgm:t>
+    </dgm:pt>
+    <dgm:pt modelId="{A9DEF564-FDF7-4F00-998C-0108AF2F964C}" type="sibTrans" cxnId="{5D11504B-F891-4E16-81AF-19A4EDD5D894}">
+      <dgm:prSet/>
+      <dgm:spPr/>
+      <dgm:t>
+        <a:bodyPr/>
+        <a:lstStyle/>
+        <a:p>
+          <a:endParaRPr lang="en-ZA"/>
+        </a:p>
+      </dgm:t>
+    </dgm:pt>
+    <dgm:pt modelId="{F7C8F245-4D7A-469E-B33C-5443AAA03436}">
+      <dgm:prSet phldrT="[Text]"/>
+      <dgm:spPr/>
+      <dgm:t>
+        <a:bodyPr/>
+        <a:lstStyle/>
+        <a:p>
+          <a:r>
+            <a:rPr lang="en-ZA" dirty="0" smtClean="0"/>
+            <a:t>From this data we calculate a Z-score for the distance of the person’s number of bad things from the normal distribution of the number of bad things.</a:t>
+          </a:r>
+        </a:p>
+        <a:p>
+          <a:endParaRPr lang="en-ZA" dirty="0"/>
+        </a:p>
+      </dgm:t>
+    </dgm:pt>
+    <dgm:pt modelId="{7004115D-85D0-4855-8403-56165FBD8C5D}" type="parTrans" cxnId="{2AA4AD88-DEE0-4498-BBBA-098B55978CFC}">
+      <dgm:prSet/>
+      <dgm:spPr/>
+      <dgm:t>
+        <a:bodyPr/>
+        <a:lstStyle/>
+        <a:p>
+          <a:endParaRPr lang="en-ZA"/>
+        </a:p>
+      </dgm:t>
+    </dgm:pt>
+    <dgm:pt modelId="{5925B536-8CDD-4273-9EA0-F3DFE28CFC0A}" type="sibTrans" cxnId="{2AA4AD88-DEE0-4498-BBBA-098B55978CFC}">
+      <dgm:prSet/>
+      <dgm:spPr/>
+      <dgm:t>
+        <a:bodyPr/>
+        <a:lstStyle/>
+        <a:p>
+          <a:endParaRPr lang="en-ZA"/>
+        </a:p>
+      </dgm:t>
+    </dgm:pt>
+    <dgm:pt modelId="{664F3033-06A2-4F92-8AED-49E5BB070394}">
+      <dgm:prSet phldrT="[Text]"/>
+      <dgm:spPr/>
+      <dgm:t>
+        <a:bodyPr/>
+        <a:lstStyle/>
+        <a:p>
+          <a:r>
+            <a:rPr lang="en-ZA" dirty="0" smtClean="0"/>
+            <a:t>Using our z-score and by integrating the normal distribution function, we are able to estimate the area to the left of the normal distribution’s score.</a:t>
+          </a:r>
+          <a:endParaRPr lang="en-ZA" dirty="0"/>
+        </a:p>
+      </dgm:t>
+    </dgm:pt>
+    <dgm:pt modelId="{67711992-C237-4337-995F-B75846ACA60F}" type="parTrans" cxnId="{5D51E946-1572-4B32-A99B-B09C2D21BB4F}">
+      <dgm:prSet/>
+      <dgm:spPr/>
+      <dgm:t>
+        <a:bodyPr/>
+        <a:lstStyle/>
+        <a:p>
+          <a:endParaRPr lang="en-ZA"/>
+        </a:p>
+      </dgm:t>
+    </dgm:pt>
+    <dgm:pt modelId="{24235BDA-3456-4472-A5F8-A95C033405D7}" type="sibTrans" cxnId="{5D51E946-1572-4B32-A99B-B09C2D21BB4F}">
+      <dgm:prSet/>
+      <dgm:spPr/>
+      <dgm:t>
+        <a:bodyPr/>
+        <a:lstStyle/>
+        <a:p>
+          <a:endParaRPr lang="en-ZA"/>
+        </a:p>
+      </dgm:t>
+    </dgm:pt>
+    <dgm:pt modelId="{CE70E7C1-00A1-4F5C-B7F2-4DEA0098B5CC}">
+      <dgm:prSet phldrT="[Text]"/>
+      <dgm:spPr/>
+      <dgm:t>
+        <a:bodyPr/>
+        <a:lstStyle/>
+        <a:p>
+          <a:r>
+            <a:rPr lang="en-ZA" dirty="0" smtClean="0"/>
+            <a:t>Because the area under a normal distribution always equals 1, we can simply multiply the area by 10 to achieve a score out of 10 for the quality of that person’s driving.</a:t>
+          </a:r>
+          <a:endParaRPr lang="en-ZA" dirty="0"/>
+        </a:p>
+      </dgm:t>
+    </dgm:pt>
+    <dgm:pt modelId="{F234F055-B622-4D52-AFCB-3BA3D3341CFD}" type="parTrans" cxnId="{8B540F0B-2250-4B5E-BCCE-C3D246BFA6AE}">
+      <dgm:prSet/>
+      <dgm:spPr/>
+      <dgm:t>
+        <a:bodyPr/>
+        <a:lstStyle/>
+        <a:p>
+          <a:endParaRPr lang="en-ZA"/>
+        </a:p>
+      </dgm:t>
+    </dgm:pt>
+    <dgm:pt modelId="{31DAD7E9-CE7C-41E2-8D30-CCCC16BF810D}" type="sibTrans" cxnId="{8B540F0B-2250-4B5E-BCCE-C3D246BFA6AE}">
+      <dgm:prSet/>
+      <dgm:spPr/>
+      <dgm:t>
+        <a:bodyPr/>
+        <a:lstStyle/>
+        <a:p>
+          <a:endParaRPr lang="en-ZA"/>
+        </a:p>
+      </dgm:t>
+    </dgm:pt>
+    <dgm:pt modelId="{7B5F1AB1-A56B-4592-899D-948C07E9FCE7}">
+      <dgm:prSet phldrT="[Text]"/>
+      <dgm:spPr/>
+      <dgm:t>
+        <a:bodyPr/>
+        <a:lstStyle/>
+        <a:p>
+          <a:r>
+            <a:rPr lang="en-ZA" dirty="0" smtClean="0"/>
+            <a:t>Using this information, we are able to estimate a probability that the score of the current trip was a result of random chance when compared to the normal distribution of all other drivers.</a:t>
+          </a:r>
+          <a:endParaRPr lang="en-ZA" dirty="0"/>
+        </a:p>
+      </dgm:t>
+    </dgm:pt>
+    <dgm:pt modelId="{F9AFC70D-98A9-44D5-AE29-4B77D890DCE5}" type="sibTrans" cxnId="{134DE985-81C2-41BB-9A8C-B4B56F87F2E8}">
+      <dgm:prSet/>
+      <dgm:spPr/>
+      <dgm:t>
+        <a:bodyPr/>
+        <a:lstStyle/>
+        <a:p>
+          <a:endParaRPr lang="en-ZA"/>
+        </a:p>
+      </dgm:t>
+    </dgm:pt>
+    <dgm:pt modelId="{32E3B1F7-D695-42F6-9E77-4159D9144FAF}" type="parTrans" cxnId="{134DE985-81C2-41BB-9A8C-B4B56F87F2E8}">
+      <dgm:prSet/>
+      <dgm:spPr/>
+      <dgm:t>
+        <a:bodyPr/>
+        <a:lstStyle/>
+        <a:p>
+          <a:endParaRPr lang="en-ZA"/>
+        </a:p>
+      </dgm:t>
+    </dgm:pt>
+    <dgm:pt modelId="{F41203AE-3D27-4DFC-B08E-BF6461080D2A}" type="pres">
+      <dgm:prSet presAssocID="{69D9465D-5278-4893-90E4-FC4A404190FF}" presName="Name0" presStyleCnt="0">
+        <dgm:presLayoutVars>
+          <dgm:dir/>
+          <dgm:resizeHandles/>
+        </dgm:presLayoutVars>
+      </dgm:prSet>
+      <dgm:spPr/>
+    </dgm:pt>
+    <dgm:pt modelId="{9B9AB0DF-1520-478A-9272-0D99B8FD5BC6}" type="pres">
+      <dgm:prSet presAssocID="{D9BFE88D-86D5-4A4E-9864-049B66CE7B11}" presName="compNode" presStyleCnt="0"/>
+      <dgm:spPr/>
+    </dgm:pt>
+    <dgm:pt modelId="{DC903BB0-E430-4A21-B00B-32F4402C2D32}" type="pres">
+      <dgm:prSet presAssocID="{D9BFE88D-86D5-4A4E-9864-049B66CE7B11}" presName="dummyConnPt" presStyleCnt="0"/>
+      <dgm:spPr/>
+    </dgm:pt>
+    <dgm:pt modelId="{0111BCDE-244E-4E0C-9F45-971A15B0F1AB}" type="pres">
+      <dgm:prSet presAssocID="{D9BFE88D-86D5-4A4E-9864-049B66CE7B11}" presName="node" presStyleLbl="node1" presStyleIdx="0" presStyleCnt="8">
+        <dgm:presLayoutVars>
+          <dgm:bulletEnabled val="1"/>
+        </dgm:presLayoutVars>
+      </dgm:prSet>
+      <dgm:spPr/>
+      <dgm:t>
+        <a:bodyPr/>
+        <a:lstStyle/>
+        <a:p>
+          <a:endParaRPr lang="en-ZA"/>
+        </a:p>
+      </dgm:t>
+    </dgm:pt>
+    <dgm:pt modelId="{CF02E96F-6612-4447-A716-AF24BA2BAA38}" type="pres">
+      <dgm:prSet presAssocID="{8E23BBB5-4FFD-4603-8A8B-57D6A8F546C7}" presName="sibTrans" presStyleLbl="bgSibTrans2D1" presStyleIdx="0" presStyleCnt="7"/>
+      <dgm:spPr/>
+    </dgm:pt>
+    <dgm:pt modelId="{9A667FA2-187F-453F-A609-3E1D6425EF0B}" type="pres">
+      <dgm:prSet presAssocID="{F6AB84D7-DC04-4772-BBB8-08839E3E3B0E}" presName="compNode" presStyleCnt="0"/>
+      <dgm:spPr/>
+    </dgm:pt>
+    <dgm:pt modelId="{12C5FEA5-5DFB-44E9-A266-98FCF997518B}" type="pres">
+      <dgm:prSet presAssocID="{F6AB84D7-DC04-4772-BBB8-08839E3E3B0E}" presName="dummyConnPt" presStyleCnt="0"/>
+      <dgm:spPr/>
+    </dgm:pt>
+    <dgm:pt modelId="{5D23B8C8-D64B-484E-B55B-BD146A94EBE7}" type="pres">
+      <dgm:prSet presAssocID="{F6AB84D7-DC04-4772-BBB8-08839E3E3B0E}" presName="node" presStyleLbl="node1" presStyleIdx="1" presStyleCnt="8">
+        <dgm:presLayoutVars>
+          <dgm:bulletEnabled val="1"/>
+        </dgm:presLayoutVars>
+      </dgm:prSet>
+      <dgm:spPr/>
+      <dgm:t>
+        <a:bodyPr/>
+        <a:lstStyle/>
+        <a:p>
+          <a:endParaRPr lang="en-ZA"/>
+        </a:p>
+      </dgm:t>
+    </dgm:pt>
+    <dgm:pt modelId="{6E02BA24-2FD9-4C78-8700-D63A6D75380B}" type="pres">
+      <dgm:prSet presAssocID="{730DAA83-5ECA-4C62-B660-9C169A24A198}" presName="sibTrans" presStyleLbl="bgSibTrans2D1" presStyleIdx="1" presStyleCnt="7"/>
+      <dgm:spPr/>
+    </dgm:pt>
+    <dgm:pt modelId="{35030BF2-BCB0-42C3-AB31-7179BE8CC150}" type="pres">
+      <dgm:prSet presAssocID="{C24C36EC-6312-42E6-85F3-613C20BC1376}" presName="compNode" presStyleCnt="0"/>
+      <dgm:spPr/>
+    </dgm:pt>
+    <dgm:pt modelId="{CB2515C7-E9BC-4E75-9C9B-EE2768D93063}" type="pres">
+      <dgm:prSet presAssocID="{C24C36EC-6312-42E6-85F3-613C20BC1376}" presName="dummyConnPt" presStyleCnt="0"/>
+      <dgm:spPr/>
+    </dgm:pt>
+    <dgm:pt modelId="{DB114CFE-3120-4EDC-8173-69948354E5C4}" type="pres">
+      <dgm:prSet presAssocID="{C24C36EC-6312-42E6-85F3-613C20BC1376}" presName="node" presStyleLbl="node1" presStyleIdx="2" presStyleCnt="8">
+        <dgm:presLayoutVars>
+          <dgm:bulletEnabled val="1"/>
+        </dgm:presLayoutVars>
+      </dgm:prSet>
+      <dgm:spPr/>
+      <dgm:t>
+        <a:bodyPr/>
+        <a:lstStyle/>
+        <a:p>
+          <a:endParaRPr lang="en-ZA"/>
+        </a:p>
+      </dgm:t>
+    </dgm:pt>
+    <dgm:pt modelId="{B3F14615-A4E7-4DA6-B7C0-B9FBB08C1897}" type="pres">
+      <dgm:prSet presAssocID="{A015CC84-CBCB-49E3-9D9B-F66E30B67EB4}" presName="sibTrans" presStyleLbl="bgSibTrans2D1" presStyleIdx="2" presStyleCnt="7"/>
+      <dgm:spPr/>
+    </dgm:pt>
+    <dgm:pt modelId="{51B2E9AB-3D79-49B1-BEBD-4D3750E0DBE2}" type="pres">
+      <dgm:prSet presAssocID="{AC0CA605-AB71-4DDA-8068-AE236D9C9B5B}" presName="compNode" presStyleCnt="0"/>
+      <dgm:spPr/>
+    </dgm:pt>
+    <dgm:pt modelId="{DBAF329C-2944-4956-911D-309355395790}" type="pres">
+      <dgm:prSet presAssocID="{AC0CA605-AB71-4DDA-8068-AE236D9C9B5B}" presName="dummyConnPt" presStyleCnt="0"/>
+      <dgm:spPr/>
+    </dgm:pt>
+    <dgm:pt modelId="{8B6115A6-6B88-4E8C-B7FC-E18F0AFA9CAB}" type="pres">
+      <dgm:prSet presAssocID="{AC0CA605-AB71-4DDA-8068-AE236D9C9B5B}" presName="node" presStyleLbl="node1" presStyleIdx="3" presStyleCnt="8">
+        <dgm:presLayoutVars>
+          <dgm:bulletEnabled val="1"/>
+        </dgm:presLayoutVars>
+      </dgm:prSet>
+      <dgm:spPr/>
+      <dgm:t>
+        <a:bodyPr/>
+        <a:lstStyle/>
+        <a:p>
+          <a:endParaRPr lang="en-ZA"/>
+        </a:p>
+      </dgm:t>
+    </dgm:pt>
+    <dgm:pt modelId="{3C7DEFEB-D965-469F-891F-0F8B1239A0E7}" type="pres">
+      <dgm:prSet presAssocID="{A9DEF564-FDF7-4F00-998C-0108AF2F964C}" presName="sibTrans" presStyleLbl="bgSibTrans2D1" presStyleIdx="3" presStyleCnt="7"/>
+      <dgm:spPr/>
+    </dgm:pt>
+    <dgm:pt modelId="{95BA0601-87BE-4DEF-8582-2DEE0BA26A86}" type="pres">
+      <dgm:prSet presAssocID="{7B5F1AB1-A56B-4592-899D-948C07E9FCE7}" presName="compNode" presStyleCnt="0"/>
+      <dgm:spPr/>
+    </dgm:pt>
+    <dgm:pt modelId="{35B8CA03-6F34-4177-9B95-A8E8FDBAEAFD}" type="pres">
+      <dgm:prSet presAssocID="{7B5F1AB1-A56B-4592-899D-948C07E9FCE7}" presName="dummyConnPt" presStyleCnt="0"/>
+      <dgm:spPr/>
+    </dgm:pt>
+    <dgm:pt modelId="{4831F056-7731-46BB-8DF6-11307D2F1AEB}" type="pres">
+      <dgm:prSet presAssocID="{7B5F1AB1-A56B-4592-899D-948C07E9FCE7}" presName="node" presStyleLbl="node1" presStyleIdx="4" presStyleCnt="8">
+        <dgm:presLayoutVars>
+          <dgm:bulletEnabled val="1"/>
+        </dgm:presLayoutVars>
+      </dgm:prSet>
+      <dgm:spPr/>
+      <dgm:t>
+        <a:bodyPr/>
+        <a:lstStyle/>
+        <a:p>
+          <a:endParaRPr lang="en-ZA"/>
+        </a:p>
+      </dgm:t>
+    </dgm:pt>
+    <dgm:pt modelId="{66DF8E1A-5511-4F36-8E47-F7C36D34BC9C}" type="pres">
+      <dgm:prSet presAssocID="{F9AFC70D-98A9-44D5-AE29-4B77D890DCE5}" presName="sibTrans" presStyleLbl="bgSibTrans2D1" presStyleIdx="4" presStyleCnt="7"/>
+      <dgm:spPr/>
+    </dgm:pt>
+    <dgm:pt modelId="{0EC2B60E-4C2C-4D55-BEB5-A8216C7C4608}" type="pres">
+      <dgm:prSet presAssocID="{F7C8F245-4D7A-469E-B33C-5443AAA03436}" presName="compNode" presStyleCnt="0"/>
+      <dgm:spPr/>
+    </dgm:pt>
+    <dgm:pt modelId="{C7B5F477-8022-4CF3-B025-50DF2E02AE3E}" type="pres">
+      <dgm:prSet presAssocID="{F7C8F245-4D7A-469E-B33C-5443AAA03436}" presName="dummyConnPt" presStyleCnt="0"/>
+      <dgm:spPr/>
+    </dgm:pt>
+    <dgm:pt modelId="{E8D604B9-E6B5-427C-8D2D-C70DBA515C38}" type="pres">
+      <dgm:prSet presAssocID="{F7C8F245-4D7A-469E-B33C-5443AAA03436}" presName="node" presStyleLbl="node1" presStyleIdx="5" presStyleCnt="8">
+        <dgm:presLayoutVars>
+          <dgm:bulletEnabled val="1"/>
+        </dgm:presLayoutVars>
+      </dgm:prSet>
+      <dgm:spPr/>
+    </dgm:pt>
+    <dgm:pt modelId="{F464CA6F-950B-46FF-9EA4-EAFF6B879406}" type="pres">
+      <dgm:prSet presAssocID="{5925B536-8CDD-4273-9EA0-F3DFE28CFC0A}" presName="sibTrans" presStyleLbl="bgSibTrans2D1" presStyleIdx="5" presStyleCnt="7"/>
+      <dgm:spPr/>
+    </dgm:pt>
+    <dgm:pt modelId="{42A1F50B-5B1B-4145-A083-09B1B095BC25}" type="pres">
+      <dgm:prSet presAssocID="{664F3033-06A2-4F92-8AED-49E5BB070394}" presName="compNode" presStyleCnt="0"/>
+      <dgm:spPr/>
+    </dgm:pt>
+    <dgm:pt modelId="{433AA8C9-3897-4850-B5AE-3E09EF57FF22}" type="pres">
+      <dgm:prSet presAssocID="{664F3033-06A2-4F92-8AED-49E5BB070394}" presName="dummyConnPt" presStyleCnt="0"/>
+      <dgm:spPr/>
+    </dgm:pt>
+    <dgm:pt modelId="{E2F09AE3-E19A-4DEE-8439-BD770D589E30}" type="pres">
+      <dgm:prSet presAssocID="{664F3033-06A2-4F92-8AED-49E5BB070394}" presName="node" presStyleLbl="node1" presStyleIdx="6" presStyleCnt="8">
+        <dgm:presLayoutVars>
+          <dgm:bulletEnabled val="1"/>
+        </dgm:presLayoutVars>
+      </dgm:prSet>
+      <dgm:spPr/>
+      <dgm:t>
+        <a:bodyPr/>
+        <a:lstStyle/>
+        <a:p>
+          <a:endParaRPr lang="en-ZA"/>
+        </a:p>
+      </dgm:t>
+    </dgm:pt>
+    <dgm:pt modelId="{E6918614-9BE6-4F65-A414-6CA09685AE8E}" type="pres">
+      <dgm:prSet presAssocID="{24235BDA-3456-4472-A5F8-A95C033405D7}" presName="sibTrans" presStyleLbl="bgSibTrans2D1" presStyleIdx="6" presStyleCnt="7"/>
+      <dgm:spPr/>
+    </dgm:pt>
+    <dgm:pt modelId="{1B166470-D870-4BDA-A5DA-F226145161FC}" type="pres">
+      <dgm:prSet presAssocID="{CE70E7C1-00A1-4F5C-B7F2-4DEA0098B5CC}" presName="compNode" presStyleCnt="0"/>
+      <dgm:spPr/>
+    </dgm:pt>
+    <dgm:pt modelId="{1B7E5009-3647-41FD-B39E-8D4E96783D89}" type="pres">
+      <dgm:prSet presAssocID="{CE70E7C1-00A1-4F5C-B7F2-4DEA0098B5CC}" presName="dummyConnPt" presStyleCnt="0"/>
+      <dgm:spPr/>
+    </dgm:pt>
+    <dgm:pt modelId="{6DEDC417-7D81-4270-BD28-D9247A7A935F}" type="pres">
+      <dgm:prSet presAssocID="{CE70E7C1-00A1-4F5C-B7F2-4DEA0098B5CC}" presName="node" presStyleLbl="node1" presStyleIdx="7" presStyleCnt="8">
+        <dgm:presLayoutVars>
+          <dgm:bulletEnabled val="1"/>
+        </dgm:presLayoutVars>
+      </dgm:prSet>
+      <dgm:spPr/>
+      <dgm:t>
+        <a:bodyPr/>
+        <a:lstStyle/>
+        <a:p>
+          <a:endParaRPr lang="en-ZA"/>
+        </a:p>
+      </dgm:t>
+    </dgm:pt>
+  </dgm:ptLst>
+  <dgm:cxnLst>
+    <dgm:cxn modelId="{2534C515-9526-4995-A442-803954094489}" type="presOf" srcId="{CE70E7C1-00A1-4F5C-B7F2-4DEA0098B5CC}" destId="{6DEDC417-7D81-4270-BD28-D9247A7A935F}" srcOrd="0" destOrd="0" presId="urn:microsoft.com/office/officeart/2005/8/layout/bProcess4"/>
+    <dgm:cxn modelId="{9D075F56-2E0B-4171-8175-C4780726D8AC}" type="presOf" srcId="{24235BDA-3456-4472-A5F8-A95C033405D7}" destId="{E6918614-9BE6-4F65-A414-6CA09685AE8E}" srcOrd="0" destOrd="0" presId="urn:microsoft.com/office/officeart/2005/8/layout/bProcess4"/>
+    <dgm:cxn modelId="{1E40BCCB-1E76-43AB-8C55-8CF0256943F5}" type="presOf" srcId="{664F3033-06A2-4F92-8AED-49E5BB070394}" destId="{E2F09AE3-E19A-4DEE-8439-BD770D589E30}" srcOrd="0" destOrd="0" presId="urn:microsoft.com/office/officeart/2005/8/layout/bProcess4"/>
+    <dgm:cxn modelId="{8E260BD3-C9D7-4508-A4AC-F2E5E19A10BF}" type="presOf" srcId="{AC0CA605-AB71-4DDA-8068-AE236D9C9B5B}" destId="{8B6115A6-6B88-4E8C-B7FC-E18F0AFA9CAB}" srcOrd="0" destOrd="0" presId="urn:microsoft.com/office/officeart/2005/8/layout/bProcess4"/>
+    <dgm:cxn modelId="{2AA4AD88-DEE0-4498-BBBA-098B55978CFC}" srcId="{69D9465D-5278-4893-90E4-FC4A404190FF}" destId="{F7C8F245-4D7A-469E-B33C-5443AAA03436}" srcOrd="5" destOrd="0" parTransId="{7004115D-85D0-4855-8403-56165FBD8C5D}" sibTransId="{5925B536-8CDD-4273-9EA0-F3DFE28CFC0A}"/>
+    <dgm:cxn modelId="{A1F85789-4824-48E4-B23D-DB88A8247DF3}" type="presOf" srcId="{A015CC84-CBCB-49E3-9D9B-F66E30B67EB4}" destId="{B3F14615-A4E7-4DA6-B7C0-B9FBB08C1897}" srcOrd="0" destOrd="0" presId="urn:microsoft.com/office/officeart/2005/8/layout/bProcess4"/>
+    <dgm:cxn modelId="{3B0582A2-3B3D-4DCD-93AC-A52D25E70D8E}" type="presOf" srcId="{7B5F1AB1-A56B-4592-899D-948C07E9FCE7}" destId="{4831F056-7731-46BB-8DF6-11307D2F1AEB}" srcOrd="0" destOrd="0" presId="urn:microsoft.com/office/officeart/2005/8/layout/bProcess4"/>
+    <dgm:cxn modelId="{FF8D777C-18B8-4623-AFA7-00093BE62503}" type="presOf" srcId="{D9BFE88D-86D5-4A4E-9864-049B66CE7B11}" destId="{0111BCDE-244E-4E0C-9F45-971A15B0F1AB}" srcOrd="0" destOrd="0" presId="urn:microsoft.com/office/officeart/2005/8/layout/bProcess4"/>
+    <dgm:cxn modelId="{8995703E-16EE-4A81-9B75-E9CF54A0823C}" type="presOf" srcId="{F9AFC70D-98A9-44D5-AE29-4B77D890DCE5}" destId="{66DF8E1A-5511-4F36-8E47-F7C36D34BC9C}" srcOrd="0" destOrd="0" presId="urn:microsoft.com/office/officeart/2005/8/layout/bProcess4"/>
+    <dgm:cxn modelId="{F8BF60C2-BE39-43A2-9A61-63EC368D0FEB}" type="presOf" srcId="{5925B536-8CDD-4273-9EA0-F3DFE28CFC0A}" destId="{F464CA6F-950B-46FF-9EA4-EAFF6B879406}" srcOrd="0" destOrd="0" presId="urn:microsoft.com/office/officeart/2005/8/layout/bProcess4"/>
+    <dgm:cxn modelId="{1841C2B5-F5D9-4C9D-BC8C-E01099CB1015}" type="presOf" srcId="{730DAA83-5ECA-4C62-B660-9C169A24A198}" destId="{6E02BA24-2FD9-4C78-8700-D63A6D75380B}" srcOrd="0" destOrd="0" presId="urn:microsoft.com/office/officeart/2005/8/layout/bProcess4"/>
+    <dgm:cxn modelId="{E9634CB2-95B8-4A07-9924-3D7B5FC7A4F5}" type="presOf" srcId="{8E23BBB5-4FFD-4603-8A8B-57D6A8F546C7}" destId="{CF02E96F-6612-4447-A716-AF24BA2BAA38}" srcOrd="0" destOrd="0" presId="urn:microsoft.com/office/officeart/2005/8/layout/bProcess4"/>
+    <dgm:cxn modelId="{5D11504B-F891-4E16-81AF-19A4EDD5D894}" srcId="{69D9465D-5278-4893-90E4-FC4A404190FF}" destId="{AC0CA605-AB71-4DDA-8068-AE236D9C9B5B}" srcOrd="3" destOrd="0" parTransId="{8CC74D62-4916-498D-B541-D6C5D6CF2E1B}" sibTransId="{A9DEF564-FDF7-4F00-998C-0108AF2F964C}"/>
+    <dgm:cxn modelId="{35FFAEAE-DC16-4986-AE73-A931A7283792}" srcId="{69D9465D-5278-4893-90E4-FC4A404190FF}" destId="{D9BFE88D-86D5-4A4E-9864-049B66CE7B11}" srcOrd="0" destOrd="0" parTransId="{F9F09A06-4B6D-4FE7-83E2-F8A428C27656}" sibTransId="{8E23BBB5-4FFD-4603-8A8B-57D6A8F546C7}"/>
+    <dgm:cxn modelId="{FA601BAF-F0F4-41C1-9E74-90A3437D9622}" srcId="{69D9465D-5278-4893-90E4-FC4A404190FF}" destId="{F6AB84D7-DC04-4772-BBB8-08839E3E3B0E}" srcOrd="1" destOrd="0" parTransId="{F35EFF0E-EA0B-4C57-8CED-83FEB15CD0FD}" sibTransId="{730DAA83-5ECA-4C62-B660-9C169A24A198}"/>
+    <dgm:cxn modelId="{5D51E946-1572-4B32-A99B-B09C2D21BB4F}" srcId="{69D9465D-5278-4893-90E4-FC4A404190FF}" destId="{664F3033-06A2-4F92-8AED-49E5BB070394}" srcOrd="6" destOrd="0" parTransId="{67711992-C237-4337-995F-B75846ACA60F}" sibTransId="{24235BDA-3456-4472-A5F8-A95C033405D7}"/>
+    <dgm:cxn modelId="{1EA91787-343D-46F0-A1A6-0C2FA465220B}" srcId="{69D9465D-5278-4893-90E4-FC4A404190FF}" destId="{C24C36EC-6312-42E6-85F3-613C20BC1376}" srcOrd="2" destOrd="0" parTransId="{05B560A1-CF69-4666-8BB8-D628BE42664F}" sibTransId="{A015CC84-CBCB-49E3-9D9B-F66E30B67EB4}"/>
+    <dgm:cxn modelId="{29F4C0D2-AE92-4258-BBFD-9A40C4CCE94E}" type="presOf" srcId="{F7C8F245-4D7A-469E-B33C-5443AAA03436}" destId="{E8D604B9-E6B5-427C-8D2D-C70DBA515C38}" srcOrd="0" destOrd="0" presId="urn:microsoft.com/office/officeart/2005/8/layout/bProcess4"/>
+    <dgm:cxn modelId="{BE8A410B-AB19-490E-B9A0-CFE7C4AE16AF}" type="presOf" srcId="{F6AB84D7-DC04-4772-BBB8-08839E3E3B0E}" destId="{5D23B8C8-D64B-484E-B55B-BD146A94EBE7}" srcOrd="0" destOrd="0" presId="urn:microsoft.com/office/officeart/2005/8/layout/bProcess4"/>
+    <dgm:cxn modelId="{D00831ED-127B-4987-AF88-67025158E8BF}" type="presOf" srcId="{C24C36EC-6312-42E6-85F3-613C20BC1376}" destId="{DB114CFE-3120-4EDC-8173-69948354E5C4}" srcOrd="0" destOrd="0" presId="urn:microsoft.com/office/officeart/2005/8/layout/bProcess4"/>
+    <dgm:cxn modelId="{134DE985-81C2-41BB-9A8C-B4B56F87F2E8}" srcId="{69D9465D-5278-4893-90E4-FC4A404190FF}" destId="{7B5F1AB1-A56B-4592-899D-948C07E9FCE7}" srcOrd="4" destOrd="0" parTransId="{32E3B1F7-D695-42F6-9E77-4159D9144FAF}" sibTransId="{F9AFC70D-98A9-44D5-AE29-4B77D890DCE5}"/>
+    <dgm:cxn modelId="{8B540F0B-2250-4B5E-BCCE-C3D246BFA6AE}" srcId="{69D9465D-5278-4893-90E4-FC4A404190FF}" destId="{CE70E7C1-00A1-4F5C-B7F2-4DEA0098B5CC}" srcOrd="7" destOrd="0" parTransId="{F234F055-B622-4D52-AFCB-3BA3D3341CFD}" sibTransId="{31DAD7E9-CE7C-41E2-8D30-CCCC16BF810D}"/>
+    <dgm:cxn modelId="{14055F04-8140-4BAE-862B-A1242381A950}" type="presOf" srcId="{A9DEF564-FDF7-4F00-998C-0108AF2F964C}" destId="{3C7DEFEB-D965-469F-891F-0F8B1239A0E7}" srcOrd="0" destOrd="0" presId="urn:microsoft.com/office/officeart/2005/8/layout/bProcess4"/>
+    <dgm:cxn modelId="{7264B672-CA05-4F31-89F1-FEAC6C34D9E4}" type="presOf" srcId="{69D9465D-5278-4893-90E4-FC4A404190FF}" destId="{F41203AE-3D27-4DFC-B08E-BF6461080D2A}" srcOrd="0" destOrd="0" presId="urn:microsoft.com/office/officeart/2005/8/layout/bProcess4"/>
+    <dgm:cxn modelId="{CA5AFF5C-582E-4958-AD8B-4C61AA2F41AF}" type="presParOf" srcId="{F41203AE-3D27-4DFC-B08E-BF6461080D2A}" destId="{9B9AB0DF-1520-478A-9272-0D99B8FD5BC6}" srcOrd="0" destOrd="0" presId="urn:microsoft.com/office/officeart/2005/8/layout/bProcess4"/>
+    <dgm:cxn modelId="{15240594-B4C4-415C-9491-A30D89E98AC6}" type="presParOf" srcId="{9B9AB0DF-1520-478A-9272-0D99B8FD5BC6}" destId="{DC903BB0-E430-4A21-B00B-32F4402C2D32}" srcOrd="0" destOrd="0" presId="urn:microsoft.com/office/officeart/2005/8/layout/bProcess4"/>
+    <dgm:cxn modelId="{ED9933BF-C8EF-44BB-AE9A-1D88F0BDBBB7}" type="presParOf" srcId="{9B9AB0DF-1520-478A-9272-0D99B8FD5BC6}" destId="{0111BCDE-244E-4E0C-9F45-971A15B0F1AB}" srcOrd="1" destOrd="0" presId="urn:microsoft.com/office/officeart/2005/8/layout/bProcess4"/>
+    <dgm:cxn modelId="{FA1097A3-5155-4760-89F9-746689681550}" type="presParOf" srcId="{F41203AE-3D27-4DFC-B08E-BF6461080D2A}" destId="{CF02E96F-6612-4447-A716-AF24BA2BAA38}" srcOrd="1" destOrd="0" presId="urn:microsoft.com/office/officeart/2005/8/layout/bProcess4"/>
+    <dgm:cxn modelId="{BDB3B645-DBE0-418F-877F-85C3B44B76A5}" type="presParOf" srcId="{F41203AE-3D27-4DFC-B08E-BF6461080D2A}" destId="{9A667FA2-187F-453F-A609-3E1D6425EF0B}" srcOrd="2" destOrd="0" presId="urn:microsoft.com/office/officeart/2005/8/layout/bProcess4"/>
+    <dgm:cxn modelId="{52DE8A12-385C-454E-846D-FCC060C90274}" type="presParOf" srcId="{9A667FA2-187F-453F-A609-3E1D6425EF0B}" destId="{12C5FEA5-5DFB-44E9-A266-98FCF997518B}" srcOrd="0" destOrd="0" presId="urn:microsoft.com/office/officeart/2005/8/layout/bProcess4"/>
+    <dgm:cxn modelId="{6EFD2BB4-6154-49FF-98B5-39A713F94235}" type="presParOf" srcId="{9A667FA2-187F-453F-A609-3E1D6425EF0B}" destId="{5D23B8C8-D64B-484E-B55B-BD146A94EBE7}" srcOrd="1" destOrd="0" presId="urn:microsoft.com/office/officeart/2005/8/layout/bProcess4"/>
+    <dgm:cxn modelId="{16B51105-CD3E-46BA-B486-3F4CE049E7CA}" type="presParOf" srcId="{F41203AE-3D27-4DFC-B08E-BF6461080D2A}" destId="{6E02BA24-2FD9-4C78-8700-D63A6D75380B}" srcOrd="3" destOrd="0" presId="urn:microsoft.com/office/officeart/2005/8/layout/bProcess4"/>
+    <dgm:cxn modelId="{021F6B41-2550-4F24-B331-0C4AFBACEB53}" type="presParOf" srcId="{F41203AE-3D27-4DFC-B08E-BF6461080D2A}" destId="{35030BF2-BCB0-42C3-AB31-7179BE8CC150}" srcOrd="4" destOrd="0" presId="urn:microsoft.com/office/officeart/2005/8/layout/bProcess4"/>
+    <dgm:cxn modelId="{0D6E4739-E8CC-4C48-B2CC-0EFBE5D1E332}" type="presParOf" srcId="{35030BF2-BCB0-42C3-AB31-7179BE8CC150}" destId="{CB2515C7-E9BC-4E75-9C9B-EE2768D93063}" srcOrd="0" destOrd="0" presId="urn:microsoft.com/office/officeart/2005/8/layout/bProcess4"/>
+    <dgm:cxn modelId="{E5292FA2-132A-4830-BD6C-EA1844C8C96E}" type="presParOf" srcId="{35030BF2-BCB0-42C3-AB31-7179BE8CC150}" destId="{DB114CFE-3120-4EDC-8173-69948354E5C4}" srcOrd="1" destOrd="0" presId="urn:microsoft.com/office/officeart/2005/8/layout/bProcess4"/>
+    <dgm:cxn modelId="{872C1DFB-00BC-470C-893E-EED308FF86EF}" type="presParOf" srcId="{F41203AE-3D27-4DFC-B08E-BF6461080D2A}" destId="{B3F14615-A4E7-4DA6-B7C0-B9FBB08C1897}" srcOrd="5" destOrd="0" presId="urn:microsoft.com/office/officeart/2005/8/layout/bProcess4"/>
+    <dgm:cxn modelId="{D780329D-184D-4C77-9DE4-CE71C8375042}" type="presParOf" srcId="{F41203AE-3D27-4DFC-B08E-BF6461080D2A}" destId="{51B2E9AB-3D79-49B1-BEBD-4D3750E0DBE2}" srcOrd="6" destOrd="0" presId="urn:microsoft.com/office/officeart/2005/8/layout/bProcess4"/>
+    <dgm:cxn modelId="{D0DD72D6-0906-4FBA-9353-B5822734B50B}" type="presParOf" srcId="{51B2E9AB-3D79-49B1-BEBD-4D3750E0DBE2}" destId="{DBAF329C-2944-4956-911D-309355395790}" srcOrd="0" destOrd="0" presId="urn:microsoft.com/office/officeart/2005/8/layout/bProcess4"/>
+    <dgm:cxn modelId="{DCD78565-9883-4583-A427-BF3BE1B3D1F1}" type="presParOf" srcId="{51B2E9AB-3D79-49B1-BEBD-4D3750E0DBE2}" destId="{8B6115A6-6B88-4E8C-B7FC-E18F0AFA9CAB}" srcOrd="1" destOrd="0" presId="urn:microsoft.com/office/officeart/2005/8/layout/bProcess4"/>
+    <dgm:cxn modelId="{E45FDF8F-C134-4118-BBAD-351B4D61A606}" type="presParOf" srcId="{F41203AE-3D27-4DFC-B08E-BF6461080D2A}" destId="{3C7DEFEB-D965-469F-891F-0F8B1239A0E7}" srcOrd="7" destOrd="0" presId="urn:microsoft.com/office/officeart/2005/8/layout/bProcess4"/>
+    <dgm:cxn modelId="{10A5659F-D2B7-435F-99D5-01997329F952}" type="presParOf" srcId="{F41203AE-3D27-4DFC-B08E-BF6461080D2A}" destId="{95BA0601-87BE-4DEF-8582-2DEE0BA26A86}" srcOrd="8" destOrd="0" presId="urn:microsoft.com/office/officeart/2005/8/layout/bProcess4"/>
+    <dgm:cxn modelId="{C6F8B40E-95BE-4EE4-A362-BB08AFA79057}" type="presParOf" srcId="{95BA0601-87BE-4DEF-8582-2DEE0BA26A86}" destId="{35B8CA03-6F34-4177-9B95-A8E8FDBAEAFD}" srcOrd="0" destOrd="0" presId="urn:microsoft.com/office/officeart/2005/8/layout/bProcess4"/>
+    <dgm:cxn modelId="{23E2F483-11DE-4DE0-9551-F55A26837D98}" type="presParOf" srcId="{95BA0601-87BE-4DEF-8582-2DEE0BA26A86}" destId="{4831F056-7731-46BB-8DF6-11307D2F1AEB}" srcOrd="1" destOrd="0" presId="urn:microsoft.com/office/officeart/2005/8/layout/bProcess4"/>
+    <dgm:cxn modelId="{5CDDD9B9-4662-4F77-87BF-B6A17287C5D4}" type="presParOf" srcId="{F41203AE-3D27-4DFC-B08E-BF6461080D2A}" destId="{66DF8E1A-5511-4F36-8E47-F7C36D34BC9C}" srcOrd="9" destOrd="0" presId="urn:microsoft.com/office/officeart/2005/8/layout/bProcess4"/>
+    <dgm:cxn modelId="{2268B8AF-65CC-4C02-AB4E-43D42E115E3E}" type="presParOf" srcId="{F41203AE-3D27-4DFC-B08E-BF6461080D2A}" destId="{0EC2B60E-4C2C-4D55-BEB5-A8216C7C4608}" srcOrd="10" destOrd="0" presId="urn:microsoft.com/office/officeart/2005/8/layout/bProcess4"/>
+    <dgm:cxn modelId="{D0B57D9B-2D76-41E6-B974-3D286A2CD103}" type="presParOf" srcId="{0EC2B60E-4C2C-4D55-BEB5-A8216C7C4608}" destId="{C7B5F477-8022-4CF3-B025-50DF2E02AE3E}" srcOrd="0" destOrd="0" presId="urn:microsoft.com/office/officeart/2005/8/layout/bProcess4"/>
+    <dgm:cxn modelId="{74DDBF6B-6BEE-4A8C-8307-C0FC3B61314F}" type="presParOf" srcId="{0EC2B60E-4C2C-4D55-BEB5-A8216C7C4608}" destId="{E8D604B9-E6B5-427C-8D2D-C70DBA515C38}" srcOrd="1" destOrd="0" presId="urn:microsoft.com/office/officeart/2005/8/layout/bProcess4"/>
+    <dgm:cxn modelId="{D2489678-6DB6-4F50-8939-EF2B05AED99F}" type="presParOf" srcId="{F41203AE-3D27-4DFC-B08E-BF6461080D2A}" destId="{F464CA6F-950B-46FF-9EA4-EAFF6B879406}" srcOrd="11" destOrd="0" presId="urn:microsoft.com/office/officeart/2005/8/layout/bProcess4"/>
+    <dgm:cxn modelId="{5B1F33A7-87E6-4FE1-BF4C-C81441CABAB8}" type="presParOf" srcId="{F41203AE-3D27-4DFC-B08E-BF6461080D2A}" destId="{42A1F50B-5B1B-4145-A083-09B1B095BC25}" srcOrd="12" destOrd="0" presId="urn:microsoft.com/office/officeart/2005/8/layout/bProcess4"/>
+    <dgm:cxn modelId="{4CBB8F7D-C824-4220-A196-EC45FEC5C43C}" type="presParOf" srcId="{42A1F50B-5B1B-4145-A083-09B1B095BC25}" destId="{433AA8C9-3897-4850-B5AE-3E09EF57FF22}" srcOrd="0" destOrd="0" presId="urn:microsoft.com/office/officeart/2005/8/layout/bProcess4"/>
+    <dgm:cxn modelId="{FBA57ABC-E0B0-4B33-BDCE-C285EF5B0050}" type="presParOf" srcId="{42A1F50B-5B1B-4145-A083-09B1B095BC25}" destId="{E2F09AE3-E19A-4DEE-8439-BD770D589E30}" srcOrd="1" destOrd="0" presId="urn:microsoft.com/office/officeart/2005/8/layout/bProcess4"/>
+    <dgm:cxn modelId="{EA2AFB78-53B3-41F8-A021-C3723A455772}" type="presParOf" srcId="{F41203AE-3D27-4DFC-B08E-BF6461080D2A}" destId="{E6918614-9BE6-4F65-A414-6CA09685AE8E}" srcOrd="13" destOrd="0" presId="urn:microsoft.com/office/officeart/2005/8/layout/bProcess4"/>
+    <dgm:cxn modelId="{95C13A71-38F2-484B-BBA1-CC4647C4D62F}" type="presParOf" srcId="{F41203AE-3D27-4DFC-B08E-BF6461080D2A}" destId="{1B166470-D870-4BDA-A5DA-F226145161FC}" srcOrd="14" destOrd="0" presId="urn:microsoft.com/office/officeart/2005/8/layout/bProcess4"/>
+    <dgm:cxn modelId="{3979E22D-E500-4D43-8DAE-FE091A357B39}" type="presParOf" srcId="{1B166470-D870-4BDA-A5DA-F226145161FC}" destId="{1B7E5009-3647-41FD-B39E-8D4E96783D89}" srcOrd="0" destOrd="0" presId="urn:microsoft.com/office/officeart/2005/8/layout/bProcess4"/>
+    <dgm:cxn modelId="{05955F1B-8852-4592-991E-90E7D5C7A8CD}" type="presParOf" srcId="{1B166470-D870-4BDA-A5DA-F226145161FC}" destId="{6DEDC417-7D81-4270-BD28-D9247A7A935F}" srcOrd="1" destOrd="0" presId="urn:microsoft.com/office/officeart/2005/8/layout/bProcess4"/>
+  </dgm:cxnLst>
+  <dgm:bg/>
+  <dgm:whole/>
+  <dgm:extLst>
+    <a:ext uri="http://schemas.microsoft.com/office/drawing/2008/diagram">
+      <dsp:dataModelExt xmlns:dsp="http://schemas.microsoft.com/office/drawing/2008/diagram" relId="rId10" minVer="http://schemas.openxmlformats.org/drawingml/2006/diagram"/>
+    </a:ext>
+  </dgm:extLst>
+</dgm:dataModel>
+</file>
+
+<file path=ppt/diagrams/drawing1.xml><?xml version="1.0" encoding="utf-8"?>
+<dsp:drawing xmlns:dgm="http://schemas.openxmlformats.org/drawingml/2006/diagram" xmlns:dsp="http://schemas.microsoft.com/office/drawing/2008/diagram" xmlns:a="http://schemas.openxmlformats.org/drawingml/2006/main">
+  <dsp:spTree>
+    <dsp:nvGrpSpPr>
+      <dsp:cNvPr id="0" name=""/>
+      <dsp:cNvGrpSpPr/>
+    </dsp:nvGrpSpPr>
+    <dsp:grpSpPr/>
+    <dsp:sp modelId="{CF02E96F-6612-4447-A716-AF24BA2BAA38}">
+      <dsp:nvSpPr>
+        <dsp:cNvPr id="0" name=""/>
+        <dsp:cNvSpPr/>
+      </dsp:nvSpPr>
+      <dsp:spPr>
+        <a:xfrm rot="5400000">
+          <a:off x="-248440" y="968770"/>
+          <a:ext cx="1108808" cy="134236"/>
+        </a:xfrm>
+        <a:prstGeom prst="rect">
+          <a:avLst/>
+        </a:prstGeom>
+        <a:solidFill>
+          <a:schemeClr val="accent5">
+            <a:hueOff val="0"/>
+            <a:satOff val="0"/>
+            <a:lumOff val="0"/>
+            <a:alphaOff val="0"/>
+          </a:schemeClr>
+        </a:solidFill>
+        <a:ln>
+          <a:noFill/>
+        </a:ln>
+        <a:effectLst/>
+      </dsp:spPr>
+      <dsp:style>
+        <a:lnRef idx="0">
+          <a:scrgbClr r="0" g="0" b="0"/>
+        </a:lnRef>
+        <a:fillRef idx="1">
+          <a:scrgbClr r="0" g="0" b="0"/>
+        </a:fillRef>
+        <a:effectRef idx="0">
+          <a:scrgbClr r="0" g="0" b="0"/>
+        </a:effectRef>
+        <a:fontRef idx="minor">
+          <a:schemeClr val="lt1"/>
+        </a:fontRef>
+      </dsp:style>
+    </dsp:sp>
+    <dsp:sp modelId="{0111BCDE-244E-4E0C-9F45-971A15B0F1AB}">
+      <dsp:nvSpPr>
+        <dsp:cNvPr id="0" name=""/>
+        <dsp:cNvSpPr/>
+      </dsp:nvSpPr>
+      <dsp:spPr>
+        <a:xfrm>
+          <a:off x="2748" y="255389"/>
+          <a:ext cx="1491512" cy="894907"/>
+        </a:xfrm>
+        <a:prstGeom prst="roundRect">
+          <a:avLst>
+            <a:gd name="adj" fmla="val 10000"/>
+          </a:avLst>
+        </a:prstGeom>
+        <a:solidFill>
+          <a:schemeClr val="accent5">
+            <a:hueOff val="0"/>
+            <a:satOff val="0"/>
+            <a:lumOff val="0"/>
+            <a:alphaOff val="0"/>
+          </a:schemeClr>
+        </a:solidFill>
+        <a:ln w="12700" cap="flat" cmpd="sng" algn="ctr">
+          <a:solidFill>
+            <a:schemeClr val="lt1">
+              <a:hueOff val="0"/>
+              <a:satOff val="0"/>
+              <a:lumOff val="0"/>
+              <a:alphaOff val="0"/>
+            </a:schemeClr>
+          </a:solidFill>
+          <a:prstDash val="solid"/>
+          <a:miter lim="800000"/>
+        </a:ln>
+        <a:effectLst/>
+      </dsp:spPr>
+      <dsp:style>
+        <a:lnRef idx="2">
+          <a:scrgbClr r="0" g="0" b="0"/>
+        </a:lnRef>
+        <a:fillRef idx="1">
+          <a:scrgbClr r="0" g="0" b="0"/>
+        </a:fillRef>
+        <a:effectRef idx="0">
+          <a:scrgbClr r="0" g="0" b="0"/>
+        </a:effectRef>
+        <a:fontRef idx="minor">
+          <a:schemeClr val="lt1"/>
+        </a:fontRef>
+      </dsp:style>
+      <dsp:txBody>
+        <a:bodyPr spcFirstLastPara="0" vert="horz" wrap="square" lIns="30480" tIns="30480" rIns="30480" bIns="30480" numCol="1" spcCol="1270" anchor="ctr" anchorCtr="0">
+          <a:noAutofit/>
+        </a:bodyPr>
+        <a:lstStyle/>
+        <a:p>
+          <a:pPr lvl="0" algn="ctr" defTabSz="355600">
+            <a:lnSpc>
+              <a:spcPct val="90000"/>
+            </a:lnSpc>
+            <a:spcBef>
+              <a:spcPct val="0"/>
+            </a:spcBef>
+            <a:spcAft>
+              <a:spcPct val="35000"/>
+            </a:spcAft>
+          </a:pPr>
+          <a:r>
+            <a:rPr lang="en-ZA" sz="800" kern="1200" dirty="0" smtClean="0"/>
+            <a:t>Collect data from the Android’s sensors.</a:t>
+          </a:r>
+          <a:endParaRPr lang="en-ZA" sz="800" kern="1200" dirty="0"/>
+        </a:p>
+      </dsp:txBody>
+      <dsp:txXfrm>
+        <a:off x="28959" y="281600"/>
+        <a:ext cx="1439090" cy="842485"/>
+      </dsp:txXfrm>
+    </dsp:sp>
+    <dsp:sp modelId="{6E02BA24-2FD9-4C78-8700-D63A6D75380B}">
+      <dsp:nvSpPr>
+        <dsp:cNvPr id="0" name=""/>
+        <dsp:cNvSpPr/>
+      </dsp:nvSpPr>
+      <dsp:spPr>
+        <a:xfrm rot="5400000">
+          <a:off x="-248440" y="2087405"/>
+          <a:ext cx="1108808" cy="134236"/>
+        </a:xfrm>
+        <a:prstGeom prst="rect">
+          <a:avLst/>
+        </a:prstGeom>
+        <a:solidFill>
+          <a:schemeClr val="accent5">
+            <a:hueOff val="-1225557"/>
+            <a:satOff val="-1705"/>
+            <a:lumOff val="-654"/>
+            <a:alphaOff val="0"/>
+          </a:schemeClr>
+        </a:solidFill>
+        <a:ln>
+          <a:noFill/>
+        </a:ln>
+        <a:effectLst/>
+      </dsp:spPr>
+      <dsp:style>
+        <a:lnRef idx="0">
+          <a:scrgbClr r="0" g="0" b="0"/>
+        </a:lnRef>
+        <a:fillRef idx="1">
+          <a:scrgbClr r="0" g="0" b="0"/>
+        </a:fillRef>
+        <a:effectRef idx="0">
+          <a:scrgbClr r="0" g="0" b="0"/>
+        </a:effectRef>
+        <a:fontRef idx="minor">
+          <a:schemeClr val="lt1"/>
+        </a:fontRef>
+      </dsp:style>
+    </dsp:sp>
+    <dsp:sp modelId="{5D23B8C8-D64B-484E-B55B-BD146A94EBE7}">
+      <dsp:nvSpPr>
+        <dsp:cNvPr id="0" name=""/>
+        <dsp:cNvSpPr/>
+      </dsp:nvSpPr>
+      <dsp:spPr>
+        <a:xfrm>
+          <a:off x="2748" y="1374023"/>
+          <a:ext cx="1491512" cy="894907"/>
+        </a:xfrm>
+        <a:prstGeom prst="roundRect">
+          <a:avLst>
+            <a:gd name="adj" fmla="val 10000"/>
+          </a:avLst>
+        </a:prstGeom>
+        <a:solidFill>
+          <a:schemeClr val="accent5">
+            <a:hueOff val="-1050478"/>
+            <a:satOff val="-1461"/>
+            <a:lumOff val="-560"/>
+            <a:alphaOff val="0"/>
+          </a:schemeClr>
+        </a:solidFill>
+        <a:ln w="12700" cap="flat" cmpd="sng" algn="ctr">
+          <a:solidFill>
+            <a:schemeClr val="lt1">
+              <a:hueOff val="0"/>
+              <a:satOff val="0"/>
+              <a:lumOff val="0"/>
+              <a:alphaOff val="0"/>
+            </a:schemeClr>
+          </a:solidFill>
+          <a:prstDash val="solid"/>
+          <a:miter lim="800000"/>
+        </a:ln>
+        <a:effectLst/>
+      </dsp:spPr>
+      <dsp:style>
+        <a:lnRef idx="2">
+          <a:scrgbClr r="0" g="0" b="0"/>
+        </a:lnRef>
+        <a:fillRef idx="1">
+          <a:scrgbClr r="0" g="0" b="0"/>
+        </a:fillRef>
+        <a:effectRef idx="0">
+          <a:scrgbClr r="0" g="0" b="0"/>
+        </a:effectRef>
+        <a:fontRef idx="minor">
+          <a:schemeClr val="lt1"/>
+        </a:fontRef>
+      </dsp:style>
+      <dsp:txBody>
+        <a:bodyPr spcFirstLastPara="0" vert="horz" wrap="square" lIns="30480" tIns="30480" rIns="30480" bIns="30480" numCol="1" spcCol="1270" anchor="ctr" anchorCtr="0">
+          <a:noAutofit/>
+        </a:bodyPr>
+        <a:lstStyle/>
+        <a:p>
+          <a:pPr lvl="0" algn="ctr" defTabSz="355600">
+            <a:lnSpc>
+              <a:spcPct val="90000"/>
+            </a:lnSpc>
+            <a:spcBef>
+              <a:spcPct val="0"/>
+            </a:spcBef>
+            <a:spcAft>
+              <a:spcPct val="35000"/>
+            </a:spcAft>
+          </a:pPr>
+          <a:r>
+            <a:rPr lang="en-ZA" sz="800" kern="1200" dirty="0" smtClean="0"/>
+            <a:t>We determine many bad things all previous users have averaged per second. And transform that data into a normal distribution.</a:t>
+          </a:r>
+          <a:endParaRPr lang="en-ZA" sz="800" kern="1200" dirty="0"/>
+        </a:p>
+      </dsp:txBody>
+      <dsp:txXfrm>
+        <a:off x="28959" y="1400234"/>
+        <a:ext cx="1439090" cy="842485"/>
+      </dsp:txXfrm>
+    </dsp:sp>
+    <dsp:sp modelId="{B3F14615-A4E7-4DA6-B7C0-B9FBB08C1897}">
+      <dsp:nvSpPr>
+        <dsp:cNvPr id="0" name=""/>
+        <dsp:cNvSpPr/>
+      </dsp:nvSpPr>
+      <dsp:spPr>
+        <a:xfrm>
+          <a:off x="310876" y="2646722"/>
+          <a:ext cx="1973885" cy="134236"/>
+        </a:xfrm>
+        <a:prstGeom prst="rect">
+          <a:avLst/>
+        </a:prstGeom>
+        <a:solidFill>
+          <a:schemeClr val="accent5">
+            <a:hueOff val="-2451115"/>
+            <a:satOff val="-3409"/>
+            <a:lumOff val="-1307"/>
+            <a:alphaOff val="0"/>
+          </a:schemeClr>
+        </a:solidFill>
+        <a:ln>
+          <a:noFill/>
+        </a:ln>
+        <a:effectLst/>
+      </dsp:spPr>
+      <dsp:style>
+        <a:lnRef idx="0">
+          <a:scrgbClr r="0" g="0" b="0"/>
+        </a:lnRef>
+        <a:fillRef idx="1">
+          <a:scrgbClr r="0" g="0" b="0"/>
+        </a:fillRef>
+        <a:effectRef idx="0">
+          <a:scrgbClr r="0" g="0" b="0"/>
+        </a:effectRef>
+        <a:fontRef idx="minor">
+          <a:schemeClr val="lt1"/>
+        </a:fontRef>
+      </dsp:style>
+    </dsp:sp>
+    <dsp:sp modelId="{DB114CFE-3120-4EDC-8173-69948354E5C4}">
+      <dsp:nvSpPr>
+        <dsp:cNvPr id="0" name=""/>
+        <dsp:cNvSpPr/>
+      </dsp:nvSpPr>
+      <dsp:spPr>
+        <a:xfrm>
+          <a:off x="2748" y="2492658"/>
+          <a:ext cx="1491512" cy="894907"/>
+        </a:xfrm>
+        <a:prstGeom prst="roundRect">
+          <a:avLst>
+            <a:gd name="adj" fmla="val 10000"/>
+          </a:avLst>
+        </a:prstGeom>
+        <a:solidFill>
+          <a:schemeClr val="accent5">
+            <a:hueOff val="-2100956"/>
+            <a:satOff val="-2922"/>
+            <a:lumOff val="-1121"/>
+            <a:alphaOff val="0"/>
+          </a:schemeClr>
+        </a:solidFill>
+        <a:ln w="12700" cap="flat" cmpd="sng" algn="ctr">
+          <a:solidFill>
+            <a:schemeClr val="lt1">
+              <a:hueOff val="0"/>
+              <a:satOff val="0"/>
+              <a:lumOff val="0"/>
+              <a:alphaOff val="0"/>
+            </a:schemeClr>
+          </a:solidFill>
+          <a:prstDash val="solid"/>
+          <a:miter lim="800000"/>
+        </a:ln>
+        <a:effectLst/>
+      </dsp:spPr>
+      <dsp:style>
+        <a:lnRef idx="2">
+          <a:scrgbClr r="0" g="0" b="0"/>
+        </a:lnRef>
+        <a:fillRef idx="1">
+          <a:scrgbClr r="0" g="0" b="0"/>
+        </a:fillRef>
+        <a:effectRef idx="0">
+          <a:scrgbClr r="0" g="0" b="0"/>
+        </a:effectRef>
+        <a:fontRef idx="minor">
+          <a:schemeClr val="lt1"/>
+        </a:fontRef>
+      </dsp:style>
+      <dsp:txBody>
+        <a:bodyPr spcFirstLastPara="0" vert="horz" wrap="square" lIns="30480" tIns="30480" rIns="30480" bIns="30480" numCol="1" spcCol="1270" anchor="ctr" anchorCtr="0">
+          <a:noAutofit/>
+        </a:bodyPr>
+        <a:lstStyle/>
+        <a:p>
+          <a:pPr lvl="0" algn="ctr" defTabSz="355600">
+            <a:lnSpc>
+              <a:spcPct val="90000"/>
+            </a:lnSpc>
+            <a:spcBef>
+              <a:spcPct val="0"/>
+            </a:spcBef>
+            <a:spcAft>
+              <a:spcPct val="35000"/>
+            </a:spcAft>
+          </a:pPr>
+          <a:r>
+            <a:rPr lang="en-ZA" sz="800" kern="1200" dirty="0" smtClean="0"/>
+            <a:t>Determine how many bad things the current user does per second.</a:t>
+          </a:r>
+          <a:endParaRPr lang="en-ZA" sz="800" kern="1200" dirty="0"/>
+        </a:p>
+      </dsp:txBody>
+      <dsp:txXfrm>
+        <a:off x="28959" y="2518869"/>
+        <a:ext cx="1439090" cy="842485"/>
+      </dsp:txXfrm>
+    </dsp:sp>
+    <dsp:sp modelId="{3C7DEFEB-D965-469F-891F-0F8B1239A0E7}">
+      <dsp:nvSpPr>
+        <dsp:cNvPr id="0" name=""/>
+        <dsp:cNvSpPr/>
+      </dsp:nvSpPr>
+      <dsp:spPr>
+        <a:xfrm rot="16200000">
+          <a:off x="1735271" y="2087405"/>
+          <a:ext cx="1108808" cy="134236"/>
+        </a:xfrm>
+        <a:prstGeom prst="rect">
+          <a:avLst/>
+        </a:prstGeom>
+        <a:solidFill>
+          <a:schemeClr val="accent5">
+            <a:hueOff val="-3676672"/>
+            <a:satOff val="-5114"/>
+            <a:lumOff val="-1961"/>
+            <a:alphaOff val="0"/>
+          </a:schemeClr>
+        </a:solidFill>
+        <a:ln>
+          <a:noFill/>
+        </a:ln>
+        <a:effectLst/>
+      </dsp:spPr>
+      <dsp:style>
+        <a:lnRef idx="0">
+          <a:scrgbClr r="0" g="0" b="0"/>
+        </a:lnRef>
+        <a:fillRef idx="1">
+          <a:scrgbClr r="0" g="0" b="0"/>
+        </a:fillRef>
+        <a:effectRef idx="0">
+          <a:scrgbClr r="0" g="0" b="0"/>
+        </a:effectRef>
+        <a:fontRef idx="minor">
+          <a:schemeClr val="lt1"/>
+        </a:fontRef>
+      </dsp:style>
+    </dsp:sp>
+    <dsp:sp modelId="{8B6115A6-6B88-4E8C-B7FC-E18F0AFA9CAB}">
+      <dsp:nvSpPr>
+        <dsp:cNvPr id="0" name=""/>
+        <dsp:cNvSpPr/>
+      </dsp:nvSpPr>
+      <dsp:spPr>
+        <a:xfrm>
+          <a:off x="1986459" y="2492658"/>
+          <a:ext cx="1491512" cy="894907"/>
+        </a:xfrm>
+        <a:prstGeom prst="roundRect">
+          <a:avLst>
+            <a:gd name="adj" fmla="val 10000"/>
+          </a:avLst>
+        </a:prstGeom>
+        <a:solidFill>
+          <a:schemeClr val="accent5">
+            <a:hueOff val="-3151433"/>
+            <a:satOff val="-4383"/>
+            <a:lumOff val="-1681"/>
+            <a:alphaOff val="0"/>
+          </a:schemeClr>
+        </a:solidFill>
+        <a:ln w="12700" cap="flat" cmpd="sng" algn="ctr">
+          <a:solidFill>
+            <a:schemeClr val="lt1">
+              <a:hueOff val="0"/>
+              <a:satOff val="0"/>
+              <a:lumOff val="0"/>
+              <a:alphaOff val="0"/>
+            </a:schemeClr>
+          </a:solidFill>
+          <a:prstDash val="solid"/>
+          <a:miter lim="800000"/>
+        </a:ln>
+        <a:effectLst/>
+      </dsp:spPr>
+      <dsp:style>
+        <a:lnRef idx="2">
+          <a:scrgbClr r="0" g="0" b="0"/>
+        </a:lnRef>
+        <a:fillRef idx="1">
+          <a:scrgbClr r="0" g="0" b="0"/>
+        </a:fillRef>
+        <a:effectRef idx="0">
+          <a:scrgbClr r="0" g="0" b="0"/>
+        </a:effectRef>
+        <a:fontRef idx="minor">
+          <a:schemeClr val="lt1"/>
+        </a:fontRef>
+      </dsp:style>
+      <dsp:txBody>
+        <a:bodyPr spcFirstLastPara="0" vert="horz" wrap="square" lIns="30480" tIns="30480" rIns="30480" bIns="30480" numCol="1" spcCol="1270" anchor="ctr" anchorCtr="0">
+          <a:noAutofit/>
+        </a:bodyPr>
+        <a:lstStyle/>
+        <a:p>
+          <a:pPr lvl="0" algn="ctr" defTabSz="355600">
+            <a:lnSpc>
+              <a:spcPct val="90000"/>
+            </a:lnSpc>
+            <a:spcBef>
+              <a:spcPct val="0"/>
+            </a:spcBef>
+            <a:spcAft>
+              <a:spcPct val="35000"/>
+            </a:spcAft>
+          </a:pPr>
+          <a:r>
+            <a:rPr lang="en-ZA" sz="800" kern="1200" dirty="0" smtClean="0"/>
+            <a:t>One of the useful properties of the data we exploit, is that we are able to estimate a position on a normal distribution for the likelihood of the observed results in terms of the number of bad things per second.</a:t>
+          </a:r>
+          <a:endParaRPr lang="en-ZA" sz="800" kern="1200" dirty="0"/>
+        </a:p>
+      </dsp:txBody>
+      <dsp:txXfrm>
+        <a:off x="2012670" y="2518869"/>
+        <a:ext cx="1439090" cy="842485"/>
+      </dsp:txXfrm>
+    </dsp:sp>
+    <dsp:sp modelId="{66DF8E1A-5511-4F36-8E47-F7C36D34BC9C}">
+      <dsp:nvSpPr>
+        <dsp:cNvPr id="0" name=""/>
+        <dsp:cNvSpPr/>
+      </dsp:nvSpPr>
+      <dsp:spPr>
+        <a:xfrm rot="16200000">
+          <a:off x="1735271" y="968770"/>
+          <a:ext cx="1108808" cy="134236"/>
+        </a:xfrm>
+        <a:prstGeom prst="rect">
+          <a:avLst/>
+        </a:prstGeom>
+        <a:solidFill>
+          <a:schemeClr val="accent5">
+            <a:hueOff val="-4902230"/>
+            <a:satOff val="-6819"/>
+            <a:lumOff val="-2615"/>
+            <a:alphaOff val="0"/>
+          </a:schemeClr>
+        </a:solidFill>
+        <a:ln>
+          <a:noFill/>
+        </a:ln>
+        <a:effectLst/>
+      </dsp:spPr>
+      <dsp:style>
+        <a:lnRef idx="0">
+          <a:scrgbClr r="0" g="0" b="0"/>
+        </a:lnRef>
+        <a:fillRef idx="1">
+          <a:scrgbClr r="0" g="0" b="0"/>
+        </a:fillRef>
+        <a:effectRef idx="0">
+          <a:scrgbClr r="0" g="0" b="0"/>
+        </a:effectRef>
+        <a:fontRef idx="minor">
+          <a:schemeClr val="lt1"/>
+        </a:fontRef>
+      </dsp:style>
+    </dsp:sp>
+    <dsp:sp modelId="{4831F056-7731-46BB-8DF6-11307D2F1AEB}">
+      <dsp:nvSpPr>
+        <dsp:cNvPr id="0" name=""/>
+        <dsp:cNvSpPr/>
+      </dsp:nvSpPr>
+      <dsp:spPr>
+        <a:xfrm>
+          <a:off x="1986459" y="1374023"/>
+          <a:ext cx="1491512" cy="894907"/>
+        </a:xfrm>
+        <a:prstGeom prst="roundRect">
+          <a:avLst>
+            <a:gd name="adj" fmla="val 10000"/>
+          </a:avLst>
+        </a:prstGeom>
+        <a:solidFill>
+          <a:schemeClr val="accent5">
+            <a:hueOff val="-4201911"/>
+            <a:satOff val="-5845"/>
+            <a:lumOff val="-2241"/>
+            <a:alphaOff val="0"/>
+          </a:schemeClr>
+        </a:solidFill>
+        <a:ln w="12700" cap="flat" cmpd="sng" algn="ctr">
+          <a:solidFill>
+            <a:schemeClr val="lt1">
+              <a:hueOff val="0"/>
+              <a:satOff val="0"/>
+              <a:lumOff val="0"/>
+              <a:alphaOff val="0"/>
+            </a:schemeClr>
+          </a:solidFill>
+          <a:prstDash val="solid"/>
+          <a:miter lim="800000"/>
+        </a:ln>
+        <a:effectLst/>
+      </dsp:spPr>
+      <dsp:style>
+        <a:lnRef idx="2">
+          <a:scrgbClr r="0" g="0" b="0"/>
+        </a:lnRef>
+        <a:fillRef idx="1">
+          <a:scrgbClr r="0" g="0" b="0"/>
+        </a:fillRef>
+        <a:effectRef idx="0">
+          <a:scrgbClr r="0" g="0" b="0"/>
+        </a:effectRef>
+        <a:fontRef idx="minor">
+          <a:schemeClr val="lt1"/>
+        </a:fontRef>
+      </dsp:style>
+      <dsp:txBody>
+        <a:bodyPr spcFirstLastPara="0" vert="horz" wrap="square" lIns="30480" tIns="30480" rIns="30480" bIns="30480" numCol="1" spcCol="1270" anchor="ctr" anchorCtr="0">
+          <a:noAutofit/>
+        </a:bodyPr>
+        <a:lstStyle/>
+        <a:p>
+          <a:pPr lvl="0" algn="ctr" defTabSz="355600">
+            <a:lnSpc>
+              <a:spcPct val="90000"/>
+            </a:lnSpc>
+            <a:spcBef>
+              <a:spcPct val="0"/>
+            </a:spcBef>
+            <a:spcAft>
+              <a:spcPct val="35000"/>
+            </a:spcAft>
+          </a:pPr>
+          <a:r>
+            <a:rPr lang="en-ZA" sz="800" kern="1200" dirty="0" smtClean="0"/>
+            <a:t>Using this information, we are able to estimate a probability that the score of the current trip was a result of random chance when compared to the normal distribution of all other drivers.</a:t>
+          </a:r>
+          <a:endParaRPr lang="en-ZA" sz="800" kern="1200" dirty="0"/>
+        </a:p>
+      </dsp:txBody>
+      <dsp:txXfrm>
+        <a:off x="2012670" y="1400234"/>
+        <a:ext cx="1439090" cy="842485"/>
+      </dsp:txXfrm>
+    </dsp:sp>
+    <dsp:sp modelId="{F464CA6F-950B-46FF-9EA4-EAFF6B879406}">
+      <dsp:nvSpPr>
+        <dsp:cNvPr id="0" name=""/>
+        <dsp:cNvSpPr/>
+      </dsp:nvSpPr>
+      <dsp:spPr>
+        <a:xfrm>
+          <a:off x="2294588" y="409453"/>
+          <a:ext cx="1973885" cy="134236"/>
+        </a:xfrm>
+        <a:prstGeom prst="rect">
+          <a:avLst/>
+        </a:prstGeom>
+        <a:solidFill>
+          <a:schemeClr val="accent5">
+            <a:hueOff val="-6127787"/>
+            <a:satOff val="-8523"/>
+            <a:lumOff val="-3268"/>
+            <a:alphaOff val="0"/>
+          </a:schemeClr>
+        </a:solidFill>
+        <a:ln>
+          <a:noFill/>
+        </a:ln>
+        <a:effectLst/>
+      </dsp:spPr>
+      <dsp:style>
+        <a:lnRef idx="0">
+          <a:scrgbClr r="0" g="0" b="0"/>
+        </a:lnRef>
+        <a:fillRef idx="1">
+          <a:scrgbClr r="0" g="0" b="0"/>
+        </a:fillRef>
+        <a:effectRef idx="0">
+          <a:scrgbClr r="0" g="0" b="0"/>
+        </a:effectRef>
+        <a:fontRef idx="minor">
+          <a:schemeClr val="lt1"/>
+        </a:fontRef>
+      </dsp:style>
+    </dsp:sp>
+    <dsp:sp modelId="{E8D604B9-E6B5-427C-8D2D-C70DBA515C38}">
+      <dsp:nvSpPr>
+        <dsp:cNvPr id="0" name=""/>
+        <dsp:cNvSpPr/>
+      </dsp:nvSpPr>
+      <dsp:spPr>
+        <a:xfrm>
+          <a:off x="1986459" y="255389"/>
+          <a:ext cx="1491512" cy="894907"/>
+        </a:xfrm>
+        <a:prstGeom prst="roundRect">
+          <a:avLst>
+            <a:gd name="adj" fmla="val 10000"/>
+          </a:avLst>
+        </a:prstGeom>
+        <a:solidFill>
+          <a:schemeClr val="accent5">
+            <a:hueOff val="-5252389"/>
+            <a:satOff val="-7306"/>
+            <a:lumOff val="-2801"/>
+            <a:alphaOff val="0"/>
+          </a:schemeClr>
+        </a:solidFill>
+        <a:ln w="12700" cap="flat" cmpd="sng" algn="ctr">
+          <a:solidFill>
+            <a:schemeClr val="lt1">
+              <a:hueOff val="0"/>
+              <a:satOff val="0"/>
+              <a:lumOff val="0"/>
+              <a:alphaOff val="0"/>
+            </a:schemeClr>
+          </a:solidFill>
+          <a:prstDash val="solid"/>
+          <a:miter lim="800000"/>
+        </a:ln>
+        <a:effectLst/>
+      </dsp:spPr>
+      <dsp:style>
+        <a:lnRef idx="2">
+          <a:scrgbClr r="0" g="0" b="0"/>
+        </a:lnRef>
+        <a:fillRef idx="1">
+          <a:scrgbClr r="0" g="0" b="0"/>
+        </a:fillRef>
+        <a:effectRef idx="0">
+          <a:scrgbClr r="0" g="0" b="0"/>
+        </a:effectRef>
+        <a:fontRef idx="minor">
+          <a:schemeClr val="lt1"/>
+        </a:fontRef>
+      </dsp:style>
+      <dsp:txBody>
+        <a:bodyPr spcFirstLastPara="0" vert="horz" wrap="square" lIns="30480" tIns="30480" rIns="30480" bIns="30480" numCol="1" spcCol="1270" anchor="ctr" anchorCtr="0">
+          <a:noAutofit/>
+        </a:bodyPr>
+        <a:lstStyle/>
+        <a:p>
+          <a:pPr lvl="0" algn="ctr" defTabSz="355600">
+            <a:lnSpc>
+              <a:spcPct val="90000"/>
+            </a:lnSpc>
+            <a:spcBef>
+              <a:spcPct val="0"/>
+            </a:spcBef>
+            <a:spcAft>
+              <a:spcPct val="35000"/>
+            </a:spcAft>
+          </a:pPr>
+          <a:r>
+            <a:rPr lang="en-ZA" sz="800" kern="1200" dirty="0" smtClean="0"/>
+            <a:t>From this data we calculate a Z-score for the distance of the person’s number of bad things from the normal distribution of the number of bad things.</a:t>
+          </a:r>
+        </a:p>
+        <a:p>
+          <a:pPr lvl="0" algn="ctr" defTabSz="355600">
+            <a:lnSpc>
+              <a:spcPct val="90000"/>
+            </a:lnSpc>
+            <a:spcBef>
+              <a:spcPct val="0"/>
+            </a:spcBef>
+            <a:spcAft>
+              <a:spcPct val="35000"/>
+            </a:spcAft>
+          </a:pPr>
+          <a:endParaRPr lang="en-ZA" sz="800" kern="1200" dirty="0"/>
+        </a:p>
+      </dsp:txBody>
+      <dsp:txXfrm>
+        <a:off x="2012670" y="281600"/>
+        <a:ext cx="1439090" cy="842485"/>
+      </dsp:txXfrm>
+    </dsp:sp>
+    <dsp:sp modelId="{E6918614-9BE6-4F65-A414-6CA09685AE8E}">
+      <dsp:nvSpPr>
+        <dsp:cNvPr id="0" name=""/>
+        <dsp:cNvSpPr/>
+      </dsp:nvSpPr>
+      <dsp:spPr>
+        <a:xfrm rot="5400000">
+          <a:off x="3718982" y="968770"/>
+          <a:ext cx="1108808" cy="134236"/>
+        </a:xfrm>
+        <a:prstGeom prst="rect">
+          <a:avLst/>
+        </a:prstGeom>
+        <a:solidFill>
+          <a:schemeClr val="accent5">
+            <a:hueOff val="-7353344"/>
+            <a:satOff val="-10228"/>
+            <a:lumOff val="-3922"/>
+            <a:alphaOff val="0"/>
+          </a:schemeClr>
+        </a:solidFill>
+        <a:ln>
+          <a:noFill/>
+        </a:ln>
+        <a:effectLst/>
+      </dsp:spPr>
+      <dsp:style>
+        <a:lnRef idx="0">
+          <a:scrgbClr r="0" g="0" b="0"/>
+        </a:lnRef>
+        <a:fillRef idx="1">
+          <a:scrgbClr r="0" g="0" b="0"/>
+        </a:fillRef>
+        <a:effectRef idx="0">
+          <a:scrgbClr r="0" g="0" b="0"/>
+        </a:effectRef>
+        <a:fontRef idx="minor">
+          <a:schemeClr val="lt1"/>
+        </a:fontRef>
+      </dsp:style>
+    </dsp:sp>
+    <dsp:sp modelId="{E2F09AE3-E19A-4DEE-8439-BD770D589E30}">
+      <dsp:nvSpPr>
+        <dsp:cNvPr id="0" name=""/>
+        <dsp:cNvSpPr/>
+      </dsp:nvSpPr>
+      <dsp:spPr>
+        <a:xfrm>
+          <a:off x="3970171" y="255389"/>
+          <a:ext cx="1491512" cy="894907"/>
+        </a:xfrm>
+        <a:prstGeom prst="roundRect">
+          <a:avLst>
+            <a:gd name="adj" fmla="val 10000"/>
+          </a:avLst>
+        </a:prstGeom>
+        <a:solidFill>
+          <a:schemeClr val="accent5">
+            <a:hueOff val="-6302867"/>
+            <a:satOff val="-8767"/>
+            <a:lumOff val="-3362"/>
+            <a:alphaOff val="0"/>
+          </a:schemeClr>
+        </a:solidFill>
+        <a:ln w="12700" cap="flat" cmpd="sng" algn="ctr">
+          <a:solidFill>
+            <a:schemeClr val="lt1">
+              <a:hueOff val="0"/>
+              <a:satOff val="0"/>
+              <a:lumOff val="0"/>
+              <a:alphaOff val="0"/>
+            </a:schemeClr>
+          </a:solidFill>
+          <a:prstDash val="solid"/>
+          <a:miter lim="800000"/>
+        </a:ln>
+        <a:effectLst/>
+      </dsp:spPr>
+      <dsp:style>
+        <a:lnRef idx="2">
+          <a:scrgbClr r="0" g="0" b="0"/>
+        </a:lnRef>
+        <a:fillRef idx="1">
+          <a:scrgbClr r="0" g="0" b="0"/>
+        </a:fillRef>
+        <a:effectRef idx="0">
+          <a:scrgbClr r="0" g="0" b="0"/>
+        </a:effectRef>
+        <a:fontRef idx="minor">
+          <a:schemeClr val="lt1"/>
+        </a:fontRef>
+      </dsp:style>
+      <dsp:txBody>
+        <a:bodyPr spcFirstLastPara="0" vert="horz" wrap="square" lIns="30480" tIns="30480" rIns="30480" bIns="30480" numCol="1" spcCol="1270" anchor="ctr" anchorCtr="0">
+          <a:noAutofit/>
+        </a:bodyPr>
+        <a:lstStyle/>
+        <a:p>
+          <a:pPr lvl="0" algn="ctr" defTabSz="355600">
+            <a:lnSpc>
+              <a:spcPct val="90000"/>
+            </a:lnSpc>
+            <a:spcBef>
+              <a:spcPct val="0"/>
+            </a:spcBef>
+            <a:spcAft>
+              <a:spcPct val="35000"/>
+            </a:spcAft>
+          </a:pPr>
+          <a:r>
+            <a:rPr lang="en-ZA" sz="800" kern="1200" dirty="0" smtClean="0"/>
+            <a:t>Using our z-score and by integrating the normal distribution function, we are able to estimate the area to the left of the normal distribution’s score.</a:t>
+          </a:r>
+          <a:endParaRPr lang="en-ZA" sz="800" kern="1200" dirty="0"/>
+        </a:p>
+      </dsp:txBody>
+      <dsp:txXfrm>
+        <a:off x="3996382" y="281600"/>
+        <a:ext cx="1439090" cy="842485"/>
+      </dsp:txXfrm>
+    </dsp:sp>
+    <dsp:sp modelId="{6DEDC417-7D81-4270-BD28-D9247A7A935F}">
+      <dsp:nvSpPr>
+        <dsp:cNvPr id="0" name=""/>
+        <dsp:cNvSpPr/>
+      </dsp:nvSpPr>
+      <dsp:spPr>
+        <a:xfrm>
+          <a:off x="3970171" y="1374023"/>
+          <a:ext cx="1491512" cy="894907"/>
+        </a:xfrm>
+        <a:prstGeom prst="roundRect">
+          <a:avLst>
+            <a:gd name="adj" fmla="val 10000"/>
+          </a:avLst>
+        </a:prstGeom>
+        <a:solidFill>
+          <a:schemeClr val="accent5">
+            <a:hueOff val="-7353344"/>
+            <a:satOff val="-10228"/>
+            <a:lumOff val="-3922"/>
+            <a:alphaOff val="0"/>
+          </a:schemeClr>
+        </a:solidFill>
+        <a:ln w="12700" cap="flat" cmpd="sng" algn="ctr">
+          <a:solidFill>
+            <a:schemeClr val="lt1">
+              <a:hueOff val="0"/>
+              <a:satOff val="0"/>
+              <a:lumOff val="0"/>
+              <a:alphaOff val="0"/>
+            </a:schemeClr>
+          </a:solidFill>
+          <a:prstDash val="solid"/>
+          <a:miter lim="800000"/>
+        </a:ln>
+        <a:effectLst/>
+      </dsp:spPr>
+      <dsp:style>
+        <a:lnRef idx="2">
+          <a:scrgbClr r="0" g="0" b="0"/>
+        </a:lnRef>
+        <a:fillRef idx="1">
+          <a:scrgbClr r="0" g="0" b="0"/>
+        </a:fillRef>
+        <a:effectRef idx="0">
+          <a:scrgbClr r="0" g="0" b="0"/>
+        </a:effectRef>
+        <a:fontRef idx="minor">
+          <a:schemeClr val="lt1"/>
+        </a:fontRef>
+      </dsp:style>
+      <dsp:txBody>
+        <a:bodyPr spcFirstLastPara="0" vert="horz" wrap="square" lIns="30480" tIns="30480" rIns="30480" bIns="30480" numCol="1" spcCol="1270" anchor="ctr" anchorCtr="0">
+          <a:noAutofit/>
+        </a:bodyPr>
+        <a:lstStyle/>
+        <a:p>
+          <a:pPr lvl="0" algn="ctr" defTabSz="355600">
+            <a:lnSpc>
+              <a:spcPct val="90000"/>
+            </a:lnSpc>
+            <a:spcBef>
+              <a:spcPct val="0"/>
+            </a:spcBef>
+            <a:spcAft>
+              <a:spcPct val="35000"/>
+            </a:spcAft>
+          </a:pPr>
+          <a:r>
+            <a:rPr lang="en-ZA" sz="800" kern="1200" dirty="0" smtClean="0"/>
+            <a:t>Because the area under a normal distribution always equals 1, we can simply multiply the area by 10 to achieve a score out of 10 for the quality of that person’s driving.</a:t>
+          </a:r>
+          <a:endParaRPr lang="en-ZA" sz="800" kern="1200" dirty="0"/>
+        </a:p>
+      </dsp:txBody>
+      <dsp:txXfrm>
+        <a:off x="3996382" y="1400234"/>
+        <a:ext cx="1439090" cy="842485"/>
+      </dsp:txXfrm>
+    </dsp:sp>
+  </dsp:spTree>
+</dsp:drawing>
+</file>
+
+<file path=ppt/diagrams/layout1.xml><?xml version="1.0" encoding="utf-8"?>
+<dgm:layoutDef xmlns:dgm="http://schemas.openxmlformats.org/drawingml/2006/diagram" xmlns:a="http://schemas.openxmlformats.org/drawingml/2006/main" uniqueId="urn:microsoft.com/office/officeart/2005/8/layout/bProcess4">
+  <dgm:title val=""/>
+  <dgm:desc val=""/>
+  <dgm:catLst>
+    <dgm:cat type="process" pri="19000"/>
+  </dgm:catLst>
+  <dgm:sampData>
+    <dgm:dataModel>
+      <dgm:ptLst>
+        <dgm:pt modelId="0" type="doc"/>
+        <dgm:pt modelId="1">
+          <dgm:prSet phldr="1"/>
+        </dgm:pt>
+        <dgm:pt modelId="2">
+          <dgm:prSet phldr="1"/>
+        </dgm:pt>
+        <dgm:pt modelId="3">
+          <dgm:prSet phldr="1"/>
+        </dgm:pt>
+        <dgm:pt modelId="4">
+          <dgm:prSet phldr="1"/>
+        </dgm:pt>
+        <dgm:pt modelId="5">
+          <dgm:prSet phldr="1"/>
+        </dgm:pt>
+        <dgm:pt modelId="6">
+          <dgm:prSet phldr="1"/>
+        </dgm:pt>
+        <dgm:pt modelId="7">
+          <dgm:prSet phldr="1"/>
+        </dgm:pt>
+        <dgm:pt modelId="8">
+          <dgm:prSet phldr="1"/>
+        </dgm:pt>
+        <dgm:pt modelId="9">
+          <dgm:prSet phldr="1"/>
+        </dgm:pt>
+      </dgm:ptLst>
+      <dgm:cxnLst>
+        <dgm:cxn modelId="10" srcId="0" destId="1" srcOrd="0" destOrd="0"/>
+        <dgm:cxn modelId="11" srcId="0" destId="2" srcOrd="1" destOrd="0"/>
+        <dgm:cxn modelId="12" srcId="0" destId="3" srcOrd="2" destOrd="0"/>
+        <dgm:cxn modelId="13" srcId="0" destId="4" srcOrd="3" destOrd="0"/>
+        <dgm:cxn modelId="14" srcId="0" destId="5" srcOrd="4" destOrd="0"/>
+        <dgm:cxn modelId="15" srcId="0" destId="6" srcOrd="5" destOrd="0"/>
+        <dgm:cxn modelId="16" srcId="0" destId="7" srcOrd="6" destOrd="0"/>
+        <dgm:cxn modelId="17" srcId="0" destId="8" srcOrd="7" destOrd="0"/>
+        <dgm:cxn modelId="18" srcId="0" destId="9" srcOrd="8" destOrd="0"/>
+      </dgm:cxnLst>
+      <dgm:bg/>
+      <dgm:whole/>
+    </dgm:dataModel>
+  </dgm:sampData>
+  <dgm:styleData>
+    <dgm:dataModel>
+      <dgm:ptLst>
+        <dgm:pt modelId="0" type="doc"/>
+        <dgm:pt modelId="1"/>
+        <dgm:pt modelId="2"/>
+      </dgm:ptLst>
+      <dgm:cxnLst>
+        <dgm:cxn modelId="3" srcId="0" destId="1" srcOrd="0" destOrd="0"/>
+        <dgm:cxn modelId="4" srcId="0" destId="2" srcOrd="1" destOrd="0"/>
+      </dgm:cxnLst>
+      <dgm:bg/>
+      <dgm:whole/>
+    </dgm:dataModel>
+  </dgm:styleData>
+  <dgm:clrData>
+    <dgm:dataModel>
+      <dgm:ptLst>
+        <dgm:pt modelId="0" type="doc"/>
+        <dgm:pt modelId="1"/>
+        <dgm:pt modelId="2"/>
+        <dgm:pt modelId="3"/>
+        <dgm:pt modelId="4"/>
+        <dgm:pt modelId="5"/>
+        <dgm:pt modelId="6"/>
+      </dgm:ptLst>
+      <dgm:cxnLst>
+        <dgm:cxn modelId="7" srcId="0" destId="1" srcOrd="0" destOrd="0"/>
+        <dgm:cxn modelId="8" srcId="0" destId="2" srcOrd="1" destOrd="0"/>
+        <dgm:cxn modelId="9" srcId="0" destId="3" srcOrd="2" destOrd="0"/>
+        <dgm:cxn modelId="10" srcId="0" destId="4" srcOrd="3" destOrd="0"/>
+        <dgm:cxn modelId="11" srcId="0" destId="5" srcOrd="4" destOrd="0"/>
+        <dgm:cxn modelId="12" srcId="0" destId="6" srcOrd="5" destOrd="0"/>
+      </dgm:cxnLst>
+      <dgm:bg/>
+      <dgm:whole/>
+    </dgm:dataModel>
+  </dgm:clrData>
+  <dgm:layoutNode name="Name0">
+    <dgm:varLst>
+      <dgm:dir/>
+      <dgm:resizeHandles/>
+    </dgm:varLst>
+    <dgm:choose name="Name1">
+      <dgm:if name="Name2" func="var" arg="dir" op="equ" val="norm">
+        <dgm:alg type="snake">
+          <dgm:param type="grDir" val="tL"/>
+          <dgm:param type="flowDir" val="col"/>
+          <dgm:param type="contDir" val="revDir"/>
+          <dgm:param type="bkpt" val="bal"/>
+        </dgm:alg>
+      </dgm:if>
+      <dgm:else name="Name3">
+        <dgm:alg type="snake">
+          <dgm:param type="grDir" val="tR"/>
+          <dgm:param type="flowDir" val="col"/>
+          <dgm:param type="contDir" val="revDir"/>
+          <dgm:param type="bkpt" val="bal"/>
+        </dgm:alg>
+      </dgm:else>
+    </dgm:choose>
+    <dgm:shape xmlns:r="http://schemas.openxmlformats.org/officeDocument/2006/relationships" r:blip="">
+      <dgm:adjLst/>
+    </dgm:shape>
+    <dgm:presOf/>
+    <dgm:constrLst>
+      <dgm:constr type="w" for="ch" forName="compNode" refType="w"/>
+      <dgm:constr type="h" for="ch" forName="compNode" refType="w" fact="0.6"/>
+      <dgm:constr type="h" for="ch" forName="sibTrans" refType="h" refFor="ch" refForName="compNode" op="equ" fact="0.25"/>
+      <dgm:constr type="sp" refType="w" fact="0.33"/>
+      <dgm:constr type="primFontSz" for="des" forName="node" op="equ" val="65"/>
+    </dgm:constrLst>
+    <dgm:ruleLst/>
+    <dgm:forEach name="nodesForEach" axis="ch" ptType="node">
+      <dgm:layoutNode name="compNode">
+        <dgm:alg type="composite"/>
+        <dgm:shape xmlns:r="http://schemas.openxmlformats.org/officeDocument/2006/relationships" r:blip="">
+          <dgm:adjLst/>
+        </dgm:shape>
+        <dgm:presOf/>
+        <dgm:choose name="Name4">
+          <dgm:if name="Name5" axis="self" func="var" arg="dir" op="equ" val="norm">
+            <dgm:constrLst>
+              <dgm:constr type="l" for="ch" forName="dummyConnPt" refType="w" fact="0.2"/>
+              <dgm:constr type="t" for="ch" forName="dummyConnPt" refType="w" fact="0.145"/>
+              <dgm:constr type="l" for="ch" forName="node"/>
+              <dgm:constr type="t" for="ch" forName="node"/>
+              <dgm:constr type="h" for="ch" forName="node" refType="h"/>
+              <dgm:constr type="w" for="ch" forName="node" refType="w"/>
+            </dgm:constrLst>
+          </dgm:if>
+          <dgm:else name="Name6">
+            <dgm:constrLst>
+              <dgm:constr type="l" for="ch" forName="dummyConnPt" refType="w" fact="0.8"/>
+              <dgm:constr type="t" for="ch" forName="dummyConnPt" refType="w" fact="0.145"/>
+              <dgm:constr type="l" for="ch" forName="node"/>
+              <dgm:constr type="t" for="ch" forName="node"/>
+              <dgm:constr type="h" for="ch" forName="node" refType="h"/>
+              <dgm:constr type="w" for="ch" forName="node" refType="w"/>
+            </dgm:constrLst>
+          </dgm:else>
+        </dgm:choose>
+        <dgm:ruleLst/>
+        <dgm:layoutNode name="dummyConnPt" styleLbl="node1" moveWith="node">
+          <dgm:alg type="sp"/>
+          <dgm:shape xmlns:r="http://schemas.openxmlformats.org/officeDocument/2006/relationships" r:blip="">
+            <dgm:adjLst/>
+          </dgm:shape>
+          <dgm:presOf/>
+          <dgm:constrLst>
+            <dgm:constr type="w" val="1"/>
+            <dgm:constr type="h" val="1"/>
+          </dgm:constrLst>
+          <dgm:ruleLst/>
+        </dgm:layoutNode>
+        <dgm:layoutNode name="node">
+          <dgm:varLst>
+            <dgm:bulletEnabled val="1"/>
+          </dgm:varLst>
+          <dgm:alg type="tx"/>
+          <dgm:shape xmlns:r="http://schemas.openxmlformats.org/officeDocument/2006/relationships" type="roundRect" r:blip="">
+            <dgm:adjLst>
+              <dgm:adj idx="1" val="0.1"/>
+            </dgm:adjLst>
+          </dgm:shape>
+          <dgm:presOf axis="desOrSelf" ptType="node"/>
+          <dgm:constrLst>
+            <dgm:constr type="tMarg" refType="primFontSz" fact="0.3"/>
+            <dgm:constr type="bMarg" refType="primFontSz" fact="0.3"/>
+            <dgm:constr type="lMarg" refType="primFontSz" fact="0.3"/>
+            <dgm:constr type="rMarg" refType="primFontSz" fact="0.3"/>
+            <dgm:constr type="primFontSz" val="65"/>
+          </dgm:constrLst>
+          <dgm:ruleLst>
+            <dgm:rule type="primFontSz" val="5" fact="NaN" max="NaN"/>
+          </dgm:ruleLst>
+        </dgm:layoutNode>
+      </dgm:layoutNode>
+      <dgm:forEach name="sibTransForEach" axis="followSib" cnt="1">
+        <dgm:layoutNode name="sibTrans" styleLbl="bgSibTrans2D1">
+          <dgm:choose name="Name7">
+            <dgm:if name="Name8" axis="self" func="var" arg="dir" op="equ" val="norm">
+              <dgm:alg type="conn">
+                <dgm:param type="srcNode" val="dummyConnPt"/>
+                <dgm:param type="dstNode" val="dummyConnPt"/>
+                <dgm:param type="begPts" val="bCtr, midR, tCtr"/>
+                <dgm:param type="endPts" val="tCtr, midL, bCtr"/>
+                <dgm:param type="begSty" val="noArr"/>
+                <dgm:param type="endSty" val="noArr"/>
+              </dgm:alg>
+            </dgm:if>
+            <dgm:else name="Name9">
+              <dgm:alg type="conn">
+                <dgm:param type="srcNode" val="dummyConnPt"/>
+                <dgm:param type="dstNode" val="dummyConnPt"/>
+                <dgm:param type="begPts" val="bCtr, midL, tCtr"/>
+                <dgm:param type="endPts" val="tCtr, midR, bCtr"/>
+                <dgm:param type="begSty" val="noArr"/>
+                <dgm:param type="endSty" val="noArr"/>
+              </dgm:alg>
+            </dgm:else>
+          </dgm:choose>
+          <dgm:shape xmlns:r="http://schemas.openxmlformats.org/officeDocument/2006/relationships" type="conn" r:blip="" zOrderOff="-2">
+            <dgm:adjLst/>
+          </dgm:shape>
+          <dgm:presOf axis="self"/>
+          <dgm:constrLst>
+            <dgm:constr type="begPad"/>
+            <dgm:constr type="endPad"/>
+          </dgm:constrLst>
+          <dgm:ruleLst/>
+        </dgm:layoutNode>
+      </dgm:forEach>
+    </dgm:forEach>
+  </dgm:layoutNode>
+</dgm:layoutDef>
+</file>
+
+<file path=ppt/diagrams/quickStyle1.xml><?xml version="1.0" encoding="utf-8"?>
+<dgm:styleDef xmlns:dgm="http://schemas.openxmlformats.org/drawingml/2006/diagram" xmlns:a="http://schemas.openxmlformats.org/drawingml/2006/main" uniqueId="urn:microsoft.com/office/officeart/2005/8/quickstyle/simple1">
+  <dgm:title val=""/>
+  <dgm:desc val=""/>
+  <dgm:catLst>
+    <dgm:cat type="simple" pri="10100"/>
+  </dgm:catLst>
+  <dgm:scene3d>
+    <a:camera prst="orthographicFront"/>
+    <a:lightRig rig="threePt" dir="t"/>
+  </dgm:scene3d>
+  <dgm:styleLbl name="node0">
+    <dgm:scene3d>
+      <a:camera prst="orthographicFront"/>
+      <a:lightRig rig="threePt" dir="t"/>
+    </dgm:scene3d>
+    <dgm:sp3d/>
+    <dgm:txPr/>
+    <dgm:style>
+      <a:lnRef idx="2">
+        <a:scrgbClr r="0" g="0" b="0"/>
+      </a:lnRef>
+      <a:fillRef idx="1">
+        <a:scrgbClr r="0" g="0" b="0"/>
+      </a:fillRef>
+      <a:effectRef idx="0">
+        <a:scrgbClr r="0" g="0" b="0"/>
+      </a:effectRef>
+      <a:fontRef idx="minor">
+        <a:schemeClr val="lt1"/>
+      </a:fontRef>
+    </dgm:style>
+  </dgm:styleLbl>
+  <dgm:styleLbl name="lnNode1">
+    <dgm:scene3d>
+      <a:camera prst="orthographicFront"/>
+      <a:lightRig rig="threePt" dir="t"/>
+    </dgm:scene3d>
+    <dgm:sp3d/>
+    <dgm:txPr/>
+    <dgm:style>
+      <a:lnRef idx="2">
+        <a:scrgbClr r="0" g="0" b="0"/>
+      </a:lnRef>
+      <a:fillRef idx="1">
+        <a:scrgbClr r="0" g="0" b="0"/>
+      </a:fillRef>
+      <a:effectRef idx="0">
+        <a:scrgbClr r="0" g="0" b="0"/>
+      </a:effectRef>
+      <a:fontRef idx="minor">
+        <a:schemeClr val="lt1"/>
+      </a:fontRef>
+    </dgm:style>
+  </dgm:styleLbl>
+  <dgm:styleLbl name="vennNode1">
+    <dgm:scene3d>
+      <a:camera prst="orthographicFront"/>
+      <a:lightRig rig="threePt" dir="t"/>
+    </dgm:scene3d>
+    <dgm:sp3d/>
+    <dgm:txPr/>
+    <dgm:style>
+      <a:lnRef idx="2">
+        <a:scrgbClr r="0" g="0" b="0"/>
+      </a:lnRef>
+      <a:fillRef idx="1">
+        <a:scrgbClr r="0" g="0" b="0"/>
+      </a:fillRef>
+      <a:effectRef idx="0">
+        <a:scrgbClr r="0" g="0" b="0"/>
+      </a:effectRef>
+      <a:fontRef idx="minor">
+        <a:schemeClr val="tx1"/>
+      </a:fontRef>
+    </dgm:style>
+  </dgm:styleLbl>
+  <dgm:styleLbl name="alignNode1">
+    <dgm:scene3d>
+      <a:camera prst="orthographicFront"/>
+      <a:lightRig rig="threePt" dir="t"/>
+    </dgm:scene3d>
+    <dgm:sp3d/>
+    <dgm:txPr/>
+    <dgm:style>
+      <a:lnRef idx="2">
+        <a:scrgbClr r="0" g="0" b="0"/>
+      </a:lnRef>
+      <a:fillRef idx="1">
+        <a:scrgbClr r="0" g="0" b="0"/>
+      </a:fillRef>
+      <a:effectRef idx="0">
+        <a:scrgbClr r="0" g="0" b="0"/>
+      </a:effectRef>
+      <a:fontRef idx="minor">
+        <a:schemeClr val="lt1"/>
+      </a:fontRef>
+    </dgm:style>
+  </dgm:styleLbl>
+  <dgm:styleLbl name="node1">
+    <dgm:scene3d>
+      <a:camera prst="orthographicFront"/>
+      <a:lightRig rig="threePt" dir="t"/>
+    </dgm:scene3d>
+    <dgm:sp3d/>
+    <dgm:txPr/>
+    <dgm:style>
+      <a:lnRef idx="2">
+        <a:scrgbClr r="0" g="0" b="0"/>
+      </a:lnRef>
+      <a:fillRef idx="1">
+        <a:scrgbClr r="0" g="0" b="0"/>
+      </a:fillRef>
+      <a:effectRef idx="0">
+        <a:scrgbClr r="0" g="0" b="0"/>
+      </a:effectRef>
+      <a:fontRef idx="minor">
+        <a:schemeClr val="lt1"/>
+      </a:fontRef>
+    </dgm:style>
+  </dgm:styleLbl>
+  <dgm:styleLbl name="node2">
+    <dgm:scene3d>
+      <a:camera prst="orthographicFront"/>
+      <a:lightRig rig="threePt" dir="t"/>
+    </dgm:scene3d>
+    <dgm:sp3d/>
+    <dgm:txPr/>
+    <dgm:style>
+      <a:lnRef idx="2">
+        <a:scrgbClr r="0" g="0" b="0"/>
+      </a:lnRef>
+      <a:fillRef idx="1">
+        <a:scrgbClr r="0" g="0" b="0"/>
+      </a:fillRef>
+      <a:effectRef idx="0">
+        <a:scrgbClr r="0" g="0" b="0"/>
+      </a:effectRef>
+      <a:fontRef idx="minor">
+        <a:schemeClr val="lt1"/>
+      </a:fontRef>
+    </dgm:style>
+  </dgm:styleLbl>
+  <dgm:styleLbl name="node3">
+    <dgm:scene3d>
+      <a:camera prst="orthographicFront"/>
+      <a:lightRig rig="threePt" dir="t"/>
+    </dgm:scene3d>
+    <dgm:sp3d/>
+    <dgm:txPr/>
+    <dgm:style>
+      <a:lnRef idx="2">
+        <a:scrgbClr r="0" g="0" b="0"/>
+      </a:lnRef>
+      <a:fillRef idx="1">
+        <a:scrgbClr r="0" g="0" b="0"/>
+      </a:fillRef>
+      <a:effectRef idx="0">
+        <a:scrgbClr r="0" g="0" b="0"/>
+      </a:effectRef>
+      <a:fontRef idx="minor">
+        <a:schemeClr val="lt1"/>
+      </a:fontRef>
+    </dgm:style>
+  </dgm:styleLbl>
+  <dgm:styleLbl name="node4">
+    <dgm:scene3d>
+      <a:camera prst="orthographicFront"/>
+      <a:lightRig rig="threePt" dir="t"/>
+    </dgm:scene3d>
+    <dgm:sp3d/>
+    <dgm:txPr/>
+    <dgm:style>
+      <a:lnRef idx="2">
+        <a:scrgbClr r="0" g="0" b="0"/>
+      </a:lnRef>
+      <a:fillRef idx="1">
+        <a:scrgbClr r="0" g="0" b="0"/>
+      </a:fillRef>
+      <a:effectRef idx="0">
+        <a:scrgbClr r="0" g="0" b="0"/>
+      </a:effectRef>
+      <a:fontRef idx="minor">
+        <a:schemeClr val="lt1"/>
+      </a:fontRef>
+    </dgm:style>
+  </dgm:styleLbl>
+  <dgm:styleLbl name="fgImgPlace1">
+    <dgm:scene3d>
+      <a:camera prst="orthographicFront"/>
+      <a:lightRig rig="threePt" dir="t"/>
+    </dgm:scene3d>
+    <dgm:sp3d/>
+    <dgm:txPr/>
+    <dgm:style>
+      <a:lnRef idx="2">
+        <a:scrgbClr r="0" g="0" b="0"/>
+      </a:lnRef>
+      <a:fillRef idx="1">
+        <a:scrgbClr r="0" g="0" b="0"/>
+      </a:fillRef>
+      <a:effectRef idx="0">
+        <a:scrgbClr r="0" g="0" b="0"/>
+      </a:effectRef>
+      <a:fontRef idx="minor"/>
+    </dgm:style>
+  </dgm:styleLbl>
+  <dgm:styleLbl name="alignImgPlace1">
+    <dgm:scene3d>
+      <a:camera prst="orthographicFront"/>
+      <a:lightRig rig="threePt" dir="t"/>
+    </dgm:scene3d>
+    <dgm:sp3d/>
+    <dgm:txPr/>
+    <dgm:style>
+      <a:lnRef idx="2">
+        <a:scrgbClr r="0" g="0" b="0"/>
+      </a:lnRef>
+      <a:fillRef idx="1">
+        <a:scrgbClr r="0" g="0" b="0"/>
+      </a:fillRef>
+      <a:effectRef idx="0">
+        <a:scrgbClr r="0" g="0" b="0"/>
+      </a:effectRef>
+      <a:fontRef idx="minor"/>
+    </dgm:style>
+  </dgm:styleLbl>
+  <dgm:styleLbl name="bgImgPlace1">
+    <dgm:scene3d>
+      <a:camera prst="orthographicFront"/>
+      <a:lightRig rig="threePt" dir="t"/>
+    </dgm:scene3d>
+    <dgm:sp3d/>
+    <dgm:txPr/>
+    <dgm:style>
+      <a:lnRef idx="2">
+        <a:scrgbClr r="0" g="0" b="0"/>
+      </a:lnRef>
+      <a:fillRef idx="1">
+        <a:scrgbClr r="0" g="0" b="0"/>
+      </a:fillRef>
+      <a:effectRef idx="0">
+        <a:scrgbClr r="0" g="0" b="0"/>
+      </a:effectRef>
+      <a:fontRef idx="minor"/>
+    </dgm:style>
+  </dgm:styleLbl>
+  <dgm:styleLbl name="sibTrans2D1">
+    <dgm:scene3d>
+      <a:camera prst="orthographicFront"/>
+      <a:lightRig rig="threePt" dir="t"/>
+    </dgm:scene3d>
+    <dgm:sp3d/>
+    <dgm:txPr/>
+    <dgm:style>
+      <a:lnRef idx="0">
+        <a:scrgbClr r="0" g="0" b="0"/>
+      </a:lnRef>
+      <a:fillRef idx="1">
+        <a:scrgbClr r="0" g="0" b="0"/>
+      </a:fillRef>
+      <a:effectRef idx="0">
+        <a:scrgbClr r="0" g="0" b="0"/>
+      </a:effectRef>
+      <a:fontRef idx="minor">
+        <a:schemeClr val="lt1"/>
+      </a:fontRef>
+    </dgm:style>
+  </dgm:styleLbl>
+  <dgm:styleLbl name="fgSibTrans2D1">
+    <dgm:scene3d>
+      <a:camera prst="orthographicFront"/>
+      <a:lightRig rig="threePt" dir="t"/>
+    </dgm:scene3d>
+    <dgm:sp3d/>
+    <dgm:txPr/>
+    <dgm:style>
+      <a:lnRef idx="0">
+        <a:scrgbClr r="0" g="0" b="0"/>
+      </a:lnRef>
+      <a:fillRef idx="1">
+        <a:scrgbClr r="0" g="0" b="0"/>
+      </a:fillRef>
+      <a:effectRef idx="0">
+        <a:scrgbClr r="0" g="0" b="0"/>
+      </a:effectRef>
+      <a:fontRef idx="minor">
+        <a:schemeClr val="lt1"/>
+      </a:fontRef>
+    </dgm:style>
+  </dgm:styleLbl>
+  <dgm:styleLbl name="bgSibTrans2D1">
+    <dgm:scene3d>
+      <a:camera prst="orthographicFront"/>
+      <a:lightRig rig="threePt" dir="t"/>
+    </dgm:scene3d>
+    <dgm:sp3d/>
+    <dgm:txPr/>
+    <dgm:style>
+      <a:lnRef idx="0">
+        <a:scrgbClr r="0" g="0" b="0"/>
+      </a:lnRef>
+      <a:fillRef idx="1">
+        <a:scrgbClr r="0" g="0" b="0"/>
+      </a:fillRef>
+      <a:effectRef idx="0">
+        <a:scrgbClr r="0" g="0" b="0"/>
+      </a:effectRef>
+      <a:fontRef idx="minor">
+        <a:schemeClr val="lt1"/>
+      </a:fontRef>
+    </dgm:style>
+  </dgm:styleLbl>
+  <dgm:styleLbl name="sibTrans1D1">
+    <dgm:scene3d>
+      <a:camera prst="orthographicFront"/>
+      <a:lightRig rig="threePt" dir="t"/>
+    </dgm:scene3d>
+    <dgm:sp3d/>
+    <dgm:txPr/>
+    <dgm:style>
+      <a:lnRef idx="1">
+        <a:scrgbClr r="0" g="0" b="0"/>
+      </a:lnRef>
+      <a:fillRef idx="0">
+        <a:scrgbClr r="0" g="0" b="0"/>
+      </a:fillRef>
+      <a:effectRef idx="0">
+        <a:scrgbClr r="0" g="0" b="0"/>
+      </a:effectRef>
+      <a:fontRef idx="minor"/>
+    </dgm:style>
+  </dgm:styleLbl>
+  <dgm:styleLbl name="callout">
+    <dgm:scene3d>
+      <a:camera prst="orthographicFront"/>
+      <a:lightRig rig="threePt" dir="t"/>
+    </dgm:scene3d>
+    <dgm:sp3d/>
+    <dgm:txPr/>
+    <dgm:style>
+      <a:lnRef idx="2">
+        <a:scrgbClr r="0" g="0" b="0"/>
+      </a:lnRef>
+      <a:fillRef idx="1">
+        <a:scrgbClr r="0" g="0" b="0"/>
+      </a:fillRef>
+      <a:effectRef idx="0">
+        <a:scrgbClr r="0" g="0" b="0"/>
+      </a:effectRef>
+      <a:fontRef idx="minor"/>
+    </dgm:style>
+  </dgm:styleLbl>
+  <dgm:styleLbl name="asst0">
+    <dgm:scene3d>
+      <a:camera prst="orthographicFront"/>
+      <a:lightRig rig="threePt" dir="t"/>
+    </dgm:scene3d>
+    <dgm:sp3d/>
+    <dgm:txPr/>
+    <dgm:style>
+      <a:lnRef idx="2">
+        <a:scrgbClr r="0" g="0" b="0"/>
+      </a:lnRef>
+      <a:fillRef idx="1">
+        <a:scrgbClr r="0" g="0" b="0"/>
+      </a:fillRef>
+      <a:effectRef idx="0">
+        <a:scrgbClr r="0" g="0" b="0"/>
+      </a:effectRef>
+      <a:fontRef idx="minor">
+        <a:schemeClr val="lt1"/>
+      </a:fontRef>
+    </dgm:style>
+  </dgm:styleLbl>
+  <dgm:styleLbl name="asst1">
+    <dgm:scene3d>
+      <a:camera prst="orthographicFront"/>
+      <a:lightRig rig="threePt" dir="t"/>
+    </dgm:scene3d>
+    <dgm:sp3d/>
+    <dgm:txPr/>
+    <dgm:style>
+      <a:lnRef idx="2">
+        <a:scrgbClr r="0" g="0" b="0"/>
+      </a:lnRef>
+      <a:fillRef idx="1">
+        <a:scrgbClr r="0" g="0" b="0"/>
+      </a:fillRef>
+      <a:effectRef idx="0">
+        <a:scrgbClr r="0" g="0" b="0"/>
+      </a:effectRef>
+      <a:fontRef idx="minor">
+        <a:schemeClr val="lt1"/>
+      </a:fontRef>
+    </dgm:style>
+  </dgm:styleLbl>
+  <dgm:styleLbl name="asst2">
+    <dgm:scene3d>
+      <a:camera prst="orthographicFront"/>
+      <a:lightRig rig="threePt" dir="t"/>
+    </dgm:scene3d>
+    <dgm:sp3d/>
+    <dgm:txPr/>
+    <dgm:style>
+      <a:lnRef idx="2">
+        <a:scrgbClr r="0" g="0" b="0"/>
+      </a:lnRef>
+      <a:fillRef idx="1">
+        <a:scrgbClr r="0" g="0" b="0"/>
+      </a:fillRef>
+      <a:effectRef idx="0">
+        <a:scrgbClr r="0" g="0" b="0"/>
+      </a:effectRef>
+      <a:fontRef idx="minor">
+        <a:schemeClr val="lt1"/>
+      </a:fontRef>
+    </dgm:style>
+  </dgm:styleLbl>
+  <dgm:styleLbl name="asst3">
+    <dgm:scene3d>
+      <a:camera prst="orthographicFront"/>
+      <a:lightRig rig="threePt" dir="t"/>
+    </dgm:scene3d>
+    <dgm:sp3d/>
+    <dgm:txPr/>
+    <dgm:style>
+      <a:lnRef idx="2">
+        <a:scrgbClr r="0" g="0" b="0"/>
+      </a:lnRef>
+      <a:fillRef idx="1">
+        <a:scrgbClr r="0" g="0" b="0"/>
+      </a:fillRef>
+      <a:effectRef idx="0">
+        <a:scrgbClr r="0" g="0" b="0"/>
+      </a:effectRef>
+      <a:fontRef idx="minor">
+        <a:schemeClr val="lt1"/>
+      </a:fontRef>
+    </dgm:style>
+  </dgm:styleLbl>
+  <dgm:styleLbl name="asst4">
+    <dgm:scene3d>
+      <a:camera prst="orthographicFront"/>
+      <a:lightRig rig="threePt" dir="t"/>
+    </dgm:scene3d>
+    <dgm:sp3d/>
+    <dgm:txPr/>
+    <dgm:style>
+      <a:lnRef idx="2">
+        <a:scrgbClr r="0" g="0" b="0"/>
+      </a:lnRef>
+      <a:fillRef idx="1">
+        <a:scrgbClr r="0" g="0" b="0"/>
+      </a:fillRef>
+      <a:effectRef idx="0">
+        <a:scrgbClr r="0" g="0" b="0"/>
+      </a:effectRef>
+      <a:fontRef idx="minor">
+        <a:schemeClr val="lt1"/>
+      </a:fontRef>
+    </dgm:style>
+  </dgm:styleLbl>
+  <dgm:styleLbl name="parChTrans2D1">
+    <dgm:scene3d>
+      <a:camera prst="orthographicFront"/>
+      <a:lightRig rig="threePt" dir="t"/>
+    </dgm:scene3d>
+    <dgm:sp3d/>
+    <dgm:txPr/>
+    <dgm:style>
+      <a:lnRef idx="2">
+        <a:scrgbClr r="0" g="0" b="0"/>
+      </a:lnRef>
+      <a:fillRef idx="1">
+        <a:scrgbClr r="0" g="0" b="0"/>
+      </a:fillRef>
+      <a:effectRef idx="0">
+        <a:scrgbClr r="0" g="0" b="0"/>
+      </a:effectRef>
+      <a:fontRef idx="minor">
+        <a:schemeClr val="lt1"/>
+      </a:fontRef>
+    </dgm:style>
+  </dgm:styleLbl>
+  <dgm:styleLbl name="parChTrans2D2">
+    <dgm:scene3d>
+      <a:camera prst="orthographicFront"/>
+      <a:lightRig rig="threePt" dir="t"/>
+    </dgm:scene3d>
+    <dgm:sp3d/>
+    <dgm:txPr/>
+    <dgm:style>
+      <a:lnRef idx="2">
+        <a:scrgbClr r="0" g="0" b="0"/>
+      </a:lnRef>
+      <a:fillRef idx="1">
+        <a:scrgbClr r="0" g="0" b="0"/>
+      </a:fillRef>
+      <a:effectRef idx="0">
+        <a:scrgbClr r="0" g="0" b="0"/>
+      </a:effectRef>
+      <a:fontRef idx="minor">
+        <a:schemeClr val="lt1"/>
+      </a:fontRef>
+    </dgm:style>
+  </dgm:styleLbl>
+  <dgm:styleLbl name="parChTrans2D3">
+    <dgm:scene3d>
+      <a:camera prst="orthographicFront"/>
+      <a:lightRig rig="threePt" dir="t"/>
+    </dgm:scene3d>
+    <dgm:sp3d/>
+    <dgm:txPr/>
+    <dgm:style>
+      <a:lnRef idx="2">
+        <a:scrgbClr r="0" g="0" b="0"/>
+      </a:lnRef>
+      <a:fillRef idx="1">
+        <a:scrgbClr r="0" g="0" b="0"/>
+      </a:fillRef>
+      <a:effectRef idx="0">
+        <a:scrgbClr r="0" g="0" b="0"/>
+      </a:effectRef>
+      <a:fontRef idx="minor">
+        <a:schemeClr val="lt1"/>
+      </a:fontRef>
+    </dgm:style>
+  </dgm:styleLbl>
+  <dgm:styleLbl name="parChTrans2D4">
+    <dgm:scene3d>
+      <a:camera prst="orthographicFront"/>
+      <a:lightRig rig="threePt" dir="t"/>
+    </dgm:scene3d>
+    <dgm:sp3d/>
+    <dgm:txPr/>
+    <dgm:style>
+      <a:lnRef idx="2">
+        <a:scrgbClr r="0" g="0" b="0"/>
+      </a:lnRef>
+      <a:fillRef idx="1">
+        <a:scrgbClr r="0" g="0" b="0"/>
+      </a:fillRef>
+      <a:effectRef idx="0">
+        <a:scrgbClr r="0" g="0" b="0"/>
+      </a:effectRef>
+      <a:fontRef idx="minor">
+        <a:schemeClr val="lt1"/>
+      </a:fontRef>
+    </dgm:style>
+  </dgm:styleLbl>
+  <dgm:styleLbl name="parChTrans1D1">
+    <dgm:scene3d>
+      <a:camera prst="orthographicFront"/>
+      <a:lightRig rig="threePt" dir="t"/>
+    </dgm:scene3d>
+    <dgm:sp3d/>
+    <dgm:txPr/>
+    <dgm:style>
+      <a:lnRef idx="2">
+        <a:scrgbClr r="0" g="0" b="0"/>
+      </a:lnRef>
+      <a:fillRef idx="0">
+        <a:scrgbClr r="0" g="0" b="0"/>
+      </a:fillRef>
+      <a:effectRef idx="0">
+        <a:scrgbClr r="0" g="0" b="0"/>
+      </a:effectRef>
+      <a:fontRef idx="minor"/>
+    </dgm:style>
+  </dgm:styleLbl>
+  <dgm:styleLbl name="parChTrans1D2">
+    <dgm:scene3d>
+      <a:camera prst="orthographicFront"/>
+      <a:lightRig rig="threePt" dir="t"/>
+    </dgm:scene3d>
+    <dgm:sp3d/>
+    <dgm:txPr/>
+    <dgm:style>
+      <a:lnRef idx="2">
+        <a:scrgbClr r="0" g="0" b="0"/>
+      </a:lnRef>
+      <a:fillRef idx="0">
+        <a:scrgbClr r="0" g="0" b="0"/>
+      </a:fillRef>
+      <a:effectRef idx="0">
+        <a:scrgbClr r="0" g="0" b="0"/>
+      </a:effectRef>
+      <a:fontRef idx="minor"/>
+    </dgm:style>
+  </dgm:styleLbl>
+  <dgm:styleLbl name="parChTrans1D3">
+    <dgm:scene3d>
+      <a:camera prst="orthographicFront"/>
+      <a:lightRig rig="threePt" dir="t"/>
+    </dgm:scene3d>
+    <dgm:sp3d/>
+    <dgm:txPr/>
+    <dgm:style>
+      <a:lnRef idx="2">
+        <a:scrgbClr r="0" g="0" b="0"/>
+      </a:lnRef>
+      <a:fillRef idx="0">
+        <a:scrgbClr r="0" g="0" b="0"/>
+      </a:fillRef>
+      <a:effectRef idx="0">
+        <a:scrgbClr r="0" g="0" b="0"/>
+      </a:effectRef>
+      <a:fontRef idx="minor"/>
+    </dgm:style>
+  </dgm:styleLbl>
+  <dgm:styleLbl name="parChTrans1D4">
+    <dgm:scene3d>
+      <a:camera prst="orthographicFront"/>
+      <a:lightRig rig="threePt" dir="t"/>
+    </dgm:scene3d>
+    <dgm:sp3d/>
+    <dgm:txPr/>
+    <dgm:style>
+      <a:lnRef idx="2">
+        <a:scrgbClr r="0" g="0" b="0"/>
+      </a:lnRef>
+      <a:fillRef idx="0">
+        <a:scrgbClr r="0" g="0" b="0"/>
+      </a:fillRef>
+      <a:effectRef idx="0">
+        <a:scrgbClr r="0" g="0" b="0"/>
+      </a:effectRef>
+      <a:fontRef idx="minor"/>
+    </dgm:style>
+  </dgm:styleLbl>
+  <dgm:styleLbl name="fgAcc1">
+    <dgm:scene3d>
+      <a:camera prst="orthographicFront"/>
+      <a:lightRig rig="threePt" dir="t"/>
+    </dgm:scene3d>
+    <dgm:sp3d/>
+    <dgm:txPr/>
+    <dgm:style>
+      <a:lnRef idx="2">
+        <a:scrgbClr r="0" g="0" b="0"/>
+      </a:lnRef>
+      <a:fillRef idx="1">
+        <a:scrgbClr r="0" g="0" b="0"/>
+      </a:fillRef>
+      <a:effectRef idx="0">
+        <a:scrgbClr r="0" g="0" b="0"/>
+      </a:effectRef>
+      <a:fontRef idx="minor"/>
+    </dgm:style>
+  </dgm:styleLbl>
+  <dgm:styleLbl name="conFgAcc1">
+    <dgm:scene3d>
+      <a:camera prst="orthographicFront"/>
+      <a:lightRig rig="threePt" dir="t"/>
+    </dgm:scene3d>
+    <dgm:sp3d/>
+    <dgm:txPr/>
+    <dgm:style>
+      <a:lnRef idx="2">
+        <a:scrgbClr r="0" g="0" b="0"/>
+      </a:lnRef>
+      <a:fillRef idx="1">
+        <a:scrgbClr r="0" g="0" b="0"/>
+      </a:fillRef>
+      <a:effectRef idx="0">
+        <a:scrgbClr r="0" g="0" b="0"/>
+      </a:effectRef>
+      <a:fontRef idx="minor"/>
+    </dgm:style>
+  </dgm:styleLbl>
+  <dgm:styleLbl name="alignAcc1">
+    <dgm:scene3d>
+      <a:camera prst="orthographicFront"/>
+      <a:lightRig rig="threePt" dir="t"/>
+    </dgm:scene3d>
+    <dgm:sp3d/>
+    <dgm:txPr/>
+    <dgm:style>
+      <a:lnRef idx="2">
+        <a:scrgbClr r="0" g="0" b="0"/>
+      </a:lnRef>
+      <a:fillRef idx="1">
+        <a:scrgbClr r="0" g="0" b="0"/>
+      </a:fillRef>
+      <a:effectRef idx="0">
+        <a:scrgbClr r="0" g="0" b="0"/>
+      </a:effectRef>
+      <a:fontRef idx="minor"/>
+    </dgm:style>
+  </dgm:styleLbl>
+  <dgm:styleLbl name="trAlignAcc1">
+    <dgm:scene3d>
+      <a:camera prst="orthographicFront"/>
+      <a:lightRig rig="threePt" dir="t"/>
+    </dgm:scene3d>
+    <dgm:sp3d/>
+    <dgm:txPr/>
+    <dgm:style>
+      <a:lnRef idx="1">
+        <a:scrgbClr r="0" g="0" b="0"/>
+      </a:lnRef>
+      <a:fillRef idx="1">
+        <a:scrgbClr r="0" g="0" b="0"/>
+      </a:fillRef>
+      <a:effectRef idx="0">
+        <a:scrgbClr r="0" g="0" b="0"/>
+      </a:effectRef>
+      <a:fontRef idx="minor"/>
+    </dgm:style>
+  </dgm:styleLbl>
+  <dgm:styleLbl name="bgAcc1">
+    <dgm:scene3d>
+      <a:camera prst="orthographicFront"/>
+      <a:lightRig rig="threePt" dir="t"/>
+    </dgm:scene3d>
+    <dgm:sp3d/>
+    <dgm:txPr/>
+    <dgm:style>
+      <a:lnRef idx="2">
+        <a:scrgbClr r="0" g="0" b="0"/>
+      </a:lnRef>
+      <a:fillRef idx="1">
+        <a:scrgbClr r="0" g="0" b="0"/>
+      </a:fillRef>
+      <a:effectRef idx="0">
+        <a:scrgbClr r="0" g="0" b="0"/>
+      </a:effectRef>
+      <a:fontRef idx="minor"/>
+    </dgm:style>
+  </dgm:styleLbl>
+  <dgm:styleLbl name="solidFgAcc1">
+    <dgm:scene3d>
+      <a:camera prst="orthographicFront"/>
+      <a:lightRig rig="threePt" dir="t"/>
+    </dgm:scene3d>
+    <dgm:sp3d/>
+    <dgm:txPr/>
+    <dgm:style>
+      <a:lnRef idx="2">
+        <a:scrgbClr r="0" g="0" b="0"/>
+      </a:lnRef>
+      <a:fillRef idx="1">
+        <a:scrgbClr r="0" g="0" b="0"/>
+      </a:fillRef>
+      <a:effectRef idx="0">
+        <a:scrgbClr r="0" g="0" b="0"/>
+      </a:effectRef>
+      <a:fontRef idx="minor"/>
+    </dgm:style>
+  </dgm:styleLbl>
+  <dgm:styleLbl name="solidAlignAcc1">
+    <dgm:scene3d>
+      <a:camera prst="orthographicFront"/>
+      <a:lightRig rig="threePt" dir="t"/>
+    </dgm:scene3d>
+    <dgm:sp3d/>
+    <dgm:txPr/>
+    <dgm:style>
+      <a:lnRef idx="2">
+        <a:scrgbClr r="0" g="0" b="0"/>
+      </a:lnRef>
+      <a:fillRef idx="1">
+        <a:scrgbClr r="0" g="0" b="0"/>
+      </a:fillRef>
+      <a:effectRef idx="0">
+        <a:scrgbClr r="0" g="0" b="0"/>
+      </a:effectRef>
+      <a:fontRef idx="minor"/>
+    </dgm:style>
+  </dgm:styleLbl>
+  <dgm:styleLbl name="solidBgAcc1">
+    <dgm:scene3d>
+      <a:camera prst="orthographicFront"/>
+      <a:lightRig rig="threePt" dir="t"/>
+    </dgm:scene3d>
+    <dgm:sp3d/>
+    <dgm:txPr/>
+    <dgm:style>
+      <a:lnRef idx="2">
+        <a:scrgbClr r="0" g="0" b="0"/>
+      </a:lnRef>
+      <a:fillRef idx="1">
+        <a:scrgbClr r="0" g="0" b="0"/>
+      </a:fillRef>
+      <a:effectRef idx="0">
+        <a:scrgbClr r="0" g="0" b="0"/>
+      </a:effectRef>
+      <a:fontRef idx="minor"/>
+    </dgm:style>
+  </dgm:styleLbl>
+  <dgm:styleLbl name="fgAccFollowNode1">
+    <dgm:scene3d>
+      <a:camera prst="orthographicFront"/>
+      <a:lightRig rig="threePt" dir="t"/>
+    </dgm:scene3d>
+    <dgm:sp3d/>
+    <dgm:txPr/>
+    <dgm:style>
+      <a:lnRef idx="2">
+        <a:scrgbClr r="0" g="0" b="0"/>
+      </a:lnRef>
+      <a:fillRef idx="1">
+        <a:scrgbClr r="0" g="0" b="0"/>
+      </a:fillRef>
+      <a:effectRef idx="0">
+        <a:scrgbClr r="0" g="0" b="0"/>
+      </a:effectRef>
+      <a:fontRef idx="minor"/>
+    </dgm:style>
+  </dgm:styleLbl>
+  <dgm:styleLbl name="alignAccFollowNode1">
+    <dgm:scene3d>
+      <a:camera prst="orthographicFront"/>
+      <a:lightRig rig="threePt" dir="t"/>
+    </dgm:scene3d>
+    <dgm:sp3d/>
+    <dgm:txPr/>
+    <dgm:style>
+      <a:lnRef idx="2">
+        <a:scrgbClr r="0" g="0" b="0"/>
+      </a:lnRef>
+      <a:fillRef idx="1">
+        <a:scrgbClr r="0" g="0" b="0"/>
+      </a:fillRef>
+      <a:effectRef idx="0">
+        <a:scrgbClr r="0" g="0" b="0"/>
+      </a:effectRef>
+      <a:fontRef idx="minor"/>
+    </dgm:style>
+  </dgm:styleLbl>
+  <dgm:styleLbl name="bgAccFollowNode1">
+    <dgm:scene3d>
+      <a:camera prst="orthographicFront"/>
+      <a:lightRig rig="threePt" dir="t"/>
+    </dgm:scene3d>
+    <dgm:sp3d/>
+    <dgm:txPr/>
+    <dgm:style>
+      <a:lnRef idx="2">
+        <a:scrgbClr r="0" g="0" b="0"/>
+      </a:lnRef>
+      <a:fillRef idx="1">
+        <a:scrgbClr r="0" g="0" b="0"/>
+      </a:fillRef>
+      <a:effectRef idx="0">
+        <a:scrgbClr r="0" g="0" b="0"/>
+      </a:effectRef>
+      <a:fontRef idx="minor"/>
+    </dgm:style>
+  </dgm:styleLbl>
+  <dgm:styleLbl name="fgAcc0">
+    <dgm:scene3d>
+      <a:camera prst="orthographicFront"/>
+      <a:lightRig rig="threePt" dir="t"/>
+    </dgm:scene3d>
+    <dgm:sp3d/>
+    <dgm:txPr/>
+    <dgm:style>
+      <a:lnRef idx="2">
+        <a:scrgbClr r="0" g="0" b="0"/>
+      </a:lnRef>
+      <a:fillRef idx="1">
+        <a:scrgbClr r="0" g="0" b="0"/>
+      </a:fillRef>
+      <a:effectRef idx="0">
+        <a:scrgbClr r="0" g="0" b="0"/>
+      </a:effectRef>
+      <a:fontRef idx="minor"/>
+    </dgm:style>
+  </dgm:styleLbl>
+  <dgm:styleLbl name="fgAcc2">
+    <dgm:scene3d>
+      <a:camera prst="orthographicFront"/>
+      <a:lightRig rig="threePt" dir="t"/>
+    </dgm:scene3d>
+    <dgm:sp3d/>
+    <dgm:txPr/>
+    <dgm:style>
+      <a:lnRef idx="2">
+        <a:scrgbClr r="0" g="0" b="0"/>
+      </a:lnRef>
+      <a:fillRef idx="1">
+        <a:scrgbClr r="0" g="0" b="0"/>
+      </a:fillRef>
+      <a:effectRef idx="0">
+        <a:scrgbClr r="0" g="0" b="0"/>
+      </a:effectRef>
+      <a:fontRef idx="minor"/>
+    </dgm:style>
+  </dgm:styleLbl>
+  <dgm:styleLbl name="fgAcc3">
+    <dgm:scene3d>
+      <a:camera prst="orthographicFront"/>
+      <a:lightRig rig="threePt" dir="t"/>
+    </dgm:scene3d>
+    <dgm:sp3d/>
+    <dgm:txPr/>
+    <dgm:style>
+      <a:lnRef idx="2">
+        <a:scrgbClr r="0" g="0" b="0"/>
+      </a:lnRef>
+      <a:fillRef idx="1">
+        <a:scrgbClr r="0" g="0" b="0"/>
+      </a:fillRef>
+      <a:effectRef idx="0">
+        <a:scrgbClr r="0" g="0" b="0"/>
+      </a:effectRef>
+      <a:fontRef idx="minor"/>
+    </dgm:style>
+  </dgm:styleLbl>
+  <dgm:styleLbl name="fgAcc4">
+    <dgm:scene3d>
+      <a:camera prst="orthographicFront"/>
+      <a:lightRig rig="threePt" dir="t"/>
+    </dgm:scene3d>
+    <dgm:sp3d/>
+    <dgm:txPr/>
+    <dgm:style>
+      <a:lnRef idx="2">
+        <a:scrgbClr r="0" g="0" b="0"/>
+      </a:lnRef>
+      <a:fillRef idx="1">
+        <a:scrgbClr r="0" g="0" b="0"/>
+      </a:fillRef>
+      <a:effectRef idx="0">
+        <a:scrgbClr r="0" g="0" b="0"/>
+      </a:effectRef>
+      <a:fontRef idx="minor"/>
+    </dgm:style>
+  </dgm:styleLbl>
+  <dgm:styleLbl name="bgShp">
+    <dgm:scene3d>
+      <a:camera prst="orthographicFront"/>
+      <a:lightRig rig="threePt" dir="t"/>
+    </dgm:scene3d>
+    <dgm:sp3d/>
+    <dgm:txPr/>
+    <dgm:style>
+      <a:lnRef idx="0">
+        <a:scrgbClr r="0" g="0" b="0"/>
+      </a:lnRef>
+      <a:fillRef idx="1">
+        <a:scrgbClr r="0" g="0" b="0"/>
+      </a:fillRef>
+      <a:effectRef idx="0">
+        <a:scrgbClr r="0" g="0" b="0"/>
+      </a:effectRef>
+      <a:fontRef idx="minor"/>
+    </dgm:style>
+  </dgm:styleLbl>
+  <dgm:styleLbl name="dkBgShp">
+    <dgm:scene3d>
+      <a:camera prst="orthographicFront"/>
+      <a:lightRig rig="threePt" dir="t"/>
+    </dgm:scene3d>
+    <dgm:sp3d/>
+    <dgm:txPr/>
+    <dgm:style>
+      <a:lnRef idx="0">
+        <a:scrgbClr r="0" g="0" b="0"/>
+      </a:lnRef>
+      <a:fillRef idx="1">
+        <a:scrgbClr r="0" g="0" b="0"/>
+      </a:fillRef>
+      <a:effectRef idx="0">
+        <a:scrgbClr r="0" g="0" b="0"/>
+      </a:effectRef>
+      <a:fontRef idx="minor"/>
+    </dgm:style>
+  </dgm:styleLbl>
+  <dgm:styleLbl name="trBgShp">
+    <dgm:scene3d>
+      <a:camera prst="orthographicFront"/>
+      <a:lightRig rig="threePt" dir="t"/>
+    </dgm:scene3d>
+    <dgm:sp3d/>
+    <dgm:txPr/>
+    <dgm:style>
+      <a:lnRef idx="0">
+        <a:scrgbClr r="0" g="0" b="0"/>
+      </a:lnRef>
+      <a:fillRef idx="1">
+        <a:scrgbClr r="0" g="0" b="0"/>
+      </a:fillRef>
+      <a:effectRef idx="0">
+        <a:scrgbClr r="0" g="0" b="0"/>
+      </a:effectRef>
+      <a:fontRef idx="minor"/>
+    </dgm:style>
+  </dgm:styleLbl>
+  <dgm:styleLbl name="fgShp">
+    <dgm:scene3d>
+      <a:camera prst="orthographicFront"/>
+      <a:lightRig rig="threePt" dir="t"/>
+    </dgm:scene3d>
+    <dgm:sp3d/>
+    <dgm:txPr/>
+    <dgm:style>
+      <a:lnRef idx="2">
+        <a:scrgbClr r="0" g="0" b="0"/>
+      </a:lnRef>
+      <a:fillRef idx="1">
+        <a:scrgbClr r="0" g="0" b="0"/>
+      </a:fillRef>
+      <a:effectRef idx="0">
+        <a:scrgbClr r="0" g="0" b="0"/>
+      </a:effectRef>
+      <a:fontRef idx="minor"/>
+    </dgm:style>
+  </dgm:styleLbl>
+  <dgm:styleLbl name="revTx">
+    <dgm:scene3d>
+      <a:camera prst="orthographicFront"/>
+      <a:lightRig rig="threePt" dir="t"/>
+    </dgm:scene3d>
+    <dgm:sp3d/>
+    <dgm:txPr/>
+    <dgm:style>
+      <a:lnRef idx="0">
+        <a:scrgbClr r="0" g="0" b="0"/>
+      </a:lnRef>
+      <a:fillRef idx="0">
+        <a:scrgbClr r="0" g="0" b="0"/>
+      </a:fillRef>
+      <a:effectRef idx="0">
+        <a:scrgbClr r="0" g="0" b="0"/>
+      </a:effectRef>
+      <a:fontRef idx="minor"/>
+    </dgm:style>
+  </dgm:styleLbl>
+</dgm:styleDef>
 </file>
 
 <file path=ppt/slideLayouts/slideLayout1.xml><?xml version="1.0" encoding="utf-8"?>
@@ -3165,7 +6764,7 @@
         </p:nvSpPr>
         <p:spPr>
           <a:xfrm>
-            <a:off x="4801956" y="1044021"/>
+            <a:off x="4406689" y="1044021"/>
             <a:ext cx="3492841" cy="1433383"/>
           </a:xfrm>
           <a:prstGeom prst="roundRect">
@@ -3228,8 +6827,8 @@
         </p:nvSpPr>
         <p:spPr>
           <a:xfrm>
-            <a:off x="3895793" y="1545889"/>
-            <a:ext cx="873564" cy="355508"/>
+            <a:off x="3879493" y="1570666"/>
+            <a:ext cx="610304" cy="305952"/>
           </a:xfrm>
           <a:prstGeom prst="rightArrow">
             <a:avLst/>
@@ -3260,6 +6859,886 @@
           </a:p>
         </p:txBody>
       </p:sp>
+      <p:sp>
+        <p:nvSpPr>
+          <p:cNvPr id="10" name="Rounded Rectangle 9"/>
+          <p:cNvSpPr/>
+          <p:nvPr/>
+        </p:nvSpPr>
+        <p:spPr>
+          <a:xfrm>
+            <a:off x="8443026" y="1006950"/>
+            <a:ext cx="3492841" cy="1433383"/>
+          </a:xfrm>
+          <a:prstGeom prst="roundRect">
+            <a:avLst/>
+          </a:prstGeom>
+        </p:spPr>
+        <p:style>
+          <a:lnRef idx="2">
+            <a:schemeClr val="accent1">
+              <a:shade val="50000"/>
+            </a:schemeClr>
+          </a:lnRef>
+          <a:fillRef idx="1">
+            <a:schemeClr val="accent1"/>
+          </a:fillRef>
+          <a:effectRef idx="0">
+            <a:schemeClr val="accent1"/>
+          </a:effectRef>
+          <a:fontRef idx="minor">
+            <a:schemeClr val="lt1"/>
+          </a:fontRef>
+        </p:style>
+        <p:txBody>
+          <a:bodyPr rtlCol="0" anchor="ctr"/>
+          <a:lstStyle/>
+          <a:p>
+            <a:pPr algn="ctr"/>
+            <a:r>
+              <a:rPr lang="en-ZA" dirty="0" smtClean="0"/>
+              <a:t>What is an algorithm?</a:t>
+            </a:r>
+          </a:p>
+          <a:p>
+            <a:pPr algn="just"/>
+            <a:r>
+              <a:rPr lang="en-ZA" sz="1200" dirty="0" smtClean="0">
+                <a:solidFill>
+                  <a:srgbClr val="002060"/>
+                </a:solidFill>
+              </a:rPr>
+              <a:t>Algorithm is a process and set of rules to be followed in calculations or other problem-solving operations, especially by a computer.</a:t>
+            </a:r>
+            <a:endParaRPr lang="en-ZA" sz="1200" dirty="0">
+              <a:solidFill>
+                <a:srgbClr val="002060"/>
+              </a:solidFill>
+            </a:endParaRPr>
+          </a:p>
+        </p:txBody>
+      </p:sp>
+      <p:sp>
+        <p:nvSpPr>
+          <p:cNvPr id="11" name="Right Arrow 10"/>
+          <p:cNvSpPr/>
+          <p:nvPr/>
+        </p:nvSpPr>
+        <p:spPr>
+          <a:xfrm>
+            <a:off x="7899530" y="1607736"/>
+            <a:ext cx="610304" cy="305952"/>
+          </a:xfrm>
+          <a:prstGeom prst="rightArrow">
+            <a:avLst/>
+          </a:prstGeom>
+        </p:spPr>
+        <p:style>
+          <a:lnRef idx="2">
+            <a:schemeClr val="accent6">
+              <a:shade val="50000"/>
+            </a:schemeClr>
+          </a:lnRef>
+          <a:fillRef idx="1">
+            <a:schemeClr val="accent6"/>
+          </a:fillRef>
+          <a:effectRef idx="0">
+            <a:schemeClr val="accent6"/>
+          </a:effectRef>
+          <a:fontRef idx="minor">
+            <a:schemeClr val="lt1"/>
+          </a:fontRef>
+        </p:style>
+        <p:txBody>
+          <a:bodyPr rtlCol="0" anchor="ctr"/>
+          <a:lstStyle/>
+          <a:p>
+            <a:pPr algn="ctr"/>
+            <a:endParaRPr lang="en-ZA"/>
+          </a:p>
+        </p:txBody>
+      </p:sp>
+      <p:sp>
+        <p:nvSpPr>
+          <p:cNvPr id="14" name="Rounded Rectangle 13"/>
+          <p:cNvSpPr/>
+          <p:nvPr/>
+        </p:nvSpPr>
+        <p:spPr>
+          <a:xfrm>
+            <a:off x="386653" y="2591709"/>
+            <a:ext cx="3361564" cy="4097415"/>
+          </a:xfrm>
+          <a:prstGeom prst="roundRect">
+            <a:avLst/>
+          </a:prstGeom>
+        </p:spPr>
+        <p:style>
+          <a:lnRef idx="2">
+            <a:schemeClr val="accent4"/>
+          </a:lnRef>
+          <a:fillRef idx="1">
+            <a:schemeClr val="lt1"/>
+          </a:fillRef>
+          <a:effectRef idx="0">
+            <a:schemeClr val="accent4"/>
+          </a:effectRef>
+          <a:fontRef idx="minor">
+            <a:schemeClr val="dk1"/>
+          </a:fontRef>
+        </p:style>
+        <p:txBody>
+          <a:bodyPr rtlCol="0" anchor="ctr"/>
+          <a:lstStyle/>
+          <a:p>
+            <a:pPr algn="ctr"/>
+            <a:endParaRPr lang="en-ZA" sz="1600" dirty="0" smtClean="0"/>
+          </a:p>
+          <a:p>
+            <a:pPr algn="ctr"/>
+            <a:r>
+              <a:rPr lang="en-ZA" sz="1600" dirty="0" smtClean="0"/>
+              <a:t>What problems did we overcome?</a:t>
+            </a:r>
+          </a:p>
+          <a:p>
+            <a:pPr algn="just"/>
+            <a:endParaRPr lang="en-ZA" sz="800" b="1" dirty="0" smtClean="0">
+              <a:solidFill>
+                <a:schemeClr val="accent2">
+                  <a:lumMod val="50000"/>
+                </a:schemeClr>
+              </a:solidFill>
+            </a:endParaRPr>
+          </a:p>
+          <a:p>
+            <a:pPr algn="just"/>
+            <a:r>
+              <a:rPr lang="en-ZA" sz="800" b="1" dirty="0" smtClean="0">
+                <a:solidFill>
+                  <a:schemeClr val="accent2">
+                    <a:lumMod val="50000"/>
+                  </a:schemeClr>
+                </a:solidFill>
+              </a:rPr>
+              <a:t>Steps:</a:t>
+            </a:r>
+          </a:p>
+          <a:p>
+            <a:pPr algn="just"/>
+            <a:r>
+              <a:rPr lang="en-ZA" sz="800" dirty="0">
+                <a:solidFill>
+                  <a:schemeClr val="accent2">
+                    <a:lumMod val="50000"/>
+                  </a:schemeClr>
+                </a:solidFill>
+              </a:rPr>
+              <a:t>1</a:t>
+            </a:r>
+            <a:r>
+              <a:rPr lang="en-ZA" sz="800" dirty="0" smtClean="0">
+                <a:solidFill>
+                  <a:schemeClr val="accent2">
+                    <a:lumMod val="50000"/>
+                  </a:schemeClr>
+                </a:solidFill>
+              </a:rPr>
+              <a:t>) What data should we gather?</a:t>
+            </a:r>
+          </a:p>
+          <a:p>
+            <a:pPr algn="just"/>
+            <a:r>
+              <a:rPr lang="en-ZA" sz="800" dirty="0" smtClean="0">
+                <a:solidFill>
+                  <a:schemeClr val="accent2">
+                    <a:lumMod val="75000"/>
+                  </a:schemeClr>
+                </a:solidFill>
+              </a:rPr>
+              <a:t>We decided that the most meaningful data we could collect would revolve around the acceleration, speed, and location of the car.</a:t>
+            </a:r>
+          </a:p>
+          <a:p>
+            <a:pPr algn="just"/>
+            <a:r>
+              <a:rPr lang="en-ZA" sz="800" dirty="0" smtClean="0">
+                <a:solidFill>
+                  <a:schemeClr val="accent1">
+                    <a:lumMod val="50000"/>
+                  </a:schemeClr>
+                </a:solidFill>
+              </a:rPr>
+              <a:t>2) How do we determine what constitutes bad driving?</a:t>
+            </a:r>
+          </a:p>
+          <a:p>
+            <a:pPr algn="just"/>
+            <a:r>
+              <a:rPr lang="en-ZA" sz="800" dirty="0" smtClean="0">
+                <a:solidFill>
+                  <a:schemeClr val="accent1">
+                    <a:lumMod val="60000"/>
+                    <a:lumOff val="40000"/>
+                  </a:schemeClr>
+                </a:solidFill>
+              </a:rPr>
+              <a:t>We decided to use online data about driving to determine what acceleration is considered bad driving. The scores we arrived at were: </a:t>
+            </a:r>
+            <a:r>
+              <a:rPr lang="en-ZA" sz="800" b="1" dirty="0" smtClean="0">
+                <a:solidFill>
+                  <a:schemeClr val="accent1">
+                    <a:lumMod val="60000"/>
+                    <a:lumOff val="40000"/>
+                  </a:schemeClr>
+                </a:solidFill>
+              </a:rPr>
+              <a:t>Forward Acceleration</a:t>
+            </a:r>
+            <a:r>
+              <a:rPr lang="en-ZA" sz="800" dirty="0" smtClean="0">
+                <a:solidFill>
+                  <a:schemeClr val="accent1">
+                    <a:lumMod val="60000"/>
+                    <a:lumOff val="40000"/>
+                  </a:schemeClr>
+                </a:solidFill>
+              </a:rPr>
+              <a:t>: 4.2m/s/s</a:t>
+            </a:r>
+          </a:p>
+          <a:p>
+            <a:pPr algn="just"/>
+            <a:r>
+              <a:rPr lang="en-ZA" sz="800" b="1" dirty="0" smtClean="0">
+                <a:solidFill>
+                  <a:schemeClr val="accent1">
+                    <a:lumMod val="60000"/>
+                    <a:lumOff val="40000"/>
+                  </a:schemeClr>
+                </a:solidFill>
+              </a:rPr>
+              <a:t>Cornering Acceleration</a:t>
+            </a:r>
+            <a:r>
+              <a:rPr lang="en-ZA" sz="800" dirty="0" smtClean="0">
+                <a:solidFill>
+                  <a:schemeClr val="accent1">
+                    <a:lumMod val="60000"/>
+                    <a:lumOff val="40000"/>
+                  </a:schemeClr>
+                </a:solidFill>
+              </a:rPr>
+              <a:t>: 3m/s/s</a:t>
+            </a:r>
+          </a:p>
+          <a:p>
+            <a:pPr algn="just"/>
+            <a:r>
+              <a:rPr lang="en-ZA" sz="800" b="1" dirty="0" smtClean="0">
+                <a:solidFill>
+                  <a:schemeClr val="accent1">
+                    <a:lumMod val="60000"/>
+                    <a:lumOff val="40000"/>
+                  </a:schemeClr>
+                </a:solidFill>
+              </a:rPr>
+              <a:t>Vertical Acceleration</a:t>
+            </a:r>
+            <a:r>
+              <a:rPr lang="en-ZA" sz="800" dirty="0" smtClean="0">
+                <a:solidFill>
+                  <a:schemeClr val="accent1">
+                    <a:lumMod val="60000"/>
+                    <a:lumOff val="40000"/>
+                  </a:schemeClr>
+                </a:solidFill>
+              </a:rPr>
+              <a:t>: 2m/s/s</a:t>
+            </a:r>
+          </a:p>
+          <a:p>
+            <a:pPr algn="just"/>
+            <a:r>
+              <a:rPr lang="en-ZA" sz="800" dirty="0" smtClean="0">
+                <a:solidFill>
+                  <a:schemeClr val="tx1">
+                    <a:lumMod val="95000"/>
+                    <a:lumOff val="5000"/>
+                  </a:schemeClr>
+                </a:solidFill>
+              </a:rPr>
+              <a:t>3) How do you determine a value for the quality of someone’s driving when there is no objective measure of driving?</a:t>
+            </a:r>
+          </a:p>
+          <a:p>
+            <a:pPr algn="just"/>
+            <a:r>
+              <a:rPr lang="en-ZA" sz="800" dirty="0" smtClean="0">
+                <a:solidFill>
+                  <a:schemeClr val="bg1">
+                    <a:lumMod val="50000"/>
+                  </a:schemeClr>
+                </a:solidFill>
+              </a:rPr>
+              <a:t>We used the data of our user and compared it to a normal distribution to determine how the number of poor data readings at any given instant compared.</a:t>
+            </a:r>
+          </a:p>
+          <a:p>
+            <a:pPr algn="just"/>
+            <a:r>
+              <a:rPr lang="en-ZA" sz="800" dirty="0" smtClean="0">
+                <a:solidFill>
+                  <a:schemeClr val="accent6">
+                    <a:lumMod val="50000"/>
+                  </a:schemeClr>
+                </a:solidFill>
+              </a:rPr>
+              <a:t>4) How do you turn randomly collected data into a normal distribution?</a:t>
+            </a:r>
+          </a:p>
+          <a:p>
+            <a:pPr algn="just"/>
+            <a:r>
+              <a:rPr lang="en-ZA" sz="800" dirty="0" smtClean="0">
+                <a:solidFill>
+                  <a:schemeClr val="accent6">
+                    <a:lumMod val="60000"/>
+                    <a:lumOff val="40000"/>
+                  </a:schemeClr>
+                </a:solidFill>
+              </a:rPr>
+              <a:t>Fortunately, follows </a:t>
+            </a:r>
+            <a:r>
+              <a:rPr lang="en-ZA" sz="800" dirty="0">
+                <a:solidFill>
+                  <a:schemeClr val="accent6">
+                    <a:lumMod val="60000"/>
+                    <a:lumOff val="40000"/>
+                  </a:schemeClr>
+                </a:solidFill>
+              </a:rPr>
+              <a:t>a layout called a Poisson distribution; because it expresses the probability of a given number of events occurring in a fixed interval of time and/or space if these events occur with a known average </a:t>
+            </a:r>
+            <a:r>
+              <a:rPr lang="en-ZA" sz="800" dirty="0" smtClean="0">
+                <a:solidFill>
+                  <a:schemeClr val="accent6">
+                    <a:lumMod val="60000"/>
+                    <a:lumOff val="40000"/>
+                  </a:schemeClr>
+                </a:solidFill>
+              </a:rPr>
+              <a:t>rate. Because of several properties of our data we observe out data closely approximating a normal distribution.</a:t>
+            </a:r>
+            <a:endParaRPr lang="en-ZA" sz="800" dirty="0">
+              <a:solidFill>
+                <a:schemeClr val="accent6">
+                  <a:lumMod val="60000"/>
+                  <a:lumOff val="40000"/>
+                </a:schemeClr>
+              </a:solidFill>
+            </a:endParaRPr>
+          </a:p>
+          <a:p>
+            <a:pPr algn="just"/>
+            <a:endParaRPr lang="en-ZA" sz="1200" dirty="0" smtClean="0">
+              <a:solidFill>
+                <a:schemeClr val="accent1">
+                  <a:lumMod val="60000"/>
+                  <a:lumOff val="40000"/>
+                </a:schemeClr>
+              </a:solidFill>
+            </a:endParaRPr>
+          </a:p>
+          <a:p>
+            <a:pPr algn="just"/>
+            <a:endParaRPr lang="en-ZA" sz="1200" dirty="0">
+              <a:solidFill>
+                <a:schemeClr val="accent2">
+                  <a:lumMod val="50000"/>
+                </a:schemeClr>
+              </a:solidFill>
+            </a:endParaRPr>
+          </a:p>
+          <a:p>
+            <a:pPr algn="just"/>
+            <a:endParaRPr lang="en-ZA" sz="1200" dirty="0" smtClean="0">
+              <a:solidFill>
+                <a:schemeClr val="accent2">
+                  <a:lumMod val="50000"/>
+                </a:schemeClr>
+              </a:solidFill>
+            </a:endParaRPr>
+          </a:p>
+          <a:p>
+            <a:pPr marL="228600" indent="-228600" algn="just">
+              <a:buAutoNum type="arabicParenR"/>
+            </a:pPr>
+            <a:endParaRPr lang="en-ZA" sz="1200" dirty="0" smtClean="0">
+              <a:solidFill>
+                <a:schemeClr val="accent2">
+                  <a:lumMod val="50000"/>
+                </a:schemeClr>
+              </a:solidFill>
+            </a:endParaRPr>
+          </a:p>
+          <a:p>
+            <a:pPr marL="228600" indent="-228600" algn="just">
+              <a:buAutoNum type="arabicParenR"/>
+            </a:pPr>
+            <a:endParaRPr lang="en-ZA" sz="1200" dirty="0">
+              <a:solidFill>
+                <a:schemeClr val="accent2">
+                  <a:lumMod val="50000"/>
+                </a:schemeClr>
+              </a:solidFill>
+            </a:endParaRPr>
+          </a:p>
+        </p:txBody>
+      </p:sp>
+      <p:pic>
+        <p:nvPicPr>
+          <p:cNvPr id="15" name="Picture 14"/>
+          <p:cNvPicPr/>
+          <p:nvPr/>
+        </p:nvPicPr>
+        <p:blipFill>
+          <a:blip r:embed="rId5">
+            <a:extLst>
+              <a:ext uri="{28A0092B-C50C-407E-A947-70E740481C1C}">
+                <a14:useLocalDpi xmlns:a14="http://schemas.microsoft.com/office/drawing/2010/main" val="0"/>
+              </a:ext>
+            </a:extLst>
+          </a:blip>
+          <a:srcRect/>
+          <a:stretch>
+            <a:fillRect/>
+          </a:stretch>
+        </p:blipFill>
+        <p:spPr bwMode="auto">
+          <a:xfrm>
+            <a:off x="619348" y="5873578"/>
+            <a:ext cx="2896173" cy="643594"/>
+          </a:xfrm>
+          <a:prstGeom prst="rect">
+            <a:avLst/>
+          </a:prstGeom>
+          <a:ln>
+            <a:noFill/>
+          </a:ln>
+          <a:effectLst>
+            <a:outerShdw blurRad="190500" algn="tl" rotWithShape="0">
+              <a:srgbClr val="000000">
+                <a:alpha val="70000"/>
+              </a:srgbClr>
+            </a:outerShdw>
+          </a:effectLst>
+        </p:spPr>
+      </p:pic>
+      <p:graphicFrame>
+        <p:nvGraphicFramePr>
+          <p:cNvPr id="2" name="Diagram 1"/>
+          <p:cNvGraphicFramePr/>
+          <p:nvPr>
+            <p:extLst>
+              <p:ext uri="{D42A27DB-BD31-4B8C-83A1-F6EECF244321}">
+                <p14:modId xmlns:p14="http://schemas.microsoft.com/office/powerpoint/2010/main" val="1884875832"/>
+              </p:ext>
+            </p:extLst>
+          </p:nvPr>
+        </p:nvGraphicFramePr>
+        <p:xfrm>
+          <a:off x="4548619" y="2983430"/>
+          <a:ext cx="5464432" cy="3642955"/>
+        </p:xfrm>
+        <a:graphic>
+          <a:graphicData uri="http://schemas.openxmlformats.org/drawingml/2006/diagram">
+            <dgm:relIds xmlns:dgm="http://schemas.openxmlformats.org/drawingml/2006/diagram" xmlns:r="http://schemas.openxmlformats.org/officeDocument/2006/relationships" r:dm="rId6" r:lo="rId7" r:qs="rId8" r:cs="rId9"/>
+          </a:graphicData>
+        </a:graphic>
+      </p:graphicFrame>
+      <p:pic>
+        <p:nvPicPr>
+          <p:cNvPr id="1030" name="Picture 6" descr="http://news.mit.edu/sites/mit.edu.newsoffice/files/images/2012/20120208160239-1_0.jpg"/>
+          <p:cNvPicPr>
+            <a:picLocks noChangeAspect="1" noChangeArrowheads="1"/>
+          </p:cNvPicPr>
+          <p:nvPr/>
+        </p:nvPicPr>
+        <p:blipFill>
+          <a:blip r:embed="rId11" cstate="print">
+            <a:extLst>
+              <a:ext uri="{28A0092B-C50C-407E-A947-70E740481C1C}">
+                <a14:useLocalDpi xmlns:a14="http://schemas.microsoft.com/office/drawing/2010/main" val="0"/>
+              </a:ext>
+            </a:extLst>
+          </a:blip>
+          <a:srcRect/>
+          <a:stretch>
+            <a:fillRect/>
+          </a:stretch>
+        </p:blipFill>
+        <p:spPr bwMode="auto">
+          <a:xfrm rot="20116765">
+            <a:off x="10210446" y="2920055"/>
+            <a:ext cx="1023394" cy="596259"/>
+          </a:xfrm>
+          <a:prstGeom prst="rect">
+            <a:avLst/>
+          </a:prstGeom>
+          <a:solidFill>
+            <a:srgbClr val="FFFFFF">
+              <a:shade val="85000"/>
+            </a:srgbClr>
+          </a:solidFill>
+          <a:ln w="190500" cap="sq">
+            <a:solidFill>
+              <a:srgbClr val="FFFFFF"/>
+            </a:solidFill>
+            <a:miter lim="800000"/>
+          </a:ln>
+          <a:effectLst>
+            <a:outerShdw blurRad="65000" dist="50800" dir="12900000" kx="195000" ky="145000" algn="tl" rotWithShape="0">
+              <a:srgbClr val="000000">
+                <a:alpha val="30000"/>
+              </a:srgbClr>
+            </a:outerShdw>
+          </a:effectLst>
+          <a:scene3d>
+            <a:camera prst="orthographicFront">
+              <a:rot lat="0" lon="0" rev="360000"/>
+            </a:camera>
+            <a:lightRig rig="twoPt" dir="t">
+              <a:rot lat="0" lon="0" rev="7200000"/>
+            </a:lightRig>
+          </a:scene3d>
+          <a:sp3d contourW="12700">
+            <a:bevelT w="25400" h="19050"/>
+            <a:contourClr>
+              <a:srgbClr val="969696"/>
+            </a:contourClr>
+          </a:sp3d>
+          <a:extLst>
+            <a:ext uri="{909E8E84-426E-40DD-AFC4-6F175D3DCCD1}">
+              <a14:hiddenFill xmlns:a14="http://schemas.microsoft.com/office/drawing/2010/main">
+                <a:solidFill>
+                  <a:srgbClr val="FFFFFF"/>
+                </a:solidFill>
+              </a14:hiddenFill>
+            </a:ext>
+          </a:extLst>
+        </p:spPr>
+      </p:pic>
+      <p:pic>
+        <p:nvPicPr>
+          <p:cNvPr id="1032" name="Picture 8" descr="http://lrieber.coe.uga.edu/edit6900/resources/z_formula_large.gif"/>
+          <p:cNvPicPr>
+            <a:picLocks noChangeAspect="1" noChangeArrowheads="1"/>
+          </p:cNvPicPr>
+          <p:nvPr/>
+        </p:nvPicPr>
+        <p:blipFill>
+          <a:blip r:embed="rId12" cstate="print">
+            <a:extLst>
+              <a:ext uri="{28A0092B-C50C-407E-A947-70E740481C1C}">
+                <a14:useLocalDpi xmlns:a14="http://schemas.microsoft.com/office/drawing/2010/main" val="0"/>
+              </a:ext>
+            </a:extLst>
+          </a:blip>
+          <a:srcRect/>
+          <a:stretch>
+            <a:fillRect/>
+          </a:stretch>
+        </p:blipFill>
+        <p:spPr bwMode="auto">
+          <a:xfrm rot="2460477">
+            <a:off x="7757007" y="2393336"/>
+            <a:ext cx="895350" cy="596900"/>
+          </a:xfrm>
+          <a:prstGeom prst="rect">
+            <a:avLst/>
+          </a:prstGeom>
+          <a:solidFill>
+            <a:srgbClr val="FFFFFF">
+              <a:shade val="85000"/>
+            </a:srgbClr>
+          </a:solidFill>
+          <a:ln w="190500" cap="sq">
+            <a:solidFill>
+              <a:srgbClr val="FFFFFF"/>
+            </a:solidFill>
+            <a:miter lim="800000"/>
+          </a:ln>
+          <a:effectLst>
+            <a:outerShdw blurRad="65000" dist="50800" dir="12900000" kx="195000" ky="145000" algn="tl" rotWithShape="0">
+              <a:srgbClr val="000000">
+                <a:alpha val="30000"/>
+              </a:srgbClr>
+            </a:outerShdw>
+          </a:effectLst>
+          <a:scene3d>
+            <a:camera prst="orthographicFront">
+              <a:rot lat="0" lon="0" rev="360000"/>
+            </a:camera>
+            <a:lightRig rig="twoPt" dir="t">
+              <a:rot lat="0" lon="0" rev="7200000"/>
+            </a:lightRig>
+          </a:scene3d>
+          <a:sp3d contourW="12700">
+            <a:bevelT w="25400" h="19050"/>
+            <a:contourClr>
+              <a:srgbClr val="969696"/>
+            </a:contourClr>
+          </a:sp3d>
+          <a:extLst>
+            <a:ext uri="{909E8E84-426E-40DD-AFC4-6F175D3DCCD1}">
+              <a14:hiddenFill xmlns:a14="http://schemas.microsoft.com/office/drawing/2010/main">
+                <a:solidFill>
+                  <a:srgbClr val="FFFFFF"/>
+                </a:solidFill>
+              </a14:hiddenFill>
+            </a:ext>
+          </a:extLst>
+        </p:spPr>
+      </p:pic>
+      <p:sp>
+        <p:nvSpPr>
+          <p:cNvPr id="16" name="Right Arrow 15"/>
+          <p:cNvSpPr/>
+          <p:nvPr/>
+        </p:nvSpPr>
+        <p:spPr>
+          <a:xfrm rot="7706075">
+            <a:off x="7446145" y="3089732"/>
+            <a:ext cx="542505" cy="45719"/>
+          </a:xfrm>
+          <a:prstGeom prst="rightArrow">
+            <a:avLst/>
+          </a:prstGeom>
+        </p:spPr>
+        <p:style>
+          <a:lnRef idx="0">
+            <a:schemeClr val="accent2"/>
+          </a:lnRef>
+          <a:fillRef idx="3">
+            <a:schemeClr val="accent2"/>
+          </a:fillRef>
+          <a:effectRef idx="3">
+            <a:schemeClr val="accent2"/>
+          </a:effectRef>
+          <a:fontRef idx="minor">
+            <a:schemeClr val="lt1"/>
+          </a:fontRef>
+        </p:style>
+        <p:txBody>
+          <a:bodyPr rtlCol="0" anchor="ctr"/>
+          <a:lstStyle/>
+          <a:p>
+            <a:pPr algn="ctr"/>
+            <a:endParaRPr lang="en-ZA"/>
+          </a:p>
+        </p:txBody>
+      </p:sp>
+      <p:sp>
+        <p:nvSpPr>
+          <p:cNvPr id="23" name="Right Arrow 22"/>
+          <p:cNvSpPr/>
+          <p:nvPr/>
+        </p:nvSpPr>
+        <p:spPr>
+          <a:xfrm rot="8654680">
+            <a:off x="9877787" y="3594751"/>
+            <a:ext cx="399939" cy="63266"/>
+          </a:xfrm>
+          <a:prstGeom prst="rightArrow">
+            <a:avLst/>
+          </a:prstGeom>
+        </p:spPr>
+        <p:style>
+          <a:lnRef idx="0">
+            <a:schemeClr val="accent2"/>
+          </a:lnRef>
+          <a:fillRef idx="3">
+            <a:schemeClr val="accent2"/>
+          </a:fillRef>
+          <a:effectRef idx="3">
+            <a:schemeClr val="accent2"/>
+          </a:effectRef>
+          <a:fontRef idx="minor">
+            <a:schemeClr val="lt1"/>
+          </a:fontRef>
+        </p:style>
+        <p:txBody>
+          <a:bodyPr rtlCol="0" anchor="ctr"/>
+          <a:lstStyle/>
+          <a:p>
+            <a:pPr algn="ctr"/>
+            <a:endParaRPr lang="en-ZA"/>
+          </a:p>
+        </p:txBody>
+      </p:sp>
+      <p:pic>
+        <p:nvPicPr>
+          <p:cNvPr id="1040" name="Picture 16" descr="http://ww2.tnstate.edu/ganter/BIO311-CH4-Eq1a.gif"/>
+          <p:cNvPicPr>
+            <a:picLocks noChangeAspect="1" noChangeArrowheads="1"/>
+          </p:cNvPicPr>
+          <p:nvPr/>
+        </p:nvPicPr>
+        <p:blipFill>
+          <a:blip r:embed="rId13" cstate="print">
+            <a:extLst>
+              <a:ext uri="{28A0092B-C50C-407E-A947-70E740481C1C}">
+                <a14:useLocalDpi xmlns:a14="http://schemas.microsoft.com/office/drawing/2010/main" val="0"/>
+              </a:ext>
+            </a:extLst>
+          </a:blip>
+          <a:srcRect/>
+          <a:stretch>
+            <a:fillRect/>
+          </a:stretch>
+        </p:blipFill>
+        <p:spPr bwMode="auto">
+          <a:xfrm rot="18806992">
+            <a:off x="7921867" y="6064897"/>
+            <a:ext cx="1217425" cy="382532"/>
+          </a:xfrm>
+          <a:prstGeom prst="rect">
+            <a:avLst/>
+          </a:prstGeom>
+          <a:noFill/>
+          <a:extLst>
+            <a:ext uri="{909E8E84-426E-40DD-AFC4-6F175D3DCCD1}">
+              <a14:hiddenFill xmlns:a14="http://schemas.microsoft.com/office/drawing/2010/main">
+                <a:solidFill>
+                  <a:srgbClr val="FFFFFF"/>
+                </a:solidFill>
+              </a14:hiddenFill>
+            </a:ext>
+          </a:extLst>
+        </p:spPr>
+      </p:pic>
+      <p:sp>
+        <p:nvSpPr>
+          <p:cNvPr id="26" name="Right Arrow 25"/>
+          <p:cNvSpPr/>
+          <p:nvPr/>
+        </p:nvSpPr>
+        <p:spPr>
+          <a:xfrm rot="12546029">
+            <a:off x="7948373" y="5941317"/>
+            <a:ext cx="657574" cy="68981"/>
+          </a:xfrm>
+          <a:prstGeom prst="rightArrow">
+            <a:avLst/>
+          </a:prstGeom>
+        </p:spPr>
+        <p:style>
+          <a:lnRef idx="0">
+            <a:schemeClr val="accent2"/>
+          </a:lnRef>
+          <a:fillRef idx="3">
+            <a:schemeClr val="accent2"/>
+          </a:fillRef>
+          <a:effectRef idx="3">
+            <a:schemeClr val="accent2"/>
+          </a:effectRef>
+          <a:fontRef idx="minor">
+            <a:schemeClr val="lt1"/>
+          </a:fontRef>
+        </p:style>
+        <p:txBody>
+          <a:bodyPr rtlCol="0" anchor="ctr"/>
+          <a:lstStyle/>
+          <a:p>
+            <a:pPr algn="ctr"/>
+            <a:endParaRPr lang="en-ZA"/>
+          </a:p>
+        </p:txBody>
+      </p:sp>
+      <p:sp>
+        <p:nvSpPr>
+          <p:cNvPr id="19" name="Round Diagonal Corner Rectangle 18"/>
+          <p:cNvSpPr/>
+          <p:nvPr/>
+        </p:nvSpPr>
+        <p:spPr>
+          <a:xfrm>
+            <a:off x="10335120" y="6086474"/>
+            <a:ext cx="1708600" cy="601889"/>
+          </a:xfrm>
+          <a:prstGeom prst="round2DiagRect">
+            <a:avLst/>
+          </a:prstGeom>
+        </p:spPr>
+        <p:style>
+          <a:lnRef idx="2">
+            <a:schemeClr val="accent6"/>
+          </a:lnRef>
+          <a:fillRef idx="1">
+            <a:schemeClr val="lt1"/>
+          </a:fillRef>
+          <a:effectRef idx="0">
+            <a:schemeClr val="accent6"/>
+          </a:effectRef>
+          <a:fontRef idx="minor">
+            <a:schemeClr val="dk1"/>
+          </a:fontRef>
+        </p:style>
+        <p:txBody>
+          <a:bodyPr rtlCol="0" anchor="ctr"/>
+          <a:lstStyle/>
+          <a:p>
+            <a:pPr algn="just"/>
+            <a:r>
+              <a:rPr lang="en-ZA" sz="600" dirty="0" smtClean="0"/>
+              <a:t>The DVT DriveStats Algorithm would not have been possible without the invaluable help, advice, and insight, provided by the two following individuals:</a:t>
+            </a:r>
+          </a:p>
+          <a:p>
+            <a:pPr marL="171450" indent="-171450" algn="just">
+              <a:buFont typeface="Arial" panose="020B0604020202020204" pitchFamily="34" charset="0"/>
+              <a:buChar char="•"/>
+            </a:pPr>
+            <a:r>
+              <a:rPr lang="en-ZA" sz="600" dirty="0" err="1" smtClean="0"/>
+              <a:t>Prenil</a:t>
+            </a:r>
+            <a:r>
+              <a:rPr lang="en-ZA" sz="600" dirty="0" smtClean="0"/>
+              <a:t> </a:t>
+            </a:r>
+            <a:r>
+              <a:rPr lang="en-ZA" sz="600" dirty="0" err="1" smtClean="0"/>
+              <a:t>Sewmohan</a:t>
+            </a:r>
+            <a:endParaRPr lang="en-ZA" sz="600" dirty="0" smtClean="0"/>
+          </a:p>
+          <a:p>
+            <a:pPr marL="171450" indent="-171450" algn="just">
+              <a:buFont typeface="Arial" panose="020B0604020202020204" pitchFamily="34" charset="0"/>
+              <a:buChar char="•"/>
+            </a:pPr>
+            <a:r>
+              <a:rPr lang="en-ZA" sz="600" dirty="0" err="1" smtClean="0"/>
+              <a:t>Jolandi</a:t>
+            </a:r>
+            <a:r>
+              <a:rPr lang="en-ZA" sz="600" dirty="0" smtClean="0"/>
+              <a:t> </a:t>
+            </a:r>
+            <a:r>
+              <a:rPr lang="en-ZA" sz="600" dirty="0" err="1" smtClean="0"/>
+              <a:t>Swanepoel</a:t>
+            </a:r>
+            <a:endParaRPr lang="en-ZA" sz="600" dirty="0"/>
+          </a:p>
+        </p:txBody>
+      </p:sp>
     </p:spTree>
     <p:extLst>
       <p:ext uri="{BB962C8B-B14F-4D97-AF65-F5344CB8AC3E}">
@@ -3270,6 +7749,13 @@
   <p:clrMapOvr>
     <a:masterClrMapping/>
   </p:clrMapOvr>
+  <p:timing>
+    <p:tnLst>
+      <p:par>
+        <p:cTn id="1" dur="indefinite" restart="never" nodeType="tmRoot"/>
+      </p:par>
+    </p:tnLst>
+  </p:timing>
 </p:sld>
 </file>
 

--- a/documentation/AlgorithmPoster.pptx
+++ b/documentation/AlgorithmPoster.pptx
@@ -1065,10 +1065,8 @@
         <a:p>
           <a:r>
             <a:rPr lang="en-ZA" dirty="0" smtClean="0"/>
-            <a:t>From this data we calculate a Z-score for the distance of the person’s number of bad things from the normal distribution of the number of bad things.</a:t>
+            <a:t>Using this information, we are able to estimate a probability that the score of the current trip was a result of random chance when compared to the normal distribution of all other drivers.</a:t>
           </a:r>
-        </a:p>
-        <a:p>
           <a:endParaRPr lang="en-ZA" dirty="0"/>
         </a:p>
       </dgm:t>
@@ -1104,8 +1102,10 @@
         <a:p>
           <a:r>
             <a:rPr lang="en-ZA" dirty="0" smtClean="0"/>
-            <a:t>Using our z-score and by integrating the normal distribution function, we are able to estimate the area to the left of the normal distribution’s score.</a:t>
+            <a:t>From this data we calculate a Z-score for the distance of the person’s number of bad things from the normal distribution of the number of bad things.</a:t>
           </a:r>
+        </a:p>
+        <a:p>
           <a:endParaRPr lang="en-ZA" dirty="0"/>
         </a:p>
       </dgm:t>
@@ -1141,7 +1141,7 @@
         <a:p>
           <a:r>
             <a:rPr lang="en-ZA" dirty="0" smtClean="0"/>
-            <a:t>Because the area under a normal distribution always equals 1, we can simply multiply the area by 10 to achieve a score out of 10 for the quality of that person’s driving.</a:t>
+            <a:t>Using our z-score and by integrating the normal distribution function, we are able to estimate the area to the left of the normal distribution’s score.</a:t>
           </a:r>
           <a:endParaRPr lang="en-ZA" dirty="0"/>
         </a:p>
@@ -1177,8 +1177,8 @@
         <a:lstStyle/>
         <a:p>
           <a:r>
-            <a:rPr lang="en-ZA" dirty="0" smtClean="0"/>
-            <a:t>Using this information, we are able to estimate a probability that the score of the current trip was a result of random chance when compared to the normal distribution of all other drivers.</a:t>
+            <a:rPr lang="en-ZA" smtClean="0"/>
+            <a:t>Weightings are applied to the different readings from the sensors (because acceleration through a turn is worse than acceleration while moving forward, and acceleration upwards is even worse!)</a:t>
           </a:r>
           <a:endParaRPr lang="en-ZA" dirty="0"/>
         </a:p>
@@ -1206,6 +1206,43 @@
         </a:p>
       </dgm:t>
     </dgm:pt>
+    <dgm:pt modelId="{F2809BA3-C65E-4889-8F5A-FF553707154C}">
+      <dgm:prSet phldrT="[Text]"/>
+      <dgm:spPr/>
+      <dgm:t>
+        <a:bodyPr/>
+        <a:lstStyle/>
+        <a:p>
+          <a:r>
+            <a:rPr lang="en-ZA" dirty="0" smtClean="0"/>
+            <a:t>Because the area under a normal distribution always equals 1, we can simply multiply the area by 10 to achieve a score out of 10 for the quality of that person’s driving.</a:t>
+          </a:r>
+          <a:endParaRPr lang="en-ZA" dirty="0"/>
+        </a:p>
+      </dgm:t>
+    </dgm:pt>
+    <dgm:pt modelId="{FC354316-0A86-49FE-B980-2848910173B1}" type="parTrans" cxnId="{B3B9CAB9-2667-4815-A245-E1FC2B28DE7D}">
+      <dgm:prSet/>
+      <dgm:spPr/>
+      <dgm:t>
+        <a:bodyPr/>
+        <a:lstStyle/>
+        <a:p>
+          <a:endParaRPr lang="en-ZA"/>
+        </a:p>
+      </dgm:t>
+    </dgm:pt>
+    <dgm:pt modelId="{342EE362-FB63-4B4A-A4F8-F7864A82DA6F}" type="sibTrans" cxnId="{B3B9CAB9-2667-4815-A245-E1FC2B28DE7D}">
+      <dgm:prSet/>
+      <dgm:spPr/>
+      <dgm:t>
+        <a:bodyPr/>
+        <a:lstStyle/>
+        <a:p>
+          <a:endParaRPr lang="en-ZA"/>
+        </a:p>
+      </dgm:t>
+    </dgm:pt>
     <dgm:pt modelId="{F41203AE-3D27-4DFC-B08E-BF6461080D2A}" type="pres">
       <dgm:prSet presAssocID="{69D9465D-5278-4893-90E4-FC4A404190FF}" presName="Name0" presStyleCnt="0">
         <dgm:presLayoutVars>
@@ -1214,6 +1251,13 @@
         </dgm:presLayoutVars>
       </dgm:prSet>
       <dgm:spPr/>
+      <dgm:t>
+        <a:bodyPr/>
+        <a:lstStyle/>
+        <a:p>
+          <a:endParaRPr lang="en-ZA"/>
+        </a:p>
+      </dgm:t>
     </dgm:pt>
     <dgm:pt modelId="{9B9AB0DF-1520-478A-9272-0D99B8FD5BC6}" type="pres">
       <dgm:prSet presAssocID="{D9BFE88D-86D5-4A4E-9864-049B66CE7B11}" presName="compNode" presStyleCnt="0"/>
@@ -1224,7 +1268,7 @@
       <dgm:spPr/>
     </dgm:pt>
     <dgm:pt modelId="{0111BCDE-244E-4E0C-9F45-971A15B0F1AB}" type="pres">
-      <dgm:prSet presAssocID="{D9BFE88D-86D5-4A4E-9864-049B66CE7B11}" presName="node" presStyleLbl="node1" presStyleIdx="0" presStyleCnt="8">
+      <dgm:prSet presAssocID="{D9BFE88D-86D5-4A4E-9864-049B66CE7B11}" presName="node" presStyleLbl="node1" presStyleIdx="0" presStyleCnt="9">
         <dgm:presLayoutVars>
           <dgm:bulletEnabled val="1"/>
         </dgm:presLayoutVars>
@@ -1239,8 +1283,15 @@
       </dgm:t>
     </dgm:pt>
     <dgm:pt modelId="{CF02E96F-6612-4447-A716-AF24BA2BAA38}" type="pres">
-      <dgm:prSet presAssocID="{8E23BBB5-4FFD-4603-8A8B-57D6A8F546C7}" presName="sibTrans" presStyleLbl="bgSibTrans2D1" presStyleIdx="0" presStyleCnt="7"/>
+      <dgm:prSet presAssocID="{8E23BBB5-4FFD-4603-8A8B-57D6A8F546C7}" presName="sibTrans" presStyleLbl="bgSibTrans2D1" presStyleIdx="0" presStyleCnt="8"/>
       <dgm:spPr/>
+      <dgm:t>
+        <a:bodyPr/>
+        <a:lstStyle/>
+        <a:p>
+          <a:endParaRPr lang="en-ZA"/>
+        </a:p>
+      </dgm:t>
     </dgm:pt>
     <dgm:pt modelId="{9A667FA2-187F-453F-A609-3E1D6425EF0B}" type="pres">
       <dgm:prSet presAssocID="{F6AB84D7-DC04-4772-BBB8-08839E3E3B0E}" presName="compNode" presStyleCnt="0"/>
@@ -1251,7 +1302,7 @@
       <dgm:spPr/>
     </dgm:pt>
     <dgm:pt modelId="{5D23B8C8-D64B-484E-B55B-BD146A94EBE7}" type="pres">
-      <dgm:prSet presAssocID="{F6AB84D7-DC04-4772-BBB8-08839E3E3B0E}" presName="node" presStyleLbl="node1" presStyleIdx="1" presStyleCnt="8">
+      <dgm:prSet presAssocID="{F6AB84D7-DC04-4772-BBB8-08839E3E3B0E}" presName="node" presStyleLbl="node1" presStyleIdx="1" presStyleCnt="9">
         <dgm:presLayoutVars>
           <dgm:bulletEnabled val="1"/>
         </dgm:presLayoutVars>
@@ -1266,8 +1317,15 @@
       </dgm:t>
     </dgm:pt>
     <dgm:pt modelId="{6E02BA24-2FD9-4C78-8700-D63A6D75380B}" type="pres">
-      <dgm:prSet presAssocID="{730DAA83-5ECA-4C62-B660-9C169A24A198}" presName="sibTrans" presStyleLbl="bgSibTrans2D1" presStyleIdx="1" presStyleCnt="7"/>
+      <dgm:prSet presAssocID="{730DAA83-5ECA-4C62-B660-9C169A24A198}" presName="sibTrans" presStyleLbl="bgSibTrans2D1" presStyleIdx="1" presStyleCnt="8"/>
       <dgm:spPr/>
+      <dgm:t>
+        <a:bodyPr/>
+        <a:lstStyle/>
+        <a:p>
+          <a:endParaRPr lang="en-ZA"/>
+        </a:p>
+      </dgm:t>
     </dgm:pt>
     <dgm:pt modelId="{35030BF2-BCB0-42C3-AB31-7179BE8CC150}" type="pres">
       <dgm:prSet presAssocID="{C24C36EC-6312-42E6-85F3-613C20BC1376}" presName="compNode" presStyleCnt="0"/>
@@ -1278,7 +1336,7 @@
       <dgm:spPr/>
     </dgm:pt>
     <dgm:pt modelId="{DB114CFE-3120-4EDC-8173-69948354E5C4}" type="pres">
-      <dgm:prSet presAssocID="{C24C36EC-6312-42E6-85F3-613C20BC1376}" presName="node" presStyleLbl="node1" presStyleIdx="2" presStyleCnt="8">
+      <dgm:prSet presAssocID="{C24C36EC-6312-42E6-85F3-613C20BC1376}" presName="node" presStyleLbl="node1" presStyleIdx="2" presStyleCnt="9">
         <dgm:presLayoutVars>
           <dgm:bulletEnabled val="1"/>
         </dgm:presLayoutVars>
@@ -1293,8 +1351,15 @@
       </dgm:t>
     </dgm:pt>
     <dgm:pt modelId="{B3F14615-A4E7-4DA6-B7C0-B9FBB08C1897}" type="pres">
-      <dgm:prSet presAssocID="{A015CC84-CBCB-49E3-9D9B-F66E30B67EB4}" presName="sibTrans" presStyleLbl="bgSibTrans2D1" presStyleIdx="2" presStyleCnt="7"/>
+      <dgm:prSet presAssocID="{A015CC84-CBCB-49E3-9D9B-F66E30B67EB4}" presName="sibTrans" presStyleLbl="bgSibTrans2D1" presStyleIdx="2" presStyleCnt="8"/>
       <dgm:spPr/>
+      <dgm:t>
+        <a:bodyPr/>
+        <a:lstStyle/>
+        <a:p>
+          <a:endParaRPr lang="en-ZA"/>
+        </a:p>
+      </dgm:t>
     </dgm:pt>
     <dgm:pt modelId="{51B2E9AB-3D79-49B1-BEBD-4D3750E0DBE2}" type="pres">
       <dgm:prSet presAssocID="{AC0CA605-AB71-4DDA-8068-AE236D9C9B5B}" presName="compNode" presStyleCnt="0"/>
@@ -1305,7 +1370,7 @@
       <dgm:spPr/>
     </dgm:pt>
     <dgm:pt modelId="{8B6115A6-6B88-4E8C-B7FC-E18F0AFA9CAB}" type="pres">
-      <dgm:prSet presAssocID="{AC0CA605-AB71-4DDA-8068-AE236D9C9B5B}" presName="node" presStyleLbl="node1" presStyleIdx="3" presStyleCnt="8">
+      <dgm:prSet presAssocID="{AC0CA605-AB71-4DDA-8068-AE236D9C9B5B}" presName="node" presStyleLbl="node1" presStyleIdx="3" presStyleCnt="9">
         <dgm:presLayoutVars>
           <dgm:bulletEnabled val="1"/>
         </dgm:presLayoutVars>
@@ -1320,8 +1385,15 @@
       </dgm:t>
     </dgm:pt>
     <dgm:pt modelId="{3C7DEFEB-D965-469F-891F-0F8B1239A0E7}" type="pres">
-      <dgm:prSet presAssocID="{A9DEF564-FDF7-4F00-998C-0108AF2F964C}" presName="sibTrans" presStyleLbl="bgSibTrans2D1" presStyleIdx="3" presStyleCnt="7"/>
+      <dgm:prSet presAssocID="{A9DEF564-FDF7-4F00-998C-0108AF2F964C}" presName="sibTrans" presStyleLbl="bgSibTrans2D1" presStyleIdx="3" presStyleCnt="8"/>
       <dgm:spPr/>
+      <dgm:t>
+        <a:bodyPr/>
+        <a:lstStyle/>
+        <a:p>
+          <a:endParaRPr lang="en-ZA"/>
+        </a:p>
+      </dgm:t>
     </dgm:pt>
     <dgm:pt modelId="{95BA0601-87BE-4DEF-8582-2DEE0BA26A86}" type="pres">
       <dgm:prSet presAssocID="{7B5F1AB1-A56B-4592-899D-948C07E9FCE7}" presName="compNode" presStyleCnt="0"/>
@@ -1332,7 +1404,7 @@
       <dgm:spPr/>
     </dgm:pt>
     <dgm:pt modelId="{4831F056-7731-46BB-8DF6-11307D2F1AEB}" type="pres">
-      <dgm:prSet presAssocID="{7B5F1AB1-A56B-4592-899D-948C07E9FCE7}" presName="node" presStyleLbl="node1" presStyleIdx="4" presStyleCnt="8">
+      <dgm:prSet presAssocID="{7B5F1AB1-A56B-4592-899D-948C07E9FCE7}" presName="node" presStyleLbl="node1" presStyleIdx="4" presStyleCnt="9">
         <dgm:presLayoutVars>
           <dgm:bulletEnabled val="1"/>
         </dgm:presLayoutVars>
@@ -1347,8 +1419,15 @@
       </dgm:t>
     </dgm:pt>
     <dgm:pt modelId="{66DF8E1A-5511-4F36-8E47-F7C36D34BC9C}" type="pres">
-      <dgm:prSet presAssocID="{F9AFC70D-98A9-44D5-AE29-4B77D890DCE5}" presName="sibTrans" presStyleLbl="bgSibTrans2D1" presStyleIdx="4" presStyleCnt="7"/>
+      <dgm:prSet presAssocID="{F9AFC70D-98A9-44D5-AE29-4B77D890DCE5}" presName="sibTrans" presStyleLbl="bgSibTrans2D1" presStyleIdx="4" presStyleCnt="8"/>
       <dgm:spPr/>
+      <dgm:t>
+        <a:bodyPr/>
+        <a:lstStyle/>
+        <a:p>
+          <a:endParaRPr lang="en-ZA"/>
+        </a:p>
+      </dgm:t>
     </dgm:pt>
     <dgm:pt modelId="{0EC2B60E-4C2C-4D55-BEB5-A8216C7C4608}" type="pres">
       <dgm:prSet presAssocID="{F7C8F245-4D7A-469E-B33C-5443AAA03436}" presName="compNode" presStyleCnt="0"/>
@@ -1359,16 +1438,30 @@
       <dgm:spPr/>
     </dgm:pt>
     <dgm:pt modelId="{E8D604B9-E6B5-427C-8D2D-C70DBA515C38}" type="pres">
-      <dgm:prSet presAssocID="{F7C8F245-4D7A-469E-B33C-5443AAA03436}" presName="node" presStyleLbl="node1" presStyleIdx="5" presStyleCnt="8">
+      <dgm:prSet presAssocID="{F7C8F245-4D7A-469E-B33C-5443AAA03436}" presName="node" presStyleLbl="node1" presStyleIdx="5" presStyleCnt="9">
         <dgm:presLayoutVars>
           <dgm:bulletEnabled val="1"/>
         </dgm:presLayoutVars>
       </dgm:prSet>
       <dgm:spPr/>
+      <dgm:t>
+        <a:bodyPr/>
+        <a:lstStyle/>
+        <a:p>
+          <a:endParaRPr lang="en-ZA"/>
+        </a:p>
+      </dgm:t>
     </dgm:pt>
     <dgm:pt modelId="{F464CA6F-950B-46FF-9EA4-EAFF6B879406}" type="pres">
-      <dgm:prSet presAssocID="{5925B536-8CDD-4273-9EA0-F3DFE28CFC0A}" presName="sibTrans" presStyleLbl="bgSibTrans2D1" presStyleIdx="5" presStyleCnt="7"/>
+      <dgm:prSet presAssocID="{5925B536-8CDD-4273-9EA0-F3DFE28CFC0A}" presName="sibTrans" presStyleLbl="bgSibTrans2D1" presStyleIdx="5" presStyleCnt="8"/>
       <dgm:spPr/>
+      <dgm:t>
+        <a:bodyPr/>
+        <a:lstStyle/>
+        <a:p>
+          <a:endParaRPr lang="en-ZA"/>
+        </a:p>
+      </dgm:t>
     </dgm:pt>
     <dgm:pt modelId="{42A1F50B-5B1B-4145-A083-09B1B095BC25}" type="pres">
       <dgm:prSet presAssocID="{664F3033-06A2-4F92-8AED-49E5BB070394}" presName="compNode" presStyleCnt="0"/>
@@ -1379,7 +1472,7 @@
       <dgm:spPr/>
     </dgm:pt>
     <dgm:pt modelId="{E2F09AE3-E19A-4DEE-8439-BD770D589E30}" type="pres">
-      <dgm:prSet presAssocID="{664F3033-06A2-4F92-8AED-49E5BB070394}" presName="node" presStyleLbl="node1" presStyleIdx="6" presStyleCnt="8">
+      <dgm:prSet presAssocID="{664F3033-06A2-4F92-8AED-49E5BB070394}" presName="node" presStyleLbl="node1" presStyleIdx="6" presStyleCnt="9">
         <dgm:presLayoutVars>
           <dgm:bulletEnabled val="1"/>
         </dgm:presLayoutVars>
@@ -1394,8 +1487,15 @@
       </dgm:t>
     </dgm:pt>
     <dgm:pt modelId="{E6918614-9BE6-4F65-A414-6CA09685AE8E}" type="pres">
-      <dgm:prSet presAssocID="{24235BDA-3456-4472-A5F8-A95C033405D7}" presName="sibTrans" presStyleLbl="bgSibTrans2D1" presStyleIdx="6" presStyleCnt="7"/>
+      <dgm:prSet presAssocID="{24235BDA-3456-4472-A5F8-A95C033405D7}" presName="sibTrans" presStyleLbl="bgSibTrans2D1" presStyleIdx="6" presStyleCnt="8"/>
       <dgm:spPr/>
+      <dgm:t>
+        <a:bodyPr/>
+        <a:lstStyle/>
+        <a:p>
+          <a:endParaRPr lang="en-ZA"/>
+        </a:p>
+      </dgm:t>
     </dgm:pt>
     <dgm:pt modelId="{1B166470-D870-4BDA-A5DA-F226145161FC}" type="pres">
       <dgm:prSet presAssocID="{CE70E7C1-00A1-4F5C-B7F2-4DEA0098B5CC}" presName="compNode" presStyleCnt="0"/>
@@ -1406,7 +1506,41 @@
       <dgm:spPr/>
     </dgm:pt>
     <dgm:pt modelId="{6DEDC417-7D81-4270-BD28-D9247A7A935F}" type="pres">
-      <dgm:prSet presAssocID="{CE70E7C1-00A1-4F5C-B7F2-4DEA0098B5CC}" presName="node" presStyleLbl="node1" presStyleIdx="7" presStyleCnt="8">
+      <dgm:prSet presAssocID="{CE70E7C1-00A1-4F5C-B7F2-4DEA0098B5CC}" presName="node" presStyleLbl="node1" presStyleIdx="7" presStyleCnt="9">
+        <dgm:presLayoutVars>
+          <dgm:bulletEnabled val="1"/>
+        </dgm:presLayoutVars>
+      </dgm:prSet>
+      <dgm:spPr/>
+      <dgm:t>
+        <a:bodyPr/>
+        <a:lstStyle/>
+        <a:p>
+          <a:endParaRPr lang="en-ZA"/>
+        </a:p>
+      </dgm:t>
+    </dgm:pt>
+    <dgm:pt modelId="{04175430-BE2F-45E9-8822-6B0CF5FF9864}" type="pres">
+      <dgm:prSet presAssocID="{31DAD7E9-CE7C-41E2-8D30-CCCC16BF810D}" presName="sibTrans" presStyleLbl="bgSibTrans2D1" presStyleIdx="7" presStyleCnt="8"/>
+      <dgm:spPr/>
+      <dgm:t>
+        <a:bodyPr/>
+        <a:lstStyle/>
+        <a:p>
+          <a:endParaRPr lang="en-ZA"/>
+        </a:p>
+      </dgm:t>
+    </dgm:pt>
+    <dgm:pt modelId="{0B625B18-E227-42A1-8BD7-FBC109D3EA62}" type="pres">
+      <dgm:prSet presAssocID="{F2809BA3-C65E-4889-8F5A-FF553707154C}" presName="compNode" presStyleCnt="0"/>
+      <dgm:spPr/>
+    </dgm:pt>
+    <dgm:pt modelId="{57704B1B-3CE8-4FEB-A14B-A42A5666C53B}" type="pres">
+      <dgm:prSet presAssocID="{F2809BA3-C65E-4889-8F5A-FF553707154C}" presName="dummyConnPt" presStyleCnt="0"/>
+      <dgm:spPr/>
+    </dgm:pt>
+    <dgm:pt modelId="{186C2779-A3E3-43E9-AE0E-189DFF42734F}" type="pres">
+      <dgm:prSet presAssocID="{F2809BA3-C65E-4889-8F5A-FF553707154C}" presName="node" presStyleLbl="node1" presStyleIdx="8" presStyleCnt="9">
         <dgm:presLayoutVars>
           <dgm:bulletEnabled val="1"/>
         </dgm:presLayoutVars>
@@ -1423,29 +1557,32 @@
   </dgm:ptLst>
   <dgm:cxnLst>
     <dgm:cxn modelId="{2534C515-9526-4995-A442-803954094489}" type="presOf" srcId="{CE70E7C1-00A1-4F5C-B7F2-4DEA0098B5CC}" destId="{6DEDC417-7D81-4270-BD28-D9247A7A935F}" srcOrd="0" destOrd="0" presId="urn:microsoft.com/office/officeart/2005/8/layout/bProcess4"/>
-    <dgm:cxn modelId="{9D075F56-2E0B-4171-8175-C4780726D8AC}" type="presOf" srcId="{24235BDA-3456-4472-A5F8-A95C033405D7}" destId="{E6918614-9BE6-4F65-A414-6CA09685AE8E}" srcOrd="0" destOrd="0" presId="urn:microsoft.com/office/officeart/2005/8/layout/bProcess4"/>
-    <dgm:cxn modelId="{1E40BCCB-1E76-43AB-8C55-8CF0256943F5}" type="presOf" srcId="{664F3033-06A2-4F92-8AED-49E5BB070394}" destId="{E2F09AE3-E19A-4DEE-8439-BD770D589E30}" srcOrd="0" destOrd="0" presId="urn:microsoft.com/office/officeart/2005/8/layout/bProcess4"/>
-    <dgm:cxn modelId="{8E260BD3-C9D7-4508-A4AC-F2E5E19A10BF}" type="presOf" srcId="{AC0CA605-AB71-4DDA-8068-AE236D9C9B5B}" destId="{8B6115A6-6B88-4E8C-B7FC-E18F0AFA9CAB}" srcOrd="0" destOrd="0" presId="urn:microsoft.com/office/officeart/2005/8/layout/bProcess4"/>
-    <dgm:cxn modelId="{2AA4AD88-DEE0-4498-BBBA-098B55978CFC}" srcId="{69D9465D-5278-4893-90E4-FC4A404190FF}" destId="{F7C8F245-4D7A-469E-B33C-5443AAA03436}" srcOrd="5" destOrd="0" parTransId="{7004115D-85D0-4855-8403-56165FBD8C5D}" sibTransId="{5925B536-8CDD-4273-9EA0-F3DFE28CFC0A}"/>
-    <dgm:cxn modelId="{A1F85789-4824-48E4-B23D-DB88A8247DF3}" type="presOf" srcId="{A015CC84-CBCB-49E3-9D9B-F66E30B67EB4}" destId="{B3F14615-A4E7-4DA6-B7C0-B9FBB08C1897}" srcOrd="0" destOrd="0" presId="urn:microsoft.com/office/officeart/2005/8/layout/bProcess4"/>
-    <dgm:cxn modelId="{3B0582A2-3B3D-4DCD-93AC-A52D25E70D8E}" type="presOf" srcId="{7B5F1AB1-A56B-4592-899D-948C07E9FCE7}" destId="{4831F056-7731-46BB-8DF6-11307D2F1AEB}" srcOrd="0" destOrd="0" presId="urn:microsoft.com/office/officeart/2005/8/layout/bProcess4"/>
+    <dgm:cxn modelId="{29F4C0D2-AE92-4258-BBFD-9A40C4CCE94E}" type="presOf" srcId="{F7C8F245-4D7A-469E-B33C-5443AAA03436}" destId="{E8D604B9-E6B5-427C-8D2D-C70DBA515C38}" srcOrd="0" destOrd="0" presId="urn:microsoft.com/office/officeart/2005/8/layout/bProcess4"/>
+    <dgm:cxn modelId="{E9634CB2-95B8-4A07-9924-3D7B5FC7A4F5}" type="presOf" srcId="{8E23BBB5-4FFD-4603-8A8B-57D6A8F546C7}" destId="{CF02E96F-6612-4447-A716-AF24BA2BAA38}" srcOrd="0" destOrd="0" presId="urn:microsoft.com/office/officeart/2005/8/layout/bProcess4"/>
     <dgm:cxn modelId="{FF8D777C-18B8-4623-AFA7-00093BE62503}" type="presOf" srcId="{D9BFE88D-86D5-4A4E-9864-049B66CE7B11}" destId="{0111BCDE-244E-4E0C-9F45-971A15B0F1AB}" srcOrd="0" destOrd="0" presId="urn:microsoft.com/office/officeart/2005/8/layout/bProcess4"/>
-    <dgm:cxn modelId="{8995703E-16EE-4A81-9B75-E9CF54A0823C}" type="presOf" srcId="{F9AFC70D-98A9-44D5-AE29-4B77D890DCE5}" destId="{66DF8E1A-5511-4F36-8E47-F7C36D34BC9C}" srcOrd="0" destOrd="0" presId="urn:microsoft.com/office/officeart/2005/8/layout/bProcess4"/>
-    <dgm:cxn modelId="{F8BF60C2-BE39-43A2-9A61-63EC368D0FEB}" type="presOf" srcId="{5925B536-8CDD-4273-9EA0-F3DFE28CFC0A}" destId="{F464CA6F-950B-46FF-9EA4-EAFF6B879406}" srcOrd="0" destOrd="0" presId="urn:microsoft.com/office/officeart/2005/8/layout/bProcess4"/>
-    <dgm:cxn modelId="{1841C2B5-F5D9-4C9D-BC8C-E01099CB1015}" type="presOf" srcId="{730DAA83-5ECA-4C62-B660-9C169A24A198}" destId="{6E02BA24-2FD9-4C78-8700-D63A6D75380B}" srcOrd="0" destOrd="0" presId="urn:microsoft.com/office/officeart/2005/8/layout/bProcess4"/>
-    <dgm:cxn modelId="{E9634CB2-95B8-4A07-9924-3D7B5FC7A4F5}" type="presOf" srcId="{8E23BBB5-4FFD-4603-8A8B-57D6A8F546C7}" destId="{CF02E96F-6612-4447-A716-AF24BA2BAA38}" srcOrd="0" destOrd="0" presId="urn:microsoft.com/office/officeart/2005/8/layout/bProcess4"/>
-    <dgm:cxn modelId="{5D11504B-F891-4E16-81AF-19A4EDD5D894}" srcId="{69D9465D-5278-4893-90E4-FC4A404190FF}" destId="{AC0CA605-AB71-4DDA-8068-AE236D9C9B5B}" srcOrd="3" destOrd="0" parTransId="{8CC74D62-4916-498D-B541-D6C5D6CF2E1B}" sibTransId="{A9DEF564-FDF7-4F00-998C-0108AF2F964C}"/>
-    <dgm:cxn modelId="{35FFAEAE-DC16-4986-AE73-A931A7283792}" srcId="{69D9465D-5278-4893-90E4-FC4A404190FF}" destId="{D9BFE88D-86D5-4A4E-9864-049B66CE7B11}" srcOrd="0" destOrd="0" parTransId="{F9F09A06-4B6D-4FE7-83E2-F8A428C27656}" sibTransId="{8E23BBB5-4FFD-4603-8A8B-57D6A8F546C7}"/>
     <dgm:cxn modelId="{FA601BAF-F0F4-41C1-9E74-90A3437D9622}" srcId="{69D9465D-5278-4893-90E4-FC4A404190FF}" destId="{F6AB84D7-DC04-4772-BBB8-08839E3E3B0E}" srcOrd="1" destOrd="0" parTransId="{F35EFF0E-EA0B-4C57-8CED-83FEB15CD0FD}" sibTransId="{730DAA83-5ECA-4C62-B660-9C169A24A198}"/>
-    <dgm:cxn modelId="{5D51E946-1572-4B32-A99B-B09C2D21BB4F}" srcId="{69D9465D-5278-4893-90E4-FC4A404190FF}" destId="{664F3033-06A2-4F92-8AED-49E5BB070394}" srcOrd="6" destOrd="0" parTransId="{67711992-C237-4337-995F-B75846ACA60F}" sibTransId="{24235BDA-3456-4472-A5F8-A95C033405D7}"/>
-    <dgm:cxn modelId="{1EA91787-343D-46F0-A1A6-0C2FA465220B}" srcId="{69D9465D-5278-4893-90E4-FC4A404190FF}" destId="{C24C36EC-6312-42E6-85F3-613C20BC1376}" srcOrd="2" destOrd="0" parTransId="{05B560A1-CF69-4666-8BB8-D628BE42664F}" sibTransId="{A015CC84-CBCB-49E3-9D9B-F66E30B67EB4}"/>
-    <dgm:cxn modelId="{29F4C0D2-AE92-4258-BBFD-9A40C4CCE94E}" type="presOf" srcId="{F7C8F245-4D7A-469E-B33C-5443AAA03436}" destId="{E8D604B9-E6B5-427C-8D2D-C70DBA515C38}" srcOrd="0" destOrd="0" presId="urn:microsoft.com/office/officeart/2005/8/layout/bProcess4"/>
-    <dgm:cxn modelId="{BE8A410B-AB19-490E-B9A0-CFE7C4AE16AF}" type="presOf" srcId="{F6AB84D7-DC04-4772-BBB8-08839E3E3B0E}" destId="{5D23B8C8-D64B-484E-B55B-BD146A94EBE7}" srcOrd="0" destOrd="0" presId="urn:microsoft.com/office/officeart/2005/8/layout/bProcess4"/>
-    <dgm:cxn modelId="{D00831ED-127B-4987-AF88-67025158E8BF}" type="presOf" srcId="{C24C36EC-6312-42E6-85F3-613C20BC1376}" destId="{DB114CFE-3120-4EDC-8173-69948354E5C4}" srcOrd="0" destOrd="0" presId="urn:microsoft.com/office/officeart/2005/8/layout/bProcess4"/>
-    <dgm:cxn modelId="{134DE985-81C2-41BB-9A8C-B4B56F87F2E8}" srcId="{69D9465D-5278-4893-90E4-FC4A404190FF}" destId="{7B5F1AB1-A56B-4592-899D-948C07E9FCE7}" srcOrd="4" destOrd="0" parTransId="{32E3B1F7-D695-42F6-9E77-4159D9144FAF}" sibTransId="{F9AFC70D-98A9-44D5-AE29-4B77D890DCE5}"/>
-    <dgm:cxn modelId="{8B540F0B-2250-4B5E-BCCE-C3D246BFA6AE}" srcId="{69D9465D-5278-4893-90E4-FC4A404190FF}" destId="{CE70E7C1-00A1-4F5C-B7F2-4DEA0098B5CC}" srcOrd="7" destOrd="0" parTransId="{F234F055-B622-4D52-AFCB-3BA3D3341CFD}" sibTransId="{31DAD7E9-CE7C-41E2-8D30-CCCC16BF810D}"/>
     <dgm:cxn modelId="{14055F04-8140-4BAE-862B-A1242381A950}" type="presOf" srcId="{A9DEF564-FDF7-4F00-998C-0108AF2F964C}" destId="{3C7DEFEB-D965-469F-891F-0F8B1239A0E7}" srcOrd="0" destOrd="0" presId="urn:microsoft.com/office/officeart/2005/8/layout/bProcess4"/>
     <dgm:cxn modelId="{7264B672-CA05-4F31-89F1-FEAC6C34D9E4}" type="presOf" srcId="{69D9465D-5278-4893-90E4-FC4A404190FF}" destId="{F41203AE-3D27-4DFC-B08E-BF6461080D2A}" srcOrd="0" destOrd="0" presId="urn:microsoft.com/office/officeart/2005/8/layout/bProcess4"/>
+    <dgm:cxn modelId="{9F649EF0-789F-4CBD-9BDD-05CA7FD30C2F}" type="presOf" srcId="{31DAD7E9-CE7C-41E2-8D30-CCCC16BF810D}" destId="{04175430-BE2F-45E9-8822-6B0CF5FF9864}" srcOrd="0" destOrd="0" presId="urn:microsoft.com/office/officeart/2005/8/layout/bProcess4"/>
+    <dgm:cxn modelId="{5D11504B-F891-4E16-81AF-19A4EDD5D894}" srcId="{69D9465D-5278-4893-90E4-FC4A404190FF}" destId="{AC0CA605-AB71-4DDA-8068-AE236D9C9B5B}" srcOrd="3" destOrd="0" parTransId="{8CC74D62-4916-498D-B541-D6C5D6CF2E1B}" sibTransId="{A9DEF564-FDF7-4F00-998C-0108AF2F964C}"/>
+    <dgm:cxn modelId="{8E260BD3-C9D7-4508-A4AC-F2E5E19A10BF}" type="presOf" srcId="{AC0CA605-AB71-4DDA-8068-AE236D9C9B5B}" destId="{8B6115A6-6B88-4E8C-B7FC-E18F0AFA9CAB}" srcOrd="0" destOrd="0" presId="urn:microsoft.com/office/officeart/2005/8/layout/bProcess4"/>
+    <dgm:cxn modelId="{D00831ED-127B-4987-AF88-67025158E8BF}" type="presOf" srcId="{C24C36EC-6312-42E6-85F3-613C20BC1376}" destId="{DB114CFE-3120-4EDC-8173-69948354E5C4}" srcOrd="0" destOrd="0" presId="urn:microsoft.com/office/officeart/2005/8/layout/bProcess4"/>
+    <dgm:cxn modelId="{9D075F56-2E0B-4171-8175-C4780726D8AC}" type="presOf" srcId="{24235BDA-3456-4472-A5F8-A95C033405D7}" destId="{E6918614-9BE6-4F65-A414-6CA09685AE8E}" srcOrd="0" destOrd="0" presId="urn:microsoft.com/office/officeart/2005/8/layout/bProcess4"/>
+    <dgm:cxn modelId="{8B540F0B-2250-4B5E-BCCE-C3D246BFA6AE}" srcId="{69D9465D-5278-4893-90E4-FC4A404190FF}" destId="{CE70E7C1-00A1-4F5C-B7F2-4DEA0098B5CC}" srcOrd="7" destOrd="0" parTransId="{F234F055-B622-4D52-AFCB-3BA3D3341CFD}" sibTransId="{31DAD7E9-CE7C-41E2-8D30-CCCC16BF810D}"/>
+    <dgm:cxn modelId="{1841C2B5-F5D9-4C9D-BC8C-E01099CB1015}" type="presOf" srcId="{730DAA83-5ECA-4C62-B660-9C169A24A198}" destId="{6E02BA24-2FD9-4C78-8700-D63A6D75380B}" srcOrd="0" destOrd="0" presId="urn:microsoft.com/office/officeart/2005/8/layout/bProcess4"/>
+    <dgm:cxn modelId="{3B0582A2-3B3D-4DCD-93AC-A52D25E70D8E}" type="presOf" srcId="{7B5F1AB1-A56B-4592-899D-948C07E9FCE7}" destId="{4831F056-7731-46BB-8DF6-11307D2F1AEB}" srcOrd="0" destOrd="0" presId="urn:microsoft.com/office/officeart/2005/8/layout/bProcess4"/>
+    <dgm:cxn modelId="{1EA91787-343D-46F0-A1A6-0C2FA465220B}" srcId="{69D9465D-5278-4893-90E4-FC4A404190FF}" destId="{C24C36EC-6312-42E6-85F3-613C20BC1376}" srcOrd="2" destOrd="0" parTransId="{05B560A1-CF69-4666-8BB8-D628BE42664F}" sibTransId="{A015CC84-CBCB-49E3-9D9B-F66E30B67EB4}"/>
+    <dgm:cxn modelId="{5D51E946-1572-4B32-A99B-B09C2D21BB4F}" srcId="{69D9465D-5278-4893-90E4-FC4A404190FF}" destId="{664F3033-06A2-4F92-8AED-49E5BB070394}" srcOrd="6" destOrd="0" parTransId="{67711992-C237-4337-995F-B75846ACA60F}" sibTransId="{24235BDA-3456-4472-A5F8-A95C033405D7}"/>
+    <dgm:cxn modelId="{F8BF60C2-BE39-43A2-9A61-63EC368D0FEB}" type="presOf" srcId="{5925B536-8CDD-4273-9EA0-F3DFE28CFC0A}" destId="{F464CA6F-950B-46FF-9EA4-EAFF6B879406}" srcOrd="0" destOrd="0" presId="urn:microsoft.com/office/officeart/2005/8/layout/bProcess4"/>
+    <dgm:cxn modelId="{361F53CB-5A29-4DAB-A291-D994BF66FC9F}" type="presOf" srcId="{F2809BA3-C65E-4889-8F5A-FF553707154C}" destId="{186C2779-A3E3-43E9-AE0E-189DFF42734F}" srcOrd="0" destOrd="0" presId="urn:microsoft.com/office/officeart/2005/8/layout/bProcess4"/>
+    <dgm:cxn modelId="{BE8A410B-AB19-490E-B9A0-CFE7C4AE16AF}" type="presOf" srcId="{F6AB84D7-DC04-4772-BBB8-08839E3E3B0E}" destId="{5D23B8C8-D64B-484E-B55B-BD146A94EBE7}" srcOrd="0" destOrd="0" presId="urn:microsoft.com/office/officeart/2005/8/layout/bProcess4"/>
+    <dgm:cxn modelId="{A1F85789-4824-48E4-B23D-DB88A8247DF3}" type="presOf" srcId="{A015CC84-CBCB-49E3-9D9B-F66E30B67EB4}" destId="{B3F14615-A4E7-4DA6-B7C0-B9FBB08C1897}" srcOrd="0" destOrd="0" presId="urn:microsoft.com/office/officeart/2005/8/layout/bProcess4"/>
+    <dgm:cxn modelId="{134DE985-81C2-41BB-9A8C-B4B56F87F2E8}" srcId="{69D9465D-5278-4893-90E4-FC4A404190FF}" destId="{7B5F1AB1-A56B-4592-899D-948C07E9FCE7}" srcOrd="4" destOrd="0" parTransId="{32E3B1F7-D695-42F6-9E77-4159D9144FAF}" sibTransId="{F9AFC70D-98A9-44D5-AE29-4B77D890DCE5}"/>
+    <dgm:cxn modelId="{35FFAEAE-DC16-4986-AE73-A931A7283792}" srcId="{69D9465D-5278-4893-90E4-FC4A404190FF}" destId="{D9BFE88D-86D5-4A4E-9864-049B66CE7B11}" srcOrd="0" destOrd="0" parTransId="{F9F09A06-4B6D-4FE7-83E2-F8A428C27656}" sibTransId="{8E23BBB5-4FFD-4603-8A8B-57D6A8F546C7}"/>
+    <dgm:cxn modelId="{8995703E-16EE-4A81-9B75-E9CF54A0823C}" type="presOf" srcId="{F9AFC70D-98A9-44D5-AE29-4B77D890DCE5}" destId="{66DF8E1A-5511-4F36-8E47-F7C36D34BC9C}" srcOrd="0" destOrd="0" presId="urn:microsoft.com/office/officeart/2005/8/layout/bProcess4"/>
+    <dgm:cxn modelId="{1E40BCCB-1E76-43AB-8C55-8CF0256943F5}" type="presOf" srcId="{664F3033-06A2-4F92-8AED-49E5BB070394}" destId="{E2F09AE3-E19A-4DEE-8439-BD770D589E30}" srcOrd="0" destOrd="0" presId="urn:microsoft.com/office/officeart/2005/8/layout/bProcess4"/>
+    <dgm:cxn modelId="{2AA4AD88-DEE0-4498-BBBA-098B55978CFC}" srcId="{69D9465D-5278-4893-90E4-FC4A404190FF}" destId="{F7C8F245-4D7A-469E-B33C-5443AAA03436}" srcOrd="5" destOrd="0" parTransId="{7004115D-85D0-4855-8403-56165FBD8C5D}" sibTransId="{5925B536-8CDD-4273-9EA0-F3DFE28CFC0A}"/>
+    <dgm:cxn modelId="{B3B9CAB9-2667-4815-A245-E1FC2B28DE7D}" srcId="{69D9465D-5278-4893-90E4-FC4A404190FF}" destId="{F2809BA3-C65E-4889-8F5A-FF553707154C}" srcOrd="8" destOrd="0" parTransId="{FC354316-0A86-49FE-B980-2848910173B1}" sibTransId="{342EE362-FB63-4B4A-A4F8-F7864A82DA6F}"/>
     <dgm:cxn modelId="{CA5AFF5C-582E-4958-AD8B-4C61AA2F41AF}" type="presParOf" srcId="{F41203AE-3D27-4DFC-B08E-BF6461080D2A}" destId="{9B9AB0DF-1520-478A-9272-0D99B8FD5BC6}" srcOrd="0" destOrd="0" presId="urn:microsoft.com/office/officeart/2005/8/layout/bProcess4"/>
     <dgm:cxn modelId="{15240594-B4C4-415C-9491-A30D89E98AC6}" type="presParOf" srcId="{9B9AB0DF-1520-478A-9272-0D99B8FD5BC6}" destId="{DC903BB0-E430-4A21-B00B-32F4402C2D32}" srcOrd="0" destOrd="0" presId="urn:microsoft.com/office/officeart/2005/8/layout/bProcess4"/>
     <dgm:cxn modelId="{ED9933BF-C8EF-44BB-AE9A-1D88F0BDBBB7}" type="presParOf" srcId="{9B9AB0DF-1520-478A-9272-0D99B8FD5BC6}" destId="{0111BCDE-244E-4E0C-9F45-971A15B0F1AB}" srcOrd="1" destOrd="0" presId="urn:microsoft.com/office/officeart/2005/8/layout/bProcess4"/>
@@ -1477,6 +1614,10 @@
     <dgm:cxn modelId="{95C13A71-38F2-484B-BBA1-CC4647C4D62F}" type="presParOf" srcId="{F41203AE-3D27-4DFC-B08E-BF6461080D2A}" destId="{1B166470-D870-4BDA-A5DA-F226145161FC}" srcOrd="14" destOrd="0" presId="urn:microsoft.com/office/officeart/2005/8/layout/bProcess4"/>
     <dgm:cxn modelId="{3979E22D-E500-4D43-8DAE-FE091A357B39}" type="presParOf" srcId="{1B166470-D870-4BDA-A5DA-F226145161FC}" destId="{1B7E5009-3647-41FD-B39E-8D4E96783D89}" srcOrd="0" destOrd="0" presId="urn:microsoft.com/office/officeart/2005/8/layout/bProcess4"/>
     <dgm:cxn modelId="{05955F1B-8852-4592-991E-90E7D5C7A8CD}" type="presParOf" srcId="{1B166470-D870-4BDA-A5DA-F226145161FC}" destId="{6DEDC417-7D81-4270-BD28-D9247A7A935F}" srcOrd="1" destOrd="0" presId="urn:microsoft.com/office/officeart/2005/8/layout/bProcess4"/>
+    <dgm:cxn modelId="{0F869F07-825D-4BC8-A03C-7E555F6FFB8A}" type="presParOf" srcId="{F41203AE-3D27-4DFC-B08E-BF6461080D2A}" destId="{04175430-BE2F-45E9-8822-6B0CF5FF9864}" srcOrd="15" destOrd="0" presId="urn:microsoft.com/office/officeart/2005/8/layout/bProcess4"/>
+    <dgm:cxn modelId="{42A3066A-C788-40F7-ACAE-D83BC010CECC}" type="presParOf" srcId="{F41203AE-3D27-4DFC-B08E-BF6461080D2A}" destId="{0B625B18-E227-42A1-8BD7-FBC109D3EA62}" srcOrd="16" destOrd="0" presId="urn:microsoft.com/office/officeart/2005/8/layout/bProcess4"/>
+    <dgm:cxn modelId="{33F53840-24F4-40AF-A172-7A4EE0076046}" type="presParOf" srcId="{0B625B18-E227-42A1-8BD7-FBC109D3EA62}" destId="{57704B1B-3CE8-4FEB-A14B-A42A5666C53B}" srcOrd="0" destOrd="0" presId="urn:microsoft.com/office/officeart/2005/8/layout/bProcess4"/>
+    <dgm:cxn modelId="{CCF3E0E5-7344-40B3-A311-3A7A66B91D23}" type="presParOf" srcId="{0B625B18-E227-42A1-8BD7-FBC109D3EA62}" destId="{186C2779-A3E3-43E9-AE0E-189DFF42734F}" srcOrd="1" destOrd="0" presId="urn:microsoft.com/office/officeart/2005/8/layout/bProcess4"/>
   </dgm:cxnLst>
   <dgm:bg/>
   <dgm:whole/>
@@ -1632,9 +1773,9 @@
         </a:prstGeom>
         <a:solidFill>
           <a:schemeClr val="accent5">
-            <a:hueOff val="-1225557"/>
-            <a:satOff val="-1705"/>
-            <a:lumOff val="-654"/>
+            <a:hueOff val="-1050478"/>
+            <a:satOff val="-1461"/>
+            <a:lumOff val="-560"/>
             <a:alphaOff val="0"/>
           </a:schemeClr>
         </a:solidFill>
@@ -1675,9 +1816,9 @@
         </a:prstGeom>
         <a:solidFill>
           <a:schemeClr val="accent5">
-            <a:hueOff val="-1050478"/>
-            <a:satOff val="-1461"/>
-            <a:lumOff val="-560"/>
+            <a:hueOff val="-919168"/>
+            <a:satOff val="-1278"/>
+            <a:lumOff val="-490"/>
             <a:alphaOff val="0"/>
           </a:schemeClr>
         </a:solidFill>
@@ -1753,9 +1894,9 @@
         </a:prstGeom>
         <a:solidFill>
           <a:schemeClr val="accent5">
-            <a:hueOff val="-2451115"/>
-            <a:satOff val="-3409"/>
-            <a:lumOff val="-1307"/>
+            <a:hueOff val="-2100956"/>
+            <a:satOff val="-2922"/>
+            <a:lumOff val="-1121"/>
             <a:alphaOff val="0"/>
           </a:schemeClr>
         </a:solidFill>
@@ -1796,9 +1937,9 @@
         </a:prstGeom>
         <a:solidFill>
           <a:schemeClr val="accent5">
-            <a:hueOff val="-2100956"/>
-            <a:satOff val="-2922"/>
-            <a:lumOff val="-1121"/>
+            <a:hueOff val="-1838336"/>
+            <a:satOff val="-2557"/>
+            <a:lumOff val="-981"/>
             <a:alphaOff val="0"/>
           </a:schemeClr>
         </a:solidFill>
@@ -1874,9 +2015,9 @@
         </a:prstGeom>
         <a:solidFill>
           <a:schemeClr val="accent5">
-            <a:hueOff val="-3676672"/>
-            <a:satOff val="-5114"/>
-            <a:lumOff val="-1961"/>
+            <a:hueOff val="-3151433"/>
+            <a:satOff val="-4383"/>
+            <a:lumOff val="-1681"/>
             <a:alphaOff val="0"/>
           </a:schemeClr>
         </a:solidFill>
@@ -1917,9 +2058,9 @@
         </a:prstGeom>
         <a:solidFill>
           <a:schemeClr val="accent5">
-            <a:hueOff val="-3151433"/>
-            <a:satOff val="-4383"/>
-            <a:lumOff val="-1681"/>
+            <a:hueOff val="-2757504"/>
+            <a:satOff val="-3835"/>
+            <a:lumOff val="-1471"/>
             <a:alphaOff val="0"/>
           </a:schemeClr>
         </a:solidFill>
@@ -1995,9 +2136,9 @@
         </a:prstGeom>
         <a:solidFill>
           <a:schemeClr val="accent5">
-            <a:hueOff val="-4902230"/>
-            <a:satOff val="-6819"/>
-            <a:lumOff val="-2615"/>
+            <a:hueOff val="-4201911"/>
+            <a:satOff val="-5845"/>
+            <a:lumOff val="-2241"/>
             <a:alphaOff val="0"/>
           </a:schemeClr>
         </a:solidFill>
@@ -2038,9 +2179,130 @@
         </a:prstGeom>
         <a:solidFill>
           <a:schemeClr val="accent5">
-            <a:hueOff val="-4201911"/>
-            <a:satOff val="-5845"/>
-            <a:lumOff val="-2241"/>
+            <a:hueOff val="-3676672"/>
+            <a:satOff val="-5114"/>
+            <a:lumOff val="-1961"/>
+            <a:alphaOff val="0"/>
+          </a:schemeClr>
+        </a:solidFill>
+        <a:ln w="12700" cap="flat" cmpd="sng" algn="ctr">
+          <a:solidFill>
+            <a:schemeClr val="lt1">
+              <a:hueOff val="0"/>
+              <a:satOff val="0"/>
+              <a:lumOff val="0"/>
+              <a:alphaOff val="0"/>
+            </a:schemeClr>
+          </a:solidFill>
+          <a:prstDash val="solid"/>
+          <a:miter lim="800000"/>
+        </a:ln>
+        <a:effectLst/>
+      </dsp:spPr>
+      <dsp:style>
+        <a:lnRef idx="2">
+          <a:scrgbClr r="0" g="0" b="0"/>
+        </a:lnRef>
+        <a:fillRef idx="1">
+          <a:scrgbClr r="0" g="0" b="0"/>
+        </a:fillRef>
+        <a:effectRef idx="0">
+          <a:scrgbClr r="0" g="0" b="0"/>
+        </a:effectRef>
+        <a:fontRef idx="minor">
+          <a:schemeClr val="lt1"/>
+        </a:fontRef>
+      </dsp:style>
+      <dsp:txBody>
+        <a:bodyPr spcFirstLastPara="0" vert="horz" wrap="square" lIns="30480" tIns="30480" rIns="30480" bIns="30480" numCol="1" spcCol="1270" anchor="ctr" anchorCtr="0">
+          <a:noAutofit/>
+        </a:bodyPr>
+        <a:lstStyle/>
+        <a:p>
+          <a:pPr lvl="0" algn="ctr" defTabSz="355600">
+            <a:lnSpc>
+              <a:spcPct val="90000"/>
+            </a:lnSpc>
+            <a:spcBef>
+              <a:spcPct val="0"/>
+            </a:spcBef>
+            <a:spcAft>
+              <a:spcPct val="35000"/>
+            </a:spcAft>
+          </a:pPr>
+          <a:r>
+            <a:rPr lang="en-ZA" sz="800" kern="1200" smtClean="0"/>
+            <a:t>Weightings are applied to the different readings from the sensors (because acceleration through a turn is worse than acceleration while moving forward, and acceleration upwards is even worse!)</a:t>
+          </a:r>
+          <a:endParaRPr lang="en-ZA" sz="800" kern="1200" dirty="0"/>
+        </a:p>
+      </dsp:txBody>
+      <dsp:txXfrm>
+        <a:off x="2012670" y="1400234"/>
+        <a:ext cx="1439090" cy="842485"/>
+      </dsp:txXfrm>
+    </dsp:sp>
+    <dsp:sp modelId="{F464CA6F-950B-46FF-9EA4-EAFF6B879406}">
+      <dsp:nvSpPr>
+        <dsp:cNvPr id="0" name=""/>
+        <dsp:cNvSpPr/>
+      </dsp:nvSpPr>
+      <dsp:spPr>
+        <a:xfrm>
+          <a:off x="2294588" y="409453"/>
+          <a:ext cx="1973885" cy="134236"/>
+        </a:xfrm>
+        <a:prstGeom prst="rect">
+          <a:avLst/>
+        </a:prstGeom>
+        <a:solidFill>
+          <a:schemeClr val="accent5">
+            <a:hueOff val="-5252389"/>
+            <a:satOff val="-7306"/>
+            <a:lumOff val="-2801"/>
+            <a:alphaOff val="0"/>
+          </a:schemeClr>
+        </a:solidFill>
+        <a:ln>
+          <a:noFill/>
+        </a:ln>
+        <a:effectLst/>
+      </dsp:spPr>
+      <dsp:style>
+        <a:lnRef idx="0">
+          <a:scrgbClr r="0" g="0" b="0"/>
+        </a:lnRef>
+        <a:fillRef idx="1">
+          <a:scrgbClr r="0" g="0" b="0"/>
+        </a:fillRef>
+        <a:effectRef idx="0">
+          <a:scrgbClr r="0" g="0" b="0"/>
+        </a:effectRef>
+        <a:fontRef idx="minor">
+          <a:schemeClr val="lt1"/>
+        </a:fontRef>
+      </dsp:style>
+    </dsp:sp>
+    <dsp:sp modelId="{E8D604B9-E6B5-427C-8D2D-C70DBA515C38}">
+      <dsp:nvSpPr>
+        <dsp:cNvPr id="0" name=""/>
+        <dsp:cNvSpPr/>
+      </dsp:nvSpPr>
+      <dsp:spPr>
+        <a:xfrm>
+          <a:off x="1986459" y="255389"/>
+          <a:ext cx="1491512" cy="894907"/>
+        </a:xfrm>
+        <a:prstGeom prst="roundRect">
+          <a:avLst>
+            <a:gd name="adj" fmla="val 10000"/>
+          </a:avLst>
+        </a:prstGeom>
+        <a:solidFill>
+          <a:schemeClr val="accent5">
+            <a:hueOff val="-4595840"/>
+            <a:satOff val="-6392"/>
+            <a:lumOff val="-2451"/>
             <a:alphaOff val="0"/>
           </a:schemeClr>
         </a:solidFill>
@@ -2097,28 +2359,28 @@
         </a:p>
       </dsp:txBody>
       <dsp:txXfrm>
-        <a:off x="2012670" y="1400234"/>
+        <a:off x="2012670" y="281600"/>
         <a:ext cx="1439090" cy="842485"/>
       </dsp:txXfrm>
     </dsp:sp>
-    <dsp:sp modelId="{F464CA6F-950B-46FF-9EA4-EAFF6B879406}">
+    <dsp:sp modelId="{E6918614-9BE6-4F65-A414-6CA09685AE8E}">
       <dsp:nvSpPr>
         <dsp:cNvPr id="0" name=""/>
         <dsp:cNvSpPr/>
       </dsp:nvSpPr>
       <dsp:spPr>
-        <a:xfrm>
-          <a:off x="2294588" y="409453"/>
-          <a:ext cx="1973885" cy="134236"/>
+        <a:xfrm rot="5400000">
+          <a:off x="3718982" y="968770"/>
+          <a:ext cx="1108808" cy="134236"/>
         </a:xfrm>
         <a:prstGeom prst="rect">
           <a:avLst/>
         </a:prstGeom>
         <a:solidFill>
           <a:schemeClr val="accent5">
-            <a:hueOff val="-6127787"/>
-            <a:satOff val="-8523"/>
-            <a:lumOff val="-3268"/>
+            <a:hueOff val="-6302867"/>
+            <a:satOff val="-8767"/>
+            <a:lumOff val="-3362"/>
             <a:alphaOff val="0"/>
           </a:schemeClr>
         </a:solidFill>
@@ -2142,14 +2404,14 @@
         </a:fontRef>
       </dsp:style>
     </dsp:sp>
-    <dsp:sp modelId="{E8D604B9-E6B5-427C-8D2D-C70DBA515C38}">
+    <dsp:sp modelId="{E2F09AE3-E19A-4DEE-8439-BD770D589E30}">
       <dsp:nvSpPr>
         <dsp:cNvPr id="0" name=""/>
         <dsp:cNvSpPr/>
       </dsp:nvSpPr>
       <dsp:spPr>
         <a:xfrm>
-          <a:off x="1986459" y="255389"/>
+          <a:off x="3970171" y="255389"/>
           <a:ext cx="1491512" cy="894907"/>
         </a:xfrm>
         <a:prstGeom prst="roundRect">
@@ -2159,9 +2421,9 @@
         </a:prstGeom>
         <a:solidFill>
           <a:schemeClr val="accent5">
-            <a:hueOff val="-5252389"/>
-            <a:satOff val="-7306"/>
-            <a:lumOff val="-2801"/>
+            <a:hueOff val="-5515009"/>
+            <a:satOff val="-7671"/>
+            <a:lumOff val="-2942"/>
             <a:alphaOff val="0"/>
           </a:schemeClr>
         </a:solidFill>
@@ -2231,18 +2493,18 @@
         </a:p>
       </dsp:txBody>
       <dsp:txXfrm>
-        <a:off x="2012670" y="281600"/>
+        <a:off x="3996382" y="281600"/>
         <a:ext cx="1439090" cy="842485"/>
       </dsp:txXfrm>
     </dsp:sp>
-    <dsp:sp modelId="{E6918614-9BE6-4F65-A414-6CA09685AE8E}">
+    <dsp:sp modelId="{04175430-BE2F-45E9-8822-6B0CF5FF9864}">
       <dsp:nvSpPr>
         <dsp:cNvPr id="0" name=""/>
         <dsp:cNvSpPr/>
       </dsp:nvSpPr>
       <dsp:spPr>
         <a:xfrm rot="5400000">
-          <a:off x="3718982" y="968770"/>
+          <a:off x="3718982" y="2087405"/>
           <a:ext cx="1108808" cy="134236"/>
         </a:xfrm>
         <a:prstGeom prst="rect">
@@ -2276,14 +2538,14 @@
         </a:fontRef>
       </dsp:style>
     </dsp:sp>
-    <dsp:sp modelId="{E2F09AE3-E19A-4DEE-8439-BD770D589E30}">
+    <dsp:sp modelId="{6DEDC417-7D81-4270-BD28-D9247A7A935F}">
       <dsp:nvSpPr>
         <dsp:cNvPr id="0" name=""/>
         <dsp:cNvSpPr/>
       </dsp:nvSpPr>
       <dsp:spPr>
         <a:xfrm>
-          <a:off x="3970171" y="255389"/>
+          <a:off x="3970171" y="1374023"/>
           <a:ext cx="1491512" cy="894907"/>
         </a:xfrm>
         <a:prstGeom prst="roundRect">
@@ -2293,9 +2555,9 @@
         </a:prstGeom>
         <a:solidFill>
           <a:schemeClr val="accent5">
-            <a:hueOff val="-6302867"/>
-            <a:satOff val="-8767"/>
-            <a:lumOff val="-3362"/>
+            <a:hueOff val="-6434176"/>
+            <a:satOff val="-8949"/>
+            <a:lumOff val="-3432"/>
             <a:alphaOff val="0"/>
           </a:schemeClr>
         </a:solidFill>
@@ -2352,18 +2614,18 @@
         </a:p>
       </dsp:txBody>
       <dsp:txXfrm>
-        <a:off x="3996382" y="281600"/>
+        <a:off x="3996382" y="1400234"/>
         <a:ext cx="1439090" cy="842485"/>
       </dsp:txXfrm>
     </dsp:sp>
-    <dsp:sp modelId="{6DEDC417-7D81-4270-BD28-D9247A7A935F}">
+    <dsp:sp modelId="{186C2779-A3E3-43E9-AE0E-189DFF42734F}">
       <dsp:nvSpPr>
         <dsp:cNvPr id="0" name=""/>
         <dsp:cNvSpPr/>
       </dsp:nvSpPr>
       <dsp:spPr>
         <a:xfrm>
-          <a:off x="3970171" y="1374023"/>
+          <a:off x="3970171" y="2492658"/>
           <a:ext cx="1491512" cy="894907"/>
         </a:xfrm>
         <a:prstGeom prst="roundRect">
@@ -2432,7 +2694,7 @@
         </a:p>
       </dsp:txBody>
       <dsp:txXfrm>
-        <a:off x="3996382" y="1400234"/>
+        <a:off x="3996382" y="2518869"/>
         <a:ext cx="1439090" cy="842485"/>
       </dsp:txXfrm>
     </dsp:sp>
@@ -6876,15 +7138,15 @@
         </p:spPr>
         <p:style>
           <a:lnRef idx="2">
-            <a:schemeClr val="accent1">
+            <a:schemeClr val="accent4">
               <a:shade val="50000"/>
             </a:schemeClr>
           </a:lnRef>
           <a:fillRef idx="1">
-            <a:schemeClr val="accent1"/>
+            <a:schemeClr val="accent4"/>
           </a:fillRef>
           <a:effectRef idx="0">
-            <a:schemeClr val="accent1"/>
+            <a:schemeClr val="accent4"/>
           </a:effectRef>
           <a:fontRef idx="minor">
             <a:schemeClr val="lt1"/>
@@ -6897,22 +7159,37 @@
             <a:pPr algn="ctr"/>
             <a:r>
               <a:rPr lang="en-ZA" dirty="0" smtClean="0"/>
-              <a:t>What is an algorithm?</a:t>
-            </a:r>
+              <a:t>How does it work?</a:t>
+            </a:r>
+            <a:endParaRPr lang="en-ZA" dirty="0" smtClean="0"/>
           </a:p>
           <a:p>
             <a:pPr algn="just"/>
             <a:r>
-              <a:rPr lang="en-ZA" sz="1200" dirty="0" smtClean="0">
+              <a:rPr lang="en-ZA" sz="1050" dirty="0" smtClean="0">
                 <a:solidFill>
-                  <a:srgbClr val="002060"/>
+                  <a:schemeClr val="accent2">
+                    <a:lumMod val="75000"/>
+                  </a:schemeClr>
                 </a:solidFill>
               </a:rPr>
-              <a:t>Algorithm is a process and set of rules to be followed in calculations or other problem-solving operations, especially by a computer.</a:t>
+              <a:t>Using the data gathered from sensors built into all modern android devices we are able to determine a person’s acceleration in the x, y</a:t>
+            </a:r>
+            <a:r>
+              <a:rPr lang="en-ZA" sz="1050" dirty="0" smtClean="0">
+                <a:solidFill>
+                  <a:schemeClr val="accent2">
+                    <a:lumMod val="75000"/>
+                  </a:schemeClr>
+                </a:solidFill>
+              </a:rPr>
+              <a:t>, and z axes, as well as many other important facts. By taking samples from these sensors at regular intervals (currently we have found that 1/3 of a second works well), we are able to estimate the manner in which an individual has been driving.</a:t>
             </a:r>
             <a:endParaRPr lang="en-ZA" sz="1200" dirty="0">
               <a:solidFill>
-                <a:srgbClr val="002060"/>
+                <a:schemeClr val="accent2">
+                  <a:lumMod val="75000"/>
+                </a:schemeClr>
               </a:solidFill>
             </a:endParaRPr>
           </a:p>
@@ -6972,6 +7249,7 @@
           <a:prstGeom prst="roundRect">
             <a:avLst/>
           </a:prstGeom>
+          <a:noFill/>
         </p:spPr>
         <p:style>
           <a:lnRef idx="2">
@@ -7346,13 +7624,13 @@
           <p:nvPr>
             <p:extLst>
               <p:ext uri="{D42A27DB-BD31-4B8C-83A1-F6EECF244321}">
-                <p14:modId xmlns:p14="http://schemas.microsoft.com/office/powerpoint/2010/main" val="1884875832"/>
+                <p14:modId xmlns:p14="http://schemas.microsoft.com/office/powerpoint/2010/main" val="922058125"/>
               </p:ext>
             </p:extLst>
           </p:nvPr>
         </p:nvGraphicFramePr>
         <p:xfrm>
-          <a:off x="4548619" y="2983430"/>
+          <a:off x="4478794" y="2615902"/>
           <a:ext cx="5464432" cy="3642955"/>
         </p:xfrm>
         <a:graphic>
@@ -7383,8 +7661,8 @@
           </a:stretch>
         </p:blipFill>
         <p:spPr bwMode="auto">
-          <a:xfrm rot="20116765">
-            <a:off x="10210446" y="2920055"/>
+          <a:xfrm rot="1512699">
+            <a:off x="10379578" y="4462452"/>
             <a:ext cx="1023394" cy="596259"/>
           </a:xfrm>
           <a:prstGeom prst="rect">
@@ -7422,15 +7700,7 @@
               <a:srgbClr val="969696"/>
             </a:contourClr>
           </a:sp3d>
-          <a:extLst>
-            <a:ext uri="{909E8E84-426E-40DD-AFC4-6F175D3DCCD1}">
-              <a14:hiddenFill xmlns:a14="http://schemas.microsoft.com/office/drawing/2010/main">
-                <a:solidFill>
-                  <a:srgbClr val="FFFFFF"/>
-                </a:solidFill>
-              </a14:hiddenFill>
-            </a:ext>
-          </a:extLst>
+          <a:extLst/>
         </p:spPr>
       </p:pic>
       <p:pic>
@@ -7455,8 +7725,8 @@
           </a:stretch>
         </p:blipFill>
         <p:spPr bwMode="auto">
-          <a:xfrm rot="2460477">
-            <a:off x="7757007" y="2393336"/>
+          <a:xfrm rot="20053135">
+            <a:off x="10350539" y="2780905"/>
             <a:ext cx="895350" cy="596900"/>
           </a:xfrm>
           <a:prstGeom prst="rect">
@@ -7494,15 +7764,7 @@
               <a:srgbClr val="969696"/>
             </a:contourClr>
           </a:sp3d>
-          <a:extLst>
-            <a:ext uri="{909E8E84-426E-40DD-AFC4-6F175D3DCCD1}">
-              <a14:hiddenFill xmlns:a14="http://schemas.microsoft.com/office/drawing/2010/main">
-                <a:solidFill>
-                  <a:srgbClr val="FFFFFF"/>
-                </a:solidFill>
-              </a14:hiddenFill>
-            </a:ext>
-          </a:extLst>
+          <a:extLst/>
         </p:spPr>
       </p:pic>
       <p:sp>
@@ -7512,9 +7774,9 @@
           <p:nvPr/>
         </p:nvSpPr>
         <p:spPr>
-          <a:xfrm rot="7706075">
-            <a:off x="7446145" y="3089732"/>
-            <a:ext cx="542505" cy="45719"/>
+          <a:xfrm rot="9850399">
+            <a:off x="9897991" y="3418084"/>
+            <a:ext cx="453035" cy="64161"/>
           </a:xfrm>
           <a:prstGeom prst="rightArrow">
             <a:avLst/>
@@ -7550,8 +7812,8 @@
           <p:nvPr/>
         </p:nvSpPr>
         <p:spPr>
-          <a:xfrm rot="8654680">
-            <a:off x="9877787" y="3594751"/>
+          <a:xfrm rot="12134015">
+            <a:off x="9912430" y="4486839"/>
             <a:ext cx="399939" cy="63266"/>
           </a:xfrm>
           <a:prstGeom prst="rightArrow">
@@ -7603,8 +7865,8 @@
           </a:stretch>
         </p:blipFill>
         <p:spPr bwMode="auto">
-          <a:xfrm rot="18806992">
-            <a:off x="7921867" y="6064897"/>
+          <a:xfrm rot="19575918">
+            <a:off x="7084985" y="6206088"/>
             <a:ext cx="1217425" cy="382532"/>
           </a:xfrm>
           <a:prstGeom prst="rect">
@@ -7629,9 +7891,9 @@
           <p:nvPr/>
         </p:nvSpPr>
         <p:spPr>
-          <a:xfrm rot="12546029">
-            <a:off x="7948373" y="5941317"/>
-            <a:ext cx="657574" cy="68981"/>
+          <a:xfrm rot="14055460" flipV="1">
+            <a:off x="7287296" y="6112824"/>
+            <a:ext cx="335816" cy="45719"/>
           </a:xfrm>
           <a:prstGeom prst="rightArrow">
             <a:avLst/>
@@ -7668,7 +7930,7 @@
         </p:nvSpPr>
         <p:spPr>
           <a:xfrm>
-            <a:off x="10335120" y="6086474"/>
+            <a:off x="10398645" y="6195375"/>
             <a:ext cx="1708600" cy="601889"/>
           </a:xfrm>
           <a:prstGeom prst="round2DiagRect">

--- a/documentation/AlgorithmPoster.pptx
+++ b/documentation/AlgorithmPoster.pptx
@@ -2,7 +2,7 @@
 <file path=ppt/presentation.xml><?xml version="1.0" encoding="utf-8"?>
 <p:presentation xmlns:a="http://schemas.openxmlformats.org/drawingml/2006/main" xmlns:r="http://schemas.openxmlformats.org/officeDocument/2006/relationships" xmlns:p="http://schemas.openxmlformats.org/presentationml/2006/main" saveSubsetFonts="1">
   <p:sldMasterIdLst>
-    <p:sldMasterId id="2147483648" r:id="rId1"/>
+    <p:sldMasterId id="2147483660" r:id="rId1"/>
   </p:sldMasterIdLst>
   <p:sldIdLst>
     <p:sldId id="256" r:id="rId2"/>
@@ -916,10 +916,14 @@
         <a:lstStyle/>
         <a:p>
           <a:r>
-            <a:rPr lang="en-ZA" dirty="0" smtClean="0"/>
+            <a:rPr lang="en-ZA" dirty="0" smtClean="0">
+              <a:latin typeface="Corbel" panose="020B0503020204020204" pitchFamily="34" charset="0"/>
+            </a:rPr>
             <a:t>Collect data from the Android’s sensors.</a:t>
           </a:r>
-          <a:endParaRPr lang="en-ZA" dirty="0"/>
+          <a:endParaRPr lang="en-ZA" dirty="0">
+            <a:latin typeface="Corbel" panose="020B0503020204020204" pitchFamily="34" charset="0"/>
+          </a:endParaRPr>
         </a:p>
       </dgm:t>
     </dgm:pt>
@@ -953,10 +957,14 @@
         <a:lstStyle/>
         <a:p>
           <a:r>
-            <a:rPr lang="en-ZA" dirty="0" smtClean="0"/>
+            <a:rPr lang="en-ZA" dirty="0" smtClean="0">
+              <a:latin typeface="Corbel" panose="020B0503020204020204" pitchFamily="34" charset="0"/>
+            </a:rPr>
             <a:t>We determine many bad things all previous users have averaged per second. And transform that data into a normal distribution.</a:t>
           </a:r>
-          <a:endParaRPr lang="en-ZA" dirty="0"/>
+          <a:endParaRPr lang="en-ZA" dirty="0">
+            <a:latin typeface="Corbel" panose="020B0503020204020204" pitchFamily="34" charset="0"/>
+          </a:endParaRPr>
         </a:p>
       </dgm:t>
     </dgm:pt>
@@ -990,10 +998,14 @@
         <a:lstStyle/>
         <a:p>
           <a:r>
-            <a:rPr lang="en-ZA" dirty="0" smtClean="0"/>
+            <a:rPr lang="en-ZA" dirty="0" smtClean="0">
+              <a:latin typeface="Corbel" panose="020B0503020204020204" pitchFamily="34" charset="0"/>
+            </a:rPr>
             <a:t>Determine how many bad things the current user does per second.</a:t>
           </a:r>
-          <a:endParaRPr lang="en-ZA" dirty="0"/>
+          <a:endParaRPr lang="en-ZA" dirty="0">
+            <a:latin typeface="Corbel" panose="020B0503020204020204" pitchFamily="34" charset="0"/>
+          </a:endParaRPr>
         </a:p>
       </dgm:t>
     </dgm:pt>
@@ -1027,10 +1039,14 @@
         <a:lstStyle/>
         <a:p>
           <a:r>
-            <a:rPr lang="en-ZA" dirty="0" smtClean="0"/>
+            <a:rPr lang="en-ZA" dirty="0" smtClean="0">
+              <a:latin typeface="Corbel" panose="020B0503020204020204" pitchFamily="34" charset="0"/>
+            </a:rPr>
             <a:t>One of the useful properties of the data we exploit, is that we are able to estimate a position on a normal distribution for the likelihood of the observed results in terms of the number of bad things per second.</a:t>
           </a:r>
-          <a:endParaRPr lang="en-ZA" dirty="0"/>
+          <a:endParaRPr lang="en-ZA" dirty="0">
+            <a:latin typeface="Corbel" panose="020B0503020204020204" pitchFamily="34" charset="0"/>
+          </a:endParaRPr>
         </a:p>
       </dgm:t>
     </dgm:pt>
@@ -1064,10 +1080,14 @@
         <a:lstStyle/>
         <a:p>
           <a:r>
-            <a:rPr lang="en-ZA" dirty="0" smtClean="0"/>
+            <a:rPr lang="en-ZA" dirty="0" smtClean="0">
+              <a:latin typeface="Corbel" panose="020B0503020204020204" pitchFamily="34" charset="0"/>
+            </a:rPr>
             <a:t>Using this information, we are able to estimate a probability that the score of the current trip was a result of random chance when compared to the normal distribution of all other drivers.</a:t>
           </a:r>
-          <a:endParaRPr lang="en-ZA" dirty="0"/>
+          <a:endParaRPr lang="en-ZA" dirty="0">
+            <a:latin typeface="Corbel" panose="020B0503020204020204" pitchFamily="34" charset="0"/>
+          </a:endParaRPr>
         </a:p>
       </dgm:t>
     </dgm:pt>
@@ -1101,12 +1121,16 @@
         <a:lstStyle/>
         <a:p>
           <a:r>
-            <a:rPr lang="en-ZA" dirty="0" smtClean="0"/>
+            <a:rPr lang="en-ZA" dirty="0" smtClean="0">
+              <a:latin typeface="Corbel" panose="020B0503020204020204" pitchFamily="34" charset="0"/>
+            </a:rPr>
             <a:t>From this data we calculate a Z-score for the distance of the person’s number of bad things from the normal distribution of the number of bad things.</a:t>
           </a:r>
         </a:p>
         <a:p>
-          <a:endParaRPr lang="en-ZA" dirty="0"/>
+          <a:endParaRPr lang="en-ZA" dirty="0">
+            <a:latin typeface="Corbel" panose="020B0503020204020204" pitchFamily="34" charset="0"/>
+          </a:endParaRPr>
         </a:p>
       </dgm:t>
     </dgm:pt>
@@ -1140,10 +1164,14 @@
         <a:lstStyle/>
         <a:p>
           <a:r>
-            <a:rPr lang="en-ZA" dirty="0" smtClean="0"/>
+            <a:rPr lang="en-ZA" dirty="0" smtClean="0">
+              <a:latin typeface="Corbel" panose="020B0503020204020204" pitchFamily="34" charset="0"/>
+            </a:rPr>
             <a:t>Using our z-score and by integrating the normal distribution function, we are able to estimate the area to the left of the normal distribution’s score.</a:t>
           </a:r>
-          <a:endParaRPr lang="en-ZA" dirty="0"/>
+          <a:endParaRPr lang="en-ZA" dirty="0">
+            <a:latin typeface="Corbel" panose="020B0503020204020204" pitchFamily="34" charset="0"/>
+          </a:endParaRPr>
         </a:p>
       </dgm:t>
     </dgm:pt>
@@ -1177,10 +1205,14 @@
         <a:lstStyle/>
         <a:p>
           <a:r>
-            <a:rPr lang="en-ZA" smtClean="0"/>
+            <a:rPr lang="en-ZA" smtClean="0">
+              <a:latin typeface="Corbel" panose="020B0503020204020204" pitchFamily="34" charset="0"/>
+            </a:rPr>
             <a:t>Weightings are applied to the different readings from the sensors (because acceleration through a turn is worse than acceleration while moving forward, and acceleration upwards is even worse!)</a:t>
           </a:r>
-          <a:endParaRPr lang="en-ZA" dirty="0"/>
+          <a:endParaRPr lang="en-ZA" dirty="0">
+            <a:latin typeface="Corbel" panose="020B0503020204020204" pitchFamily="34" charset="0"/>
+          </a:endParaRPr>
         </a:p>
       </dgm:t>
     </dgm:pt>
@@ -1214,10 +1246,14 @@
         <a:lstStyle/>
         <a:p>
           <a:r>
-            <a:rPr lang="en-ZA" dirty="0" smtClean="0"/>
+            <a:rPr lang="en-ZA" dirty="0" smtClean="0">
+              <a:latin typeface="Corbel" panose="020B0503020204020204" pitchFamily="34" charset="0"/>
+            </a:rPr>
             <a:t>Because the area under a normal distribution always equals 1, we can simply multiply the area by 10 to achieve a score out of 10 for the quality of that person’s driving.</a:t>
           </a:r>
-          <a:endParaRPr lang="en-ZA" dirty="0"/>
+          <a:endParaRPr lang="en-ZA" dirty="0">
+            <a:latin typeface="Corbel" panose="020B0503020204020204" pitchFamily="34" charset="0"/>
+          </a:endParaRPr>
         </a:p>
       </dgm:t>
     </dgm:pt>
@@ -1556,33 +1592,33 @@
     </dgm:pt>
   </dgm:ptLst>
   <dgm:cxnLst>
+    <dgm:cxn modelId="{FA601BAF-F0F4-41C1-9E74-90A3437D9622}" srcId="{69D9465D-5278-4893-90E4-FC4A404190FF}" destId="{F6AB84D7-DC04-4772-BBB8-08839E3E3B0E}" srcOrd="1" destOrd="0" parTransId="{F35EFF0E-EA0B-4C57-8CED-83FEB15CD0FD}" sibTransId="{730DAA83-5ECA-4C62-B660-9C169A24A198}"/>
+    <dgm:cxn modelId="{9D075F56-2E0B-4171-8175-C4780726D8AC}" type="presOf" srcId="{24235BDA-3456-4472-A5F8-A95C033405D7}" destId="{E6918614-9BE6-4F65-A414-6CA09685AE8E}" srcOrd="0" destOrd="0" presId="urn:microsoft.com/office/officeart/2005/8/layout/bProcess4"/>
+    <dgm:cxn modelId="{1EA91787-343D-46F0-A1A6-0C2FA465220B}" srcId="{69D9465D-5278-4893-90E4-FC4A404190FF}" destId="{C24C36EC-6312-42E6-85F3-613C20BC1376}" srcOrd="2" destOrd="0" parTransId="{05B560A1-CF69-4666-8BB8-D628BE42664F}" sibTransId="{A015CC84-CBCB-49E3-9D9B-F66E30B67EB4}"/>
+    <dgm:cxn modelId="{14055F04-8140-4BAE-862B-A1242381A950}" type="presOf" srcId="{A9DEF564-FDF7-4F00-998C-0108AF2F964C}" destId="{3C7DEFEB-D965-469F-891F-0F8B1239A0E7}" srcOrd="0" destOrd="0" presId="urn:microsoft.com/office/officeart/2005/8/layout/bProcess4"/>
+    <dgm:cxn modelId="{134DE985-81C2-41BB-9A8C-B4B56F87F2E8}" srcId="{69D9465D-5278-4893-90E4-FC4A404190FF}" destId="{7B5F1AB1-A56B-4592-899D-948C07E9FCE7}" srcOrd="4" destOrd="0" parTransId="{32E3B1F7-D695-42F6-9E77-4159D9144FAF}" sibTransId="{F9AFC70D-98A9-44D5-AE29-4B77D890DCE5}"/>
+    <dgm:cxn modelId="{2AA4AD88-DEE0-4498-BBBA-098B55978CFC}" srcId="{69D9465D-5278-4893-90E4-FC4A404190FF}" destId="{F7C8F245-4D7A-469E-B33C-5443AAA03436}" srcOrd="5" destOrd="0" parTransId="{7004115D-85D0-4855-8403-56165FBD8C5D}" sibTransId="{5925B536-8CDD-4273-9EA0-F3DFE28CFC0A}"/>
+    <dgm:cxn modelId="{FF8D777C-18B8-4623-AFA7-00093BE62503}" type="presOf" srcId="{D9BFE88D-86D5-4A4E-9864-049B66CE7B11}" destId="{0111BCDE-244E-4E0C-9F45-971A15B0F1AB}" srcOrd="0" destOrd="0" presId="urn:microsoft.com/office/officeart/2005/8/layout/bProcess4"/>
+    <dgm:cxn modelId="{8995703E-16EE-4A81-9B75-E9CF54A0823C}" type="presOf" srcId="{F9AFC70D-98A9-44D5-AE29-4B77D890DCE5}" destId="{66DF8E1A-5511-4F36-8E47-F7C36D34BC9C}" srcOrd="0" destOrd="0" presId="urn:microsoft.com/office/officeart/2005/8/layout/bProcess4"/>
+    <dgm:cxn modelId="{F8BF60C2-BE39-43A2-9A61-63EC368D0FEB}" type="presOf" srcId="{5925B536-8CDD-4273-9EA0-F3DFE28CFC0A}" destId="{F464CA6F-950B-46FF-9EA4-EAFF6B879406}" srcOrd="0" destOrd="0" presId="urn:microsoft.com/office/officeart/2005/8/layout/bProcess4"/>
+    <dgm:cxn modelId="{5D11504B-F891-4E16-81AF-19A4EDD5D894}" srcId="{69D9465D-5278-4893-90E4-FC4A404190FF}" destId="{AC0CA605-AB71-4DDA-8068-AE236D9C9B5B}" srcOrd="3" destOrd="0" parTransId="{8CC74D62-4916-498D-B541-D6C5D6CF2E1B}" sibTransId="{A9DEF564-FDF7-4F00-998C-0108AF2F964C}"/>
+    <dgm:cxn modelId="{A1F85789-4824-48E4-B23D-DB88A8247DF3}" type="presOf" srcId="{A015CC84-CBCB-49E3-9D9B-F66E30B67EB4}" destId="{B3F14615-A4E7-4DA6-B7C0-B9FBB08C1897}" srcOrd="0" destOrd="0" presId="urn:microsoft.com/office/officeart/2005/8/layout/bProcess4"/>
+    <dgm:cxn modelId="{D00831ED-127B-4987-AF88-67025158E8BF}" type="presOf" srcId="{C24C36EC-6312-42E6-85F3-613C20BC1376}" destId="{DB114CFE-3120-4EDC-8173-69948354E5C4}" srcOrd="0" destOrd="0" presId="urn:microsoft.com/office/officeart/2005/8/layout/bProcess4"/>
+    <dgm:cxn modelId="{29F4C0D2-AE92-4258-BBFD-9A40C4CCE94E}" type="presOf" srcId="{F7C8F245-4D7A-469E-B33C-5443AAA03436}" destId="{E8D604B9-E6B5-427C-8D2D-C70DBA515C38}" srcOrd="0" destOrd="0" presId="urn:microsoft.com/office/officeart/2005/8/layout/bProcess4"/>
+    <dgm:cxn modelId="{5D51E946-1572-4B32-A99B-B09C2D21BB4F}" srcId="{69D9465D-5278-4893-90E4-FC4A404190FF}" destId="{664F3033-06A2-4F92-8AED-49E5BB070394}" srcOrd="6" destOrd="0" parTransId="{67711992-C237-4337-995F-B75846ACA60F}" sibTransId="{24235BDA-3456-4472-A5F8-A95C033405D7}"/>
+    <dgm:cxn modelId="{B3B9CAB9-2667-4815-A245-E1FC2B28DE7D}" srcId="{69D9465D-5278-4893-90E4-FC4A404190FF}" destId="{F2809BA3-C65E-4889-8F5A-FF553707154C}" srcOrd="8" destOrd="0" parTransId="{FC354316-0A86-49FE-B980-2848910173B1}" sibTransId="{342EE362-FB63-4B4A-A4F8-F7864A82DA6F}"/>
+    <dgm:cxn modelId="{361F53CB-5A29-4DAB-A291-D994BF66FC9F}" type="presOf" srcId="{F2809BA3-C65E-4889-8F5A-FF553707154C}" destId="{186C2779-A3E3-43E9-AE0E-189DFF42734F}" srcOrd="0" destOrd="0" presId="urn:microsoft.com/office/officeart/2005/8/layout/bProcess4"/>
+    <dgm:cxn modelId="{E9634CB2-95B8-4A07-9924-3D7B5FC7A4F5}" type="presOf" srcId="{8E23BBB5-4FFD-4603-8A8B-57D6A8F546C7}" destId="{CF02E96F-6612-4447-A716-AF24BA2BAA38}" srcOrd="0" destOrd="0" presId="urn:microsoft.com/office/officeart/2005/8/layout/bProcess4"/>
+    <dgm:cxn modelId="{3B0582A2-3B3D-4DCD-93AC-A52D25E70D8E}" type="presOf" srcId="{7B5F1AB1-A56B-4592-899D-948C07E9FCE7}" destId="{4831F056-7731-46BB-8DF6-11307D2F1AEB}" srcOrd="0" destOrd="0" presId="urn:microsoft.com/office/officeart/2005/8/layout/bProcess4"/>
+    <dgm:cxn modelId="{BE8A410B-AB19-490E-B9A0-CFE7C4AE16AF}" type="presOf" srcId="{F6AB84D7-DC04-4772-BBB8-08839E3E3B0E}" destId="{5D23B8C8-D64B-484E-B55B-BD146A94EBE7}" srcOrd="0" destOrd="0" presId="urn:microsoft.com/office/officeart/2005/8/layout/bProcess4"/>
     <dgm:cxn modelId="{2534C515-9526-4995-A442-803954094489}" type="presOf" srcId="{CE70E7C1-00A1-4F5C-B7F2-4DEA0098B5CC}" destId="{6DEDC417-7D81-4270-BD28-D9247A7A935F}" srcOrd="0" destOrd="0" presId="urn:microsoft.com/office/officeart/2005/8/layout/bProcess4"/>
-    <dgm:cxn modelId="{29F4C0D2-AE92-4258-BBFD-9A40C4CCE94E}" type="presOf" srcId="{F7C8F245-4D7A-469E-B33C-5443AAA03436}" destId="{E8D604B9-E6B5-427C-8D2D-C70DBA515C38}" srcOrd="0" destOrd="0" presId="urn:microsoft.com/office/officeart/2005/8/layout/bProcess4"/>
-    <dgm:cxn modelId="{E9634CB2-95B8-4A07-9924-3D7B5FC7A4F5}" type="presOf" srcId="{8E23BBB5-4FFD-4603-8A8B-57D6A8F546C7}" destId="{CF02E96F-6612-4447-A716-AF24BA2BAA38}" srcOrd="0" destOrd="0" presId="urn:microsoft.com/office/officeart/2005/8/layout/bProcess4"/>
-    <dgm:cxn modelId="{FF8D777C-18B8-4623-AFA7-00093BE62503}" type="presOf" srcId="{D9BFE88D-86D5-4A4E-9864-049B66CE7B11}" destId="{0111BCDE-244E-4E0C-9F45-971A15B0F1AB}" srcOrd="0" destOrd="0" presId="urn:microsoft.com/office/officeart/2005/8/layout/bProcess4"/>
-    <dgm:cxn modelId="{FA601BAF-F0F4-41C1-9E74-90A3437D9622}" srcId="{69D9465D-5278-4893-90E4-FC4A404190FF}" destId="{F6AB84D7-DC04-4772-BBB8-08839E3E3B0E}" srcOrd="1" destOrd="0" parTransId="{F35EFF0E-EA0B-4C57-8CED-83FEB15CD0FD}" sibTransId="{730DAA83-5ECA-4C62-B660-9C169A24A198}"/>
-    <dgm:cxn modelId="{14055F04-8140-4BAE-862B-A1242381A950}" type="presOf" srcId="{A9DEF564-FDF7-4F00-998C-0108AF2F964C}" destId="{3C7DEFEB-D965-469F-891F-0F8B1239A0E7}" srcOrd="0" destOrd="0" presId="urn:microsoft.com/office/officeart/2005/8/layout/bProcess4"/>
+    <dgm:cxn modelId="{1841C2B5-F5D9-4C9D-BC8C-E01099CB1015}" type="presOf" srcId="{730DAA83-5ECA-4C62-B660-9C169A24A198}" destId="{6E02BA24-2FD9-4C78-8700-D63A6D75380B}" srcOrd="0" destOrd="0" presId="urn:microsoft.com/office/officeart/2005/8/layout/bProcess4"/>
+    <dgm:cxn modelId="{8E260BD3-C9D7-4508-A4AC-F2E5E19A10BF}" type="presOf" srcId="{AC0CA605-AB71-4DDA-8068-AE236D9C9B5B}" destId="{8B6115A6-6B88-4E8C-B7FC-E18F0AFA9CAB}" srcOrd="0" destOrd="0" presId="urn:microsoft.com/office/officeart/2005/8/layout/bProcess4"/>
+    <dgm:cxn modelId="{9F649EF0-789F-4CBD-9BDD-05CA7FD30C2F}" type="presOf" srcId="{31DAD7E9-CE7C-41E2-8D30-CCCC16BF810D}" destId="{04175430-BE2F-45E9-8822-6B0CF5FF9864}" srcOrd="0" destOrd="0" presId="urn:microsoft.com/office/officeart/2005/8/layout/bProcess4"/>
+    <dgm:cxn modelId="{35FFAEAE-DC16-4986-AE73-A931A7283792}" srcId="{69D9465D-5278-4893-90E4-FC4A404190FF}" destId="{D9BFE88D-86D5-4A4E-9864-049B66CE7B11}" srcOrd="0" destOrd="0" parTransId="{F9F09A06-4B6D-4FE7-83E2-F8A428C27656}" sibTransId="{8E23BBB5-4FFD-4603-8A8B-57D6A8F546C7}"/>
+    <dgm:cxn modelId="{1E40BCCB-1E76-43AB-8C55-8CF0256943F5}" type="presOf" srcId="{664F3033-06A2-4F92-8AED-49E5BB070394}" destId="{E2F09AE3-E19A-4DEE-8439-BD770D589E30}" srcOrd="0" destOrd="0" presId="urn:microsoft.com/office/officeart/2005/8/layout/bProcess4"/>
+    <dgm:cxn modelId="{8B540F0B-2250-4B5E-BCCE-C3D246BFA6AE}" srcId="{69D9465D-5278-4893-90E4-FC4A404190FF}" destId="{CE70E7C1-00A1-4F5C-B7F2-4DEA0098B5CC}" srcOrd="7" destOrd="0" parTransId="{F234F055-B622-4D52-AFCB-3BA3D3341CFD}" sibTransId="{31DAD7E9-CE7C-41E2-8D30-CCCC16BF810D}"/>
     <dgm:cxn modelId="{7264B672-CA05-4F31-89F1-FEAC6C34D9E4}" type="presOf" srcId="{69D9465D-5278-4893-90E4-FC4A404190FF}" destId="{F41203AE-3D27-4DFC-B08E-BF6461080D2A}" srcOrd="0" destOrd="0" presId="urn:microsoft.com/office/officeart/2005/8/layout/bProcess4"/>
-    <dgm:cxn modelId="{9F649EF0-789F-4CBD-9BDD-05CA7FD30C2F}" type="presOf" srcId="{31DAD7E9-CE7C-41E2-8D30-CCCC16BF810D}" destId="{04175430-BE2F-45E9-8822-6B0CF5FF9864}" srcOrd="0" destOrd="0" presId="urn:microsoft.com/office/officeart/2005/8/layout/bProcess4"/>
-    <dgm:cxn modelId="{5D11504B-F891-4E16-81AF-19A4EDD5D894}" srcId="{69D9465D-5278-4893-90E4-FC4A404190FF}" destId="{AC0CA605-AB71-4DDA-8068-AE236D9C9B5B}" srcOrd="3" destOrd="0" parTransId="{8CC74D62-4916-498D-B541-D6C5D6CF2E1B}" sibTransId="{A9DEF564-FDF7-4F00-998C-0108AF2F964C}"/>
-    <dgm:cxn modelId="{8E260BD3-C9D7-4508-A4AC-F2E5E19A10BF}" type="presOf" srcId="{AC0CA605-AB71-4DDA-8068-AE236D9C9B5B}" destId="{8B6115A6-6B88-4E8C-B7FC-E18F0AFA9CAB}" srcOrd="0" destOrd="0" presId="urn:microsoft.com/office/officeart/2005/8/layout/bProcess4"/>
-    <dgm:cxn modelId="{D00831ED-127B-4987-AF88-67025158E8BF}" type="presOf" srcId="{C24C36EC-6312-42E6-85F3-613C20BC1376}" destId="{DB114CFE-3120-4EDC-8173-69948354E5C4}" srcOrd="0" destOrd="0" presId="urn:microsoft.com/office/officeart/2005/8/layout/bProcess4"/>
-    <dgm:cxn modelId="{9D075F56-2E0B-4171-8175-C4780726D8AC}" type="presOf" srcId="{24235BDA-3456-4472-A5F8-A95C033405D7}" destId="{E6918614-9BE6-4F65-A414-6CA09685AE8E}" srcOrd="0" destOrd="0" presId="urn:microsoft.com/office/officeart/2005/8/layout/bProcess4"/>
-    <dgm:cxn modelId="{8B540F0B-2250-4B5E-BCCE-C3D246BFA6AE}" srcId="{69D9465D-5278-4893-90E4-FC4A404190FF}" destId="{CE70E7C1-00A1-4F5C-B7F2-4DEA0098B5CC}" srcOrd="7" destOrd="0" parTransId="{F234F055-B622-4D52-AFCB-3BA3D3341CFD}" sibTransId="{31DAD7E9-CE7C-41E2-8D30-CCCC16BF810D}"/>
-    <dgm:cxn modelId="{1841C2B5-F5D9-4C9D-BC8C-E01099CB1015}" type="presOf" srcId="{730DAA83-5ECA-4C62-B660-9C169A24A198}" destId="{6E02BA24-2FD9-4C78-8700-D63A6D75380B}" srcOrd="0" destOrd="0" presId="urn:microsoft.com/office/officeart/2005/8/layout/bProcess4"/>
-    <dgm:cxn modelId="{3B0582A2-3B3D-4DCD-93AC-A52D25E70D8E}" type="presOf" srcId="{7B5F1AB1-A56B-4592-899D-948C07E9FCE7}" destId="{4831F056-7731-46BB-8DF6-11307D2F1AEB}" srcOrd="0" destOrd="0" presId="urn:microsoft.com/office/officeart/2005/8/layout/bProcess4"/>
-    <dgm:cxn modelId="{1EA91787-343D-46F0-A1A6-0C2FA465220B}" srcId="{69D9465D-5278-4893-90E4-FC4A404190FF}" destId="{C24C36EC-6312-42E6-85F3-613C20BC1376}" srcOrd="2" destOrd="0" parTransId="{05B560A1-CF69-4666-8BB8-D628BE42664F}" sibTransId="{A015CC84-CBCB-49E3-9D9B-F66E30B67EB4}"/>
-    <dgm:cxn modelId="{5D51E946-1572-4B32-A99B-B09C2D21BB4F}" srcId="{69D9465D-5278-4893-90E4-FC4A404190FF}" destId="{664F3033-06A2-4F92-8AED-49E5BB070394}" srcOrd="6" destOrd="0" parTransId="{67711992-C237-4337-995F-B75846ACA60F}" sibTransId="{24235BDA-3456-4472-A5F8-A95C033405D7}"/>
-    <dgm:cxn modelId="{F8BF60C2-BE39-43A2-9A61-63EC368D0FEB}" type="presOf" srcId="{5925B536-8CDD-4273-9EA0-F3DFE28CFC0A}" destId="{F464CA6F-950B-46FF-9EA4-EAFF6B879406}" srcOrd="0" destOrd="0" presId="urn:microsoft.com/office/officeart/2005/8/layout/bProcess4"/>
-    <dgm:cxn modelId="{361F53CB-5A29-4DAB-A291-D994BF66FC9F}" type="presOf" srcId="{F2809BA3-C65E-4889-8F5A-FF553707154C}" destId="{186C2779-A3E3-43E9-AE0E-189DFF42734F}" srcOrd="0" destOrd="0" presId="urn:microsoft.com/office/officeart/2005/8/layout/bProcess4"/>
-    <dgm:cxn modelId="{BE8A410B-AB19-490E-B9A0-CFE7C4AE16AF}" type="presOf" srcId="{F6AB84D7-DC04-4772-BBB8-08839E3E3B0E}" destId="{5D23B8C8-D64B-484E-B55B-BD146A94EBE7}" srcOrd="0" destOrd="0" presId="urn:microsoft.com/office/officeart/2005/8/layout/bProcess4"/>
-    <dgm:cxn modelId="{A1F85789-4824-48E4-B23D-DB88A8247DF3}" type="presOf" srcId="{A015CC84-CBCB-49E3-9D9B-F66E30B67EB4}" destId="{B3F14615-A4E7-4DA6-B7C0-B9FBB08C1897}" srcOrd="0" destOrd="0" presId="urn:microsoft.com/office/officeart/2005/8/layout/bProcess4"/>
-    <dgm:cxn modelId="{134DE985-81C2-41BB-9A8C-B4B56F87F2E8}" srcId="{69D9465D-5278-4893-90E4-FC4A404190FF}" destId="{7B5F1AB1-A56B-4592-899D-948C07E9FCE7}" srcOrd="4" destOrd="0" parTransId="{32E3B1F7-D695-42F6-9E77-4159D9144FAF}" sibTransId="{F9AFC70D-98A9-44D5-AE29-4B77D890DCE5}"/>
-    <dgm:cxn modelId="{35FFAEAE-DC16-4986-AE73-A931A7283792}" srcId="{69D9465D-5278-4893-90E4-FC4A404190FF}" destId="{D9BFE88D-86D5-4A4E-9864-049B66CE7B11}" srcOrd="0" destOrd="0" parTransId="{F9F09A06-4B6D-4FE7-83E2-F8A428C27656}" sibTransId="{8E23BBB5-4FFD-4603-8A8B-57D6A8F546C7}"/>
-    <dgm:cxn modelId="{8995703E-16EE-4A81-9B75-E9CF54A0823C}" type="presOf" srcId="{F9AFC70D-98A9-44D5-AE29-4B77D890DCE5}" destId="{66DF8E1A-5511-4F36-8E47-F7C36D34BC9C}" srcOrd="0" destOrd="0" presId="urn:microsoft.com/office/officeart/2005/8/layout/bProcess4"/>
-    <dgm:cxn modelId="{1E40BCCB-1E76-43AB-8C55-8CF0256943F5}" type="presOf" srcId="{664F3033-06A2-4F92-8AED-49E5BB070394}" destId="{E2F09AE3-E19A-4DEE-8439-BD770D589E30}" srcOrd="0" destOrd="0" presId="urn:microsoft.com/office/officeart/2005/8/layout/bProcess4"/>
-    <dgm:cxn modelId="{2AA4AD88-DEE0-4498-BBBA-098B55978CFC}" srcId="{69D9465D-5278-4893-90E4-FC4A404190FF}" destId="{F7C8F245-4D7A-469E-B33C-5443AAA03436}" srcOrd="5" destOrd="0" parTransId="{7004115D-85D0-4855-8403-56165FBD8C5D}" sibTransId="{5925B536-8CDD-4273-9EA0-F3DFE28CFC0A}"/>
-    <dgm:cxn modelId="{B3B9CAB9-2667-4815-A245-E1FC2B28DE7D}" srcId="{69D9465D-5278-4893-90E4-FC4A404190FF}" destId="{F2809BA3-C65E-4889-8F5A-FF553707154C}" srcOrd="8" destOrd="0" parTransId="{FC354316-0A86-49FE-B980-2848910173B1}" sibTransId="{342EE362-FB63-4B4A-A4F8-F7864A82DA6F}"/>
     <dgm:cxn modelId="{CA5AFF5C-582E-4958-AD8B-4C61AA2F41AF}" type="presParOf" srcId="{F41203AE-3D27-4DFC-B08E-BF6461080D2A}" destId="{9B9AB0DF-1520-478A-9272-0D99B8FD5BC6}" srcOrd="0" destOrd="0" presId="urn:microsoft.com/office/officeart/2005/8/layout/bProcess4"/>
     <dgm:cxn modelId="{15240594-B4C4-415C-9491-A30D89E98AC6}" type="presParOf" srcId="{9B9AB0DF-1520-478A-9272-0D99B8FD5BC6}" destId="{DC903BB0-E430-4A21-B00B-32F4402C2D32}" srcOrd="0" destOrd="0" presId="urn:microsoft.com/office/officeart/2005/8/layout/bProcess4"/>
     <dgm:cxn modelId="{ED9933BF-C8EF-44BB-AE9A-1D88F0BDBBB7}" type="presParOf" srcId="{9B9AB0DF-1520-478A-9272-0D99B8FD5BC6}" destId="{0111BCDE-244E-4E0C-9F45-971A15B0F1AB}" srcOrd="1" destOrd="0" presId="urn:microsoft.com/office/officeart/2005/8/layout/bProcess4"/>
@@ -1701,7 +1737,7 @@
             <a:alphaOff val="0"/>
           </a:schemeClr>
         </a:solidFill>
-        <a:ln w="12700" cap="flat" cmpd="sng" algn="ctr">
+        <a:ln w="19050" cap="flat" cmpd="sng" algn="ctr">
           <a:solidFill>
             <a:schemeClr val="lt1">
               <a:hueOff val="0"/>
@@ -1711,7 +1747,6 @@
             </a:schemeClr>
           </a:solidFill>
           <a:prstDash val="solid"/>
-          <a:miter lim="800000"/>
         </a:ln>
         <a:effectLst/>
       </dsp:spPr>
@@ -1747,10 +1782,14 @@
             </a:spcAft>
           </a:pPr>
           <a:r>
-            <a:rPr lang="en-ZA" sz="800" kern="1200" dirty="0" smtClean="0"/>
+            <a:rPr lang="en-ZA" sz="800" kern="1200" dirty="0" smtClean="0">
+              <a:latin typeface="Corbel" panose="020B0503020204020204" pitchFamily="34" charset="0"/>
+            </a:rPr>
             <a:t>Collect data from the Android’s sensors.</a:t>
           </a:r>
-          <a:endParaRPr lang="en-ZA" sz="800" kern="1200" dirty="0"/>
+          <a:endParaRPr lang="en-ZA" sz="800" kern="1200" dirty="0">
+            <a:latin typeface="Corbel" panose="020B0503020204020204" pitchFamily="34" charset="0"/>
+          </a:endParaRPr>
         </a:p>
       </dsp:txBody>
       <dsp:txXfrm>
@@ -1773,9 +1812,9 @@
         </a:prstGeom>
         <a:solidFill>
           <a:schemeClr val="accent5">
-            <a:hueOff val="-1050478"/>
-            <a:satOff val="-1461"/>
-            <a:lumOff val="-560"/>
+            <a:hueOff val="431236"/>
+            <a:satOff val="-3289"/>
+            <a:lumOff val="-1457"/>
             <a:alphaOff val="0"/>
           </a:schemeClr>
         </a:solidFill>
@@ -1816,13 +1855,13 @@
         </a:prstGeom>
         <a:solidFill>
           <a:schemeClr val="accent5">
-            <a:hueOff val="-919168"/>
-            <a:satOff val="-1278"/>
-            <a:lumOff val="-490"/>
+            <a:hueOff val="377331"/>
+            <a:satOff val="-2878"/>
+            <a:lumOff val="-1275"/>
             <a:alphaOff val="0"/>
           </a:schemeClr>
         </a:solidFill>
-        <a:ln w="12700" cap="flat" cmpd="sng" algn="ctr">
+        <a:ln w="19050" cap="flat" cmpd="sng" algn="ctr">
           <a:solidFill>
             <a:schemeClr val="lt1">
               <a:hueOff val="0"/>
@@ -1832,7 +1871,6 @@
             </a:schemeClr>
           </a:solidFill>
           <a:prstDash val="solid"/>
-          <a:miter lim="800000"/>
         </a:ln>
         <a:effectLst/>
       </dsp:spPr>
@@ -1868,10 +1906,14 @@
             </a:spcAft>
           </a:pPr>
           <a:r>
-            <a:rPr lang="en-ZA" sz="800" kern="1200" dirty="0" smtClean="0"/>
+            <a:rPr lang="en-ZA" sz="800" kern="1200" dirty="0" smtClean="0">
+              <a:latin typeface="Corbel" panose="020B0503020204020204" pitchFamily="34" charset="0"/>
+            </a:rPr>
             <a:t>We determine many bad things all previous users have averaged per second. And transform that data into a normal distribution.</a:t>
           </a:r>
-          <a:endParaRPr lang="en-ZA" sz="800" kern="1200" dirty="0"/>
+          <a:endParaRPr lang="en-ZA" sz="800" kern="1200" dirty="0">
+            <a:latin typeface="Corbel" panose="020B0503020204020204" pitchFamily="34" charset="0"/>
+          </a:endParaRPr>
         </a:p>
       </dsp:txBody>
       <dsp:txXfrm>
@@ -1894,9 +1936,9 @@
         </a:prstGeom>
         <a:solidFill>
           <a:schemeClr val="accent5">
-            <a:hueOff val="-2100956"/>
-            <a:satOff val="-2922"/>
-            <a:lumOff val="-1121"/>
+            <a:hueOff val="862472"/>
+            <a:satOff val="-6578"/>
+            <a:lumOff val="-2913"/>
             <a:alphaOff val="0"/>
           </a:schemeClr>
         </a:solidFill>
@@ -1937,13 +1979,13 @@
         </a:prstGeom>
         <a:solidFill>
           <a:schemeClr val="accent5">
-            <a:hueOff val="-1838336"/>
-            <a:satOff val="-2557"/>
-            <a:lumOff val="-981"/>
+            <a:hueOff val="754663"/>
+            <a:satOff val="-5755"/>
+            <a:lumOff val="-2549"/>
             <a:alphaOff val="0"/>
           </a:schemeClr>
         </a:solidFill>
-        <a:ln w="12700" cap="flat" cmpd="sng" algn="ctr">
+        <a:ln w="19050" cap="flat" cmpd="sng" algn="ctr">
           <a:solidFill>
             <a:schemeClr val="lt1">
               <a:hueOff val="0"/>
@@ -1953,7 +1995,6 @@
             </a:schemeClr>
           </a:solidFill>
           <a:prstDash val="solid"/>
-          <a:miter lim="800000"/>
         </a:ln>
         <a:effectLst/>
       </dsp:spPr>
@@ -1989,10 +2030,14 @@
             </a:spcAft>
           </a:pPr>
           <a:r>
-            <a:rPr lang="en-ZA" sz="800" kern="1200" dirty="0" smtClean="0"/>
+            <a:rPr lang="en-ZA" sz="800" kern="1200" dirty="0" smtClean="0">
+              <a:latin typeface="Corbel" panose="020B0503020204020204" pitchFamily="34" charset="0"/>
+            </a:rPr>
             <a:t>Determine how many bad things the current user does per second.</a:t>
           </a:r>
-          <a:endParaRPr lang="en-ZA" sz="800" kern="1200" dirty="0"/>
+          <a:endParaRPr lang="en-ZA" sz="800" kern="1200" dirty="0">
+            <a:latin typeface="Corbel" panose="020B0503020204020204" pitchFamily="34" charset="0"/>
+          </a:endParaRPr>
         </a:p>
       </dsp:txBody>
       <dsp:txXfrm>
@@ -2015,9 +2060,9 @@
         </a:prstGeom>
         <a:solidFill>
           <a:schemeClr val="accent5">
-            <a:hueOff val="-3151433"/>
-            <a:satOff val="-4383"/>
-            <a:lumOff val="-1681"/>
+            <a:hueOff val="1293708"/>
+            <a:satOff val="-9867"/>
+            <a:lumOff val="-4370"/>
             <a:alphaOff val="0"/>
           </a:schemeClr>
         </a:solidFill>
@@ -2058,13 +2103,13 @@
         </a:prstGeom>
         <a:solidFill>
           <a:schemeClr val="accent5">
-            <a:hueOff val="-2757504"/>
-            <a:satOff val="-3835"/>
-            <a:lumOff val="-1471"/>
+            <a:hueOff val="1131994"/>
+            <a:satOff val="-8633"/>
+            <a:lumOff val="-3824"/>
             <a:alphaOff val="0"/>
           </a:schemeClr>
         </a:solidFill>
-        <a:ln w="12700" cap="flat" cmpd="sng" algn="ctr">
+        <a:ln w="19050" cap="flat" cmpd="sng" algn="ctr">
           <a:solidFill>
             <a:schemeClr val="lt1">
               <a:hueOff val="0"/>
@@ -2074,7 +2119,6 @@
             </a:schemeClr>
           </a:solidFill>
           <a:prstDash val="solid"/>
-          <a:miter lim="800000"/>
         </a:ln>
         <a:effectLst/>
       </dsp:spPr>
@@ -2110,10 +2154,14 @@
             </a:spcAft>
           </a:pPr>
           <a:r>
-            <a:rPr lang="en-ZA" sz="800" kern="1200" dirty="0" smtClean="0"/>
+            <a:rPr lang="en-ZA" sz="800" kern="1200" dirty="0" smtClean="0">
+              <a:latin typeface="Corbel" panose="020B0503020204020204" pitchFamily="34" charset="0"/>
+            </a:rPr>
             <a:t>One of the useful properties of the data we exploit, is that we are able to estimate a position on a normal distribution for the likelihood of the observed results in terms of the number of bad things per second.</a:t>
           </a:r>
-          <a:endParaRPr lang="en-ZA" sz="800" kern="1200" dirty="0"/>
+          <a:endParaRPr lang="en-ZA" sz="800" kern="1200" dirty="0">
+            <a:latin typeface="Corbel" panose="020B0503020204020204" pitchFamily="34" charset="0"/>
+          </a:endParaRPr>
         </a:p>
       </dsp:txBody>
       <dsp:txXfrm>
@@ -2136,9 +2184,9 @@
         </a:prstGeom>
         <a:solidFill>
           <a:schemeClr val="accent5">
-            <a:hueOff val="-4201911"/>
-            <a:satOff val="-5845"/>
-            <a:lumOff val="-2241"/>
+            <a:hueOff val="1724944"/>
+            <a:satOff val="-13155"/>
+            <a:lumOff val="-5826"/>
             <a:alphaOff val="0"/>
           </a:schemeClr>
         </a:solidFill>
@@ -2179,13 +2227,13 @@
         </a:prstGeom>
         <a:solidFill>
           <a:schemeClr val="accent5">
-            <a:hueOff val="-3676672"/>
-            <a:satOff val="-5114"/>
-            <a:lumOff val="-1961"/>
+            <a:hueOff val="1509326"/>
+            <a:satOff val="-11511"/>
+            <a:lumOff val="-5098"/>
             <a:alphaOff val="0"/>
           </a:schemeClr>
         </a:solidFill>
-        <a:ln w="12700" cap="flat" cmpd="sng" algn="ctr">
+        <a:ln w="19050" cap="flat" cmpd="sng" algn="ctr">
           <a:solidFill>
             <a:schemeClr val="lt1">
               <a:hueOff val="0"/>
@@ -2195,7 +2243,6 @@
             </a:schemeClr>
           </a:solidFill>
           <a:prstDash val="solid"/>
-          <a:miter lim="800000"/>
         </a:ln>
         <a:effectLst/>
       </dsp:spPr>
@@ -2231,10 +2278,14 @@
             </a:spcAft>
           </a:pPr>
           <a:r>
-            <a:rPr lang="en-ZA" sz="800" kern="1200" smtClean="0"/>
+            <a:rPr lang="en-ZA" sz="800" kern="1200" smtClean="0">
+              <a:latin typeface="Corbel" panose="020B0503020204020204" pitchFamily="34" charset="0"/>
+            </a:rPr>
             <a:t>Weightings are applied to the different readings from the sensors (because acceleration through a turn is worse than acceleration while moving forward, and acceleration upwards is even worse!)</a:t>
           </a:r>
-          <a:endParaRPr lang="en-ZA" sz="800" kern="1200" dirty="0"/>
+          <a:endParaRPr lang="en-ZA" sz="800" kern="1200" dirty="0">
+            <a:latin typeface="Corbel" panose="020B0503020204020204" pitchFamily="34" charset="0"/>
+          </a:endParaRPr>
         </a:p>
       </dsp:txBody>
       <dsp:txXfrm>
@@ -2257,9 +2308,9 @@
         </a:prstGeom>
         <a:solidFill>
           <a:schemeClr val="accent5">
-            <a:hueOff val="-5252389"/>
-            <a:satOff val="-7306"/>
-            <a:lumOff val="-2801"/>
+            <a:hueOff val="2156180"/>
+            <a:satOff val="-16444"/>
+            <a:lumOff val="-7283"/>
             <a:alphaOff val="0"/>
           </a:schemeClr>
         </a:solidFill>
@@ -2300,13 +2351,13 @@
         </a:prstGeom>
         <a:solidFill>
           <a:schemeClr val="accent5">
-            <a:hueOff val="-4595840"/>
-            <a:satOff val="-6392"/>
-            <a:lumOff val="-2451"/>
+            <a:hueOff val="1886657"/>
+            <a:satOff val="-14389"/>
+            <a:lumOff val="-6373"/>
             <a:alphaOff val="0"/>
           </a:schemeClr>
         </a:solidFill>
-        <a:ln w="12700" cap="flat" cmpd="sng" algn="ctr">
+        <a:ln w="19050" cap="flat" cmpd="sng" algn="ctr">
           <a:solidFill>
             <a:schemeClr val="lt1">
               <a:hueOff val="0"/>
@@ -2316,7 +2367,6 @@
             </a:schemeClr>
           </a:solidFill>
           <a:prstDash val="solid"/>
-          <a:miter lim="800000"/>
         </a:ln>
         <a:effectLst/>
       </dsp:spPr>
@@ -2352,10 +2402,14 @@
             </a:spcAft>
           </a:pPr>
           <a:r>
-            <a:rPr lang="en-ZA" sz="800" kern="1200" dirty="0" smtClean="0"/>
+            <a:rPr lang="en-ZA" sz="800" kern="1200" dirty="0" smtClean="0">
+              <a:latin typeface="Corbel" panose="020B0503020204020204" pitchFamily="34" charset="0"/>
+            </a:rPr>
             <a:t>Using this information, we are able to estimate a probability that the score of the current trip was a result of random chance when compared to the normal distribution of all other drivers.</a:t>
           </a:r>
-          <a:endParaRPr lang="en-ZA" sz="800" kern="1200" dirty="0"/>
+          <a:endParaRPr lang="en-ZA" sz="800" kern="1200" dirty="0">
+            <a:latin typeface="Corbel" panose="020B0503020204020204" pitchFamily="34" charset="0"/>
+          </a:endParaRPr>
         </a:p>
       </dsp:txBody>
       <dsp:txXfrm>
@@ -2378,9 +2432,9 @@
         </a:prstGeom>
         <a:solidFill>
           <a:schemeClr val="accent5">
-            <a:hueOff val="-6302867"/>
-            <a:satOff val="-8767"/>
-            <a:lumOff val="-3362"/>
+            <a:hueOff val="2587415"/>
+            <a:satOff val="-19733"/>
+            <a:lumOff val="-8739"/>
             <a:alphaOff val="0"/>
           </a:schemeClr>
         </a:solidFill>
@@ -2421,13 +2475,13 @@
         </a:prstGeom>
         <a:solidFill>
           <a:schemeClr val="accent5">
-            <a:hueOff val="-5515009"/>
-            <a:satOff val="-7671"/>
-            <a:lumOff val="-2942"/>
+            <a:hueOff val="2263988"/>
+            <a:satOff val="-17266"/>
+            <a:lumOff val="-7647"/>
             <a:alphaOff val="0"/>
           </a:schemeClr>
         </a:solidFill>
-        <a:ln w="12700" cap="flat" cmpd="sng" algn="ctr">
+        <a:ln w="19050" cap="flat" cmpd="sng" algn="ctr">
           <a:solidFill>
             <a:schemeClr val="lt1">
               <a:hueOff val="0"/>
@@ -2437,7 +2491,6 @@
             </a:schemeClr>
           </a:solidFill>
           <a:prstDash val="solid"/>
-          <a:miter lim="800000"/>
         </a:ln>
         <a:effectLst/>
       </dsp:spPr>
@@ -2473,7 +2526,9 @@
             </a:spcAft>
           </a:pPr>
           <a:r>
-            <a:rPr lang="en-ZA" sz="800" kern="1200" dirty="0" smtClean="0"/>
+            <a:rPr lang="en-ZA" sz="800" kern="1200" dirty="0" smtClean="0">
+              <a:latin typeface="Corbel" panose="020B0503020204020204" pitchFamily="34" charset="0"/>
+            </a:rPr>
             <a:t>From this data we calculate a Z-score for the distance of the person’s number of bad things from the normal distribution of the number of bad things.</a:t>
           </a:r>
         </a:p>
@@ -2489,7 +2544,9 @@
               <a:spcPct val="35000"/>
             </a:spcAft>
           </a:pPr>
-          <a:endParaRPr lang="en-ZA" sz="800" kern="1200" dirty="0"/>
+          <a:endParaRPr lang="en-ZA" sz="800" kern="1200" dirty="0">
+            <a:latin typeface="Corbel" panose="020B0503020204020204" pitchFamily="34" charset="0"/>
+          </a:endParaRPr>
         </a:p>
       </dsp:txBody>
       <dsp:txXfrm>
@@ -2512,9 +2569,9 @@
         </a:prstGeom>
         <a:solidFill>
           <a:schemeClr val="accent5">
-            <a:hueOff val="-7353344"/>
-            <a:satOff val="-10228"/>
-            <a:lumOff val="-3922"/>
+            <a:hueOff val="3018651"/>
+            <a:satOff val="-23022"/>
+            <a:lumOff val="-10196"/>
             <a:alphaOff val="0"/>
           </a:schemeClr>
         </a:solidFill>
@@ -2555,13 +2612,13 @@
         </a:prstGeom>
         <a:solidFill>
           <a:schemeClr val="accent5">
-            <a:hueOff val="-6434176"/>
-            <a:satOff val="-8949"/>
-            <a:lumOff val="-3432"/>
+            <a:hueOff val="2641320"/>
+            <a:satOff val="-20144"/>
+            <a:lumOff val="-8922"/>
             <a:alphaOff val="0"/>
           </a:schemeClr>
         </a:solidFill>
-        <a:ln w="12700" cap="flat" cmpd="sng" algn="ctr">
+        <a:ln w="19050" cap="flat" cmpd="sng" algn="ctr">
           <a:solidFill>
             <a:schemeClr val="lt1">
               <a:hueOff val="0"/>
@@ -2571,7 +2628,6 @@
             </a:schemeClr>
           </a:solidFill>
           <a:prstDash val="solid"/>
-          <a:miter lim="800000"/>
         </a:ln>
         <a:effectLst/>
       </dsp:spPr>
@@ -2607,10 +2663,14 @@
             </a:spcAft>
           </a:pPr>
           <a:r>
-            <a:rPr lang="en-ZA" sz="800" kern="1200" dirty="0" smtClean="0"/>
+            <a:rPr lang="en-ZA" sz="800" kern="1200" dirty="0" smtClean="0">
+              <a:latin typeface="Corbel" panose="020B0503020204020204" pitchFamily="34" charset="0"/>
+            </a:rPr>
             <a:t>Using our z-score and by integrating the normal distribution function, we are able to estimate the area to the left of the normal distribution’s score.</a:t>
           </a:r>
-          <a:endParaRPr lang="en-ZA" sz="800" kern="1200" dirty="0"/>
+          <a:endParaRPr lang="en-ZA" sz="800" kern="1200" dirty="0">
+            <a:latin typeface="Corbel" panose="020B0503020204020204" pitchFamily="34" charset="0"/>
+          </a:endParaRPr>
         </a:p>
       </dsp:txBody>
       <dsp:txXfrm>
@@ -2635,13 +2695,13 @@
         </a:prstGeom>
         <a:solidFill>
           <a:schemeClr val="accent5">
-            <a:hueOff val="-7353344"/>
-            <a:satOff val="-10228"/>
-            <a:lumOff val="-3922"/>
+            <a:hueOff val="3018651"/>
+            <a:satOff val="-23022"/>
+            <a:lumOff val="-10196"/>
             <a:alphaOff val="0"/>
           </a:schemeClr>
         </a:solidFill>
-        <a:ln w="12700" cap="flat" cmpd="sng" algn="ctr">
+        <a:ln w="19050" cap="flat" cmpd="sng" algn="ctr">
           <a:solidFill>
             <a:schemeClr val="lt1">
               <a:hueOff val="0"/>
@@ -2651,7 +2711,6 @@
             </a:schemeClr>
           </a:solidFill>
           <a:prstDash val="solid"/>
-          <a:miter lim="800000"/>
         </a:ln>
         <a:effectLst/>
       </dsp:spPr>
@@ -2687,10 +2746,14 @@
             </a:spcAft>
           </a:pPr>
           <a:r>
-            <a:rPr lang="en-ZA" sz="800" kern="1200" dirty="0" smtClean="0"/>
+            <a:rPr lang="en-ZA" sz="800" kern="1200" dirty="0" smtClean="0">
+              <a:latin typeface="Corbel" panose="020B0503020204020204" pitchFamily="34" charset="0"/>
+            </a:rPr>
             <a:t>Because the area under a normal distribution always equals 1, we can simply multiply the area by 10 to achieve a score out of 10 for the quality of that person’s driving.</a:t>
           </a:r>
-          <a:endParaRPr lang="en-ZA" sz="800" kern="1200" dirty="0"/>
+          <a:endParaRPr lang="en-ZA" sz="800" kern="1200" dirty="0">
+            <a:latin typeface="Corbel" panose="020B0503020204020204" pitchFamily="34" charset="0"/>
+          </a:endParaRPr>
         </a:p>
       </dsp:txBody>
       <dsp:txXfrm>
@@ -3969,7 +4032,7 @@
 </file>
 
 <file path=ppt/slideLayouts/slideLayout1.xml><?xml version="1.0" encoding="utf-8"?>
-<p:sldLayout xmlns:a="http://schemas.openxmlformats.org/drawingml/2006/main" xmlns:r="http://schemas.openxmlformats.org/officeDocument/2006/relationships" xmlns:p="http://schemas.openxmlformats.org/presentationml/2006/main" type="title" preserve="1">
+<p:sldLayout xmlns:a="http://schemas.openxmlformats.org/drawingml/2006/main" xmlns:r="http://schemas.openxmlformats.org/officeDocument/2006/relationships" xmlns:p="http://schemas.openxmlformats.org/presentationml/2006/main" showMasterSp="0" type="title" preserve="1">
   <p:cSld name="Title Slide">
     <p:spTree>
       <p:nvGrpSpPr>
@@ -3985,6 +4048,303 @@
           <a:chExt cx="0" cy="0"/>
         </a:xfrm>
       </p:grpSpPr>
+      <p:pic>
+        <p:nvPicPr>
+          <p:cNvPr id="7" name="Picture 6" descr="Brickwork-HD-R1a.jpg"/>
+          <p:cNvPicPr>
+            <a:picLocks noChangeAspect="1"/>
+          </p:cNvPicPr>
+          <p:nvPr/>
+        </p:nvPicPr>
+        <p:blipFill>
+          <a:blip r:embed="rId2">
+            <a:extLst>
+              <a:ext uri="{28A0092B-C50C-407E-A947-70E740481C1C}">
+                <a14:useLocalDpi xmlns:a14="http://schemas.microsoft.com/office/drawing/2010/main" val="0"/>
+              </a:ext>
+            </a:extLst>
+          </a:blip>
+          <a:stretch>
+            <a:fillRect/>
+          </a:stretch>
+        </p:blipFill>
+        <p:spPr>
+          <a:xfrm>
+            <a:off x="0" y="0"/>
+            <a:ext cx="12192000" cy="6858000"/>
+          </a:xfrm>
+          <a:prstGeom prst="rect">
+            <a:avLst/>
+          </a:prstGeom>
+        </p:spPr>
+      </p:pic>
+      <p:sp useBgFill="1">
+        <p:nvSpPr>
+          <p:cNvPr id="12" name="Freeform 11"/>
+          <p:cNvSpPr/>
+          <p:nvPr/>
+        </p:nvSpPr>
+        <p:spPr>
+          <a:xfrm>
+            <a:off x="-15875" y="0"/>
+            <a:ext cx="11683810" cy="6588125"/>
+          </a:xfrm>
+          <a:custGeom>
+            <a:avLst/>
+            <a:gdLst/>
+            <a:ahLst/>
+            <a:cxnLst/>
+            <a:rect l="l" t="t" r="r" b="b"/>
+            <a:pathLst>
+              <a:path w="11683810" h="6588125">
+                <a:moveTo>
+                  <a:pt x="0" y="0"/>
+                </a:moveTo>
+                <a:lnTo>
+                  <a:pt x="11318691" y="0"/>
+                </a:lnTo>
+                <a:lnTo>
+                  <a:pt x="11683810" y="5976938"/>
+                </a:lnTo>
+                <a:lnTo>
+                  <a:pt x="15875" y="6588125"/>
+                </a:lnTo>
+                <a:cubicBezTo>
+                  <a:pt x="10583" y="4386792"/>
+                  <a:pt x="5292" y="2185458"/>
+                  <a:pt x="0" y="0"/>
+                </a:cubicBezTo>
+                <a:close/>
+              </a:path>
+            </a:pathLst>
+          </a:custGeom>
+          <a:ln>
+            <a:noFill/>
+          </a:ln>
+          <a:effectLst>
+            <a:outerShdw blurRad="101600" dist="152400" dir="4380000" algn="tl" rotWithShape="0">
+              <a:srgbClr val="000000">
+                <a:alpha val="43000"/>
+              </a:srgbClr>
+            </a:outerShdw>
+          </a:effectLst>
+        </p:spPr>
+        <p:style>
+          <a:lnRef idx="1">
+            <a:schemeClr val="accent1"/>
+          </a:lnRef>
+          <a:fillRef idx="3">
+            <a:schemeClr val="accent1"/>
+          </a:fillRef>
+          <a:effectRef idx="2">
+            <a:schemeClr val="accent1"/>
+          </a:effectRef>
+          <a:fontRef idx="minor">
+            <a:schemeClr val="lt1"/>
+          </a:fontRef>
+        </p:style>
+      </p:sp>
+      <p:sp>
+        <p:nvSpPr>
+          <p:cNvPr id="14" name="Freeform 13"/>
+          <p:cNvSpPr/>
+          <p:nvPr/>
+        </p:nvSpPr>
+        <p:spPr>
+          <a:xfrm>
+            <a:off x="0" y="4282257"/>
+            <a:ext cx="11329257" cy="2028845"/>
+          </a:xfrm>
+          <a:custGeom>
+            <a:avLst/>
+            <a:gdLst/>
+            <a:ahLst/>
+            <a:cxnLst/>
+            <a:rect l="l" t="t" r="r" b="b"/>
+            <a:pathLst>
+              <a:path w="11329257" h="2028845">
+                <a:moveTo>
+                  <a:pt x="0" y="588520"/>
+                </a:moveTo>
+                <a:lnTo>
+                  <a:pt x="11244075" y="0"/>
+                </a:lnTo>
+                <a:lnTo>
+                  <a:pt x="11329257" y="1424838"/>
+                </a:lnTo>
+                <a:lnTo>
+                  <a:pt x="0" y="2028845"/>
+                </a:lnTo>
+                <a:lnTo>
+                  <a:pt x="0" y="588520"/>
+                </a:lnTo>
+                <a:close/>
+              </a:path>
+            </a:pathLst>
+          </a:custGeom>
+          <a:gradFill flip="none" rotWithShape="1">
+            <a:gsLst>
+              <a:gs pos="34000">
+                <a:schemeClr val="accent1"/>
+              </a:gs>
+              <a:gs pos="100000">
+                <a:schemeClr val="accent1">
+                  <a:lumMod val="50000"/>
+                </a:schemeClr>
+              </a:gs>
+            </a:gsLst>
+            <a:path path="circle">
+              <a:fillToRect l="50000" t="50000" r="50000" b="50000"/>
+            </a:path>
+            <a:tileRect/>
+          </a:gradFill>
+          <a:ln>
+            <a:noFill/>
+          </a:ln>
+        </p:spPr>
+        <p:style>
+          <a:lnRef idx="1">
+            <a:schemeClr val="accent1"/>
+          </a:lnRef>
+          <a:fillRef idx="3">
+            <a:schemeClr val="accent1"/>
+          </a:fillRef>
+          <a:effectRef idx="2">
+            <a:schemeClr val="accent1"/>
+          </a:effectRef>
+          <a:fontRef idx="minor">
+            <a:schemeClr val="lt1"/>
+          </a:fontRef>
+        </p:style>
+      </p:sp>
+      <p:sp>
+        <p:nvSpPr>
+          <p:cNvPr id="26" name="Freeform 25"/>
+          <p:cNvSpPr/>
+          <p:nvPr/>
+        </p:nvSpPr>
+        <p:spPr>
+          <a:xfrm>
+            <a:off x="0" y="0"/>
+            <a:ext cx="8719579" cy="456877"/>
+          </a:xfrm>
+          <a:custGeom>
+            <a:avLst/>
+            <a:gdLst/>
+            <a:ahLst/>
+            <a:cxnLst/>
+            <a:rect l="l" t="t" r="r" b="b"/>
+            <a:pathLst>
+              <a:path w="8719579" h="456877">
+                <a:moveTo>
+                  <a:pt x="0" y="0"/>
+                </a:moveTo>
+                <a:lnTo>
+                  <a:pt x="8719579" y="0"/>
+                </a:lnTo>
+                <a:lnTo>
+                  <a:pt x="0" y="456877"/>
+                </a:lnTo>
+                <a:lnTo>
+                  <a:pt x="0" y="0"/>
+                </a:lnTo>
+                <a:close/>
+              </a:path>
+            </a:pathLst>
+          </a:custGeom>
+          <a:gradFill flip="none" rotWithShape="1">
+            <a:gsLst>
+              <a:gs pos="34000">
+                <a:schemeClr val="accent1"/>
+              </a:gs>
+              <a:gs pos="100000">
+                <a:schemeClr val="accent1">
+                  <a:lumMod val="50000"/>
+                </a:schemeClr>
+              </a:gs>
+            </a:gsLst>
+            <a:path path="circle">
+              <a:fillToRect l="50000" t="50000" r="50000" b="50000"/>
+            </a:path>
+            <a:tileRect/>
+          </a:gradFill>
+          <a:ln>
+            <a:noFill/>
+          </a:ln>
+        </p:spPr>
+        <p:style>
+          <a:lnRef idx="1">
+            <a:schemeClr val="accent1"/>
+          </a:lnRef>
+          <a:fillRef idx="3">
+            <a:schemeClr val="accent1"/>
+          </a:fillRef>
+          <a:effectRef idx="2">
+            <a:schemeClr val="accent1"/>
+          </a:effectRef>
+          <a:fontRef idx="minor">
+            <a:schemeClr val="lt1"/>
+          </a:fontRef>
+        </p:style>
+      </p:sp>
+      <p:sp>
+        <p:nvSpPr>
+          <p:cNvPr id="15" name="Freeform 14"/>
+          <p:cNvSpPr/>
+          <p:nvPr/>
+        </p:nvSpPr>
+        <p:spPr>
+          <a:xfrm rot="21420000">
+            <a:off x="-161800" y="293317"/>
+            <a:ext cx="11367116" cy="5751804"/>
+          </a:xfrm>
+          <a:custGeom>
+            <a:avLst/>
+            <a:gdLst/>
+            <a:ahLst/>
+            <a:cxnLst/>
+            <a:rect l="l" t="t" r="r" b="b"/>
+            <a:pathLst>
+              <a:path w="11367116" h="5751804">
+                <a:moveTo>
+                  <a:pt x="11346705" y="0"/>
+                </a:moveTo>
+                <a:cubicBezTo>
+                  <a:pt x="11353509" y="1915114"/>
+                  <a:pt x="11360312" y="3830229"/>
+                  <a:pt x="11367116" y="5745343"/>
+                </a:cubicBezTo>
+                <a:lnTo>
+                  <a:pt x="0" y="5751804"/>
+                </a:lnTo>
+              </a:path>
+            </a:pathLst>
+          </a:custGeom>
+          <a:ln w="82550">
+            <a:solidFill>
+              <a:schemeClr val="tx1">
+                <a:lumMod val="50000"/>
+                <a:lumOff val="50000"/>
+              </a:schemeClr>
+            </a:solidFill>
+            <a:miter lim="800000"/>
+          </a:ln>
+        </p:spPr>
+        <p:style>
+          <a:lnRef idx="2">
+            <a:schemeClr val="accent1"/>
+          </a:lnRef>
+          <a:fillRef idx="0">
+            <a:schemeClr val="accent1"/>
+          </a:fillRef>
+          <a:effectRef idx="1">
+            <a:schemeClr val="accent1"/>
+          </a:effectRef>
+          <a:fontRef idx="minor">
+            <a:schemeClr val="tx1"/>
+          </a:fontRef>
+        </p:style>
+      </p:sp>
       <p:sp>
         <p:nvSpPr>
           <p:cNvPr id="2" name="Title 1"/>
@@ -3996,16 +4356,18 @@
           </p:nvPr>
         </p:nvSpPr>
         <p:spPr>
-          <a:xfrm>
-            <a:off x="1524000" y="1122363"/>
-            <a:ext cx="9144000" cy="2387600"/>
+          <a:xfrm rot="21420000">
+            <a:off x="891201" y="662656"/>
+            <a:ext cx="9755187" cy="2766528"/>
           </a:xfrm>
         </p:spPr>
         <p:txBody>
-          <a:bodyPr anchor="b"/>
+          <a:bodyPr anchor="b">
+            <a:normAutofit/>
+          </a:bodyPr>
           <a:lstStyle>
-            <a:lvl1pPr algn="ctr">
-              <a:defRPr sz="6000"/>
+            <a:lvl1pPr algn="r">
+              <a:defRPr sz="8000"/>
             </a:lvl1pPr>
           </a:lstStyle>
           <a:p>
@@ -4013,7 +4375,7 @@
               <a:rPr lang="en-US" smtClean="0"/>
               <a:t>Click to edit Master title style</a:t>
             </a:r>
-            <a:endParaRPr lang="en-ZA"/>
+            <a:endParaRPr lang="en-US" dirty="0"/>
           </a:p>
         </p:txBody>
       </p:sp>
@@ -4028,17 +4390,25 @@
           </p:nvPr>
         </p:nvSpPr>
         <p:spPr>
-          <a:xfrm>
-            <a:off x="1524000" y="3602038"/>
-            <a:ext cx="9144000" cy="1655762"/>
+          <a:xfrm rot="21420000">
+            <a:off x="983062" y="3505209"/>
+            <a:ext cx="9755187" cy="550333"/>
           </a:xfrm>
         </p:spPr>
         <p:txBody>
-          <a:bodyPr/>
+          <a:bodyPr anchor="t">
+            <a:noAutofit/>
+          </a:bodyPr>
           <a:lstStyle>
-            <a:lvl1pPr marL="0" indent="0" algn="ctr">
-              <a:buNone/>
-              <a:defRPr sz="2400"/>
+            <a:lvl1pPr marL="0" indent="0" algn="r">
+              <a:buNone/>
+              <a:defRPr sz="2800">
+                <a:solidFill>
+                  <a:schemeClr val="bg1">
+                    <a:lumMod val="50000"/>
+                  </a:schemeClr>
+                </a:solidFill>
+              </a:defRPr>
             </a:lvl1pPr>
             <a:lvl2pPr marL="457200" indent="0" algn="ctr">
               <a:buNone/>
@@ -4078,7 +4448,7 @@
               <a:rPr lang="en-US" smtClean="0"/>
               <a:t>Click to edit Master subtitle style</a:t>
             </a:r>
-            <a:endParaRPr lang="en-ZA"/>
+            <a:endParaRPr lang="en-US" dirty="0"/>
           </a:p>
         </p:txBody>
       </p:sp>
@@ -4092,14 +4462,29 @@
             <p:ph type="dt" sz="half" idx="10"/>
           </p:nvPr>
         </p:nvSpPr>
-        <p:spPr/>
+        <p:spPr>
+          <a:xfrm rot="21420000">
+            <a:off x="4948541" y="4578463"/>
+            <a:ext cx="6143653" cy="1163112"/>
+          </a:xfrm>
+        </p:spPr>
         <p:txBody>
           <a:bodyPr/>
-          <a:lstStyle/>
+          <a:lstStyle>
+            <a:lvl1pPr algn="ctr">
+              <a:defRPr sz="5400">
+                <a:solidFill>
+                  <a:schemeClr val="accent1">
+                    <a:lumMod val="50000"/>
+                  </a:schemeClr>
+                </a:solidFill>
+              </a:defRPr>
+            </a:lvl1pPr>
+          </a:lstStyle>
           <a:p>
             <a:fld id="{876717B3-76BD-4CF3-B287-483EF058EC68}" type="datetimeFigureOut">
               <a:rPr lang="en-ZA" smtClean="0"/>
-              <a:t>2015-10-17</a:t>
+              <a:t>2015-10-18</a:t>
             </a:fld>
             <a:endParaRPr lang="en-ZA"/>
           </a:p>
@@ -4115,10 +4500,19 @@
             <p:ph type="ftr" sz="quarter" idx="11"/>
           </p:nvPr>
         </p:nvSpPr>
-        <p:spPr/>
+        <p:spPr>
+          <a:xfrm rot="21420000">
+            <a:off x="-5560" y="4883024"/>
+            <a:ext cx="4047239" cy="1195538"/>
+          </a:xfrm>
+        </p:spPr>
         <p:txBody>
-          <a:bodyPr/>
-          <a:lstStyle/>
+          <a:bodyPr vert="horz" lIns="91440" tIns="45720" rIns="91440" bIns="45720" rtlCol="0" anchor="ctr"/>
+          <a:lstStyle>
+            <a:lvl1pPr algn="r">
+              <a:defRPr lang="en-US" sz="5400" dirty="0"/>
+            </a:lvl1pPr>
+          </a:lstStyle>
           <a:p>
             <a:endParaRPr lang="en-ZA"/>
           </a:p>
@@ -4134,10 +4528,26 @@
             <p:ph type="sldNum" sz="quarter" idx="12"/>
           </p:nvPr>
         </p:nvSpPr>
-        <p:spPr/>
+        <p:spPr>
+          <a:xfrm rot="21420000">
+            <a:off x="9851758" y="3832648"/>
+            <a:ext cx="907186" cy="498470"/>
+          </a:xfrm>
+        </p:spPr>
         <p:txBody>
           <a:bodyPr/>
-          <a:lstStyle/>
+          <a:lstStyle>
+            <a:lvl1pPr>
+              <a:defRPr sz="2400">
+                <a:solidFill>
+                  <a:schemeClr val="tx1">
+                    <a:lumMod val="75000"/>
+                    <a:lumOff val="25000"/>
+                  </a:schemeClr>
+                </a:solidFill>
+              </a:defRPr>
+            </a:lvl1pPr>
+          </a:lstStyle>
           <a:p>
             <a:fld id="{64BAED1C-B18E-4562-88A8-317BB7A85475}" type="slidenum">
               <a:rPr lang="en-ZA" smtClean="0"/>
@@ -4147,10 +4557,52 @@
           </a:p>
         </p:txBody>
       </p:sp>
+      <p:sp>
+        <p:nvSpPr>
+          <p:cNvPr id="25" name="5-Point Star 24"/>
+          <p:cNvSpPr/>
+          <p:nvPr/>
+        </p:nvSpPr>
+        <p:spPr>
+          <a:xfrm rot="21420000">
+            <a:off x="4221385" y="5111356"/>
+            <a:ext cx="515386" cy="515386"/>
+          </a:xfrm>
+          <a:prstGeom prst="star5">
+            <a:avLst>
+              <a:gd name="adj" fmla="val 26693"/>
+              <a:gd name="hf" fmla="val 105146"/>
+              <a:gd name="vf" fmla="val 110557"/>
+            </a:avLst>
+          </a:prstGeom>
+          <a:solidFill>
+            <a:schemeClr val="tx1">
+              <a:alpha val="40000"/>
+            </a:schemeClr>
+          </a:solidFill>
+          <a:ln>
+            <a:noFill/>
+          </a:ln>
+        </p:spPr>
+        <p:style>
+          <a:lnRef idx="1">
+            <a:schemeClr val="accent1"/>
+          </a:lnRef>
+          <a:fillRef idx="3">
+            <a:schemeClr val="accent1"/>
+          </a:fillRef>
+          <a:effectRef idx="2">
+            <a:schemeClr val="accent1"/>
+          </a:effectRef>
+          <a:fontRef idx="minor">
+            <a:schemeClr val="lt1"/>
+          </a:fontRef>
+        </p:style>
+      </p:sp>
     </p:spTree>
     <p:extLst>
       <p:ext uri="{BB962C8B-B14F-4D97-AF65-F5344CB8AC3E}">
-        <p14:creationId xmlns:p14="http://schemas.microsoft.com/office/powerpoint/2010/main" val="2713358402"/>
+        <p14:creationId xmlns:p14="http://schemas.microsoft.com/office/powerpoint/2010/main" val="1039348037"/>
       </p:ext>
     </p:extLst>
   </p:cSld>
@@ -4161,6 +4613,2505 @@
 </file>
 
 <file path=ppt/slideLayouts/slideLayout10.xml><?xml version="1.0" encoding="utf-8"?>
+<p:sldLayout xmlns:a="http://schemas.openxmlformats.org/drawingml/2006/main" xmlns:r="http://schemas.openxmlformats.org/officeDocument/2006/relationships" xmlns:p="http://schemas.openxmlformats.org/presentationml/2006/main" preserve="1">
+  <p:cSld name="Panoramic Picture with Caption">
+    <p:spTree>
+      <p:nvGrpSpPr>
+        <p:cNvPr id="1" name=""/>
+        <p:cNvGrpSpPr/>
+        <p:nvPr/>
+      </p:nvGrpSpPr>
+      <p:grpSpPr>
+        <a:xfrm>
+          <a:off x="0" y="0"/>
+          <a:ext cx="0" cy="0"/>
+          <a:chOff x="0" y="0"/>
+          <a:chExt cx="0" cy="0"/>
+        </a:xfrm>
+      </p:grpSpPr>
+      <p:sp>
+        <p:nvSpPr>
+          <p:cNvPr id="2" name="Title 1"/>
+          <p:cNvSpPr>
+            <a:spLocks noGrp="1"/>
+          </p:cNvSpPr>
+          <p:nvPr>
+            <p:ph type="title"/>
+          </p:nvPr>
+        </p:nvSpPr>
+        <p:spPr>
+          <a:xfrm>
+            <a:off x="685800" y="4106333"/>
+            <a:ext cx="10394708" cy="588846"/>
+          </a:xfrm>
+        </p:spPr>
+        <p:txBody>
+          <a:bodyPr anchor="b"/>
+          <a:lstStyle>
+            <a:lvl1pPr>
+              <a:defRPr sz="3200"/>
+            </a:lvl1pPr>
+          </a:lstStyle>
+          <a:p>
+            <a:r>
+              <a:rPr lang="en-US" smtClean="0"/>
+              <a:t>Click to edit Master title style</a:t>
+            </a:r>
+            <a:endParaRPr lang="en-US" dirty="0"/>
+          </a:p>
+        </p:txBody>
+      </p:sp>
+      <p:sp>
+        <p:nvSpPr>
+          <p:cNvPr id="3" name="Picture Placeholder 2"/>
+          <p:cNvSpPr>
+            <a:spLocks noGrp="1" noChangeAspect="1"/>
+          </p:cNvSpPr>
+          <p:nvPr>
+            <p:ph type="pic" idx="1"/>
+          </p:nvPr>
+        </p:nvSpPr>
+        <p:spPr>
+          <a:xfrm>
+            <a:off x="685801" y="685799"/>
+            <a:ext cx="10392513" cy="3194903"/>
+          </a:xfrm>
+          <a:ln w="57150" cmpd="thinThick">
+            <a:solidFill>
+              <a:schemeClr val="bg1">
+                <a:lumMod val="50000"/>
+              </a:schemeClr>
+            </a:solidFill>
+            <a:miter lim="800000"/>
+          </a:ln>
+        </p:spPr>
+        <p:txBody>
+          <a:bodyPr anchor="t"/>
+          <a:lstStyle>
+            <a:lvl1pPr marL="0" indent="0" algn="ctr">
+              <a:buNone/>
+              <a:defRPr sz="3200"/>
+            </a:lvl1pPr>
+            <a:lvl2pPr marL="457200" indent="0">
+              <a:buNone/>
+              <a:defRPr sz="2800"/>
+            </a:lvl2pPr>
+            <a:lvl3pPr marL="914400" indent="0">
+              <a:buNone/>
+              <a:defRPr sz="2400"/>
+            </a:lvl3pPr>
+            <a:lvl4pPr marL="1371600" indent="0">
+              <a:buNone/>
+              <a:defRPr sz="2000"/>
+            </a:lvl4pPr>
+            <a:lvl5pPr marL="1828800" indent="0">
+              <a:buNone/>
+              <a:defRPr sz="2000"/>
+            </a:lvl5pPr>
+            <a:lvl6pPr marL="2286000" indent="0">
+              <a:buNone/>
+              <a:defRPr sz="2000"/>
+            </a:lvl6pPr>
+            <a:lvl7pPr marL="2743200" indent="0">
+              <a:buNone/>
+              <a:defRPr sz="2000"/>
+            </a:lvl7pPr>
+            <a:lvl8pPr marL="3200400" indent="0">
+              <a:buNone/>
+              <a:defRPr sz="2000"/>
+            </a:lvl8pPr>
+            <a:lvl9pPr marL="3657600" indent="0">
+              <a:buNone/>
+              <a:defRPr sz="2000"/>
+            </a:lvl9pPr>
+          </a:lstStyle>
+          <a:p>
+            <a:r>
+              <a:rPr lang="en-US" smtClean="0"/>
+              <a:t>Click icon to add picture</a:t>
+            </a:r>
+            <a:endParaRPr lang="en-US" dirty="0"/>
+          </a:p>
+        </p:txBody>
+      </p:sp>
+      <p:sp>
+        <p:nvSpPr>
+          <p:cNvPr id="4" name="Text Placeholder 3"/>
+          <p:cNvSpPr>
+            <a:spLocks noGrp="1"/>
+          </p:cNvSpPr>
+          <p:nvPr>
+            <p:ph type="body" sz="half" idx="2"/>
+          </p:nvPr>
+        </p:nvSpPr>
+        <p:spPr>
+          <a:xfrm>
+            <a:off x="685780" y="4702923"/>
+            <a:ext cx="10394728" cy="682472"/>
+          </a:xfrm>
+        </p:spPr>
+        <p:txBody>
+          <a:bodyPr anchor="t"/>
+          <a:lstStyle>
+            <a:lvl1pPr marL="0" indent="0" algn="l">
+              <a:buNone/>
+              <a:defRPr sz="1600"/>
+            </a:lvl1pPr>
+            <a:lvl2pPr marL="457200" indent="0">
+              <a:buNone/>
+              <a:defRPr sz="1400"/>
+            </a:lvl2pPr>
+            <a:lvl3pPr marL="914400" indent="0">
+              <a:buNone/>
+              <a:defRPr sz="1200"/>
+            </a:lvl3pPr>
+            <a:lvl4pPr marL="1371600" indent="0">
+              <a:buNone/>
+              <a:defRPr sz="1000"/>
+            </a:lvl4pPr>
+            <a:lvl5pPr marL="1828800" indent="0">
+              <a:buNone/>
+              <a:defRPr sz="1000"/>
+            </a:lvl5pPr>
+            <a:lvl6pPr marL="2286000" indent="0">
+              <a:buNone/>
+              <a:defRPr sz="1000"/>
+            </a:lvl6pPr>
+            <a:lvl7pPr marL="2743200" indent="0">
+              <a:buNone/>
+              <a:defRPr sz="1000"/>
+            </a:lvl7pPr>
+            <a:lvl8pPr marL="3200400" indent="0">
+              <a:buNone/>
+              <a:defRPr sz="1000"/>
+            </a:lvl8pPr>
+            <a:lvl9pPr marL="3657600" indent="0">
+              <a:buNone/>
+              <a:defRPr sz="1000"/>
+            </a:lvl9pPr>
+          </a:lstStyle>
+          <a:p>
+            <a:pPr lvl="0"/>
+            <a:r>
+              <a:rPr lang="en-US" smtClean="0"/>
+              <a:t>Click to edit Master text styles</a:t>
+            </a:r>
+          </a:p>
+        </p:txBody>
+      </p:sp>
+      <p:sp>
+        <p:nvSpPr>
+          <p:cNvPr id="5" name="Date Placeholder 4"/>
+          <p:cNvSpPr>
+            <a:spLocks noGrp="1"/>
+          </p:cNvSpPr>
+          <p:nvPr>
+            <p:ph type="dt" sz="half" idx="10"/>
+          </p:nvPr>
+        </p:nvSpPr>
+        <p:spPr/>
+        <p:txBody>
+          <a:bodyPr/>
+          <a:lstStyle/>
+          <a:p>
+            <a:fld id="{876717B3-76BD-4CF3-B287-483EF058EC68}" type="datetimeFigureOut">
+              <a:rPr lang="en-ZA" smtClean="0"/>
+              <a:t>2015-10-18</a:t>
+            </a:fld>
+            <a:endParaRPr lang="en-ZA"/>
+          </a:p>
+        </p:txBody>
+      </p:sp>
+      <p:sp>
+        <p:nvSpPr>
+          <p:cNvPr id="6" name="Footer Placeholder 5"/>
+          <p:cNvSpPr>
+            <a:spLocks noGrp="1"/>
+          </p:cNvSpPr>
+          <p:nvPr>
+            <p:ph type="ftr" sz="quarter" idx="11"/>
+          </p:nvPr>
+        </p:nvSpPr>
+        <p:spPr/>
+        <p:txBody>
+          <a:bodyPr/>
+          <a:lstStyle/>
+          <a:p>
+            <a:endParaRPr lang="en-ZA"/>
+          </a:p>
+        </p:txBody>
+      </p:sp>
+      <p:sp>
+        <p:nvSpPr>
+          <p:cNvPr id="7" name="Slide Number Placeholder 6"/>
+          <p:cNvSpPr>
+            <a:spLocks noGrp="1"/>
+          </p:cNvSpPr>
+          <p:nvPr>
+            <p:ph type="sldNum" sz="quarter" idx="12"/>
+          </p:nvPr>
+        </p:nvSpPr>
+        <p:spPr/>
+        <p:txBody>
+          <a:bodyPr/>
+          <a:lstStyle/>
+          <a:p>
+            <a:fld id="{64BAED1C-B18E-4562-88A8-317BB7A85475}" type="slidenum">
+              <a:rPr lang="en-ZA" smtClean="0"/>
+              <a:t>‹#›</a:t>
+            </a:fld>
+            <a:endParaRPr lang="en-ZA"/>
+          </a:p>
+        </p:txBody>
+      </p:sp>
+    </p:spTree>
+    <p:extLst>
+      <p:ext uri="{BB962C8B-B14F-4D97-AF65-F5344CB8AC3E}">
+        <p14:creationId xmlns:p14="http://schemas.microsoft.com/office/powerpoint/2010/main" val="3566855963"/>
+      </p:ext>
+    </p:extLst>
+  </p:cSld>
+  <p:clrMapOvr>
+    <a:masterClrMapping/>
+  </p:clrMapOvr>
+</p:sldLayout>
+</file>
+
+<file path=ppt/slideLayouts/slideLayout11.xml><?xml version="1.0" encoding="utf-8"?>
+<p:sldLayout xmlns:a="http://schemas.openxmlformats.org/drawingml/2006/main" xmlns:r="http://schemas.openxmlformats.org/officeDocument/2006/relationships" xmlns:p="http://schemas.openxmlformats.org/presentationml/2006/main" preserve="1">
+  <p:cSld name="Title and Caption">
+    <p:spTree>
+      <p:nvGrpSpPr>
+        <p:cNvPr id="1" name=""/>
+        <p:cNvGrpSpPr/>
+        <p:nvPr/>
+      </p:nvGrpSpPr>
+      <p:grpSpPr>
+        <a:xfrm>
+          <a:off x="0" y="0"/>
+          <a:ext cx="0" cy="0"/>
+          <a:chOff x="0" y="0"/>
+          <a:chExt cx="0" cy="0"/>
+        </a:xfrm>
+      </p:grpSpPr>
+      <p:sp>
+        <p:nvSpPr>
+          <p:cNvPr id="2" name="Title 1"/>
+          <p:cNvSpPr>
+            <a:spLocks noGrp="1"/>
+          </p:cNvSpPr>
+          <p:nvPr>
+            <p:ph type="title"/>
+          </p:nvPr>
+        </p:nvSpPr>
+        <p:spPr>
+          <a:xfrm>
+            <a:off x="685801" y="685800"/>
+            <a:ext cx="10396902" cy="3194903"/>
+          </a:xfrm>
+        </p:spPr>
+        <p:txBody>
+          <a:bodyPr anchor="ctr">
+            <a:normAutofit/>
+          </a:bodyPr>
+          <a:lstStyle>
+            <a:lvl1pPr algn="ctr">
+              <a:defRPr sz="4800"/>
+            </a:lvl1pPr>
+          </a:lstStyle>
+          <a:p>
+            <a:r>
+              <a:rPr lang="en-US" smtClean="0"/>
+              <a:t>Click to edit Master title style</a:t>
+            </a:r>
+            <a:endParaRPr lang="en-US" dirty="0"/>
+          </a:p>
+        </p:txBody>
+      </p:sp>
+      <p:sp>
+        <p:nvSpPr>
+          <p:cNvPr id="4" name="Text Placeholder 3"/>
+          <p:cNvSpPr>
+            <a:spLocks noGrp="1"/>
+          </p:cNvSpPr>
+          <p:nvPr>
+            <p:ph type="body" sz="half" idx="2"/>
+          </p:nvPr>
+        </p:nvSpPr>
+        <p:spPr>
+          <a:xfrm>
+            <a:off x="685779" y="4106333"/>
+            <a:ext cx="10394729" cy="1273606"/>
+          </a:xfrm>
+        </p:spPr>
+        <p:txBody>
+          <a:bodyPr anchor="ctr">
+            <a:normAutofit/>
+          </a:bodyPr>
+          <a:lstStyle>
+            <a:lvl1pPr marL="0" indent="0" algn="ctr">
+              <a:buNone/>
+              <a:defRPr sz="1800"/>
+            </a:lvl1pPr>
+            <a:lvl2pPr marL="457200" indent="0">
+              <a:buNone/>
+              <a:defRPr sz="1400"/>
+            </a:lvl2pPr>
+            <a:lvl3pPr marL="914400" indent="0">
+              <a:buNone/>
+              <a:defRPr sz="1200"/>
+            </a:lvl3pPr>
+            <a:lvl4pPr marL="1371600" indent="0">
+              <a:buNone/>
+              <a:defRPr sz="1000"/>
+            </a:lvl4pPr>
+            <a:lvl5pPr marL="1828800" indent="0">
+              <a:buNone/>
+              <a:defRPr sz="1000"/>
+            </a:lvl5pPr>
+            <a:lvl6pPr marL="2286000" indent="0">
+              <a:buNone/>
+              <a:defRPr sz="1000"/>
+            </a:lvl6pPr>
+            <a:lvl7pPr marL="2743200" indent="0">
+              <a:buNone/>
+              <a:defRPr sz="1000"/>
+            </a:lvl7pPr>
+            <a:lvl8pPr marL="3200400" indent="0">
+              <a:buNone/>
+              <a:defRPr sz="1000"/>
+            </a:lvl8pPr>
+            <a:lvl9pPr marL="3657600" indent="0">
+              <a:buNone/>
+              <a:defRPr sz="1000"/>
+            </a:lvl9pPr>
+          </a:lstStyle>
+          <a:p>
+            <a:pPr lvl="0"/>
+            <a:r>
+              <a:rPr lang="en-US" smtClean="0"/>
+              <a:t>Click to edit Master text styles</a:t>
+            </a:r>
+          </a:p>
+        </p:txBody>
+      </p:sp>
+      <p:sp>
+        <p:nvSpPr>
+          <p:cNvPr id="5" name="Date Placeholder 4"/>
+          <p:cNvSpPr>
+            <a:spLocks noGrp="1"/>
+          </p:cNvSpPr>
+          <p:nvPr>
+            <p:ph type="dt" sz="half" idx="10"/>
+          </p:nvPr>
+        </p:nvSpPr>
+        <p:spPr/>
+        <p:txBody>
+          <a:bodyPr/>
+          <a:lstStyle/>
+          <a:p>
+            <a:fld id="{876717B3-76BD-4CF3-B287-483EF058EC68}" type="datetimeFigureOut">
+              <a:rPr lang="en-ZA" smtClean="0"/>
+              <a:t>2015-10-18</a:t>
+            </a:fld>
+            <a:endParaRPr lang="en-ZA"/>
+          </a:p>
+        </p:txBody>
+      </p:sp>
+      <p:sp>
+        <p:nvSpPr>
+          <p:cNvPr id="6" name="Footer Placeholder 5"/>
+          <p:cNvSpPr>
+            <a:spLocks noGrp="1"/>
+          </p:cNvSpPr>
+          <p:nvPr>
+            <p:ph type="ftr" sz="quarter" idx="11"/>
+          </p:nvPr>
+        </p:nvSpPr>
+        <p:spPr/>
+        <p:txBody>
+          <a:bodyPr/>
+          <a:lstStyle/>
+          <a:p>
+            <a:endParaRPr lang="en-ZA"/>
+          </a:p>
+        </p:txBody>
+      </p:sp>
+      <p:sp>
+        <p:nvSpPr>
+          <p:cNvPr id="7" name="Slide Number Placeholder 6"/>
+          <p:cNvSpPr>
+            <a:spLocks noGrp="1"/>
+          </p:cNvSpPr>
+          <p:nvPr>
+            <p:ph type="sldNum" sz="quarter" idx="12"/>
+          </p:nvPr>
+        </p:nvSpPr>
+        <p:spPr/>
+        <p:txBody>
+          <a:bodyPr/>
+          <a:lstStyle/>
+          <a:p>
+            <a:fld id="{64BAED1C-B18E-4562-88A8-317BB7A85475}" type="slidenum">
+              <a:rPr lang="en-ZA" smtClean="0"/>
+              <a:t>‹#›</a:t>
+            </a:fld>
+            <a:endParaRPr lang="en-ZA"/>
+          </a:p>
+        </p:txBody>
+      </p:sp>
+    </p:spTree>
+    <p:extLst>
+      <p:ext uri="{BB962C8B-B14F-4D97-AF65-F5344CB8AC3E}">
+        <p14:creationId xmlns:p14="http://schemas.microsoft.com/office/powerpoint/2010/main" val="2002628824"/>
+      </p:ext>
+    </p:extLst>
+  </p:cSld>
+  <p:clrMapOvr>
+    <a:masterClrMapping/>
+  </p:clrMapOvr>
+</p:sldLayout>
+</file>
+
+<file path=ppt/slideLayouts/slideLayout12.xml><?xml version="1.0" encoding="utf-8"?>
+<p:sldLayout xmlns:a="http://schemas.openxmlformats.org/drawingml/2006/main" xmlns:r="http://schemas.openxmlformats.org/officeDocument/2006/relationships" xmlns:p="http://schemas.openxmlformats.org/presentationml/2006/main" preserve="1">
+  <p:cSld name="Quote with Caption">
+    <p:spTree>
+      <p:nvGrpSpPr>
+        <p:cNvPr id="1" name=""/>
+        <p:cNvGrpSpPr/>
+        <p:nvPr/>
+      </p:nvGrpSpPr>
+      <p:grpSpPr>
+        <a:xfrm>
+          <a:off x="0" y="0"/>
+          <a:ext cx="0" cy="0"/>
+          <a:chOff x="0" y="0"/>
+          <a:chExt cx="0" cy="0"/>
+        </a:xfrm>
+      </p:grpSpPr>
+      <p:sp>
+        <p:nvSpPr>
+          <p:cNvPr id="2" name="Title 1"/>
+          <p:cNvSpPr>
+            <a:spLocks noGrp="1"/>
+          </p:cNvSpPr>
+          <p:nvPr>
+            <p:ph type="title"/>
+          </p:nvPr>
+        </p:nvSpPr>
+        <p:spPr>
+          <a:xfrm>
+            <a:off x="1121732" y="685800"/>
+            <a:ext cx="9525020" cy="2916704"/>
+          </a:xfrm>
+        </p:spPr>
+        <p:txBody>
+          <a:bodyPr anchor="ctr">
+            <a:normAutofit/>
+          </a:bodyPr>
+          <a:lstStyle>
+            <a:lvl1pPr algn="ctr">
+              <a:defRPr sz="4800"/>
+            </a:lvl1pPr>
+          </a:lstStyle>
+          <a:p>
+            <a:r>
+              <a:rPr lang="en-US" smtClean="0"/>
+              <a:t>Click to edit Master title style</a:t>
+            </a:r>
+            <a:endParaRPr lang="en-US" dirty="0"/>
+          </a:p>
+        </p:txBody>
+      </p:sp>
+      <p:sp>
+        <p:nvSpPr>
+          <p:cNvPr id="12" name="Text Placeholder 3"/>
+          <p:cNvSpPr>
+            <a:spLocks noGrp="1"/>
+          </p:cNvSpPr>
+          <p:nvPr>
+            <p:ph type="body" sz="half" idx="13"/>
+          </p:nvPr>
+        </p:nvSpPr>
+        <p:spPr>
+          <a:xfrm>
+            <a:off x="1550264" y="3610032"/>
+            <a:ext cx="8667956" cy="377768"/>
+          </a:xfrm>
+        </p:spPr>
+        <p:txBody>
+          <a:bodyPr anchor="t">
+            <a:normAutofit/>
+          </a:bodyPr>
+          <a:lstStyle>
+            <a:lvl1pPr marL="0" indent="0" algn="r">
+              <a:buNone/>
+              <a:defRPr sz="1400">
+                <a:solidFill>
+                  <a:schemeClr val="tx1">
+                    <a:lumMod val="50000"/>
+                    <a:lumOff val="50000"/>
+                  </a:schemeClr>
+                </a:solidFill>
+              </a:defRPr>
+            </a:lvl1pPr>
+            <a:lvl2pPr marL="457200" indent="0">
+              <a:buNone/>
+              <a:defRPr sz="1400"/>
+            </a:lvl2pPr>
+            <a:lvl3pPr marL="914400" indent="0">
+              <a:buNone/>
+              <a:defRPr sz="1200"/>
+            </a:lvl3pPr>
+            <a:lvl4pPr marL="1371600" indent="0">
+              <a:buNone/>
+              <a:defRPr sz="1000"/>
+            </a:lvl4pPr>
+            <a:lvl5pPr marL="1828800" indent="0">
+              <a:buNone/>
+              <a:defRPr sz="1000"/>
+            </a:lvl5pPr>
+            <a:lvl6pPr marL="2286000" indent="0">
+              <a:buNone/>
+              <a:defRPr sz="1000"/>
+            </a:lvl6pPr>
+            <a:lvl7pPr marL="2743200" indent="0">
+              <a:buNone/>
+              <a:defRPr sz="1000"/>
+            </a:lvl7pPr>
+            <a:lvl8pPr marL="3200400" indent="0">
+              <a:buNone/>
+              <a:defRPr sz="1000"/>
+            </a:lvl8pPr>
+            <a:lvl9pPr marL="3657600" indent="0">
+              <a:buNone/>
+              <a:defRPr sz="1000"/>
+            </a:lvl9pPr>
+          </a:lstStyle>
+          <a:p>
+            <a:pPr lvl="0"/>
+            <a:r>
+              <a:rPr lang="en-US" smtClean="0"/>
+              <a:t>Click to edit Master text styles</a:t>
+            </a:r>
+          </a:p>
+        </p:txBody>
+      </p:sp>
+      <p:sp>
+        <p:nvSpPr>
+          <p:cNvPr id="4" name="Text Placeholder 3"/>
+          <p:cNvSpPr>
+            <a:spLocks noGrp="1"/>
+          </p:cNvSpPr>
+          <p:nvPr>
+            <p:ph type="body" sz="half" idx="2"/>
+          </p:nvPr>
+        </p:nvSpPr>
+        <p:spPr>
+          <a:xfrm>
+            <a:off x="685801" y="4106334"/>
+            <a:ext cx="10396882" cy="1268252"/>
+          </a:xfrm>
+        </p:spPr>
+        <p:txBody>
+          <a:bodyPr anchor="ctr">
+            <a:normAutofit/>
+          </a:bodyPr>
+          <a:lstStyle>
+            <a:lvl1pPr marL="0" indent="0" algn="ctr">
+              <a:buNone/>
+              <a:defRPr sz="1800"/>
+            </a:lvl1pPr>
+            <a:lvl2pPr marL="457200" indent="0">
+              <a:buNone/>
+              <a:defRPr sz="1400"/>
+            </a:lvl2pPr>
+            <a:lvl3pPr marL="914400" indent="0">
+              <a:buNone/>
+              <a:defRPr sz="1200"/>
+            </a:lvl3pPr>
+            <a:lvl4pPr marL="1371600" indent="0">
+              <a:buNone/>
+              <a:defRPr sz="1000"/>
+            </a:lvl4pPr>
+            <a:lvl5pPr marL="1828800" indent="0">
+              <a:buNone/>
+              <a:defRPr sz="1000"/>
+            </a:lvl5pPr>
+            <a:lvl6pPr marL="2286000" indent="0">
+              <a:buNone/>
+              <a:defRPr sz="1000"/>
+            </a:lvl6pPr>
+            <a:lvl7pPr marL="2743200" indent="0">
+              <a:buNone/>
+              <a:defRPr sz="1000"/>
+            </a:lvl7pPr>
+            <a:lvl8pPr marL="3200400" indent="0">
+              <a:buNone/>
+              <a:defRPr sz="1000"/>
+            </a:lvl8pPr>
+            <a:lvl9pPr marL="3657600" indent="0">
+              <a:buNone/>
+              <a:defRPr sz="1000"/>
+            </a:lvl9pPr>
+          </a:lstStyle>
+          <a:p>
+            <a:pPr lvl="0"/>
+            <a:r>
+              <a:rPr lang="en-US" smtClean="0"/>
+              <a:t>Click to edit Master text styles</a:t>
+            </a:r>
+          </a:p>
+        </p:txBody>
+      </p:sp>
+      <p:sp>
+        <p:nvSpPr>
+          <p:cNvPr id="5" name="Date Placeholder 4"/>
+          <p:cNvSpPr>
+            <a:spLocks noGrp="1"/>
+          </p:cNvSpPr>
+          <p:nvPr>
+            <p:ph type="dt" sz="half" idx="10"/>
+          </p:nvPr>
+        </p:nvSpPr>
+        <p:spPr/>
+        <p:txBody>
+          <a:bodyPr/>
+          <a:lstStyle/>
+          <a:p>
+            <a:fld id="{876717B3-76BD-4CF3-B287-483EF058EC68}" type="datetimeFigureOut">
+              <a:rPr lang="en-ZA" smtClean="0"/>
+              <a:t>2015-10-18</a:t>
+            </a:fld>
+            <a:endParaRPr lang="en-ZA"/>
+          </a:p>
+        </p:txBody>
+      </p:sp>
+      <p:sp>
+        <p:nvSpPr>
+          <p:cNvPr id="6" name="Footer Placeholder 5"/>
+          <p:cNvSpPr>
+            <a:spLocks noGrp="1"/>
+          </p:cNvSpPr>
+          <p:nvPr>
+            <p:ph type="ftr" sz="quarter" idx="11"/>
+          </p:nvPr>
+        </p:nvSpPr>
+        <p:spPr/>
+        <p:txBody>
+          <a:bodyPr/>
+          <a:lstStyle/>
+          <a:p>
+            <a:endParaRPr lang="en-ZA"/>
+          </a:p>
+        </p:txBody>
+      </p:sp>
+      <p:sp>
+        <p:nvSpPr>
+          <p:cNvPr id="7" name="Slide Number Placeholder 6"/>
+          <p:cNvSpPr>
+            <a:spLocks noGrp="1"/>
+          </p:cNvSpPr>
+          <p:nvPr>
+            <p:ph type="sldNum" sz="quarter" idx="12"/>
+          </p:nvPr>
+        </p:nvSpPr>
+        <p:spPr/>
+        <p:txBody>
+          <a:bodyPr/>
+          <a:lstStyle/>
+          <a:p>
+            <a:fld id="{64BAED1C-B18E-4562-88A8-317BB7A85475}" type="slidenum">
+              <a:rPr lang="en-ZA" smtClean="0"/>
+              <a:t>‹#›</a:t>
+            </a:fld>
+            <a:endParaRPr lang="en-ZA"/>
+          </a:p>
+        </p:txBody>
+      </p:sp>
+      <p:sp>
+        <p:nvSpPr>
+          <p:cNvPr id="13" name="TextBox 12"/>
+          <p:cNvSpPr txBox="1"/>
+          <p:nvPr/>
+        </p:nvSpPr>
+        <p:spPr>
+          <a:xfrm>
+            <a:off x="685801" y="892628"/>
+            <a:ext cx="609600" cy="584776"/>
+          </a:xfrm>
+          <a:prstGeom prst="rect">
+            <a:avLst/>
+          </a:prstGeom>
+        </p:spPr>
+        <p:txBody>
+          <a:bodyPr vert="horz" lIns="91440" tIns="45720" rIns="91440" bIns="45720" rtlCol="0" anchor="ctr">
+            <a:noAutofit/>
+          </a:bodyPr>
+          <a:lstStyle>
+            <a:lvl1pPr>
+              <a:spcBef>
+                <a:spcPct val="0"/>
+              </a:spcBef>
+              <a:buNone/>
+              <a:defRPr sz="3200" b="0" cap="all">
+                <a:ln w="3175" cmpd="sng">
+                  <a:noFill/>
+                </a:ln>
+                <a:effectLst>
+                  <a:glow rad="38100">
+                    <a:schemeClr val="bg1">
+                      <a:lumMod val="65000"/>
+                      <a:lumOff val="35000"/>
+                      <a:alpha val="40000"/>
+                    </a:schemeClr>
+                  </a:glow>
+                  <a:outerShdw blurRad="28575" dist="38100" dir="14040000" algn="tl" rotWithShape="0">
+                    <a:srgbClr val="000000">
+                      <a:alpha val="25000"/>
+                    </a:srgbClr>
+                  </a:outerShdw>
+                </a:effectLst>
+              </a:defRPr>
+            </a:lvl1pPr>
+            <a:lvl2pPr>
+              <a:defRPr>
+                <a:solidFill>
+                  <a:schemeClr val="tx2"/>
+                </a:solidFill>
+              </a:defRPr>
+            </a:lvl2pPr>
+            <a:lvl3pPr>
+              <a:defRPr>
+                <a:solidFill>
+                  <a:schemeClr val="tx2"/>
+                </a:solidFill>
+              </a:defRPr>
+            </a:lvl3pPr>
+            <a:lvl4pPr>
+              <a:defRPr>
+                <a:solidFill>
+                  <a:schemeClr val="tx2"/>
+                </a:solidFill>
+              </a:defRPr>
+            </a:lvl4pPr>
+            <a:lvl5pPr>
+              <a:defRPr>
+                <a:solidFill>
+                  <a:schemeClr val="tx2"/>
+                </a:solidFill>
+              </a:defRPr>
+            </a:lvl5pPr>
+            <a:lvl6pPr>
+              <a:defRPr>
+                <a:solidFill>
+                  <a:schemeClr val="tx2"/>
+                </a:solidFill>
+              </a:defRPr>
+            </a:lvl6pPr>
+            <a:lvl7pPr>
+              <a:defRPr>
+                <a:solidFill>
+                  <a:schemeClr val="tx2"/>
+                </a:solidFill>
+              </a:defRPr>
+            </a:lvl7pPr>
+            <a:lvl8pPr>
+              <a:defRPr>
+                <a:solidFill>
+                  <a:schemeClr val="tx2"/>
+                </a:solidFill>
+              </a:defRPr>
+            </a:lvl8pPr>
+            <a:lvl9pPr>
+              <a:defRPr>
+                <a:solidFill>
+                  <a:schemeClr val="tx2"/>
+                </a:solidFill>
+              </a:defRPr>
+            </a:lvl9pPr>
+          </a:lstStyle>
+          <a:p>
+            <a:pPr lvl="0"/>
+            <a:r>
+              <a:rPr lang="en-US" sz="8000" dirty="0">
+                <a:solidFill>
+                  <a:schemeClr val="tx1"/>
+                </a:solidFill>
+                <a:effectLst/>
+              </a:rPr>
+              <a:t>“</a:t>
+            </a:r>
+          </a:p>
+        </p:txBody>
+      </p:sp>
+      <p:sp>
+        <p:nvSpPr>
+          <p:cNvPr id="14" name="TextBox 13"/>
+          <p:cNvSpPr txBox="1"/>
+          <p:nvPr/>
+        </p:nvSpPr>
+        <p:spPr>
+          <a:xfrm>
+            <a:off x="10473083" y="2922827"/>
+            <a:ext cx="609600" cy="584776"/>
+          </a:xfrm>
+          <a:prstGeom prst="rect">
+            <a:avLst/>
+          </a:prstGeom>
+        </p:spPr>
+        <p:txBody>
+          <a:bodyPr vert="horz" lIns="91440" tIns="45720" rIns="91440" bIns="45720" rtlCol="0" anchor="ctr">
+            <a:noAutofit/>
+          </a:bodyPr>
+          <a:lstStyle>
+            <a:lvl1pPr>
+              <a:spcBef>
+                <a:spcPct val="0"/>
+              </a:spcBef>
+              <a:buNone/>
+              <a:defRPr sz="3200" b="0" cap="all">
+                <a:ln w="3175" cmpd="sng">
+                  <a:noFill/>
+                </a:ln>
+                <a:effectLst>
+                  <a:glow rad="38100">
+                    <a:schemeClr val="bg1">
+                      <a:lumMod val="65000"/>
+                      <a:lumOff val="35000"/>
+                      <a:alpha val="40000"/>
+                    </a:schemeClr>
+                  </a:glow>
+                  <a:outerShdw blurRad="28575" dist="38100" dir="14040000" algn="tl" rotWithShape="0">
+                    <a:srgbClr val="000000">
+                      <a:alpha val="25000"/>
+                    </a:srgbClr>
+                  </a:outerShdw>
+                </a:effectLst>
+              </a:defRPr>
+            </a:lvl1pPr>
+            <a:lvl2pPr>
+              <a:defRPr>
+                <a:solidFill>
+                  <a:schemeClr val="tx2"/>
+                </a:solidFill>
+              </a:defRPr>
+            </a:lvl2pPr>
+            <a:lvl3pPr>
+              <a:defRPr>
+                <a:solidFill>
+                  <a:schemeClr val="tx2"/>
+                </a:solidFill>
+              </a:defRPr>
+            </a:lvl3pPr>
+            <a:lvl4pPr>
+              <a:defRPr>
+                <a:solidFill>
+                  <a:schemeClr val="tx2"/>
+                </a:solidFill>
+              </a:defRPr>
+            </a:lvl4pPr>
+            <a:lvl5pPr>
+              <a:defRPr>
+                <a:solidFill>
+                  <a:schemeClr val="tx2"/>
+                </a:solidFill>
+              </a:defRPr>
+            </a:lvl5pPr>
+            <a:lvl6pPr>
+              <a:defRPr>
+                <a:solidFill>
+                  <a:schemeClr val="tx2"/>
+                </a:solidFill>
+              </a:defRPr>
+            </a:lvl6pPr>
+            <a:lvl7pPr>
+              <a:defRPr>
+                <a:solidFill>
+                  <a:schemeClr val="tx2"/>
+                </a:solidFill>
+              </a:defRPr>
+            </a:lvl7pPr>
+            <a:lvl8pPr>
+              <a:defRPr>
+                <a:solidFill>
+                  <a:schemeClr val="tx2"/>
+                </a:solidFill>
+              </a:defRPr>
+            </a:lvl8pPr>
+            <a:lvl9pPr>
+              <a:defRPr>
+                <a:solidFill>
+                  <a:schemeClr val="tx2"/>
+                </a:solidFill>
+              </a:defRPr>
+            </a:lvl9pPr>
+          </a:lstStyle>
+          <a:p>
+            <a:pPr lvl="0" algn="r"/>
+            <a:r>
+              <a:rPr lang="en-US" sz="8000" dirty="0">
+                <a:solidFill>
+                  <a:schemeClr val="tx1"/>
+                </a:solidFill>
+                <a:effectLst/>
+              </a:rPr>
+              <a:t>”</a:t>
+            </a:r>
+          </a:p>
+        </p:txBody>
+      </p:sp>
+    </p:spTree>
+    <p:extLst>
+      <p:ext uri="{BB962C8B-B14F-4D97-AF65-F5344CB8AC3E}">
+        <p14:creationId xmlns:p14="http://schemas.microsoft.com/office/powerpoint/2010/main" val="1583149277"/>
+      </p:ext>
+    </p:extLst>
+  </p:cSld>
+  <p:clrMapOvr>
+    <a:masterClrMapping/>
+  </p:clrMapOvr>
+</p:sldLayout>
+</file>
+
+<file path=ppt/slideLayouts/slideLayout13.xml><?xml version="1.0" encoding="utf-8"?>
+<p:sldLayout xmlns:a="http://schemas.openxmlformats.org/drawingml/2006/main" xmlns:r="http://schemas.openxmlformats.org/officeDocument/2006/relationships" xmlns:p="http://schemas.openxmlformats.org/presentationml/2006/main" preserve="1">
+  <p:cSld name="Name Card">
+    <p:spTree>
+      <p:nvGrpSpPr>
+        <p:cNvPr id="1" name=""/>
+        <p:cNvGrpSpPr/>
+        <p:nvPr/>
+      </p:nvGrpSpPr>
+      <p:grpSpPr>
+        <a:xfrm>
+          <a:off x="0" y="0"/>
+          <a:ext cx="0" cy="0"/>
+          <a:chOff x="0" y="0"/>
+          <a:chExt cx="0" cy="0"/>
+        </a:xfrm>
+      </p:grpSpPr>
+      <p:sp>
+        <p:nvSpPr>
+          <p:cNvPr id="2" name="Title 1"/>
+          <p:cNvSpPr>
+            <a:spLocks noGrp="1"/>
+          </p:cNvSpPr>
+          <p:nvPr>
+            <p:ph type="title"/>
+          </p:nvPr>
+        </p:nvSpPr>
+        <p:spPr>
+          <a:xfrm>
+            <a:off x="685800" y="1723854"/>
+            <a:ext cx="10394707" cy="2511835"/>
+          </a:xfrm>
+        </p:spPr>
+        <p:txBody>
+          <a:bodyPr anchor="b">
+            <a:normAutofit/>
+          </a:bodyPr>
+          <a:lstStyle>
+            <a:lvl1pPr algn="l">
+              <a:defRPr sz="4800"/>
+            </a:lvl1pPr>
+          </a:lstStyle>
+          <a:p>
+            <a:r>
+              <a:rPr lang="en-US" smtClean="0"/>
+              <a:t>Click to edit Master title style</a:t>
+            </a:r>
+            <a:endParaRPr lang="en-US" dirty="0"/>
+          </a:p>
+        </p:txBody>
+      </p:sp>
+      <p:sp>
+        <p:nvSpPr>
+          <p:cNvPr id="4" name="Text Placeholder 3"/>
+          <p:cNvSpPr>
+            <a:spLocks noGrp="1"/>
+          </p:cNvSpPr>
+          <p:nvPr>
+            <p:ph type="body" sz="half" idx="2"/>
+          </p:nvPr>
+        </p:nvSpPr>
+        <p:spPr>
+          <a:xfrm>
+            <a:off x="685800" y="4247468"/>
+            <a:ext cx="10394707" cy="1140644"/>
+          </a:xfrm>
+        </p:spPr>
+        <p:txBody>
+          <a:bodyPr anchor="t">
+            <a:normAutofit/>
+          </a:bodyPr>
+          <a:lstStyle>
+            <a:lvl1pPr marL="0" indent="0" algn="l">
+              <a:buNone/>
+              <a:defRPr sz="1800"/>
+            </a:lvl1pPr>
+            <a:lvl2pPr marL="457200" indent="0">
+              <a:buNone/>
+              <a:defRPr sz="1400"/>
+            </a:lvl2pPr>
+            <a:lvl3pPr marL="914400" indent="0">
+              <a:buNone/>
+              <a:defRPr sz="1200"/>
+            </a:lvl3pPr>
+            <a:lvl4pPr marL="1371600" indent="0">
+              <a:buNone/>
+              <a:defRPr sz="1000"/>
+            </a:lvl4pPr>
+            <a:lvl5pPr marL="1828800" indent="0">
+              <a:buNone/>
+              <a:defRPr sz="1000"/>
+            </a:lvl5pPr>
+            <a:lvl6pPr marL="2286000" indent="0">
+              <a:buNone/>
+              <a:defRPr sz="1000"/>
+            </a:lvl6pPr>
+            <a:lvl7pPr marL="2743200" indent="0">
+              <a:buNone/>
+              <a:defRPr sz="1000"/>
+            </a:lvl7pPr>
+            <a:lvl8pPr marL="3200400" indent="0">
+              <a:buNone/>
+              <a:defRPr sz="1000"/>
+            </a:lvl8pPr>
+            <a:lvl9pPr marL="3657600" indent="0">
+              <a:buNone/>
+              <a:defRPr sz="1000"/>
+            </a:lvl9pPr>
+          </a:lstStyle>
+          <a:p>
+            <a:pPr lvl="0"/>
+            <a:r>
+              <a:rPr lang="en-US" smtClean="0"/>
+              <a:t>Click to edit Master text styles</a:t>
+            </a:r>
+          </a:p>
+        </p:txBody>
+      </p:sp>
+      <p:sp>
+        <p:nvSpPr>
+          <p:cNvPr id="5" name="Date Placeholder 4"/>
+          <p:cNvSpPr>
+            <a:spLocks noGrp="1"/>
+          </p:cNvSpPr>
+          <p:nvPr>
+            <p:ph type="dt" sz="half" idx="10"/>
+          </p:nvPr>
+        </p:nvSpPr>
+        <p:spPr/>
+        <p:txBody>
+          <a:bodyPr/>
+          <a:lstStyle/>
+          <a:p>
+            <a:fld id="{876717B3-76BD-4CF3-B287-483EF058EC68}" type="datetimeFigureOut">
+              <a:rPr lang="en-ZA" smtClean="0"/>
+              <a:t>2015-10-18</a:t>
+            </a:fld>
+            <a:endParaRPr lang="en-ZA"/>
+          </a:p>
+        </p:txBody>
+      </p:sp>
+      <p:sp>
+        <p:nvSpPr>
+          <p:cNvPr id="6" name="Footer Placeholder 5"/>
+          <p:cNvSpPr>
+            <a:spLocks noGrp="1"/>
+          </p:cNvSpPr>
+          <p:nvPr>
+            <p:ph type="ftr" sz="quarter" idx="11"/>
+          </p:nvPr>
+        </p:nvSpPr>
+        <p:spPr/>
+        <p:txBody>
+          <a:bodyPr/>
+          <a:lstStyle/>
+          <a:p>
+            <a:endParaRPr lang="en-ZA"/>
+          </a:p>
+        </p:txBody>
+      </p:sp>
+      <p:sp>
+        <p:nvSpPr>
+          <p:cNvPr id="7" name="Slide Number Placeholder 6"/>
+          <p:cNvSpPr>
+            <a:spLocks noGrp="1"/>
+          </p:cNvSpPr>
+          <p:nvPr>
+            <p:ph type="sldNum" sz="quarter" idx="12"/>
+          </p:nvPr>
+        </p:nvSpPr>
+        <p:spPr/>
+        <p:txBody>
+          <a:bodyPr/>
+          <a:lstStyle/>
+          <a:p>
+            <a:fld id="{64BAED1C-B18E-4562-88A8-317BB7A85475}" type="slidenum">
+              <a:rPr lang="en-ZA" smtClean="0"/>
+              <a:t>‹#›</a:t>
+            </a:fld>
+            <a:endParaRPr lang="en-ZA"/>
+          </a:p>
+        </p:txBody>
+      </p:sp>
+    </p:spTree>
+    <p:extLst>
+      <p:ext uri="{BB962C8B-B14F-4D97-AF65-F5344CB8AC3E}">
+        <p14:creationId xmlns:p14="http://schemas.microsoft.com/office/powerpoint/2010/main" val="1726333492"/>
+      </p:ext>
+    </p:extLst>
+  </p:cSld>
+  <p:clrMapOvr>
+    <a:masterClrMapping/>
+  </p:clrMapOvr>
+</p:sldLayout>
+</file>
+
+<file path=ppt/slideLayouts/slideLayout14.xml><?xml version="1.0" encoding="utf-8"?>
+<p:sldLayout xmlns:a="http://schemas.openxmlformats.org/drawingml/2006/main" xmlns:r="http://schemas.openxmlformats.org/officeDocument/2006/relationships" xmlns:p="http://schemas.openxmlformats.org/presentationml/2006/main" preserve="1">
+  <p:cSld name="3 Column">
+    <p:spTree>
+      <p:nvGrpSpPr>
+        <p:cNvPr id="1" name=""/>
+        <p:cNvGrpSpPr/>
+        <p:nvPr/>
+      </p:nvGrpSpPr>
+      <p:grpSpPr>
+        <a:xfrm>
+          <a:off x="0" y="0"/>
+          <a:ext cx="0" cy="0"/>
+          <a:chOff x="0" y="0"/>
+          <a:chExt cx="0" cy="0"/>
+        </a:xfrm>
+      </p:grpSpPr>
+      <p:sp>
+        <p:nvSpPr>
+          <p:cNvPr id="15" name="Title 1"/>
+          <p:cNvSpPr>
+            <a:spLocks noGrp="1"/>
+          </p:cNvSpPr>
+          <p:nvPr>
+            <p:ph type="title"/>
+          </p:nvPr>
+        </p:nvSpPr>
+        <p:spPr>
+          <a:xfrm>
+            <a:off x="685802" y="685800"/>
+            <a:ext cx="10394706" cy="1151965"/>
+          </a:xfrm>
+        </p:spPr>
+        <p:txBody>
+          <a:bodyPr/>
+          <a:lstStyle>
+            <a:lvl1pPr algn="ctr">
+              <a:defRPr/>
+            </a:lvl1pPr>
+          </a:lstStyle>
+          <a:p>
+            <a:r>
+              <a:rPr lang="en-US" smtClean="0"/>
+              <a:t>Click to edit Master title style</a:t>
+            </a:r>
+            <a:endParaRPr lang="en-US" dirty="0"/>
+          </a:p>
+        </p:txBody>
+      </p:sp>
+      <p:sp>
+        <p:nvSpPr>
+          <p:cNvPr id="7" name="Text Placeholder 2"/>
+          <p:cNvSpPr>
+            <a:spLocks noGrp="1"/>
+          </p:cNvSpPr>
+          <p:nvPr>
+            <p:ph type="body" idx="1"/>
+          </p:nvPr>
+        </p:nvSpPr>
+        <p:spPr>
+          <a:xfrm>
+            <a:off x="685802" y="2063395"/>
+            <a:ext cx="3310128" cy="576262"/>
+          </a:xfrm>
+        </p:spPr>
+        <p:txBody>
+          <a:bodyPr anchor="b">
+            <a:noAutofit/>
+          </a:bodyPr>
+          <a:lstStyle>
+            <a:lvl1pPr marL="0" indent="0" algn="ctr">
+              <a:lnSpc>
+                <a:spcPct val="90000"/>
+              </a:lnSpc>
+              <a:buNone/>
+              <a:defRPr sz="2400" b="0">
+                <a:solidFill>
+                  <a:schemeClr val="accent1"/>
+                </a:solidFill>
+              </a:defRPr>
+            </a:lvl1pPr>
+            <a:lvl2pPr marL="457200" indent="0">
+              <a:buNone/>
+              <a:defRPr sz="2000" b="1"/>
+            </a:lvl2pPr>
+            <a:lvl3pPr marL="914400" indent="0">
+              <a:buNone/>
+              <a:defRPr sz="1800" b="1"/>
+            </a:lvl3pPr>
+            <a:lvl4pPr marL="1371600" indent="0">
+              <a:buNone/>
+              <a:defRPr sz="1600" b="1"/>
+            </a:lvl4pPr>
+            <a:lvl5pPr marL="1828800" indent="0">
+              <a:buNone/>
+              <a:defRPr sz="1600" b="1"/>
+            </a:lvl5pPr>
+            <a:lvl6pPr marL="2286000" indent="0">
+              <a:buNone/>
+              <a:defRPr sz="1600" b="1"/>
+            </a:lvl6pPr>
+            <a:lvl7pPr marL="2743200" indent="0">
+              <a:buNone/>
+              <a:defRPr sz="1600" b="1"/>
+            </a:lvl7pPr>
+            <a:lvl8pPr marL="3200400" indent="0">
+              <a:buNone/>
+              <a:defRPr sz="1600" b="1"/>
+            </a:lvl8pPr>
+            <a:lvl9pPr marL="3657600" indent="0">
+              <a:buNone/>
+              <a:defRPr sz="1600" b="1"/>
+            </a:lvl9pPr>
+          </a:lstStyle>
+          <a:p>
+            <a:pPr lvl="0"/>
+            <a:r>
+              <a:rPr lang="en-US" smtClean="0"/>
+              <a:t>Click to edit Master text styles</a:t>
+            </a:r>
+          </a:p>
+        </p:txBody>
+      </p:sp>
+      <p:sp>
+        <p:nvSpPr>
+          <p:cNvPr id="8" name="Text Placeholder 3"/>
+          <p:cNvSpPr>
+            <a:spLocks noGrp="1"/>
+          </p:cNvSpPr>
+          <p:nvPr>
+            <p:ph type="body" sz="half" idx="15"/>
+          </p:nvPr>
+        </p:nvSpPr>
+        <p:spPr>
+          <a:xfrm>
+            <a:off x="685802" y="2639658"/>
+            <a:ext cx="3310128" cy="2734928"/>
+          </a:xfrm>
+        </p:spPr>
+        <p:txBody>
+          <a:bodyPr anchor="t">
+            <a:normAutofit/>
+          </a:bodyPr>
+          <a:lstStyle>
+            <a:lvl1pPr marL="0" indent="0" algn="ctr">
+              <a:buNone/>
+              <a:defRPr sz="1400"/>
+            </a:lvl1pPr>
+            <a:lvl2pPr marL="457200" indent="0">
+              <a:buNone/>
+              <a:defRPr sz="1200"/>
+            </a:lvl2pPr>
+            <a:lvl3pPr marL="914400" indent="0">
+              <a:buNone/>
+              <a:defRPr sz="1000"/>
+            </a:lvl3pPr>
+            <a:lvl4pPr marL="1371600" indent="0">
+              <a:buNone/>
+              <a:defRPr sz="900"/>
+            </a:lvl4pPr>
+            <a:lvl5pPr marL="1828800" indent="0">
+              <a:buNone/>
+              <a:defRPr sz="900"/>
+            </a:lvl5pPr>
+            <a:lvl6pPr marL="2286000" indent="0">
+              <a:buNone/>
+              <a:defRPr sz="900"/>
+            </a:lvl6pPr>
+            <a:lvl7pPr marL="2743200" indent="0">
+              <a:buNone/>
+              <a:defRPr sz="900"/>
+            </a:lvl7pPr>
+            <a:lvl8pPr marL="3200400" indent="0">
+              <a:buNone/>
+              <a:defRPr sz="900"/>
+            </a:lvl8pPr>
+            <a:lvl9pPr marL="3657600" indent="0">
+              <a:buNone/>
+              <a:defRPr sz="900"/>
+            </a:lvl9pPr>
+          </a:lstStyle>
+          <a:p>
+            <a:pPr lvl="0"/>
+            <a:r>
+              <a:rPr lang="en-US" smtClean="0"/>
+              <a:t>Click to edit Master text styles</a:t>
+            </a:r>
+          </a:p>
+        </p:txBody>
+      </p:sp>
+      <p:sp>
+        <p:nvSpPr>
+          <p:cNvPr id="9" name="Text Placeholder 4"/>
+          <p:cNvSpPr>
+            <a:spLocks noGrp="1"/>
+          </p:cNvSpPr>
+          <p:nvPr>
+            <p:ph type="body" sz="quarter" idx="3"/>
+          </p:nvPr>
+        </p:nvSpPr>
+        <p:spPr>
+          <a:xfrm>
+            <a:off x="4234622" y="2063395"/>
+            <a:ext cx="3310128" cy="576262"/>
+          </a:xfrm>
+        </p:spPr>
+        <p:txBody>
+          <a:bodyPr anchor="b">
+            <a:noAutofit/>
+          </a:bodyPr>
+          <a:lstStyle>
+            <a:lvl1pPr marL="0" indent="0" algn="ctr">
+              <a:lnSpc>
+                <a:spcPct val="90000"/>
+              </a:lnSpc>
+              <a:buNone/>
+              <a:defRPr sz="2400" b="0">
+                <a:solidFill>
+                  <a:schemeClr val="accent1"/>
+                </a:solidFill>
+              </a:defRPr>
+            </a:lvl1pPr>
+            <a:lvl2pPr marL="457200" indent="0">
+              <a:buNone/>
+              <a:defRPr sz="2000" b="1"/>
+            </a:lvl2pPr>
+            <a:lvl3pPr marL="914400" indent="0">
+              <a:buNone/>
+              <a:defRPr sz="1800" b="1"/>
+            </a:lvl3pPr>
+            <a:lvl4pPr marL="1371600" indent="0">
+              <a:buNone/>
+              <a:defRPr sz="1600" b="1"/>
+            </a:lvl4pPr>
+            <a:lvl5pPr marL="1828800" indent="0">
+              <a:buNone/>
+              <a:defRPr sz="1600" b="1"/>
+            </a:lvl5pPr>
+            <a:lvl6pPr marL="2286000" indent="0">
+              <a:buNone/>
+              <a:defRPr sz="1600" b="1"/>
+            </a:lvl6pPr>
+            <a:lvl7pPr marL="2743200" indent="0">
+              <a:buNone/>
+              <a:defRPr sz="1600" b="1"/>
+            </a:lvl7pPr>
+            <a:lvl8pPr marL="3200400" indent="0">
+              <a:buNone/>
+              <a:defRPr sz="1600" b="1"/>
+            </a:lvl8pPr>
+            <a:lvl9pPr marL="3657600" indent="0">
+              <a:buNone/>
+              <a:defRPr sz="1600" b="1"/>
+            </a:lvl9pPr>
+          </a:lstStyle>
+          <a:p>
+            <a:pPr lvl="0"/>
+            <a:r>
+              <a:rPr lang="en-US" smtClean="0"/>
+              <a:t>Click to edit Master text styles</a:t>
+            </a:r>
+          </a:p>
+        </p:txBody>
+      </p:sp>
+      <p:sp>
+        <p:nvSpPr>
+          <p:cNvPr id="10" name="Text Placeholder 3"/>
+          <p:cNvSpPr>
+            <a:spLocks noGrp="1"/>
+          </p:cNvSpPr>
+          <p:nvPr>
+            <p:ph type="body" sz="half" idx="16"/>
+          </p:nvPr>
+        </p:nvSpPr>
+        <p:spPr>
+          <a:xfrm>
+            <a:off x="4234621" y="2639658"/>
+            <a:ext cx="3310128" cy="2734928"/>
+          </a:xfrm>
+        </p:spPr>
+        <p:txBody>
+          <a:bodyPr anchor="t">
+            <a:normAutofit/>
+          </a:bodyPr>
+          <a:lstStyle>
+            <a:lvl1pPr marL="0" indent="0" algn="ctr">
+              <a:buNone/>
+              <a:defRPr sz="1400"/>
+            </a:lvl1pPr>
+            <a:lvl2pPr marL="457200" indent="0">
+              <a:buNone/>
+              <a:defRPr sz="1200"/>
+            </a:lvl2pPr>
+            <a:lvl3pPr marL="914400" indent="0">
+              <a:buNone/>
+              <a:defRPr sz="1000"/>
+            </a:lvl3pPr>
+            <a:lvl4pPr marL="1371600" indent="0">
+              <a:buNone/>
+              <a:defRPr sz="900"/>
+            </a:lvl4pPr>
+            <a:lvl5pPr marL="1828800" indent="0">
+              <a:buNone/>
+              <a:defRPr sz="900"/>
+            </a:lvl5pPr>
+            <a:lvl6pPr marL="2286000" indent="0">
+              <a:buNone/>
+              <a:defRPr sz="900"/>
+            </a:lvl6pPr>
+            <a:lvl7pPr marL="2743200" indent="0">
+              <a:buNone/>
+              <a:defRPr sz="900"/>
+            </a:lvl7pPr>
+            <a:lvl8pPr marL="3200400" indent="0">
+              <a:buNone/>
+              <a:defRPr sz="900"/>
+            </a:lvl8pPr>
+            <a:lvl9pPr marL="3657600" indent="0">
+              <a:buNone/>
+              <a:defRPr sz="900"/>
+            </a:lvl9pPr>
+          </a:lstStyle>
+          <a:p>
+            <a:pPr lvl="0"/>
+            <a:r>
+              <a:rPr lang="en-US" smtClean="0"/>
+              <a:t>Click to edit Master text styles</a:t>
+            </a:r>
+          </a:p>
+        </p:txBody>
+      </p:sp>
+      <p:sp>
+        <p:nvSpPr>
+          <p:cNvPr id="11" name="Text Placeholder 4"/>
+          <p:cNvSpPr>
+            <a:spLocks noGrp="1"/>
+          </p:cNvSpPr>
+          <p:nvPr>
+            <p:ph type="body" sz="quarter" idx="13"/>
+          </p:nvPr>
+        </p:nvSpPr>
+        <p:spPr>
+          <a:xfrm>
+            <a:off x="7770380" y="2063395"/>
+            <a:ext cx="3310128" cy="576262"/>
+          </a:xfrm>
+        </p:spPr>
+        <p:txBody>
+          <a:bodyPr anchor="b">
+            <a:noAutofit/>
+          </a:bodyPr>
+          <a:lstStyle>
+            <a:lvl1pPr marL="0" indent="0" algn="ctr">
+              <a:lnSpc>
+                <a:spcPct val="90000"/>
+              </a:lnSpc>
+              <a:buNone/>
+              <a:defRPr sz="2400" b="0">
+                <a:solidFill>
+                  <a:schemeClr val="accent1"/>
+                </a:solidFill>
+              </a:defRPr>
+            </a:lvl1pPr>
+            <a:lvl2pPr marL="457200" indent="0">
+              <a:buNone/>
+              <a:defRPr sz="2000" b="1"/>
+            </a:lvl2pPr>
+            <a:lvl3pPr marL="914400" indent="0">
+              <a:buNone/>
+              <a:defRPr sz="1800" b="1"/>
+            </a:lvl3pPr>
+            <a:lvl4pPr marL="1371600" indent="0">
+              <a:buNone/>
+              <a:defRPr sz="1600" b="1"/>
+            </a:lvl4pPr>
+            <a:lvl5pPr marL="1828800" indent="0">
+              <a:buNone/>
+              <a:defRPr sz="1600" b="1"/>
+            </a:lvl5pPr>
+            <a:lvl6pPr marL="2286000" indent="0">
+              <a:buNone/>
+              <a:defRPr sz="1600" b="1"/>
+            </a:lvl6pPr>
+            <a:lvl7pPr marL="2743200" indent="0">
+              <a:buNone/>
+              <a:defRPr sz="1600" b="1"/>
+            </a:lvl7pPr>
+            <a:lvl8pPr marL="3200400" indent="0">
+              <a:buNone/>
+              <a:defRPr sz="1600" b="1"/>
+            </a:lvl8pPr>
+            <a:lvl9pPr marL="3657600" indent="0">
+              <a:buNone/>
+              <a:defRPr sz="1600" b="1"/>
+            </a:lvl9pPr>
+          </a:lstStyle>
+          <a:p>
+            <a:pPr lvl="0"/>
+            <a:r>
+              <a:rPr lang="en-US" smtClean="0"/>
+              <a:t>Click to edit Master text styles</a:t>
+            </a:r>
+          </a:p>
+        </p:txBody>
+      </p:sp>
+      <p:sp>
+        <p:nvSpPr>
+          <p:cNvPr id="12" name="Text Placeholder 3"/>
+          <p:cNvSpPr>
+            <a:spLocks noGrp="1"/>
+          </p:cNvSpPr>
+          <p:nvPr>
+            <p:ph type="body" sz="half" idx="17"/>
+          </p:nvPr>
+        </p:nvSpPr>
+        <p:spPr>
+          <a:xfrm>
+            <a:off x="7770380" y="2639658"/>
+            <a:ext cx="3310128" cy="2734928"/>
+          </a:xfrm>
+        </p:spPr>
+        <p:txBody>
+          <a:bodyPr anchor="t">
+            <a:normAutofit/>
+          </a:bodyPr>
+          <a:lstStyle>
+            <a:lvl1pPr marL="0" indent="0" algn="ctr">
+              <a:buNone/>
+              <a:defRPr sz="1400"/>
+            </a:lvl1pPr>
+            <a:lvl2pPr marL="457200" indent="0">
+              <a:buNone/>
+              <a:defRPr sz="1200"/>
+            </a:lvl2pPr>
+            <a:lvl3pPr marL="914400" indent="0">
+              <a:buNone/>
+              <a:defRPr sz="1000"/>
+            </a:lvl3pPr>
+            <a:lvl4pPr marL="1371600" indent="0">
+              <a:buNone/>
+              <a:defRPr sz="900"/>
+            </a:lvl4pPr>
+            <a:lvl5pPr marL="1828800" indent="0">
+              <a:buNone/>
+              <a:defRPr sz="900"/>
+            </a:lvl5pPr>
+            <a:lvl6pPr marL="2286000" indent="0">
+              <a:buNone/>
+              <a:defRPr sz="900"/>
+            </a:lvl6pPr>
+            <a:lvl7pPr marL="2743200" indent="0">
+              <a:buNone/>
+              <a:defRPr sz="900"/>
+            </a:lvl7pPr>
+            <a:lvl8pPr marL="3200400" indent="0">
+              <a:buNone/>
+              <a:defRPr sz="900"/>
+            </a:lvl8pPr>
+            <a:lvl9pPr marL="3657600" indent="0">
+              <a:buNone/>
+              <a:defRPr sz="900"/>
+            </a:lvl9pPr>
+          </a:lstStyle>
+          <a:p>
+            <a:pPr lvl="0"/>
+            <a:r>
+              <a:rPr lang="en-US" smtClean="0"/>
+              <a:t>Click to edit Master text styles</a:t>
+            </a:r>
+          </a:p>
+        </p:txBody>
+      </p:sp>
+      <p:sp>
+        <p:nvSpPr>
+          <p:cNvPr id="3" name="Date Placeholder 2"/>
+          <p:cNvSpPr>
+            <a:spLocks noGrp="1"/>
+          </p:cNvSpPr>
+          <p:nvPr>
+            <p:ph type="dt" sz="half" idx="10"/>
+          </p:nvPr>
+        </p:nvSpPr>
+        <p:spPr/>
+        <p:txBody>
+          <a:bodyPr/>
+          <a:lstStyle/>
+          <a:p>
+            <a:fld id="{876717B3-76BD-4CF3-B287-483EF058EC68}" type="datetimeFigureOut">
+              <a:rPr lang="en-ZA" smtClean="0"/>
+              <a:t>2015-10-18</a:t>
+            </a:fld>
+            <a:endParaRPr lang="en-ZA"/>
+          </a:p>
+        </p:txBody>
+      </p:sp>
+      <p:sp>
+        <p:nvSpPr>
+          <p:cNvPr id="4" name="Footer Placeholder 3"/>
+          <p:cNvSpPr>
+            <a:spLocks noGrp="1"/>
+          </p:cNvSpPr>
+          <p:nvPr>
+            <p:ph type="ftr" sz="quarter" idx="11"/>
+          </p:nvPr>
+        </p:nvSpPr>
+        <p:spPr/>
+        <p:txBody>
+          <a:bodyPr/>
+          <a:lstStyle/>
+          <a:p>
+            <a:endParaRPr lang="en-ZA"/>
+          </a:p>
+        </p:txBody>
+      </p:sp>
+      <p:sp>
+        <p:nvSpPr>
+          <p:cNvPr id="5" name="Slide Number Placeholder 4"/>
+          <p:cNvSpPr>
+            <a:spLocks noGrp="1"/>
+          </p:cNvSpPr>
+          <p:nvPr>
+            <p:ph type="sldNum" sz="quarter" idx="12"/>
+          </p:nvPr>
+        </p:nvSpPr>
+        <p:spPr/>
+        <p:txBody>
+          <a:bodyPr/>
+          <a:lstStyle/>
+          <a:p>
+            <a:fld id="{64BAED1C-B18E-4562-88A8-317BB7A85475}" type="slidenum">
+              <a:rPr lang="en-ZA" smtClean="0"/>
+              <a:t>‹#›</a:t>
+            </a:fld>
+            <a:endParaRPr lang="en-ZA"/>
+          </a:p>
+        </p:txBody>
+      </p:sp>
+    </p:spTree>
+    <p:extLst>
+      <p:ext uri="{BB962C8B-B14F-4D97-AF65-F5344CB8AC3E}">
+        <p14:creationId xmlns:p14="http://schemas.microsoft.com/office/powerpoint/2010/main" val="944122928"/>
+      </p:ext>
+    </p:extLst>
+  </p:cSld>
+  <p:clrMapOvr>
+    <a:masterClrMapping/>
+  </p:clrMapOvr>
+</p:sldLayout>
+</file>
+
+<file path=ppt/slideLayouts/slideLayout15.xml><?xml version="1.0" encoding="utf-8"?>
+<p:sldLayout xmlns:a="http://schemas.openxmlformats.org/drawingml/2006/main" xmlns:r="http://schemas.openxmlformats.org/officeDocument/2006/relationships" xmlns:p="http://schemas.openxmlformats.org/presentationml/2006/main" preserve="1">
+  <p:cSld name="3 Picture Column">
+    <p:spTree>
+      <p:nvGrpSpPr>
+        <p:cNvPr id="1" name=""/>
+        <p:cNvGrpSpPr/>
+        <p:nvPr/>
+      </p:nvGrpSpPr>
+      <p:grpSpPr>
+        <a:xfrm>
+          <a:off x="0" y="0"/>
+          <a:ext cx="0" cy="0"/>
+          <a:chOff x="0" y="0"/>
+          <a:chExt cx="0" cy="0"/>
+        </a:xfrm>
+      </p:grpSpPr>
+      <p:sp>
+        <p:nvSpPr>
+          <p:cNvPr id="30" name="Title 1"/>
+          <p:cNvSpPr>
+            <a:spLocks noGrp="1"/>
+          </p:cNvSpPr>
+          <p:nvPr>
+            <p:ph type="title"/>
+          </p:nvPr>
+        </p:nvSpPr>
+        <p:spPr>
+          <a:xfrm>
+            <a:off x="685801" y="685800"/>
+            <a:ext cx="10396882" cy="1151965"/>
+          </a:xfrm>
+        </p:spPr>
+        <p:txBody>
+          <a:bodyPr/>
+          <a:lstStyle>
+            <a:lvl1pPr algn="ctr">
+              <a:defRPr/>
+            </a:lvl1pPr>
+          </a:lstStyle>
+          <a:p>
+            <a:r>
+              <a:rPr lang="en-US" smtClean="0"/>
+              <a:t>Click to edit Master title style</a:t>
+            </a:r>
+            <a:endParaRPr lang="en-US" dirty="0"/>
+          </a:p>
+        </p:txBody>
+      </p:sp>
+      <p:sp>
+        <p:nvSpPr>
+          <p:cNvPr id="19" name="Text Placeholder 2"/>
+          <p:cNvSpPr>
+            <a:spLocks noGrp="1"/>
+          </p:cNvSpPr>
+          <p:nvPr>
+            <p:ph type="body" idx="1"/>
+          </p:nvPr>
+        </p:nvSpPr>
+        <p:spPr>
+          <a:xfrm>
+            <a:off x="691840" y="3813025"/>
+            <a:ext cx="3310128" cy="576262"/>
+          </a:xfrm>
+        </p:spPr>
+        <p:txBody>
+          <a:bodyPr anchor="b">
+            <a:noAutofit/>
+          </a:bodyPr>
+          <a:lstStyle>
+            <a:lvl1pPr marL="0" indent="0" algn="ctr">
+              <a:lnSpc>
+                <a:spcPct val="90000"/>
+              </a:lnSpc>
+              <a:buNone/>
+              <a:defRPr sz="2200" b="0">
+                <a:solidFill>
+                  <a:schemeClr val="accent1"/>
+                </a:solidFill>
+              </a:defRPr>
+            </a:lvl1pPr>
+            <a:lvl2pPr marL="457200" indent="0">
+              <a:buNone/>
+              <a:defRPr sz="2000" b="1"/>
+            </a:lvl2pPr>
+            <a:lvl3pPr marL="914400" indent="0">
+              <a:buNone/>
+              <a:defRPr sz="1800" b="1"/>
+            </a:lvl3pPr>
+            <a:lvl4pPr marL="1371600" indent="0">
+              <a:buNone/>
+              <a:defRPr sz="1600" b="1"/>
+            </a:lvl4pPr>
+            <a:lvl5pPr marL="1828800" indent="0">
+              <a:buNone/>
+              <a:defRPr sz="1600" b="1"/>
+            </a:lvl5pPr>
+            <a:lvl6pPr marL="2286000" indent="0">
+              <a:buNone/>
+              <a:defRPr sz="1600" b="1"/>
+            </a:lvl6pPr>
+            <a:lvl7pPr marL="2743200" indent="0">
+              <a:buNone/>
+              <a:defRPr sz="1600" b="1"/>
+            </a:lvl7pPr>
+            <a:lvl8pPr marL="3200400" indent="0">
+              <a:buNone/>
+              <a:defRPr sz="1600" b="1"/>
+            </a:lvl8pPr>
+            <a:lvl9pPr marL="3657600" indent="0">
+              <a:buNone/>
+              <a:defRPr sz="1600" b="1"/>
+            </a:lvl9pPr>
+          </a:lstStyle>
+          <a:p>
+            <a:pPr lvl="0"/>
+            <a:r>
+              <a:rPr lang="en-US" smtClean="0"/>
+              <a:t>Click to edit Master text styles</a:t>
+            </a:r>
+          </a:p>
+        </p:txBody>
+      </p:sp>
+      <p:sp>
+        <p:nvSpPr>
+          <p:cNvPr id="20" name="Picture Placeholder 2"/>
+          <p:cNvSpPr>
+            <a:spLocks noGrp="1" noChangeAspect="1"/>
+          </p:cNvSpPr>
+          <p:nvPr>
+            <p:ph type="pic" idx="15"/>
+          </p:nvPr>
+        </p:nvSpPr>
+        <p:spPr>
+          <a:xfrm>
+            <a:off x="685780" y="2063395"/>
+            <a:ext cx="3310128" cy="1536725"/>
+          </a:xfrm>
+          <a:prstGeom prst="roundRect">
+            <a:avLst>
+              <a:gd name="adj" fmla="val 0"/>
+            </a:avLst>
+          </a:prstGeom>
+          <a:ln w="57150" cmpd="thinThick">
+            <a:solidFill>
+              <a:schemeClr val="bg1">
+                <a:lumMod val="50000"/>
+              </a:schemeClr>
+            </a:solidFill>
+            <a:miter lim="800000"/>
+          </a:ln>
+        </p:spPr>
+        <p:txBody>
+          <a:bodyPr anchor="t">
+            <a:normAutofit/>
+          </a:bodyPr>
+          <a:lstStyle>
+            <a:lvl1pPr marL="0" indent="0" algn="ctr">
+              <a:buNone/>
+              <a:defRPr sz="1600"/>
+            </a:lvl1pPr>
+            <a:lvl2pPr marL="457200" indent="0">
+              <a:buNone/>
+              <a:defRPr sz="1600"/>
+            </a:lvl2pPr>
+            <a:lvl3pPr marL="914400" indent="0">
+              <a:buNone/>
+              <a:defRPr sz="1600"/>
+            </a:lvl3pPr>
+            <a:lvl4pPr marL="1371600" indent="0">
+              <a:buNone/>
+              <a:defRPr sz="1600"/>
+            </a:lvl4pPr>
+            <a:lvl5pPr marL="1828800" indent="0">
+              <a:buNone/>
+              <a:defRPr sz="1600"/>
+            </a:lvl5pPr>
+            <a:lvl6pPr marL="2286000" indent="0">
+              <a:buNone/>
+              <a:defRPr sz="1600"/>
+            </a:lvl6pPr>
+            <a:lvl7pPr marL="2743200" indent="0">
+              <a:buNone/>
+              <a:defRPr sz="1600"/>
+            </a:lvl7pPr>
+            <a:lvl8pPr marL="3200400" indent="0">
+              <a:buNone/>
+              <a:defRPr sz="1600"/>
+            </a:lvl8pPr>
+            <a:lvl9pPr marL="3657600" indent="0">
+              <a:buNone/>
+              <a:defRPr sz="1600"/>
+            </a:lvl9pPr>
+          </a:lstStyle>
+          <a:p>
+            <a:r>
+              <a:rPr lang="en-US" smtClean="0"/>
+              <a:t>Click icon to add picture</a:t>
+            </a:r>
+            <a:endParaRPr lang="en-US" dirty="0"/>
+          </a:p>
+        </p:txBody>
+      </p:sp>
+      <p:sp>
+        <p:nvSpPr>
+          <p:cNvPr id="21" name="Text Placeholder 3"/>
+          <p:cNvSpPr>
+            <a:spLocks noGrp="1"/>
+          </p:cNvSpPr>
+          <p:nvPr>
+            <p:ph type="body" sz="half" idx="18"/>
+          </p:nvPr>
+        </p:nvSpPr>
+        <p:spPr>
+          <a:xfrm>
+            <a:off x="691840" y="4389287"/>
+            <a:ext cx="3310128" cy="985299"/>
+          </a:xfrm>
+        </p:spPr>
+        <p:txBody>
+          <a:bodyPr anchor="t">
+            <a:normAutofit/>
+          </a:bodyPr>
+          <a:lstStyle>
+            <a:lvl1pPr marL="0" indent="0" algn="ctr">
+              <a:buNone/>
+              <a:defRPr sz="1400"/>
+            </a:lvl1pPr>
+            <a:lvl2pPr marL="457200" indent="0">
+              <a:buNone/>
+              <a:defRPr sz="1200"/>
+            </a:lvl2pPr>
+            <a:lvl3pPr marL="914400" indent="0">
+              <a:buNone/>
+              <a:defRPr sz="1000"/>
+            </a:lvl3pPr>
+            <a:lvl4pPr marL="1371600" indent="0">
+              <a:buNone/>
+              <a:defRPr sz="900"/>
+            </a:lvl4pPr>
+            <a:lvl5pPr marL="1828800" indent="0">
+              <a:buNone/>
+              <a:defRPr sz="900"/>
+            </a:lvl5pPr>
+            <a:lvl6pPr marL="2286000" indent="0">
+              <a:buNone/>
+              <a:defRPr sz="900"/>
+            </a:lvl6pPr>
+            <a:lvl7pPr marL="2743200" indent="0">
+              <a:buNone/>
+              <a:defRPr sz="900"/>
+            </a:lvl7pPr>
+            <a:lvl8pPr marL="3200400" indent="0">
+              <a:buNone/>
+              <a:defRPr sz="900"/>
+            </a:lvl8pPr>
+            <a:lvl9pPr marL="3657600" indent="0">
+              <a:buNone/>
+              <a:defRPr sz="900"/>
+            </a:lvl9pPr>
+          </a:lstStyle>
+          <a:p>
+            <a:pPr lvl="0"/>
+            <a:r>
+              <a:rPr lang="en-US" smtClean="0"/>
+              <a:t>Click to edit Master text styles</a:t>
+            </a:r>
+          </a:p>
+        </p:txBody>
+      </p:sp>
+      <p:sp>
+        <p:nvSpPr>
+          <p:cNvPr id="22" name="Text Placeholder 4"/>
+          <p:cNvSpPr>
+            <a:spLocks noGrp="1"/>
+          </p:cNvSpPr>
+          <p:nvPr>
+            <p:ph type="body" sz="quarter" idx="3"/>
+          </p:nvPr>
+        </p:nvSpPr>
+        <p:spPr>
+          <a:xfrm>
+            <a:off x="4237410" y="3813025"/>
+            <a:ext cx="3310128" cy="576262"/>
+          </a:xfrm>
+        </p:spPr>
+        <p:txBody>
+          <a:bodyPr anchor="b">
+            <a:noAutofit/>
+          </a:bodyPr>
+          <a:lstStyle>
+            <a:lvl1pPr marL="0" indent="0" algn="ctr">
+              <a:lnSpc>
+                <a:spcPct val="90000"/>
+              </a:lnSpc>
+              <a:buNone/>
+              <a:defRPr sz="2200" b="0">
+                <a:solidFill>
+                  <a:schemeClr val="accent1"/>
+                </a:solidFill>
+              </a:defRPr>
+            </a:lvl1pPr>
+            <a:lvl2pPr marL="457200" indent="0">
+              <a:buNone/>
+              <a:defRPr sz="2000" b="1"/>
+            </a:lvl2pPr>
+            <a:lvl3pPr marL="914400" indent="0">
+              <a:buNone/>
+              <a:defRPr sz="1800" b="1"/>
+            </a:lvl3pPr>
+            <a:lvl4pPr marL="1371600" indent="0">
+              <a:buNone/>
+              <a:defRPr sz="1600" b="1"/>
+            </a:lvl4pPr>
+            <a:lvl5pPr marL="1828800" indent="0">
+              <a:buNone/>
+              <a:defRPr sz="1600" b="1"/>
+            </a:lvl5pPr>
+            <a:lvl6pPr marL="2286000" indent="0">
+              <a:buNone/>
+              <a:defRPr sz="1600" b="1"/>
+            </a:lvl6pPr>
+            <a:lvl7pPr marL="2743200" indent="0">
+              <a:buNone/>
+              <a:defRPr sz="1600" b="1"/>
+            </a:lvl7pPr>
+            <a:lvl8pPr marL="3200400" indent="0">
+              <a:buNone/>
+              <a:defRPr sz="1600" b="1"/>
+            </a:lvl8pPr>
+            <a:lvl9pPr marL="3657600" indent="0">
+              <a:buNone/>
+              <a:defRPr sz="1600" b="1"/>
+            </a:lvl9pPr>
+          </a:lstStyle>
+          <a:p>
+            <a:pPr lvl="0"/>
+            <a:r>
+              <a:rPr lang="en-US" smtClean="0"/>
+              <a:t>Click to edit Master text styles</a:t>
+            </a:r>
+          </a:p>
+        </p:txBody>
+      </p:sp>
+      <p:sp>
+        <p:nvSpPr>
+          <p:cNvPr id="23" name="Picture Placeholder 2"/>
+          <p:cNvSpPr>
+            <a:spLocks noGrp="1" noChangeAspect="1"/>
+          </p:cNvSpPr>
+          <p:nvPr>
+            <p:ph type="pic" idx="21"/>
+          </p:nvPr>
+        </p:nvSpPr>
+        <p:spPr>
+          <a:xfrm>
+            <a:off x="4235999" y="2063395"/>
+            <a:ext cx="3310128" cy="1535237"/>
+          </a:xfrm>
+          <a:prstGeom prst="roundRect">
+            <a:avLst>
+              <a:gd name="adj" fmla="val 0"/>
+            </a:avLst>
+          </a:prstGeom>
+          <a:ln w="57150" cmpd="thinThick">
+            <a:solidFill>
+              <a:schemeClr val="bg1">
+                <a:lumMod val="50000"/>
+              </a:schemeClr>
+            </a:solidFill>
+            <a:miter lim="800000"/>
+          </a:ln>
+        </p:spPr>
+        <p:txBody>
+          <a:bodyPr anchor="t">
+            <a:normAutofit/>
+          </a:bodyPr>
+          <a:lstStyle>
+            <a:lvl1pPr marL="0" indent="0" algn="ctr">
+              <a:buNone/>
+              <a:defRPr sz="1600"/>
+            </a:lvl1pPr>
+            <a:lvl2pPr marL="457200" indent="0">
+              <a:buNone/>
+              <a:defRPr sz="1600"/>
+            </a:lvl2pPr>
+            <a:lvl3pPr marL="914400" indent="0">
+              <a:buNone/>
+              <a:defRPr sz="1600"/>
+            </a:lvl3pPr>
+            <a:lvl4pPr marL="1371600" indent="0">
+              <a:buNone/>
+              <a:defRPr sz="1600"/>
+            </a:lvl4pPr>
+            <a:lvl5pPr marL="1828800" indent="0">
+              <a:buNone/>
+              <a:defRPr sz="1600"/>
+            </a:lvl5pPr>
+            <a:lvl6pPr marL="2286000" indent="0">
+              <a:buNone/>
+              <a:defRPr sz="1600"/>
+            </a:lvl6pPr>
+            <a:lvl7pPr marL="2743200" indent="0">
+              <a:buNone/>
+              <a:defRPr sz="1600"/>
+            </a:lvl7pPr>
+            <a:lvl8pPr marL="3200400" indent="0">
+              <a:buNone/>
+              <a:defRPr sz="1600"/>
+            </a:lvl8pPr>
+            <a:lvl9pPr marL="3657600" indent="0">
+              <a:buNone/>
+              <a:defRPr sz="1600"/>
+            </a:lvl9pPr>
+          </a:lstStyle>
+          <a:p>
+            <a:r>
+              <a:rPr lang="en-US" smtClean="0"/>
+              <a:t>Click icon to add picture</a:t>
+            </a:r>
+            <a:endParaRPr lang="en-US" dirty="0"/>
+          </a:p>
+        </p:txBody>
+      </p:sp>
+      <p:sp>
+        <p:nvSpPr>
+          <p:cNvPr id="24" name="Text Placeholder 3"/>
+          <p:cNvSpPr>
+            <a:spLocks noGrp="1"/>
+          </p:cNvSpPr>
+          <p:nvPr>
+            <p:ph type="body" sz="half" idx="19"/>
+          </p:nvPr>
+        </p:nvSpPr>
+        <p:spPr>
+          <a:xfrm>
+            <a:off x="4235999" y="4389286"/>
+            <a:ext cx="3310128" cy="985300"/>
+          </a:xfrm>
+        </p:spPr>
+        <p:txBody>
+          <a:bodyPr anchor="t">
+            <a:normAutofit/>
+          </a:bodyPr>
+          <a:lstStyle>
+            <a:lvl1pPr marL="0" indent="0" algn="ctr">
+              <a:buNone/>
+              <a:defRPr sz="1400"/>
+            </a:lvl1pPr>
+            <a:lvl2pPr marL="457200" indent="0">
+              <a:buNone/>
+              <a:defRPr sz="1200"/>
+            </a:lvl2pPr>
+            <a:lvl3pPr marL="914400" indent="0">
+              <a:buNone/>
+              <a:defRPr sz="1000"/>
+            </a:lvl3pPr>
+            <a:lvl4pPr marL="1371600" indent="0">
+              <a:buNone/>
+              <a:defRPr sz="900"/>
+            </a:lvl4pPr>
+            <a:lvl5pPr marL="1828800" indent="0">
+              <a:buNone/>
+              <a:defRPr sz="900"/>
+            </a:lvl5pPr>
+            <a:lvl6pPr marL="2286000" indent="0">
+              <a:buNone/>
+              <a:defRPr sz="900"/>
+            </a:lvl6pPr>
+            <a:lvl7pPr marL="2743200" indent="0">
+              <a:buNone/>
+              <a:defRPr sz="900"/>
+            </a:lvl7pPr>
+            <a:lvl8pPr marL="3200400" indent="0">
+              <a:buNone/>
+              <a:defRPr sz="900"/>
+            </a:lvl8pPr>
+            <a:lvl9pPr marL="3657600" indent="0">
+              <a:buNone/>
+              <a:defRPr sz="900"/>
+            </a:lvl9pPr>
+          </a:lstStyle>
+          <a:p>
+            <a:pPr lvl="0"/>
+            <a:r>
+              <a:rPr lang="en-US" smtClean="0"/>
+              <a:t>Click to edit Master text styles</a:t>
+            </a:r>
+          </a:p>
+        </p:txBody>
+      </p:sp>
+      <p:sp>
+        <p:nvSpPr>
+          <p:cNvPr id="25" name="Text Placeholder 4"/>
+          <p:cNvSpPr>
+            <a:spLocks noGrp="1"/>
+          </p:cNvSpPr>
+          <p:nvPr>
+            <p:ph type="body" sz="quarter" idx="13"/>
+          </p:nvPr>
+        </p:nvSpPr>
+        <p:spPr>
+          <a:xfrm>
+            <a:off x="7768944" y="3813025"/>
+            <a:ext cx="3310128" cy="576262"/>
+          </a:xfrm>
+        </p:spPr>
+        <p:txBody>
+          <a:bodyPr anchor="b">
+            <a:noAutofit/>
+          </a:bodyPr>
+          <a:lstStyle>
+            <a:lvl1pPr marL="0" indent="0" algn="ctr">
+              <a:lnSpc>
+                <a:spcPct val="90000"/>
+              </a:lnSpc>
+              <a:buNone/>
+              <a:defRPr sz="2200" b="0">
+                <a:solidFill>
+                  <a:schemeClr val="accent1"/>
+                </a:solidFill>
+              </a:defRPr>
+            </a:lvl1pPr>
+            <a:lvl2pPr marL="457200" indent="0">
+              <a:buNone/>
+              <a:defRPr sz="2000" b="1"/>
+            </a:lvl2pPr>
+            <a:lvl3pPr marL="914400" indent="0">
+              <a:buNone/>
+              <a:defRPr sz="1800" b="1"/>
+            </a:lvl3pPr>
+            <a:lvl4pPr marL="1371600" indent="0">
+              <a:buNone/>
+              <a:defRPr sz="1600" b="1"/>
+            </a:lvl4pPr>
+            <a:lvl5pPr marL="1828800" indent="0">
+              <a:buNone/>
+              <a:defRPr sz="1600" b="1"/>
+            </a:lvl5pPr>
+            <a:lvl6pPr marL="2286000" indent="0">
+              <a:buNone/>
+              <a:defRPr sz="1600" b="1"/>
+            </a:lvl6pPr>
+            <a:lvl7pPr marL="2743200" indent="0">
+              <a:buNone/>
+              <a:defRPr sz="1600" b="1"/>
+            </a:lvl7pPr>
+            <a:lvl8pPr marL="3200400" indent="0">
+              <a:buNone/>
+              <a:defRPr sz="1600" b="1"/>
+            </a:lvl8pPr>
+            <a:lvl9pPr marL="3657600" indent="0">
+              <a:buNone/>
+              <a:defRPr sz="1600" b="1"/>
+            </a:lvl9pPr>
+          </a:lstStyle>
+          <a:p>
+            <a:pPr lvl="0"/>
+            <a:r>
+              <a:rPr lang="en-US" smtClean="0"/>
+              <a:t>Click to edit Master text styles</a:t>
+            </a:r>
+          </a:p>
+        </p:txBody>
+      </p:sp>
+      <p:sp>
+        <p:nvSpPr>
+          <p:cNvPr id="26" name="Picture Placeholder 2"/>
+          <p:cNvSpPr>
+            <a:spLocks noGrp="1" noChangeAspect="1"/>
+          </p:cNvSpPr>
+          <p:nvPr>
+            <p:ph type="pic" idx="22"/>
+          </p:nvPr>
+        </p:nvSpPr>
+        <p:spPr>
+          <a:xfrm>
+            <a:off x="7768819" y="2063394"/>
+            <a:ext cx="3310128" cy="1537196"/>
+          </a:xfrm>
+          <a:prstGeom prst="roundRect">
+            <a:avLst>
+              <a:gd name="adj" fmla="val 0"/>
+            </a:avLst>
+          </a:prstGeom>
+          <a:ln w="57150" cmpd="thinThick">
+            <a:solidFill>
+              <a:schemeClr val="bg1">
+                <a:lumMod val="50000"/>
+              </a:schemeClr>
+            </a:solidFill>
+            <a:miter lim="800000"/>
+          </a:ln>
+        </p:spPr>
+        <p:txBody>
+          <a:bodyPr anchor="t">
+            <a:normAutofit/>
+          </a:bodyPr>
+          <a:lstStyle>
+            <a:lvl1pPr marL="0" indent="0" algn="ctr">
+              <a:buNone/>
+              <a:defRPr sz="1600"/>
+            </a:lvl1pPr>
+            <a:lvl2pPr marL="457200" indent="0">
+              <a:buNone/>
+              <a:defRPr sz="1600"/>
+            </a:lvl2pPr>
+            <a:lvl3pPr marL="914400" indent="0">
+              <a:buNone/>
+              <a:defRPr sz="1600"/>
+            </a:lvl3pPr>
+            <a:lvl4pPr marL="1371600" indent="0">
+              <a:buNone/>
+              <a:defRPr sz="1600"/>
+            </a:lvl4pPr>
+            <a:lvl5pPr marL="1828800" indent="0">
+              <a:buNone/>
+              <a:defRPr sz="1600"/>
+            </a:lvl5pPr>
+            <a:lvl6pPr marL="2286000" indent="0">
+              <a:buNone/>
+              <a:defRPr sz="1600"/>
+            </a:lvl6pPr>
+            <a:lvl7pPr marL="2743200" indent="0">
+              <a:buNone/>
+              <a:defRPr sz="1600"/>
+            </a:lvl7pPr>
+            <a:lvl8pPr marL="3200400" indent="0">
+              <a:buNone/>
+              <a:defRPr sz="1600"/>
+            </a:lvl8pPr>
+            <a:lvl9pPr marL="3657600" indent="0">
+              <a:buNone/>
+              <a:defRPr sz="1600"/>
+            </a:lvl9pPr>
+          </a:lstStyle>
+          <a:p>
+            <a:r>
+              <a:rPr lang="en-US" smtClean="0"/>
+              <a:t>Click icon to add picture</a:t>
+            </a:r>
+            <a:endParaRPr lang="en-US" dirty="0"/>
+          </a:p>
+        </p:txBody>
+      </p:sp>
+      <p:sp>
+        <p:nvSpPr>
+          <p:cNvPr id="27" name="Text Placeholder 3"/>
+          <p:cNvSpPr>
+            <a:spLocks noGrp="1"/>
+          </p:cNvSpPr>
+          <p:nvPr>
+            <p:ph type="body" sz="half" idx="20"/>
+          </p:nvPr>
+        </p:nvSpPr>
+        <p:spPr>
+          <a:xfrm>
+            <a:off x="7768819" y="4389284"/>
+            <a:ext cx="3310128" cy="985302"/>
+          </a:xfrm>
+        </p:spPr>
+        <p:txBody>
+          <a:bodyPr anchor="t">
+            <a:normAutofit/>
+          </a:bodyPr>
+          <a:lstStyle>
+            <a:lvl1pPr marL="0" indent="0" algn="ctr">
+              <a:buNone/>
+              <a:defRPr sz="1400"/>
+            </a:lvl1pPr>
+            <a:lvl2pPr marL="457200" indent="0">
+              <a:buNone/>
+              <a:defRPr sz="1200"/>
+            </a:lvl2pPr>
+            <a:lvl3pPr marL="914400" indent="0">
+              <a:buNone/>
+              <a:defRPr sz="1000"/>
+            </a:lvl3pPr>
+            <a:lvl4pPr marL="1371600" indent="0">
+              <a:buNone/>
+              <a:defRPr sz="900"/>
+            </a:lvl4pPr>
+            <a:lvl5pPr marL="1828800" indent="0">
+              <a:buNone/>
+              <a:defRPr sz="900"/>
+            </a:lvl5pPr>
+            <a:lvl6pPr marL="2286000" indent="0">
+              <a:buNone/>
+              <a:defRPr sz="900"/>
+            </a:lvl6pPr>
+            <a:lvl7pPr marL="2743200" indent="0">
+              <a:buNone/>
+              <a:defRPr sz="900"/>
+            </a:lvl7pPr>
+            <a:lvl8pPr marL="3200400" indent="0">
+              <a:buNone/>
+              <a:defRPr sz="900"/>
+            </a:lvl8pPr>
+            <a:lvl9pPr marL="3657600" indent="0">
+              <a:buNone/>
+              <a:defRPr sz="900"/>
+            </a:lvl9pPr>
+          </a:lstStyle>
+          <a:p>
+            <a:pPr lvl="0"/>
+            <a:r>
+              <a:rPr lang="en-US" smtClean="0"/>
+              <a:t>Click to edit Master text styles</a:t>
+            </a:r>
+          </a:p>
+        </p:txBody>
+      </p:sp>
+      <p:sp>
+        <p:nvSpPr>
+          <p:cNvPr id="3" name="Date Placeholder 2"/>
+          <p:cNvSpPr>
+            <a:spLocks noGrp="1"/>
+          </p:cNvSpPr>
+          <p:nvPr>
+            <p:ph type="dt" sz="half" idx="10"/>
+          </p:nvPr>
+        </p:nvSpPr>
+        <p:spPr/>
+        <p:txBody>
+          <a:bodyPr/>
+          <a:lstStyle/>
+          <a:p>
+            <a:fld id="{876717B3-76BD-4CF3-B287-483EF058EC68}" type="datetimeFigureOut">
+              <a:rPr lang="en-ZA" smtClean="0"/>
+              <a:t>2015-10-18</a:t>
+            </a:fld>
+            <a:endParaRPr lang="en-ZA"/>
+          </a:p>
+        </p:txBody>
+      </p:sp>
+      <p:sp>
+        <p:nvSpPr>
+          <p:cNvPr id="4" name="Footer Placeholder 3"/>
+          <p:cNvSpPr>
+            <a:spLocks noGrp="1"/>
+          </p:cNvSpPr>
+          <p:nvPr>
+            <p:ph type="ftr" sz="quarter" idx="11"/>
+          </p:nvPr>
+        </p:nvSpPr>
+        <p:spPr/>
+        <p:txBody>
+          <a:bodyPr/>
+          <a:lstStyle/>
+          <a:p>
+            <a:endParaRPr lang="en-ZA"/>
+          </a:p>
+        </p:txBody>
+      </p:sp>
+      <p:sp>
+        <p:nvSpPr>
+          <p:cNvPr id="5" name="Slide Number Placeholder 4"/>
+          <p:cNvSpPr>
+            <a:spLocks noGrp="1"/>
+          </p:cNvSpPr>
+          <p:nvPr>
+            <p:ph type="sldNum" sz="quarter" idx="12"/>
+          </p:nvPr>
+        </p:nvSpPr>
+        <p:spPr/>
+        <p:txBody>
+          <a:bodyPr/>
+          <a:lstStyle/>
+          <a:p>
+            <a:fld id="{64BAED1C-B18E-4562-88A8-317BB7A85475}" type="slidenum">
+              <a:rPr lang="en-ZA" smtClean="0"/>
+              <a:t>‹#›</a:t>
+            </a:fld>
+            <a:endParaRPr lang="en-ZA"/>
+          </a:p>
+        </p:txBody>
+      </p:sp>
+    </p:spTree>
+    <p:extLst>
+      <p:ext uri="{BB962C8B-B14F-4D97-AF65-F5344CB8AC3E}">
+        <p14:creationId xmlns:p14="http://schemas.microsoft.com/office/powerpoint/2010/main" val="3760798653"/>
+      </p:ext>
+    </p:extLst>
+  </p:cSld>
+  <p:clrMapOvr>
+    <a:masterClrMapping/>
+  </p:clrMapOvr>
+</p:sldLayout>
+</file>
+
+<file path=ppt/slideLayouts/slideLayout16.xml><?xml version="1.0" encoding="utf-8"?>
 <p:sldLayout xmlns:a="http://schemas.openxmlformats.org/drawingml/2006/main" xmlns:r="http://schemas.openxmlformats.org/officeDocument/2006/relationships" xmlns:p="http://schemas.openxmlformats.org/presentationml/2006/main" type="vertTx" preserve="1">
   <p:cSld name="Title and Vertical Text">
     <p:spTree>
@@ -4190,29 +7141,38 @@
         <p:spPr/>
         <p:txBody>
           <a:bodyPr/>
-          <a:lstStyle/>
+          <a:lstStyle>
+            <a:lvl1pPr algn="r">
+              <a:defRPr/>
+            </a:lvl1pPr>
+          </a:lstStyle>
           <a:p>
             <a:r>
               <a:rPr lang="en-US" smtClean="0"/>
               <a:t>Click to edit Master title style</a:t>
             </a:r>
-            <a:endParaRPr lang="en-ZA"/>
+            <a:endParaRPr lang="en-US" dirty="0"/>
           </a:p>
         </p:txBody>
       </p:sp>
       <p:sp>
         <p:nvSpPr>
-          <p:cNvPr id="3" name="Vertical Text Placeholder 2"/>
+          <p:cNvPr id="11" name="Vertical Text Placeholder 2"/>
           <p:cNvSpPr>
             <a:spLocks noGrp="1"/>
           </p:cNvSpPr>
           <p:nvPr>
-            <p:ph type="body" orient="vert" idx="1"/>
+            <p:ph type="body" orient="vert" sz="quarter" idx="13"/>
           </p:nvPr>
         </p:nvSpPr>
-        <p:spPr/>
+        <p:spPr>
+          <a:xfrm>
+            <a:off x="685800" y="2063396"/>
+            <a:ext cx="10394707" cy="3311190"/>
+          </a:xfrm>
+        </p:spPr>
         <p:txBody>
-          <a:bodyPr vert="eaVert"/>
+          <a:bodyPr vert="eaVert" anchor="t"/>
           <a:lstStyle/>
           <a:p>
             <a:pPr lvl="0"/>
@@ -4248,7 +7208,7 @@
               <a:rPr lang="en-US" smtClean="0"/>
               <a:t>Fifth level</a:t>
             </a:r>
-            <a:endParaRPr lang="en-ZA"/>
+            <a:endParaRPr lang="en-US" dirty="0"/>
           </a:p>
         </p:txBody>
       </p:sp>
@@ -4269,7 +7229,7 @@
           <a:p>
             <a:fld id="{876717B3-76BD-4CF3-B287-483EF058EC68}" type="datetimeFigureOut">
               <a:rPr lang="en-ZA" smtClean="0"/>
-              <a:t>2015-10-17</a:t>
+              <a:t>2015-10-18</a:t>
             </a:fld>
             <a:endParaRPr lang="en-ZA"/>
           </a:p>
@@ -4320,7 +7280,7 @@
     </p:spTree>
     <p:extLst>
       <p:ext uri="{BB962C8B-B14F-4D97-AF65-F5344CB8AC3E}">
-        <p14:creationId xmlns:p14="http://schemas.microsoft.com/office/powerpoint/2010/main" val="2688139142"/>
+        <p14:creationId xmlns:p14="http://schemas.microsoft.com/office/powerpoint/2010/main" val="1599388041"/>
       </p:ext>
     </p:extLst>
   </p:cSld>
@@ -4330,7 +7290,7 @@
 </p:sldLayout>
 </file>
 
-<file path=ppt/slideLayouts/slideLayout11.xml><?xml version="1.0" encoding="utf-8"?>
+<file path=ppt/slideLayouts/slideLayout17.xml><?xml version="1.0" encoding="utf-8"?>
 <p:sldLayout xmlns:a="http://schemas.openxmlformats.org/drawingml/2006/main" xmlns:r="http://schemas.openxmlformats.org/officeDocument/2006/relationships" xmlns:p="http://schemas.openxmlformats.org/presentationml/2006/main" type="vertTitleAndTx" preserve="1">
   <p:cSld name="Vertical Title and Text">
     <p:spTree>
@@ -4359,40 +7319,44 @@
         </p:nvSpPr>
         <p:spPr>
           <a:xfrm>
-            <a:off x="8724900" y="365125"/>
-            <a:ext cx="2628900" cy="5811838"/>
+            <a:off x="8815862" y="685800"/>
+            <a:ext cx="2264646" cy="4688785"/>
           </a:xfrm>
         </p:spPr>
         <p:txBody>
           <a:bodyPr vert="eaVert"/>
-          <a:lstStyle/>
+          <a:lstStyle>
+            <a:lvl1pPr algn="l">
+              <a:defRPr/>
+            </a:lvl1pPr>
+          </a:lstStyle>
           <a:p>
             <a:r>
               <a:rPr lang="en-US" smtClean="0"/>
               <a:t>Click to edit Master title style</a:t>
             </a:r>
-            <a:endParaRPr lang="en-ZA"/>
+            <a:endParaRPr lang="en-US" dirty="0"/>
           </a:p>
         </p:txBody>
       </p:sp>
       <p:sp>
         <p:nvSpPr>
-          <p:cNvPr id="3" name="Vertical Text Placeholder 2"/>
+          <p:cNvPr id="8" name="Vertical Text Placeholder 2"/>
           <p:cNvSpPr>
             <a:spLocks noGrp="1"/>
           </p:cNvSpPr>
           <p:nvPr>
-            <p:ph type="body" orient="vert" idx="1"/>
+            <p:ph type="body" orient="vert" sz="quarter" idx="13"/>
           </p:nvPr>
         </p:nvSpPr>
         <p:spPr>
           <a:xfrm>
-            <a:off x="838200" y="365125"/>
-            <a:ext cx="7734300" cy="5811838"/>
+            <a:off x="685800" y="685800"/>
+            <a:ext cx="7904431" cy="4688785"/>
           </a:xfrm>
         </p:spPr>
         <p:txBody>
-          <a:bodyPr vert="eaVert"/>
+          <a:bodyPr vert="eaVert" anchor="t"/>
           <a:lstStyle/>
           <a:p>
             <a:pPr lvl="0"/>
@@ -4428,7 +7392,7 @@
               <a:rPr lang="en-US" smtClean="0"/>
               <a:t>Fifth level</a:t>
             </a:r>
-            <a:endParaRPr lang="en-ZA"/>
+            <a:endParaRPr lang="en-US" dirty="0"/>
           </a:p>
         </p:txBody>
       </p:sp>
@@ -4449,7 +7413,7 @@
           <a:p>
             <a:fld id="{876717B3-76BD-4CF3-B287-483EF058EC68}" type="datetimeFigureOut">
               <a:rPr lang="en-ZA" smtClean="0"/>
-              <a:t>2015-10-17</a:t>
+              <a:t>2015-10-18</a:t>
             </a:fld>
             <a:endParaRPr lang="en-ZA"/>
           </a:p>
@@ -4500,7 +7464,7 @@
     </p:spTree>
     <p:extLst>
       <p:ext uri="{BB962C8B-B14F-4D97-AF65-F5344CB8AC3E}">
-        <p14:creationId xmlns:p14="http://schemas.microsoft.com/office/powerpoint/2010/main" val="1676495973"/>
+        <p14:creationId xmlns:p14="http://schemas.microsoft.com/office/powerpoint/2010/main" val="390461675"/>
       </p:ext>
     </p:extLst>
   </p:cSld>
@@ -4546,21 +7510,26 @@
               <a:rPr lang="en-US" smtClean="0"/>
               <a:t>Click to edit Master title style</a:t>
             </a:r>
-            <a:endParaRPr lang="en-ZA"/>
+            <a:endParaRPr lang="en-US" dirty="0"/>
           </a:p>
         </p:txBody>
       </p:sp>
       <p:sp>
         <p:nvSpPr>
-          <p:cNvPr id="3" name="Content Placeholder 2"/>
+          <p:cNvPr id="12" name="Content Placeholder 2"/>
           <p:cNvSpPr>
             <a:spLocks noGrp="1"/>
           </p:cNvSpPr>
           <p:nvPr>
-            <p:ph idx="1"/>
+            <p:ph sz="quarter" idx="13"/>
           </p:nvPr>
         </p:nvSpPr>
-        <p:spPr/>
+        <p:spPr>
+          <a:xfrm>
+            <a:off x="685800" y="2063396"/>
+            <a:ext cx="10394707" cy="3311189"/>
+          </a:xfrm>
+        </p:spPr>
         <p:txBody>
           <a:bodyPr/>
           <a:lstStyle/>
@@ -4598,7 +7567,7 @@
               <a:rPr lang="en-US" smtClean="0"/>
               <a:t>Fifth level</a:t>
             </a:r>
-            <a:endParaRPr lang="en-ZA"/>
+            <a:endParaRPr lang="en-US" dirty="0"/>
           </a:p>
         </p:txBody>
       </p:sp>
@@ -4619,7 +7588,7 @@
           <a:p>
             <a:fld id="{876717B3-76BD-4CF3-B287-483EF058EC68}" type="datetimeFigureOut">
               <a:rPr lang="en-ZA" smtClean="0"/>
-              <a:t>2015-10-17</a:t>
+              <a:t>2015-10-18</a:t>
             </a:fld>
             <a:endParaRPr lang="en-ZA"/>
           </a:p>
@@ -4670,7 +7639,7 @@
     </p:spTree>
     <p:extLst>
       <p:ext uri="{BB962C8B-B14F-4D97-AF65-F5344CB8AC3E}">
-        <p14:creationId xmlns:p14="http://schemas.microsoft.com/office/powerpoint/2010/main" val="3223244512"/>
+        <p14:creationId xmlns:p14="http://schemas.microsoft.com/office/powerpoint/2010/main" val="3605658183"/>
       </p:ext>
     </p:extLst>
   </p:cSld>
@@ -4709,15 +7678,17 @@
         </p:nvSpPr>
         <p:spPr>
           <a:xfrm>
-            <a:off x="831850" y="1709738"/>
-            <a:ext cx="10515600" cy="2852737"/>
+            <a:off x="685801" y="685800"/>
+            <a:ext cx="10394707" cy="3193487"/>
           </a:xfrm>
         </p:spPr>
         <p:txBody>
-          <a:bodyPr anchor="b"/>
+          <a:bodyPr anchor="b">
+            <a:normAutofit/>
+          </a:bodyPr>
           <a:lstStyle>
-            <a:lvl1pPr>
-              <a:defRPr sz="6000"/>
+            <a:lvl1pPr algn="l">
+              <a:defRPr sz="5400"/>
             </a:lvl1pPr>
           </a:lstStyle>
           <a:p>
@@ -4725,7 +7696,7 @@
               <a:rPr lang="en-US" smtClean="0"/>
               <a:t>Click to edit Master title style</a:t>
             </a:r>
-            <a:endParaRPr lang="en-ZA"/>
+            <a:endParaRPr lang="en-US" dirty="0"/>
           </a:p>
         </p:txBody>
       </p:sp>
@@ -4741,19 +7712,21 @@
         </p:nvSpPr>
         <p:spPr>
           <a:xfrm>
-            <a:off x="831850" y="4589463"/>
-            <a:ext cx="10515600" cy="1500187"/>
+            <a:off x="685801" y="3742267"/>
+            <a:ext cx="10394707" cy="1639614"/>
           </a:xfrm>
         </p:spPr>
         <p:txBody>
-          <a:bodyPr/>
+          <a:bodyPr anchor="t">
+            <a:normAutofit/>
+          </a:bodyPr>
           <a:lstStyle>
-            <a:lvl1pPr marL="0" indent="0">
-              <a:buNone/>
-              <a:defRPr sz="2400">
+            <a:lvl1pPr marL="0" indent="0" algn="l">
+              <a:buNone/>
+              <a:defRPr sz="2000">
                 <a:solidFill>
-                  <a:schemeClr val="tx1">
-                    <a:tint val="75000"/>
+                  <a:schemeClr val="bg1">
+                    <a:lumMod val="50000"/>
                   </a:schemeClr>
                 </a:solidFill>
               </a:defRPr>
@@ -4865,7 +7838,7 @@
           <a:p>
             <a:fld id="{876717B3-76BD-4CF3-B287-483EF058EC68}" type="datetimeFigureOut">
               <a:rPr lang="en-ZA" smtClean="0"/>
-              <a:t>2015-10-17</a:t>
+              <a:t>2015-10-18</a:t>
             </a:fld>
             <a:endParaRPr lang="en-ZA"/>
           </a:p>
@@ -4916,7 +7889,7 @@
     </p:spTree>
     <p:extLst>
       <p:ext uri="{BB962C8B-B14F-4D97-AF65-F5344CB8AC3E}">
-        <p14:creationId xmlns:p14="http://schemas.microsoft.com/office/powerpoint/2010/main" val="342643137"/>
+        <p14:creationId xmlns:p14="http://schemas.microsoft.com/office/powerpoint/2010/main" val="303841673"/>
       </p:ext>
     </p:extLst>
   </p:cSld>
@@ -4945,7 +7918,7 @@
       </p:grpSpPr>
       <p:sp>
         <p:nvSpPr>
-          <p:cNvPr id="2" name="Title 1"/>
+          <p:cNvPr id="14" name="Title 1"/>
           <p:cNvSpPr>
             <a:spLocks noGrp="1"/>
           </p:cNvSpPr>
@@ -4953,39 +7926,44 @@
             <p:ph type="title"/>
           </p:nvPr>
         </p:nvSpPr>
-        <p:spPr/>
-        <p:txBody>
-          <a:bodyPr/>
-          <a:lstStyle/>
-          <a:p>
-            <a:r>
-              <a:rPr lang="en-US" smtClean="0"/>
-              <a:t>Click to edit Master title style</a:t>
-            </a:r>
-            <a:endParaRPr lang="en-ZA"/>
-          </a:p>
-        </p:txBody>
-      </p:sp>
-      <p:sp>
-        <p:nvSpPr>
-          <p:cNvPr id="3" name="Content Placeholder 2"/>
-          <p:cNvSpPr>
-            <a:spLocks noGrp="1"/>
-          </p:cNvSpPr>
-          <p:nvPr>
-            <p:ph sz="half" idx="1"/>
-          </p:nvPr>
-        </p:nvSpPr>
         <p:spPr>
           <a:xfrm>
-            <a:off x="838200" y="1825625"/>
-            <a:ext cx="5181600" cy="4351338"/>
+            <a:off x="685801" y="685800"/>
+            <a:ext cx="10396882" cy="1158140"/>
           </a:xfrm>
         </p:spPr>
         <p:txBody>
           <a:bodyPr/>
           <a:lstStyle/>
           <a:p>
+            <a:r>
+              <a:rPr lang="en-US" smtClean="0"/>
+              <a:t>Click to edit Master title style</a:t>
+            </a:r>
+            <a:endParaRPr lang="en-US" dirty="0"/>
+          </a:p>
+        </p:txBody>
+      </p:sp>
+      <p:sp>
+        <p:nvSpPr>
+          <p:cNvPr id="12" name="Content Placeholder 2"/>
+          <p:cNvSpPr>
+            <a:spLocks noGrp="1"/>
+          </p:cNvSpPr>
+          <p:nvPr>
+            <p:ph sz="quarter" idx="13"/>
+          </p:nvPr>
+        </p:nvSpPr>
+        <p:spPr>
+          <a:xfrm>
+            <a:off x="685800" y="2063396"/>
+            <a:ext cx="5088714" cy="3311189"/>
+          </a:xfrm>
+        </p:spPr>
+        <p:txBody>
+          <a:bodyPr anchor="t"/>
+          <a:lstStyle/>
+          <a:p>
             <a:pPr lvl="0"/>
             <a:r>
               <a:rPr lang="en-US" smtClean="0"/>
@@ -5019,28 +7997,28 @@
               <a:rPr lang="en-US" smtClean="0"/>
               <a:t>Fifth level</a:t>
             </a:r>
-            <a:endParaRPr lang="en-ZA"/>
+            <a:endParaRPr lang="en-US" dirty="0"/>
           </a:p>
         </p:txBody>
       </p:sp>
       <p:sp>
         <p:nvSpPr>
-          <p:cNvPr id="4" name="Content Placeholder 3"/>
+          <p:cNvPr id="13" name="Content Placeholder 3"/>
           <p:cNvSpPr>
             <a:spLocks noGrp="1"/>
           </p:cNvSpPr>
           <p:nvPr>
-            <p:ph sz="half" idx="2"/>
+            <p:ph sz="quarter" idx="14"/>
           </p:nvPr>
         </p:nvSpPr>
         <p:spPr>
           <a:xfrm>
-            <a:off x="6172200" y="1825625"/>
-            <a:ext cx="5181600" cy="4351338"/>
+            <a:off x="5993971" y="2063396"/>
+            <a:ext cx="5086538" cy="3311189"/>
           </a:xfrm>
         </p:spPr>
         <p:txBody>
-          <a:bodyPr/>
+          <a:bodyPr anchor="t"/>
           <a:lstStyle/>
           <a:p>
             <a:pPr lvl="0"/>
@@ -5076,7 +8054,7 @@
               <a:rPr lang="en-US" smtClean="0"/>
               <a:t>Fifth level</a:t>
             </a:r>
-            <a:endParaRPr lang="en-ZA"/>
+            <a:endParaRPr lang="en-US" dirty="0"/>
           </a:p>
         </p:txBody>
       </p:sp>
@@ -5097,7 +8075,7 @@
           <a:p>
             <a:fld id="{876717B3-76BD-4CF3-B287-483EF058EC68}" type="datetimeFigureOut">
               <a:rPr lang="en-ZA" smtClean="0"/>
-              <a:t>2015-10-17</a:t>
+              <a:t>2015-10-18</a:t>
             </a:fld>
             <a:endParaRPr lang="en-ZA"/>
           </a:p>
@@ -5148,7 +8126,7 @@
     </p:spTree>
     <p:extLst>
       <p:ext uri="{BB962C8B-B14F-4D97-AF65-F5344CB8AC3E}">
-        <p14:creationId xmlns:p14="http://schemas.microsoft.com/office/powerpoint/2010/main" val="2227483170"/>
+        <p14:creationId xmlns:p14="http://schemas.microsoft.com/office/powerpoint/2010/main" val="45219808"/>
       </p:ext>
     </p:extLst>
   </p:cSld>
@@ -5177,7 +8155,7 @@
       </p:grpSpPr>
       <p:sp>
         <p:nvSpPr>
-          <p:cNvPr id="2" name="Title 1"/>
+          <p:cNvPr id="14" name="Title 1"/>
           <p:cNvSpPr>
             <a:spLocks noGrp="1"/>
           </p:cNvSpPr>
@@ -5187,8 +8165,8 @@
         </p:nvSpPr>
         <p:spPr>
           <a:xfrm>
-            <a:off x="839788" y="365125"/>
-            <a:ext cx="10515600" cy="1325563"/>
+            <a:off x="685801" y="685800"/>
+            <a:ext cx="10394707" cy="1158140"/>
           </a:xfrm>
         </p:spPr>
         <p:txBody>
@@ -5199,7 +8177,7 @@
               <a:rPr lang="en-US" smtClean="0"/>
               <a:t>Click to edit Master title style</a:t>
             </a:r>
-            <a:endParaRPr lang="en-ZA"/>
+            <a:endParaRPr lang="en-US" dirty="0"/>
           </a:p>
         </p:txBody>
       </p:sp>
@@ -5215,16 +8193,25 @@
         </p:nvSpPr>
         <p:spPr>
           <a:xfrm>
-            <a:off x="839788" y="1681163"/>
-            <a:ext cx="5157787" cy="823912"/>
+            <a:off x="918356" y="2063396"/>
+            <a:ext cx="4856158" cy="679994"/>
           </a:xfrm>
         </p:spPr>
         <p:txBody>
-          <a:bodyPr anchor="b"/>
+          <a:bodyPr anchor="b">
+            <a:noAutofit/>
+          </a:bodyPr>
           <a:lstStyle>
             <a:lvl1pPr marL="0" indent="0">
-              <a:buNone/>
-              <a:defRPr sz="2400" b="1"/>
+              <a:lnSpc>
+                <a:spcPct val="90000"/>
+              </a:lnSpc>
+              <a:buNone/>
+              <a:defRPr sz="2600" b="0">
+                <a:solidFill>
+                  <a:schemeClr val="accent1"/>
+                </a:solidFill>
+              </a:defRPr>
             </a:lvl1pPr>
             <a:lvl2pPr marL="457200" indent="0">
               <a:buNone/>
@@ -5270,22 +8257,22 @@
       </p:sp>
       <p:sp>
         <p:nvSpPr>
-          <p:cNvPr id="4" name="Content Placeholder 3"/>
+          <p:cNvPr id="12" name="Content Placeholder 3"/>
           <p:cNvSpPr>
             <a:spLocks noGrp="1"/>
           </p:cNvSpPr>
           <p:nvPr>
-            <p:ph sz="half" idx="2"/>
+            <p:ph sz="quarter" idx="13"/>
           </p:nvPr>
         </p:nvSpPr>
         <p:spPr>
           <a:xfrm>
-            <a:off x="839788" y="2505075"/>
-            <a:ext cx="5157787" cy="3684588"/>
+            <a:off x="685802" y="2861733"/>
+            <a:ext cx="5088712" cy="2512852"/>
           </a:xfrm>
         </p:spPr>
         <p:txBody>
-          <a:bodyPr/>
+          <a:bodyPr anchor="t"/>
           <a:lstStyle/>
           <a:p>
             <a:pPr lvl="0"/>
@@ -5321,7 +8308,7 @@
               <a:rPr lang="en-US" smtClean="0"/>
               <a:t>Fifth level</a:t>
             </a:r>
-            <a:endParaRPr lang="en-ZA"/>
+            <a:endParaRPr lang="en-US" dirty="0"/>
           </a:p>
         </p:txBody>
       </p:sp>
@@ -5337,16 +8324,25 @@
         </p:nvSpPr>
         <p:spPr>
           <a:xfrm>
-            <a:off x="6172200" y="1681163"/>
-            <a:ext cx="5183188" cy="823912"/>
+            <a:off x="6218191" y="2063396"/>
+            <a:ext cx="4864491" cy="679994"/>
           </a:xfrm>
         </p:spPr>
         <p:txBody>
-          <a:bodyPr anchor="b"/>
+          <a:bodyPr anchor="b">
+            <a:noAutofit/>
+          </a:bodyPr>
           <a:lstStyle>
             <a:lvl1pPr marL="0" indent="0">
-              <a:buNone/>
-              <a:defRPr sz="2400" b="1"/>
+              <a:lnSpc>
+                <a:spcPct val="90000"/>
+              </a:lnSpc>
+              <a:buNone/>
+              <a:defRPr sz="2600" b="0">
+                <a:solidFill>
+                  <a:schemeClr val="accent1"/>
+                </a:solidFill>
+              </a:defRPr>
             </a:lvl1pPr>
             <a:lvl2pPr marL="457200" indent="0">
               <a:buNone/>
@@ -5392,22 +8388,22 @@
       </p:sp>
       <p:sp>
         <p:nvSpPr>
-          <p:cNvPr id="6" name="Content Placeholder 5"/>
+          <p:cNvPr id="13" name="Content Placeholder 5"/>
           <p:cNvSpPr>
             <a:spLocks noGrp="1"/>
           </p:cNvSpPr>
           <p:nvPr>
-            <p:ph sz="quarter" idx="4"/>
+            <p:ph sz="quarter" idx="14"/>
           </p:nvPr>
         </p:nvSpPr>
         <p:spPr>
           <a:xfrm>
-            <a:off x="6172200" y="2505075"/>
-            <a:ext cx="5183188" cy="3684588"/>
+            <a:off x="5993969" y="2861733"/>
+            <a:ext cx="5088713" cy="2512852"/>
           </a:xfrm>
         </p:spPr>
         <p:txBody>
-          <a:bodyPr/>
+          <a:bodyPr anchor="t"/>
           <a:lstStyle/>
           <a:p>
             <a:pPr lvl="0"/>
@@ -5443,7 +8439,7 @@
               <a:rPr lang="en-US" smtClean="0"/>
               <a:t>Fifth level</a:t>
             </a:r>
-            <a:endParaRPr lang="en-ZA"/>
+            <a:endParaRPr lang="en-US" dirty="0"/>
           </a:p>
         </p:txBody>
       </p:sp>
@@ -5464,7 +8460,7 @@
           <a:p>
             <a:fld id="{876717B3-76BD-4CF3-B287-483EF058EC68}" type="datetimeFigureOut">
               <a:rPr lang="en-ZA" smtClean="0"/>
-              <a:t>2015-10-17</a:t>
+              <a:t>2015-10-18</a:t>
             </a:fld>
             <a:endParaRPr lang="en-ZA"/>
           </a:p>
@@ -5515,7 +8511,7 @@
     </p:spTree>
     <p:extLst>
       <p:ext uri="{BB962C8B-B14F-4D97-AF65-F5344CB8AC3E}">
-        <p14:creationId xmlns:p14="http://schemas.microsoft.com/office/powerpoint/2010/main" val="3980447984"/>
+        <p14:creationId xmlns:p14="http://schemas.microsoft.com/office/powerpoint/2010/main" val="3669283389"/>
       </p:ext>
     </p:extLst>
   </p:cSld>
@@ -5561,7 +8557,7 @@
               <a:rPr lang="en-US" smtClean="0"/>
               <a:t>Click to edit Master title style</a:t>
             </a:r>
-            <a:endParaRPr lang="en-ZA"/>
+            <a:endParaRPr lang="en-US" dirty="0"/>
           </a:p>
         </p:txBody>
       </p:sp>
@@ -5582,7 +8578,7 @@
           <a:p>
             <a:fld id="{876717B3-76BD-4CF3-B287-483EF058EC68}" type="datetimeFigureOut">
               <a:rPr lang="en-ZA" smtClean="0"/>
-              <a:t>2015-10-17</a:t>
+              <a:t>2015-10-18</a:t>
             </a:fld>
             <a:endParaRPr lang="en-ZA"/>
           </a:p>
@@ -5633,7 +8629,7 @@
     </p:spTree>
     <p:extLst>
       <p:ext uri="{BB962C8B-B14F-4D97-AF65-F5344CB8AC3E}">
-        <p14:creationId xmlns:p14="http://schemas.microsoft.com/office/powerpoint/2010/main" val="116217489"/>
+        <p14:creationId xmlns:p14="http://schemas.microsoft.com/office/powerpoint/2010/main" val="3902746108"/>
       </p:ext>
     </p:extLst>
   </p:cSld>
@@ -5677,7 +8673,7 @@
           <a:p>
             <a:fld id="{876717B3-76BD-4CF3-B287-483EF058EC68}" type="datetimeFigureOut">
               <a:rPr lang="en-ZA" smtClean="0"/>
-              <a:t>2015-10-17</a:t>
+              <a:t>2015-10-18</a:t>
             </a:fld>
             <a:endParaRPr lang="en-ZA"/>
           </a:p>
@@ -5728,7 +8724,7 @@
     </p:spTree>
     <p:extLst>
       <p:ext uri="{BB962C8B-B14F-4D97-AF65-F5344CB8AC3E}">
-        <p14:creationId xmlns:p14="http://schemas.microsoft.com/office/powerpoint/2010/main" val="1909013340"/>
+        <p14:creationId xmlns:p14="http://schemas.microsoft.com/office/powerpoint/2010/main" val="538975160"/>
       </p:ext>
     </p:extLst>
   </p:cSld>
@@ -5767,15 +8763,17 @@
         </p:nvSpPr>
         <p:spPr>
           <a:xfrm>
-            <a:off x="839788" y="457200"/>
-            <a:ext cx="3932237" cy="1600200"/>
+            <a:off x="693643" y="685800"/>
+            <a:ext cx="4126860" cy="2023252"/>
           </a:xfrm>
         </p:spPr>
         <p:txBody>
-          <a:bodyPr anchor="b"/>
+          <a:bodyPr anchor="b">
+            <a:normAutofit/>
+          </a:bodyPr>
           <a:lstStyle>
-            <a:lvl1pPr>
-              <a:defRPr sz="3200"/>
+            <a:lvl1pPr algn="ctr">
+              <a:defRPr sz="3600"/>
             </a:lvl1pPr>
           </a:lstStyle>
           <a:p>
@@ -5783,57 +8781,29 @@
               <a:rPr lang="en-US" smtClean="0"/>
               <a:t>Click to edit Master title style</a:t>
             </a:r>
-            <a:endParaRPr lang="en-ZA"/>
+            <a:endParaRPr lang="en-US" dirty="0"/>
           </a:p>
         </p:txBody>
       </p:sp>
       <p:sp>
         <p:nvSpPr>
-          <p:cNvPr id="3" name="Content Placeholder 2"/>
+          <p:cNvPr id="10" name="Content Placeholder 2"/>
           <p:cNvSpPr>
             <a:spLocks noGrp="1"/>
           </p:cNvSpPr>
           <p:nvPr>
-            <p:ph idx="1"/>
+            <p:ph sz="quarter" idx="13"/>
           </p:nvPr>
         </p:nvSpPr>
         <p:spPr>
           <a:xfrm>
-            <a:off x="5183188" y="987425"/>
-            <a:ext cx="6172200" cy="4873625"/>
+            <a:off x="5046132" y="685800"/>
+            <a:ext cx="6034375" cy="4688785"/>
           </a:xfrm>
         </p:spPr>
         <p:txBody>
           <a:bodyPr/>
-          <a:lstStyle>
-            <a:lvl1pPr>
-              <a:defRPr sz="3200"/>
-            </a:lvl1pPr>
-            <a:lvl2pPr>
-              <a:defRPr sz="2800"/>
-            </a:lvl2pPr>
-            <a:lvl3pPr>
-              <a:defRPr sz="2400"/>
-            </a:lvl3pPr>
-            <a:lvl4pPr>
-              <a:defRPr sz="2000"/>
-            </a:lvl4pPr>
-            <a:lvl5pPr>
-              <a:defRPr sz="2000"/>
-            </a:lvl5pPr>
-            <a:lvl6pPr>
-              <a:defRPr sz="2000"/>
-            </a:lvl6pPr>
-            <a:lvl7pPr>
-              <a:defRPr sz="2000"/>
-            </a:lvl7pPr>
-            <a:lvl8pPr>
-              <a:defRPr sz="2000"/>
-            </a:lvl8pPr>
-            <a:lvl9pPr>
-              <a:defRPr sz="2000"/>
-            </a:lvl9pPr>
-          </a:lstStyle>
+          <a:lstStyle/>
           <a:p>
             <a:pPr lvl="0"/>
             <a:r>
@@ -5868,7 +8838,7 @@
               <a:rPr lang="en-US" smtClean="0"/>
               <a:t>Fifth level</a:t>
             </a:r>
-            <a:endParaRPr lang="en-ZA"/>
+            <a:endParaRPr lang="en-US" dirty="0"/>
           </a:p>
         </p:txBody>
       </p:sp>
@@ -5884,16 +8854,18 @@
         </p:nvSpPr>
         <p:spPr>
           <a:xfrm>
-            <a:off x="839788" y="2057400"/>
-            <a:ext cx="3932237" cy="3811588"/>
+            <a:off x="693642" y="2709052"/>
+            <a:ext cx="4126861" cy="2665533"/>
           </a:xfrm>
         </p:spPr>
         <p:txBody>
-          <a:bodyPr/>
+          <a:bodyPr anchor="t">
+            <a:normAutofit/>
+          </a:bodyPr>
           <a:lstStyle>
-            <a:lvl1pPr marL="0" indent="0">
-              <a:buNone/>
-              <a:defRPr sz="1600"/>
+            <a:lvl1pPr marL="0" indent="0" algn="ctr">
+              <a:buNone/>
+              <a:defRPr sz="1800"/>
             </a:lvl1pPr>
             <a:lvl2pPr marL="457200" indent="0">
               <a:buNone/>
@@ -5954,7 +8926,7 @@
           <a:p>
             <a:fld id="{876717B3-76BD-4CF3-B287-483EF058EC68}" type="datetimeFigureOut">
               <a:rPr lang="en-ZA" smtClean="0"/>
-              <a:t>2015-10-17</a:t>
+              <a:t>2015-10-18</a:t>
             </a:fld>
             <a:endParaRPr lang="en-ZA"/>
           </a:p>
@@ -6005,7 +8977,7 @@
     </p:spTree>
     <p:extLst>
       <p:ext uri="{BB962C8B-B14F-4D97-AF65-F5344CB8AC3E}">
-        <p14:creationId xmlns:p14="http://schemas.microsoft.com/office/powerpoint/2010/main" val="4116757360"/>
+        <p14:creationId xmlns:p14="http://schemas.microsoft.com/office/powerpoint/2010/main" val="354789026"/>
       </p:ext>
     </p:extLst>
   </p:cSld>
@@ -6044,15 +9016,17 @@
         </p:nvSpPr>
         <p:spPr>
           <a:xfrm>
-            <a:off x="839788" y="457200"/>
-            <a:ext cx="3932237" cy="1600200"/>
+            <a:off x="685800" y="685800"/>
+            <a:ext cx="6345302" cy="2023252"/>
           </a:xfrm>
         </p:spPr>
         <p:txBody>
-          <a:bodyPr anchor="b"/>
+          <a:bodyPr anchor="b">
+            <a:normAutofit/>
+          </a:bodyPr>
           <a:lstStyle>
-            <a:lvl1pPr>
-              <a:defRPr sz="3200"/>
+            <a:lvl1pPr algn="ctr">
+              <a:defRPr sz="3600"/>
             </a:lvl1pPr>
           </a:lstStyle>
           <a:p>
@@ -6060,7 +9034,7 @@
               <a:rPr lang="en-US" smtClean="0"/>
               <a:t>Click to edit Master title style</a:t>
             </a:r>
-            <a:endParaRPr lang="en-ZA"/>
+            <a:endParaRPr lang="en-US" dirty="0"/>
           </a:p>
         </p:txBody>
       </p:sp>
@@ -6068,7 +9042,7 @@
         <p:nvSpPr>
           <p:cNvPr id="3" name="Picture Placeholder 2"/>
           <p:cNvSpPr>
-            <a:spLocks noGrp="1"/>
+            <a:spLocks noGrp="1" noChangeAspect="1"/>
           </p:cNvSpPr>
           <p:nvPr>
             <p:ph type="pic" idx="1"/>
@@ -6076,14 +9050,22 @@
         </p:nvSpPr>
         <p:spPr>
           <a:xfrm>
-            <a:off x="5183188" y="987425"/>
-            <a:ext cx="6172200" cy="4873625"/>
+            <a:off x="7482362" y="0"/>
+            <a:ext cx="3598146" cy="5071533"/>
           </a:xfrm>
+          <a:ln w="57150" cmpd="thinThick">
+            <a:solidFill>
+              <a:schemeClr val="bg1">
+                <a:lumMod val="50000"/>
+              </a:schemeClr>
+            </a:solidFill>
+            <a:miter lim="800000"/>
+          </a:ln>
         </p:spPr>
         <p:txBody>
-          <a:bodyPr/>
+          <a:bodyPr anchor="t"/>
           <a:lstStyle>
-            <a:lvl1pPr marL="0" indent="0">
+            <a:lvl1pPr marL="0" indent="0" algn="ctr">
               <a:buNone/>
               <a:defRPr sz="3200"/>
             </a:lvl1pPr>
@@ -6121,7 +9103,11 @@
             </a:lvl9pPr>
           </a:lstStyle>
           <a:p>
-            <a:endParaRPr lang="en-ZA"/>
+            <a:r>
+              <a:rPr lang="en-US" smtClean="0"/>
+              <a:t>Click icon to add picture</a:t>
+            </a:r>
+            <a:endParaRPr lang="en-US" dirty="0"/>
           </a:p>
         </p:txBody>
       </p:sp>
@@ -6137,16 +9123,18 @@
         </p:nvSpPr>
         <p:spPr>
           <a:xfrm>
-            <a:off x="839788" y="2057400"/>
-            <a:ext cx="3932237" cy="3811588"/>
+            <a:off x="685801" y="2709052"/>
+            <a:ext cx="6345301" cy="2362481"/>
           </a:xfrm>
         </p:spPr>
         <p:txBody>
-          <a:bodyPr/>
+          <a:bodyPr anchor="t">
+            <a:normAutofit/>
+          </a:bodyPr>
           <a:lstStyle>
-            <a:lvl1pPr marL="0" indent="0">
-              <a:buNone/>
-              <a:defRPr sz="1600"/>
+            <a:lvl1pPr marL="0" indent="0" algn="ctr">
+              <a:buNone/>
+              <a:defRPr sz="1800"/>
             </a:lvl1pPr>
             <a:lvl2pPr marL="457200" indent="0">
               <a:buNone/>
@@ -6207,7 +9195,7 @@
           <a:p>
             <a:fld id="{876717B3-76BD-4CF3-B287-483EF058EC68}" type="datetimeFigureOut">
               <a:rPr lang="en-ZA" smtClean="0"/>
-              <a:t>2015-10-17</a:t>
+              <a:t>2015-10-18</a:t>
             </a:fld>
             <a:endParaRPr lang="en-ZA"/>
           </a:p>
@@ -6258,7 +9246,7 @@
     </p:spTree>
     <p:extLst>
       <p:ext uri="{BB962C8B-B14F-4D97-AF65-F5344CB8AC3E}">
-        <p14:creationId xmlns:p14="http://schemas.microsoft.com/office/powerpoint/2010/main" val="3844849108"/>
+        <p14:creationId xmlns:p14="http://schemas.microsoft.com/office/powerpoint/2010/main" val="842163736"/>
       </p:ext>
     </p:extLst>
   </p:cSld>
@@ -6272,7 +9260,7 @@
 <p:sldMaster xmlns:a="http://schemas.openxmlformats.org/drawingml/2006/main" xmlns:r="http://schemas.openxmlformats.org/officeDocument/2006/relationships" xmlns:p="http://schemas.openxmlformats.org/presentationml/2006/main">
   <p:cSld>
     <p:bg>
-      <p:bgRef idx="1001">
+      <p:bgRef idx="1003">
         <a:schemeClr val="bg1"/>
       </p:bgRef>
     </p:bg>
@@ -6290,6 +9278,196 @@
           <a:chExt cx="0" cy="0"/>
         </a:xfrm>
       </p:grpSpPr>
+      <p:pic>
+        <p:nvPicPr>
+          <p:cNvPr id="7" name="Picture 6" descr="Brickwork-HD-R1a.jpg"/>
+          <p:cNvPicPr>
+            <a:picLocks noChangeAspect="1"/>
+          </p:cNvPicPr>
+          <p:nvPr/>
+        </p:nvPicPr>
+        <p:blipFill>
+          <a:blip r:embed="rId19">
+            <a:extLst>
+              <a:ext uri="{28A0092B-C50C-407E-A947-70E740481C1C}">
+                <a14:useLocalDpi xmlns:a14="http://schemas.microsoft.com/office/drawing/2010/main" val="0"/>
+              </a:ext>
+            </a:extLst>
+          </a:blip>
+          <a:stretch>
+            <a:fillRect/>
+          </a:stretch>
+        </p:blipFill>
+        <p:spPr>
+          <a:xfrm>
+            <a:off x="0" y="0"/>
+            <a:ext cx="12192000" cy="6858000"/>
+          </a:xfrm>
+          <a:prstGeom prst="rect">
+            <a:avLst/>
+          </a:prstGeom>
+        </p:spPr>
+      </p:pic>
+      <p:grpSp>
+        <p:nvGrpSpPr>
+          <p:cNvPr id="10" name="Group 9"/>
+          <p:cNvGrpSpPr/>
+          <p:nvPr/>
+        </p:nvGrpSpPr>
+        <p:grpSpPr>
+          <a:xfrm>
+            <a:off x="-25397" y="0"/>
+            <a:ext cx="12005350" cy="6644081"/>
+            <a:chOff x="-25397" y="0"/>
+            <a:chExt cx="12005350" cy="6644081"/>
+          </a:xfrm>
+        </p:grpSpPr>
+        <p:sp useBgFill="1">
+          <p:nvSpPr>
+            <p:cNvPr id="11" name="Rectangle 10"/>
+            <p:cNvSpPr/>
+            <p:nvPr/>
+          </p:nvSpPr>
+          <p:spPr>
+            <a:xfrm>
+              <a:off x="1" y="0"/>
+              <a:ext cx="11979952" cy="6644081"/>
+            </a:xfrm>
+            <a:prstGeom prst="rect">
+              <a:avLst/>
+            </a:prstGeom>
+            <a:ln>
+              <a:noFill/>
+            </a:ln>
+            <a:effectLst>
+              <a:outerShdw blurRad="98425" dist="76200" dir="4380000" algn="tl" rotWithShape="0">
+                <a:srgbClr val="000000">
+                  <a:alpha val="68000"/>
+                </a:srgbClr>
+              </a:outerShdw>
+            </a:effectLst>
+          </p:spPr>
+          <p:style>
+            <a:lnRef idx="1">
+              <a:schemeClr val="accent1"/>
+            </a:lnRef>
+            <a:fillRef idx="3">
+              <a:schemeClr val="accent1"/>
+            </a:fillRef>
+            <a:effectRef idx="2">
+              <a:schemeClr val="accent1"/>
+            </a:effectRef>
+            <a:fontRef idx="minor">
+              <a:schemeClr val="lt1"/>
+            </a:fontRef>
+          </p:style>
+        </p:sp>
+        <p:sp>
+          <p:nvSpPr>
+            <p:cNvPr id="12" name="Freeform 11"/>
+            <p:cNvSpPr/>
+            <p:nvPr/>
+          </p:nvSpPr>
+          <p:spPr>
+            <a:xfrm>
+              <a:off x="-25397" y="0"/>
+              <a:ext cx="11773291" cy="6419514"/>
+            </a:xfrm>
+            <a:custGeom>
+              <a:avLst/>
+              <a:gdLst/>
+              <a:ahLst/>
+              <a:cxnLst/>
+              <a:rect l="l" t="t" r="r" b="b"/>
+              <a:pathLst>
+                <a:path w="11773291" h="6419514">
+                  <a:moveTo>
+                    <a:pt x="11750059" y="0"/>
+                  </a:moveTo>
+                  <a:lnTo>
+                    <a:pt x="11773291" y="6419514"/>
+                  </a:lnTo>
+                  <a:lnTo>
+                    <a:pt x="0" y="6411047"/>
+                  </a:lnTo>
+                </a:path>
+              </a:pathLst>
+            </a:custGeom>
+            <a:ln w="82550">
+              <a:solidFill>
+                <a:schemeClr val="tx1">
+                  <a:lumMod val="50000"/>
+                  <a:lumOff val="50000"/>
+                </a:schemeClr>
+              </a:solidFill>
+              <a:miter lim="800000"/>
+            </a:ln>
+          </p:spPr>
+          <p:style>
+            <a:lnRef idx="2">
+              <a:schemeClr val="accent1"/>
+            </a:lnRef>
+            <a:fillRef idx="0">
+              <a:schemeClr val="accent1"/>
+            </a:fillRef>
+            <a:effectRef idx="1">
+              <a:schemeClr val="accent1"/>
+            </a:effectRef>
+            <a:fontRef idx="minor">
+              <a:schemeClr val="tx1"/>
+            </a:fontRef>
+          </p:style>
+        </p:sp>
+        <p:sp>
+          <p:nvSpPr>
+            <p:cNvPr id="13" name="Rectangle 12"/>
+            <p:cNvSpPr/>
+            <p:nvPr/>
+          </p:nvSpPr>
+          <p:spPr>
+            <a:xfrm>
+              <a:off x="1" y="5600215"/>
+              <a:ext cx="11706512" cy="780581"/>
+            </a:xfrm>
+            <a:prstGeom prst="rect">
+              <a:avLst/>
+            </a:prstGeom>
+            <a:gradFill flip="none" rotWithShape="1">
+              <a:gsLst>
+                <a:gs pos="34000">
+                  <a:schemeClr val="accent1"/>
+                </a:gs>
+                <a:gs pos="100000">
+                  <a:schemeClr val="accent1">
+                    <a:lumMod val="50000"/>
+                  </a:schemeClr>
+                </a:gs>
+              </a:gsLst>
+              <a:path path="circle">
+                <a:fillToRect l="50000" t="50000" r="50000" b="50000"/>
+              </a:path>
+              <a:tileRect/>
+            </a:gradFill>
+            <a:ln>
+              <a:noFill/>
+            </a:ln>
+          </p:spPr>
+          <p:style>
+            <a:lnRef idx="1">
+              <a:schemeClr val="accent1"/>
+            </a:lnRef>
+            <a:fillRef idx="3">
+              <a:schemeClr val="accent1"/>
+            </a:fillRef>
+            <a:effectRef idx="2">
+              <a:schemeClr val="accent1"/>
+            </a:effectRef>
+            <a:fontRef idx="minor">
+              <a:schemeClr val="lt1"/>
+            </a:fontRef>
+          </p:style>
+        </p:sp>
+      </p:grpSp>
       <p:sp>
         <p:nvSpPr>
           <p:cNvPr id="2" name="Title Placeholder 1"/>
@@ -6302,8 +9480,8 @@
         </p:nvSpPr>
         <p:spPr>
           <a:xfrm>
-            <a:off x="838200" y="365125"/>
-            <a:ext cx="10515600" cy="1325563"/>
+            <a:off x="685801" y="685800"/>
+            <a:ext cx="10396882" cy="1151965"/>
           </a:xfrm>
           <a:prstGeom prst="rect">
             <a:avLst/>
@@ -6319,7 +9497,7 @@
               <a:rPr lang="en-US" smtClean="0"/>
               <a:t>Click to edit Master title style</a:t>
             </a:r>
-            <a:endParaRPr lang="en-ZA"/>
+            <a:endParaRPr lang="en-US" dirty="0"/>
           </a:p>
         </p:txBody>
       </p:sp>
@@ -6335,15 +9513,15 @@
         </p:nvSpPr>
         <p:spPr>
           <a:xfrm>
-            <a:off x="838200" y="1825625"/>
-            <a:ext cx="10515600" cy="4351338"/>
+            <a:off x="685800" y="2063396"/>
+            <a:ext cx="10396883" cy="3311189"/>
           </a:xfrm>
           <a:prstGeom prst="rect">
             <a:avLst/>
           </a:prstGeom>
         </p:spPr>
         <p:txBody>
-          <a:bodyPr vert="horz" lIns="91440" tIns="45720" rIns="91440" bIns="45720" rtlCol="0">
+          <a:bodyPr vert="horz" lIns="91440" tIns="45720" rIns="91440" bIns="45720" rtlCol="0" anchor="ctr">
             <a:normAutofit/>
           </a:bodyPr>
           <a:lstStyle/>
@@ -6381,7 +9559,7 @@
               <a:rPr lang="en-US" smtClean="0"/>
               <a:t>Fifth level</a:t>
             </a:r>
-            <a:endParaRPr lang="en-ZA"/>
+            <a:endParaRPr lang="en-US" dirty="0"/>
           </a:p>
         </p:txBody>
       </p:sp>
@@ -6397,8 +9575,49 @@
         </p:nvSpPr>
         <p:spPr>
           <a:xfrm>
-            <a:off x="838200" y="6356350"/>
-            <a:ext cx="2743200" cy="365125"/>
+            <a:off x="7298083" y="5757334"/>
+            <a:ext cx="3784600" cy="498470"/>
+          </a:xfrm>
+          <a:prstGeom prst="rect">
+            <a:avLst/>
+          </a:prstGeom>
+        </p:spPr>
+        <p:txBody>
+          <a:bodyPr vert="horz" lIns="91440" tIns="45720" rIns="91440" bIns="45720" rtlCol="0" anchor="ctr"/>
+          <a:lstStyle>
+            <a:lvl1pPr algn="r">
+              <a:defRPr sz="3200" cap="all" baseline="0">
+                <a:solidFill>
+                  <a:schemeClr val="accent1">
+                    <a:lumMod val="50000"/>
+                  </a:schemeClr>
+                </a:solidFill>
+              </a:defRPr>
+            </a:lvl1pPr>
+          </a:lstStyle>
+          <a:p>
+            <a:fld id="{876717B3-76BD-4CF3-B287-483EF058EC68}" type="datetimeFigureOut">
+              <a:rPr lang="en-ZA" smtClean="0"/>
+              <a:t>2015-10-18</a:t>
+            </a:fld>
+            <a:endParaRPr lang="en-ZA"/>
+          </a:p>
+        </p:txBody>
+      </p:sp>
+      <p:sp>
+        <p:nvSpPr>
+          <p:cNvPr id="5" name="Footer Placeholder 4"/>
+          <p:cNvSpPr>
+            <a:spLocks noGrp="1"/>
+          </p:cNvSpPr>
+          <p:nvPr>
+            <p:ph type="ftr" sz="quarter" idx="3"/>
+          </p:nvPr>
+        </p:nvSpPr>
+        <p:spPr>
+          <a:xfrm>
+            <a:off x="685801" y="5757334"/>
+            <a:ext cx="5499719" cy="498470"/>
           </a:xfrm>
           <a:prstGeom prst="rect">
             <a:avLst/>
@@ -6408,38 +9627,34 @@
           <a:bodyPr vert="horz" lIns="91440" tIns="45720" rIns="91440" bIns="45720" rtlCol="0" anchor="ctr"/>
           <a:lstStyle>
             <a:lvl1pPr algn="l">
-              <a:defRPr sz="1200">
+              <a:defRPr sz="3200" cap="all" baseline="0">
                 <a:solidFill>
-                  <a:schemeClr val="tx1">
-                    <a:tint val="75000"/>
+                  <a:schemeClr val="accent1">
+                    <a:lumMod val="50000"/>
                   </a:schemeClr>
                 </a:solidFill>
               </a:defRPr>
             </a:lvl1pPr>
           </a:lstStyle>
           <a:p>
-            <a:fld id="{876717B3-76BD-4CF3-B287-483EF058EC68}" type="datetimeFigureOut">
-              <a:rPr lang="en-ZA" smtClean="0"/>
-              <a:t>2015-10-17</a:t>
-            </a:fld>
             <a:endParaRPr lang="en-ZA"/>
           </a:p>
         </p:txBody>
       </p:sp>
       <p:sp>
         <p:nvSpPr>
-          <p:cNvPr id="5" name="Footer Placeholder 4"/>
+          <p:cNvPr id="6" name="Slide Number Placeholder 5"/>
           <p:cNvSpPr>
             <a:spLocks noGrp="1"/>
           </p:cNvSpPr>
           <p:nvPr>
-            <p:ph type="ftr" sz="quarter" idx="3"/>
+            <p:ph type="sldNum" sz="quarter" idx="4"/>
           </p:nvPr>
         </p:nvSpPr>
         <p:spPr>
           <a:xfrm>
-            <a:off x="4038600" y="6356350"/>
-            <a:ext cx="4114800" cy="365125"/>
+            <a:off x="6287121" y="5757334"/>
+            <a:ext cx="907186" cy="498470"/>
           </a:xfrm>
           <a:prstGeom prst="rect">
             <a:avLst/>
@@ -6449,53 +9664,16 @@
           <a:bodyPr vert="horz" lIns="91440" tIns="45720" rIns="91440" bIns="45720" rtlCol="0" anchor="ctr"/>
           <a:lstStyle>
             <a:lvl1pPr algn="ctr">
-              <a:defRPr sz="1200">
+              <a:defRPr sz="3200" cap="all" baseline="0">
                 <a:solidFill>
-                  <a:schemeClr val="tx1">
-                    <a:tint val="75000"/>
+                  <a:schemeClr val="accent1">
+                    <a:lumMod val="50000"/>
                   </a:schemeClr>
                 </a:solidFill>
               </a:defRPr>
             </a:lvl1pPr>
           </a:lstStyle>
           <a:p>
-            <a:endParaRPr lang="en-ZA"/>
-          </a:p>
-        </p:txBody>
-      </p:sp>
-      <p:sp>
-        <p:nvSpPr>
-          <p:cNvPr id="6" name="Slide Number Placeholder 5"/>
-          <p:cNvSpPr>
-            <a:spLocks noGrp="1"/>
-          </p:cNvSpPr>
-          <p:nvPr>
-            <p:ph type="sldNum" sz="quarter" idx="4"/>
-          </p:nvPr>
-        </p:nvSpPr>
-        <p:spPr>
-          <a:xfrm>
-            <a:off x="8610600" y="6356350"/>
-            <a:ext cx="2743200" cy="365125"/>
-          </a:xfrm>
-          <a:prstGeom prst="rect">
-            <a:avLst/>
-          </a:prstGeom>
-        </p:spPr>
-        <p:txBody>
-          <a:bodyPr vert="horz" lIns="91440" tIns="45720" rIns="91440" bIns="45720" rtlCol="0" anchor="ctr"/>
-          <a:lstStyle>
-            <a:lvl1pPr algn="r">
-              <a:defRPr sz="1200">
-                <a:solidFill>
-                  <a:schemeClr val="tx1">
-                    <a:tint val="75000"/>
-                  </a:schemeClr>
-                </a:solidFill>
-              </a:defRPr>
-            </a:lvl1pPr>
-          </a:lstStyle>
-          <a:p>
             <a:fld id="{64BAED1C-B18E-4562-88A8-317BB7A85475}" type="slidenum">
               <a:rPr lang="en-ZA" smtClean="0"/>
               <a:t>‹#›</a:t>
@@ -6507,23 +9685,29 @@
     </p:spTree>
     <p:extLst>
       <p:ext uri="{BB962C8B-B14F-4D97-AF65-F5344CB8AC3E}">
-        <p14:creationId xmlns:p14="http://schemas.microsoft.com/office/powerpoint/2010/main" val="375109204"/>
+        <p14:creationId xmlns:p14="http://schemas.microsoft.com/office/powerpoint/2010/main" val="4155559860"/>
       </p:ext>
     </p:extLst>
   </p:cSld>
   <p:clrMap bg1="lt1" tx1="dk1" bg2="lt2" tx2="dk2" accent1="accent1" accent2="accent2" accent3="accent3" accent4="accent4" accent5="accent5" accent6="accent6" hlink="hlink" folHlink="folHlink"/>
   <p:sldLayoutIdLst>
-    <p:sldLayoutId id="2147483649" r:id="rId1"/>
-    <p:sldLayoutId id="2147483650" r:id="rId2"/>
-    <p:sldLayoutId id="2147483651" r:id="rId3"/>
-    <p:sldLayoutId id="2147483652" r:id="rId4"/>
-    <p:sldLayoutId id="2147483653" r:id="rId5"/>
-    <p:sldLayoutId id="2147483654" r:id="rId6"/>
-    <p:sldLayoutId id="2147483655" r:id="rId7"/>
-    <p:sldLayoutId id="2147483656" r:id="rId8"/>
-    <p:sldLayoutId id="2147483657" r:id="rId9"/>
-    <p:sldLayoutId id="2147483658" r:id="rId10"/>
-    <p:sldLayoutId id="2147483659" r:id="rId11"/>
+    <p:sldLayoutId id="2147483661" r:id="rId1"/>
+    <p:sldLayoutId id="2147483662" r:id="rId2"/>
+    <p:sldLayoutId id="2147483663" r:id="rId3"/>
+    <p:sldLayoutId id="2147483664" r:id="rId4"/>
+    <p:sldLayoutId id="2147483665" r:id="rId5"/>
+    <p:sldLayoutId id="2147483666" r:id="rId6"/>
+    <p:sldLayoutId id="2147483667" r:id="rId7"/>
+    <p:sldLayoutId id="2147483668" r:id="rId8"/>
+    <p:sldLayoutId id="2147483669" r:id="rId9"/>
+    <p:sldLayoutId id="2147483670" r:id="rId10"/>
+    <p:sldLayoutId id="2147483671" r:id="rId11"/>
+    <p:sldLayoutId id="2147483672" r:id="rId12"/>
+    <p:sldLayoutId id="2147483673" r:id="rId13"/>
+    <p:sldLayoutId id="2147483674" r:id="rId14"/>
+    <p:sldLayoutId id="2147483675" r:id="rId15"/>
+    <p:sldLayoutId id="2147483676" r:id="rId16"/>
+    <p:sldLayoutId id="2147483677" r:id="rId17"/>
   </p:sldLayoutIdLst>
   <p:txStyles>
     <p:titleStyle>
@@ -6535,10 +9719,11 @@
           <a:spcPct val="0"/>
         </a:spcBef>
         <a:buNone/>
-        <a:defRPr sz="4400" kern="1200">
+        <a:defRPr sz="5400" kern="1200" cap="all" baseline="0">
           <a:solidFill>
-            <a:schemeClr val="tx1"/>
+            <a:schemeClr val="accent1"/>
           </a:solidFill>
+          <a:effectLst/>
           <a:latin typeface="+mj-lt"/>
           <a:ea typeface="+mj-ea"/>
           <a:cs typeface="+mj-cs"/>
@@ -6548,17 +9733,22 @@
     <p:bodyStyle>
       <a:lvl1pPr marL="228600" indent="-228600" algn="l" defTabSz="914400" rtl="0" eaLnBrk="1" latinLnBrk="0" hangingPunct="1">
         <a:lnSpc>
-          <a:spcPct val="90000"/>
+          <a:spcPct val="120000"/>
         </a:lnSpc>
         <a:spcBef>
           <a:spcPts val="1000"/>
         </a:spcBef>
+        <a:buClr>
+          <a:schemeClr val="accent1"/>
+        </a:buClr>
+        <a:buSzPct val="160000"/>
         <a:buFont typeface="Arial" panose="020B0604020202020204" pitchFamily="34" charset="0"/>
         <a:buChar char="•"/>
-        <a:defRPr sz="2800" kern="1200">
+        <a:defRPr sz="2000" kern="1200" cap="all" baseline="0">
           <a:solidFill>
             <a:schemeClr val="tx1"/>
           </a:solidFill>
+          <a:effectLst/>
           <a:latin typeface="+mn-lt"/>
           <a:ea typeface="+mn-ea"/>
           <a:cs typeface="+mn-cs"/>
@@ -6566,17 +9756,22 @@
       </a:lvl1pPr>
       <a:lvl2pPr marL="685800" indent="-228600" algn="l" defTabSz="914400" rtl="0" eaLnBrk="1" latinLnBrk="0" hangingPunct="1">
         <a:lnSpc>
-          <a:spcPct val="90000"/>
+          <a:spcPct val="120000"/>
         </a:lnSpc>
         <a:spcBef>
           <a:spcPts val="500"/>
         </a:spcBef>
+        <a:buClr>
+          <a:schemeClr val="accent1"/>
+        </a:buClr>
+        <a:buSzPct val="160000"/>
         <a:buFont typeface="Arial" panose="020B0604020202020204" pitchFamily="34" charset="0"/>
         <a:buChar char="•"/>
-        <a:defRPr sz="2400" kern="1200">
+        <a:defRPr sz="1800" kern="1200" cap="all" baseline="0">
           <a:solidFill>
             <a:schemeClr val="tx1"/>
           </a:solidFill>
+          <a:effectLst/>
           <a:latin typeface="+mn-lt"/>
           <a:ea typeface="+mn-ea"/>
           <a:cs typeface="+mn-cs"/>
@@ -6584,17 +9779,22 @@
       </a:lvl2pPr>
       <a:lvl3pPr marL="1143000" indent="-228600" algn="l" defTabSz="914400" rtl="0" eaLnBrk="1" latinLnBrk="0" hangingPunct="1">
         <a:lnSpc>
-          <a:spcPct val="90000"/>
+          <a:spcPct val="120000"/>
         </a:lnSpc>
         <a:spcBef>
           <a:spcPts val="500"/>
         </a:spcBef>
+        <a:buClr>
+          <a:schemeClr val="accent1"/>
+        </a:buClr>
+        <a:buSzPct val="160000"/>
         <a:buFont typeface="Arial" panose="020B0604020202020204" pitchFamily="34" charset="0"/>
         <a:buChar char="•"/>
-        <a:defRPr sz="2000" kern="1200">
+        <a:defRPr sz="1600" kern="1200" cap="all" baseline="0">
           <a:solidFill>
             <a:schemeClr val="tx1"/>
           </a:solidFill>
+          <a:effectLst/>
           <a:latin typeface="+mn-lt"/>
           <a:ea typeface="+mn-ea"/>
           <a:cs typeface="+mn-cs"/>
@@ -6602,17 +9802,22 @@
       </a:lvl3pPr>
       <a:lvl4pPr marL="1600200" indent="-228600" algn="l" defTabSz="914400" rtl="0" eaLnBrk="1" latinLnBrk="0" hangingPunct="1">
         <a:lnSpc>
-          <a:spcPct val="90000"/>
+          <a:spcPct val="120000"/>
         </a:lnSpc>
         <a:spcBef>
           <a:spcPts val="500"/>
         </a:spcBef>
+        <a:buClr>
+          <a:schemeClr val="accent1"/>
+        </a:buClr>
+        <a:buSzPct val="160000"/>
         <a:buFont typeface="Arial" panose="020B0604020202020204" pitchFamily="34" charset="0"/>
         <a:buChar char="•"/>
-        <a:defRPr sz="1800" kern="1200">
+        <a:defRPr sz="1400" kern="1200" cap="all" baseline="0">
           <a:solidFill>
             <a:schemeClr val="tx1"/>
           </a:solidFill>
+          <a:effectLst/>
           <a:latin typeface="+mn-lt"/>
           <a:ea typeface="+mn-ea"/>
           <a:cs typeface="+mn-cs"/>
@@ -6620,17 +9825,22 @@
       </a:lvl4pPr>
       <a:lvl5pPr marL="2057400" indent="-228600" algn="l" defTabSz="914400" rtl="0" eaLnBrk="1" latinLnBrk="0" hangingPunct="1">
         <a:lnSpc>
-          <a:spcPct val="90000"/>
+          <a:spcPct val="120000"/>
         </a:lnSpc>
         <a:spcBef>
           <a:spcPts val="500"/>
         </a:spcBef>
+        <a:buClr>
+          <a:schemeClr val="accent1"/>
+        </a:buClr>
+        <a:buSzPct val="160000"/>
         <a:buFont typeface="Arial" panose="020B0604020202020204" pitchFamily="34" charset="0"/>
         <a:buChar char="•"/>
-        <a:defRPr sz="1800" kern="1200">
+        <a:defRPr sz="1400" kern="1200" cap="all" baseline="0">
           <a:solidFill>
             <a:schemeClr val="tx1"/>
           </a:solidFill>
+          <a:effectLst/>
           <a:latin typeface="+mn-lt"/>
           <a:ea typeface="+mn-ea"/>
           <a:cs typeface="+mn-cs"/>
@@ -6638,17 +9848,22 @@
       </a:lvl5pPr>
       <a:lvl6pPr marL="2514600" indent="-228600" algn="l" defTabSz="914400" rtl="0" eaLnBrk="1" latinLnBrk="0" hangingPunct="1">
         <a:lnSpc>
-          <a:spcPct val="90000"/>
+          <a:spcPct val="120000"/>
         </a:lnSpc>
         <a:spcBef>
           <a:spcPts val="500"/>
         </a:spcBef>
+        <a:buClr>
+          <a:schemeClr val="accent1"/>
+        </a:buClr>
+        <a:buSzPct val="160000"/>
         <a:buFont typeface="Arial" panose="020B0604020202020204" pitchFamily="34" charset="0"/>
         <a:buChar char="•"/>
-        <a:defRPr sz="1800" kern="1200">
+        <a:defRPr sz="1400" kern="1200" cap="all" baseline="0">
           <a:solidFill>
             <a:schemeClr val="tx1"/>
           </a:solidFill>
+          <a:effectLst/>
           <a:latin typeface="+mn-lt"/>
           <a:ea typeface="+mn-ea"/>
           <a:cs typeface="+mn-cs"/>
@@ -6656,17 +9871,22 @@
       </a:lvl6pPr>
       <a:lvl7pPr marL="2971800" indent="-228600" algn="l" defTabSz="914400" rtl="0" eaLnBrk="1" latinLnBrk="0" hangingPunct="1">
         <a:lnSpc>
-          <a:spcPct val="90000"/>
+          <a:spcPct val="120000"/>
         </a:lnSpc>
         <a:spcBef>
           <a:spcPts val="500"/>
         </a:spcBef>
+        <a:buClr>
+          <a:schemeClr val="accent1"/>
+        </a:buClr>
+        <a:buSzPct val="160000"/>
         <a:buFont typeface="Arial" panose="020B0604020202020204" pitchFamily="34" charset="0"/>
         <a:buChar char="•"/>
-        <a:defRPr sz="1800" kern="1200">
+        <a:defRPr sz="1400" kern="1200" cap="all" baseline="0">
           <a:solidFill>
             <a:schemeClr val="tx1"/>
           </a:solidFill>
+          <a:effectLst/>
           <a:latin typeface="+mn-lt"/>
           <a:ea typeface="+mn-ea"/>
           <a:cs typeface="+mn-cs"/>
@@ -6674,17 +9894,22 @@
       </a:lvl7pPr>
       <a:lvl8pPr marL="3429000" indent="-228600" algn="l" defTabSz="914400" rtl="0" eaLnBrk="1" latinLnBrk="0" hangingPunct="1">
         <a:lnSpc>
-          <a:spcPct val="90000"/>
+          <a:spcPct val="120000"/>
         </a:lnSpc>
         <a:spcBef>
           <a:spcPts val="500"/>
         </a:spcBef>
+        <a:buClr>
+          <a:schemeClr val="accent1"/>
+        </a:buClr>
+        <a:buSzPct val="160000"/>
         <a:buFont typeface="Arial" panose="020B0604020202020204" pitchFamily="34" charset="0"/>
         <a:buChar char="•"/>
-        <a:defRPr sz="1800" kern="1200">
+        <a:defRPr sz="1400" kern="1200" cap="all" baseline="0">
           <a:solidFill>
             <a:schemeClr val="tx1"/>
           </a:solidFill>
+          <a:effectLst/>
           <a:latin typeface="+mn-lt"/>
           <a:ea typeface="+mn-ea"/>
           <a:cs typeface="+mn-cs"/>
@@ -6692,17 +9917,22 @@
       </a:lvl8pPr>
       <a:lvl9pPr marL="3886200" indent="-228600" algn="l" defTabSz="914400" rtl="0" eaLnBrk="1" latinLnBrk="0" hangingPunct="1">
         <a:lnSpc>
-          <a:spcPct val="90000"/>
+          <a:spcPct val="120000"/>
         </a:lnSpc>
         <a:spcBef>
           <a:spcPts val="500"/>
         </a:spcBef>
+        <a:buClr>
+          <a:schemeClr val="accent1"/>
+        </a:buClr>
+        <a:buSzPct val="160000"/>
         <a:buFont typeface="Arial" panose="020B0604020202020204" pitchFamily="34" charset="0"/>
         <a:buChar char="•"/>
-        <a:defRPr sz="1800" kern="1200">
+        <a:defRPr sz="1400" kern="1200" cap="all" baseline="0">
           <a:solidFill>
             <a:schemeClr val="tx1"/>
           </a:solidFill>
+          <a:effectLst/>
           <a:latin typeface="+mn-lt"/>
           <a:ea typeface="+mn-ea"/>
           <a:cs typeface="+mn-cs"/>
@@ -6827,7 +10057,7 @@
       </p:grpSpPr>
       <p:pic>
         <p:nvPicPr>
-          <p:cNvPr id="4" name="Picture 3" descr="http://www.moffe.org/wp-content/uploads/2014/05/UP_FC_Stag_3lang1.jpg"/>
+          <p:cNvPr id="5" name="Picture 4" descr="Logo"/>
           <p:cNvPicPr/>
           <p:nvPr/>
         </p:nvPicPr>
@@ -6846,8 +10076,8 @@
         </p:blipFill>
         <p:spPr bwMode="auto">
           <a:xfrm>
-            <a:off x="10998158" y="148281"/>
-            <a:ext cx="1045562" cy="565614"/>
+            <a:off x="9438400" y="258595"/>
+            <a:ext cx="1502092" cy="670504"/>
           </a:xfrm>
           <a:prstGeom prst="rect">
             <a:avLst/>
@@ -6857,7 +10087,7 @@
       </p:pic>
       <p:pic>
         <p:nvPicPr>
-          <p:cNvPr id="5" name="Picture 4" descr="Logo"/>
+          <p:cNvPr id="6" name="Picture 5"/>
           <p:cNvPicPr/>
           <p:nvPr/>
         </p:nvPicPr>
@@ -6876,37 +10106,7 @@
         </p:blipFill>
         <p:spPr bwMode="auto">
           <a:xfrm>
-            <a:off x="9438401" y="160877"/>
-            <a:ext cx="1502092" cy="670504"/>
-          </a:xfrm>
-          <a:prstGeom prst="rect">
-            <a:avLst/>
-          </a:prstGeom>
-          <a:noFill/>
-        </p:spPr>
-      </p:pic>
-      <p:pic>
-        <p:nvPicPr>
-          <p:cNvPr id="6" name="Picture 5"/>
-          <p:cNvPicPr/>
-          <p:nvPr/>
-        </p:nvPicPr>
-        <p:blipFill>
-          <a:blip r:embed="rId4" cstate="print">
-            <a:extLst>
-              <a:ext uri="{28A0092B-C50C-407E-A947-70E740481C1C}">
-                <a14:useLocalDpi xmlns:a14="http://schemas.microsoft.com/office/drawing/2010/main" val="0"/>
-              </a:ext>
-            </a:extLst>
-          </a:blip>
-          <a:srcRect/>
-          <a:stretch>
-            <a:fillRect/>
-          </a:stretch>
-        </p:blipFill>
-        <p:spPr bwMode="auto">
-          <a:xfrm>
-            <a:off x="7280835" y="278363"/>
+            <a:off x="7348236" y="425808"/>
             <a:ext cx="2027924" cy="435532"/>
           </a:xfrm>
           <a:prstGeom prst="rect">
@@ -6924,7 +10124,7 @@
         <p:spPr>
           <a:xfrm>
             <a:off x="576832" y="213024"/>
-            <a:ext cx="6029728" cy="830997"/>
+            <a:ext cx="6519734" cy="830997"/>
           </a:xfrm>
           <a:prstGeom prst="rect">
             <a:avLst/>
@@ -6938,7 +10138,9 @@
           <a:lstStyle/>
           <a:p>
             <a:r>
-              <a:rPr lang="en-ZA" sz="4000" b="1" dirty="0" smtClean="0"/>
+              <a:rPr lang="en-ZA" sz="4000" b="1" dirty="0" smtClean="0">
+                <a:latin typeface="Berlin Sans FB Demi" panose="020E0802020502020306" pitchFamily="34" charset="0"/>
+              </a:rPr>
               <a:t>DVT </a:t>
             </a:r>
             <a:r>
@@ -6948,14 +10150,19 @@
                     <a:lumMod val="50000"/>
                   </a:schemeClr>
                 </a:solidFill>
+                <a:latin typeface="Berlin Sans FB Demi" panose="020E0802020502020306" pitchFamily="34" charset="0"/>
               </a:rPr>
               <a:t>DriveStats</a:t>
             </a:r>
             <a:r>
-              <a:rPr lang="en-ZA" sz="4000" b="1" dirty="0" smtClean="0"/>
+              <a:rPr lang="en-ZA" sz="4000" b="1" dirty="0" smtClean="0">
+                <a:latin typeface="Berlin Sans FB Demi" panose="020E0802020502020306" pitchFamily="34" charset="0"/>
+              </a:rPr>
               <a:t> Algorithm</a:t>
             </a:r>
-            <a:endParaRPr lang="en-ZA" sz="4000" b="1" dirty="0"/>
+            <a:endParaRPr lang="en-ZA" sz="4000" b="1" dirty="0">
+              <a:latin typeface="Berlin Sans FB Demi" panose="020E0802020502020306" pitchFamily="34" charset="0"/>
+            </a:endParaRPr>
           </a:p>
         </p:txBody>
       </p:sp>
@@ -6996,7 +10203,9 @@
           <a:p>
             <a:pPr algn="ctr"/>
             <a:r>
-              <a:rPr lang="en-ZA" dirty="0" smtClean="0"/>
+              <a:rPr lang="en-ZA" dirty="0" smtClean="0">
+                <a:latin typeface="Berlin Sans FB Demi" panose="020E0802020502020306" pitchFamily="34" charset="0"/>
+              </a:rPr>
               <a:t>What is an algorithm?</a:t>
             </a:r>
           </a:p>
@@ -7007,6 +10216,7 @@
                 <a:solidFill>
                   <a:srgbClr val="002060"/>
                 </a:solidFill>
+                <a:latin typeface="Berlin Sans FB Demi" panose="020E0802020502020306" pitchFamily="34" charset="0"/>
               </a:rPr>
               <a:t>Algorithm is a process and set of rules to be followed in calculations or other problem-solving operations, especially by a computer.</a:t>
             </a:r>
@@ -7014,6 +10224,7 @@
               <a:solidFill>
                 <a:srgbClr val="002060"/>
               </a:solidFill>
+              <a:latin typeface="Berlin Sans FB Demi" panose="020E0802020502020306" pitchFamily="34" charset="0"/>
             </a:endParaRPr>
           </a:p>
         </p:txBody>
@@ -7055,7 +10266,9 @@
           <a:p>
             <a:pPr algn="ctr"/>
             <a:r>
-              <a:rPr lang="en-ZA" dirty="0" smtClean="0"/>
+              <a:rPr lang="en-ZA" dirty="0" smtClean="0">
+                <a:latin typeface="Berlin Sans FB Demi" panose="020E0802020502020306" pitchFamily="34" charset="0"/>
+              </a:rPr>
               <a:t>What does the DVT DriveStats algorithm do?</a:t>
             </a:r>
           </a:p>
@@ -7068,8 +10281,20 @@
                     <a:lumMod val="50000"/>
                   </a:schemeClr>
                 </a:solidFill>
+                <a:latin typeface="Berlin Sans FB Demi" panose="020E0802020502020306" pitchFamily="34" charset="0"/>
               </a:rPr>
-              <a:t>Our algorithm makes use of a few very interesting properties of common statistics to give a driver a score for the quality of the their driving out of 10.</a:t>
+              <a:t>Our algorithm makes use of a few very interesting properties of common statistics to give a driver a score for the quality of the their driving out of 10</a:t>
+            </a:r>
+            <a:r>
+              <a:rPr lang="en-ZA" sz="1200" dirty="0" smtClean="0">
+                <a:solidFill>
+                  <a:schemeClr val="accent2">
+                    <a:lumMod val="50000"/>
+                  </a:schemeClr>
+                </a:solidFill>
+                <a:latin typeface="Berlin Sans FB Demi" panose="020E0802020502020306" pitchFamily="34" charset="0"/>
+              </a:rPr>
+              <a:t>.</a:t>
             </a:r>
             <a:endParaRPr lang="en-ZA" sz="1200" dirty="0">
               <a:solidFill>
@@ -7077,6 +10302,7 @@
                   <a:lumMod val="50000"/>
                 </a:schemeClr>
               </a:solidFill>
+              <a:latin typeface="Berlin Sans FB Demi" panose="020E0802020502020306" pitchFamily="34" charset="0"/>
             </a:endParaRPr>
           </a:p>
         </p:txBody>
@@ -7117,7 +10343,9 @@
           <a:lstStyle/>
           <a:p>
             <a:pPr algn="ctr"/>
-            <a:endParaRPr lang="en-ZA"/>
+            <a:endParaRPr lang="en-ZA">
+              <a:latin typeface="Berlin Sans FB Demi" panose="020E0802020502020306" pitchFamily="34" charset="0"/>
+            </a:endParaRPr>
           </a:p>
         </p:txBody>
       </p:sp>
@@ -7129,8 +10357,8 @@
         </p:nvSpPr>
         <p:spPr>
           <a:xfrm>
-            <a:off x="8443026" y="1006950"/>
-            <a:ext cx="3492841" cy="1433383"/>
+            <a:off x="8443026" y="972019"/>
+            <a:ext cx="3492841" cy="1600963"/>
           </a:xfrm>
           <a:prstGeom prst="roundRect">
             <a:avLst/>
@@ -7158,10 +10386,11 @@
           <a:p>
             <a:pPr algn="ctr"/>
             <a:r>
-              <a:rPr lang="en-ZA" dirty="0" smtClean="0"/>
+              <a:rPr lang="en-ZA" dirty="0" smtClean="0">
+                <a:latin typeface="Berlin Sans FB Demi" panose="020E0802020502020306" pitchFamily="34" charset="0"/>
+              </a:rPr>
               <a:t>How does it work?</a:t>
             </a:r>
-            <a:endParaRPr lang="en-ZA" dirty="0" smtClean="0"/>
           </a:p>
           <a:p>
             <a:pPr algn="just"/>
@@ -7172,18 +10401,9 @@
                     <a:lumMod val="75000"/>
                   </a:schemeClr>
                 </a:solidFill>
+                <a:latin typeface="Berlin Sans FB Demi" panose="020E0802020502020306" pitchFamily="34" charset="0"/>
               </a:rPr>
-              <a:t>Using the data gathered from sensors built into all modern android devices we are able to determine a person’s acceleration in the x, y</a:t>
-            </a:r>
-            <a:r>
-              <a:rPr lang="en-ZA" sz="1050" dirty="0" smtClean="0">
-                <a:solidFill>
-                  <a:schemeClr val="accent2">
-                    <a:lumMod val="75000"/>
-                  </a:schemeClr>
-                </a:solidFill>
-              </a:rPr>
-              <a:t>, and z axes, as well as many other important facts. By taking samples from these sensors at regular intervals (currently we have found that 1/3 of a second works well), we are able to estimate the manner in which an individual has been driving.</a:t>
+              <a:t>Using the data gathered from sensors built into all modern android devices we are able to determine a person’s acceleration in the x, y, and z axes, as well as many other important facts. By taking samples from these sensors at regular intervals (currently we have found that 1/3 of a second works well), we are able to estimate the manner in which an individual has been driving.</a:t>
             </a:r>
             <a:endParaRPr lang="en-ZA" sz="1200" dirty="0">
               <a:solidFill>
@@ -7191,6 +10411,7 @@
                   <a:lumMod val="75000"/>
                 </a:schemeClr>
               </a:solidFill>
+              <a:latin typeface="Berlin Sans FB Demi" panose="020E0802020502020306" pitchFamily="34" charset="0"/>
             </a:endParaRPr>
           </a:p>
         </p:txBody>
@@ -7231,353 +10452,716 @@
           <a:lstStyle/>
           <a:p>
             <a:pPr algn="ctr"/>
-            <a:endParaRPr lang="en-ZA"/>
+            <a:endParaRPr lang="en-ZA">
+              <a:latin typeface="Berlin Sans FB Demi" panose="020E0802020502020306" pitchFamily="34" charset="0"/>
+            </a:endParaRPr>
           </a:p>
         </p:txBody>
       </p:sp>
-      <p:sp>
-        <p:nvSpPr>
-          <p:cNvPr id="14" name="Rounded Rectangle 13"/>
-          <p:cNvSpPr/>
-          <p:nvPr/>
-        </p:nvSpPr>
-        <p:spPr>
-          <a:xfrm>
-            <a:off x="386653" y="2591709"/>
-            <a:ext cx="3361564" cy="4097415"/>
-          </a:xfrm>
-          <a:prstGeom prst="roundRect">
-            <a:avLst/>
-          </a:prstGeom>
-          <a:noFill/>
-        </p:spPr>
-        <p:style>
-          <a:lnRef idx="2">
-            <a:schemeClr val="accent4"/>
-          </a:lnRef>
-          <a:fillRef idx="1">
-            <a:schemeClr val="lt1"/>
-          </a:fillRef>
-          <a:effectRef idx="0">
-            <a:schemeClr val="accent4"/>
-          </a:effectRef>
-          <a:fontRef idx="minor">
-            <a:schemeClr val="dk1"/>
-          </a:fontRef>
-        </p:style>
-        <p:txBody>
-          <a:bodyPr rtlCol="0" anchor="ctr"/>
-          <a:lstStyle/>
-          <a:p>
-            <a:pPr algn="ctr"/>
-            <a:endParaRPr lang="en-ZA" sz="1600" dirty="0" smtClean="0"/>
-          </a:p>
-          <a:p>
-            <a:pPr algn="ctr"/>
-            <a:r>
-              <a:rPr lang="en-ZA" sz="1600" dirty="0" smtClean="0"/>
-              <a:t>What problems did we overcome?</a:t>
-            </a:r>
-          </a:p>
-          <a:p>
-            <a:pPr algn="just"/>
-            <a:endParaRPr lang="en-ZA" sz="800" b="1" dirty="0" smtClean="0">
-              <a:solidFill>
-                <a:schemeClr val="accent2">
-                  <a:lumMod val="50000"/>
-                </a:schemeClr>
-              </a:solidFill>
-            </a:endParaRPr>
-          </a:p>
-          <a:p>
-            <a:pPr algn="just"/>
-            <a:r>
-              <a:rPr lang="en-ZA" sz="800" b="1" dirty="0" smtClean="0">
-                <a:solidFill>
-                  <a:schemeClr val="accent2">
-                    <a:lumMod val="50000"/>
-                  </a:schemeClr>
-                </a:solidFill>
-              </a:rPr>
-              <a:t>Steps:</a:t>
-            </a:r>
-          </a:p>
-          <a:p>
-            <a:pPr algn="just"/>
-            <a:r>
-              <a:rPr lang="en-ZA" sz="800" dirty="0">
-                <a:solidFill>
-                  <a:schemeClr val="accent2">
-                    <a:lumMod val="50000"/>
-                  </a:schemeClr>
-                </a:solidFill>
-              </a:rPr>
-              <a:t>1</a:t>
-            </a:r>
-            <a:r>
-              <a:rPr lang="en-ZA" sz="800" dirty="0" smtClean="0">
-                <a:solidFill>
-                  <a:schemeClr val="accent2">
-                    <a:lumMod val="50000"/>
-                  </a:schemeClr>
-                </a:solidFill>
-              </a:rPr>
-              <a:t>) What data should we gather?</a:t>
-            </a:r>
-          </a:p>
-          <a:p>
-            <a:pPr algn="just"/>
-            <a:r>
-              <a:rPr lang="en-ZA" sz="800" dirty="0" smtClean="0">
-                <a:solidFill>
-                  <a:schemeClr val="accent2">
-                    <a:lumMod val="75000"/>
-                  </a:schemeClr>
-                </a:solidFill>
-              </a:rPr>
-              <a:t>We decided that the most meaningful data we could collect would revolve around the acceleration, speed, and location of the car.</a:t>
-            </a:r>
-          </a:p>
-          <a:p>
-            <a:pPr algn="just"/>
-            <a:r>
-              <a:rPr lang="en-ZA" sz="800" dirty="0" smtClean="0">
-                <a:solidFill>
-                  <a:schemeClr val="accent1">
-                    <a:lumMod val="50000"/>
-                  </a:schemeClr>
-                </a:solidFill>
-              </a:rPr>
-              <a:t>2) How do we determine what constitutes bad driving?</a:t>
-            </a:r>
-          </a:p>
-          <a:p>
-            <a:pPr algn="just"/>
-            <a:r>
-              <a:rPr lang="en-ZA" sz="800" dirty="0" smtClean="0">
-                <a:solidFill>
-                  <a:schemeClr val="accent1">
-                    <a:lumMod val="60000"/>
-                    <a:lumOff val="40000"/>
-                  </a:schemeClr>
-                </a:solidFill>
-              </a:rPr>
-              <a:t>We decided to use online data about driving to determine what acceleration is considered bad driving. The scores we arrived at were: </a:t>
-            </a:r>
-            <a:r>
-              <a:rPr lang="en-ZA" sz="800" b="1" dirty="0" smtClean="0">
-                <a:solidFill>
-                  <a:schemeClr val="accent1">
-                    <a:lumMod val="60000"/>
-                    <a:lumOff val="40000"/>
-                  </a:schemeClr>
-                </a:solidFill>
-              </a:rPr>
-              <a:t>Forward Acceleration</a:t>
-            </a:r>
-            <a:r>
-              <a:rPr lang="en-ZA" sz="800" dirty="0" smtClean="0">
-                <a:solidFill>
-                  <a:schemeClr val="accent1">
-                    <a:lumMod val="60000"/>
-                    <a:lumOff val="40000"/>
-                  </a:schemeClr>
-                </a:solidFill>
-              </a:rPr>
-              <a:t>: 4.2m/s/s</a:t>
-            </a:r>
-          </a:p>
-          <a:p>
-            <a:pPr algn="just"/>
-            <a:r>
-              <a:rPr lang="en-ZA" sz="800" b="1" dirty="0" smtClean="0">
-                <a:solidFill>
-                  <a:schemeClr val="accent1">
-                    <a:lumMod val="60000"/>
-                    <a:lumOff val="40000"/>
-                  </a:schemeClr>
-                </a:solidFill>
-              </a:rPr>
-              <a:t>Cornering Acceleration</a:t>
-            </a:r>
-            <a:r>
-              <a:rPr lang="en-ZA" sz="800" dirty="0" smtClean="0">
-                <a:solidFill>
-                  <a:schemeClr val="accent1">
-                    <a:lumMod val="60000"/>
-                    <a:lumOff val="40000"/>
-                  </a:schemeClr>
-                </a:solidFill>
-              </a:rPr>
-              <a:t>: 3m/s/s</a:t>
-            </a:r>
-          </a:p>
-          <a:p>
-            <a:pPr algn="just"/>
-            <a:r>
-              <a:rPr lang="en-ZA" sz="800" b="1" dirty="0" smtClean="0">
-                <a:solidFill>
-                  <a:schemeClr val="accent1">
-                    <a:lumMod val="60000"/>
-                    <a:lumOff val="40000"/>
-                  </a:schemeClr>
-                </a:solidFill>
-              </a:rPr>
-              <a:t>Vertical Acceleration</a:t>
-            </a:r>
-            <a:r>
-              <a:rPr lang="en-ZA" sz="800" dirty="0" smtClean="0">
-                <a:solidFill>
-                  <a:schemeClr val="accent1">
-                    <a:lumMod val="60000"/>
-                    <a:lumOff val="40000"/>
-                  </a:schemeClr>
-                </a:solidFill>
-              </a:rPr>
-              <a:t>: 2m/s/s</a:t>
-            </a:r>
-          </a:p>
-          <a:p>
-            <a:pPr algn="just"/>
-            <a:r>
-              <a:rPr lang="en-ZA" sz="800" dirty="0" smtClean="0">
-                <a:solidFill>
-                  <a:schemeClr val="tx1">
-                    <a:lumMod val="95000"/>
-                    <a:lumOff val="5000"/>
-                  </a:schemeClr>
-                </a:solidFill>
-              </a:rPr>
-              <a:t>3) How do you determine a value for the quality of someone’s driving when there is no objective measure of driving?</a:t>
-            </a:r>
-          </a:p>
-          <a:p>
-            <a:pPr algn="just"/>
-            <a:r>
-              <a:rPr lang="en-ZA" sz="800" dirty="0" smtClean="0">
-                <a:solidFill>
-                  <a:schemeClr val="bg1">
-                    <a:lumMod val="50000"/>
-                  </a:schemeClr>
-                </a:solidFill>
-              </a:rPr>
-              <a:t>We used the data of our user and compared it to a normal distribution to determine how the number of poor data readings at any given instant compared.</a:t>
-            </a:r>
-          </a:p>
-          <a:p>
-            <a:pPr algn="just"/>
-            <a:r>
-              <a:rPr lang="en-ZA" sz="800" dirty="0" smtClean="0">
-                <a:solidFill>
-                  <a:schemeClr val="accent6">
-                    <a:lumMod val="50000"/>
-                  </a:schemeClr>
-                </a:solidFill>
-              </a:rPr>
-              <a:t>4) How do you turn randomly collected data into a normal distribution?</a:t>
-            </a:r>
-          </a:p>
-          <a:p>
-            <a:pPr algn="just"/>
-            <a:r>
-              <a:rPr lang="en-ZA" sz="800" dirty="0" smtClean="0">
-                <a:solidFill>
-                  <a:schemeClr val="accent6">
-                    <a:lumMod val="60000"/>
-                    <a:lumOff val="40000"/>
-                  </a:schemeClr>
-                </a:solidFill>
-              </a:rPr>
-              <a:t>Fortunately, follows </a:t>
-            </a:r>
-            <a:r>
-              <a:rPr lang="en-ZA" sz="800" dirty="0">
-                <a:solidFill>
-                  <a:schemeClr val="accent6">
-                    <a:lumMod val="60000"/>
-                    <a:lumOff val="40000"/>
-                  </a:schemeClr>
-                </a:solidFill>
-              </a:rPr>
-              <a:t>a layout called a Poisson distribution; because it expresses the probability of a given number of events occurring in a fixed interval of time and/or space if these events occur with a known average </a:t>
-            </a:r>
-            <a:r>
-              <a:rPr lang="en-ZA" sz="800" dirty="0" smtClean="0">
-                <a:solidFill>
-                  <a:schemeClr val="accent6">
-                    <a:lumMod val="60000"/>
-                    <a:lumOff val="40000"/>
-                  </a:schemeClr>
-                </a:solidFill>
-              </a:rPr>
-              <a:t>rate. Because of several properties of our data we observe out data closely approximating a normal distribution.</a:t>
-            </a:r>
-            <a:endParaRPr lang="en-ZA" sz="800" dirty="0">
-              <a:solidFill>
-                <a:schemeClr val="accent6">
-                  <a:lumMod val="60000"/>
-                  <a:lumOff val="40000"/>
-                </a:schemeClr>
-              </a:solidFill>
-            </a:endParaRPr>
-          </a:p>
-          <a:p>
-            <a:pPr algn="just"/>
-            <a:endParaRPr lang="en-ZA" sz="1200" dirty="0" smtClean="0">
-              <a:solidFill>
-                <a:schemeClr val="accent1">
-                  <a:lumMod val="60000"/>
-                  <a:lumOff val="40000"/>
-                </a:schemeClr>
-              </a:solidFill>
-            </a:endParaRPr>
-          </a:p>
-          <a:p>
-            <a:pPr algn="just"/>
-            <a:endParaRPr lang="en-ZA" sz="1200" dirty="0">
-              <a:solidFill>
-                <a:schemeClr val="accent2">
-                  <a:lumMod val="50000"/>
-                </a:schemeClr>
-              </a:solidFill>
-            </a:endParaRPr>
-          </a:p>
-          <a:p>
-            <a:pPr algn="just"/>
-            <a:endParaRPr lang="en-ZA" sz="1200" dirty="0" smtClean="0">
-              <a:solidFill>
-                <a:schemeClr val="accent2">
-                  <a:lumMod val="50000"/>
-                </a:schemeClr>
-              </a:solidFill>
-            </a:endParaRPr>
-          </a:p>
-          <a:p>
-            <a:pPr marL="228600" indent="-228600" algn="just">
-              <a:buAutoNum type="arabicParenR"/>
-            </a:pPr>
-            <a:endParaRPr lang="en-ZA" sz="1200" dirty="0" smtClean="0">
-              <a:solidFill>
-                <a:schemeClr val="accent2">
-                  <a:lumMod val="50000"/>
-                </a:schemeClr>
-              </a:solidFill>
-            </a:endParaRPr>
-          </a:p>
-          <a:p>
-            <a:pPr marL="228600" indent="-228600" algn="just">
-              <a:buAutoNum type="arabicParenR"/>
-            </a:pPr>
-            <a:endParaRPr lang="en-ZA" sz="1200" dirty="0">
-              <a:solidFill>
-                <a:schemeClr val="accent2">
-                  <a:lumMod val="50000"/>
-                </a:schemeClr>
-              </a:solidFill>
-            </a:endParaRPr>
-          </a:p>
-        </p:txBody>
-      </p:sp>
+      <mc:AlternateContent xmlns:mc="http://schemas.openxmlformats.org/markup-compatibility/2006">
+        <mc:Choice xmlns:a14="http://schemas.microsoft.com/office/drawing/2010/main" Requires="a14">
+          <p:sp>
+            <p:nvSpPr>
+              <p:cNvPr id="14" name="Rounded Rectangle 13"/>
+              <p:cNvSpPr/>
+              <p:nvPr/>
+            </p:nvSpPr>
+            <p:spPr>
+              <a:xfrm>
+                <a:off x="370353" y="2567521"/>
+                <a:ext cx="3361564" cy="4187568"/>
+              </a:xfrm>
+              <a:prstGeom prst="roundRect">
+                <a:avLst/>
+              </a:prstGeom>
+            </p:spPr>
+            <p:style>
+              <a:lnRef idx="2">
+                <a:schemeClr val="accent5"/>
+              </a:lnRef>
+              <a:fillRef idx="1">
+                <a:schemeClr val="lt1"/>
+              </a:fillRef>
+              <a:effectRef idx="0">
+                <a:schemeClr val="accent5"/>
+              </a:effectRef>
+              <a:fontRef idx="minor">
+                <a:schemeClr val="dk1"/>
+              </a:fontRef>
+            </p:style>
+            <p:txBody>
+              <a:bodyPr rtlCol="0" anchor="ctr"/>
+              <a:lstStyle/>
+              <a:p>
+                <a:pPr algn="ctr"/>
+                <a:endParaRPr lang="en-ZA" sz="1600" dirty="0" smtClean="0">
+                  <a:latin typeface="Berlin Sans FB Demi" panose="020E0802020502020306" pitchFamily="34" charset="0"/>
+                </a:endParaRPr>
+              </a:p>
+              <a:p>
+                <a:pPr algn="ctr"/>
+                <a:r>
+                  <a:rPr lang="en-ZA" sz="1600" dirty="0" smtClean="0">
+                    <a:latin typeface="Berlin Sans FB Demi" panose="020E0802020502020306" pitchFamily="34" charset="0"/>
+                  </a:rPr>
+                  <a:t>What problems did we overcome</a:t>
+                </a:r>
+                <a:r>
+                  <a:rPr lang="en-ZA" sz="1600" dirty="0" smtClean="0">
+                    <a:latin typeface="Berlin Sans FB Demi" panose="020E0802020502020306" pitchFamily="34" charset="0"/>
+                  </a:rPr>
+                  <a:t>?</a:t>
+                </a:r>
+                <a:endParaRPr lang="en-ZA" sz="800" b="1" dirty="0" smtClean="0">
+                  <a:solidFill>
+                    <a:schemeClr val="accent2">
+                      <a:lumMod val="50000"/>
+                    </a:schemeClr>
+                  </a:solidFill>
+                  <a:latin typeface="Berlin Sans FB Demi" panose="020E0802020502020306" pitchFamily="34" charset="0"/>
+                </a:endParaRPr>
+              </a:p>
+              <a:p>
+                <a:pPr algn="just"/>
+                <a:r>
+                  <a:rPr lang="en-ZA" sz="800" b="1" dirty="0" smtClean="0">
+                    <a:solidFill>
+                      <a:schemeClr val="accent2">
+                        <a:lumMod val="50000"/>
+                      </a:schemeClr>
+                    </a:solidFill>
+                    <a:latin typeface="Berlin Sans FB Demi" panose="020E0802020502020306" pitchFamily="34" charset="0"/>
+                  </a:rPr>
+                  <a:t>Steps:</a:t>
+                </a:r>
+              </a:p>
+              <a:p>
+                <a:pPr algn="just"/>
+                <a:r>
+                  <a:rPr lang="en-ZA" sz="800" dirty="0">
+                    <a:solidFill>
+                      <a:schemeClr val="accent2">
+                        <a:lumMod val="50000"/>
+                      </a:schemeClr>
+                    </a:solidFill>
+                    <a:latin typeface="Berlin Sans FB Demi" panose="020E0802020502020306" pitchFamily="34" charset="0"/>
+                  </a:rPr>
+                  <a:t>1</a:t>
+                </a:r>
+                <a:r>
+                  <a:rPr lang="en-ZA" sz="800" dirty="0" smtClean="0">
+                    <a:solidFill>
+                      <a:schemeClr val="accent2">
+                        <a:lumMod val="50000"/>
+                      </a:schemeClr>
+                    </a:solidFill>
+                    <a:latin typeface="Berlin Sans FB Demi" panose="020E0802020502020306" pitchFamily="34" charset="0"/>
+                  </a:rPr>
+                  <a:t>) What data should we gather?</a:t>
+                </a:r>
+              </a:p>
+              <a:p>
+                <a:pPr algn="just"/>
+                <a:r>
+                  <a:rPr lang="en-ZA" sz="800" dirty="0" smtClean="0">
+                    <a:solidFill>
+                      <a:schemeClr val="accent2">
+                        <a:lumMod val="75000"/>
+                      </a:schemeClr>
+                    </a:solidFill>
+                    <a:latin typeface="Berlin Sans FB Demi" panose="020E0802020502020306" pitchFamily="34" charset="0"/>
+                  </a:rPr>
+                  <a:t>We decided that the most meaningful data we could collect would revolve around the acceleration, speed, and location of the car.</a:t>
+                </a:r>
+              </a:p>
+              <a:p>
+                <a:pPr algn="just"/>
+                <a:r>
+                  <a:rPr lang="en-ZA" sz="800" dirty="0" smtClean="0">
+                    <a:solidFill>
+                      <a:schemeClr val="accent1">
+                        <a:lumMod val="50000"/>
+                      </a:schemeClr>
+                    </a:solidFill>
+                    <a:latin typeface="Berlin Sans FB Demi" panose="020E0802020502020306" pitchFamily="34" charset="0"/>
+                  </a:rPr>
+                  <a:t>2) How do we determine what constitutes bad driving?</a:t>
+                </a:r>
+              </a:p>
+              <a:p>
+                <a:pPr algn="just"/>
+                <a:r>
+                  <a:rPr lang="en-ZA" sz="800" dirty="0" smtClean="0">
+                    <a:solidFill>
+                      <a:schemeClr val="accent1">
+                        <a:lumMod val="60000"/>
+                        <a:lumOff val="40000"/>
+                      </a:schemeClr>
+                    </a:solidFill>
+                    <a:latin typeface="Berlin Sans FB Demi" panose="020E0802020502020306" pitchFamily="34" charset="0"/>
+                  </a:rPr>
+                  <a:t>We decided to use online data about driving to determine what acceleration is considered bad driving. The scores we arrived at were: </a:t>
+                </a:r>
+                <a:endParaRPr lang="en-ZA" sz="800" dirty="0" smtClean="0">
+                  <a:solidFill>
+                    <a:schemeClr val="accent1">
+                      <a:lumMod val="60000"/>
+                      <a:lumOff val="40000"/>
+                    </a:schemeClr>
+                  </a:solidFill>
+                  <a:latin typeface="Berlin Sans FB Demi" panose="020E0802020502020306" pitchFamily="34" charset="0"/>
+                </a:endParaRPr>
+              </a:p>
+              <a:p>
+                <a:pPr algn="just"/>
+                <a:r>
+                  <a:rPr lang="en-ZA" sz="800" b="1" dirty="0" smtClean="0">
+                    <a:solidFill>
+                      <a:schemeClr val="accent1">
+                        <a:lumMod val="60000"/>
+                        <a:lumOff val="40000"/>
+                      </a:schemeClr>
+                    </a:solidFill>
+                    <a:latin typeface="Berlin Sans FB Demi" panose="020E0802020502020306" pitchFamily="34" charset="0"/>
+                  </a:rPr>
+                  <a:t>Forward </a:t>
+                </a:r>
+                <a:r>
+                  <a:rPr lang="en-ZA" sz="800" b="1" dirty="0" smtClean="0">
+                    <a:solidFill>
+                      <a:schemeClr val="accent1">
+                        <a:lumMod val="60000"/>
+                        <a:lumOff val="40000"/>
+                      </a:schemeClr>
+                    </a:solidFill>
+                    <a:latin typeface="Berlin Sans FB Demi" panose="020E0802020502020306" pitchFamily="34" charset="0"/>
+                  </a:rPr>
+                  <a:t>Acceleration</a:t>
+                </a:r>
+                <a:r>
+                  <a:rPr lang="en-ZA" sz="800" dirty="0" smtClean="0">
+                    <a:solidFill>
+                      <a:schemeClr val="accent1">
+                        <a:lumMod val="60000"/>
+                        <a:lumOff val="40000"/>
+                      </a:schemeClr>
+                    </a:solidFill>
+                    <a:latin typeface="Berlin Sans FB Demi" panose="020E0802020502020306" pitchFamily="34" charset="0"/>
+                  </a:rPr>
+                  <a:t>: </a:t>
+                </a:r>
+                <a14:m>
+                  <m:oMath xmlns:m="http://schemas.openxmlformats.org/officeDocument/2006/math">
+                    <m:r>
+                      <a:rPr lang="en-ZA" sz="800" i="1" dirty="0" smtClean="0">
+                        <a:solidFill>
+                          <a:schemeClr val="accent1">
+                            <a:lumMod val="60000"/>
+                            <a:lumOff val="40000"/>
+                          </a:schemeClr>
+                        </a:solidFill>
+                        <a:latin typeface="Cambria Math" panose="02040503050406030204" pitchFamily="18" charset="0"/>
+                      </a:rPr>
+                      <m:t>4</m:t>
+                    </m:r>
+                    <m:r>
+                      <a:rPr lang="en-ZA" sz="800" b="0" i="1" dirty="0" smtClean="0">
+                        <a:solidFill>
+                          <a:schemeClr val="accent1">
+                            <a:lumMod val="60000"/>
+                            <a:lumOff val="40000"/>
+                          </a:schemeClr>
+                        </a:solidFill>
+                        <a:latin typeface="Cambria Math" panose="02040503050406030204" pitchFamily="18" charset="0"/>
+                      </a:rPr>
+                      <m:t>.2</m:t>
+                    </m:r>
+                    <m:r>
+                      <a:rPr lang="en-ZA" sz="800" i="1">
+                        <a:solidFill>
+                          <a:schemeClr val="accent1">
+                            <a:lumMod val="60000"/>
+                            <a:lumOff val="40000"/>
+                          </a:schemeClr>
+                        </a:solidFill>
+                        <a:latin typeface="Cambria Math" panose="02040503050406030204" pitchFamily="18" charset="0"/>
+                      </a:rPr>
+                      <m:t>𝑚</m:t>
+                    </m:r>
+                    <m:sSup>
+                      <m:sSupPr>
+                        <m:ctrlPr>
+                          <a:rPr lang="en-ZA" sz="800" i="1">
+                            <a:solidFill>
+                              <a:schemeClr val="accent1">
+                                <a:lumMod val="60000"/>
+                                <a:lumOff val="40000"/>
+                              </a:schemeClr>
+                            </a:solidFill>
+                            <a:latin typeface="Cambria Math" panose="02040503050406030204" pitchFamily="18" charset="0"/>
+                          </a:rPr>
+                        </m:ctrlPr>
+                      </m:sSupPr>
+                      <m:e>
+                        <m:r>
+                          <a:rPr lang="en-ZA" sz="800" i="1">
+                            <a:solidFill>
+                              <a:schemeClr val="accent1">
+                                <a:lumMod val="60000"/>
+                                <a:lumOff val="40000"/>
+                              </a:schemeClr>
+                            </a:solidFill>
+                            <a:latin typeface="Cambria Math" panose="02040503050406030204" pitchFamily="18" charset="0"/>
+                          </a:rPr>
+                          <m:t>𝑠</m:t>
+                        </m:r>
+                      </m:e>
+                      <m:sup>
+                        <m:r>
+                          <a:rPr lang="en-ZA" sz="800" i="1">
+                            <a:solidFill>
+                              <a:schemeClr val="accent1">
+                                <a:lumMod val="60000"/>
+                                <a:lumOff val="40000"/>
+                              </a:schemeClr>
+                            </a:solidFill>
+                            <a:latin typeface="Cambria Math" panose="02040503050406030204" pitchFamily="18" charset="0"/>
+                          </a:rPr>
+                          <m:t>−2</m:t>
+                        </m:r>
+                      </m:sup>
+                    </m:sSup>
+                  </m:oMath>
+                </a14:m>
+                <a:endParaRPr lang="en-ZA" sz="800" dirty="0" smtClean="0">
+                  <a:solidFill>
+                    <a:schemeClr val="accent1">
+                      <a:lumMod val="60000"/>
+                      <a:lumOff val="40000"/>
+                    </a:schemeClr>
+                  </a:solidFill>
+                  <a:latin typeface="Berlin Sans FB Demi" panose="020E0802020502020306" pitchFamily="34" charset="0"/>
+                </a:endParaRPr>
+              </a:p>
+              <a:p>
+                <a:pPr algn="just"/>
+                <a:r>
+                  <a:rPr lang="en-ZA" sz="800" dirty="0" smtClean="0">
+                    <a:solidFill>
+                      <a:schemeClr val="accent1">
+                        <a:lumMod val="60000"/>
+                        <a:lumOff val="40000"/>
+                      </a:schemeClr>
+                    </a:solidFill>
+                    <a:latin typeface="Berlin Sans FB Demi" panose="020E0802020502020306" pitchFamily="34" charset="0"/>
+                  </a:rPr>
+                  <a:t>Cornering </a:t>
+                </a:r>
+                <a:r>
+                  <a:rPr lang="en-ZA" sz="800" dirty="0" smtClean="0">
+                    <a:solidFill>
+                      <a:schemeClr val="accent1">
+                        <a:lumMod val="60000"/>
+                        <a:lumOff val="40000"/>
+                      </a:schemeClr>
+                    </a:solidFill>
+                    <a:latin typeface="Berlin Sans FB Demi" panose="020E0802020502020306" pitchFamily="34" charset="0"/>
+                  </a:rPr>
+                  <a:t>Acceleration: </a:t>
+                </a:r>
+                <a14:m>
+                  <m:oMath xmlns:m="http://schemas.openxmlformats.org/officeDocument/2006/math">
+                    <m:r>
+                      <a:rPr lang="en-ZA" sz="800" b="0" i="1" smtClean="0">
+                        <a:solidFill>
+                          <a:schemeClr val="accent1">
+                            <a:lumMod val="60000"/>
+                            <a:lumOff val="40000"/>
+                          </a:schemeClr>
+                        </a:solidFill>
+                        <a:latin typeface="Cambria Math" panose="02040503050406030204" pitchFamily="18" charset="0"/>
+                      </a:rPr>
+                      <m:t>3</m:t>
+                    </m:r>
+                    <m:r>
+                      <a:rPr lang="en-ZA" sz="800" b="0" i="1" smtClean="0">
+                        <a:solidFill>
+                          <a:schemeClr val="accent1">
+                            <a:lumMod val="60000"/>
+                            <a:lumOff val="40000"/>
+                          </a:schemeClr>
+                        </a:solidFill>
+                        <a:latin typeface="Cambria Math" panose="02040503050406030204" pitchFamily="18" charset="0"/>
+                      </a:rPr>
+                      <m:t>𝑚</m:t>
+                    </m:r>
+                    <m:sSup>
+                      <m:sSupPr>
+                        <m:ctrlPr>
+                          <a:rPr lang="en-ZA" sz="800" b="0" i="1" smtClean="0">
+                            <a:solidFill>
+                              <a:schemeClr val="accent1">
+                                <a:lumMod val="60000"/>
+                                <a:lumOff val="40000"/>
+                              </a:schemeClr>
+                            </a:solidFill>
+                            <a:latin typeface="Cambria Math" panose="02040503050406030204" pitchFamily="18" charset="0"/>
+                          </a:rPr>
+                        </m:ctrlPr>
+                      </m:sSupPr>
+                      <m:e>
+                        <m:r>
+                          <a:rPr lang="en-ZA" sz="800" b="0" i="1" smtClean="0">
+                            <a:solidFill>
+                              <a:schemeClr val="accent1">
+                                <a:lumMod val="60000"/>
+                                <a:lumOff val="40000"/>
+                              </a:schemeClr>
+                            </a:solidFill>
+                            <a:latin typeface="Cambria Math" panose="02040503050406030204" pitchFamily="18" charset="0"/>
+                          </a:rPr>
+                          <m:t>𝑠</m:t>
+                        </m:r>
+                      </m:e>
+                      <m:sup>
+                        <m:r>
+                          <a:rPr lang="en-ZA" sz="800" b="0" i="1" smtClean="0">
+                            <a:solidFill>
+                              <a:schemeClr val="accent1">
+                                <a:lumMod val="60000"/>
+                                <a:lumOff val="40000"/>
+                              </a:schemeClr>
+                            </a:solidFill>
+                            <a:latin typeface="Cambria Math" panose="02040503050406030204" pitchFamily="18" charset="0"/>
+                          </a:rPr>
+                          <m:t>−2</m:t>
+                        </m:r>
+                      </m:sup>
+                    </m:sSup>
+                  </m:oMath>
+                </a14:m>
+                <a:endParaRPr lang="en-ZA" sz="800" dirty="0" smtClean="0">
+                  <a:solidFill>
+                    <a:schemeClr val="accent1">
+                      <a:lumMod val="60000"/>
+                      <a:lumOff val="40000"/>
+                    </a:schemeClr>
+                  </a:solidFill>
+                  <a:latin typeface="Berlin Sans FB Demi" panose="020E0802020502020306" pitchFamily="34" charset="0"/>
+                </a:endParaRPr>
+              </a:p>
+              <a:p>
+                <a:pPr algn="just"/>
+                <a:r>
+                  <a:rPr lang="en-ZA" sz="800" b="1" dirty="0" smtClean="0">
+                    <a:solidFill>
+                      <a:schemeClr val="accent1">
+                        <a:lumMod val="60000"/>
+                        <a:lumOff val="40000"/>
+                      </a:schemeClr>
+                    </a:solidFill>
+                    <a:latin typeface="Berlin Sans FB Demi" panose="020E0802020502020306" pitchFamily="34" charset="0"/>
+                  </a:rPr>
+                  <a:t>Vertical Acceleration</a:t>
+                </a:r>
+                <a:r>
+                  <a:rPr lang="en-ZA" sz="800" dirty="0" smtClean="0">
+                    <a:solidFill>
+                      <a:schemeClr val="accent1">
+                        <a:lumMod val="60000"/>
+                        <a:lumOff val="40000"/>
+                      </a:schemeClr>
+                    </a:solidFill>
+                    <a:latin typeface="Berlin Sans FB Demi" panose="020E0802020502020306" pitchFamily="34" charset="0"/>
+                  </a:rPr>
+                  <a:t>: </a:t>
+                </a:r>
+                <a14:m>
+                  <m:oMath xmlns:m="http://schemas.openxmlformats.org/officeDocument/2006/math">
+                    <m:r>
+                      <a:rPr lang="en-ZA" sz="800" i="1" dirty="0" smtClean="0">
+                        <a:solidFill>
+                          <a:schemeClr val="accent1">
+                            <a:lumMod val="60000"/>
+                            <a:lumOff val="40000"/>
+                          </a:schemeClr>
+                        </a:solidFill>
+                        <a:latin typeface="Cambria Math" panose="02040503050406030204" pitchFamily="18" charset="0"/>
+                      </a:rPr>
+                      <m:t>2</m:t>
+                    </m:r>
+                    <m:r>
+                      <a:rPr lang="en-ZA" sz="800" i="1">
+                        <a:solidFill>
+                          <a:schemeClr val="accent1">
+                            <a:lumMod val="60000"/>
+                            <a:lumOff val="40000"/>
+                          </a:schemeClr>
+                        </a:solidFill>
+                        <a:latin typeface="Cambria Math" panose="02040503050406030204" pitchFamily="18" charset="0"/>
+                      </a:rPr>
+                      <m:t>𝑚</m:t>
+                    </m:r>
+                    <m:sSup>
+                      <m:sSupPr>
+                        <m:ctrlPr>
+                          <a:rPr lang="en-ZA" sz="800" i="1">
+                            <a:solidFill>
+                              <a:schemeClr val="accent1">
+                                <a:lumMod val="60000"/>
+                                <a:lumOff val="40000"/>
+                              </a:schemeClr>
+                            </a:solidFill>
+                            <a:latin typeface="Cambria Math" panose="02040503050406030204" pitchFamily="18" charset="0"/>
+                          </a:rPr>
+                        </m:ctrlPr>
+                      </m:sSupPr>
+                      <m:e>
+                        <m:r>
+                          <a:rPr lang="en-ZA" sz="800" i="1">
+                            <a:solidFill>
+                              <a:schemeClr val="accent1">
+                                <a:lumMod val="60000"/>
+                                <a:lumOff val="40000"/>
+                              </a:schemeClr>
+                            </a:solidFill>
+                            <a:latin typeface="Cambria Math" panose="02040503050406030204" pitchFamily="18" charset="0"/>
+                          </a:rPr>
+                          <m:t>𝑠</m:t>
+                        </m:r>
+                      </m:e>
+                      <m:sup>
+                        <m:r>
+                          <a:rPr lang="en-ZA" sz="800" i="1">
+                            <a:solidFill>
+                              <a:schemeClr val="accent1">
+                                <a:lumMod val="60000"/>
+                                <a:lumOff val="40000"/>
+                              </a:schemeClr>
+                            </a:solidFill>
+                            <a:latin typeface="Cambria Math" panose="02040503050406030204" pitchFamily="18" charset="0"/>
+                          </a:rPr>
+                          <m:t>−2</m:t>
+                        </m:r>
+                      </m:sup>
+                    </m:sSup>
+                  </m:oMath>
+                </a14:m>
+                <a:endParaRPr lang="en-ZA" sz="800" dirty="0" smtClean="0">
+                  <a:solidFill>
+                    <a:schemeClr val="tx1">
+                      <a:lumMod val="95000"/>
+                      <a:lumOff val="5000"/>
+                    </a:schemeClr>
+                  </a:solidFill>
+                  <a:latin typeface="Berlin Sans FB Demi" panose="020E0802020502020306" pitchFamily="34" charset="0"/>
+                </a:endParaRPr>
+              </a:p>
+              <a:p>
+                <a:pPr algn="just"/>
+                <a:r>
+                  <a:rPr lang="en-ZA" sz="800" dirty="0" smtClean="0">
+                    <a:solidFill>
+                      <a:schemeClr val="tx1">
+                        <a:lumMod val="95000"/>
+                        <a:lumOff val="5000"/>
+                      </a:schemeClr>
+                    </a:solidFill>
+                    <a:latin typeface="Berlin Sans FB Demi" panose="020E0802020502020306" pitchFamily="34" charset="0"/>
+                  </a:rPr>
+                  <a:t>3</a:t>
+                </a:r>
+                <a:r>
+                  <a:rPr lang="en-ZA" sz="800" dirty="0" smtClean="0">
+                    <a:solidFill>
+                      <a:schemeClr val="tx1">
+                        <a:lumMod val="95000"/>
+                        <a:lumOff val="5000"/>
+                      </a:schemeClr>
+                    </a:solidFill>
+                    <a:latin typeface="Berlin Sans FB Demi" panose="020E0802020502020306" pitchFamily="34" charset="0"/>
+                  </a:rPr>
+                  <a:t>) How do you determine a value for the quality of someone’s driving when there is no objective measure of driving?</a:t>
+                </a:r>
+              </a:p>
+              <a:p>
+                <a:pPr algn="just"/>
+                <a:r>
+                  <a:rPr lang="en-ZA" sz="800" dirty="0" smtClean="0">
+                    <a:solidFill>
+                      <a:schemeClr val="bg1">
+                        <a:lumMod val="50000"/>
+                      </a:schemeClr>
+                    </a:solidFill>
+                    <a:latin typeface="Berlin Sans FB Demi" panose="020E0802020502020306" pitchFamily="34" charset="0"/>
+                  </a:rPr>
+                  <a:t>We used the data of our user and compared it to a normal distribution to determine how the number of poor data readings at any given instant compared.</a:t>
+                </a:r>
+              </a:p>
+              <a:p>
+                <a:pPr algn="just"/>
+                <a:r>
+                  <a:rPr lang="en-ZA" sz="800" dirty="0" smtClean="0">
+                    <a:solidFill>
+                      <a:schemeClr val="accent6">
+                        <a:lumMod val="50000"/>
+                      </a:schemeClr>
+                    </a:solidFill>
+                    <a:latin typeface="Berlin Sans FB Demi" panose="020E0802020502020306" pitchFamily="34" charset="0"/>
+                  </a:rPr>
+                  <a:t>4) How do you turn randomly collected data into a normal distribution?</a:t>
+                </a:r>
+              </a:p>
+              <a:p>
+                <a:pPr algn="just"/>
+                <a:r>
+                  <a:rPr lang="en-ZA" sz="800" dirty="0" smtClean="0">
+                    <a:solidFill>
+                      <a:schemeClr val="accent6">
+                        <a:lumMod val="60000"/>
+                        <a:lumOff val="40000"/>
+                      </a:schemeClr>
+                    </a:solidFill>
+                    <a:latin typeface="Berlin Sans FB Demi" panose="020E0802020502020306" pitchFamily="34" charset="0"/>
+                  </a:rPr>
+                  <a:t>Fortunately, follows </a:t>
+                </a:r>
+                <a:r>
+                  <a:rPr lang="en-ZA" sz="800" dirty="0">
+                    <a:solidFill>
+                      <a:schemeClr val="accent6">
+                        <a:lumMod val="60000"/>
+                        <a:lumOff val="40000"/>
+                      </a:schemeClr>
+                    </a:solidFill>
+                    <a:latin typeface="Berlin Sans FB Demi" panose="020E0802020502020306" pitchFamily="34" charset="0"/>
+                  </a:rPr>
+                  <a:t>a layout called a Poisson distribution; because it expresses the probability of a given number of events occurring in a fixed interval of time and/or space if these events occur with a known average </a:t>
+                </a:r>
+                <a:r>
+                  <a:rPr lang="en-ZA" sz="800" dirty="0" smtClean="0">
+                    <a:solidFill>
+                      <a:schemeClr val="accent6">
+                        <a:lumMod val="60000"/>
+                        <a:lumOff val="40000"/>
+                      </a:schemeClr>
+                    </a:solidFill>
+                    <a:latin typeface="Berlin Sans FB Demi" panose="020E0802020502020306" pitchFamily="34" charset="0"/>
+                  </a:rPr>
+                  <a:t>rate. Because of several properties of our data we observe out data closely approximating a normal distribution.</a:t>
+                </a:r>
+                <a:endParaRPr lang="en-ZA" sz="800" dirty="0">
+                  <a:solidFill>
+                    <a:schemeClr val="accent6">
+                      <a:lumMod val="60000"/>
+                      <a:lumOff val="40000"/>
+                    </a:schemeClr>
+                  </a:solidFill>
+                  <a:latin typeface="Berlin Sans FB Demi" panose="020E0802020502020306" pitchFamily="34" charset="0"/>
+                </a:endParaRPr>
+              </a:p>
+              <a:p>
+                <a:pPr algn="just"/>
+                <a:endParaRPr lang="en-ZA" sz="1200" dirty="0" smtClean="0">
+                  <a:solidFill>
+                    <a:schemeClr val="accent1">
+                      <a:lumMod val="60000"/>
+                      <a:lumOff val="40000"/>
+                    </a:schemeClr>
+                  </a:solidFill>
+                  <a:latin typeface="Berlin Sans FB Demi" panose="020E0802020502020306" pitchFamily="34" charset="0"/>
+                </a:endParaRPr>
+              </a:p>
+              <a:p>
+                <a:pPr algn="just"/>
+                <a:endParaRPr lang="en-ZA" sz="1200" dirty="0">
+                  <a:solidFill>
+                    <a:schemeClr val="accent2">
+                      <a:lumMod val="50000"/>
+                    </a:schemeClr>
+                  </a:solidFill>
+                  <a:latin typeface="Berlin Sans FB Demi" panose="020E0802020502020306" pitchFamily="34" charset="0"/>
+                </a:endParaRPr>
+              </a:p>
+              <a:p>
+                <a:pPr algn="just"/>
+                <a:endParaRPr lang="en-ZA" sz="1200" dirty="0" smtClean="0">
+                  <a:solidFill>
+                    <a:schemeClr val="accent2">
+                      <a:lumMod val="50000"/>
+                    </a:schemeClr>
+                  </a:solidFill>
+                  <a:latin typeface="Berlin Sans FB Demi" panose="020E0802020502020306" pitchFamily="34" charset="0"/>
+                </a:endParaRPr>
+              </a:p>
+              <a:p>
+                <a:pPr marL="228600" indent="-228600" algn="just">
+                  <a:buAutoNum type="arabicParenR"/>
+                </a:pPr>
+                <a:endParaRPr lang="en-ZA" sz="1200" dirty="0" smtClean="0">
+                  <a:solidFill>
+                    <a:schemeClr val="accent2">
+                      <a:lumMod val="50000"/>
+                    </a:schemeClr>
+                  </a:solidFill>
+                  <a:latin typeface="Berlin Sans FB Demi" panose="020E0802020502020306" pitchFamily="34" charset="0"/>
+                </a:endParaRPr>
+              </a:p>
+              <a:p>
+                <a:pPr marL="228600" indent="-228600" algn="just">
+                  <a:buAutoNum type="arabicParenR"/>
+                </a:pPr>
+                <a:endParaRPr lang="en-ZA" sz="1200" dirty="0">
+                  <a:solidFill>
+                    <a:schemeClr val="accent2">
+                      <a:lumMod val="50000"/>
+                    </a:schemeClr>
+                  </a:solidFill>
+                  <a:latin typeface="Berlin Sans FB Demi" panose="020E0802020502020306" pitchFamily="34" charset="0"/>
+                </a:endParaRPr>
+              </a:p>
+            </p:txBody>
+          </p:sp>
+        </mc:Choice>
+        <mc:Fallback>
+          <p:sp>
+            <p:nvSpPr>
+              <p:cNvPr id="14" name="Rounded Rectangle 13"/>
+              <p:cNvSpPr>
+                <a:spLocks noRot="1" noChangeAspect="1" noMove="1" noResize="1" noEditPoints="1" noAdjustHandles="1" noChangeArrowheads="1" noChangeShapeType="1" noTextEdit="1"/>
+              </p:cNvSpPr>
+              <p:nvPr/>
+            </p:nvSpPr>
+            <p:spPr>
+              <a:xfrm>
+                <a:off x="370353" y="2567521"/>
+                <a:ext cx="3361564" cy="4187568"/>
+              </a:xfrm>
+              <a:prstGeom prst="roundRect">
+                <a:avLst/>
+              </a:prstGeom>
+              <a:blipFill rotWithShape="0">
+                <a:blip r:embed="rId4"/>
+                <a:stretch>
+                  <a:fillRect t="-1449"/>
+                </a:stretch>
+              </a:blipFill>
+            </p:spPr>
+            <p:txBody>
+              <a:bodyPr/>
+              <a:lstStyle/>
+              <a:p>
+                <a:r>
+                  <a:rPr lang="en-ZA">
+                    <a:noFill/>
+                  </a:rPr>
+                  <a:t> </a:t>
+                </a:r>
+              </a:p>
+            </p:txBody>
+          </p:sp>
+        </mc:Fallback>
+      </mc:AlternateContent>
       <p:pic>
         <p:nvPicPr>
           <p:cNvPr id="15" name="Picture 14"/>
@@ -7585,7 +11169,7 @@
           <p:nvPr/>
         </p:nvPicPr>
         <p:blipFill>
-          <a:blip r:embed="rId5">
+          <a:blip r:embed="rId5" cstate="print">
             <a:extLst>
               <a:ext uri="{28A0092B-C50C-407E-A947-70E740481C1C}">
                 <a14:useLocalDpi xmlns:a14="http://schemas.microsoft.com/office/drawing/2010/main" val="0"/>
@@ -7599,8 +11183,8 @@
         </p:blipFill>
         <p:spPr bwMode="auto">
           <a:xfrm>
-            <a:off x="619348" y="5873578"/>
-            <a:ext cx="2896173" cy="643594"/>
+            <a:off x="901315" y="6132580"/>
+            <a:ext cx="2309590" cy="513242"/>
           </a:xfrm>
           <a:prstGeom prst="rect">
             <a:avLst/>
@@ -7624,13 +11208,13 @@
           <p:nvPr>
             <p:extLst>
               <p:ext uri="{D42A27DB-BD31-4B8C-83A1-F6EECF244321}">
-                <p14:modId xmlns:p14="http://schemas.microsoft.com/office/powerpoint/2010/main" val="922058125"/>
+                <p14:modId xmlns:p14="http://schemas.microsoft.com/office/powerpoint/2010/main" val="3834731806"/>
               </p:ext>
             </p:extLst>
           </p:nvPr>
         </p:nvGraphicFramePr>
         <p:xfrm>
-          <a:off x="4478794" y="2615902"/>
+          <a:off x="4450896" y="2821007"/>
           <a:ext cx="5464432" cy="3642955"/>
         </p:xfrm>
         <a:graphic>
@@ -7668,38 +11252,22 @@
           <a:prstGeom prst="rect">
             <a:avLst/>
           </a:prstGeom>
-          <a:solidFill>
-            <a:srgbClr val="FFFFFF">
-              <a:shade val="85000"/>
-            </a:srgbClr>
-          </a:solidFill>
-          <a:ln w="190500" cap="sq">
-            <a:solidFill>
-              <a:srgbClr val="FFFFFF"/>
-            </a:solidFill>
-            <a:miter lim="800000"/>
+          <a:ln>
+            <a:noFill/>
           </a:ln>
           <a:effectLst>
-            <a:outerShdw blurRad="65000" dist="50800" dir="12900000" kx="195000" ky="145000" algn="tl" rotWithShape="0">
-              <a:srgbClr val="000000">
-                <a:alpha val="30000"/>
+            <a:glow rad="228600">
+              <a:schemeClr val="accent1">
+                <a:satMod val="175000"/>
+                <a:alpha val="40000"/>
+              </a:schemeClr>
+            </a:glow>
+            <a:outerShdw blurRad="292100" dist="139700" dir="2700000" algn="tl" rotWithShape="0">
+              <a:srgbClr val="333333">
+                <a:alpha val="65000"/>
               </a:srgbClr>
             </a:outerShdw>
           </a:effectLst>
-          <a:scene3d>
-            <a:camera prst="orthographicFront">
-              <a:rot lat="0" lon="0" rev="360000"/>
-            </a:camera>
-            <a:lightRig rig="twoPt" dir="t">
-              <a:rot lat="0" lon="0" rev="7200000"/>
-            </a:lightRig>
-          </a:scene3d>
-          <a:sp3d contourW="12700">
-            <a:bevelT w="25400" h="19050"/>
-            <a:contourClr>
-              <a:srgbClr val="969696"/>
-            </a:contourClr>
-          </a:sp3d>
           <a:extLst/>
         </p:spPr>
       </p:pic>
@@ -7732,38 +11300,22 @@
           <a:prstGeom prst="rect">
             <a:avLst/>
           </a:prstGeom>
-          <a:solidFill>
-            <a:srgbClr val="FFFFFF">
-              <a:shade val="85000"/>
-            </a:srgbClr>
-          </a:solidFill>
-          <a:ln w="190500" cap="sq">
-            <a:solidFill>
-              <a:srgbClr val="FFFFFF"/>
-            </a:solidFill>
-            <a:miter lim="800000"/>
+          <a:ln>
+            <a:noFill/>
           </a:ln>
           <a:effectLst>
-            <a:outerShdw blurRad="65000" dist="50800" dir="12900000" kx="195000" ky="145000" algn="tl" rotWithShape="0">
-              <a:srgbClr val="000000">
-                <a:alpha val="30000"/>
+            <a:glow rad="228600">
+              <a:schemeClr val="accent1">
+                <a:satMod val="175000"/>
+                <a:alpha val="40000"/>
+              </a:schemeClr>
+            </a:glow>
+            <a:outerShdw blurRad="292100" dist="139700" dir="2700000" algn="tl" rotWithShape="0">
+              <a:srgbClr val="333333">
+                <a:alpha val="65000"/>
               </a:srgbClr>
             </a:outerShdw>
           </a:effectLst>
-          <a:scene3d>
-            <a:camera prst="orthographicFront">
-              <a:rot lat="0" lon="0" rev="360000"/>
-            </a:camera>
-            <a:lightRig rig="twoPt" dir="t">
-              <a:rot lat="0" lon="0" rev="7200000"/>
-            </a:lightRig>
-          </a:scene3d>
-          <a:sp3d contourW="12700">
-            <a:bevelT w="25400" h="19050"/>
-            <a:contourClr>
-              <a:srgbClr val="969696"/>
-            </a:contourClr>
-          </a:sp3d>
           <a:extLst/>
         </p:spPr>
       </p:pic>
@@ -7801,7 +11353,9 @@
           <a:lstStyle/>
           <a:p>
             <a:pPr algn="ctr"/>
-            <a:endParaRPr lang="en-ZA"/>
+            <a:endParaRPr lang="en-ZA">
+              <a:latin typeface="Berlin Sans FB Demi" panose="020E0802020502020306" pitchFamily="34" charset="0"/>
+            </a:endParaRPr>
           </a:p>
         </p:txBody>
       </p:sp>
@@ -7839,7 +11393,9 @@
           <a:lstStyle/>
           <a:p>
             <a:pPr algn="ctr"/>
-            <a:endParaRPr lang="en-ZA"/>
+            <a:endParaRPr lang="en-ZA">
+              <a:latin typeface="Berlin Sans FB Demi" panose="020E0802020502020306" pitchFamily="34" charset="0"/>
+            </a:endParaRPr>
           </a:p>
         </p:txBody>
       </p:sp>
@@ -7865,14 +11421,22 @@
           </a:stretch>
         </p:blipFill>
         <p:spPr bwMode="auto">
-          <a:xfrm rot="19575918">
-            <a:off x="7084985" y="6206088"/>
+          <a:xfrm rot="20218361">
+            <a:off x="7051058" y="6272696"/>
             <a:ext cx="1217425" cy="382532"/>
           </a:xfrm>
           <a:prstGeom prst="rect">
             <a:avLst/>
           </a:prstGeom>
           <a:noFill/>
+          <a:effectLst>
+            <a:glow rad="228600">
+              <a:schemeClr val="accent1">
+                <a:satMod val="175000"/>
+                <a:alpha val="40000"/>
+              </a:schemeClr>
+            </a:glow>
+          </a:effectLst>
           <a:extLst>
             <a:ext uri="{909E8E84-426E-40DD-AFC4-6F175D3DCCD1}">
               <a14:hiddenFill xmlns:a14="http://schemas.microsoft.com/office/drawing/2010/main">
@@ -7892,7 +11456,7 @@
         </p:nvSpPr>
         <p:spPr>
           <a:xfrm rot="14055460" flipV="1">
-            <a:off x="7287296" y="6112824"/>
+            <a:off x="7143864" y="6284984"/>
             <a:ext cx="335816" cy="45719"/>
           </a:xfrm>
           <a:prstGeom prst="rightArrow">
@@ -7918,7 +11482,9 @@
           <a:lstStyle/>
           <a:p>
             <a:pPr algn="ctr"/>
-            <a:endParaRPr lang="en-ZA"/>
+            <a:endParaRPr lang="en-ZA">
+              <a:latin typeface="Berlin Sans FB Demi" panose="020E0802020502020306" pitchFamily="34" charset="0"/>
+            </a:endParaRPr>
           </a:p>
         </p:txBody>
       </p:sp>
@@ -7930,12 +11496,13 @@
         </p:nvSpPr>
         <p:spPr>
           <a:xfrm>
-            <a:off x="10398645" y="6195375"/>
+            <a:off x="10476835" y="6256111"/>
             <a:ext cx="1708600" cy="601889"/>
           </a:xfrm>
           <a:prstGeom prst="round2DiagRect">
             <a:avLst/>
           </a:prstGeom>
+          <a:noFill/>
         </p:spPr>
         <p:style>
           <a:lnRef idx="2">
@@ -7957,7 +11524,13 @@
           <a:p>
             <a:pPr algn="just"/>
             <a:r>
-              <a:rPr lang="en-ZA" sz="600" dirty="0" smtClean="0"/>
+              <a:rPr lang="en-ZA" sz="600" dirty="0" smtClean="0">
+                <a:solidFill>
+                  <a:schemeClr val="bg1"/>
+                </a:solidFill>
+                <a:latin typeface="Arial" panose="020B0604020202020204" pitchFamily="34" charset="0"/>
+                <a:cs typeface="Arial" panose="020B0604020202020204" pitchFamily="34" charset="0"/>
+              </a:rPr>
               <a:t>The DVT DriveStats Algorithm would not have been possible without the invaluable help, advice, and insight, provided by the two following individuals:</a:t>
             </a:r>
           </a:p>
@@ -7967,18 +11540,42 @@
               <a:buChar char="•"/>
             </a:pPr>
             <a:r>
-              <a:rPr lang="en-ZA" sz="600" dirty="0" err="1" smtClean="0"/>
+              <a:rPr lang="en-ZA" sz="600" dirty="0" err="1" smtClean="0">
+                <a:solidFill>
+                  <a:schemeClr val="bg1"/>
+                </a:solidFill>
+                <a:latin typeface="Arial" panose="020B0604020202020204" pitchFamily="34" charset="0"/>
+                <a:cs typeface="Arial" panose="020B0604020202020204" pitchFamily="34" charset="0"/>
+              </a:rPr>
               <a:t>Prenil</a:t>
             </a:r>
             <a:r>
-              <a:rPr lang="en-ZA" sz="600" dirty="0" smtClean="0"/>
+              <a:rPr lang="en-ZA" sz="600" dirty="0" smtClean="0">
+                <a:solidFill>
+                  <a:schemeClr val="bg1"/>
+                </a:solidFill>
+                <a:latin typeface="Arial" panose="020B0604020202020204" pitchFamily="34" charset="0"/>
+                <a:cs typeface="Arial" panose="020B0604020202020204" pitchFamily="34" charset="0"/>
+              </a:rPr>
               <a:t> </a:t>
             </a:r>
             <a:r>
-              <a:rPr lang="en-ZA" sz="600" dirty="0" err="1" smtClean="0"/>
+              <a:rPr lang="en-ZA" sz="600" dirty="0" err="1" smtClean="0">
+                <a:solidFill>
+                  <a:schemeClr val="bg1"/>
+                </a:solidFill>
+                <a:latin typeface="Arial" panose="020B0604020202020204" pitchFamily="34" charset="0"/>
+                <a:cs typeface="Arial" panose="020B0604020202020204" pitchFamily="34" charset="0"/>
+              </a:rPr>
               <a:t>Sewmohan</a:t>
             </a:r>
-            <a:endParaRPr lang="en-ZA" sz="600" dirty="0" smtClean="0"/>
+            <a:endParaRPr lang="en-ZA" sz="600" dirty="0" smtClean="0">
+              <a:solidFill>
+                <a:schemeClr val="bg1"/>
+              </a:solidFill>
+              <a:latin typeface="Arial" panose="020B0604020202020204" pitchFamily="34" charset="0"/>
+              <a:cs typeface="Arial" panose="020B0604020202020204" pitchFamily="34" charset="0"/>
+            </a:endParaRPr>
           </a:p>
           <a:p>
             <a:pPr marL="171450" indent="-171450" algn="just">
@@ -7986,21 +11583,86 @@
               <a:buChar char="•"/>
             </a:pPr>
             <a:r>
-              <a:rPr lang="en-ZA" sz="600" dirty="0" err="1" smtClean="0"/>
+              <a:rPr lang="en-ZA" sz="600" dirty="0" err="1" smtClean="0">
+                <a:solidFill>
+                  <a:schemeClr val="bg1"/>
+                </a:solidFill>
+                <a:latin typeface="Arial" panose="020B0604020202020204" pitchFamily="34" charset="0"/>
+                <a:cs typeface="Arial" panose="020B0604020202020204" pitchFamily="34" charset="0"/>
+              </a:rPr>
               <a:t>Jolandi</a:t>
             </a:r>
             <a:r>
-              <a:rPr lang="en-ZA" sz="600" dirty="0" smtClean="0"/>
+              <a:rPr lang="en-ZA" sz="600" dirty="0" smtClean="0">
+                <a:solidFill>
+                  <a:schemeClr val="bg1"/>
+                </a:solidFill>
+                <a:latin typeface="Arial" panose="020B0604020202020204" pitchFamily="34" charset="0"/>
+                <a:cs typeface="Arial" panose="020B0604020202020204" pitchFamily="34" charset="0"/>
+              </a:rPr>
               <a:t> </a:t>
             </a:r>
             <a:r>
-              <a:rPr lang="en-ZA" sz="600" dirty="0" err="1" smtClean="0"/>
+              <a:rPr lang="en-ZA" sz="600" dirty="0" err="1" smtClean="0">
+                <a:solidFill>
+                  <a:schemeClr val="bg1"/>
+                </a:solidFill>
+                <a:latin typeface="Arial" panose="020B0604020202020204" pitchFamily="34" charset="0"/>
+                <a:cs typeface="Arial" panose="020B0604020202020204" pitchFamily="34" charset="0"/>
+              </a:rPr>
               <a:t>Swanepoel</a:t>
             </a:r>
-            <a:endParaRPr lang="en-ZA" sz="600" dirty="0"/>
+            <a:endParaRPr lang="en-ZA" sz="600" dirty="0">
+              <a:solidFill>
+                <a:schemeClr val="bg1"/>
+              </a:solidFill>
+              <a:latin typeface="Arial" panose="020B0604020202020204" pitchFamily="34" charset="0"/>
+              <a:cs typeface="Arial" panose="020B0604020202020204" pitchFamily="34" charset="0"/>
+            </a:endParaRPr>
           </a:p>
         </p:txBody>
       </p:sp>
+      <p:pic>
+        <p:nvPicPr>
+          <p:cNvPr id="1028" name="Picture 4" descr="https://upload.wikimedia.org/wikipedia/commons/thumb/6/60/University_of_Pretoria.png/220px-University_of_Pretoria.png"/>
+          <p:cNvPicPr>
+            <a:picLocks noChangeAspect="1" noChangeArrowheads="1"/>
+          </p:cNvPicPr>
+          <p:nvPr/>
+        </p:nvPicPr>
+        <p:blipFill>
+          <a:blip r:embed="rId14" cstate="print">
+            <a:extLst>
+              <a:ext uri="{28A0092B-C50C-407E-A947-70E740481C1C}">
+                <a14:useLocalDpi xmlns:a14="http://schemas.microsoft.com/office/drawing/2010/main" val="0"/>
+              </a:ext>
+            </a:extLst>
+          </a:blip>
+          <a:srcRect/>
+          <a:stretch>
+            <a:fillRect/>
+          </a:stretch>
+        </p:blipFill>
+        <p:spPr bwMode="auto">
+          <a:xfrm>
+            <a:off x="11385037" y="116282"/>
+            <a:ext cx="800398" cy="800398"/>
+          </a:xfrm>
+          <a:prstGeom prst="rect">
+            <a:avLst/>
+          </a:prstGeom>
+          <a:noFill/>
+          <a:extLst>
+            <a:ext uri="{909E8E84-426E-40DD-AFC4-6F175D3DCCD1}">
+              <a14:hiddenFill xmlns:a14="http://schemas.microsoft.com/office/drawing/2010/main">
+                <a:solidFill>
+                  <a:srgbClr val="FFFFFF"/>
+                </a:solidFill>
+              </a14:hiddenFill>
+            </a:ext>
+          </a:extLst>
+        </p:spPr>
+      </p:pic>
     </p:spTree>
     <p:extLst>
       <p:ext uri="{BB962C8B-B14F-4D97-AF65-F5344CB8AC3E}">
@@ -8022,9 +11684,9 @@
 </file>
 
 <file path=ppt/theme/theme1.xml><?xml version="1.0" encoding="utf-8"?>
-<a:theme xmlns:a="http://schemas.openxmlformats.org/drawingml/2006/main" name="Office Theme">
+<a:theme xmlns:a="http://schemas.openxmlformats.org/drawingml/2006/main" name="Main Event">
   <a:themeElements>
-    <a:clrScheme name="Office">
+    <a:clrScheme name="Main Event">
       <a:dk1>
         <a:sysClr val="windowText" lastClr="000000"/>
       </a:dk1>
@@ -8032,39 +11694,39 @@
         <a:sysClr val="window" lastClr="FFFFFF"/>
       </a:lt1>
       <a:dk2>
-        <a:srgbClr val="44546A"/>
+        <a:srgbClr val="424242"/>
       </a:dk2>
       <a:lt2>
-        <a:srgbClr val="E7E6E6"/>
+        <a:srgbClr val="C8C8C8"/>
       </a:lt2>
       <a:accent1>
-        <a:srgbClr val="5B9BD5"/>
+        <a:srgbClr val="B80E0F"/>
       </a:accent1>
       <a:accent2>
-        <a:srgbClr val="ED7D31"/>
+        <a:srgbClr val="A6987D"/>
       </a:accent2>
       <a:accent3>
-        <a:srgbClr val="A5A5A5"/>
+        <a:srgbClr val="7F9A71"/>
       </a:accent3>
       <a:accent4>
-        <a:srgbClr val="FFC000"/>
+        <a:srgbClr val="64969F"/>
       </a:accent4>
       <a:accent5>
-        <a:srgbClr val="4472C4"/>
+        <a:srgbClr val="9B75B2"/>
       </a:accent5>
       <a:accent6>
-        <a:srgbClr val="70AD47"/>
+        <a:srgbClr val="80737A"/>
       </a:accent6>
       <a:hlink>
-        <a:srgbClr val="0563C1"/>
+        <a:srgbClr val="F21213"/>
       </a:hlink>
       <a:folHlink>
-        <a:srgbClr val="954F72"/>
+        <a:srgbClr val="B6A394"/>
       </a:folHlink>
     </a:clrScheme>
-    <a:fontScheme name="Office">
+    <a:fontScheme name="Main Event">
       <a:majorFont>
-        <a:latin typeface="Calibri Light" panose="020F0302020204030204"/>
+        <a:latin typeface="Impact" panose="020B0806030902050204"/>
         <a:ea typeface=""/>
         <a:cs typeface=""/>
         <a:font script="Jpan" typeface="ＭＳ Ｐゴシック"/>
@@ -8099,7 +11761,7 @@
         <a:font script="Geor" typeface="Sylfaen"/>
       </a:majorFont>
       <a:minorFont>
-        <a:latin typeface="Calibri" panose="020F0502020204030204"/>
+        <a:latin typeface="Impact" panose="020B0806030902050204"/>
         <a:ea typeface=""/>
         <a:cs typeface=""/>
         <a:font script="Jpan" typeface="ＭＳ Ｐゴシック"/>
@@ -8134,85 +11796,51 @@
         <a:font script="Geor" typeface="Sylfaen"/>
       </a:minorFont>
     </a:fontScheme>
-    <a:fmtScheme name="Office">
+    <a:fmtScheme name="Main Event">
       <a:fillStyleLst>
         <a:solidFill>
           <a:schemeClr val="phClr"/>
         </a:solidFill>
-        <a:gradFill rotWithShape="1">
-          <a:gsLst>
-            <a:gs pos="0">
+        <a:solidFill>
+          <a:schemeClr val="phClr">
+            <a:tint val="69000"/>
+            <a:satMod val="105000"/>
+            <a:lumMod val="110000"/>
+          </a:schemeClr>
+        </a:solidFill>
+        <a:blipFill>
+          <a:blip xmlns:r="http://schemas.openxmlformats.org/officeDocument/2006/relationships" r:embed="rId1">
+            <a:duotone>
               <a:schemeClr val="phClr">
-                <a:lumMod val="110000"/>
-                <a:satMod val="105000"/>
-                <a:tint val="67000"/>
+                <a:shade val="88000"/>
+                <a:lumMod val="88000"/>
               </a:schemeClr>
-            </a:gs>
-            <a:gs pos="50000">
-              <a:schemeClr val="phClr">
-                <a:lumMod val="105000"/>
-                <a:satMod val="103000"/>
-                <a:tint val="73000"/>
-              </a:schemeClr>
-            </a:gs>
-            <a:gs pos="100000">
-              <a:schemeClr val="phClr">
-                <a:lumMod val="105000"/>
-                <a:satMod val="109000"/>
-                <a:tint val="81000"/>
-              </a:schemeClr>
-            </a:gs>
-          </a:gsLst>
-          <a:lin ang="5400000" scaled="0"/>
-        </a:gradFill>
-        <a:gradFill rotWithShape="1">
-          <a:gsLst>
-            <a:gs pos="0">
-              <a:schemeClr val="phClr">
-                <a:satMod val="103000"/>
-                <a:lumMod val="102000"/>
-                <a:tint val="94000"/>
-              </a:schemeClr>
-            </a:gs>
-            <a:gs pos="50000">
-              <a:schemeClr val="phClr">
-                <a:satMod val="110000"/>
-                <a:lumMod val="100000"/>
-                <a:shade val="100000"/>
-              </a:schemeClr>
-            </a:gs>
-            <a:gs pos="100000">
-              <a:schemeClr val="phClr">
-                <a:lumMod val="99000"/>
-                <a:satMod val="120000"/>
-                <a:shade val="78000"/>
-              </a:schemeClr>
-            </a:gs>
-          </a:gsLst>
-          <a:lin ang="5400000" scaled="0"/>
-        </a:gradFill>
+              <a:schemeClr val="phClr"/>
+            </a:duotone>
+          </a:blip>
+          <a:tile tx="0" ty="0" sx="100000" sy="100000" flip="none" algn="tl"/>
+        </a:blipFill>
       </a:fillStyleLst>
       <a:lnStyleLst>
-        <a:ln w="6350" cap="flat" cmpd="sng" algn="ctr">
+        <a:ln w="9525" cap="flat" cmpd="sng" algn="ctr">
           <a:solidFill>
-            <a:schemeClr val="phClr"/>
+            <a:schemeClr val="phClr">
+              <a:shade val="60000"/>
+            </a:schemeClr>
           </a:solidFill>
           <a:prstDash val="solid"/>
-          <a:miter lim="800000"/>
-        </a:ln>
-        <a:ln w="12700" cap="flat" cmpd="sng" algn="ctr">
-          <a:solidFill>
-            <a:schemeClr val="phClr"/>
-          </a:solidFill>
-          <a:prstDash val="solid"/>
-          <a:miter lim="800000"/>
         </a:ln>
         <a:ln w="19050" cap="flat" cmpd="sng" algn="ctr">
           <a:solidFill>
             <a:schemeClr val="phClr"/>
           </a:solidFill>
           <a:prstDash val="solid"/>
-          <a:miter lim="800000"/>
+        </a:ln>
+        <a:ln w="25400" cap="flat" cmpd="sng" algn="ctr">
+          <a:solidFill>
+            <a:schemeClr val="phClr"/>
+          </a:solidFill>
+          <a:prstDash val="solid"/>
         </a:ln>
       </a:lnStyleLst>
       <a:effectStyleLst>
@@ -8224,9 +11852,9 @@
         </a:effectStyle>
         <a:effectStyle>
           <a:effectLst>
-            <a:outerShdw blurRad="57150" dist="19050" dir="5400000" algn="ctr" rotWithShape="0">
+            <a:outerShdw blurRad="25400" dist="12700" dir="5400000" rotWithShape="0">
               <a:srgbClr val="000000">
-                <a:alpha val="63000"/>
+                <a:alpha val="60000"/>
               </a:srgbClr>
             </a:outerShdw>
           </a:effectLst>
@@ -8236,39 +11864,39 @@
         <a:solidFill>
           <a:schemeClr val="phClr"/>
         </a:solidFill>
-        <a:solidFill>
-          <a:schemeClr val="phClr">
-            <a:tint val="95000"/>
-            <a:satMod val="170000"/>
-          </a:schemeClr>
-        </a:solidFill>
         <a:gradFill rotWithShape="1">
           <a:gsLst>
             <a:gs pos="0">
               <a:schemeClr val="phClr">
-                <a:tint val="93000"/>
-                <a:satMod val="150000"/>
-                <a:shade val="98000"/>
-                <a:lumMod val="102000"/>
-              </a:schemeClr>
-            </a:gs>
-            <a:gs pos="50000">
-              <a:schemeClr val="phClr">
-                <a:tint val="98000"/>
-                <a:satMod val="130000"/>
-                <a:shade val="90000"/>
-                <a:lumMod val="103000"/>
+                <a:tint val="90000"/>
+                <a:lumMod val="110000"/>
               </a:schemeClr>
             </a:gs>
             <a:gs pos="100000">
               <a:schemeClr val="phClr">
-                <a:shade val="63000"/>
-                <a:satMod val="120000"/>
+                <a:shade val="88000"/>
+                <a:lumMod val="88000"/>
               </a:schemeClr>
             </a:gs>
           </a:gsLst>
           <a:lin ang="5400000" scaled="0"/>
         </a:gradFill>
+        <a:blipFill>
+          <a:blip xmlns:r="http://schemas.openxmlformats.org/officeDocument/2006/relationships" r:embed="rId2">
+            <a:duotone>
+              <a:schemeClr val="phClr">
+                <a:shade val="48000"/>
+                <a:satMod val="110000"/>
+                <a:lumMod val="40000"/>
+              </a:schemeClr>
+              <a:schemeClr val="phClr">
+                <a:tint val="90000"/>
+                <a:lumMod val="106000"/>
+              </a:schemeClr>
+            </a:duotone>
+          </a:blip>
+          <a:stretch/>
+        </a:blipFill>
       </a:bgFillStyleLst>
     </a:fmtScheme>
   </a:themeElements>
@@ -8276,7 +11904,7 @@
   <a:extraClrSchemeLst/>
   <a:extLst>
     <a:ext uri="{05A4C25C-085E-4340-85A3-A5531E510DB2}">
-      <thm15:themeFamily xmlns:thm15="http://schemas.microsoft.com/office/thememl/2012/main" name="Office Theme" id="{62F939B6-93AF-4DB8-9C6B-D6C7DFDC589F}" vid="{4A3C46E8-61CC-4603-A589-7422A47A8E4A}"/>
+      <thm15:themeFamily xmlns:thm15="http://schemas.microsoft.com/office/thememl/2012/main" name="Main Event" id="{AC372BB4-D83D-411E-B849-B641926BA760}" vid="{F1EFBDE3-1A95-4E3D-81AD-1F53D65BEA01}"/>
     </a:ext>
   </a:extLst>
 </a:theme>

--- a/documentation/AlgorithmPoster.pptx
+++ b/documentation/AlgorithmPoster.pptx
@@ -7,14 +7,14 @@
   <p:sldIdLst>
     <p:sldId id="256" r:id="rId2"/>
   </p:sldIdLst>
-  <p:sldSz cx="12192000" cy="6858000"/>
+  <p:sldSz cx="12801600" cy="9601200" type="A3"/>
   <p:notesSz cx="6858000" cy="9144000"/>
   <p:defaultTextStyle>
     <a:defPPr>
       <a:defRPr lang="en-US"/>
     </a:defPPr>
-    <a:lvl1pPr marL="0" algn="l" defTabSz="914400" rtl="0" eaLnBrk="1" latinLnBrk="0" hangingPunct="1">
-      <a:defRPr sz="1800" kern="1200">
+    <a:lvl1pPr marL="0" algn="l" defTabSz="1075284" rtl="0" eaLnBrk="1" latinLnBrk="0" hangingPunct="1">
+      <a:defRPr sz="2117" kern="1200">
         <a:solidFill>
           <a:schemeClr val="tx1"/>
         </a:solidFill>
@@ -23,8 +23,8 @@
         <a:cs typeface="+mn-cs"/>
       </a:defRPr>
     </a:lvl1pPr>
-    <a:lvl2pPr marL="457200" algn="l" defTabSz="914400" rtl="0" eaLnBrk="1" latinLnBrk="0" hangingPunct="1">
-      <a:defRPr sz="1800" kern="1200">
+    <a:lvl2pPr marL="537641" algn="l" defTabSz="1075284" rtl="0" eaLnBrk="1" latinLnBrk="0" hangingPunct="1">
+      <a:defRPr sz="2117" kern="1200">
         <a:solidFill>
           <a:schemeClr val="tx1"/>
         </a:solidFill>
@@ -33,8 +33,8 @@
         <a:cs typeface="+mn-cs"/>
       </a:defRPr>
     </a:lvl2pPr>
-    <a:lvl3pPr marL="914400" algn="l" defTabSz="914400" rtl="0" eaLnBrk="1" latinLnBrk="0" hangingPunct="1">
-      <a:defRPr sz="1800" kern="1200">
+    <a:lvl3pPr marL="1075284" algn="l" defTabSz="1075284" rtl="0" eaLnBrk="1" latinLnBrk="0" hangingPunct="1">
+      <a:defRPr sz="2117" kern="1200">
         <a:solidFill>
           <a:schemeClr val="tx1"/>
         </a:solidFill>
@@ -43,8 +43,8 @@
         <a:cs typeface="+mn-cs"/>
       </a:defRPr>
     </a:lvl3pPr>
-    <a:lvl4pPr marL="1371600" algn="l" defTabSz="914400" rtl="0" eaLnBrk="1" latinLnBrk="0" hangingPunct="1">
-      <a:defRPr sz="1800" kern="1200">
+    <a:lvl4pPr marL="1612926" algn="l" defTabSz="1075284" rtl="0" eaLnBrk="1" latinLnBrk="0" hangingPunct="1">
+      <a:defRPr sz="2117" kern="1200">
         <a:solidFill>
           <a:schemeClr val="tx1"/>
         </a:solidFill>
@@ -53,8 +53,8 @@
         <a:cs typeface="+mn-cs"/>
       </a:defRPr>
     </a:lvl4pPr>
-    <a:lvl5pPr marL="1828800" algn="l" defTabSz="914400" rtl="0" eaLnBrk="1" latinLnBrk="0" hangingPunct="1">
-      <a:defRPr sz="1800" kern="1200">
+    <a:lvl5pPr marL="2150568" algn="l" defTabSz="1075284" rtl="0" eaLnBrk="1" latinLnBrk="0" hangingPunct="1">
+      <a:defRPr sz="2117" kern="1200">
         <a:solidFill>
           <a:schemeClr val="tx1"/>
         </a:solidFill>
@@ -63,8 +63,8 @@
         <a:cs typeface="+mn-cs"/>
       </a:defRPr>
     </a:lvl5pPr>
-    <a:lvl6pPr marL="2286000" algn="l" defTabSz="914400" rtl="0" eaLnBrk="1" latinLnBrk="0" hangingPunct="1">
-      <a:defRPr sz="1800" kern="1200">
+    <a:lvl6pPr marL="2688209" algn="l" defTabSz="1075284" rtl="0" eaLnBrk="1" latinLnBrk="0" hangingPunct="1">
+      <a:defRPr sz="2117" kern="1200">
         <a:solidFill>
           <a:schemeClr val="tx1"/>
         </a:solidFill>
@@ -73,8 +73,8 @@
         <a:cs typeface="+mn-cs"/>
       </a:defRPr>
     </a:lvl6pPr>
-    <a:lvl7pPr marL="2743200" algn="l" defTabSz="914400" rtl="0" eaLnBrk="1" latinLnBrk="0" hangingPunct="1">
-      <a:defRPr sz="1800" kern="1200">
+    <a:lvl7pPr marL="3225850" algn="l" defTabSz="1075284" rtl="0" eaLnBrk="1" latinLnBrk="0" hangingPunct="1">
+      <a:defRPr sz="2117" kern="1200">
         <a:solidFill>
           <a:schemeClr val="tx1"/>
         </a:solidFill>
@@ -83,8 +83,8 @@
         <a:cs typeface="+mn-cs"/>
       </a:defRPr>
     </a:lvl7pPr>
-    <a:lvl8pPr marL="3200400" algn="l" defTabSz="914400" rtl="0" eaLnBrk="1" latinLnBrk="0" hangingPunct="1">
-      <a:defRPr sz="1800" kern="1200">
+    <a:lvl8pPr marL="3763493" algn="l" defTabSz="1075284" rtl="0" eaLnBrk="1" latinLnBrk="0" hangingPunct="1">
+      <a:defRPr sz="2117" kern="1200">
         <a:solidFill>
           <a:schemeClr val="tx1"/>
         </a:solidFill>
@@ -93,8 +93,8 @@
         <a:cs typeface="+mn-cs"/>
       </a:defRPr>
     </a:lvl8pPr>
-    <a:lvl9pPr marL="3657600" algn="l" defTabSz="914400" rtl="0" eaLnBrk="1" latinLnBrk="0" hangingPunct="1">
-      <a:defRPr sz="1800" kern="1200">
+    <a:lvl9pPr marL="4301135" algn="l" defTabSz="1075284" rtl="0" eaLnBrk="1" latinLnBrk="0" hangingPunct="1">
+      <a:defRPr sz="2117" kern="1200">
         <a:solidFill>
           <a:schemeClr val="tx1"/>
         </a:solidFill>
@@ -1592,33 +1592,33 @@
     </dgm:pt>
   </dgm:ptLst>
   <dgm:cxnLst>
+    <dgm:cxn modelId="{2534C515-9526-4995-A442-803954094489}" type="presOf" srcId="{CE70E7C1-00A1-4F5C-B7F2-4DEA0098B5CC}" destId="{6DEDC417-7D81-4270-BD28-D9247A7A935F}" srcOrd="0" destOrd="0" presId="urn:microsoft.com/office/officeart/2005/8/layout/bProcess4"/>
+    <dgm:cxn modelId="{29F4C0D2-AE92-4258-BBFD-9A40C4CCE94E}" type="presOf" srcId="{F7C8F245-4D7A-469E-B33C-5443AAA03436}" destId="{E8D604B9-E6B5-427C-8D2D-C70DBA515C38}" srcOrd="0" destOrd="0" presId="urn:microsoft.com/office/officeart/2005/8/layout/bProcess4"/>
+    <dgm:cxn modelId="{E9634CB2-95B8-4A07-9924-3D7B5FC7A4F5}" type="presOf" srcId="{8E23BBB5-4FFD-4603-8A8B-57D6A8F546C7}" destId="{CF02E96F-6612-4447-A716-AF24BA2BAA38}" srcOrd="0" destOrd="0" presId="urn:microsoft.com/office/officeart/2005/8/layout/bProcess4"/>
+    <dgm:cxn modelId="{FF8D777C-18B8-4623-AFA7-00093BE62503}" type="presOf" srcId="{D9BFE88D-86D5-4A4E-9864-049B66CE7B11}" destId="{0111BCDE-244E-4E0C-9F45-971A15B0F1AB}" srcOrd="0" destOrd="0" presId="urn:microsoft.com/office/officeart/2005/8/layout/bProcess4"/>
     <dgm:cxn modelId="{FA601BAF-F0F4-41C1-9E74-90A3437D9622}" srcId="{69D9465D-5278-4893-90E4-FC4A404190FF}" destId="{F6AB84D7-DC04-4772-BBB8-08839E3E3B0E}" srcOrd="1" destOrd="0" parTransId="{F35EFF0E-EA0B-4C57-8CED-83FEB15CD0FD}" sibTransId="{730DAA83-5ECA-4C62-B660-9C169A24A198}"/>
+    <dgm:cxn modelId="{14055F04-8140-4BAE-862B-A1242381A950}" type="presOf" srcId="{A9DEF564-FDF7-4F00-998C-0108AF2F964C}" destId="{3C7DEFEB-D965-469F-891F-0F8B1239A0E7}" srcOrd="0" destOrd="0" presId="urn:microsoft.com/office/officeart/2005/8/layout/bProcess4"/>
+    <dgm:cxn modelId="{7264B672-CA05-4F31-89F1-FEAC6C34D9E4}" type="presOf" srcId="{69D9465D-5278-4893-90E4-FC4A404190FF}" destId="{F41203AE-3D27-4DFC-B08E-BF6461080D2A}" srcOrd="0" destOrd="0" presId="urn:microsoft.com/office/officeart/2005/8/layout/bProcess4"/>
+    <dgm:cxn modelId="{9F649EF0-789F-4CBD-9BDD-05CA7FD30C2F}" type="presOf" srcId="{31DAD7E9-CE7C-41E2-8D30-CCCC16BF810D}" destId="{04175430-BE2F-45E9-8822-6B0CF5FF9864}" srcOrd="0" destOrd="0" presId="urn:microsoft.com/office/officeart/2005/8/layout/bProcess4"/>
+    <dgm:cxn modelId="{5D11504B-F891-4E16-81AF-19A4EDD5D894}" srcId="{69D9465D-5278-4893-90E4-FC4A404190FF}" destId="{AC0CA605-AB71-4DDA-8068-AE236D9C9B5B}" srcOrd="3" destOrd="0" parTransId="{8CC74D62-4916-498D-B541-D6C5D6CF2E1B}" sibTransId="{A9DEF564-FDF7-4F00-998C-0108AF2F964C}"/>
+    <dgm:cxn modelId="{8E260BD3-C9D7-4508-A4AC-F2E5E19A10BF}" type="presOf" srcId="{AC0CA605-AB71-4DDA-8068-AE236D9C9B5B}" destId="{8B6115A6-6B88-4E8C-B7FC-E18F0AFA9CAB}" srcOrd="0" destOrd="0" presId="urn:microsoft.com/office/officeart/2005/8/layout/bProcess4"/>
+    <dgm:cxn modelId="{D00831ED-127B-4987-AF88-67025158E8BF}" type="presOf" srcId="{C24C36EC-6312-42E6-85F3-613C20BC1376}" destId="{DB114CFE-3120-4EDC-8173-69948354E5C4}" srcOrd="0" destOrd="0" presId="urn:microsoft.com/office/officeart/2005/8/layout/bProcess4"/>
     <dgm:cxn modelId="{9D075F56-2E0B-4171-8175-C4780726D8AC}" type="presOf" srcId="{24235BDA-3456-4472-A5F8-A95C033405D7}" destId="{E6918614-9BE6-4F65-A414-6CA09685AE8E}" srcOrd="0" destOrd="0" presId="urn:microsoft.com/office/officeart/2005/8/layout/bProcess4"/>
+    <dgm:cxn modelId="{8B540F0B-2250-4B5E-BCCE-C3D246BFA6AE}" srcId="{69D9465D-5278-4893-90E4-FC4A404190FF}" destId="{CE70E7C1-00A1-4F5C-B7F2-4DEA0098B5CC}" srcOrd="7" destOrd="0" parTransId="{F234F055-B622-4D52-AFCB-3BA3D3341CFD}" sibTransId="{31DAD7E9-CE7C-41E2-8D30-CCCC16BF810D}"/>
+    <dgm:cxn modelId="{1841C2B5-F5D9-4C9D-BC8C-E01099CB1015}" type="presOf" srcId="{730DAA83-5ECA-4C62-B660-9C169A24A198}" destId="{6E02BA24-2FD9-4C78-8700-D63A6D75380B}" srcOrd="0" destOrd="0" presId="urn:microsoft.com/office/officeart/2005/8/layout/bProcess4"/>
+    <dgm:cxn modelId="{3B0582A2-3B3D-4DCD-93AC-A52D25E70D8E}" type="presOf" srcId="{7B5F1AB1-A56B-4592-899D-948C07E9FCE7}" destId="{4831F056-7731-46BB-8DF6-11307D2F1AEB}" srcOrd="0" destOrd="0" presId="urn:microsoft.com/office/officeart/2005/8/layout/bProcess4"/>
     <dgm:cxn modelId="{1EA91787-343D-46F0-A1A6-0C2FA465220B}" srcId="{69D9465D-5278-4893-90E4-FC4A404190FF}" destId="{C24C36EC-6312-42E6-85F3-613C20BC1376}" srcOrd="2" destOrd="0" parTransId="{05B560A1-CF69-4666-8BB8-D628BE42664F}" sibTransId="{A015CC84-CBCB-49E3-9D9B-F66E30B67EB4}"/>
-    <dgm:cxn modelId="{14055F04-8140-4BAE-862B-A1242381A950}" type="presOf" srcId="{A9DEF564-FDF7-4F00-998C-0108AF2F964C}" destId="{3C7DEFEB-D965-469F-891F-0F8B1239A0E7}" srcOrd="0" destOrd="0" presId="urn:microsoft.com/office/officeart/2005/8/layout/bProcess4"/>
+    <dgm:cxn modelId="{5D51E946-1572-4B32-A99B-B09C2D21BB4F}" srcId="{69D9465D-5278-4893-90E4-FC4A404190FF}" destId="{664F3033-06A2-4F92-8AED-49E5BB070394}" srcOrd="6" destOrd="0" parTransId="{67711992-C237-4337-995F-B75846ACA60F}" sibTransId="{24235BDA-3456-4472-A5F8-A95C033405D7}"/>
+    <dgm:cxn modelId="{F8BF60C2-BE39-43A2-9A61-63EC368D0FEB}" type="presOf" srcId="{5925B536-8CDD-4273-9EA0-F3DFE28CFC0A}" destId="{F464CA6F-950B-46FF-9EA4-EAFF6B879406}" srcOrd="0" destOrd="0" presId="urn:microsoft.com/office/officeart/2005/8/layout/bProcess4"/>
+    <dgm:cxn modelId="{361F53CB-5A29-4DAB-A291-D994BF66FC9F}" type="presOf" srcId="{F2809BA3-C65E-4889-8F5A-FF553707154C}" destId="{186C2779-A3E3-43E9-AE0E-189DFF42734F}" srcOrd="0" destOrd="0" presId="urn:microsoft.com/office/officeart/2005/8/layout/bProcess4"/>
+    <dgm:cxn modelId="{BE8A410B-AB19-490E-B9A0-CFE7C4AE16AF}" type="presOf" srcId="{F6AB84D7-DC04-4772-BBB8-08839E3E3B0E}" destId="{5D23B8C8-D64B-484E-B55B-BD146A94EBE7}" srcOrd="0" destOrd="0" presId="urn:microsoft.com/office/officeart/2005/8/layout/bProcess4"/>
+    <dgm:cxn modelId="{A1F85789-4824-48E4-B23D-DB88A8247DF3}" type="presOf" srcId="{A015CC84-CBCB-49E3-9D9B-F66E30B67EB4}" destId="{B3F14615-A4E7-4DA6-B7C0-B9FBB08C1897}" srcOrd="0" destOrd="0" presId="urn:microsoft.com/office/officeart/2005/8/layout/bProcess4"/>
     <dgm:cxn modelId="{134DE985-81C2-41BB-9A8C-B4B56F87F2E8}" srcId="{69D9465D-5278-4893-90E4-FC4A404190FF}" destId="{7B5F1AB1-A56B-4592-899D-948C07E9FCE7}" srcOrd="4" destOrd="0" parTransId="{32E3B1F7-D695-42F6-9E77-4159D9144FAF}" sibTransId="{F9AFC70D-98A9-44D5-AE29-4B77D890DCE5}"/>
+    <dgm:cxn modelId="{35FFAEAE-DC16-4986-AE73-A931A7283792}" srcId="{69D9465D-5278-4893-90E4-FC4A404190FF}" destId="{D9BFE88D-86D5-4A4E-9864-049B66CE7B11}" srcOrd="0" destOrd="0" parTransId="{F9F09A06-4B6D-4FE7-83E2-F8A428C27656}" sibTransId="{8E23BBB5-4FFD-4603-8A8B-57D6A8F546C7}"/>
+    <dgm:cxn modelId="{8995703E-16EE-4A81-9B75-E9CF54A0823C}" type="presOf" srcId="{F9AFC70D-98A9-44D5-AE29-4B77D890DCE5}" destId="{66DF8E1A-5511-4F36-8E47-F7C36D34BC9C}" srcOrd="0" destOrd="0" presId="urn:microsoft.com/office/officeart/2005/8/layout/bProcess4"/>
+    <dgm:cxn modelId="{1E40BCCB-1E76-43AB-8C55-8CF0256943F5}" type="presOf" srcId="{664F3033-06A2-4F92-8AED-49E5BB070394}" destId="{E2F09AE3-E19A-4DEE-8439-BD770D589E30}" srcOrd="0" destOrd="0" presId="urn:microsoft.com/office/officeart/2005/8/layout/bProcess4"/>
     <dgm:cxn modelId="{2AA4AD88-DEE0-4498-BBBA-098B55978CFC}" srcId="{69D9465D-5278-4893-90E4-FC4A404190FF}" destId="{F7C8F245-4D7A-469E-B33C-5443AAA03436}" srcOrd="5" destOrd="0" parTransId="{7004115D-85D0-4855-8403-56165FBD8C5D}" sibTransId="{5925B536-8CDD-4273-9EA0-F3DFE28CFC0A}"/>
-    <dgm:cxn modelId="{FF8D777C-18B8-4623-AFA7-00093BE62503}" type="presOf" srcId="{D9BFE88D-86D5-4A4E-9864-049B66CE7B11}" destId="{0111BCDE-244E-4E0C-9F45-971A15B0F1AB}" srcOrd="0" destOrd="0" presId="urn:microsoft.com/office/officeart/2005/8/layout/bProcess4"/>
-    <dgm:cxn modelId="{8995703E-16EE-4A81-9B75-E9CF54A0823C}" type="presOf" srcId="{F9AFC70D-98A9-44D5-AE29-4B77D890DCE5}" destId="{66DF8E1A-5511-4F36-8E47-F7C36D34BC9C}" srcOrd="0" destOrd="0" presId="urn:microsoft.com/office/officeart/2005/8/layout/bProcess4"/>
-    <dgm:cxn modelId="{F8BF60C2-BE39-43A2-9A61-63EC368D0FEB}" type="presOf" srcId="{5925B536-8CDD-4273-9EA0-F3DFE28CFC0A}" destId="{F464CA6F-950B-46FF-9EA4-EAFF6B879406}" srcOrd="0" destOrd="0" presId="urn:microsoft.com/office/officeart/2005/8/layout/bProcess4"/>
-    <dgm:cxn modelId="{5D11504B-F891-4E16-81AF-19A4EDD5D894}" srcId="{69D9465D-5278-4893-90E4-FC4A404190FF}" destId="{AC0CA605-AB71-4DDA-8068-AE236D9C9B5B}" srcOrd="3" destOrd="0" parTransId="{8CC74D62-4916-498D-B541-D6C5D6CF2E1B}" sibTransId="{A9DEF564-FDF7-4F00-998C-0108AF2F964C}"/>
-    <dgm:cxn modelId="{A1F85789-4824-48E4-B23D-DB88A8247DF3}" type="presOf" srcId="{A015CC84-CBCB-49E3-9D9B-F66E30B67EB4}" destId="{B3F14615-A4E7-4DA6-B7C0-B9FBB08C1897}" srcOrd="0" destOrd="0" presId="urn:microsoft.com/office/officeart/2005/8/layout/bProcess4"/>
-    <dgm:cxn modelId="{D00831ED-127B-4987-AF88-67025158E8BF}" type="presOf" srcId="{C24C36EC-6312-42E6-85F3-613C20BC1376}" destId="{DB114CFE-3120-4EDC-8173-69948354E5C4}" srcOrd="0" destOrd="0" presId="urn:microsoft.com/office/officeart/2005/8/layout/bProcess4"/>
-    <dgm:cxn modelId="{29F4C0D2-AE92-4258-BBFD-9A40C4CCE94E}" type="presOf" srcId="{F7C8F245-4D7A-469E-B33C-5443AAA03436}" destId="{E8D604B9-E6B5-427C-8D2D-C70DBA515C38}" srcOrd="0" destOrd="0" presId="urn:microsoft.com/office/officeart/2005/8/layout/bProcess4"/>
-    <dgm:cxn modelId="{5D51E946-1572-4B32-A99B-B09C2D21BB4F}" srcId="{69D9465D-5278-4893-90E4-FC4A404190FF}" destId="{664F3033-06A2-4F92-8AED-49E5BB070394}" srcOrd="6" destOrd="0" parTransId="{67711992-C237-4337-995F-B75846ACA60F}" sibTransId="{24235BDA-3456-4472-A5F8-A95C033405D7}"/>
     <dgm:cxn modelId="{B3B9CAB9-2667-4815-A245-E1FC2B28DE7D}" srcId="{69D9465D-5278-4893-90E4-FC4A404190FF}" destId="{F2809BA3-C65E-4889-8F5A-FF553707154C}" srcOrd="8" destOrd="0" parTransId="{FC354316-0A86-49FE-B980-2848910173B1}" sibTransId="{342EE362-FB63-4B4A-A4F8-F7864A82DA6F}"/>
-    <dgm:cxn modelId="{361F53CB-5A29-4DAB-A291-D994BF66FC9F}" type="presOf" srcId="{F2809BA3-C65E-4889-8F5A-FF553707154C}" destId="{186C2779-A3E3-43E9-AE0E-189DFF42734F}" srcOrd="0" destOrd="0" presId="urn:microsoft.com/office/officeart/2005/8/layout/bProcess4"/>
-    <dgm:cxn modelId="{E9634CB2-95B8-4A07-9924-3D7B5FC7A4F5}" type="presOf" srcId="{8E23BBB5-4FFD-4603-8A8B-57D6A8F546C7}" destId="{CF02E96F-6612-4447-A716-AF24BA2BAA38}" srcOrd="0" destOrd="0" presId="urn:microsoft.com/office/officeart/2005/8/layout/bProcess4"/>
-    <dgm:cxn modelId="{3B0582A2-3B3D-4DCD-93AC-A52D25E70D8E}" type="presOf" srcId="{7B5F1AB1-A56B-4592-899D-948C07E9FCE7}" destId="{4831F056-7731-46BB-8DF6-11307D2F1AEB}" srcOrd="0" destOrd="0" presId="urn:microsoft.com/office/officeart/2005/8/layout/bProcess4"/>
-    <dgm:cxn modelId="{BE8A410B-AB19-490E-B9A0-CFE7C4AE16AF}" type="presOf" srcId="{F6AB84D7-DC04-4772-BBB8-08839E3E3B0E}" destId="{5D23B8C8-D64B-484E-B55B-BD146A94EBE7}" srcOrd="0" destOrd="0" presId="urn:microsoft.com/office/officeart/2005/8/layout/bProcess4"/>
-    <dgm:cxn modelId="{2534C515-9526-4995-A442-803954094489}" type="presOf" srcId="{CE70E7C1-00A1-4F5C-B7F2-4DEA0098B5CC}" destId="{6DEDC417-7D81-4270-BD28-D9247A7A935F}" srcOrd="0" destOrd="0" presId="urn:microsoft.com/office/officeart/2005/8/layout/bProcess4"/>
-    <dgm:cxn modelId="{1841C2B5-F5D9-4C9D-BC8C-E01099CB1015}" type="presOf" srcId="{730DAA83-5ECA-4C62-B660-9C169A24A198}" destId="{6E02BA24-2FD9-4C78-8700-D63A6D75380B}" srcOrd="0" destOrd="0" presId="urn:microsoft.com/office/officeart/2005/8/layout/bProcess4"/>
-    <dgm:cxn modelId="{8E260BD3-C9D7-4508-A4AC-F2E5E19A10BF}" type="presOf" srcId="{AC0CA605-AB71-4DDA-8068-AE236D9C9B5B}" destId="{8B6115A6-6B88-4E8C-B7FC-E18F0AFA9CAB}" srcOrd="0" destOrd="0" presId="urn:microsoft.com/office/officeart/2005/8/layout/bProcess4"/>
-    <dgm:cxn modelId="{9F649EF0-789F-4CBD-9BDD-05CA7FD30C2F}" type="presOf" srcId="{31DAD7E9-CE7C-41E2-8D30-CCCC16BF810D}" destId="{04175430-BE2F-45E9-8822-6B0CF5FF9864}" srcOrd="0" destOrd="0" presId="urn:microsoft.com/office/officeart/2005/8/layout/bProcess4"/>
-    <dgm:cxn modelId="{35FFAEAE-DC16-4986-AE73-A931A7283792}" srcId="{69D9465D-5278-4893-90E4-FC4A404190FF}" destId="{D9BFE88D-86D5-4A4E-9864-049B66CE7B11}" srcOrd="0" destOrd="0" parTransId="{F9F09A06-4B6D-4FE7-83E2-F8A428C27656}" sibTransId="{8E23BBB5-4FFD-4603-8A8B-57D6A8F546C7}"/>
-    <dgm:cxn modelId="{1E40BCCB-1E76-43AB-8C55-8CF0256943F5}" type="presOf" srcId="{664F3033-06A2-4F92-8AED-49E5BB070394}" destId="{E2F09AE3-E19A-4DEE-8439-BD770D589E30}" srcOrd="0" destOrd="0" presId="urn:microsoft.com/office/officeart/2005/8/layout/bProcess4"/>
-    <dgm:cxn modelId="{8B540F0B-2250-4B5E-BCCE-C3D246BFA6AE}" srcId="{69D9465D-5278-4893-90E4-FC4A404190FF}" destId="{CE70E7C1-00A1-4F5C-B7F2-4DEA0098B5CC}" srcOrd="7" destOrd="0" parTransId="{F234F055-B622-4D52-AFCB-3BA3D3341CFD}" sibTransId="{31DAD7E9-CE7C-41E2-8D30-CCCC16BF810D}"/>
-    <dgm:cxn modelId="{7264B672-CA05-4F31-89F1-FEAC6C34D9E4}" type="presOf" srcId="{69D9465D-5278-4893-90E4-FC4A404190FF}" destId="{F41203AE-3D27-4DFC-B08E-BF6461080D2A}" srcOrd="0" destOrd="0" presId="urn:microsoft.com/office/officeart/2005/8/layout/bProcess4"/>
     <dgm:cxn modelId="{CA5AFF5C-582E-4958-AD8B-4C61AA2F41AF}" type="presParOf" srcId="{F41203AE-3D27-4DFC-B08E-BF6461080D2A}" destId="{9B9AB0DF-1520-478A-9272-0D99B8FD5BC6}" srcOrd="0" destOrd="0" presId="urn:microsoft.com/office/officeart/2005/8/layout/bProcess4"/>
     <dgm:cxn modelId="{15240594-B4C4-415C-9491-A30D89E98AC6}" type="presParOf" srcId="{9B9AB0DF-1520-478A-9272-0D99B8FD5BC6}" destId="{DC903BB0-E430-4A21-B00B-32F4402C2D32}" srcOrd="0" destOrd="0" presId="urn:microsoft.com/office/officeart/2005/8/layout/bProcess4"/>
     <dgm:cxn modelId="{ED9933BF-C8EF-44BB-AE9A-1D88F0BDBBB7}" type="presParOf" srcId="{9B9AB0DF-1520-478A-9272-0D99B8FD5BC6}" destId="{0111BCDE-244E-4E0C-9F45-971A15B0F1AB}" srcOrd="1" destOrd="0" presId="urn:microsoft.com/office/officeart/2005/8/layout/bProcess4"/>
@@ -4071,7 +4071,7 @@
         <p:spPr>
           <a:xfrm>
             <a:off x="0" y="0"/>
-            <a:ext cx="12192000" cy="6858000"/>
+            <a:ext cx="12801600" cy="9601200"/>
           </a:xfrm>
           <a:prstGeom prst="rect">
             <a:avLst/>
@@ -4086,8 +4086,8 @@
         </p:nvSpPr>
         <p:spPr>
           <a:xfrm>
-            <a:off x="-15875" y="0"/>
-            <a:ext cx="11683810" cy="6588125"/>
+            <a:off x="-16669" y="2"/>
+            <a:ext cx="12268001" cy="9223375"/>
           </a:xfrm>
           <a:custGeom>
             <a:avLst/>
@@ -4152,8 +4152,8 @@
         </p:nvSpPr>
         <p:spPr>
           <a:xfrm>
-            <a:off x="0" y="4282257"/>
-            <a:ext cx="11329257" cy="2028845"/>
+            <a:off x="0" y="5995162"/>
+            <a:ext cx="11895720" cy="2840383"/>
           </a:xfrm>
           <a:custGeom>
             <a:avLst/>
@@ -4225,8 +4225,8 @@
         </p:nvSpPr>
         <p:spPr>
           <a:xfrm>
-            <a:off x="0" y="0"/>
-            <a:ext cx="8719579" cy="456877"/>
+            <a:off x="2" y="2"/>
+            <a:ext cx="9155558" cy="639628"/>
           </a:xfrm>
           <a:custGeom>
             <a:avLst/>
@@ -4295,8 +4295,8 @@
         </p:nvSpPr>
         <p:spPr>
           <a:xfrm rot="21420000">
-            <a:off x="-161800" y="293317"/>
-            <a:ext cx="11367116" cy="5751804"/>
+            <a:off x="-169890" y="410644"/>
+            <a:ext cx="11935472" cy="8052526"/>
           </a:xfrm>
           <a:custGeom>
             <a:avLst/>
@@ -4357,8 +4357,8 @@
         </p:nvSpPr>
         <p:spPr>
           <a:xfrm rot="21420000">
-            <a:off x="891201" y="662656"/>
-            <a:ext cx="9755187" cy="2766528"/>
+            <a:off x="935763" y="927720"/>
+            <a:ext cx="10242946" cy="3873139"/>
           </a:xfrm>
         </p:spPr>
         <p:txBody>
@@ -4391,8 +4391,8 @@
         </p:nvSpPr>
         <p:spPr>
           <a:xfrm rot="21420000">
-            <a:off x="983062" y="3505209"/>
-            <a:ext cx="9755187" cy="550333"/>
+            <a:off x="1032217" y="4907293"/>
+            <a:ext cx="10242946" cy="770466"/>
           </a:xfrm>
         </p:spPr>
         <p:txBody>
@@ -4410,35 +4410,35 @@
                 </a:solidFill>
               </a:defRPr>
             </a:lvl1pPr>
-            <a:lvl2pPr marL="457200" indent="0" algn="ctr">
+            <a:lvl2pPr marL="457209" indent="0" algn="ctr">
               <a:buNone/>
               <a:defRPr sz="2000"/>
             </a:lvl2pPr>
-            <a:lvl3pPr marL="914400" indent="0" algn="ctr">
+            <a:lvl3pPr marL="914418" indent="0" algn="ctr">
               <a:buNone/>
               <a:defRPr sz="1800"/>
             </a:lvl3pPr>
-            <a:lvl4pPr marL="1371600" indent="0" algn="ctr">
+            <a:lvl4pPr marL="1371627" indent="0" algn="ctr">
               <a:buNone/>
               <a:defRPr sz="1600"/>
             </a:lvl4pPr>
-            <a:lvl5pPr marL="1828800" indent="0" algn="ctr">
+            <a:lvl5pPr marL="1828837" indent="0" algn="ctr">
               <a:buNone/>
               <a:defRPr sz="1600"/>
             </a:lvl5pPr>
-            <a:lvl6pPr marL="2286000" indent="0" algn="ctr">
+            <a:lvl6pPr marL="2286046" indent="0" algn="ctr">
               <a:buNone/>
               <a:defRPr sz="1600"/>
             </a:lvl6pPr>
-            <a:lvl7pPr marL="2743200" indent="0" algn="ctr">
+            <a:lvl7pPr marL="2743255" indent="0" algn="ctr">
               <a:buNone/>
               <a:defRPr sz="1600"/>
             </a:lvl7pPr>
-            <a:lvl8pPr marL="3200400" indent="0" algn="ctr">
+            <a:lvl8pPr marL="3200464" indent="0" algn="ctr">
               <a:buNone/>
               <a:defRPr sz="1600"/>
             </a:lvl8pPr>
-            <a:lvl9pPr marL="3657600" indent="0" algn="ctr">
+            <a:lvl9pPr marL="3657673" indent="0" algn="ctr">
               <a:buNone/>
               <a:defRPr sz="1600"/>
             </a:lvl9pPr>
@@ -4464,8 +4464,8 @@
         </p:nvSpPr>
         <p:spPr>
           <a:xfrm rot="21420000">
-            <a:off x="4948541" y="4578463"/>
-            <a:ext cx="6143653" cy="1163112"/>
+            <a:off x="5195968" y="6409848"/>
+            <a:ext cx="6450836" cy="1628357"/>
           </a:xfrm>
         </p:spPr>
         <p:txBody>
@@ -4484,7 +4484,7 @@
           <a:p>
             <a:fld id="{876717B3-76BD-4CF3-B287-483EF058EC68}" type="datetimeFigureOut">
               <a:rPr lang="en-ZA" smtClean="0"/>
-              <a:t>2015-10-18</a:t>
+              <a:t>2015-10-19</a:t>
             </a:fld>
             <a:endParaRPr lang="en-ZA"/>
           </a:p>
@@ -4502,8 +4502,8 @@
         </p:nvSpPr>
         <p:spPr>
           <a:xfrm rot="21420000">
-            <a:off x="-5560" y="4883024"/>
-            <a:ext cx="4047239" cy="1195538"/>
+            <a:off x="-5836" y="6836235"/>
+            <a:ext cx="4249601" cy="1673753"/>
           </a:xfrm>
         </p:spPr>
         <p:txBody>
@@ -4530,8 +4530,8 @@
         </p:nvSpPr>
         <p:spPr>
           <a:xfrm rot="21420000">
-            <a:off x="9851758" y="3832648"/>
-            <a:ext cx="907186" cy="498470"/>
+            <a:off x="10344346" y="5365707"/>
+            <a:ext cx="952545" cy="697858"/>
           </a:xfrm>
         </p:spPr>
         <p:txBody>
@@ -4565,8 +4565,8 @@
         </p:nvSpPr>
         <p:spPr>
           <a:xfrm rot="21420000">
-            <a:off x="4221385" y="5111356"/>
-            <a:ext cx="515386" cy="515386"/>
+            <a:off x="4432454" y="7155899"/>
+            <a:ext cx="541155" cy="721540"/>
           </a:xfrm>
           <a:prstGeom prst="star5">
             <a:avLst>
@@ -4641,8 +4641,8 @@
         </p:nvSpPr>
         <p:spPr>
           <a:xfrm>
-            <a:off x="685800" y="4106333"/>
-            <a:ext cx="10394708" cy="588846"/>
+            <a:off x="720090" y="5748866"/>
+            <a:ext cx="10914443" cy="824384"/>
           </a:xfrm>
         </p:spPr>
         <p:txBody>
@@ -4673,8 +4673,8 @@
         </p:nvSpPr>
         <p:spPr>
           <a:xfrm>
-            <a:off x="685801" y="685799"/>
-            <a:ext cx="10392513" cy="3194903"/>
+            <a:off x="720092" y="960119"/>
+            <a:ext cx="10912139" cy="4472864"/>
           </a:xfrm>
           <a:ln w="57150" cmpd="thinThick">
             <a:solidFill>
@@ -4692,35 +4692,35 @@
               <a:buNone/>
               <a:defRPr sz="3200"/>
             </a:lvl1pPr>
-            <a:lvl2pPr marL="457200" indent="0">
+            <a:lvl2pPr marL="457209" indent="0">
               <a:buNone/>
               <a:defRPr sz="2800"/>
             </a:lvl2pPr>
-            <a:lvl3pPr marL="914400" indent="0">
+            <a:lvl3pPr marL="914418" indent="0">
               <a:buNone/>
               <a:defRPr sz="2400"/>
             </a:lvl3pPr>
-            <a:lvl4pPr marL="1371600" indent="0">
+            <a:lvl4pPr marL="1371627" indent="0">
               <a:buNone/>
               <a:defRPr sz="2000"/>
             </a:lvl4pPr>
-            <a:lvl5pPr marL="1828800" indent="0">
+            <a:lvl5pPr marL="1828837" indent="0">
               <a:buNone/>
               <a:defRPr sz="2000"/>
             </a:lvl5pPr>
-            <a:lvl6pPr marL="2286000" indent="0">
+            <a:lvl6pPr marL="2286046" indent="0">
               <a:buNone/>
               <a:defRPr sz="2000"/>
             </a:lvl6pPr>
-            <a:lvl7pPr marL="2743200" indent="0">
+            <a:lvl7pPr marL="2743255" indent="0">
               <a:buNone/>
               <a:defRPr sz="2000"/>
             </a:lvl7pPr>
-            <a:lvl8pPr marL="3200400" indent="0">
+            <a:lvl8pPr marL="3200464" indent="0">
               <a:buNone/>
               <a:defRPr sz="2000"/>
             </a:lvl8pPr>
-            <a:lvl9pPr marL="3657600" indent="0">
+            <a:lvl9pPr marL="3657673" indent="0">
               <a:buNone/>
               <a:defRPr sz="2000"/>
             </a:lvl9pPr>
@@ -4746,8 +4746,8 @@
         </p:nvSpPr>
         <p:spPr>
           <a:xfrm>
-            <a:off x="685780" y="4702923"/>
-            <a:ext cx="10394728" cy="682472"/>
+            <a:off x="720069" y="6584092"/>
+            <a:ext cx="10914464" cy="955461"/>
           </a:xfrm>
         </p:spPr>
         <p:txBody>
@@ -4757,35 +4757,35 @@
               <a:buNone/>
               <a:defRPr sz="1600"/>
             </a:lvl1pPr>
-            <a:lvl2pPr marL="457200" indent="0">
+            <a:lvl2pPr marL="457209" indent="0">
               <a:buNone/>
               <a:defRPr sz="1400"/>
             </a:lvl2pPr>
-            <a:lvl3pPr marL="914400" indent="0">
+            <a:lvl3pPr marL="914418" indent="0">
               <a:buNone/>
               <a:defRPr sz="1200"/>
             </a:lvl3pPr>
-            <a:lvl4pPr marL="1371600" indent="0">
+            <a:lvl4pPr marL="1371627" indent="0">
               <a:buNone/>
               <a:defRPr sz="1000"/>
             </a:lvl4pPr>
-            <a:lvl5pPr marL="1828800" indent="0">
+            <a:lvl5pPr marL="1828837" indent="0">
               <a:buNone/>
               <a:defRPr sz="1000"/>
             </a:lvl5pPr>
-            <a:lvl6pPr marL="2286000" indent="0">
+            <a:lvl6pPr marL="2286046" indent="0">
               <a:buNone/>
               <a:defRPr sz="1000"/>
             </a:lvl6pPr>
-            <a:lvl7pPr marL="2743200" indent="0">
+            <a:lvl7pPr marL="2743255" indent="0">
               <a:buNone/>
               <a:defRPr sz="1000"/>
             </a:lvl7pPr>
-            <a:lvl8pPr marL="3200400" indent="0">
+            <a:lvl8pPr marL="3200464" indent="0">
               <a:buNone/>
               <a:defRPr sz="1000"/>
             </a:lvl8pPr>
-            <a:lvl9pPr marL="3657600" indent="0">
+            <a:lvl9pPr marL="3657673" indent="0">
               <a:buNone/>
               <a:defRPr sz="1000"/>
             </a:lvl9pPr>
@@ -4816,7 +4816,7 @@
           <a:p>
             <a:fld id="{876717B3-76BD-4CF3-B287-483EF058EC68}" type="datetimeFigureOut">
               <a:rPr lang="en-ZA" smtClean="0"/>
-              <a:t>2015-10-18</a:t>
+              <a:t>2015-10-19</a:t>
             </a:fld>
             <a:endParaRPr lang="en-ZA"/>
           </a:p>
@@ -4906,8 +4906,8 @@
         </p:nvSpPr>
         <p:spPr>
           <a:xfrm>
-            <a:off x="685801" y="685800"/>
-            <a:ext cx="10396902" cy="3194903"/>
+            <a:off x="720091" y="960122"/>
+            <a:ext cx="10916747" cy="4472864"/>
           </a:xfrm>
         </p:spPr>
         <p:txBody>
@@ -4940,8 +4940,8 @@
         </p:nvSpPr>
         <p:spPr>
           <a:xfrm>
-            <a:off x="685779" y="4106333"/>
-            <a:ext cx="10394729" cy="1273606"/>
+            <a:off x="720070" y="5748866"/>
+            <a:ext cx="10914465" cy="1783048"/>
           </a:xfrm>
         </p:spPr>
         <p:txBody>
@@ -4953,35 +4953,35 @@
               <a:buNone/>
               <a:defRPr sz="1800"/>
             </a:lvl1pPr>
-            <a:lvl2pPr marL="457200" indent="0">
+            <a:lvl2pPr marL="457209" indent="0">
               <a:buNone/>
               <a:defRPr sz="1400"/>
             </a:lvl2pPr>
-            <a:lvl3pPr marL="914400" indent="0">
+            <a:lvl3pPr marL="914418" indent="0">
               <a:buNone/>
               <a:defRPr sz="1200"/>
             </a:lvl3pPr>
-            <a:lvl4pPr marL="1371600" indent="0">
+            <a:lvl4pPr marL="1371627" indent="0">
               <a:buNone/>
               <a:defRPr sz="1000"/>
             </a:lvl4pPr>
-            <a:lvl5pPr marL="1828800" indent="0">
+            <a:lvl5pPr marL="1828837" indent="0">
               <a:buNone/>
               <a:defRPr sz="1000"/>
             </a:lvl5pPr>
-            <a:lvl6pPr marL="2286000" indent="0">
+            <a:lvl6pPr marL="2286046" indent="0">
               <a:buNone/>
               <a:defRPr sz="1000"/>
             </a:lvl6pPr>
-            <a:lvl7pPr marL="2743200" indent="0">
+            <a:lvl7pPr marL="2743255" indent="0">
               <a:buNone/>
               <a:defRPr sz="1000"/>
             </a:lvl7pPr>
-            <a:lvl8pPr marL="3200400" indent="0">
+            <a:lvl8pPr marL="3200464" indent="0">
               <a:buNone/>
               <a:defRPr sz="1000"/>
             </a:lvl8pPr>
-            <a:lvl9pPr marL="3657600" indent="0">
+            <a:lvl9pPr marL="3657673" indent="0">
               <a:buNone/>
               <a:defRPr sz="1000"/>
             </a:lvl9pPr>
@@ -5012,7 +5012,7 @@
           <a:p>
             <a:fld id="{876717B3-76BD-4CF3-B287-483EF058EC68}" type="datetimeFigureOut">
               <a:rPr lang="en-ZA" smtClean="0"/>
-              <a:t>2015-10-18</a:t>
+              <a:t>2015-10-19</a:t>
             </a:fld>
             <a:endParaRPr lang="en-ZA"/>
           </a:p>
@@ -5102,8 +5102,8 @@
         </p:nvSpPr>
         <p:spPr>
           <a:xfrm>
-            <a:off x="1121732" y="685800"/>
-            <a:ext cx="9525020" cy="2916704"/>
+            <a:off x="1177820" y="960120"/>
+            <a:ext cx="10001271" cy="4083386"/>
           </a:xfrm>
         </p:spPr>
         <p:txBody>
@@ -5136,8 +5136,8 @@
         </p:nvSpPr>
         <p:spPr>
           <a:xfrm>
-            <a:off x="1550264" y="3610032"/>
-            <a:ext cx="8667956" cy="377768"/>
+            <a:off x="1627777" y="5054045"/>
+            <a:ext cx="9101354" cy="528875"/>
           </a:xfrm>
         </p:spPr>
         <p:txBody>
@@ -5156,35 +5156,35 @@
                 </a:solidFill>
               </a:defRPr>
             </a:lvl1pPr>
-            <a:lvl2pPr marL="457200" indent="0">
+            <a:lvl2pPr marL="457209" indent="0">
               <a:buNone/>
               <a:defRPr sz="1400"/>
             </a:lvl2pPr>
-            <a:lvl3pPr marL="914400" indent="0">
+            <a:lvl3pPr marL="914418" indent="0">
               <a:buNone/>
               <a:defRPr sz="1200"/>
             </a:lvl3pPr>
-            <a:lvl4pPr marL="1371600" indent="0">
+            <a:lvl4pPr marL="1371627" indent="0">
               <a:buNone/>
               <a:defRPr sz="1000"/>
             </a:lvl4pPr>
-            <a:lvl5pPr marL="1828800" indent="0">
+            <a:lvl5pPr marL="1828837" indent="0">
               <a:buNone/>
               <a:defRPr sz="1000"/>
             </a:lvl5pPr>
-            <a:lvl6pPr marL="2286000" indent="0">
+            <a:lvl6pPr marL="2286046" indent="0">
               <a:buNone/>
               <a:defRPr sz="1000"/>
             </a:lvl6pPr>
-            <a:lvl7pPr marL="2743200" indent="0">
+            <a:lvl7pPr marL="2743255" indent="0">
               <a:buNone/>
               <a:defRPr sz="1000"/>
             </a:lvl7pPr>
-            <a:lvl8pPr marL="3200400" indent="0">
+            <a:lvl8pPr marL="3200464" indent="0">
               <a:buNone/>
               <a:defRPr sz="1000"/>
             </a:lvl8pPr>
-            <a:lvl9pPr marL="3657600" indent="0">
+            <a:lvl9pPr marL="3657673" indent="0">
               <a:buNone/>
               <a:defRPr sz="1000"/>
             </a:lvl9pPr>
@@ -5210,8 +5210,8 @@
         </p:nvSpPr>
         <p:spPr>
           <a:xfrm>
-            <a:off x="685801" y="4106334"/>
-            <a:ext cx="10396882" cy="1268252"/>
+            <a:off x="720091" y="5748869"/>
+            <a:ext cx="10916726" cy="1775553"/>
           </a:xfrm>
         </p:spPr>
         <p:txBody>
@@ -5223,35 +5223,35 @@
               <a:buNone/>
               <a:defRPr sz="1800"/>
             </a:lvl1pPr>
-            <a:lvl2pPr marL="457200" indent="0">
+            <a:lvl2pPr marL="457209" indent="0">
               <a:buNone/>
               <a:defRPr sz="1400"/>
             </a:lvl2pPr>
-            <a:lvl3pPr marL="914400" indent="0">
+            <a:lvl3pPr marL="914418" indent="0">
               <a:buNone/>
               <a:defRPr sz="1200"/>
             </a:lvl3pPr>
-            <a:lvl4pPr marL="1371600" indent="0">
+            <a:lvl4pPr marL="1371627" indent="0">
               <a:buNone/>
               <a:defRPr sz="1000"/>
             </a:lvl4pPr>
-            <a:lvl5pPr marL="1828800" indent="0">
+            <a:lvl5pPr marL="1828837" indent="0">
               <a:buNone/>
               <a:defRPr sz="1000"/>
             </a:lvl5pPr>
-            <a:lvl6pPr marL="2286000" indent="0">
+            <a:lvl6pPr marL="2286046" indent="0">
               <a:buNone/>
               <a:defRPr sz="1000"/>
             </a:lvl6pPr>
-            <a:lvl7pPr marL="2743200" indent="0">
+            <a:lvl7pPr marL="2743255" indent="0">
               <a:buNone/>
               <a:defRPr sz="1000"/>
             </a:lvl7pPr>
-            <a:lvl8pPr marL="3200400" indent="0">
+            <a:lvl8pPr marL="3200464" indent="0">
               <a:buNone/>
               <a:defRPr sz="1000"/>
             </a:lvl8pPr>
-            <a:lvl9pPr marL="3657600" indent="0">
+            <a:lvl9pPr marL="3657673" indent="0">
               <a:buNone/>
               <a:defRPr sz="1000"/>
             </a:lvl9pPr>
@@ -5282,7 +5282,7 @@
           <a:p>
             <a:fld id="{876717B3-76BD-4CF3-B287-483EF058EC68}" type="datetimeFigureOut">
               <a:rPr lang="en-ZA" smtClean="0"/>
-              <a:t>2015-10-18</a:t>
+              <a:t>2015-10-19</a:t>
             </a:fld>
             <a:endParaRPr lang="en-ZA"/>
           </a:p>
@@ -5338,8 +5338,8 @@
         </p:nvSpPr>
         <p:spPr>
           <a:xfrm>
-            <a:off x="685801" y="892628"/>
-            <a:ext cx="609600" cy="584776"/>
+            <a:off x="720091" y="1249679"/>
+            <a:ext cx="640080" cy="818686"/>
           </a:xfrm>
           <a:prstGeom prst="rect">
             <a:avLst/>
@@ -5454,8 +5454,8 @@
         </p:nvSpPr>
         <p:spPr>
           <a:xfrm>
-            <a:off x="10473083" y="2922827"/>
-            <a:ext cx="609600" cy="584776"/>
+            <a:off x="10996737" y="4091958"/>
+            <a:ext cx="640080" cy="818686"/>
           </a:xfrm>
           <a:prstGeom prst="rect">
             <a:avLst/>
@@ -5604,8 +5604,8 @@
         </p:nvSpPr>
         <p:spPr>
           <a:xfrm>
-            <a:off x="685800" y="1723854"/>
-            <a:ext cx="10394707" cy="2511835"/>
+            <a:off x="720092" y="2413398"/>
+            <a:ext cx="10914442" cy="3516569"/>
           </a:xfrm>
         </p:spPr>
         <p:txBody>
@@ -5638,8 +5638,8 @@
         </p:nvSpPr>
         <p:spPr>
           <a:xfrm>
-            <a:off x="685800" y="4247468"/>
-            <a:ext cx="10394707" cy="1140644"/>
+            <a:off x="720092" y="5946455"/>
+            <a:ext cx="10914442" cy="1596902"/>
           </a:xfrm>
         </p:spPr>
         <p:txBody>
@@ -5651,35 +5651,35 @@
               <a:buNone/>
               <a:defRPr sz="1800"/>
             </a:lvl1pPr>
-            <a:lvl2pPr marL="457200" indent="0">
+            <a:lvl2pPr marL="457209" indent="0">
               <a:buNone/>
               <a:defRPr sz="1400"/>
             </a:lvl2pPr>
-            <a:lvl3pPr marL="914400" indent="0">
+            <a:lvl3pPr marL="914418" indent="0">
               <a:buNone/>
               <a:defRPr sz="1200"/>
             </a:lvl3pPr>
-            <a:lvl4pPr marL="1371600" indent="0">
+            <a:lvl4pPr marL="1371627" indent="0">
               <a:buNone/>
               <a:defRPr sz="1000"/>
             </a:lvl4pPr>
-            <a:lvl5pPr marL="1828800" indent="0">
+            <a:lvl5pPr marL="1828837" indent="0">
               <a:buNone/>
               <a:defRPr sz="1000"/>
             </a:lvl5pPr>
-            <a:lvl6pPr marL="2286000" indent="0">
+            <a:lvl6pPr marL="2286046" indent="0">
               <a:buNone/>
               <a:defRPr sz="1000"/>
             </a:lvl6pPr>
-            <a:lvl7pPr marL="2743200" indent="0">
+            <a:lvl7pPr marL="2743255" indent="0">
               <a:buNone/>
               <a:defRPr sz="1000"/>
             </a:lvl7pPr>
-            <a:lvl8pPr marL="3200400" indent="0">
+            <a:lvl8pPr marL="3200464" indent="0">
               <a:buNone/>
               <a:defRPr sz="1000"/>
             </a:lvl8pPr>
-            <a:lvl9pPr marL="3657600" indent="0">
+            <a:lvl9pPr marL="3657673" indent="0">
               <a:buNone/>
               <a:defRPr sz="1000"/>
             </a:lvl9pPr>
@@ -5710,7 +5710,7 @@
           <a:p>
             <a:fld id="{876717B3-76BD-4CF3-B287-483EF058EC68}" type="datetimeFigureOut">
               <a:rPr lang="en-ZA" smtClean="0"/>
-              <a:t>2015-10-18</a:t>
+              <a:t>2015-10-19</a:t>
             </a:fld>
             <a:endParaRPr lang="en-ZA"/>
           </a:p>
@@ -5800,8 +5800,8 @@
         </p:nvSpPr>
         <p:spPr>
           <a:xfrm>
-            <a:off x="685802" y="685800"/>
-            <a:ext cx="10394706" cy="1151965"/>
+            <a:off x="720092" y="960122"/>
+            <a:ext cx="10914441" cy="1612751"/>
           </a:xfrm>
         </p:spPr>
         <p:txBody>
@@ -5832,8 +5832,8 @@
         </p:nvSpPr>
         <p:spPr>
           <a:xfrm>
-            <a:off x="685802" y="2063395"/>
-            <a:ext cx="3310128" cy="576262"/>
+            <a:off x="720092" y="2888753"/>
+            <a:ext cx="3475634" cy="806767"/>
           </a:xfrm>
         </p:spPr>
         <p:txBody>
@@ -5852,35 +5852,35 @@
                 </a:solidFill>
               </a:defRPr>
             </a:lvl1pPr>
-            <a:lvl2pPr marL="457200" indent="0">
+            <a:lvl2pPr marL="457209" indent="0">
               <a:buNone/>
               <a:defRPr sz="2000" b="1"/>
             </a:lvl2pPr>
-            <a:lvl3pPr marL="914400" indent="0">
+            <a:lvl3pPr marL="914418" indent="0">
               <a:buNone/>
               <a:defRPr sz="1800" b="1"/>
             </a:lvl3pPr>
-            <a:lvl4pPr marL="1371600" indent="0">
+            <a:lvl4pPr marL="1371627" indent="0">
               <a:buNone/>
               <a:defRPr sz="1600" b="1"/>
             </a:lvl4pPr>
-            <a:lvl5pPr marL="1828800" indent="0">
+            <a:lvl5pPr marL="1828837" indent="0">
               <a:buNone/>
               <a:defRPr sz="1600" b="1"/>
             </a:lvl5pPr>
-            <a:lvl6pPr marL="2286000" indent="0">
+            <a:lvl6pPr marL="2286046" indent="0">
               <a:buNone/>
               <a:defRPr sz="1600" b="1"/>
             </a:lvl6pPr>
-            <a:lvl7pPr marL="2743200" indent="0">
+            <a:lvl7pPr marL="2743255" indent="0">
               <a:buNone/>
               <a:defRPr sz="1600" b="1"/>
             </a:lvl7pPr>
-            <a:lvl8pPr marL="3200400" indent="0">
+            <a:lvl8pPr marL="3200464" indent="0">
               <a:buNone/>
               <a:defRPr sz="1600" b="1"/>
             </a:lvl8pPr>
-            <a:lvl9pPr marL="3657600" indent="0">
+            <a:lvl9pPr marL="3657673" indent="0">
               <a:buNone/>
               <a:defRPr sz="1600" b="1"/>
             </a:lvl9pPr>
@@ -5906,8 +5906,8 @@
         </p:nvSpPr>
         <p:spPr>
           <a:xfrm>
-            <a:off x="685802" y="2639658"/>
-            <a:ext cx="3310128" cy="2734928"/>
+            <a:off x="720092" y="3695521"/>
+            <a:ext cx="3475634" cy="3828899"/>
           </a:xfrm>
         </p:spPr>
         <p:txBody>
@@ -5919,35 +5919,35 @@
               <a:buNone/>
               <a:defRPr sz="1400"/>
             </a:lvl1pPr>
-            <a:lvl2pPr marL="457200" indent="0">
+            <a:lvl2pPr marL="457209" indent="0">
               <a:buNone/>
               <a:defRPr sz="1200"/>
             </a:lvl2pPr>
-            <a:lvl3pPr marL="914400" indent="0">
+            <a:lvl3pPr marL="914418" indent="0">
               <a:buNone/>
               <a:defRPr sz="1000"/>
             </a:lvl3pPr>
-            <a:lvl4pPr marL="1371600" indent="0">
+            <a:lvl4pPr marL="1371627" indent="0">
               <a:buNone/>
               <a:defRPr sz="900"/>
             </a:lvl4pPr>
-            <a:lvl5pPr marL="1828800" indent="0">
+            <a:lvl5pPr marL="1828837" indent="0">
               <a:buNone/>
               <a:defRPr sz="900"/>
             </a:lvl5pPr>
-            <a:lvl6pPr marL="2286000" indent="0">
+            <a:lvl6pPr marL="2286046" indent="0">
               <a:buNone/>
               <a:defRPr sz="900"/>
             </a:lvl6pPr>
-            <a:lvl7pPr marL="2743200" indent="0">
+            <a:lvl7pPr marL="2743255" indent="0">
               <a:buNone/>
               <a:defRPr sz="900"/>
             </a:lvl7pPr>
-            <a:lvl8pPr marL="3200400" indent="0">
+            <a:lvl8pPr marL="3200464" indent="0">
               <a:buNone/>
               <a:defRPr sz="900"/>
             </a:lvl8pPr>
-            <a:lvl9pPr marL="3657600" indent="0">
+            <a:lvl9pPr marL="3657673" indent="0">
               <a:buNone/>
               <a:defRPr sz="900"/>
             </a:lvl9pPr>
@@ -5973,8 +5973,8 @@
         </p:nvSpPr>
         <p:spPr>
           <a:xfrm>
-            <a:off x="4234622" y="2063395"/>
-            <a:ext cx="3310128" cy="576262"/>
+            <a:off x="4446353" y="2888753"/>
+            <a:ext cx="3475634" cy="806767"/>
           </a:xfrm>
         </p:spPr>
         <p:txBody>
@@ -5993,35 +5993,35 @@
                 </a:solidFill>
               </a:defRPr>
             </a:lvl1pPr>
-            <a:lvl2pPr marL="457200" indent="0">
+            <a:lvl2pPr marL="457209" indent="0">
               <a:buNone/>
               <a:defRPr sz="2000" b="1"/>
             </a:lvl2pPr>
-            <a:lvl3pPr marL="914400" indent="0">
+            <a:lvl3pPr marL="914418" indent="0">
               <a:buNone/>
               <a:defRPr sz="1800" b="1"/>
             </a:lvl3pPr>
-            <a:lvl4pPr marL="1371600" indent="0">
+            <a:lvl4pPr marL="1371627" indent="0">
               <a:buNone/>
               <a:defRPr sz="1600" b="1"/>
             </a:lvl4pPr>
-            <a:lvl5pPr marL="1828800" indent="0">
+            <a:lvl5pPr marL="1828837" indent="0">
               <a:buNone/>
               <a:defRPr sz="1600" b="1"/>
             </a:lvl5pPr>
-            <a:lvl6pPr marL="2286000" indent="0">
+            <a:lvl6pPr marL="2286046" indent="0">
               <a:buNone/>
               <a:defRPr sz="1600" b="1"/>
             </a:lvl6pPr>
-            <a:lvl7pPr marL="2743200" indent="0">
+            <a:lvl7pPr marL="2743255" indent="0">
               <a:buNone/>
               <a:defRPr sz="1600" b="1"/>
             </a:lvl7pPr>
-            <a:lvl8pPr marL="3200400" indent="0">
+            <a:lvl8pPr marL="3200464" indent="0">
               <a:buNone/>
               <a:defRPr sz="1600" b="1"/>
             </a:lvl8pPr>
-            <a:lvl9pPr marL="3657600" indent="0">
+            <a:lvl9pPr marL="3657673" indent="0">
               <a:buNone/>
               <a:defRPr sz="1600" b="1"/>
             </a:lvl9pPr>
@@ -6047,8 +6047,8 @@
         </p:nvSpPr>
         <p:spPr>
           <a:xfrm>
-            <a:off x="4234621" y="2639658"/>
-            <a:ext cx="3310128" cy="2734928"/>
+            <a:off x="4446352" y="3695521"/>
+            <a:ext cx="3475634" cy="3828899"/>
           </a:xfrm>
         </p:spPr>
         <p:txBody>
@@ -6060,35 +6060,35 @@
               <a:buNone/>
               <a:defRPr sz="1400"/>
             </a:lvl1pPr>
-            <a:lvl2pPr marL="457200" indent="0">
+            <a:lvl2pPr marL="457209" indent="0">
               <a:buNone/>
               <a:defRPr sz="1200"/>
             </a:lvl2pPr>
-            <a:lvl3pPr marL="914400" indent="0">
+            <a:lvl3pPr marL="914418" indent="0">
               <a:buNone/>
               <a:defRPr sz="1000"/>
             </a:lvl3pPr>
-            <a:lvl4pPr marL="1371600" indent="0">
+            <a:lvl4pPr marL="1371627" indent="0">
               <a:buNone/>
               <a:defRPr sz="900"/>
             </a:lvl4pPr>
-            <a:lvl5pPr marL="1828800" indent="0">
+            <a:lvl5pPr marL="1828837" indent="0">
               <a:buNone/>
               <a:defRPr sz="900"/>
             </a:lvl5pPr>
-            <a:lvl6pPr marL="2286000" indent="0">
+            <a:lvl6pPr marL="2286046" indent="0">
               <a:buNone/>
               <a:defRPr sz="900"/>
             </a:lvl6pPr>
-            <a:lvl7pPr marL="2743200" indent="0">
+            <a:lvl7pPr marL="2743255" indent="0">
               <a:buNone/>
               <a:defRPr sz="900"/>
             </a:lvl7pPr>
-            <a:lvl8pPr marL="3200400" indent="0">
+            <a:lvl8pPr marL="3200464" indent="0">
               <a:buNone/>
               <a:defRPr sz="900"/>
             </a:lvl8pPr>
-            <a:lvl9pPr marL="3657600" indent="0">
+            <a:lvl9pPr marL="3657673" indent="0">
               <a:buNone/>
               <a:defRPr sz="900"/>
             </a:lvl9pPr>
@@ -6114,8 +6114,8 @@
         </p:nvSpPr>
         <p:spPr>
           <a:xfrm>
-            <a:off x="7770380" y="2063395"/>
-            <a:ext cx="3310128" cy="576262"/>
+            <a:off x="8158899" y="2888753"/>
+            <a:ext cx="3475634" cy="806767"/>
           </a:xfrm>
         </p:spPr>
         <p:txBody>
@@ -6134,35 +6134,35 @@
                 </a:solidFill>
               </a:defRPr>
             </a:lvl1pPr>
-            <a:lvl2pPr marL="457200" indent="0">
+            <a:lvl2pPr marL="457209" indent="0">
               <a:buNone/>
               <a:defRPr sz="2000" b="1"/>
             </a:lvl2pPr>
-            <a:lvl3pPr marL="914400" indent="0">
+            <a:lvl3pPr marL="914418" indent="0">
               <a:buNone/>
               <a:defRPr sz="1800" b="1"/>
             </a:lvl3pPr>
-            <a:lvl4pPr marL="1371600" indent="0">
+            <a:lvl4pPr marL="1371627" indent="0">
               <a:buNone/>
               <a:defRPr sz="1600" b="1"/>
             </a:lvl4pPr>
-            <a:lvl5pPr marL="1828800" indent="0">
+            <a:lvl5pPr marL="1828837" indent="0">
               <a:buNone/>
               <a:defRPr sz="1600" b="1"/>
             </a:lvl5pPr>
-            <a:lvl6pPr marL="2286000" indent="0">
+            <a:lvl6pPr marL="2286046" indent="0">
               <a:buNone/>
               <a:defRPr sz="1600" b="1"/>
             </a:lvl6pPr>
-            <a:lvl7pPr marL="2743200" indent="0">
+            <a:lvl7pPr marL="2743255" indent="0">
               <a:buNone/>
               <a:defRPr sz="1600" b="1"/>
             </a:lvl7pPr>
-            <a:lvl8pPr marL="3200400" indent="0">
+            <a:lvl8pPr marL="3200464" indent="0">
               <a:buNone/>
               <a:defRPr sz="1600" b="1"/>
             </a:lvl8pPr>
-            <a:lvl9pPr marL="3657600" indent="0">
+            <a:lvl9pPr marL="3657673" indent="0">
               <a:buNone/>
               <a:defRPr sz="1600" b="1"/>
             </a:lvl9pPr>
@@ -6188,8 +6188,8 @@
         </p:nvSpPr>
         <p:spPr>
           <a:xfrm>
-            <a:off x="7770380" y="2639658"/>
-            <a:ext cx="3310128" cy="2734928"/>
+            <a:off x="8158899" y="3695521"/>
+            <a:ext cx="3475634" cy="3828899"/>
           </a:xfrm>
         </p:spPr>
         <p:txBody>
@@ -6201,35 +6201,35 @@
               <a:buNone/>
               <a:defRPr sz="1400"/>
             </a:lvl1pPr>
-            <a:lvl2pPr marL="457200" indent="0">
+            <a:lvl2pPr marL="457209" indent="0">
               <a:buNone/>
               <a:defRPr sz="1200"/>
             </a:lvl2pPr>
-            <a:lvl3pPr marL="914400" indent="0">
+            <a:lvl3pPr marL="914418" indent="0">
               <a:buNone/>
               <a:defRPr sz="1000"/>
             </a:lvl3pPr>
-            <a:lvl4pPr marL="1371600" indent="0">
+            <a:lvl4pPr marL="1371627" indent="0">
               <a:buNone/>
               <a:defRPr sz="900"/>
             </a:lvl4pPr>
-            <a:lvl5pPr marL="1828800" indent="0">
+            <a:lvl5pPr marL="1828837" indent="0">
               <a:buNone/>
               <a:defRPr sz="900"/>
             </a:lvl5pPr>
-            <a:lvl6pPr marL="2286000" indent="0">
+            <a:lvl6pPr marL="2286046" indent="0">
               <a:buNone/>
               <a:defRPr sz="900"/>
             </a:lvl6pPr>
-            <a:lvl7pPr marL="2743200" indent="0">
+            <a:lvl7pPr marL="2743255" indent="0">
               <a:buNone/>
               <a:defRPr sz="900"/>
             </a:lvl7pPr>
-            <a:lvl8pPr marL="3200400" indent="0">
+            <a:lvl8pPr marL="3200464" indent="0">
               <a:buNone/>
               <a:defRPr sz="900"/>
             </a:lvl8pPr>
-            <a:lvl9pPr marL="3657600" indent="0">
+            <a:lvl9pPr marL="3657673" indent="0">
               <a:buNone/>
               <a:defRPr sz="900"/>
             </a:lvl9pPr>
@@ -6260,7 +6260,7 @@
           <a:p>
             <a:fld id="{876717B3-76BD-4CF3-B287-483EF058EC68}" type="datetimeFigureOut">
               <a:rPr lang="en-ZA" smtClean="0"/>
-              <a:t>2015-10-18</a:t>
+              <a:t>2015-10-19</a:t>
             </a:fld>
             <a:endParaRPr lang="en-ZA"/>
           </a:p>
@@ -6350,8 +6350,8 @@
         </p:nvSpPr>
         <p:spPr>
           <a:xfrm>
-            <a:off x="685801" y="685800"/>
-            <a:ext cx="10396882" cy="1151965"/>
+            <a:off x="720091" y="960122"/>
+            <a:ext cx="10916726" cy="1612751"/>
           </a:xfrm>
         </p:spPr>
         <p:txBody>
@@ -6382,8 +6382,8 @@
         </p:nvSpPr>
         <p:spPr>
           <a:xfrm>
-            <a:off x="691840" y="3813025"/>
-            <a:ext cx="3310128" cy="576262"/>
+            <a:off x="726432" y="5338235"/>
+            <a:ext cx="3475634" cy="806767"/>
           </a:xfrm>
         </p:spPr>
         <p:txBody>
@@ -6402,35 +6402,35 @@
                 </a:solidFill>
               </a:defRPr>
             </a:lvl1pPr>
-            <a:lvl2pPr marL="457200" indent="0">
+            <a:lvl2pPr marL="457209" indent="0">
               <a:buNone/>
               <a:defRPr sz="2000" b="1"/>
             </a:lvl2pPr>
-            <a:lvl3pPr marL="914400" indent="0">
+            <a:lvl3pPr marL="914418" indent="0">
               <a:buNone/>
               <a:defRPr sz="1800" b="1"/>
             </a:lvl3pPr>
-            <a:lvl4pPr marL="1371600" indent="0">
+            <a:lvl4pPr marL="1371627" indent="0">
               <a:buNone/>
               <a:defRPr sz="1600" b="1"/>
             </a:lvl4pPr>
-            <a:lvl5pPr marL="1828800" indent="0">
+            <a:lvl5pPr marL="1828837" indent="0">
               <a:buNone/>
               <a:defRPr sz="1600" b="1"/>
             </a:lvl5pPr>
-            <a:lvl6pPr marL="2286000" indent="0">
+            <a:lvl6pPr marL="2286046" indent="0">
               <a:buNone/>
               <a:defRPr sz="1600" b="1"/>
             </a:lvl6pPr>
-            <a:lvl7pPr marL="2743200" indent="0">
+            <a:lvl7pPr marL="2743255" indent="0">
               <a:buNone/>
               <a:defRPr sz="1600" b="1"/>
             </a:lvl7pPr>
-            <a:lvl8pPr marL="3200400" indent="0">
+            <a:lvl8pPr marL="3200464" indent="0">
               <a:buNone/>
               <a:defRPr sz="1600" b="1"/>
             </a:lvl8pPr>
-            <a:lvl9pPr marL="3657600" indent="0">
+            <a:lvl9pPr marL="3657673" indent="0">
               <a:buNone/>
               <a:defRPr sz="1600" b="1"/>
             </a:lvl9pPr>
@@ -6456,8 +6456,8 @@
         </p:nvSpPr>
         <p:spPr>
           <a:xfrm>
-            <a:off x="685780" y="2063395"/>
-            <a:ext cx="3310128" cy="1536725"/>
+            <a:off x="720069" y="2888755"/>
+            <a:ext cx="3475634" cy="2151415"/>
           </a:xfrm>
           <a:prstGeom prst="roundRect">
             <a:avLst>
@@ -6482,35 +6482,35 @@
               <a:buNone/>
               <a:defRPr sz="1600"/>
             </a:lvl1pPr>
-            <a:lvl2pPr marL="457200" indent="0">
+            <a:lvl2pPr marL="457209" indent="0">
               <a:buNone/>
               <a:defRPr sz="1600"/>
             </a:lvl2pPr>
-            <a:lvl3pPr marL="914400" indent="0">
+            <a:lvl3pPr marL="914418" indent="0">
               <a:buNone/>
               <a:defRPr sz="1600"/>
             </a:lvl3pPr>
-            <a:lvl4pPr marL="1371600" indent="0">
+            <a:lvl4pPr marL="1371627" indent="0">
               <a:buNone/>
               <a:defRPr sz="1600"/>
             </a:lvl4pPr>
-            <a:lvl5pPr marL="1828800" indent="0">
+            <a:lvl5pPr marL="1828837" indent="0">
               <a:buNone/>
               <a:defRPr sz="1600"/>
             </a:lvl5pPr>
-            <a:lvl6pPr marL="2286000" indent="0">
+            <a:lvl6pPr marL="2286046" indent="0">
               <a:buNone/>
               <a:defRPr sz="1600"/>
             </a:lvl6pPr>
-            <a:lvl7pPr marL="2743200" indent="0">
+            <a:lvl7pPr marL="2743255" indent="0">
               <a:buNone/>
               <a:defRPr sz="1600"/>
             </a:lvl7pPr>
-            <a:lvl8pPr marL="3200400" indent="0">
+            <a:lvl8pPr marL="3200464" indent="0">
               <a:buNone/>
               <a:defRPr sz="1600"/>
             </a:lvl8pPr>
-            <a:lvl9pPr marL="3657600" indent="0">
+            <a:lvl9pPr marL="3657673" indent="0">
               <a:buNone/>
               <a:defRPr sz="1600"/>
             </a:lvl9pPr>
@@ -6536,8 +6536,8 @@
         </p:nvSpPr>
         <p:spPr>
           <a:xfrm>
-            <a:off x="691840" y="4389287"/>
-            <a:ext cx="3310128" cy="985299"/>
+            <a:off x="726432" y="6145004"/>
+            <a:ext cx="3475634" cy="1379419"/>
           </a:xfrm>
         </p:spPr>
         <p:txBody>
@@ -6549,35 +6549,35 @@
               <a:buNone/>
               <a:defRPr sz="1400"/>
             </a:lvl1pPr>
-            <a:lvl2pPr marL="457200" indent="0">
+            <a:lvl2pPr marL="457209" indent="0">
               <a:buNone/>
               <a:defRPr sz="1200"/>
             </a:lvl2pPr>
-            <a:lvl3pPr marL="914400" indent="0">
+            <a:lvl3pPr marL="914418" indent="0">
               <a:buNone/>
               <a:defRPr sz="1000"/>
             </a:lvl3pPr>
-            <a:lvl4pPr marL="1371600" indent="0">
+            <a:lvl4pPr marL="1371627" indent="0">
               <a:buNone/>
               <a:defRPr sz="900"/>
             </a:lvl4pPr>
-            <a:lvl5pPr marL="1828800" indent="0">
+            <a:lvl5pPr marL="1828837" indent="0">
               <a:buNone/>
               <a:defRPr sz="900"/>
             </a:lvl5pPr>
-            <a:lvl6pPr marL="2286000" indent="0">
+            <a:lvl6pPr marL="2286046" indent="0">
               <a:buNone/>
               <a:defRPr sz="900"/>
             </a:lvl6pPr>
-            <a:lvl7pPr marL="2743200" indent="0">
+            <a:lvl7pPr marL="2743255" indent="0">
               <a:buNone/>
               <a:defRPr sz="900"/>
             </a:lvl7pPr>
-            <a:lvl8pPr marL="3200400" indent="0">
+            <a:lvl8pPr marL="3200464" indent="0">
               <a:buNone/>
               <a:defRPr sz="900"/>
             </a:lvl8pPr>
-            <a:lvl9pPr marL="3657600" indent="0">
+            <a:lvl9pPr marL="3657673" indent="0">
               <a:buNone/>
               <a:defRPr sz="900"/>
             </a:lvl9pPr>
@@ -6603,8 +6603,8 @@
         </p:nvSpPr>
         <p:spPr>
           <a:xfrm>
-            <a:off x="4237410" y="3813025"/>
-            <a:ext cx="3310128" cy="576262"/>
+            <a:off x="4449281" y="5338235"/>
+            <a:ext cx="3475634" cy="806767"/>
           </a:xfrm>
         </p:spPr>
         <p:txBody>
@@ -6623,35 +6623,35 @@
                 </a:solidFill>
               </a:defRPr>
             </a:lvl1pPr>
-            <a:lvl2pPr marL="457200" indent="0">
+            <a:lvl2pPr marL="457209" indent="0">
               <a:buNone/>
               <a:defRPr sz="2000" b="1"/>
             </a:lvl2pPr>
-            <a:lvl3pPr marL="914400" indent="0">
+            <a:lvl3pPr marL="914418" indent="0">
               <a:buNone/>
               <a:defRPr sz="1800" b="1"/>
             </a:lvl3pPr>
-            <a:lvl4pPr marL="1371600" indent="0">
+            <a:lvl4pPr marL="1371627" indent="0">
               <a:buNone/>
               <a:defRPr sz="1600" b="1"/>
             </a:lvl4pPr>
-            <a:lvl5pPr marL="1828800" indent="0">
+            <a:lvl5pPr marL="1828837" indent="0">
               <a:buNone/>
               <a:defRPr sz="1600" b="1"/>
             </a:lvl5pPr>
-            <a:lvl6pPr marL="2286000" indent="0">
+            <a:lvl6pPr marL="2286046" indent="0">
               <a:buNone/>
               <a:defRPr sz="1600" b="1"/>
             </a:lvl6pPr>
-            <a:lvl7pPr marL="2743200" indent="0">
+            <a:lvl7pPr marL="2743255" indent="0">
               <a:buNone/>
               <a:defRPr sz="1600" b="1"/>
             </a:lvl7pPr>
-            <a:lvl8pPr marL="3200400" indent="0">
+            <a:lvl8pPr marL="3200464" indent="0">
               <a:buNone/>
               <a:defRPr sz="1600" b="1"/>
             </a:lvl8pPr>
-            <a:lvl9pPr marL="3657600" indent="0">
+            <a:lvl9pPr marL="3657673" indent="0">
               <a:buNone/>
               <a:defRPr sz="1600" b="1"/>
             </a:lvl9pPr>
@@ -6677,8 +6677,8 @@
         </p:nvSpPr>
         <p:spPr>
           <a:xfrm>
-            <a:off x="4235999" y="2063395"/>
-            <a:ext cx="3310128" cy="1535237"/>
+            <a:off x="4447799" y="2888755"/>
+            <a:ext cx="3475634" cy="2149332"/>
           </a:xfrm>
           <a:prstGeom prst="roundRect">
             <a:avLst>
@@ -6703,35 +6703,35 @@
               <a:buNone/>
               <a:defRPr sz="1600"/>
             </a:lvl1pPr>
-            <a:lvl2pPr marL="457200" indent="0">
+            <a:lvl2pPr marL="457209" indent="0">
               <a:buNone/>
               <a:defRPr sz="1600"/>
             </a:lvl2pPr>
-            <a:lvl3pPr marL="914400" indent="0">
+            <a:lvl3pPr marL="914418" indent="0">
               <a:buNone/>
               <a:defRPr sz="1600"/>
             </a:lvl3pPr>
-            <a:lvl4pPr marL="1371600" indent="0">
+            <a:lvl4pPr marL="1371627" indent="0">
               <a:buNone/>
               <a:defRPr sz="1600"/>
             </a:lvl4pPr>
-            <a:lvl5pPr marL="1828800" indent="0">
+            <a:lvl5pPr marL="1828837" indent="0">
               <a:buNone/>
               <a:defRPr sz="1600"/>
             </a:lvl5pPr>
-            <a:lvl6pPr marL="2286000" indent="0">
+            <a:lvl6pPr marL="2286046" indent="0">
               <a:buNone/>
               <a:defRPr sz="1600"/>
             </a:lvl6pPr>
-            <a:lvl7pPr marL="2743200" indent="0">
+            <a:lvl7pPr marL="2743255" indent="0">
               <a:buNone/>
               <a:defRPr sz="1600"/>
             </a:lvl7pPr>
-            <a:lvl8pPr marL="3200400" indent="0">
+            <a:lvl8pPr marL="3200464" indent="0">
               <a:buNone/>
               <a:defRPr sz="1600"/>
             </a:lvl8pPr>
-            <a:lvl9pPr marL="3657600" indent="0">
+            <a:lvl9pPr marL="3657673" indent="0">
               <a:buNone/>
               <a:defRPr sz="1600"/>
             </a:lvl9pPr>
@@ -6757,8 +6757,8 @@
         </p:nvSpPr>
         <p:spPr>
           <a:xfrm>
-            <a:off x="4235999" y="4389286"/>
-            <a:ext cx="3310128" cy="985300"/>
+            <a:off x="4447799" y="6145000"/>
+            <a:ext cx="3475634" cy="1379420"/>
           </a:xfrm>
         </p:spPr>
         <p:txBody>
@@ -6770,35 +6770,35 @@
               <a:buNone/>
               <a:defRPr sz="1400"/>
             </a:lvl1pPr>
-            <a:lvl2pPr marL="457200" indent="0">
+            <a:lvl2pPr marL="457209" indent="0">
               <a:buNone/>
               <a:defRPr sz="1200"/>
             </a:lvl2pPr>
-            <a:lvl3pPr marL="914400" indent="0">
+            <a:lvl3pPr marL="914418" indent="0">
               <a:buNone/>
               <a:defRPr sz="1000"/>
             </a:lvl3pPr>
-            <a:lvl4pPr marL="1371600" indent="0">
+            <a:lvl4pPr marL="1371627" indent="0">
               <a:buNone/>
               <a:defRPr sz="900"/>
             </a:lvl4pPr>
-            <a:lvl5pPr marL="1828800" indent="0">
+            <a:lvl5pPr marL="1828837" indent="0">
               <a:buNone/>
               <a:defRPr sz="900"/>
             </a:lvl5pPr>
-            <a:lvl6pPr marL="2286000" indent="0">
+            <a:lvl6pPr marL="2286046" indent="0">
               <a:buNone/>
               <a:defRPr sz="900"/>
             </a:lvl6pPr>
-            <a:lvl7pPr marL="2743200" indent="0">
+            <a:lvl7pPr marL="2743255" indent="0">
               <a:buNone/>
               <a:defRPr sz="900"/>
             </a:lvl7pPr>
-            <a:lvl8pPr marL="3200400" indent="0">
+            <a:lvl8pPr marL="3200464" indent="0">
               <a:buNone/>
               <a:defRPr sz="900"/>
             </a:lvl8pPr>
-            <a:lvl9pPr marL="3657600" indent="0">
+            <a:lvl9pPr marL="3657673" indent="0">
               <a:buNone/>
               <a:defRPr sz="900"/>
             </a:lvl9pPr>
@@ -6824,8 +6824,8 @@
         </p:nvSpPr>
         <p:spPr>
           <a:xfrm>
-            <a:off x="7768944" y="3813025"/>
-            <a:ext cx="3310128" cy="576262"/>
+            <a:off x="8157391" y="5338235"/>
+            <a:ext cx="3475634" cy="806767"/>
           </a:xfrm>
         </p:spPr>
         <p:txBody>
@@ -6844,35 +6844,35 @@
                 </a:solidFill>
               </a:defRPr>
             </a:lvl1pPr>
-            <a:lvl2pPr marL="457200" indent="0">
+            <a:lvl2pPr marL="457209" indent="0">
               <a:buNone/>
               <a:defRPr sz="2000" b="1"/>
             </a:lvl2pPr>
-            <a:lvl3pPr marL="914400" indent="0">
+            <a:lvl3pPr marL="914418" indent="0">
               <a:buNone/>
               <a:defRPr sz="1800" b="1"/>
             </a:lvl3pPr>
-            <a:lvl4pPr marL="1371600" indent="0">
+            <a:lvl4pPr marL="1371627" indent="0">
               <a:buNone/>
               <a:defRPr sz="1600" b="1"/>
             </a:lvl4pPr>
-            <a:lvl5pPr marL="1828800" indent="0">
+            <a:lvl5pPr marL="1828837" indent="0">
               <a:buNone/>
               <a:defRPr sz="1600" b="1"/>
             </a:lvl5pPr>
-            <a:lvl6pPr marL="2286000" indent="0">
+            <a:lvl6pPr marL="2286046" indent="0">
               <a:buNone/>
               <a:defRPr sz="1600" b="1"/>
             </a:lvl6pPr>
-            <a:lvl7pPr marL="2743200" indent="0">
+            <a:lvl7pPr marL="2743255" indent="0">
               <a:buNone/>
               <a:defRPr sz="1600" b="1"/>
             </a:lvl7pPr>
-            <a:lvl8pPr marL="3200400" indent="0">
+            <a:lvl8pPr marL="3200464" indent="0">
               <a:buNone/>
               <a:defRPr sz="1600" b="1"/>
             </a:lvl8pPr>
-            <a:lvl9pPr marL="3657600" indent="0">
+            <a:lvl9pPr marL="3657673" indent="0">
               <a:buNone/>
               <a:defRPr sz="1600" b="1"/>
             </a:lvl9pPr>
@@ -6898,8 +6898,8 @@
         </p:nvSpPr>
         <p:spPr>
           <a:xfrm>
-            <a:off x="7768819" y="2063394"/>
-            <a:ext cx="3310128" cy="1537196"/>
+            <a:off x="8157260" y="2888752"/>
+            <a:ext cx="3475634" cy="2152074"/>
           </a:xfrm>
           <a:prstGeom prst="roundRect">
             <a:avLst>
@@ -6924,35 +6924,35 @@
               <a:buNone/>
               <a:defRPr sz="1600"/>
             </a:lvl1pPr>
-            <a:lvl2pPr marL="457200" indent="0">
+            <a:lvl2pPr marL="457209" indent="0">
               <a:buNone/>
               <a:defRPr sz="1600"/>
             </a:lvl2pPr>
-            <a:lvl3pPr marL="914400" indent="0">
+            <a:lvl3pPr marL="914418" indent="0">
               <a:buNone/>
               <a:defRPr sz="1600"/>
             </a:lvl3pPr>
-            <a:lvl4pPr marL="1371600" indent="0">
+            <a:lvl4pPr marL="1371627" indent="0">
               <a:buNone/>
               <a:defRPr sz="1600"/>
             </a:lvl4pPr>
-            <a:lvl5pPr marL="1828800" indent="0">
+            <a:lvl5pPr marL="1828837" indent="0">
               <a:buNone/>
               <a:defRPr sz="1600"/>
             </a:lvl5pPr>
-            <a:lvl6pPr marL="2286000" indent="0">
+            <a:lvl6pPr marL="2286046" indent="0">
               <a:buNone/>
               <a:defRPr sz="1600"/>
             </a:lvl6pPr>
-            <a:lvl7pPr marL="2743200" indent="0">
+            <a:lvl7pPr marL="2743255" indent="0">
               <a:buNone/>
               <a:defRPr sz="1600"/>
             </a:lvl7pPr>
-            <a:lvl8pPr marL="3200400" indent="0">
+            <a:lvl8pPr marL="3200464" indent="0">
               <a:buNone/>
               <a:defRPr sz="1600"/>
             </a:lvl8pPr>
-            <a:lvl9pPr marL="3657600" indent="0">
+            <a:lvl9pPr marL="3657673" indent="0">
               <a:buNone/>
               <a:defRPr sz="1600"/>
             </a:lvl9pPr>
@@ -6978,8 +6978,8 @@
         </p:nvSpPr>
         <p:spPr>
           <a:xfrm>
-            <a:off x="7768819" y="4389284"/>
-            <a:ext cx="3310128" cy="985302"/>
+            <a:off x="8157260" y="6144999"/>
+            <a:ext cx="3475634" cy="1379423"/>
           </a:xfrm>
         </p:spPr>
         <p:txBody>
@@ -6991,35 +6991,35 @@
               <a:buNone/>
               <a:defRPr sz="1400"/>
             </a:lvl1pPr>
-            <a:lvl2pPr marL="457200" indent="0">
+            <a:lvl2pPr marL="457209" indent="0">
               <a:buNone/>
               <a:defRPr sz="1200"/>
             </a:lvl2pPr>
-            <a:lvl3pPr marL="914400" indent="0">
+            <a:lvl3pPr marL="914418" indent="0">
               <a:buNone/>
               <a:defRPr sz="1000"/>
             </a:lvl3pPr>
-            <a:lvl4pPr marL="1371600" indent="0">
+            <a:lvl4pPr marL="1371627" indent="0">
               <a:buNone/>
               <a:defRPr sz="900"/>
             </a:lvl4pPr>
-            <a:lvl5pPr marL="1828800" indent="0">
+            <a:lvl5pPr marL="1828837" indent="0">
               <a:buNone/>
               <a:defRPr sz="900"/>
             </a:lvl5pPr>
-            <a:lvl6pPr marL="2286000" indent="0">
+            <a:lvl6pPr marL="2286046" indent="0">
               <a:buNone/>
               <a:defRPr sz="900"/>
             </a:lvl6pPr>
-            <a:lvl7pPr marL="2743200" indent="0">
+            <a:lvl7pPr marL="2743255" indent="0">
               <a:buNone/>
               <a:defRPr sz="900"/>
             </a:lvl7pPr>
-            <a:lvl8pPr marL="3200400" indent="0">
+            <a:lvl8pPr marL="3200464" indent="0">
               <a:buNone/>
               <a:defRPr sz="900"/>
             </a:lvl8pPr>
-            <a:lvl9pPr marL="3657600" indent="0">
+            <a:lvl9pPr marL="3657673" indent="0">
               <a:buNone/>
               <a:defRPr sz="900"/>
             </a:lvl9pPr>
@@ -7050,7 +7050,7 @@
           <a:p>
             <a:fld id="{876717B3-76BD-4CF3-B287-483EF058EC68}" type="datetimeFigureOut">
               <a:rPr lang="en-ZA" smtClean="0"/>
-              <a:t>2015-10-18</a:t>
+              <a:t>2015-10-19</a:t>
             </a:fld>
             <a:endParaRPr lang="en-ZA"/>
           </a:p>
@@ -7167,8 +7167,8 @@
         </p:nvSpPr>
         <p:spPr>
           <a:xfrm>
-            <a:off x="685800" y="2063396"/>
-            <a:ext cx="10394707" cy="3311190"/>
+            <a:off x="720092" y="2888754"/>
+            <a:ext cx="10914442" cy="4635666"/>
           </a:xfrm>
         </p:spPr>
         <p:txBody>
@@ -7229,7 +7229,7 @@
           <a:p>
             <a:fld id="{876717B3-76BD-4CF3-B287-483EF058EC68}" type="datetimeFigureOut">
               <a:rPr lang="en-ZA" smtClean="0"/>
-              <a:t>2015-10-18</a:t>
+              <a:t>2015-10-19</a:t>
             </a:fld>
             <a:endParaRPr lang="en-ZA"/>
           </a:p>
@@ -7319,8 +7319,8 @@
         </p:nvSpPr>
         <p:spPr>
           <a:xfrm>
-            <a:off x="8815862" y="685800"/>
-            <a:ext cx="2264646" cy="4688785"/>
+            <a:off x="9256655" y="960122"/>
+            <a:ext cx="2377878" cy="6564299"/>
           </a:xfrm>
         </p:spPr>
         <p:txBody>
@@ -7351,8 +7351,8 @@
         </p:nvSpPr>
         <p:spPr>
           <a:xfrm>
-            <a:off x="685800" y="685800"/>
-            <a:ext cx="7904431" cy="4688785"/>
+            <a:off x="720091" y="960122"/>
+            <a:ext cx="8299653" cy="6564299"/>
           </a:xfrm>
         </p:spPr>
         <p:txBody>
@@ -7413,7 +7413,7 @@
           <a:p>
             <a:fld id="{876717B3-76BD-4CF3-B287-483EF058EC68}" type="datetimeFigureOut">
               <a:rPr lang="en-ZA" smtClean="0"/>
-              <a:t>2015-10-18</a:t>
+              <a:t>2015-10-19</a:t>
             </a:fld>
             <a:endParaRPr lang="en-ZA"/>
           </a:p>
@@ -7526,8 +7526,8 @@
         </p:nvSpPr>
         <p:spPr>
           <a:xfrm>
-            <a:off x="685800" y="2063396"/>
-            <a:ext cx="10394707" cy="3311189"/>
+            <a:off x="720092" y="2888756"/>
+            <a:ext cx="10914442" cy="4635665"/>
           </a:xfrm>
         </p:spPr>
         <p:txBody>
@@ -7588,7 +7588,7 @@
           <a:p>
             <a:fld id="{876717B3-76BD-4CF3-B287-483EF058EC68}" type="datetimeFigureOut">
               <a:rPr lang="en-ZA" smtClean="0"/>
-              <a:t>2015-10-18</a:t>
+              <a:t>2015-10-19</a:t>
             </a:fld>
             <a:endParaRPr lang="en-ZA"/>
           </a:p>
@@ -7678,8 +7678,8 @@
         </p:nvSpPr>
         <p:spPr>
           <a:xfrm>
-            <a:off x="685801" y="685800"/>
-            <a:ext cx="10394707" cy="3193487"/>
+            <a:off x="720093" y="960122"/>
+            <a:ext cx="10914442" cy="4470882"/>
           </a:xfrm>
         </p:spPr>
         <p:txBody>
@@ -7712,8 +7712,8 @@
         </p:nvSpPr>
         <p:spPr>
           <a:xfrm>
-            <a:off x="685801" y="3742267"/>
-            <a:ext cx="10394707" cy="1639614"/>
+            <a:off x="720093" y="5239174"/>
+            <a:ext cx="10914442" cy="2295460"/>
           </a:xfrm>
         </p:spPr>
         <p:txBody>
@@ -7731,7 +7731,7 @@
                 </a:solidFill>
               </a:defRPr>
             </a:lvl1pPr>
-            <a:lvl2pPr marL="457200" indent="0">
+            <a:lvl2pPr marL="457209" indent="0">
               <a:buNone/>
               <a:defRPr sz="2000">
                 <a:solidFill>
@@ -7741,7 +7741,7 @@
                 </a:solidFill>
               </a:defRPr>
             </a:lvl2pPr>
-            <a:lvl3pPr marL="914400" indent="0">
+            <a:lvl3pPr marL="914418" indent="0">
               <a:buNone/>
               <a:defRPr sz="1800">
                 <a:solidFill>
@@ -7751,7 +7751,7 @@
                 </a:solidFill>
               </a:defRPr>
             </a:lvl3pPr>
-            <a:lvl4pPr marL="1371600" indent="0">
+            <a:lvl4pPr marL="1371627" indent="0">
               <a:buNone/>
               <a:defRPr sz="1600">
                 <a:solidFill>
@@ -7761,7 +7761,7 @@
                 </a:solidFill>
               </a:defRPr>
             </a:lvl4pPr>
-            <a:lvl5pPr marL="1828800" indent="0">
+            <a:lvl5pPr marL="1828837" indent="0">
               <a:buNone/>
               <a:defRPr sz="1600">
                 <a:solidFill>
@@ -7771,7 +7771,7 @@
                 </a:solidFill>
               </a:defRPr>
             </a:lvl5pPr>
-            <a:lvl6pPr marL="2286000" indent="0">
+            <a:lvl6pPr marL="2286046" indent="0">
               <a:buNone/>
               <a:defRPr sz="1600">
                 <a:solidFill>
@@ -7781,7 +7781,7 @@
                 </a:solidFill>
               </a:defRPr>
             </a:lvl6pPr>
-            <a:lvl7pPr marL="2743200" indent="0">
+            <a:lvl7pPr marL="2743255" indent="0">
               <a:buNone/>
               <a:defRPr sz="1600">
                 <a:solidFill>
@@ -7791,7 +7791,7 @@
                 </a:solidFill>
               </a:defRPr>
             </a:lvl7pPr>
-            <a:lvl8pPr marL="3200400" indent="0">
+            <a:lvl8pPr marL="3200464" indent="0">
               <a:buNone/>
               <a:defRPr sz="1600">
                 <a:solidFill>
@@ -7801,7 +7801,7 @@
                 </a:solidFill>
               </a:defRPr>
             </a:lvl8pPr>
-            <a:lvl9pPr marL="3657600" indent="0">
+            <a:lvl9pPr marL="3657673" indent="0">
               <a:buNone/>
               <a:defRPr sz="1600">
                 <a:solidFill>
@@ -7838,7 +7838,7 @@
           <a:p>
             <a:fld id="{876717B3-76BD-4CF3-B287-483EF058EC68}" type="datetimeFigureOut">
               <a:rPr lang="en-ZA" smtClean="0"/>
-              <a:t>2015-10-18</a:t>
+              <a:t>2015-10-19</a:t>
             </a:fld>
             <a:endParaRPr lang="en-ZA"/>
           </a:p>
@@ -7928,8 +7928,8 @@
         </p:nvSpPr>
         <p:spPr>
           <a:xfrm>
-            <a:off x="685801" y="685800"/>
-            <a:ext cx="10396882" cy="1158140"/>
+            <a:off x="720091" y="960120"/>
+            <a:ext cx="10916726" cy="1621396"/>
           </a:xfrm>
         </p:spPr>
         <p:txBody>
@@ -7956,8 +7956,8 @@
         </p:nvSpPr>
         <p:spPr>
           <a:xfrm>
-            <a:off x="685800" y="2063396"/>
-            <a:ext cx="5088714" cy="3311189"/>
+            <a:off x="720090" y="2888756"/>
+            <a:ext cx="5343150" cy="4635665"/>
           </a:xfrm>
         </p:spPr>
         <p:txBody>
@@ -8013,8 +8013,8 @@
         </p:nvSpPr>
         <p:spPr>
           <a:xfrm>
-            <a:off x="5993971" y="2063396"/>
-            <a:ext cx="5086538" cy="3311189"/>
+            <a:off x="6293671" y="2888756"/>
+            <a:ext cx="5340865" cy="4635665"/>
           </a:xfrm>
         </p:spPr>
         <p:txBody>
@@ -8075,7 +8075,7 @@
           <a:p>
             <a:fld id="{876717B3-76BD-4CF3-B287-483EF058EC68}" type="datetimeFigureOut">
               <a:rPr lang="en-ZA" smtClean="0"/>
-              <a:t>2015-10-18</a:t>
+              <a:t>2015-10-19</a:t>
             </a:fld>
             <a:endParaRPr lang="en-ZA"/>
           </a:p>
@@ -8165,8 +8165,8 @@
         </p:nvSpPr>
         <p:spPr>
           <a:xfrm>
-            <a:off x="685801" y="685800"/>
-            <a:ext cx="10394707" cy="1158140"/>
+            <a:off x="720093" y="960120"/>
+            <a:ext cx="10914442" cy="1621396"/>
           </a:xfrm>
         </p:spPr>
         <p:txBody>
@@ -8193,8 +8193,8 @@
         </p:nvSpPr>
         <p:spPr>
           <a:xfrm>
-            <a:off x="918356" y="2063396"/>
-            <a:ext cx="4856158" cy="679994"/>
+            <a:off x="964274" y="2888754"/>
+            <a:ext cx="5098966" cy="951992"/>
           </a:xfrm>
         </p:spPr>
         <p:txBody>
@@ -8213,35 +8213,35 @@
                 </a:solidFill>
               </a:defRPr>
             </a:lvl1pPr>
-            <a:lvl2pPr marL="457200" indent="0">
+            <a:lvl2pPr marL="457209" indent="0">
               <a:buNone/>
               <a:defRPr sz="2000" b="1"/>
             </a:lvl2pPr>
-            <a:lvl3pPr marL="914400" indent="0">
+            <a:lvl3pPr marL="914418" indent="0">
               <a:buNone/>
               <a:defRPr sz="1800" b="1"/>
             </a:lvl3pPr>
-            <a:lvl4pPr marL="1371600" indent="0">
+            <a:lvl4pPr marL="1371627" indent="0">
               <a:buNone/>
               <a:defRPr sz="1600" b="1"/>
             </a:lvl4pPr>
-            <a:lvl5pPr marL="1828800" indent="0">
+            <a:lvl5pPr marL="1828837" indent="0">
               <a:buNone/>
               <a:defRPr sz="1600" b="1"/>
             </a:lvl5pPr>
-            <a:lvl6pPr marL="2286000" indent="0">
+            <a:lvl6pPr marL="2286046" indent="0">
               <a:buNone/>
               <a:defRPr sz="1600" b="1"/>
             </a:lvl6pPr>
-            <a:lvl7pPr marL="2743200" indent="0">
+            <a:lvl7pPr marL="2743255" indent="0">
               <a:buNone/>
               <a:defRPr sz="1600" b="1"/>
             </a:lvl7pPr>
-            <a:lvl8pPr marL="3200400" indent="0">
+            <a:lvl8pPr marL="3200464" indent="0">
               <a:buNone/>
               <a:defRPr sz="1600" b="1"/>
             </a:lvl8pPr>
-            <a:lvl9pPr marL="3657600" indent="0">
+            <a:lvl9pPr marL="3657673" indent="0">
               <a:buNone/>
               <a:defRPr sz="1600" b="1"/>
             </a:lvl9pPr>
@@ -8267,8 +8267,8 @@
         </p:nvSpPr>
         <p:spPr>
           <a:xfrm>
-            <a:off x="685802" y="2861733"/>
-            <a:ext cx="5088712" cy="2512852"/>
+            <a:off x="720092" y="4006426"/>
+            <a:ext cx="5343148" cy="3517993"/>
           </a:xfrm>
         </p:spPr>
         <p:txBody>
@@ -8324,8 +8324,8 @@
         </p:nvSpPr>
         <p:spPr>
           <a:xfrm>
-            <a:off x="6218191" y="2063396"/>
-            <a:ext cx="4864491" cy="679994"/>
+            <a:off x="6529102" y="2888754"/>
+            <a:ext cx="5107716" cy="951992"/>
           </a:xfrm>
         </p:spPr>
         <p:txBody>
@@ -8344,35 +8344,35 @@
                 </a:solidFill>
               </a:defRPr>
             </a:lvl1pPr>
-            <a:lvl2pPr marL="457200" indent="0">
+            <a:lvl2pPr marL="457209" indent="0">
               <a:buNone/>
               <a:defRPr sz="2000" b="1"/>
             </a:lvl2pPr>
-            <a:lvl3pPr marL="914400" indent="0">
+            <a:lvl3pPr marL="914418" indent="0">
               <a:buNone/>
               <a:defRPr sz="1800" b="1"/>
             </a:lvl3pPr>
-            <a:lvl4pPr marL="1371600" indent="0">
+            <a:lvl4pPr marL="1371627" indent="0">
               <a:buNone/>
               <a:defRPr sz="1600" b="1"/>
             </a:lvl4pPr>
-            <a:lvl5pPr marL="1828800" indent="0">
+            <a:lvl5pPr marL="1828837" indent="0">
               <a:buNone/>
               <a:defRPr sz="1600" b="1"/>
             </a:lvl5pPr>
-            <a:lvl6pPr marL="2286000" indent="0">
+            <a:lvl6pPr marL="2286046" indent="0">
               <a:buNone/>
               <a:defRPr sz="1600" b="1"/>
             </a:lvl6pPr>
-            <a:lvl7pPr marL="2743200" indent="0">
+            <a:lvl7pPr marL="2743255" indent="0">
               <a:buNone/>
               <a:defRPr sz="1600" b="1"/>
             </a:lvl7pPr>
-            <a:lvl8pPr marL="3200400" indent="0">
+            <a:lvl8pPr marL="3200464" indent="0">
               <a:buNone/>
               <a:defRPr sz="1600" b="1"/>
             </a:lvl8pPr>
-            <a:lvl9pPr marL="3657600" indent="0">
+            <a:lvl9pPr marL="3657673" indent="0">
               <a:buNone/>
               <a:defRPr sz="1600" b="1"/>
             </a:lvl9pPr>
@@ -8398,8 +8398,8 @@
         </p:nvSpPr>
         <p:spPr>
           <a:xfrm>
-            <a:off x="5993969" y="2861733"/>
-            <a:ext cx="5088713" cy="2512852"/>
+            <a:off x="6293669" y="4006426"/>
+            <a:ext cx="5343149" cy="3517993"/>
           </a:xfrm>
         </p:spPr>
         <p:txBody>
@@ -8460,7 +8460,7 @@
           <a:p>
             <a:fld id="{876717B3-76BD-4CF3-B287-483EF058EC68}" type="datetimeFigureOut">
               <a:rPr lang="en-ZA" smtClean="0"/>
-              <a:t>2015-10-18</a:t>
+              <a:t>2015-10-19</a:t>
             </a:fld>
             <a:endParaRPr lang="en-ZA"/>
           </a:p>
@@ -8578,7 +8578,7 @@
           <a:p>
             <a:fld id="{876717B3-76BD-4CF3-B287-483EF058EC68}" type="datetimeFigureOut">
               <a:rPr lang="en-ZA" smtClean="0"/>
-              <a:t>2015-10-18</a:t>
+              <a:t>2015-10-19</a:t>
             </a:fld>
             <a:endParaRPr lang="en-ZA"/>
           </a:p>
@@ -8673,7 +8673,7 @@
           <a:p>
             <a:fld id="{876717B3-76BD-4CF3-B287-483EF058EC68}" type="datetimeFigureOut">
               <a:rPr lang="en-ZA" smtClean="0"/>
-              <a:t>2015-10-18</a:t>
+              <a:t>2015-10-19</a:t>
             </a:fld>
             <a:endParaRPr lang="en-ZA"/>
           </a:p>
@@ -8763,8 +8763,8 @@
         </p:nvSpPr>
         <p:spPr>
           <a:xfrm>
-            <a:off x="693643" y="685800"/>
-            <a:ext cx="4126860" cy="2023252"/>
+            <a:off x="728325" y="960120"/>
+            <a:ext cx="4333203" cy="2832553"/>
           </a:xfrm>
         </p:spPr>
         <p:txBody>
@@ -8797,8 +8797,8 @@
         </p:nvSpPr>
         <p:spPr>
           <a:xfrm>
-            <a:off x="5046132" y="685800"/>
-            <a:ext cx="6034375" cy="4688785"/>
+            <a:off x="5298440" y="960122"/>
+            <a:ext cx="6336094" cy="6564299"/>
           </a:xfrm>
         </p:spPr>
         <p:txBody>
@@ -8854,8 +8854,8 @@
         </p:nvSpPr>
         <p:spPr>
           <a:xfrm>
-            <a:off x="693642" y="2709052"/>
-            <a:ext cx="4126861" cy="2665533"/>
+            <a:off x="728326" y="3792675"/>
+            <a:ext cx="4333204" cy="3731746"/>
           </a:xfrm>
         </p:spPr>
         <p:txBody>
@@ -8867,35 +8867,35 @@
               <a:buNone/>
               <a:defRPr sz="1800"/>
             </a:lvl1pPr>
-            <a:lvl2pPr marL="457200" indent="0">
+            <a:lvl2pPr marL="457209" indent="0">
               <a:buNone/>
               <a:defRPr sz="1400"/>
             </a:lvl2pPr>
-            <a:lvl3pPr marL="914400" indent="0">
+            <a:lvl3pPr marL="914418" indent="0">
               <a:buNone/>
               <a:defRPr sz="1200"/>
             </a:lvl3pPr>
-            <a:lvl4pPr marL="1371600" indent="0">
+            <a:lvl4pPr marL="1371627" indent="0">
               <a:buNone/>
               <a:defRPr sz="1000"/>
             </a:lvl4pPr>
-            <a:lvl5pPr marL="1828800" indent="0">
+            <a:lvl5pPr marL="1828837" indent="0">
               <a:buNone/>
               <a:defRPr sz="1000"/>
             </a:lvl5pPr>
-            <a:lvl6pPr marL="2286000" indent="0">
+            <a:lvl6pPr marL="2286046" indent="0">
               <a:buNone/>
               <a:defRPr sz="1000"/>
             </a:lvl6pPr>
-            <a:lvl7pPr marL="2743200" indent="0">
+            <a:lvl7pPr marL="2743255" indent="0">
               <a:buNone/>
               <a:defRPr sz="1000"/>
             </a:lvl7pPr>
-            <a:lvl8pPr marL="3200400" indent="0">
+            <a:lvl8pPr marL="3200464" indent="0">
               <a:buNone/>
               <a:defRPr sz="1000"/>
             </a:lvl8pPr>
-            <a:lvl9pPr marL="3657600" indent="0">
+            <a:lvl9pPr marL="3657673" indent="0">
               <a:buNone/>
               <a:defRPr sz="1000"/>
             </a:lvl9pPr>
@@ -8926,7 +8926,7 @@
           <a:p>
             <a:fld id="{876717B3-76BD-4CF3-B287-483EF058EC68}" type="datetimeFigureOut">
               <a:rPr lang="en-ZA" smtClean="0"/>
-              <a:t>2015-10-18</a:t>
+              <a:t>2015-10-19</a:t>
             </a:fld>
             <a:endParaRPr lang="en-ZA"/>
           </a:p>
@@ -9016,8 +9016,8 @@
         </p:nvSpPr>
         <p:spPr>
           <a:xfrm>
-            <a:off x="685800" y="685800"/>
-            <a:ext cx="6345302" cy="2023252"/>
+            <a:off x="720090" y="960120"/>
+            <a:ext cx="6662567" cy="2832553"/>
           </a:xfrm>
         </p:spPr>
         <p:txBody>
@@ -9050,8 +9050,8 @@
         </p:nvSpPr>
         <p:spPr>
           <a:xfrm>
-            <a:off x="7482362" y="0"/>
-            <a:ext cx="3598146" cy="5071533"/>
+            <a:off x="7856480" y="2"/>
+            <a:ext cx="3778053" cy="7100146"/>
           </a:xfrm>
           <a:ln w="57150" cmpd="thinThick">
             <a:solidFill>
@@ -9069,35 +9069,35 @@
               <a:buNone/>
               <a:defRPr sz="3200"/>
             </a:lvl1pPr>
-            <a:lvl2pPr marL="457200" indent="0">
+            <a:lvl2pPr marL="457209" indent="0">
               <a:buNone/>
               <a:defRPr sz="2800"/>
             </a:lvl2pPr>
-            <a:lvl3pPr marL="914400" indent="0">
+            <a:lvl3pPr marL="914418" indent="0">
               <a:buNone/>
               <a:defRPr sz="2400"/>
             </a:lvl3pPr>
-            <a:lvl4pPr marL="1371600" indent="0">
+            <a:lvl4pPr marL="1371627" indent="0">
               <a:buNone/>
               <a:defRPr sz="2000"/>
             </a:lvl4pPr>
-            <a:lvl5pPr marL="1828800" indent="0">
+            <a:lvl5pPr marL="1828837" indent="0">
               <a:buNone/>
               <a:defRPr sz="2000"/>
             </a:lvl5pPr>
-            <a:lvl6pPr marL="2286000" indent="0">
+            <a:lvl6pPr marL="2286046" indent="0">
               <a:buNone/>
               <a:defRPr sz="2000"/>
             </a:lvl6pPr>
-            <a:lvl7pPr marL="2743200" indent="0">
+            <a:lvl7pPr marL="2743255" indent="0">
               <a:buNone/>
               <a:defRPr sz="2000"/>
             </a:lvl7pPr>
-            <a:lvl8pPr marL="3200400" indent="0">
+            <a:lvl8pPr marL="3200464" indent="0">
               <a:buNone/>
               <a:defRPr sz="2000"/>
             </a:lvl8pPr>
-            <a:lvl9pPr marL="3657600" indent="0">
+            <a:lvl9pPr marL="3657673" indent="0">
               <a:buNone/>
               <a:defRPr sz="2000"/>
             </a:lvl9pPr>
@@ -9123,8 +9123,8 @@
         </p:nvSpPr>
         <p:spPr>
           <a:xfrm>
-            <a:off x="685801" y="2709052"/>
-            <a:ext cx="6345301" cy="2362481"/>
+            <a:off x="720093" y="3792675"/>
+            <a:ext cx="6662566" cy="3307473"/>
           </a:xfrm>
         </p:spPr>
         <p:txBody>
@@ -9136,35 +9136,35 @@
               <a:buNone/>
               <a:defRPr sz="1800"/>
             </a:lvl1pPr>
-            <a:lvl2pPr marL="457200" indent="0">
+            <a:lvl2pPr marL="457209" indent="0">
               <a:buNone/>
               <a:defRPr sz="1400"/>
             </a:lvl2pPr>
-            <a:lvl3pPr marL="914400" indent="0">
+            <a:lvl3pPr marL="914418" indent="0">
               <a:buNone/>
               <a:defRPr sz="1200"/>
             </a:lvl3pPr>
-            <a:lvl4pPr marL="1371600" indent="0">
+            <a:lvl4pPr marL="1371627" indent="0">
               <a:buNone/>
               <a:defRPr sz="1000"/>
             </a:lvl4pPr>
-            <a:lvl5pPr marL="1828800" indent="0">
+            <a:lvl5pPr marL="1828837" indent="0">
               <a:buNone/>
               <a:defRPr sz="1000"/>
             </a:lvl5pPr>
-            <a:lvl6pPr marL="2286000" indent="0">
+            <a:lvl6pPr marL="2286046" indent="0">
               <a:buNone/>
               <a:defRPr sz="1000"/>
             </a:lvl6pPr>
-            <a:lvl7pPr marL="2743200" indent="0">
+            <a:lvl7pPr marL="2743255" indent="0">
               <a:buNone/>
               <a:defRPr sz="1000"/>
             </a:lvl7pPr>
-            <a:lvl8pPr marL="3200400" indent="0">
+            <a:lvl8pPr marL="3200464" indent="0">
               <a:buNone/>
               <a:defRPr sz="1000"/>
             </a:lvl8pPr>
-            <a:lvl9pPr marL="3657600" indent="0">
+            <a:lvl9pPr marL="3657673" indent="0">
               <a:buNone/>
               <a:defRPr sz="1000"/>
             </a:lvl9pPr>
@@ -9195,7 +9195,7 @@
           <a:p>
             <a:fld id="{876717B3-76BD-4CF3-B287-483EF058EC68}" type="datetimeFigureOut">
               <a:rPr lang="en-ZA" smtClean="0"/>
-              <a:t>2015-10-18</a:t>
+              <a:t>2015-10-19</a:t>
             </a:fld>
             <a:endParaRPr lang="en-ZA"/>
           </a:p>
@@ -9301,7 +9301,7 @@
         <p:spPr>
           <a:xfrm>
             <a:off x="0" y="0"/>
-            <a:ext cx="12192000" cy="6858000"/>
+            <a:ext cx="12801600" cy="9601200"/>
           </a:xfrm>
           <a:prstGeom prst="rect">
             <a:avLst/>
@@ -9316,8 +9316,8 @@
         </p:nvGrpSpPr>
         <p:grpSpPr>
           <a:xfrm>
-            <a:off x="-25397" y="0"/>
-            <a:ext cx="12005350" cy="6644081"/>
+            <a:off x="-26667" y="2"/>
+            <a:ext cx="12605618" cy="9301713"/>
             <a:chOff x="-25397" y="0"/>
             <a:chExt cx="12005350" cy="6644081"/>
           </a:xfrm>
@@ -9480,8 +9480,8 @@
         </p:nvSpPr>
         <p:spPr>
           <a:xfrm>
-            <a:off x="685801" y="685800"/>
-            <a:ext cx="10396882" cy="1151965"/>
+            <a:off x="720091" y="960122"/>
+            <a:ext cx="10916726" cy="1612751"/>
           </a:xfrm>
           <a:prstGeom prst="rect">
             <a:avLst/>
@@ -9513,8 +9513,8 @@
         </p:nvSpPr>
         <p:spPr>
           <a:xfrm>
-            <a:off x="685800" y="2063396"/>
-            <a:ext cx="10396883" cy="3311189"/>
+            <a:off x="720092" y="2888756"/>
+            <a:ext cx="10916727" cy="4635665"/>
           </a:xfrm>
           <a:prstGeom prst="rect">
             <a:avLst/>
@@ -9575,8 +9575,8 @@
         </p:nvSpPr>
         <p:spPr>
           <a:xfrm>
-            <a:off x="7298083" y="5757334"/>
-            <a:ext cx="3784600" cy="498470"/>
+            <a:off x="7662987" y="8060268"/>
+            <a:ext cx="3973830" cy="697858"/>
           </a:xfrm>
           <a:prstGeom prst="rect">
             <a:avLst/>
@@ -9598,7 +9598,7 @@
           <a:p>
             <a:fld id="{876717B3-76BD-4CF3-B287-483EF058EC68}" type="datetimeFigureOut">
               <a:rPr lang="en-ZA" smtClean="0"/>
-              <a:t>2015-10-18</a:t>
+              <a:t>2015-10-19</a:t>
             </a:fld>
             <a:endParaRPr lang="en-ZA"/>
           </a:p>
@@ -9616,8 +9616,8 @@
         </p:nvSpPr>
         <p:spPr>
           <a:xfrm>
-            <a:off x="685801" y="5757334"/>
-            <a:ext cx="5499719" cy="498470"/>
+            <a:off x="720093" y="8060268"/>
+            <a:ext cx="5774705" cy="697858"/>
           </a:xfrm>
           <a:prstGeom prst="rect">
             <a:avLst/>
@@ -9653,8 +9653,8 @@
         </p:nvSpPr>
         <p:spPr>
           <a:xfrm>
-            <a:off x="6287121" y="5757334"/>
-            <a:ext cx="907186" cy="498470"/>
+            <a:off x="6601477" y="8060268"/>
+            <a:ext cx="952545" cy="697858"/>
           </a:xfrm>
           <a:prstGeom prst="rect">
             <a:avLst/>
@@ -9711,7 +9711,7 @@
   </p:sldLayoutIdLst>
   <p:txStyles>
     <p:titleStyle>
-      <a:lvl1pPr algn="l" defTabSz="914400" rtl="0" eaLnBrk="1" latinLnBrk="0" hangingPunct="1">
+      <a:lvl1pPr algn="l" defTabSz="914418" rtl="0" eaLnBrk="1" latinLnBrk="0" hangingPunct="1">
         <a:lnSpc>
           <a:spcPct val="90000"/>
         </a:lnSpc>
@@ -9731,7 +9731,7 @@
       </a:lvl1pPr>
     </p:titleStyle>
     <p:bodyStyle>
-      <a:lvl1pPr marL="228600" indent="-228600" algn="l" defTabSz="914400" rtl="0" eaLnBrk="1" latinLnBrk="0" hangingPunct="1">
+      <a:lvl1pPr marL="228605" indent="-228605" algn="l" defTabSz="914418" rtl="0" eaLnBrk="1" latinLnBrk="0" hangingPunct="1">
         <a:lnSpc>
           <a:spcPct val="120000"/>
         </a:lnSpc>
@@ -9754,7 +9754,7 @@
           <a:cs typeface="+mn-cs"/>
         </a:defRPr>
       </a:lvl1pPr>
-      <a:lvl2pPr marL="685800" indent="-228600" algn="l" defTabSz="914400" rtl="0" eaLnBrk="1" latinLnBrk="0" hangingPunct="1">
+      <a:lvl2pPr marL="685814" indent="-228605" algn="l" defTabSz="914418" rtl="0" eaLnBrk="1" latinLnBrk="0" hangingPunct="1">
         <a:lnSpc>
           <a:spcPct val="120000"/>
         </a:lnSpc>
@@ -9777,7 +9777,7 @@
           <a:cs typeface="+mn-cs"/>
         </a:defRPr>
       </a:lvl2pPr>
-      <a:lvl3pPr marL="1143000" indent="-228600" algn="l" defTabSz="914400" rtl="0" eaLnBrk="1" latinLnBrk="0" hangingPunct="1">
+      <a:lvl3pPr marL="1143023" indent="-228605" algn="l" defTabSz="914418" rtl="0" eaLnBrk="1" latinLnBrk="0" hangingPunct="1">
         <a:lnSpc>
           <a:spcPct val="120000"/>
         </a:lnSpc>
@@ -9800,7 +9800,7 @@
           <a:cs typeface="+mn-cs"/>
         </a:defRPr>
       </a:lvl3pPr>
-      <a:lvl4pPr marL="1600200" indent="-228600" algn="l" defTabSz="914400" rtl="0" eaLnBrk="1" latinLnBrk="0" hangingPunct="1">
+      <a:lvl4pPr marL="1600232" indent="-228605" algn="l" defTabSz="914418" rtl="0" eaLnBrk="1" latinLnBrk="0" hangingPunct="1">
         <a:lnSpc>
           <a:spcPct val="120000"/>
         </a:lnSpc>
@@ -9823,7 +9823,7 @@
           <a:cs typeface="+mn-cs"/>
         </a:defRPr>
       </a:lvl4pPr>
-      <a:lvl5pPr marL="2057400" indent="-228600" algn="l" defTabSz="914400" rtl="0" eaLnBrk="1" latinLnBrk="0" hangingPunct="1">
+      <a:lvl5pPr marL="2057441" indent="-228605" algn="l" defTabSz="914418" rtl="0" eaLnBrk="1" latinLnBrk="0" hangingPunct="1">
         <a:lnSpc>
           <a:spcPct val="120000"/>
         </a:lnSpc>
@@ -9846,7 +9846,7 @@
           <a:cs typeface="+mn-cs"/>
         </a:defRPr>
       </a:lvl5pPr>
-      <a:lvl6pPr marL="2514600" indent="-228600" algn="l" defTabSz="914400" rtl="0" eaLnBrk="1" latinLnBrk="0" hangingPunct="1">
+      <a:lvl6pPr marL="2514650" indent="-228605" algn="l" defTabSz="914418" rtl="0" eaLnBrk="1" latinLnBrk="0" hangingPunct="1">
         <a:lnSpc>
           <a:spcPct val="120000"/>
         </a:lnSpc>
@@ -9869,7 +9869,7 @@
           <a:cs typeface="+mn-cs"/>
         </a:defRPr>
       </a:lvl6pPr>
-      <a:lvl7pPr marL="2971800" indent="-228600" algn="l" defTabSz="914400" rtl="0" eaLnBrk="1" latinLnBrk="0" hangingPunct="1">
+      <a:lvl7pPr marL="2971859" indent="-228605" algn="l" defTabSz="914418" rtl="0" eaLnBrk="1" latinLnBrk="0" hangingPunct="1">
         <a:lnSpc>
           <a:spcPct val="120000"/>
         </a:lnSpc>
@@ -9892,7 +9892,7 @@
           <a:cs typeface="+mn-cs"/>
         </a:defRPr>
       </a:lvl7pPr>
-      <a:lvl8pPr marL="3429000" indent="-228600" algn="l" defTabSz="914400" rtl="0" eaLnBrk="1" latinLnBrk="0" hangingPunct="1">
+      <a:lvl8pPr marL="3429069" indent="-228605" algn="l" defTabSz="914418" rtl="0" eaLnBrk="1" latinLnBrk="0" hangingPunct="1">
         <a:lnSpc>
           <a:spcPct val="120000"/>
         </a:lnSpc>
@@ -9915,7 +9915,7 @@
           <a:cs typeface="+mn-cs"/>
         </a:defRPr>
       </a:lvl8pPr>
-      <a:lvl9pPr marL="3886200" indent="-228600" algn="l" defTabSz="914400" rtl="0" eaLnBrk="1" latinLnBrk="0" hangingPunct="1">
+      <a:lvl9pPr marL="3886278" indent="-228605" algn="l" defTabSz="914418" rtl="0" eaLnBrk="1" latinLnBrk="0" hangingPunct="1">
         <a:lnSpc>
           <a:spcPct val="120000"/>
         </a:lnSpc>
@@ -9943,7 +9943,7 @@
       <a:defPPr>
         <a:defRPr lang="en-US"/>
       </a:defPPr>
-      <a:lvl1pPr marL="0" algn="l" defTabSz="914400" rtl="0" eaLnBrk="1" latinLnBrk="0" hangingPunct="1">
+      <a:lvl1pPr marL="0" algn="l" defTabSz="914418" rtl="0" eaLnBrk="1" latinLnBrk="0" hangingPunct="1">
         <a:defRPr sz="1800" kern="1200">
           <a:solidFill>
             <a:schemeClr val="tx1"/>
@@ -9953,7 +9953,7 @@
           <a:cs typeface="+mn-cs"/>
         </a:defRPr>
       </a:lvl1pPr>
-      <a:lvl2pPr marL="457200" algn="l" defTabSz="914400" rtl="0" eaLnBrk="1" latinLnBrk="0" hangingPunct="1">
+      <a:lvl2pPr marL="457209" algn="l" defTabSz="914418" rtl="0" eaLnBrk="1" latinLnBrk="0" hangingPunct="1">
         <a:defRPr sz="1800" kern="1200">
           <a:solidFill>
             <a:schemeClr val="tx1"/>
@@ -9963,7 +9963,7 @@
           <a:cs typeface="+mn-cs"/>
         </a:defRPr>
       </a:lvl2pPr>
-      <a:lvl3pPr marL="914400" algn="l" defTabSz="914400" rtl="0" eaLnBrk="1" latinLnBrk="0" hangingPunct="1">
+      <a:lvl3pPr marL="914418" algn="l" defTabSz="914418" rtl="0" eaLnBrk="1" latinLnBrk="0" hangingPunct="1">
         <a:defRPr sz="1800" kern="1200">
           <a:solidFill>
             <a:schemeClr val="tx1"/>
@@ -9973,7 +9973,7 @@
           <a:cs typeface="+mn-cs"/>
         </a:defRPr>
       </a:lvl3pPr>
-      <a:lvl4pPr marL="1371600" algn="l" defTabSz="914400" rtl="0" eaLnBrk="1" latinLnBrk="0" hangingPunct="1">
+      <a:lvl4pPr marL="1371627" algn="l" defTabSz="914418" rtl="0" eaLnBrk="1" latinLnBrk="0" hangingPunct="1">
         <a:defRPr sz="1800" kern="1200">
           <a:solidFill>
             <a:schemeClr val="tx1"/>
@@ -9983,7 +9983,7 @@
           <a:cs typeface="+mn-cs"/>
         </a:defRPr>
       </a:lvl4pPr>
-      <a:lvl5pPr marL="1828800" algn="l" defTabSz="914400" rtl="0" eaLnBrk="1" latinLnBrk="0" hangingPunct="1">
+      <a:lvl5pPr marL="1828837" algn="l" defTabSz="914418" rtl="0" eaLnBrk="1" latinLnBrk="0" hangingPunct="1">
         <a:defRPr sz="1800" kern="1200">
           <a:solidFill>
             <a:schemeClr val="tx1"/>
@@ -9993,7 +9993,7 @@
           <a:cs typeface="+mn-cs"/>
         </a:defRPr>
       </a:lvl5pPr>
-      <a:lvl6pPr marL="2286000" algn="l" defTabSz="914400" rtl="0" eaLnBrk="1" latinLnBrk="0" hangingPunct="1">
+      <a:lvl6pPr marL="2286046" algn="l" defTabSz="914418" rtl="0" eaLnBrk="1" latinLnBrk="0" hangingPunct="1">
         <a:defRPr sz="1800" kern="1200">
           <a:solidFill>
             <a:schemeClr val="tx1"/>
@@ -10003,7 +10003,7 @@
           <a:cs typeface="+mn-cs"/>
         </a:defRPr>
       </a:lvl6pPr>
-      <a:lvl7pPr marL="2743200" algn="l" defTabSz="914400" rtl="0" eaLnBrk="1" latinLnBrk="0" hangingPunct="1">
+      <a:lvl7pPr marL="2743255" algn="l" defTabSz="914418" rtl="0" eaLnBrk="1" latinLnBrk="0" hangingPunct="1">
         <a:defRPr sz="1800" kern="1200">
           <a:solidFill>
             <a:schemeClr val="tx1"/>
@@ -10013,7 +10013,7 @@
           <a:cs typeface="+mn-cs"/>
         </a:defRPr>
       </a:lvl7pPr>
-      <a:lvl8pPr marL="3200400" algn="l" defTabSz="914400" rtl="0" eaLnBrk="1" latinLnBrk="0" hangingPunct="1">
+      <a:lvl8pPr marL="3200464" algn="l" defTabSz="914418" rtl="0" eaLnBrk="1" latinLnBrk="0" hangingPunct="1">
         <a:defRPr sz="1800" kern="1200">
           <a:solidFill>
             <a:schemeClr val="tx1"/>
@@ -10023,7 +10023,7 @@
           <a:cs typeface="+mn-cs"/>
         </a:defRPr>
       </a:lvl8pPr>
-      <a:lvl9pPr marL="3657600" algn="l" defTabSz="914400" rtl="0" eaLnBrk="1" latinLnBrk="0" hangingPunct="1">
+      <a:lvl9pPr marL="3657673" algn="l" defTabSz="914418" rtl="0" eaLnBrk="1" latinLnBrk="0" hangingPunct="1">
         <a:defRPr sz="1800" kern="1200">
           <a:solidFill>
             <a:schemeClr val="tx1"/>
@@ -10076,7 +10076,7 @@
         </p:blipFill>
         <p:spPr bwMode="auto">
           <a:xfrm>
-            <a:off x="9438400" y="258595"/>
+            <a:off x="10010116" y="189512"/>
             <a:ext cx="1502092" cy="670504"/>
           </a:xfrm>
           <a:prstGeom prst="rect">
@@ -10106,7 +10106,7 @@
         </p:blipFill>
         <p:spPr bwMode="auto">
           <a:xfrm>
-            <a:off x="7348236" y="425808"/>
+            <a:off x="7919951" y="356724"/>
             <a:ext cx="2027924" cy="435532"/>
           </a:xfrm>
           <a:prstGeom prst="rect">
@@ -10123,7 +10123,7 @@
         </p:nvSpPr>
         <p:spPr>
           <a:xfrm>
-            <a:off x="576832" y="213024"/>
+            <a:off x="1148548" y="143941"/>
             <a:ext cx="6519734" cy="830997"/>
           </a:xfrm>
           <a:prstGeom prst="rect">
@@ -10138,13 +10138,13 @@
           <a:lstStyle/>
           <a:p>
             <a:r>
-              <a:rPr lang="en-ZA" sz="4000" b="1" dirty="0" smtClean="0">
+              <a:rPr lang="en-ZA" sz="4000" b="1" dirty="0">
                 <a:latin typeface="Berlin Sans FB Demi" panose="020E0802020502020306" pitchFamily="34" charset="0"/>
               </a:rPr>
               <a:t>DVT </a:t>
             </a:r>
             <a:r>
-              <a:rPr lang="en-ZA" sz="4800" b="1" dirty="0" smtClean="0">
+              <a:rPr lang="en-ZA" sz="4800" b="1" dirty="0">
                 <a:solidFill>
                   <a:schemeClr val="accent4">
                     <a:lumMod val="50000"/>
@@ -10155,7 +10155,7 @@
               <a:t>DriveStats</a:t>
             </a:r>
             <a:r>
-              <a:rPr lang="en-ZA" sz="4000" b="1" dirty="0" smtClean="0">
+              <a:rPr lang="en-ZA" sz="4000" b="1" dirty="0">
                 <a:latin typeface="Berlin Sans FB Demi" panose="020E0802020502020306" pitchFamily="34" charset="0"/>
               </a:rPr>
               <a:t> Algorithm</a:t>
@@ -10174,7 +10174,7 @@
         </p:nvSpPr>
         <p:spPr>
           <a:xfrm>
-            <a:off x="370353" y="1044021"/>
+            <a:off x="70421" y="1508834"/>
             <a:ext cx="3492841" cy="1433383"/>
           </a:xfrm>
           <a:prstGeom prst="roundRect">
@@ -10203,7 +10203,7 @@
           <a:p>
             <a:pPr algn="ctr"/>
             <a:r>
-              <a:rPr lang="en-ZA" dirty="0" smtClean="0">
+              <a:rPr lang="en-ZA" dirty="0">
                 <a:latin typeface="Berlin Sans FB Demi" panose="020E0802020502020306" pitchFamily="34" charset="0"/>
               </a:rPr>
               <a:t>What is an algorithm?</a:t>
@@ -10212,7 +10212,7 @@
           <a:p>
             <a:pPr algn="just"/>
             <a:r>
-              <a:rPr lang="en-ZA" sz="1200" dirty="0" smtClean="0">
+              <a:rPr lang="en-ZA" sz="1200" dirty="0">
                 <a:solidFill>
                   <a:srgbClr val="002060"/>
                 </a:solidFill>
@@ -10237,7 +10237,7 @@
         </p:nvSpPr>
         <p:spPr>
           <a:xfrm>
-            <a:off x="4406689" y="1044021"/>
+            <a:off x="4106757" y="1508834"/>
             <a:ext cx="3492841" cy="1433383"/>
           </a:xfrm>
           <a:prstGeom prst="roundRect">
@@ -10266,7 +10266,7 @@
           <a:p>
             <a:pPr algn="ctr"/>
             <a:r>
-              <a:rPr lang="en-ZA" dirty="0" smtClean="0">
+              <a:rPr lang="en-ZA" dirty="0">
                 <a:latin typeface="Berlin Sans FB Demi" panose="020E0802020502020306" pitchFamily="34" charset="0"/>
               </a:rPr>
               <a:t>What does the DVT DriveStats algorithm do?</a:t>
@@ -10275,7 +10275,7 @@
           <a:p>
             <a:pPr algn="just"/>
             <a:r>
-              <a:rPr lang="en-ZA" sz="1200" dirty="0" smtClean="0">
+              <a:rPr lang="en-ZA" sz="1200" dirty="0">
                 <a:solidFill>
                   <a:schemeClr val="accent2">
                     <a:lumMod val="50000"/>
@@ -10283,18 +10283,7 @@
                 </a:solidFill>
                 <a:latin typeface="Berlin Sans FB Demi" panose="020E0802020502020306" pitchFamily="34" charset="0"/>
               </a:rPr>
-              <a:t>Our algorithm makes use of a few very interesting properties of common statistics to give a driver a score for the quality of the their driving out of 10</a:t>
-            </a:r>
-            <a:r>
-              <a:rPr lang="en-ZA" sz="1200" dirty="0" smtClean="0">
-                <a:solidFill>
-                  <a:schemeClr val="accent2">
-                    <a:lumMod val="50000"/>
-                  </a:schemeClr>
-                </a:solidFill>
-                <a:latin typeface="Berlin Sans FB Demi" panose="020E0802020502020306" pitchFamily="34" charset="0"/>
-              </a:rPr>
-              <a:t>.</a:t>
+              <a:t>Our algorithm makes use of a few very interesting properties of common statistics to give a driver a score for the quality of the their driving out of 10.</a:t>
             </a:r>
             <a:endParaRPr lang="en-ZA" sz="1200" dirty="0">
               <a:solidFill>
@@ -10315,7 +10304,7 @@
         </p:nvSpPr>
         <p:spPr>
           <a:xfrm>
-            <a:off x="3879493" y="1570666"/>
+            <a:off x="3579560" y="2035477"/>
             <a:ext cx="610304" cy="305952"/>
           </a:xfrm>
           <a:prstGeom prst="rightArrow">
@@ -10357,7 +10346,7 @@
         </p:nvSpPr>
         <p:spPr>
           <a:xfrm>
-            <a:off x="8443026" y="972019"/>
+            <a:off x="8143094" y="1436832"/>
             <a:ext cx="3492841" cy="1600963"/>
           </a:xfrm>
           <a:prstGeom prst="roundRect">
@@ -10386,7 +10375,7 @@
           <a:p>
             <a:pPr algn="ctr"/>
             <a:r>
-              <a:rPr lang="en-ZA" dirty="0" smtClean="0">
+              <a:rPr lang="en-ZA" dirty="0">
                 <a:latin typeface="Berlin Sans FB Demi" panose="020E0802020502020306" pitchFamily="34" charset="0"/>
               </a:rPr>
               <a:t>How does it work?</a:t>
@@ -10395,7 +10384,7 @@
           <a:p>
             <a:pPr algn="just"/>
             <a:r>
-              <a:rPr lang="en-ZA" sz="1050" dirty="0" smtClean="0">
+              <a:rPr lang="en-ZA" sz="1050" dirty="0">
                 <a:solidFill>
                   <a:schemeClr val="accent2">
                     <a:lumMod val="75000"/>
@@ -10424,7 +10413,7 @@
         </p:nvSpPr>
         <p:spPr>
           <a:xfrm>
-            <a:off x="7899530" y="1607736"/>
+            <a:off x="7599597" y="2072547"/>
             <a:ext cx="610304" cy="305952"/>
           </a:xfrm>
           <a:prstGeom prst="rightArrow">
@@ -10468,8 +10457,8 @@
             </p:nvSpPr>
             <p:spPr>
               <a:xfrm>
-                <a:off x="370353" y="2567521"/>
-                <a:ext cx="3361564" cy="4187568"/>
+                <a:off x="70421" y="3037795"/>
+                <a:ext cx="3492841" cy="4658405"/>
               </a:xfrm>
               <a:prstGeom prst="roundRect">
                 <a:avLst/>
@@ -10494,25 +10483,19 @@
               <a:lstStyle/>
               <a:p>
                 <a:pPr algn="ctr"/>
-                <a:endParaRPr lang="en-ZA" sz="1600" dirty="0" smtClean="0">
+                <a:endParaRPr lang="en-ZA" sz="1600" dirty="0">
                   <a:latin typeface="Berlin Sans FB Demi" panose="020E0802020502020306" pitchFamily="34" charset="0"/>
                 </a:endParaRPr>
               </a:p>
               <a:p>
                 <a:pPr algn="ctr"/>
                 <a:r>
-                  <a:rPr lang="en-ZA" sz="1600" dirty="0" smtClean="0">
+                  <a:rPr lang="en-ZA" sz="1600" dirty="0">
                     <a:latin typeface="Berlin Sans FB Demi" panose="020E0802020502020306" pitchFamily="34" charset="0"/>
                   </a:rPr>
-                  <a:t>What problems did we overcome</a:t>
+                  <a:t>What problems did we overcome?</a:t>
                 </a:r>
-                <a:r>
-                  <a:rPr lang="en-ZA" sz="1600" dirty="0" smtClean="0">
-                    <a:latin typeface="Berlin Sans FB Demi" panose="020E0802020502020306" pitchFamily="34" charset="0"/>
-                  </a:rPr>
-                  <a:t>?</a:t>
-                </a:r>
-                <a:endParaRPr lang="en-ZA" sz="800" b="1" dirty="0" smtClean="0">
+                <a:endParaRPr lang="en-ZA" sz="800" b="1" dirty="0">
                   <a:solidFill>
                     <a:schemeClr val="accent2">
                       <a:lumMod val="50000"/>
@@ -10524,7 +10507,7 @@
               <a:p>
                 <a:pPr algn="just"/>
                 <a:r>
-                  <a:rPr lang="en-ZA" sz="800" b="1" dirty="0" smtClean="0">
+                  <a:rPr lang="en-ZA" sz="800" b="1" dirty="0">
                     <a:solidFill>
                       <a:schemeClr val="accent2">
                         <a:lumMod val="50000"/>
@@ -10549,7 +10532,7 @@
                   <a:t>1</a:t>
                 </a:r>
                 <a:r>
-                  <a:rPr lang="en-ZA" sz="800" dirty="0" smtClean="0">
+                  <a:rPr lang="en-ZA" sz="800" dirty="0">
                     <a:solidFill>
                       <a:schemeClr val="accent2">
                         <a:lumMod val="50000"/>
@@ -10563,7 +10546,7 @@
               <a:p>
                 <a:pPr algn="just"/>
                 <a:r>
-                  <a:rPr lang="en-ZA" sz="800" dirty="0" smtClean="0">
+                  <a:rPr lang="en-ZA" sz="800" dirty="0">
                     <a:solidFill>
                       <a:schemeClr val="accent2">
                         <a:lumMod val="75000"/>
@@ -10577,7 +10560,7 @@
               <a:p>
                 <a:pPr algn="just"/>
                 <a:r>
-                  <a:rPr lang="en-ZA" sz="800" dirty="0" smtClean="0">
+                  <a:rPr lang="en-ZA" sz="800" dirty="0">
                     <a:solidFill>
                       <a:schemeClr val="accent1">
                         <a:lumMod val="50000"/>
@@ -10591,7 +10574,7 @@
               <a:p>
                 <a:pPr algn="just"/>
                 <a:r>
-                  <a:rPr lang="en-ZA" sz="800" dirty="0" smtClean="0">
+                  <a:rPr lang="en-ZA" sz="800" dirty="0">
                     <a:solidFill>
                       <a:schemeClr val="accent1">
                         <a:lumMod val="60000"/>
@@ -10602,20 +10585,11 @@
                   </a:rPr>
                   <a:t>We decided to use online data about driving to determine what acceleration is considered bad driving. The scores we arrived at were: </a:t>
                 </a:r>
-                <a:endParaRPr lang="en-ZA" sz="800" dirty="0" smtClean="0">
-                  <a:solidFill>
-                    <a:schemeClr val="accent1">
-                      <a:lumMod val="60000"/>
-                      <a:lumOff val="40000"/>
-                    </a:schemeClr>
-                  </a:solidFill>
-                  <a:latin typeface="Berlin Sans FB Demi" panose="020E0802020502020306" pitchFamily="34" charset="0"/>
-                </a:endParaRPr>
               </a:p>
               <a:p>
                 <a:pPr algn="just"/>
                 <a:r>
-                  <a:rPr lang="en-ZA" sz="800" b="1" dirty="0" smtClean="0">
+                  <a:rPr lang="en-ZA" sz="800" b="1" dirty="0">
                     <a:solidFill>
                       <a:schemeClr val="accent1">
                         <a:lumMod val="60000"/>
@@ -10624,22 +10598,10 @@
                     </a:solidFill>
                     <a:latin typeface="Berlin Sans FB Demi" panose="020E0802020502020306" pitchFamily="34" charset="0"/>
                   </a:rPr>
-                  <a:t>Forward </a:t>
+                  <a:t>Forward Acceleration</a:t>
                 </a:r>
                 <a:r>
-                  <a:rPr lang="en-ZA" sz="800" b="1" dirty="0" smtClean="0">
-                    <a:solidFill>
-                      <a:schemeClr val="accent1">
-                        <a:lumMod val="60000"/>
-                        <a:lumOff val="40000"/>
-                      </a:schemeClr>
-                    </a:solidFill>
-                    <a:latin typeface="Berlin Sans FB Demi" panose="020E0802020502020306" pitchFamily="34" charset="0"/>
-                  </a:rPr>
-                  <a:t>Acceleration</a:t>
-                </a:r>
-                <a:r>
-                  <a:rPr lang="en-ZA" sz="800" dirty="0" smtClean="0">
+                  <a:rPr lang="en-ZA" sz="800" dirty="0">
                     <a:solidFill>
                       <a:schemeClr val="accent1">
                         <a:lumMod val="60000"/>
@@ -10653,7 +10615,7 @@
                 <a14:m>
                   <m:oMath xmlns:m="http://schemas.openxmlformats.org/officeDocument/2006/math">
                     <m:r>
-                      <a:rPr lang="en-ZA" sz="800" i="1" dirty="0" smtClean="0">
+                      <a:rPr lang="en-ZA" sz="800" i="1" dirty="0">
                         <a:solidFill>
                           <a:schemeClr val="accent1">
                             <a:lumMod val="60000"/>
@@ -10662,19 +10624,7 @@
                         </a:solidFill>
                         <a:latin typeface="Cambria Math" panose="02040503050406030204" pitchFamily="18" charset="0"/>
                       </a:rPr>
-                      <m:t>4</m:t>
-                    </m:r>
-                    <m:r>
-                      <a:rPr lang="en-ZA" sz="800" b="0" i="1" dirty="0" smtClean="0">
-                        <a:solidFill>
-                          <a:schemeClr val="accent1">
-                            <a:lumMod val="60000"/>
-                            <a:lumOff val="40000"/>
-                          </a:schemeClr>
-                        </a:solidFill>
-                        <a:latin typeface="Cambria Math" panose="02040503050406030204" pitchFamily="18" charset="0"/>
-                      </a:rPr>
-                      <m:t>.2</m:t>
+                      <m:t>4.2</m:t>
                     </m:r>
                     <m:r>
                       <a:rPr lang="en-ZA" sz="800" i="1">
@@ -10733,7 +10683,7 @@
                     </m:sSup>
                   </m:oMath>
                 </a14:m>
-                <a:endParaRPr lang="en-ZA" sz="800" dirty="0" smtClean="0">
+                <a:endParaRPr lang="en-ZA" sz="800" dirty="0">
                   <a:solidFill>
                     <a:schemeClr val="accent1">
                       <a:lumMod val="60000"/>
@@ -10746,7 +10696,7 @@
               <a:p>
                 <a:pPr algn="just"/>
                 <a:r>
-                  <a:rPr lang="en-ZA" sz="800" dirty="0" smtClean="0">
+                  <a:rPr lang="en-ZA" sz="800" dirty="0">
                     <a:solidFill>
                       <a:schemeClr val="accent1">
                         <a:lumMod val="60000"/>
@@ -10755,24 +10705,12 @@
                     </a:solidFill>
                     <a:latin typeface="Berlin Sans FB Demi" panose="020E0802020502020306" pitchFamily="34" charset="0"/>
                   </a:rPr>
-                  <a:t>Cornering </a:t>
-                </a:r>
-                <a:r>
-                  <a:rPr lang="en-ZA" sz="800" dirty="0" smtClean="0">
-                    <a:solidFill>
-                      <a:schemeClr val="accent1">
-                        <a:lumMod val="60000"/>
-                        <a:lumOff val="40000"/>
-                      </a:schemeClr>
-                    </a:solidFill>
-                    <a:latin typeface="Berlin Sans FB Demi" panose="020E0802020502020306" pitchFamily="34" charset="0"/>
-                  </a:rPr>
-                  <a:t>Acceleration: </a:t>
+                  <a:t>Cornering Acceleration: </a:t>
                 </a:r>
                 <a14:m>
                   <m:oMath xmlns:m="http://schemas.openxmlformats.org/officeDocument/2006/math">
                     <m:r>
-                      <a:rPr lang="en-ZA" sz="800" b="0" i="1" smtClean="0">
+                      <a:rPr lang="en-ZA" sz="800" i="1">
                         <a:solidFill>
                           <a:schemeClr val="accent1">
                             <a:lumMod val="60000"/>
@@ -10784,7 +10722,7 @@
                       <m:t>3</m:t>
                     </m:r>
                     <m:r>
-                      <a:rPr lang="en-ZA" sz="800" b="0" i="1" smtClean="0">
+                      <a:rPr lang="en-ZA" sz="800" i="1">
                         <a:solidFill>
                           <a:schemeClr val="accent1">
                             <a:lumMod val="60000"/>
@@ -10798,7 +10736,7 @@
                     <m:sSup>
                       <m:sSupPr>
                         <m:ctrlPr>
-                          <a:rPr lang="en-ZA" sz="800" b="0" i="1" smtClean="0">
+                          <a:rPr lang="en-ZA" sz="800" i="1">
                             <a:solidFill>
                               <a:schemeClr val="accent1">
                                 <a:lumMod val="60000"/>
@@ -10811,7 +10749,7 @@
                       </m:sSupPr>
                       <m:e>
                         <m:r>
-                          <a:rPr lang="en-ZA" sz="800" b="0" i="1" smtClean="0">
+                          <a:rPr lang="en-ZA" sz="800" i="1">
                             <a:solidFill>
                               <a:schemeClr val="accent1">
                                 <a:lumMod val="60000"/>
@@ -10825,7 +10763,7 @@
                       </m:e>
                       <m:sup>
                         <m:r>
-                          <a:rPr lang="en-ZA" sz="800" b="0" i="1" smtClean="0">
+                          <a:rPr lang="en-ZA" sz="800" i="1">
                             <a:solidFill>
                               <a:schemeClr val="accent1">
                                 <a:lumMod val="60000"/>
@@ -10840,7 +10778,7 @@
                     </m:sSup>
                   </m:oMath>
                 </a14:m>
-                <a:endParaRPr lang="en-ZA" sz="800" dirty="0" smtClean="0">
+                <a:endParaRPr lang="en-ZA" sz="800" dirty="0">
                   <a:solidFill>
                     <a:schemeClr val="accent1">
                       <a:lumMod val="60000"/>
@@ -10853,7 +10791,7 @@
               <a:p>
                 <a:pPr algn="just"/>
                 <a:r>
-                  <a:rPr lang="en-ZA" sz="800" b="1" dirty="0" smtClean="0">
+                  <a:rPr lang="en-ZA" sz="800" b="1" dirty="0">
                     <a:solidFill>
                       <a:schemeClr val="accent1">
                         <a:lumMod val="60000"/>
@@ -10865,7 +10803,7 @@
                   <a:t>Vertical Acceleration</a:t>
                 </a:r>
                 <a:r>
-                  <a:rPr lang="en-ZA" sz="800" dirty="0" smtClean="0">
+                  <a:rPr lang="en-ZA" sz="800" dirty="0">
                     <a:solidFill>
                       <a:schemeClr val="accent1">
                         <a:lumMod val="60000"/>
@@ -10879,7 +10817,7 @@
                 <a14:m>
                   <m:oMath xmlns:m="http://schemas.openxmlformats.org/officeDocument/2006/math">
                     <m:r>
-                      <a:rPr lang="en-ZA" sz="800" i="1" dirty="0" smtClean="0">
+                      <a:rPr lang="en-ZA" sz="800" i="1" dirty="0">
                         <a:solidFill>
                           <a:schemeClr val="accent1">
                             <a:lumMod val="60000"/>
@@ -10947,7 +10885,7 @@
                     </m:sSup>
                   </m:oMath>
                 </a14:m>
-                <a:endParaRPr lang="en-ZA" sz="800" dirty="0" smtClean="0">
+                <a:endParaRPr lang="en-ZA" sz="800" dirty="0">
                   <a:solidFill>
                     <a:schemeClr val="tx1">
                       <a:lumMod val="95000"/>
@@ -10960,7 +10898,7 @@
               <a:p>
                 <a:pPr algn="just"/>
                 <a:r>
-                  <a:rPr lang="en-ZA" sz="800" dirty="0" smtClean="0">
+                  <a:rPr lang="en-ZA" sz="800" dirty="0">
                     <a:solidFill>
                       <a:schemeClr val="tx1">
                         <a:lumMod val="95000"/>
@@ -10969,25 +10907,13 @@
                     </a:solidFill>
                     <a:latin typeface="Berlin Sans FB Demi" panose="020E0802020502020306" pitchFamily="34" charset="0"/>
                   </a:rPr>
-                  <a:t>3</a:t>
-                </a:r>
-                <a:r>
-                  <a:rPr lang="en-ZA" sz="800" dirty="0" smtClean="0">
-                    <a:solidFill>
-                      <a:schemeClr val="tx1">
-                        <a:lumMod val="95000"/>
-                        <a:lumOff val="5000"/>
-                      </a:schemeClr>
-                    </a:solidFill>
-                    <a:latin typeface="Berlin Sans FB Demi" panose="020E0802020502020306" pitchFamily="34" charset="0"/>
-                  </a:rPr>
-                  <a:t>) How do you determine a value for the quality of someone’s driving when there is no objective measure of driving?</a:t>
+                  <a:t>3) How do you determine a value for the quality of someone’s driving when there is no objective measure of driving?</a:t>
                 </a:r>
               </a:p>
               <a:p>
                 <a:pPr algn="just"/>
                 <a:r>
-                  <a:rPr lang="en-ZA" sz="800" dirty="0" smtClean="0">
+                  <a:rPr lang="en-ZA" sz="800" dirty="0">
                     <a:solidFill>
                       <a:schemeClr val="bg1">
                         <a:lumMod val="50000"/>
@@ -11001,7 +10927,7 @@
               <a:p>
                 <a:pPr algn="just"/>
                 <a:r>
-                  <a:rPr lang="en-ZA" sz="800" dirty="0" smtClean="0">
+                  <a:rPr lang="en-ZA" sz="800" dirty="0">
                     <a:solidFill>
                       <a:schemeClr val="accent6">
                         <a:lumMod val="50000"/>
@@ -11015,7 +10941,7 @@
               <a:p>
                 <a:pPr algn="just"/>
                 <a:r>
-                  <a:rPr lang="en-ZA" sz="800" dirty="0" smtClean="0">
+                  <a:rPr lang="en-ZA" sz="800" dirty="0">
                     <a:solidFill>
                       <a:schemeClr val="accent6">
                         <a:lumMod val="60000"/>
@@ -11039,7 +10965,7 @@
                   <a:t>a layout called a Poisson distribution; because it expresses the probability of a given number of events occurring in a fixed interval of time and/or space if these events occur with a known average </a:t>
                 </a:r>
                 <a:r>
-                  <a:rPr lang="en-ZA" sz="800" dirty="0" smtClean="0">
+                  <a:rPr lang="en-ZA" sz="800" dirty="0">
                     <a:solidFill>
                       <a:schemeClr val="accent6">
                         <a:lumMod val="60000"/>
@@ -11062,7 +10988,7 @@
               </a:p>
               <a:p>
                 <a:pPr algn="just"/>
-                <a:endParaRPr lang="en-ZA" sz="1200" dirty="0" smtClean="0">
+                <a:endParaRPr lang="en-ZA" sz="1200" dirty="0">
                   <a:solidFill>
                     <a:schemeClr val="accent1">
                       <a:lumMod val="60000"/>
@@ -11085,7 +11011,7 @@
               </a:p>
               <a:p>
                 <a:pPr algn="just"/>
-                <a:endParaRPr lang="en-ZA" sz="1200" dirty="0" smtClean="0">
+                <a:endParaRPr lang="en-ZA" sz="1200" dirty="0">
                   <a:solidFill>
                     <a:schemeClr val="accent2">
                       <a:lumMod val="50000"/>
@@ -11095,10 +11021,10 @@
                 </a:endParaRPr>
               </a:p>
               <a:p>
-                <a:pPr marL="228600" indent="-228600" algn="just">
+                <a:pPr marL="228605" indent="-228605" algn="just">
                   <a:buAutoNum type="arabicParenR"/>
                 </a:pPr>
-                <a:endParaRPr lang="en-ZA" sz="1200" dirty="0" smtClean="0">
+                <a:endParaRPr lang="en-ZA" sz="1200" dirty="0">
                   <a:solidFill>
                     <a:schemeClr val="accent2">
                       <a:lumMod val="50000"/>
@@ -11108,7 +11034,7 @@
                 </a:endParaRPr>
               </a:p>
               <a:p>
-                <a:pPr marL="228600" indent="-228600" algn="just">
+                <a:pPr marL="228605" indent="-228605" algn="just">
                   <a:buAutoNum type="arabicParenR"/>
                 </a:pPr>
                 <a:endParaRPr lang="en-ZA" sz="1200" dirty="0">
@@ -11134,8 +11060,8 @@
             </p:nvSpPr>
             <p:spPr>
               <a:xfrm>
-                <a:off x="370353" y="2567521"/>
-                <a:ext cx="3361564" cy="4187568"/>
+                <a:off x="70421" y="3037795"/>
+                <a:ext cx="3492841" cy="4658405"/>
               </a:xfrm>
               <a:prstGeom prst="roundRect">
                 <a:avLst/>
@@ -11143,7 +11069,7 @@
               <a:blipFill rotWithShape="0">
                 <a:blip r:embed="rId4"/>
                 <a:stretch>
-                  <a:fillRect t="-1449"/>
+                  <a:fillRect/>
                 </a:stretch>
               </a:blipFill>
             </p:spPr>
@@ -11183,7 +11109,7 @@
         </p:blipFill>
         <p:spPr bwMode="auto">
           <a:xfrm>
-            <a:off x="901315" y="6132580"/>
+            <a:off x="658415" y="6898933"/>
             <a:ext cx="2309590" cy="513242"/>
           </a:xfrm>
           <a:prstGeom prst="rect">
@@ -11208,13 +11134,13 @@
           <p:nvPr>
             <p:extLst>
               <p:ext uri="{D42A27DB-BD31-4B8C-83A1-F6EECF244321}">
-                <p14:modId xmlns:p14="http://schemas.microsoft.com/office/powerpoint/2010/main" val="3834731806"/>
+                <p14:modId xmlns:p14="http://schemas.microsoft.com/office/powerpoint/2010/main" val="3965772672"/>
               </p:ext>
             </p:extLst>
           </p:nvPr>
         </p:nvGraphicFramePr>
         <p:xfrm>
-          <a:off x="4450896" y="2821007"/>
+          <a:off x="4545684" y="3505930"/>
           <a:ext cx="5464432" cy="3642955"/>
         </p:xfrm>
         <a:graphic>
@@ -11246,7 +11172,7 @@
         </p:blipFill>
         <p:spPr bwMode="auto">
           <a:xfrm rot="1512699">
-            <a:off x="10379578" y="4462452"/>
+            <a:off x="10474366" y="5147374"/>
             <a:ext cx="1023394" cy="596259"/>
           </a:xfrm>
           <a:prstGeom prst="rect">
@@ -11294,7 +11220,7 @@
         </p:blipFill>
         <p:spPr bwMode="auto">
           <a:xfrm rot="20053135">
-            <a:off x="10350539" y="2780905"/>
+            <a:off x="10445327" y="3465826"/>
             <a:ext cx="895350" cy="596900"/>
           </a:xfrm>
           <a:prstGeom prst="rect">
@@ -11327,7 +11253,7 @@
         </p:nvSpPr>
         <p:spPr>
           <a:xfrm rot="9850399">
-            <a:off x="9897991" y="3418084"/>
+            <a:off x="9992781" y="4103007"/>
             <a:ext cx="453035" cy="64161"/>
           </a:xfrm>
           <a:prstGeom prst="rightArrow">
@@ -11367,7 +11293,7 @@
         </p:nvSpPr>
         <p:spPr>
           <a:xfrm rot="12134015">
-            <a:off x="9912430" y="4486839"/>
+            <a:off x="10007220" y="5171760"/>
             <a:ext cx="399939" cy="63266"/>
           </a:xfrm>
           <a:prstGeom prst="rightArrow">
@@ -11422,7 +11348,7 @@
         </p:blipFill>
         <p:spPr bwMode="auto">
           <a:xfrm rot="20218361">
-            <a:off x="7051058" y="6272696"/>
+            <a:off x="7145848" y="6957618"/>
             <a:ext cx="1217425" cy="382532"/>
           </a:xfrm>
           <a:prstGeom prst="rect">
@@ -11431,10 +11357,9 @@
           <a:noFill/>
           <a:effectLst>
             <a:glow rad="228600">
-              <a:schemeClr val="accent1">
-                <a:satMod val="175000"/>
+              <a:srgbClr val="92D050">
                 <a:alpha val="40000"/>
-              </a:schemeClr>
+              </a:srgbClr>
             </a:glow>
           </a:effectLst>
           <a:extLst>
@@ -11456,7 +11381,7 @@
         </p:nvSpPr>
         <p:spPr>
           <a:xfrm rot="14055460" flipV="1">
-            <a:off x="7143864" y="6284984"/>
+            <a:off x="7238652" y="6969907"/>
             <a:ext cx="335816" cy="45719"/>
           </a:xfrm>
           <a:prstGeom prst="rightArrow">
@@ -11496,8 +11421,8 @@
         </p:nvSpPr>
         <p:spPr>
           <a:xfrm>
-            <a:off x="10476835" y="6256111"/>
-            <a:ext cx="1708600" cy="601889"/>
+            <a:off x="11226800" y="9096375"/>
+            <a:ext cx="1574800" cy="504825"/>
           </a:xfrm>
           <a:prstGeom prst="round2DiagRect">
             <a:avLst/>
@@ -11524,7 +11449,7 @@
           <a:p>
             <a:pPr algn="just"/>
             <a:r>
-              <a:rPr lang="en-ZA" sz="600" dirty="0" smtClean="0">
+              <a:rPr lang="en-ZA" sz="500" dirty="0">
                 <a:solidFill>
                   <a:schemeClr val="bg1"/>
                 </a:solidFill>
@@ -11535,12 +11460,12 @@
             </a:r>
           </a:p>
           <a:p>
-            <a:pPr marL="171450" indent="-171450" algn="just">
+            <a:pPr marL="171454" indent="-171454" algn="just">
               <a:buFont typeface="Arial" panose="020B0604020202020204" pitchFamily="34" charset="0"/>
               <a:buChar char="•"/>
             </a:pPr>
             <a:r>
-              <a:rPr lang="en-ZA" sz="600" dirty="0" err="1" smtClean="0">
+              <a:rPr lang="en-ZA" sz="500" dirty="0" err="1">
                 <a:solidFill>
                   <a:schemeClr val="bg1"/>
                 </a:solidFill>
@@ -11550,7 +11475,7 @@
               <a:t>Prenil</a:t>
             </a:r>
             <a:r>
-              <a:rPr lang="en-ZA" sz="600" dirty="0" smtClean="0">
+              <a:rPr lang="en-ZA" sz="500" dirty="0">
                 <a:solidFill>
                   <a:schemeClr val="bg1"/>
                 </a:solidFill>
@@ -11560,7 +11485,7 @@
               <a:t> </a:t>
             </a:r>
             <a:r>
-              <a:rPr lang="en-ZA" sz="600" dirty="0" err="1" smtClean="0">
+              <a:rPr lang="en-ZA" sz="500" dirty="0" err="1">
                 <a:solidFill>
                   <a:schemeClr val="bg1"/>
                 </a:solidFill>
@@ -11569,7 +11494,7 @@
               </a:rPr>
               <a:t>Sewmohan</a:t>
             </a:r>
-            <a:endParaRPr lang="en-ZA" sz="600" dirty="0" smtClean="0">
+            <a:endParaRPr lang="en-ZA" sz="500" dirty="0">
               <a:solidFill>
                 <a:schemeClr val="bg1"/>
               </a:solidFill>
@@ -11578,12 +11503,12 @@
             </a:endParaRPr>
           </a:p>
           <a:p>
-            <a:pPr marL="171450" indent="-171450" algn="just">
+            <a:pPr marL="171454" indent="-171454" algn="just">
               <a:buFont typeface="Arial" panose="020B0604020202020204" pitchFamily="34" charset="0"/>
               <a:buChar char="•"/>
             </a:pPr>
             <a:r>
-              <a:rPr lang="en-ZA" sz="600" dirty="0" err="1" smtClean="0">
+              <a:rPr lang="en-ZA" sz="500" dirty="0" err="1">
                 <a:solidFill>
                   <a:schemeClr val="bg1"/>
                 </a:solidFill>
@@ -11593,7 +11518,7 @@
               <a:t>Jolandi</a:t>
             </a:r>
             <a:r>
-              <a:rPr lang="en-ZA" sz="600" dirty="0" smtClean="0">
+              <a:rPr lang="en-ZA" sz="500" dirty="0">
                 <a:solidFill>
                   <a:schemeClr val="bg1"/>
                 </a:solidFill>
@@ -11603,7 +11528,7 @@
               <a:t> </a:t>
             </a:r>
             <a:r>
-              <a:rPr lang="en-ZA" sz="600" dirty="0" err="1" smtClean="0">
+              <a:rPr lang="en-ZA" sz="500" dirty="0" err="1">
                 <a:solidFill>
                   <a:schemeClr val="bg1"/>
                 </a:solidFill>
@@ -11612,7 +11537,7 @@
               </a:rPr>
               <a:t>Swanepoel</a:t>
             </a:r>
-            <a:endParaRPr lang="en-ZA" sz="600" dirty="0">
+            <a:endParaRPr lang="en-ZA" sz="500" dirty="0">
               <a:solidFill>
                 <a:schemeClr val="bg1"/>
               </a:solidFill>
@@ -11645,7 +11570,7 @@
         </p:blipFill>
         <p:spPr bwMode="auto">
           <a:xfrm>
-            <a:off x="11385037" y="116282"/>
+            <a:off x="11956752" y="47198"/>
             <a:ext cx="800398" cy="800398"/>
           </a:xfrm>
           <a:prstGeom prst="rect">

--- a/documentation/AlgorithmPoster.pptx
+++ b/documentation/AlgorithmPoster.pptx
@@ -2,12 +2,12 @@
 <file path=ppt/presentation.xml><?xml version="1.0" encoding="utf-8"?>
 <p:presentation xmlns:a="http://schemas.openxmlformats.org/drawingml/2006/main" xmlns:r="http://schemas.openxmlformats.org/officeDocument/2006/relationships" xmlns:p="http://schemas.openxmlformats.org/presentationml/2006/main" saveSubsetFonts="1">
   <p:sldMasterIdLst>
-    <p:sldMasterId id="2147483660" r:id="rId1"/>
+    <p:sldMasterId id="2147483678" r:id="rId1"/>
   </p:sldMasterIdLst>
   <p:sldIdLst>
     <p:sldId id="256" r:id="rId2"/>
   </p:sldIdLst>
-  <p:sldSz cx="12801600" cy="9601200" type="A3"/>
+  <p:sldSz cx="17068800" cy="9601200"/>
   <p:notesSz cx="6858000" cy="9144000"/>
   <p:defaultTextStyle>
     <a:defPPr>
@@ -1592,33 +1592,33 @@
     </dgm:pt>
   </dgm:ptLst>
   <dgm:cxnLst>
+    <dgm:cxn modelId="{FA601BAF-F0F4-41C1-9E74-90A3437D9622}" srcId="{69D9465D-5278-4893-90E4-FC4A404190FF}" destId="{F6AB84D7-DC04-4772-BBB8-08839E3E3B0E}" srcOrd="1" destOrd="0" parTransId="{F35EFF0E-EA0B-4C57-8CED-83FEB15CD0FD}" sibTransId="{730DAA83-5ECA-4C62-B660-9C169A24A198}"/>
+    <dgm:cxn modelId="{9D075F56-2E0B-4171-8175-C4780726D8AC}" type="presOf" srcId="{24235BDA-3456-4472-A5F8-A95C033405D7}" destId="{E6918614-9BE6-4F65-A414-6CA09685AE8E}" srcOrd="0" destOrd="0" presId="urn:microsoft.com/office/officeart/2005/8/layout/bProcess4"/>
+    <dgm:cxn modelId="{1EA91787-343D-46F0-A1A6-0C2FA465220B}" srcId="{69D9465D-5278-4893-90E4-FC4A404190FF}" destId="{C24C36EC-6312-42E6-85F3-613C20BC1376}" srcOrd="2" destOrd="0" parTransId="{05B560A1-CF69-4666-8BB8-D628BE42664F}" sibTransId="{A015CC84-CBCB-49E3-9D9B-F66E30B67EB4}"/>
+    <dgm:cxn modelId="{14055F04-8140-4BAE-862B-A1242381A950}" type="presOf" srcId="{A9DEF564-FDF7-4F00-998C-0108AF2F964C}" destId="{3C7DEFEB-D965-469F-891F-0F8B1239A0E7}" srcOrd="0" destOrd="0" presId="urn:microsoft.com/office/officeart/2005/8/layout/bProcess4"/>
+    <dgm:cxn modelId="{134DE985-81C2-41BB-9A8C-B4B56F87F2E8}" srcId="{69D9465D-5278-4893-90E4-FC4A404190FF}" destId="{7B5F1AB1-A56B-4592-899D-948C07E9FCE7}" srcOrd="4" destOrd="0" parTransId="{32E3B1F7-D695-42F6-9E77-4159D9144FAF}" sibTransId="{F9AFC70D-98A9-44D5-AE29-4B77D890DCE5}"/>
+    <dgm:cxn modelId="{2AA4AD88-DEE0-4498-BBBA-098B55978CFC}" srcId="{69D9465D-5278-4893-90E4-FC4A404190FF}" destId="{F7C8F245-4D7A-469E-B33C-5443AAA03436}" srcOrd="5" destOrd="0" parTransId="{7004115D-85D0-4855-8403-56165FBD8C5D}" sibTransId="{5925B536-8CDD-4273-9EA0-F3DFE28CFC0A}"/>
+    <dgm:cxn modelId="{FF8D777C-18B8-4623-AFA7-00093BE62503}" type="presOf" srcId="{D9BFE88D-86D5-4A4E-9864-049B66CE7B11}" destId="{0111BCDE-244E-4E0C-9F45-971A15B0F1AB}" srcOrd="0" destOrd="0" presId="urn:microsoft.com/office/officeart/2005/8/layout/bProcess4"/>
+    <dgm:cxn modelId="{8995703E-16EE-4A81-9B75-E9CF54A0823C}" type="presOf" srcId="{F9AFC70D-98A9-44D5-AE29-4B77D890DCE5}" destId="{66DF8E1A-5511-4F36-8E47-F7C36D34BC9C}" srcOrd="0" destOrd="0" presId="urn:microsoft.com/office/officeart/2005/8/layout/bProcess4"/>
+    <dgm:cxn modelId="{F8BF60C2-BE39-43A2-9A61-63EC368D0FEB}" type="presOf" srcId="{5925B536-8CDD-4273-9EA0-F3DFE28CFC0A}" destId="{F464CA6F-950B-46FF-9EA4-EAFF6B879406}" srcOrd="0" destOrd="0" presId="urn:microsoft.com/office/officeart/2005/8/layout/bProcess4"/>
+    <dgm:cxn modelId="{5D11504B-F891-4E16-81AF-19A4EDD5D894}" srcId="{69D9465D-5278-4893-90E4-FC4A404190FF}" destId="{AC0CA605-AB71-4DDA-8068-AE236D9C9B5B}" srcOrd="3" destOrd="0" parTransId="{8CC74D62-4916-498D-B541-D6C5D6CF2E1B}" sibTransId="{A9DEF564-FDF7-4F00-998C-0108AF2F964C}"/>
+    <dgm:cxn modelId="{A1F85789-4824-48E4-B23D-DB88A8247DF3}" type="presOf" srcId="{A015CC84-CBCB-49E3-9D9B-F66E30B67EB4}" destId="{B3F14615-A4E7-4DA6-B7C0-B9FBB08C1897}" srcOrd="0" destOrd="0" presId="urn:microsoft.com/office/officeart/2005/8/layout/bProcess4"/>
+    <dgm:cxn modelId="{D00831ED-127B-4987-AF88-67025158E8BF}" type="presOf" srcId="{C24C36EC-6312-42E6-85F3-613C20BC1376}" destId="{DB114CFE-3120-4EDC-8173-69948354E5C4}" srcOrd="0" destOrd="0" presId="urn:microsoft.com/office/officeart/2005/8/layout/bProcess4"/>
+    <dgm:cxn modelId="{29F4C0D2-AE92-4258-BBFD-9A40C4CCE94E}" type="presOf" srcId="{F7C8F245-4D7A-469E-B33C-5443AAA03436}" destId="{E8D604B9-E6B5-427C-8D2D-C70DBA515C38}" srcOrd="0" destOrd="0" presId="urn:microsoft.com/office/officeart/2005/8/layout/bProcess4"/>
+    <dgm:cxn modelId="{5D51E946-1572-4B32-A99B-B09C2D21BB4F}" srcId="{69D9465D-5278-4893-90E4-FC4A404190FF}" destId="{664F3033-06A2-4F92-8AED-49E5BB070394}" srcOrd="6" destOrd="0" parTransId="{67711992-C237-4337-995F-B75846ACA60F}" sibTransId="{24235BDA-3456-4472-A5F8-A95C033405D7}"/>
+    <dgm:cxn modelId="{B3B9CAB9-2667-4815-A245-E1FC2B28DE7D}" srcId="{69D9465D-5278-4893-90E4-FC4A404190FF}" destId="{F2809BA3-C65E-4889-8F5A-FF553707154C}" srcOrd="8" destOrd="0" parTransId="{FC354316-0A86-49FE-B980-2848910173B1}" sibTransId="{342EE362-FB63-4B4A-A4F8-F7864A82DA6F}"/>
+    <dgm:cxn modelId="{361F53CB-5A29-4DAB-A291-D994BF66FC9F}" type="presOf" srcId="{F2809BA3-C65E-4889-8F5A-FF553707154C}" destId="{186C2779-A3E3-43E9-AE0E-189DFF42734F}" srcOrd="0" destOrd="0" presId="urn:microsoft.com/office/officeart/2005/8/layout/bProcess4"/>
+    <dgm:cxn modelId="{E9634CB2-95B8-4A07-9924-3D7B5FC7A4F5}" type="presOf" srcId="{8E23BBB5-4FFD-4603-8A8B-57D6A8F546C7}" destId="{CF02E96F-6612-4447-A716-AF24BA2BAA38}" srcOrd="0" destOrd="0" presId="urn:microsoft.com/office/officeart/2005/8/layout/bProcess4"/>
+    <dgm:cxn modelId="{3B0582A2-3B3D-4DCD-93AC-A52D25E70D8E}" type="presOf" srcId="{7B5F1AB1-A56B-4592-899D-948C07E9FCE7}" destId="{4831F056-7731-46BB-8DF6-11307D2F1AEB}" srcOrd="0" destOrd="0" presId="urn:microsoft.com/office/officeart/2005/8/layout/bProcess4"/>
+    <dgm:cxn modelId="{BE8A410B-AB19-490E-B9A0-CFE7C4AE16AF}" type="presOf" srcId="{F6AB84D7-DC04-4772-BBB8-08839E3E3B0E}" destId="{5D23B8C8-D64B-484E-B55B-BD146A94EBE7}" srcOrd="0" destOrd="0" presId="urn:microsoft.com/office/officeart/2005/8/layout/bProcess4"/>
     <dgm:cxn modelId="{2534C515-9526-4995-A442-803954094489}" type="presOf" srcId="{CE70E7C1-00A1-4F5C-B7F2-4DEA0098B5CC}" destId="{6DEDC417-7D81-4270-BD28-D9247A7A935F}" srcOrd="0" destOrd="0" presId="urn:microsoft.com/office/officeart/2005/8/layout/bProcess4"/>
-    <dgm:cxn modelId="{29F4C0D2-AE92-4258-BBFD-9A40C4CCE94E}" type="presOf" srcId="{F7C8F245-4D7A-469E-B33C-5443AAA03436}" destId="{E8D604B9-E6B5-427C-8D2D-C70DBA515C38}" srcOrd="0" destOrd="0" presId="urn:microsoft.com/office/officeart/2005/8/layout/bProcess4"/>
-    <dgm:cxn modelId="{E9634CB2-95B8-4A07-9924-3D7B5FC7A4F5}" type="presOf" srcId="{8E23BBB5-4FFD-4603-8A8B-57D6A8F546C7}" destId="{CF02E96F-6612-4447-A716-AF24BA2BAA38}" srcOrd="0" destOrd="0" presId="urn:microsoft.com/office/officeart/2005/8/layout/bProcess4"/>
-    <dgm:cxn modelId="{FF8D777C-18B8-4623-AFA7-00093BE62503}" type="presOf" srcId="{D9BFE88D-86D5-4A4E-9864-049B66CE7B11}" destId="{0111BCDE-244E-4E0C-9F45-971A15B0F1AB}" srcOrd="0" destOrd="0" presId="urn:microsoft.com/office/officeart/2005/8/layout/bProcess4"/>
-    <dgm:cxn modelId="{FA601BAF-F0F4-41C1-9E74-90A3437D9622}" srcId="{69D9465D-5278-4893-90E4-FC4A404190FF}" destId="{F6AB84D7-DC04-4772-BBB8-08839E3E3B0E}" srcOrd="1" destOrd="0" parTransId="{F35EFF0E-EA0B-4C57-8CED-83FEB15CD0FD}" sibTransId="{730DAA83-5ECA-4C62-B660-9C169A24A198}"/>
-    <dgm:cxn modelId="{14055F04-8140-4BAE-862B-A1242381A950}" type="presOf" srcId="{A9DEF564-FDF7-4F00-998C-0108AF2F964C}" destId="{3C7DEFEB-D965-469F-891F-0F8B1239A0E7}" srcOrd="0" destOrd="0" presId="urn:microsoft.com/office/officeart/2005/8/layout/bProcess4"/>
+    <dgm:cxn modelId="{1841C2B5-F5D9-4C9D-BC8C-E01099CB1015}" type="presOf" srcId="{730DAA83-5ECA-4C62-B660-9C169A24A198}" destId="{6E02BA24-2FD9-4C78-8700-D63A6D75380B}" srcOrd="0" destOrd="0" presId="urn:microsoft.com/office/officeart/2005/8/layout/bProcess4"/>
+    <dgm:cxn modelId="{8E260BD3-C9D7-4508-A4AC-F2E5E19A10BF}" type="presOf" srcId="{AC0CA605-AB71-4DDA-8068-AE236D9C9B5B}" destId="{8B6115A6-6B88-4E8C-B7FC-E18F0AFA9CAB}" srcOrd="0" destOrd="0" presId="urn:microsoft.com/office/officeart/2005/8/layout/bProcess4"/>
+    <dgm:cxn modelId="{9F649EF0-789F-4CBD-9BDD-05CA7FD30C2F}" type="presOf" srcId="{31DAD7E9-CE7C-41E2-8D30-CCCC16BF810D}" destId="{04175430-BE2F-45E9-8822-6B0CF5FF9864}" srcOrd="0" destOrd="0" presId="urn:microsoft.com/office/officeart/2005/8/layout/bProcess4"/>
+    <dgm:cxn modelId="{35FFAEAE-DC16-4986-AE73-A931A7283792}" srcId="{69D9465D-5278-4893-90E4-FC4A404190FF}" destId="{D9BFE88D-86D5-4A4E-9864-049B66CE7B11}" srcOrd="0" destOrd="0" parTransId="{F9F09A06-4B6D-4FE7-83E2-F8A428C27656}" sibTransId="{8E23BBB5-4FFD-4603-8A8B-57D6A8F546C7}"/>
+    <dgm:cxn modelId="{1E40BCCB-1E76-43AB-8C55-8CF0256943F5}" type="presOf" srcId="{664F3033-06A2-4F92-8AED-49E5BB070394}" destId="{E2F09AE3-E19A-4DEE-8439-BD770D589E30}" srcOrd="0" destOrd="0" presId="urn:microsoft.com/office/officeart/2005/8/layout/bProcess4"/>
+    <dgm:cxn modelId="{8B540F0B-2250-4B5E-BCCE-C3D246BFA6AE}" srcId="{69D9465D-5278-4893-90E4-FC4A404190FF}" destId="{CE70E7C1-00A1-4F5C-B7F2-4DEA0098B5CC}" srcOrd="7" destOrd="0" parTransId="{F234F055-B622-4D52-AFCB-3BA3D3341CFD}" sibTransId="{31DAD7E9-CE7C-41E2-8D30-CCCC16BF810D}"/>
     <dgm:cxn modelId="{7264B672-CA05-4F31-89F1-FEAC6C34D9E4}" type="presOf" srcId="{69D9465D-5278-4893-90E4-FC4A404190FF}" destId="{F41203AE-3D27-4DFC-B08E-BF6461080D2A}" srcOrd="0" destOrd="0" presId="urn:microsoft.com/office/officeart/2005/8/layout/bProcess4"/>
-    <dgm:cxn modelId="{9F649EF0-789F-4CBD-9BDD-05CA7FD30C2F}" type="presOf" srcId="{31DAD7E9-CE7C-41E2-8D30-CCCC16BF810D}" destId="{04175430-BE2F-45E9-8822-6B0CF5FF9864}" srcOrd="0" destOrd="0" presId="urn:microsoft.com/office/officeart/2005/8/layout/bProcess4"/>
-    <dgm:cxn modelId="{5D11504B-F891-4E16-81AF-19A4EDD5D894}" srcId="{69D9465D-5278-4893-90E4-FC4A404190FF}" destId="{AC0CA605-AB71-4DDA-8068-AE236D9C9B5B}" srcOrd="3" destOrd="0" parTransId="{8CC74D62-4916-498D-B541-D6C5D6CF2E1B}" sibTransId="{A9DEF564-FDF7-4F00-998C-0108AF2F964C}"/>
-    <dgm:cxn modelId="{8E260BD3-C9D7-4508-A4AC-F2E5E19A10BF}" type="presOf" srcId="{AC0CA605-AB71-4DDA-8068-AE236D9C9B5B}" destId="{8B6115A6-6B88-4E8C-B7FC-E18F0AFA9CAB}" srcOrd="0" destOrd="0" presId="urn:microsoft.com/office/officeart/2005/8/layout/bProcess4"/>
-    <dgm:cxn modelId="{D00831ED-127B-4987-AF88-67025158E8BF}" type="presOf" srcId="{C24C36EC-6312-42E6-85F3-613C20BC1376}" destId="{DB114CFE-3120-4EDC-8173-69948354E5C4}" srcOrd="0" destOrd="0" presId="urn:microsoft.com/office/officeart/2005/8/layout/bProcess4"/>
-    <dgm:cxn modelId="{9D075F56-2E0B-4171-8175-C4780726D8AC}" type="presOf" srcId="{24235BDA-3456-4472-A5F8-A95C033405D7}" destId="{E6918614-9BE6-4F65-A414-6CA09685AE8E}" srcOrd="0" destOrd="0" presId="urn:microsoft.com/office/officeart/2005/8/layout/bProcess4"/>
-    <dgm:cxn modelId="{8B540F0B-2250-4B5E-BCCE-C3D246BFA6AE}" srcId="{69D9465D-5278-4893-90E4-FC4A404190FF}" destId="{CE70E7C1-00A1-4F5C-B7F2-4DEA0098B5CC}" srcOrd="7" destOrd="0" parTransId="{F234F055-B622-4D52-AFCB-3BA3D3341CFD}" sibTransId="{31DAD7E9-CE7C-41E2-8D30-CCCC16BF810D}"/>
-    <dgm:cxn modelId="{1841C2B5-F5D9-4C9D-BC8C-E01099CB1015}" type="presOf" srcId="{730DAA83-5ECA-4C62-B660-9C169A24A198}" destId="{6E02BA24-2FD9-4C78-8700-D63A6D75380B}" srcOrd="0" destOrd="0" presId="urn:microsoft.com/office/officeart/2005/8/layout/bProcess4"/>
-    <dgm:cxn modelId="{3B0582A2-3B3D-4DCD-93AC-A52D25E70D8E}" type="presOf" srcId="{7B5F1AB1-A56B-4592-899D-948C07E9FCE7}" destId="{4831F056-7731-46BB-8DF6-11307D2F1AEB}" srcOrd="0" destOrd="0" presId="urn:microsoft.com/office/officeart/2005/8/layout/bProcess4"/>
-    <dgm:cxn modelId="{1EA91787-343D-46F0-A1A6-0C2FA465220B}" srcId="{69D9465D-5278-4893-90E4-FC4A404190FF}" destId="{C24C36EC-6312-42E6-85F3-613C20BC1376}" srcOrd="2" destOrd="0" parTransId="{05B560A1-CF69-4666-8BB8-D628BE42664F}" sibTransId="{A015CC84-CBCB-49E3-9D9B-F66E30B67EB4}"/>
-    <dgm:cxn modelId="{5D51E946-1572-4B32-A99B-B09C2D21BB4F}" srcId="{69D9465D-5278-4893-90E4-FC4A404190FF}" destId="{664F3033-06A2-4F92-8AED-49E5BB070394}" srcOrd="6" destOrd="0" parTransId="{67711992-C237-4337-995F-B75846ACA60F}" sibTransId="{24235BDA-3456-4472-A5F8-A95C033405D7}"/>
-    <dgm:cxn modelId="{F8BF60C2-BE39-43A2-9A61-63EC368D0FEB}" type="presOf" srcId="{5925B536-8CDD-4273-9EA0-F3DFE28CFC0A}" destId="{F464CA6F-950B-46FF-9EA4-EAFF6B879406}" srcOrd="0" destOrd="0" presId="urn:microsoft.com/office/officeart/2005/8/layout/bProcess4"/>
-    <dgm:cxn modelId="{361F53CB-5A29-4DAB-A291-D994BF66FC9F}" type="presOf" srcId="{F2809BA3-C65E-4889-8F5A-FF553707154C}" destId="{186C2779-A3E3-43E9-AE0E-189DFF42734F}" srcOrd="0" destOrd="0" presId="urn:microsoft.com/office/officeart/2005/8/layout/bProcess4"/>
-    <dgm:cxn modelId="{BE8A410B-AB19-490E-B9A0-CFE7C4AE16AF}" type="presOf" srcId="{F6AB84D7-DC04-4772-BBB8-08839E3E3B0E}" destId="{5D23B8C8-D64B-484E-B55B-BD146A94EBE7}" srcOrd="0" destOrd="0" presId="urn:microsoft.com/office/officeart/2005/8/layout/bProcess4"/>
-    <dgm:cxn modelId="{A1F85789-4824-48E4-B23D-DB88A8247DF3}" type="presOf" srcId="{A015CC84-CBCB-49E3-9D9B-F66E30B67EB4}" destId="{B3F14615-A4E7-4DA6-B7C0-B9FBB08C1897}" srcOrd="0" destOrd="0" presId="urn:microsoft.com/office/officeart/2005/8/layout/bProcess4"/>
-    <dgm:cxn modelId="{134DE985-81C2-41BB-9A8C-B4B56F87F2E8}" srcId="{69D9465D-5278-4893-90E4-FC4A404190FF}" destId="{7B5F1AB1-A56B-4592-899D-948C07E9FCE7}" srcOrd="4" destOrd="0" parTransId="{32E3B1F7-D695-42F6-9E77-4159D9144FAF}" sibTransId="{F9AFC70D-98A9-44D5-AE29-4B77D890DCE5}"/>
-    <dgm:cxn modelId="{35FFAEAE-DC16-4986-AE73-A931A7283792}" srcId="{69D9465D-5278-4893-90E4-FC4A404190FF}" destId="{D9BFE88D-86D5-4A4E-9864-049B66CE7B11}" srcOrd="0" destOrd="0" parTransId="{F9F09A06-4B6D-4FE7-83E2-F8A428C27656}" sibTransId="{8E23BBB5-4FFD-4603-8A8B-57D6A8F546C7}"/>
-    <dgm:cxn modelId="{8995703E-16EE-4A81-9B75-E9CF54A0823C}" type="presOf" srcId="{F9AFC70D-98A9-44D5-AE29-4B77D890DCE5}" destId="{66DF8E1A-5511-4F36-8E47-F7C36D34BC9C}" srcOrd="0" destOrd="0" presId="urn:microsoft.com/office/officeart/2005/8/layout/bProcess4"/>
-    <dgm:cxn modelId="{1E40BCCB-1E76-43AB-8C55-8CF0256943F5}" type="presOf" srcId="{664F3033-06A2-4F92-8AED-49E5BB070394}" destId="{E2F09AE3-E19A-4DEE-8439-BD770D589E30}" srcOrd="0" destOrd="0" presId="urn:microsoft.com/office/officeart/2005/8/layout/bProcess4"/>
-    <dgm:cxn modelId="{2AA4AD88-DEE0-4498-BBBA-098B55978CFC}" srcId="{69D9465D-5278-4893-90E4-FC4A404190FF}" destId="{F7C8F245-4D7A-469E-B33C-5443AAA03436}" srcOrd="5" destOrd="0" parTransId="{7004115D-85D0-4855-8403-56165FBD8C5D}" sibTransId="{5925B536-8CDD-4273-9EA0-F3DFE28CFC0A}"/>
-    <dgm:cxn modelId="{B3B9CAB9-2667-4815-A245-E1FC2B28DE7D}" srcId="{69D9465D-5278-4893-90E4-FC4A404190FF}" destId="{F2809BA3-C65E-4889-8F5A-FF553707154C}" srcOrd="8" destOrd="0" parTransId="{FC354316-0A86-49FE-B980-2848910173B1}" sibTransId="{342EE362-FB63-4B4A-A4F8-F7864A82DA6F}"/>
     <dgm:cxn modelId="{CA5AFF5C-582E-4958-AD8B-4C61AA2F41AF}" type="presParOf" srcId="{F41203AE-3D27-4DFC-B08E-BF6461080D2A}" destId="{9B9AB0DF-1520-478A-9272-0D99B8FD5BC6}" srcOrd="0" destOrd="0" presId="urn:microsoft.com/office/officeart/2005/8/layout/bProcess4"/>
     <dgm:cxn modelId="{15240594-B4C4-415C-9491-A30D89E98AC6}" type="presParOf" srcId="{9B9AB0DF-1520-478A-9272-0D99B8FD5BC6}" destId="{DC903BB0-E430-4A21-B00B-32F4402C2D32}" srcOrd="0" destOrd="0" presId="urn:microsoft.com/office/officeart/2005/8/layout/bProcess4"/>
     <dgm:cxn modelId="{ED9933BF-C8EF-44BB-AE9A-1D88F0BDBBB7}" type="presParOf" srcId="{9B9AB0DF-1520-478A-9272-0D99B8FD5BC6}" destId="{0111BCDE-244E-4E0C-9F45-971A15B0F1AB}" srcOrd="1" destOrd="0" presId="urn:microsoft.com/office/officeart/2005/8/layout/bProcess4"/>
@@ -1680,8 +1680,8 @@
       </dsp:nvSpPr>
       <dsp:spPr>
         <a:xfrm rot="5400000">
-          <a:off x="-248440" y="968770"/>
-          <a:ext cx="1108808" cy="134236"/>
+          <a:off x="-334529" y="1290056"/>
+          <a:ext cx="1481686" cy="178981"/>
         </a:xfrm>
         <a:prstGeom prst="rect">
           <a:avLst/>
@@ -1721,8 +1721,8 @@
       </dsp:nvSpPr>
       <dsp:spPr>
         <a:xfrm>
-          <a:off x="2748" y="255389"/>
-          <a:ext cx="1491512" cy="894907"/>
+          <a:off x="3664" y="340519"/>
+          <a:ext cx="1988683" cy="1193209"/>
         </a:xfrm>
         <a:prstGeom prst="roundRect">
           <a:avLst>
@@ -1765,12 +1765,12 @@
         </a:fontRef>
       </dsp:style>
       <dsp:txBody>
-        <a:bodyPr spcFirstLastPara="0" vert="horz" wrap="square" lIns="30480" tIns="30480" rIns="30480" bIns="30480" numCol="1" spcCol="1270" anchor="ctr" anchorCtr="0">
+        <a:bodyPr spcFirstLastPara="0" vert="horz" wrap="square" lIns="38100" tIns="38100" rIns="38100" bIns="38100" numCol="1" spcCol="1270" anchor="ctr" anchorCtr="0">
           <a:noAutofit/>
         </a:bodyPr>
         <a:lstStyle/>
         <a:p>
-          <a:pPr lvl="0" algn="ctr" defTabSz="355600">
+          <a:pPr lvl="0" algn="ctr" defTabSz="444500">
             <a:lnSpc>
               <a:spcPct val="90000"/>
             </a:lnSpc>
@@ -1782,19 +1782,19 @@
             </a:spcAft>
           </a:pPr>
           <a:r>
-            <a:rPr lang="en-ZA" sz="800" kern="1200" dirty="0" smtClean="0">
+            <a:rPr lang="en-ZA" sz="1000" kern="1200" dirty="0" smtClean="0">
               <a:latin typeface="Corbel" panose="020B0503020204020204" pitchFamily="34" charset="0"/>
             </a:rPr>
             <a:t>Collect data from the Android’s sensors.</a:t>
           </a:r>
-          <a:endParaRPr lang="en-ZA" sz="800" kern="1200" dirty="0">
+          <a:endParaRPr lang="en-ZA" sz="1000" kern="1200" dirty="0">
             <a:latin typeface="Corbel" panose="020B0503020204020204" pitchFamily="34" charset="0"/>
           </a:endParaRPr>
         </a:p>
       </dsp:txBody>
       <dsp:txXfrm>
-        <a:off x="28959" y="281600"/>
-        <a:ext cx="1439090" cy="842485"/>
+        <a:off x="38612" y="375467"/>
+        <a:ext cx="1918787" cy="1123313"/>
       </dsp:txXfrm>
     </dsp:sp>
     <dsp:sp modelId="{6E02BA24-2FD9-4C78-8700-D63A6D75380B}">
@@ -1804,8 +1804,8 @@
       </dsp:nvSpPr>
       <dsp:spPr>
         <a:xfrm rot="5400000">
-          <a:off x="-248440" y="2087405"/>
-          <a:ext cx="1108808" cy="134236"/>
+          <a:off x="-334529" y="2781569"/>
+          <a:ext cx="1481686" cy="178981"/>
         </a:xfrm>
         <a:prstGeom prst="rect">
           <a:avLst/>
@@ -1845,8 +1845,8 @@
       </dsp:nvSpPr>
       <dsp:spPr>
         <a:xfrm>
-          <a:off x="2748" y="1374023"/>
-          <a:ext cx="1491512" cy="894907"/>
+          <a:off x="3664" y="1832031"/>
+          <a:ext cx="1988683" cy="1193209"/>
         </a:xfrm>
         <a:prstGeom prst="roundRect">
           <a:avLst>
@@ -1889,12 +1889,12 @@
         </a:fontRef>
       </dsp:style>
       <dsp:txBody>
-        <a:bodyPr spcFirstLastPara="0" vert="horz" wrap="square" lIns="30480" tIns="30480" rIns="30480" bIns="30480" numCol="1" spcCol="1270" anchor="ctr" anchorCtr="0">
+        <a:bodyPr spcFirstLastPara="0" vert="horz" wrap="square" lIns="38100" tIns="38100" rIns="38100" bIns="38100" numCol="1" spcCol="1270" anchor="ctr" anchorCtr="0">
           <a:noAutofit/>
         </a:bodyPr>
         <a:lstStyle/>
         <a:p>
-          <a:pPr lvl="0" algn="ctr" defTabSz="355600">
+          <a:pPr lvl="0" algn="ctr" defTabSz="444500">
             <a:lnSpc>
               <a:spcPct val="90000"/>
             </a:lnSpc>
@@ -1906,19 +1906,19 @@
             </a:spcAft>
           </a:pPr>
           <a:r>
-            <a:rPr lang="en-ZA" sz="800" kern="1200" dirty="0" smtClean="0">
+            <a:rPr lang="en-ZA" sz="1000" kern="1200" dirty="0" smtClean="0">
               <a:latin typeface="Corbel" panose="020B0503020204020204" pitchFamily="34" charset="0"/>
             </a:rPr>
             <a:t>We determine many bad things all previous users have averaged per second. And transform that data into a normal distribution.</a:t>
           </a:r>
-          <a:endParaRPr lang="en-ZA" sz="800" kern="1200" dirty="0">
+          <a:endParaRPr lang="en-ZA" sz="1000" kern="1200" dirty="0">
             <a:latin typeface="Corbel" panose="020B0503020204020204" pitchFamily="34" charset="0"/>
           </a:endParaRPr>
         </a:p>
       </dsp:txBody>
       <dsp:txXfrm>
-        <a:off x="28959" y="1400234"/>
-        <a:ext cx="1439090" cy="842485"/>
+        <a:off x="38612" y="1866979"/>
+        <a:ext cx="1918787" cy="1123313"/>
       </dsp:txXfrm>
     </dsp:sp>
     <dsp:sp modelId="{B3F14615-A4E7-4DA6-B7C0-B9FBB08C1897}">
@@ -1928,8 +1928,8 @@
       </dsp:nvSpPr>
       <dsp:spPr>
         <a:xfrm>
-          <a:off x="310876" y="2646722"/>
-          <a:ext cx="1973885" cy="134236"/>
+          <a:off x="411227" y="3527325"/>
+          <a:ext cx="2635122" cy="178981"/>
         </a:xfrm>
         <a:prstGeom prst="rect">
           <a:avLst/>
@@ -1969,8 +1969,8 @@
       </dsp:nvSpPr>
       <dsp:spPr>
         <a:xfrm>
-          <a:off x="2748" y="2492658"/>
-          <a:ext cx="1491512" cy="894907"/>
+          <a:off x="3664" y="3323543"/>
+          <a:ext cx="1988683" cy="1193209"/>
         </a:xfrm>
         <a:prstGeom prst="roundRect">
           <a:avLst>
@@ -2013,12 +2013,12 @@
         </a:fontRef>
       </dsp:style>
       <dsp:txBody>
-        <a:bodyPr spcFirstLastPara="0" vert="horz" wrap="square" lIns="30480" tIns="30480" rIns="30480" bIns="30480" numCol="1" spcCol="1270" anchor="ctr" anchorCtr="0">
+        <a:bodyPr spcFirstLastPara="0" vert="horz" wrap="square" lIns="38100" tIns="38100" rIns="38100" bIns="38100" numCol="1" spcCol="1270" anchor="ctr" anchorCtr="0">
           <a:noAutofit/>
         </a:bodyPr>
         <a:lstStyle/>
         <a:p>
-          <a:pPr lvl="0" algn="ctr" defTabSz="355600">
+          <a:pPr lvl="0" algn="ctr" defTabSz="444500">
             <a:lnSpc>
               <a:spcPct val="90000"/>
             </a:lnSpc>
@@ -2030,19 +2030,19 @@
             </a:spcAft>
           </a:pPr>
           <a:r>
-            <a:rPr lang="en-ZA" sz="800" kern="1200" dirty="0" smtClean="0">
+            <a:rPr lang="en-ZA" sz="1000" kern="1200" dirty="0" smtClean="0">
               <a:latin typeface="Corbel" panose="020B0503020204020204" pitchFamily="34" charset="0"/>
             </a:rPr>
             <a:t>Determine how many bad things the current user does per second.</a:t>
           </a:r>
-          <a:endParaRPr lang="en-ZA" sz="800" kern="1200" dirty="0">
+          <a:endParaRPr lang="en-ZA" sz="1000" kern="1200" dirty="0">
             <a:latin typeface="Corbel" panose="020B0503020204020204" pitchFamily="34" charset="0"/>
           </a:endParaRPr>
         </a:p>
       </dsp:txBody>
       <dsp:txXfrm>
-        <a:off x="28959" y="2518869"/>
-        <a:ext cx="1439090" cy="842485"/>
+        <a:off x="38612" y="3358491"/>
+        <a:ext cx="1918787" cy="1123313"/>
       </dsp:txXfrm>
     </dsp:sp>
     <dsp:sp modelId="{3C7DEFEB-D965-469F-891F-0F8B1239A0E7}">
@@ -2052,8 +2052,8 @@
       </dsp:nvSpPr>
       <dsp:spPr>
         <a:xfrm rot="16200000">
-          <a:off x="1735271" y="2087405"/>
-          <a:ext cx="1108808" cy="134236"/>
+          <a:off x="2310419" y="2781569"/>
+          <a:ext cx="1481686" cy="178981"/>
         </a:xfrm>
         <a:prstGeom prst="rect">
           <a:avLst/>
@@ -2093,8 +2093,8 @@
       </dsp:nvSpPr>
       <dsp:spPr>
         <a:xfrm>
-          <a:off x="1986459" y="2492658"/>
-          <a:ext cx="1491512" cy="894907"/>
+          <a:off x="2648612" y="3323543"/>
+          <a:ext cx="1988683" cy="1193209"/>
         </a:xfrm>
         <a:prstGeom prst="roundRect">
           <a:avLst>
@@ -2137,12 +2137,12 @@
         </a:fontRef>
       </dsp:style>
       <dsp:txBody>
-        <a:bodyPr spcFirstLastPara="0" vert="horz" wrap="square" lIns="30480" tIns="30480" rIns="30480" bIns="30480" numCol="1" spcCol="1270" anchor="ctr" anchorCtr="0">
+        <a:bodyPr spcFirstLastPara="0" vert="horz" wrap="square" lIns="38100" tIns="38100" rIns="38100" bIns="38100" numCol="1" spcCol="1270" anchor="ctr" anchorCtr="0">
           <a:noAutofit/>
         </a:bodyPr>
         <a:lstStyle/>
         <a:p>
-          <a:pPr lvl="0" algn="ctr" defTabSz="355600">
+          <a:pPr lvl="0" algn="ctr" defTabSz="444500">
             <a:lnSpc>
               <a:spcPct val="90000"/>
             </a:lnSpc>
@@ -2154,19 +2154,19 @@
             </a:spcAft>
           </a:pPr>
           <a:r>
-            <a:rPr lang="en-ZA" sz="800" kern="1200" dirty="0" smtClean="0">
+            <a:rPr lang="en-ZA" sz="1000" kern="1200" dirty="0" smtClean="0">
               <a:latin typeface="Corbel" panose="020B0503020204020204" pitchFamily="34" charset="0"/>
             </a:rPr>
             <a:t>One of the useful properties of the data we exploit, is that we are able to estimate a position on a normal distribution for the likelihood of the observed results in terms of the number of bad things per second.</a:t>
           </a:r>
-          <a:endParaRPr lang="en-ZA" sz="800" kern="1200" dirty="0">
+          <a:endParaRPr lang="en-ZA" sz="1000" kern="1200" dirty="0">
             <a:latin typeface="Corbel" panose="020B0503020204020204" pitchFamily="34" charset="0"/>
           </a:endParaRPr>
         </a:p>
       </dsp:txBody>
       <dsp:txXfrm>
-        <a:off x="2012670" y="2518869"/>
-        <a:ext cx="1439090" cy="842485"/>
+        <a:off x="2683560" y="3358491"/>
+        <a:ext cx="1918787" cy="1123313"/>
       </dsp:txXfrm>
     </dsp:sp>
     <dsp:sp modelId="{66DF8E1A-5511-4F36-8E47-F7C36D34BC9C}">
@@ -2176,8 +2176,8 @@
       </dsp:nvSpPr>
       <dsp:spPr>
         <a:xfrm rot="16200000">
-          <a:off x="1735271" y="968770"/>
-          <a:ext cx="1108808" cy="134236"/>
+          <a:off x="2310419" y="1290056"/>
+          <a:ext cx="1481686" cy="178981"/>
         </a:xfrm>
         <a:prstGeom prst="rect">
           <a:avLst/>
@@ -2217,8 +2217,8 @@
       </dsp:nvSpPr>
       <dsp:spPr>
         <a:xfrm>
-          <a:off x="1986459" y="1374023"/>
-          <a:ext cx="1491512" cy="894907"/>
+          <a:off x="2648612" y="1832031"/>
+          <a:ext cx="1988683" cy="1193209"/>
         </a:xfrm>
         <a:prstGeom prst="roundRect">
           <a:avLst>
@@ -2261,12 +2261,12 @@
         </a:fontRef>
       </dsp:style>
       <dsp:txBody>
-        <a:bodyPr spcFirstLastPara="0" vert="horz" wrap="square" lIns="30480" tIns="30480" rIns="30480" bIns="30480" numCol="1" spcCol="1270" anchor="ctr" anchorCtr="0">
+        <a:bodyPr spcFirstLastPara="0" vert="horz" wrap="square" lIns="38100" tIns="38100" rIns="38100" bIns="38100" numCol="1" spcCol="1270" anchor="ctr" anchorCtr="0">
           <a:noAutofit/>
         </a:bodyPr>
         <a:lstStyle/>
         <a:p>
-          <a:pPr lvl="0" algn="ctr" defTabSz="355600">
+          <a:pPr lvl="0" algn="ctr" defTabSz="444500">
             <a:lnSpc>
               <a:spcPct val="90000"/>
             </a:lnSpc>
@@ -2278,19 +2278,19 @@
             </a:spcAft>
           </a:pPr>
           <a:r>
-            <a:rPr lang="en-ZA" sz="800" kern="1200" smtClean="0">
+            <a:rPr lang="en-ZA" sz="1000" kern="1200" smtClean="0">
               <a:latin typeface="Corbel" panose="020B0503020204020204" pitchFamily="34" charset="0"/>
             </a:rPr>
             <a:t>Weightings are applied to the different readings from the sensors (because acceleration through a turn is worse than acceleration while moving forward, and acceleration upwards is even worse!)</a:t>
           </a:r>
-          <a:endParaRPr lang="en-ZA" sz="800" kern="1200" dirty="0">
+          <a:endParaRPr lang="en-ZA" sz="1000" kern="1200" dirty="0">
             <a:latin typeface="Corbel" panose="020B0503020204020204" pitchFamily="34" charset="0"/>
           </a:endParaRPr>
         </a:p>
       </dsp:txBody>
       <dsp:txXfrm>
-        <a:off x="2012670" y="1400234"/>
-        <a:ext cx="1439090" cy="842485"/>
+        <a:off x="2683560" y="1866979"/>
+        <a:ext cx="1918787" cy="1123313"/>
       </dsp:txXfrm>
     </dsp:sp>
     <dsp:sp modelId="{F464CA6F-950B-46FF-9EA4-EAFF6B879406}">
@@ -2300,8 +2300,8 @@
       </dsp:nvSpPr>
       <dsp:spPr>
         <a:xfrm>
-          <a:off x="2294588" y="409453"/>
-          <a:ext cx="1973885" cy="134236"/>
+          <a:off x="3056175" y="544300"/>
+          <a:ext cx="2635122" cy="178981"/>
         </a:xfrm>
         <a:prstGeom prst="rect">
           <a:avLst/>
@@ -2341,8 +2341,8 @@
       </dsp:nvSpPr>
       <dsp:spPr>
         <a:xfrm>
-          <a:off x="1986459" y="255389"/>
-          <a:ext cx="1491512" cy="894907"/>
+          <a:off x="2648612" y="340519"/>
+          <a:ext cx="1988683" cy="1193209"/>
         </a:xfrm>
         <a:prstGeom prst="roundRect">
           <a:avLst>
@@ -2385,12 +2385,12 @@
         </a:fontRef>
       </dsp:style>
       <dsp:txBody>
-        <a:bodyPr spcFirstLastPara="0" vert="horz" wrap="square" lIns="30480" tIns="30480" rIns="30480" bIns="30480" numCol="1" spcCol="1270" anchor="ctr" anchorCtr="0">
+        <a:bodyPr spcFirstLastPara="0" vert="horz" wrap="square" lIns="38100" tIns="38100" rIns="38100" bIns="38100" numCol="1" spcCol="1270" anchor="ctr" anchorCtr="0">
           <a:noAutofit/>
         </a:bodyPr>
         <a:lstStyle/>
         <a:p>
-          <a:pPr lvl="0" algn="ctr" defTabSz="355600">
+          <a:pPr lvl="0" algn="ctr" defTabSz="444500">
             <a:lnSpc>
               <a:spcPct val="90000"/>
             </a:lnSpc>
@@ -2402,19 +2402,19 @@
             </a:spcAft>
           </a:pPr>
           <a:r>
-            <a:rPr lang="en-ZA" sz="800" kern="1200" dirty="0" smtClean="0">
+            <a:rPr lang="en-ZA" sz="1000" kern="1200" dirty="0" smtClean="0">
               <a:latin typeface="Corbel" panose="020B0503020204020204" pitchFamily="34" charset="0"/>
             </a:rPr>
             <a:t>Using this information, we are able to estimate a probability that the score of the current trip was a result of random chance when compared to the normal distribution of all other drivers.</a:t>
           </a:r>
-          <a:endParaRPr lang="en-ZA" sz="800" kern="1200" dirty="0">
+          <a:endParaRPr lang="en-ZA" sz="1000" kern="1200" dirty="0">
             <a:latin typeface="Corbel" panose="020B0503020204020204" pitchFamily="34" charset="0"/>
           </a:endParaRPr>
         </a:p>
       </dsp:txBody>
       <dsp:txXfrm>
-        <a:off x="2012670" y="281600"/>
-        <a:ext cx="1439090" cy="842485"/>
+        <a:off x="2683560" y="375467"/>
+        <a:ext cx="1918787" cy="1123313"/>
       </dsp:txXfrm>
     </dsp:sp>
     <dsp:sp modelId="{E6918614-9BE6-4F65-A414-6CA09685AE8E}">
@@ -2424,8 +2424,8 @@
       </dsp:nvSpPr>
       <dsp:spPr>
         <a:xfrm rot="5400000">
-          <a:off x="3718982" y="968770"/>
-          <a:ext cx="1108808" cy="134236"/>
+          <a:off x="4955368" y="1290056"/>
+          <a:ext cx="1481686" cy="178981"/>
         </a:xfrm>
         <a:prstGeom prst="rect">
           <a:avLst/>
@@ -2465,8 +2465,8 @@
       </dsp:nvSpPr>
       <dsp:spPr>
         <a:xfrm>
-          <a:off x="3970171" y="255389"/>
-          <a:ext cx="1491512" cy="894907"/>
+          <a:off x="5293561" y="340519"/>
+          <a:ext cx="1988683" cy="1193209"/>
         </a:xfrm>
         <a:prstGeom prst="roundRect">
           <a:avLst>
@@ -2509,12 +2509,12 @@
         </a:fontRef>
       </dsp:style>
       <dsp:txBody>
-        <a:bodyPr spcFirstLastPara="0" vert="horz" wrap="square" lIns="30480" tIns="30480" rIns="30480" bIns="30480" numCol="1" spcCol="1270" anchor="ctr" anchorCtr="0">
+        <a:bodyPr spcFirstLastPara="0" vert="horz" wrap="square" lIns="38100" tIns="38100" rIns="38100" bIns="38100" numCol="1" spcCol="1270" anchor="ctr" anchorCtr="0">
           <a:noAutofit/>
         </a:bodyPr>
         <a:lstStyle/>
         <a:p>
-          <a:pPr lvl="0" algn="ctr" defTabSz="355600">
+          <a:pPr lvl="0" algn="ctr" defTabSz="444500">
             <a:lnSpc>
               <a:spcPct val="90000"/>
             </a:lnSpc>
@@ -2526,14 +2526,14 @@
             </a:spcAft>
           </a:pPr>
           <a:r>
-            <a:rPr lang="en-ZA" sz="800" kern="1200" dirty="0" smtClean="0">
+            <a:rPr lang="en-ZA" sz="1000" kern="1200" dirty="0" smtClean="0">
               <a:latin typeface="Corbel" panose="020B0503020204020204" pitchFamily="34" charset="0"/>
             </a:rPr>
             <a:t>From this data we calculate a Z-score for the distance of the person’s number of bad things from the normal distribution of the number of bad things.</a:t>
           </a:r>
         </a:p>
         <a:p>
-          <a:pPr lvl="0" algn="ctr" defTabSz="355600">
+          <a:pPr lvl="0" algn="ctr" defTabSz="444500">
             <a:lnSpc>
               <a:spcPct val="90000"/>
             </a:lnSpc>
@@ -2544,14 +2544,14 @@
               <a:spcPct val="35000"/>
             </a:spcAft>
           </a:pPr>
-          <a:endParaRPr lang="en-ZA" sz="800" kern="1200" dirty="0">
+          <a:endParaRPr lang="en-ZA" sz="1000" kern="1200" dirty="0">
             <a:latin typeface="Corbel" panose="020B0503020204020204" pitchFamily="34" charset="0"/>
           </a:endParaRPr>
         </a:p>
       </dsp:txBody>
       <dsp:txXfrm>
-        <a:off x="3996382" y="281600"/>
-        <a:ext cx="1439090" cy="842485"/>
+        <a:off x="5328509" y="375467"/>
+        <a:ext cx="1918787" cy="1123313"/>
       </dsp:txXfrm>
     </dsp:sp>
     <dsp:sp modelId="{04175430-BE2F-45E9-8822-6B0CF5FF9864}">
@@ -2561,8 +2561,8 @@
       </dsp:nvSpPr>
       <dsp:spPr>
         <a:xfrm rot="5400000">
-          <a:off x="3718982" y="2087405"/>
-          <a:ext cx="1108808" cy="134236"/>
+          <a:off x="4955368" y="2781569"/>
+          <a:ext cx="1481686" cy="178981"/>
         </a:xfrm>
         <a:prstGeom prst="rect">
           <a:avLst/>
@@ -2602,8 +2602,8 @@
       </dsp:nvSpPr>
       <dsp:spPr>
         <a:xfrm>
-          <a:off x="3970171" y="1374023"/>
-          <a:ext cx="1491512" cy="894907"/>
+          <a:off x="5293561" y="1832031"/>
+          <a:ext cx="1988683" cy="1193209"/>
         </a:xfrm>
         <a:prstGeom prst="roundRect">
           <a:avLst>
@@ -2646,12 +2646,12 @@
         </a:fontRef>
       </dsp:style>
       <dsp:txBody>
-        <a:bodyPr spcFirstLastPara="0" vert="horz" wrap="square" lIns="30480" tIns="30480" rIns="30480" bIns="30480" numCol="1" spcCol="1270" anchor="ctr" anchorCtr="0">
+        <a:bodyPr spcFirstLastPara="0" vert="horz" wrap="square" lIns="38100" tIns="38100" rIns="38100" bIns="38100" numCol="1" spcCol="1270" anchor="ctr" anchorCtr="0">
           <a:noAutofit/>
         </a:bodyPr>
         <a:lstStyle/>
         <a:p>
-          <a:pPr lvl="0" algn="ctr" defTabSz="355600">
+          <a:pPr lvl="0" algn="ctr" defTabSz="444500">
             <a:lnSpc>
               <a:spcPct val="90000"/>
             </a:lnSpc>
@@ -2663,19 +2663,19 @@
             </a:spcAft>
           </a:pPr>
           <a:r>
-            <a:rPr lang="en-ZA" sz="800" kern="1200" dirty="0" smtClean="0">
+            <a:rPr lang="en-ZA" sz="1000" kern="1200" dirty="0" smtClean="0">
               <a:latin typeface="Corbel" panose="020B0503020204020204" pitchFamily="34" charset="0"/>
             </a:rPr>
             <a:t>Using our z-score and by integrating the normal distribution function, we are able to estimate the area to the left of the normal distribution’s score.</a:t>
           </a:r>
-          <a:endParaRPr lang="en-ZA" sz="800" kern="1200" dirty="0">
+          <a:endParaRPr lang="en-ZA" sz="1000" kern="1200" dirty="0">
             <a:latin typeface="Corbel" panose="020B0503020204020204" pitchFamily="34" charset="0"/>
           </a:endParaRPr>
         </a:p>
       </dsp:txBody>
       <dsp:txXfrm>
-        <a:off x="3996382" y="1400234"/>
-        <a:ext cx="1439090" cy="842485"/>
+        <a:off x="5328509" y="1866979"/>
+        <a:ext cx="1918787" cy="1123313"/>
       </dsp:txXfrm>
     </dsp:sp>
     <dsp:sp modelId="{186C2779-A3E3-43E9-AE0E-189DFF42734F}">
@@ -2685,8 +2685,8 @@
       </dsp:nvSpPr>
       <dsp:spPr>
         <a:xfrm>
-          <a:off x="3970171" y="2492658"/>
-          <a:ext cx="1491512" cy="894907"/>
+          <a:off x="5293561" y="3323543"/>
+          <a:ext cx="1988683" cy="1193209"/>
         </a:xfrm>
         <a:prstGeom prst="roundRect">
           <a:avLst>
@@ -2729,12 +2729,12 @@
         </a:fontRef>
       </dsp:style>
       <dsp:txBody>
-        <a:bodyPr spcFirstLastPara="0" vert="horz" wrap="square" lIns="30480" tIns="30480" rIns="30480" bIns="30480" numCol="1" spcCol="1270" anchor="ctr" anchorCtr="0">
+        <a:bodyPr spcFirstLastPara="0" vert="horz" wrap="square" lIns="38100" tIns="38100" rIns="38100" bIns="38100" numCol="1" spcCol="1270" anchor="ctr" anchorCtr="0">
           <a:noAutofit/>
         </a:bodyPr>
         <a:lstStyle/>
         <a:p>
-          <a:pPr lvl="0" algn="ctr" defTabSz="355600">
+          <a:pPr lvl="0" algn="ctr" defTabSz="444500">
             <a:lnSpc>
               <a:spcPct val="90000"/>
             </a:lnSpc>
@@ -2746,19 +2746,19 @@
             </a:spcAft>
           </a:pPr>
           <a:r>
-            <a:rPr lang="en-ZA" sz="800" kern="1200" dirty="0" smtClean="0">
+            <a:rPr lang="en-ZA" sz="1000" kern="1200" dirty="0" smtClean="0">
               <a:latin typeface="Corbel" panose="020B0503020204020204" pitchFamily="34" charset="0"/>
             </a:rPr>
             <a:t>Because the area under a normal distribution always equals 1, we can simply multiply the area by 10 to achieve a score out of 10 for the quality of that person’s driving.</a:t>
           </a:r>
-          <a:endParaRPr lang="en-ZA" sz="800" kern="1200" dirty="0">
+          <a:endParaRPr lang="en-ZA" sz="1000" kern="1200" dirty="0">
             <a:latin typeface="Corbel" panose="020B0503020204020204" pitchFamily="34" charset="0"/>
           </a:endParaRPr>
         </a:p>
       </dsp:txBody>
       <dsp:txXfrm>
-        <a:off x="3996382" y="2518869"/>
-        <a:ext cx="1439090" cy="842485"/>
+        <a:off x="5328509" y="3358491"/>
+        <a:ext cx="1918787" cy="1123313"/>
       </dsp:txXfrm>
     </dsp:sp>
   </dsp:spTree>
@@ -4071,7 +4071,7 @@
         <p:spPr>
           <a:xfrm>
             <a:off x="0" y="0"/>
-            <a:ext cx="12801600" cy="9601200"/>
+            <a:ext cx="17068800" cy="9601200"/>
           </a:xfrm>
           <a:prstGeom prst="rect">
             <a:avLst/>
@@ -4086,8 +4086,8 @@
         </p:nvSpPr>
         <p:spPr>
           <a:xfrm>
-            <a:off x="-16669" y="2"/>
-            <a:ext cx="12268001" cy="9223375"/>
+            <a:off x="-22225" y="1"/>
+            <a:ext cx="16357334" cy="9223375"/>
           </a:xfrm>
           <a:custGeom>
             <a:avLst/>
@@ -4152,8 +4152,8 @@
         </p:nvSpPr>
         <p:spPr>
           <a:xfrm>
-            <a:off x="0" y="5995162"/>
-            <a:ext cx="11895720" cy="2840383"/>
+            <a:off x="1" y="5995161"/>
+            <a:ext cx="15860960" cy="2840383"/>
           </a:xfrm>
           <a:custGeom>
             <a:avLst/>
@@ -4225,8 +4225,8 @@
         </p:nvSpPr>
         <p:spPr>
           <a:xfrm>
-            <a:off x="2" y="2"/>
-            <a:ext cx="9155558" cy="639628"/>
+            <a:off x="1" y="1"/>
+            <a:ext cx="12207411" cy="639628"/>
           </a:xfrm>
           <a:custGeom>
             <a:avLst/>
@@ -4295,8 +4295,8 @@
         </p:nvSpPr>
         <p:spPr>
           <a:xfrm rot="21420000">
-            <a:off x="-169890" y="410644"/>
-            <a:ext cx="11935472" cy="8052526"/>
+            <a:off x="-226520" y="410644"/>
+            <a:ext cx="15913962" cy="8052526"/>
           </a:xfrm>
           <a:custGeom>
             <a:avLst/>
@@ -4357,8 +4357,8 @@
         </p:nvSpPr>
         <p:spPr>
           <a:xfrm rot="21420000">
-            <a:off x="935763" y="927720"/>
-            <a:ext cx="10242946" cy="3873139"/>
+            <a:off x="1247682" y="927719"/>
+            <a:ext cx="13657262" cy="3873139"/>
           </a:xfrm>
         </p:spPr>
         <p:txBody>
@@ -4367,7 +4367,7 @@
           </a:bodyPr>
           <a:lstStyle>
             <a:lvl1pPr algn="r">
-              <a:defRPr sz="8000"/>
+              <a:defRPr sz="11200"/>
             </a:lvl1pPr>
           </a:lstStyle>
           <a:p>
@@ -4391,8 +4391,8 @@
         </p:nvSpPr>
         <p:spPr>
           <a:xfrm rot="21420000">
-            <a:off x="1032217" y="4907293"/>
-            <a:ext cx="10242946" cy="770466"/>
+            <a:off x="1376287" y="4907293"/>
+            <a:ext cx="13657262" cy="770466"/>
           </a:xfrm>
         </p:spPr>
         <p:txBody>
@@ -4402,7 +4402,7 @@
           <a:lstStyle>
             <a:lvl1pPr marL="0" indent="0" algn="r">
               <a:buNone/>
-              <a:defRPr sz="2800">
+              <a:defRPr sz="3920">
                 <a:solidFill>
                   <a:schemeClr val="bg1">
                     <a:lumMod val="50000"/>
@@ -4410,37 +4410,37 @@
                 </a:solidFill>
               </a:defRPr>
             </a:lvl1pPr>
-            <a:lvl2pPr marL="457209" indent="0" algn="ctr">
-              <a:buNone/>
-              <a:defRPr sz="2000"/>
+            <a:lvl2pPr marL="640080" indent="0" algn="ctr">
+              <a:buNone/>
+              <a:defRPr sz="2800"/>
             </a:lvl2pPr>
-            <a:lvl3pPr marL="914418" indent="0" algn="ctr">
-              <a:buNone/>
-              <a:defRPr sz="1800"/>
+            <a:lvl3pPr marL="1280160" indent="0" algn="ctr">
+              <a:buNone/>
+              <a:defRPr sz="2520"/>
             </a:lvl3pPr>
-            <a:lvl4pPr marL="1371627" indent="0" algn="ctr">
-              <a:buNone/>
-              <a:defRPr sz="1600"/>
+            <a:lvl4pPr marL="1920240" indent="0" algn="ctr">
+              <a:buNone/>
+              <a:defRPr sz="2240"/>
             </a:lvl4pPr>
-            <a:lvl5pPr marL="1828837" indent="0" algn="ctr">
-              <a:buNone/>
-              <a:defRPr sz="1600"/>
+            <a:lvl5pPr marL="2560320" indent="0" algn="ctr">
+              <a:buNone/>
+              <a:defRPr sz="2240"/>
             </a:lvl5pPr>
-            <a:lvl6pPr marL="2286046" indent="0" algn="ctr">
-              <a:buNone/>
-              <a:defRPr sz="1600"/>
+            <a:lvl6pPr marL="3200400" indent="0" algn="ctr">
+              <a:buNone/>
+              <a:defRPr sz="2240"/>
             </a:lvl6pPr>
-            <a:lvl7pPr marL="2743255" indent="0" algn="ctr">
-              <a:buNone/>
-              <a:defRPr sz="1600"/>
+            <a:lvl7pPr marL="3840480" indent="0" algn="ctr">
+              <a:buNone/>
+              <a:defRPr sz="2240"/>
             </a:lvl7pPr>
-            <a:lvl8pPr marL="3200464" indent="0" algn="ctr">
-              <a:buNone/>
-              <a:defRPr sz="1600"/>
+            <a:lvl8pPr marL="4480560" indent="0" algn="ctr">
+              <a:buNone/>
+              <a:defRPr sz="2240"/>
             </a:lvl8pPr>
-            <a:lvl9pPr marL="3657673" indent="0" algn="ctr">
-              <a:buNone/>
-              <a:defRPr sz="1600"/>
+            <a:lvl9pPr marL="5120640" indent="0" algn="ctr">
+              <a:buNone/>
+              <a:defRPr sz="2240"/>
             </a:lvl9pPr>
           </a:lstStyle>
           <a:p>
@@ -4464,15 +4464,15 @@
         </p:nvSpPr>
         <p:spPr>
           <a:xfrm rot="21420000">
-            <a:off x="5195968" y="6409848"/>
-            <a:ext cx="6450836" cy="1628357"/>
+            <a:off x="6927958" y="6409848"/>
+            <a:ext cx="8601114" cy="1628357"/>
           </a:xfrm>
         </p:spPr>
         <p:txBody>
           <a:bodyPr/>
           <a:lstStyle>
             <a:lvl1pPr algn="ctr">
-              <a:defRPr sz="5400">
+              <a:defRPr sz="7560">
                 <a:solidFill>
                   <a:schemeClr val="accent1">
                     <a:lumMod val="50000"/>
@@ -4502,15 +4502,15 @@
         </p:nvSpPr>
         <p:spPr>
           <a:xfrm rot="21420000">
-            <a:off x="-5836" y="6836235"/>
-            <a:ext cx="4249601" cy="1673753"/>
+            <a:off x="-7784" y="6836234"/>
+            <a:ext cx="5666135" cy="1673753"/>
           </a:xfrm>
         </p:spPr>
         <p:txBody>
           <a:bodyPr vert="horz" lIns="91440" tIns="45720" rIns="91440" bIns="45720" rtlCol="0" anchor="ctr"/>
           <a:lstStyle>
             <a:lvl1pPr algn="r">
-              <a:defRPr lang="en-US" sz="5400" dirty="0"/>
+              <a:defRPr lang="en-US" sz="7560" dirty="0"/>
             </a:lvl1pPr>
           </a:lstStyle>
           <a:p>
@@ -4530,15 +4530,15 @@
         </p:nvSpPr>
         <p:spPr>
           <a:xfrm rot="21420000">
-            <a:off x="10344346" y="5365707"/>
-            <a:ext cx="952545" cy="697858"/>
+            <a:off x="13792461" y="5365707"/>
+            <a:ext cx="1270060" cy="697858"/>
           </a:xfrm>
         </p:spPr>
         <p:txBody>
           <a:bodyPr/>
           <a:lstStyle>
             <a:lvl1pPr>
-              <a:defRPr sz="2400">
+              <a:defRPr sz="3360">
                 <a:solidFill>
                   <a:schemeClr val="tx1">
                     <a:lumMod val="75000"/>
@@ -4565,8 +4565,8 @@
         </p:nvSpPr>
         <p:spPr>
           <a:xfrm rot="21420000">
-            <a:off x="4432454" y="7155899"/>
-            <a:ext cx="541155" cy="721540"/>
+            <a:off x="5909939" y="7155899"/>
+            <a:ext cx="721540" cy="721540"/>
           </a:xfrm>
           <a:prstGeom prst="star5">
             <a:avLst>
@@ -4602,7 +4602,7 @@
     </p:spTree>
     <p:extLst>
       <p:ext uri="{BB962C8B-B14F-4D97-AF65-F5344CB8AC3E}">
-        <p14:creationId xmlns:p14="http://schemas.microsoft.com/office/powerpoint/2010/main" val="1039348037"/>
+        <p14:creationId xmlns:p14="http://schemas.microsoft.com/office/powerpoint/2010/main" val="617889744"/>
       </p:ext>
     </p:extLst>
   </p:cSld>
@@ -4641,15 +4641,15 @@
         </p:nvSpPr>
         <p:spPr>
           <a:xfrm>
-            <a:off x="720090" y="5748866"/>
-            <a:ext cx="10914443" cy="824384"/>
+            <a:off x="960120" y="5748866"/>
+            <a:ext cx="14552591" cy="824384"/>
           </a:xfrm>
         </p:spPr>
         <p:txBody>
           <a:bodyPr anchor="b"/>
           <a:lstStyle>
             <a:lvl1pPr>
-              <a:defRPr sz="3200"/>
+              <a:defRPr sz="4480"/>
             </a:lvl1pPr>
           </a:lstStyle>
           <a:p>
@@ -4673,8 +4673,8 @@
         </p:nvSpPr>
         <p:spPr>
           <a:xfrm>
-            <a:off x="720092" y="960119"/>
-            <a:ext cx="10912139" cy="4472864"/>
+            <a:off x="960122" y="960119"/>
+            <a:ext cx="14549518" cy="4472864"/>
           </a:xfrm>
           <a:ln w="57150" cmpd="thinThick">
             <a:solidFill>
@@ -4690,39 +4690,39 @@
           <a:lstStyle>
             <a:lvl1pPr marL="0" indent="0" algn="ctr">
               <a:buNone/>
-              <a:defRPr sz="3200"/>
+              <a:defRPr sz="4480"/>
             </a:lvl1pPr>
-            <a:lvl2pPr marL="457209" indent="0">
+            <a:lvl2pPr marL="640080" indent="0">
+              <a:buNone/>
+              <a:defRPr sz="3920"/>
+            </a:lvl2pPr>
+            <a:lvl3pPr marL="1280160" indent="0">
+              <a:buNone/>
+              <a:defRPr sz="3360"/>
+            </a:lvl3pPr>
+            <a:lvl4pPr marL="1920240" indent="0">
               <a:buNone/>
               <a:defRPr sz="2800"/>
-            </a:lvl2pPr>
-            <a:lvl3pPr marL="914418" indent="0">
-              <a:buNone/>
-              <a:defRPr sz="2400"/>
-            </a:lvl3pPr>
-            <a:lvl4pPr marL="1371627" indent="0">
-              <a:buNone/>
-              <a:defRPr sz="2000"/>
             </a:lvl4pPr>
-            <a:lvl5pPr marL="1828837" indent="0">
-              <a:buNone/>
-              <a:defRPr sz="2000"/>
+            <a:lvl5pPr marL="2560320" indent="0">
+              <a:buNone/>
+              <a:defRPr sz="2800"/>
             </a:lvl5pPr>
-            <a:lvl6pPr marL="2286046" indent="0">
-              <a:buNone/>
-              <a:defRPr sz="2000"/>
+            <a:lvl6pPr marL="3200400" indent="0">
+              <a:buNone/>
+              <a:defRPr sz="2800"/>
             </a:lvl6pPr>
-            <a:lvl7pPr marL="2743255" indent="0">
-              <a:buNone/>
-              <a:defRPr sz="2000"/>
+            <a:lvl7pPr marL="3840480" indent="0">
+              <a:buNone/>
+              <a:defRPr sz="2800"/>
             </a:lvl7pPr>
-            <a:lvl8pPr marL="3200464" indent="0">
-              <a:buNone/>
-              <a:defRPr sz="2000"/>
+            <a:lvl8pPr marL="4480560" indent="0">
+              <a:buNone/>
+              <a:defRPr sz="2800"/>
             </a:lvl8pPr>
-            <a:lvl9pPr marL="3657673" indent="0">
-              <a:buNone/>
-              <a:defRPr sz="2000"/>
+            <a:lvl9pPr marL="5120640" indent="0">
+              <a:buNone/>
+              <a:defRPr sz="2800"/>
             </a:lvl9pPr>
           </a:lstStyle>
           <a:p>
@@ -4746,8 +4746,8 @@
         </p:nvSpPr>
         <p:spPr>
           <a:xfrm>
-            <a:off x="720069" y="6584092"/>
-            <a:ext cx="10914464" cy="955461"/>
+            <a:off x="960092" y="6584092"/>
+            <a:ext cx="14552619" cy="955461"/>
           </a:xfrm>
         </p:spPr>
         <p:txBody>
@@ -4755,39 +4755,39 @@
           <a:lstStyle>
             <a:lvl1pPr marL="0" indent="0" algn="l">
               <a:buNone/>
-              <a:defRPr sz="1600"/>
+              <a:defRPr sz="2240"/>
             </a:lvl1pPr>
-            <a:lvl2pPr marL="457209" indent="0">
+            <a:lvl2pPr marL="640080" indent="0">
+              <a:buNone/>
+              <a:defRPr sz="1960"/>
+            </a:lvl2pPr>
+            <a:lvl3pPr marL="1280160" indent="0">
+              <a:buNone/>
+              <a:defRPr sz="1680"/>
+            </a:lvl3pPr>
+            <a:lvl4pPr marL="1920240" indent="0">
               <a:buNone/>
               <a:defRPr sz="1400"/>
-            </a:lvl2pPr>
-            <a:lvl3pPr marL="914418" indent="0">
-              <a:buNone/>
-              <a:defRPr sz="1200"/>
-            </a:lvl3pPr>
-            <a:lvl4pPr marL="1371627" indent="0">
-              <a:buNone/>
-              <a:defRPr sz="1000"/>
             </a:lvl4pPr>
-            <a:lvl5pPr marL="1828837" indent="0">
-              <a:buNone/>
-              <a:defRPr sz="1000"/>
+            <a:lvl5pPr marL="2560320" indent="0">
+              <a:buNone/>
+              <a:defRPr sz="1400"/>
             </a:lvl5pPr>
-            <a:lvl6pPr marL="2286046" indent="0">
-              <a:buNone/>
-              <a:defRPr sz="1000"/>
+            <a:lvl6pPr marL="3200400" indent="0">
+              <a:buNone/>
+              <a:defRPr sz="1400"/>
             </a:lvl6pPr>
-            <a:lvl7pPr marL="2743255" indent="0">
-              <a:buNone/>
-              <a:defRPr sz="1000"/>
+            <a:lvl7pPr marL="3840480" indent="0">
+              <a:buNone/>
+              <a:defRPr sz="1400"/>
             </a:lvl7pPr>
-            <a:lvl8pPr marL="3200464" indent="0">
-              <a:buNone/>
-              <a:defRPr sz="1000"/>
+            <a:lvl8pPr marL="4480560" indent="0">
+              <a:buNone/>
+              <a:defRPr sz="1400"/>
             </a:lvl8pPr>
-            <a:lvl9pPr marL="3657673" indent="0">
-              <a:buNone/>
-              <a:defRPr sz="1000"/>
+            <a:lvl9pPr marL="5120640" indent="0">
+              <a:buNone/>
+              <a:defRPr sz="1400"/>
             </a:lvl9pPr>
           </a:lstStyle>
           <a:p>
@@ -4867,7 +4867,7 @@
     </p:spTree>
     <p:extLst>
       <p:ext uri="{BB962C8B-B14F-4D97-AF65-F5344CB8AC3E}">
-        <p14:creationId xmlns:p14="http://schemas.microsoft.com/office/powerpoint/2010/main" val="3566855963"/>
+        <p14:creationId xmlns:p14="http://schemas.microsoft.com/office/powerpoint/2010/main" val="2058264978"/>
       </p:ext>
     </p:extLst>
   </p:cSld>
@@ -4906,8 +4906,8 @@
         </p:nvSpPr>
         <p:spPr>
           <a:xfrm>
-            <a:off x="720091" y="960122"/>
-            <a:ext cx="10916747" cy="4472864"/>
+            <a:off x="960121" y="960121"/>
+            <a:ext cx="14555663" cy="4472864"/>
           </a:xfrm>
         </p:spPr>
         <p:txBody>
@@ -4916,7 +4916,7 @@
           </a:bodyPr>
           <a:lstStyle>
             <a:lvl1pPr algn="ctr">
-              <a:defRPr sz="4800"/>
+              <a:defRPr sz="6720"/>
             </a:lvl1pPr>
           </a:lstStyle>
           <a:p>
@@ -4940,8 +4940,8 @@
         </p:nvSpPr>
         <p:spPr>
           <a:xfrm>
-            <a:off x="720070" y="5748866"/>
-            <a:ext cx="10914465" cy="1783048"/>
+            <a:off x="960091" y="5748866"/>
+            <a:ext cx="14552621" cy="1783048"/>
           </a:xfrm>
         </p:spPr>
         <p:txBody>
@@ -4951,39 +4951,39 @@
           <a:lstStyle>
             <a:lvl1pPr marL="0" indent="0" algn="ctr">
               <a:buNone/>
-              <a:defRPr sz="1800"/>
+              <a:defRPr sz="2520"/>
             </a:lvl1pPr>
-            <a:lvl2pPr marL="457209" indent="0">
+            <a:lvl2pPr marL="640080" indent="0">
+              <a:buNone/>
+              <a:defRPr sz="1960"/>
+            </a:lvl2pPr>
+            <a:lvl3pPr marL="1280160" indent="0">
+              <a:buNone/>
+              <a:defRPr sz="1680"/>
+            </a:lvl3pPr>
+            <a:lvl4pPr marL="1920240" indent="0">
               <a:buNone/>
               <a:defRPr sz="1400"/>
-            </a:lvl2pPr>
-            <a:lvl3pPr marL="914418" indent="0">
-              <a:buNone/>
-              <a:defRPr sz="1200"/>
-            </a:lvl3pPr>
-            <a:lvl4pPr marL="1371627" indent="0">
-              <a:buNone/>
-              <a:defRPr sz="1000"/>
             </a:lvl4pPr>
-            <a:lvl5pPr marL="1828837" indent="0">
-              <a:buNone/>
-              <a:defRPr sz="1000"/>
+            <a:lvl5pPr marL="2560320" indent="0">
+              <a:buNone/>
+              <a:defRPr sz="1400"/>
             </a:lvl5pPr>
-            <a:lvl6pPr marL="2286046" indent="0">
-              <a:buNone/>
-              <a:defRPr sz="1000"/>
+            <a:lvl6pPr marL="3200400" indent="0">
+              <a:buNone/>
+              <a:defRPr sz="1400"/>
             </a:lvl6pPr>
-            <a:lvl7pPr marL="2743255" indent="0">
-              <a:buNone/>
-              <a:defRPr sz="1000"/>
+            <a:lvl7pPr marL="3840480" indent="0">
+              <a:buNone/>
+              <a:defRPr sz="1400"/>
             </a:lvl7pPr>
-            <a:lvl8pPr marL="3200464" indent="0">
-              <a:buNone/>
-              <a:defRPr sz="1000"/>
+            <a:lvl8pPr marL="4480560" indent="0">
+              <a:buNone/>
+              <a:defRPr sz="1400"/>
             </a:lvl8pPr>
-            <a:lvl9pPr marL="3657673" indent="0">
-              <a:buNone/>
-              <a:defRPr sz="1000"/>
+            <a:lvl9pPr marL="5120640" indent="0">
+              <a:buNone/>
+              <a:defRPr sz="1400"/>
             </a:lvl9pPr>
           </a:lstStyle>
           <a:p>
@@ -5063,7 +5063,7 @@
     </p:spTree>
     <p:extLst>
       <p:ext uri="{BB962C8B-B14F-4D97-AF65-F5344CB8AC3E}">
-        <p14:creationId xmlns:p14="http://schemas.microsoft.com/office/powerpoint/2010/main" val="2002628824"/>
+        <p14:creationId xmlns:p14="http://schemas.microsoft.com/office/powerpoint/2010/main" val="1322907293"/>
       </p:ext>
     </p:extLst>
   </p:cSld>
@@ -5102,8 +5102,8 @@
         </p:nvSpPr>
         <p:spPr>
           <a:xfrm>
-            <a:off x="1177820" y="960120"/>
-            <a:ext cx="10001271" cy="4083386"/>
+            <a:off x="1570425" y="960120"/>
+            <a:ext cx="13335028" cy="4083386"/>
           </a:xfrm>
         </p:spPr>
         <p:txBody>
@@ -5112,7 +5112,7 @@
           </a:bodyPr>
           <a:lstStyle>
             <a:lvl1pPr algn="ctr">
-              <a:defRPr sz="4800"/>
+              <a:defRPr sz="6720"/>
             </a:lvl1pPr>
           </a:lstStyle>
           <a:p>
@@ -5136,8 +5136,8 @@
         </p:nvSpPr>
         <p:spPr>
           <a:xfrm>
-            <a:off x="1627777" y="5054045"/>
-            <a:ext cx="9101354" cy="528875"/>
+            <a:off x="2170370" y="5054045"/>
+            <a:ext cx="12135138" cy="528875"/>
           </a:xfrm>
         </p:spPr>
         <p:txBody>
@@ -5147,7 +5147,7 @@
           <a:lstStyle>
             <a:lvl1pPr marL="0" indent="0" algn="r">
               <a:buNone/>
-              <a:defRPr sz="1400">
+              <a:defRPr sz="1960">
                 <a:solidFill>
                   <a:schemeClr val="tx1">
                     <a:lumMod val="50000"/>
@@ -5156,37 +5156,37 @@
                 </a:solidFill>
               </a:defRPr>
             </a:lvl1pPr>
-            <a:lvl2pPr marL="457209" indent="0">
+            <a:lvl2pPr marL="640080" indent="0">
+              <a:buNone/>
+              <a:defRPr sz="1960"/>
+            </a:lvl2pPr>
+            <a:lvl3pPr marL="1280160" indent="0">
+              <a:buNone/>
+              <a:defRPr sz="1680"/>
+            </a:lvl3pPr>
+            <a:lvl4pPr marL="1920240" indent="0">
               <a:buNone/>
               <a:defRPr sz="1400"/>
-            </a:lvl2pPr>
-            <a:lvl3pPr marL="914418" indent="0">
-              <a:buNone/>
-              <a:defRPr sz="1200"/>
-            </a:lvl3pPr>
-            <a:lvl4pPr marL="1371627" indent="0">
-              <a:buNone/>
-              <a:defRPr sz="1000"/>
             </a:lvl4pPr>
-            <a:lvl5pPr marL="1828837" indent="0">
-              <a:buNone/>
-              <a:defRPr sz="1000"/>
+            <a:lvl5pPr marL="2560320" indent="0">
+              <a:buNone/>
+              <a:defRPr sz="1400"/>
             </a:lvl5pPr>
-            <a:lvl6pPr marL="2286046" indent="0">
-              <a:buNone/>
-              <a:defRPr sz="1000"/>
+            <a:lvl6pPr marL="3200400" indent="0">
+              <a:buNone/>
+              <a:defRPr sz="1400"/>
             </a:lvl6pPr>
-            <a:lvl7pPr marL="2743255" indent="0">
-              <a:buNone/>
-              <a:defRPr sz="1000"/>
+            <a:lvl7pPr marL="3840480" indent="0">
+              <a:buNone/>
+              <a:defRPr sz="1400"/>
             </a:lvl7pPr>
-            <a:lvl8pPr marL="3200464" indent="0">
-              <a:buNone/>
-              <a:defRPr sz="1000"/>
+            <a:lvl8pPr marL="4480560" indent="0">
+              <a:buNone/>
+              <a:defRPr sz="1400"/>
             </a:lvl8pPr>
-            <a:lvl9pPr marL="3657673" indent="0">
-              <a:buNone/>
-              <a:defRPr sz="1000"/>
+            <a:lvl9pPr marL="5120640" indent="0">
+              <a:buNone/>
+              <a:defRPr sz="1400"/>
             </a:lvl9pPr>
           </a:lstStyle>
           <a:p>
@@ -5210,8 +5210,8 @@
         </p:nvSpPr>
         <p:spPr>
           <a:xfrm>
-            <a:off x="720091" y="5748869"/>
-            <a:ext cx="10916726" cy="1775553"/>
+            <a:off x="960121" y="5748868"/>
+            <a:ext cx="14555635" cy="1775553"/>
           </a:xfrm>
         </p:spPr>
         <p:txBody>
@@ -5221,39 +5221,39 @@
           <a:lstStyle>
             <a:lvl1pPr marL="0" indent="0" algn="ctr">
               <a:buNone/>
-              <a:defRPr sz="1800"/>
+              <a:defRPr sz="2520"/>
             </a:lvl1pPr>
-            <a:lvl2pPr marL="457209" indent="0">
+            <a:lvl2pPr marL="640080" indent="0">
+              <a:buNone/>
+              <a:defRPr sz="1960"/>
+            </a:lvl2pPr>
+            <a:lvl3pPr marL="1280160" indent="0">
+              <a:buNone/>
+              <a:defRPr sz="1680"/>
+            </a:lvl3pPr>
+            <a:lvl4pPr marL="1920240" indent="0">
               <a:buNone/>
               <a:defRPr sz="1400"/>
-            </a:lvl2pPr>
-            <a:lvl3pPr marL="914418" indent="0">
-              <a:buNone/>
-              <a:defRPr sz="1200"/>
-            </a:lvl3pPr>
-            <a:lvl4pPr marL="1371627" indent="0">
-              <a:buNone/>
-              <a:defRPr sz="1000"/>
             </a:lvl4pPr>
-            <a:lvl5pPr marL="1828837" indent="0">
-              <a:buNone/>
-              <a:defRPr sz="1000"/>
+            <a:lvl5pPr marL="2560320" indent="0">
+              <a:buNone/>
+              <a:defRPr sz="1400"/>
             </a:lvl5pPr>
-            <a:lvl6pPr marL="2286046" indent="0">
-              <a:buNone/>
-              <a:defRPr sz="1000"/>
+            <a:lvl6pPr marL="3200400" indent="0">
+              <a:buNone/>
+              <a:defRPr sz="1400"/>
             </a:lvl6pPr>
-            <a:lvl7pPr marL="2743255" indent="0">
-              <a:buNone/>
-              <a:defRPr sz="1000"/>
+            <a:lvl7pPr marL="3840480" indent="0">
+              <a:buNone/>
+              <a:defRPr sz="1400"/>
             </a:lvl7pPr>
-            <a:lvl8pPr marL="3200464" indent="0">
-              <a:buNone/>
-              <a:defRPr sz="1000"/>
+            <a:lvl8pPr marL="4480560" indent="0">
+              <a:buNone/>
+              <a:defRPr sz="1400"/>
             </a:lvl8pPr>
-            <a:lvl9pPr marL="3657673" indent="0">
-              <a:buNone/>
-              <a:defRPr sz="1000"/>
+            <a:lvl9pPr marL="5120640" indent="0">
+              <a:buNone/>
+              <a:defRPr sz="1400"/>
             </a:lvl9pPr>
           </a:lstStyle>
           <a:p>
@@ -5338,15 +5338,15 @@
         </p:nvSpPr>
         <p:spPr>
           <a:xfrm>
-            <a:off x="720091" y="1249679"/>
-            <a:ext cx="640080" cy="818686"/>
+            <a:off x="960121" y="1249679"/>
+            <a:ext cx="853440" cy="818686"/>
           </a:xfrm>
           <a:prstGeom prst="rect">
             <a:avLst/>
           </a:prstGeom>
         </p:spPr>
         <p:txBody>
-          <a:bodyPr vert="horz" lIns="91440" tIns="45720" rIns="91440" bIns="45720" rtlCol="0" anchor="ctr">
+          <a:bodyPr vert="horz" lIns="128016" tIns="64008" rIns="128016" bIns="64008" rtlCol="0" anchor="ctr">
             <a:noAutofit/>
           </a:bodyPr>
           <a:lstStyle>
@@ -5435,7 +5435,7 @@
           <a:p>
             <a:pPr lvl="0"/>
             <a:r>
-              <a:rPr lang="en-US" sz="8000" dirty="0">
+              <a:rPr lang="en-US" sz="11200" dirty="0">
                 <a:solidFill>
                   <a:schemeClr val="tx1"/>
                 </a:solidFill>
@@ -5454,15 +5454,15 @@
         </p:nvSpPr>
         <p:spPr>
           <a:xfrm>
-            <a:off x="10996737" y="4091958"/>
-            <a:ext cx="640080" cy="818686"/>
+            <a:off x="14662316" y="4091958"/>
+            <a:ext cx="853440" cy="818686"/>
           </a:xfrm>
           <a:prstGeom prst="rect">
             <a:avLst/>
           </a:prstGeom>
         </p:spPr>
         <p:txBody>
-          <a:bodyPr vert="horz" lIns="91440" tIns="45720" rIns="91440" bIns="45720" rtlCol="0" anchor="ctr">
+          <a:bodyPr vert="horz" lIns="128016" tIns="64008" rIns="128016" bIns="64008" rtlCol="0" anchor="ctr">
             <a:noAutofit/>
           </a:bodyPr>
           <a:lstStyle>
@@ -5551,7 +5551,7 @@
           <a:p>
             <a:pPr lvl="0" algn="r"/>
             <a:r>
-              <a:rPr lang="en-US" sz="8000" dirty="0">
+              <a:rPr lang="en-US" sz="11200" dirty="0">
                 <a:solidFill>
                   <a:schemeClr val="tx1"/>
                 </a:solidFill>
@@ -5565,7 +5565,7 @@
     </p:spTree>
     <p:extLst>
       <p:ext uri="{BB962C8B-B14F-4D97-AF65-F5344CB8AC3E}">
-        <p14:creationId xmlns:p14="http://schemas.microsoft.com/office/powerpoint/2010/main" val="1583149277"/>
+        <p14:creationId xmlns:p14="http://schemas.microsoft.com/office/powerpoint/2010/main" val="1778362129"/>
       </p:ext>
     </p:extLst>
   </p:cSld>
@@ -5604,8 +5604,8 @@
         </p:nvSpPr>
         <p:spPr>
           <a:xfrm>
-            <a:off x="720092" y="2413398"/>
-            <a:ext cx="10914442" cy="3516569"/>
+            <a:off x="960121" y="2413396"/>
+            <a:ext cx="14552590" cy="3516569"/>
           </a:xfrm>
         </p:spPr>
         <p:txBody>
@@ -5614,7 +5614,7 @@
           </a:bodyPr>
           <a:lstStyle>
             <a:lvl1pPr algn="l">
-              <a:defRPr sz="4800"/>
+              <a:defRPr sz="6720"/>
             </a:lvl1pPr>
           </a:lstStyle>
           <a:p>
@@ -5638,8 +5638,8 @@
         </p:nvSpPr>
         <p:spPr>
           <a:xfrm>
-            <a:off x="720092" y="5946455"/>
-            <a:ext cx="10914442" cy="1596902"/>
+            <a:off x="960121" y="5946455"/>
+            <a:ext cx="14552590" cy="1596902"/>
           </a:xfrm>
         </p:spPr>
         <p:txBody>
@@ -5649,39 +5649,39 @@
           <a:lstStyle>
             <a:lvl1pPr marL="0" indent="0" algn="l">
               <a:buNone/>
-              <a:defRPr sz="1800"/>
+              <a:defRPr sz="2520"/>
             </a:lvl1pPr>
-            <a:lvl2pPr marL="457209" indent="0">
+            <a:lvl2pPr marL="640080" indent="0">
+              <a:buNone/>
+              <a:defRPr sz="1960"/>
+            </a:lvl2pPr>
+            <a:lvl3pPr marL="1280160" indent="0">
+              <a:buNone/>
+              <a:defRPr sz="1680"/>
+            </a:lvl3pPr>
+            <a:lvl4pPr marL="1920240" indent="0">
               <a:buNone/>
               <a:defRPr sz="1400"/>
-            </a:lvl2pPr>
-            <a:lvl3pPr marL="914418" indent="0">
-              <a:buNone/>
-              <a:defRPr sz="1200"/>
-            </a:lvl3pPr>
-            <a:lvl4pPr marL="1371627" indent="0">
-              <a:buNone/>
-              <a:defRPr sz="1000"/>
             </a:lvl4pPr>
-            <a:lvl5pPr marL="1828837" indent="0">
-              <a:buNone/>
-              <a:defRPr sz="1000"/>
+            <a:lvl5pPr marL="2560320" indent="0">
+              <a:buNone/>
+              <a:defRPr sz="1400"/>
             </a:lvl5pPr>
-            <a:lvl6pPr marL="2286046" indent="0">
-              <a:buNone/>
-              <a:defRPr sz="1000"/>
+            <a:lvl6pPr marL="3200400" indent="0">
+              <a:buNone/>
+              <a:defRPr sz="1400"/>
             </a:lvl6pPr>
-            <a:lvl7pPr marL="2743255" indent="0">
-              <a:buNone/>
-              <a:defRPr sz="1000"/>
+            <a:lvl7pPr marL="3840480" indent="0">
+              <a:buNone/>
+              <a:defRPr sz="1400"/>
             </a:lvl7pPr>
-            <a:lvl8pPr marL="3200464" indent="0">
-              <a:buNone/>
-              <a:defRPr sz="1000"/>
+            <a:lvl8pPr marL="4480560" indent="0">
+              <a:buNone/>
+              <a:defRPr sz="1400"/>
             </a:lvl8pPr>
-            <a:lvl9pPr marL="3657673" indent="0">
-              <a:buNone/>
-              <a:defRPr sz="1000"/>
+            <a:lvl9pPr marL="5120640" indent="0">
+              <a:buNone/>
+              <a:defRPr sz="1400"/>
             </a:lvl9pPr>
           </a:lstStyle>
           <a:p>
@@ -5761,7 +5761,7 @@
     </p:spTree>
     <p:extLst>
       <p:ext uri="{BB962C8B-B14F-4D97-AF65-F5344CB8AC3E}">
-        <p14:creationId xmlns:p14="http://schemas.microsoft.com/office/powerpoint/2010/main" val="1726333492"/>
+        <p14:creationId xmlns:p14="http://schemas.microsoft.com/office/powerpoint/2010/main" val="984644337"/>
       </p:ext>
     </p:extLst>
   </p:cSld>
@@ -5800,8 +5800,8 @@
         </p:nvSpPr>
         <p:spPr>
           <a:xfrm>
-            <a:off x="720092" y="960122"/>
-            <a:ext cx="10914441" cy="1612751"/>
+            <a:off x="960123" y="960121"/>
+            <a:ext cx="14552588" cy="1612751"/>
           </a:xfrm>
         </p:spPr>
         <p:txBody>
@@ -5832,8 +5832,8 @@
         </p:nvSpPr>
         <p:spPr>
           <a:xfrm>
-            <a:off x="720092" y="2888753"/>
-            <a:ext cx="3475634" cy="806767"/>
+            <a:off x="960123" y="2888753"/>
+            <a:ext cx="4634179" cy="806767"/>
           </a:xfrm>
         </p:spPr>
         <p:txBody>
@@ -5846,43 +5846,43 @@
                 <a:spcPct val="90000"/>
               </a:lnSpc>
               <a:buNone/>
-              <a:defRPr sz="2400" b="0">
+              <a:defRPr sz="3360" b="0">
                 <a:solidFill>
                   <a:schemeClr val="accent1"/>
                 </a:solidFill>
               </a:defRPr>
             </a:lvl1pPr>
-            <a:lvl2pPr marL="457209" indent="0">
-              <a:buNone/>
-              <a:defRPr sz="2000" b="1"/>
+            <a:lvl2pPr marL="640080" indent="0">
+              <a:buNone/>
+              <a:defRPr sz="2800" b="1"/>
             </a:lvl2pPr>
-            <a:lvl3pPr marL="914418" indent="0">
-              <a:buNone/>
-              <a:defRPr sz="1800" b="1"/>
+            <a:lvl3pPr marL="1280160" indent="0">
+              <a:buNone/>
+              <a:defRPr sz="2520" b="1"/>
             </a:lvl3pPr>
-            <a:lvl4pPr marL="1371627" indent="0">
-              <a:buNone/>
-              <a:defRPr sz="1600" b="1"/>
+            <a:lvl4pPr marL="1920240" indent="0">
+              <a:buNone/>
+              <a:defRPr sz="2240" b="1"/>
             </a:lvl4pPr>
-            <a:lvl5pPr marL="1828837" indent="0">
-              <a:buNone/>
-              <a:defRPr sz="1600" b="1"/>
+            <a:lvl5pPr marL="2560320" indent="0">
+              <a:buNone/>
+              <a:defRPr sz="2240" b="1"/>
             </a:lvl5pPr>
-            <a:lvl6pPr marL="2286046" indent="0">
-              <a:buNone/>
-              <a:defRPr sz="1600" b="1"/>
+            <a:lvl6pPr marL="3200400" indent="0">
+              <a:buNone/>
+              <a:defRPr sz="2240" b="1"/>
             </a:lvl6pPr>
-            <a:lvl7pPr marL="2743255" indent="0">
-              <a:buNone/>
-              <a:defRPr sz="1600" b="1"/>
+            <a:lvl7pPr marL="3840480" indent="0">
+              <a:buNone/>
+              <a:defRPr sz="2240" b="1"/>
             </a:lvl7pPr>
-            <a:lvl8pPr marL="3200464" indent="0">
-              <a:buNone/>
-              <a:defRPr sz="1600" b="1"/>
+            <a:lvl8pPr marL="4480560" indent="0">
+              <a:buNone/>
+              <a:defRPr sz="2240" b="1"/>
             </a:lvl8pPr>
-            <a:lvl9pPr marL="3657673" indent="0">
-              <a:buNone/>
-              <a:defRPr sz="1600" b="1"/>
+            <a:lvl9pPr marL="5120640" indent="0">
+              <a:buNone/>
+              <a:defRPr sz="2240" b="1"/>
             </a:lvl9pPr>
           </a:lstStyle>
           <a:p>
@@ -5906,8 +5906,8 @@
         </p:nvSpPr>
         <p:spPr>
           <a:xfrm>
-            <a:off x="720092" y="3695521"/>
-            <a:ext cx="3475634" cy="3828899"/>
+            <a:off x="960123" y="3695521"/>
+            <a:ext cx="4634179" cy="3828899"/>
           </a:xfrm>
         </p:spPr>
         <p:txBody>
@@ -5917,39 +5917,39 @@
           <a:lstStyle>
             <a:lvl1pPr marL="0" indent="0" algn="ctr">
               <a:buNone/>
+              <a:defRPr sz="1960"/>
+            </a:lvl1pPr>
+            <a:lvl2pPr marL="640080" indent="0">
+              <a:buNone/>
+              <a:defRPr sz="1680"/>
+            </a:lvl2pPr>
+            <a:lvl3pPr marL="1280160" indent="0">
+              <a:buNone/>
               <a:defRPr sz="1400"/>
-            </a:lvl1pPr>
-            <a:lvl2pPr marL="457209" indent="0">
-              <a:buNone/>
-              <a:defRPr sz="1200"/>
-            </a:lvl2pPr>
-            <a:lvl3pPr marL="914418" indent="0">
-              <a:buNone/>
-              <a:defRPr sz="1000"/>
             </a:lvl3pPr>
-            <a:lvl4pPr marL="1371627" indent="0">
-              <a:buNone/>
-              <a:defRPr sz="900"/>
+            <a:lvl4pPr marL="1920240" indent="0">
+              <a:buNone/>
+              <a:defRPr sz="1260"/>
             </a:lvl4pPr>
-            <a:lvl5pPr marL="1828837" indent="0">
-              <a:buNone/>
-              <a:defRPr sz="900"/>
+            <a:lvl5pPr marL="2560320" indent="0">
+              <a:buNone/>
+              <a:defRPr sz="1260"/>
             </a:lvl5pPr>
-            <a:lvl6pPr marL="2286046" indent="0">
-              <a:buNone/>
-              <a:defRPr sz="900"/>
+            <a:lvl6pPr marL="3200400" indent="0">
+              <a:buNone/>
+              <a:defRPr sz="1260"/>
             </a:lvl6pPr>
-            <a:lvl7pPr marL="2743255" indent="0">
-              <a:buNone/>
-              <a:defRPr sz="900"/>
+            <a:lvl7pPr marL="3840480" indent="0">
+              <a:buNone/>
+              <a:defRPr sz="1260"/>
             </a:lvl7pPr>
-            <a:lvl8pPr marL="3200464" indent="0">
-              <a:buNone/>
-              <a:defRPr sz="900"/>
+            <a:lvl8pPr marL="4480560" indent="0">
+              <a:buNone/>
+              <a:defRPr sz="1260"/>
             </a:lvl8pPr>
-            <a:lvl9pPr marL="3657673" indent="0">
-              <a:buNone/>
-              <a:defRPr sz="900"/>
+            <a:lvl9pPr marL="5120640" indent="0">
+              <a:buNone/>
+              <a:defRPr sz="1260"/>
             </a:lvl9pPr>
           </a:lstStyle>
           <a:p>
@@ -5973,8 +5973,8 @@
         </p:nvSpPr>
         <p:spPr>
           <a:xfrm>
-            <a:off x="4446353" y="2888753"/>
-            <a:ext cx="3475634" cy="806767"/>
+            <a:off x="5928471" y="2888753"/>
+            <a:ext cx="4634179" cy="806767"/>
           </a:xfrm>
         </p:spPr>
         <p:txBody>
@@ -5987,43 +5987,43 @@
                 <a:spcPct val="90000"/>
               </a:lnSpc>
               <a:buNone/>
-              <a:defRPr sz="2400" b="0">
+              <a:defRPr sz="3360" b="0">
                 <a:solidFill>
                   <a:schemeClr val="accent1"/>
                 </a:solidFill>
               </a:defRPr>
             </a:lvl1pPr>
-            <a:lvl2pPr marL="457209" indent="0">
-              <a:buNone/>
-              <a:defRPr sz="2000" b="1"/>
+            <a:lvl2pPr marL="640080" indent="0">
+              <a:buNone/>
+              <a:defRPr sz="2800" b="1"/>
             </a:lvl2pPr>
-            <a:lvl3pPr marL="914418" indent="0">
-              <a:buNone/>
-              <a:defRPr sz="1800" b="1"/>
+            <a:lvl3pPr marL="1280160" indent="0">
+              <a:buNone/>
+              <a:defRPr sz="2520" b="1"/>
             </a:lvl3pPr>
-            <a:lvl4pPr marL="1371627" indent="0">
-              <a:buNone/>
-              <a:defRPr sz="1600" b="1"/>
+            <a:lvl4pPr marL="1920240" indent="0">
+              <a:buNone/>
+              <a:defRPr sz="2240" b="1"/>
             </a:lvl4pPr>
-            <a:lvl5pPr marL="1828837" indent="0">
-              <a:buNone/>
-              <a:defRPr sz="1600" b="1"/>
+            <a:lvl5pPr marL="2560320" indent="0">
+              <a:buNone/>
+              <a:defRPr sz="2240" b="1"/>
             </a:lvl5pPr>
-            <a:lvl6pPr marL="2286046" indent="0">
-              <a:buNone/>
-              <a:defRPr sz="1600" b="1"/>
+            <a:lvl6pPr marL="3200400" indent="0">
+              <a:buNone/>
+              <a:defRPr sz="2240" b="1"/>
             </a:lvl6pPr>
-            <a:lvl7pPr marL="2743255" indent="0">
-              <a:buNone/>
-              <a:defRPr sz="1600" b="1"/>
+            <a:lvl7pPr marL="3840480" indent="0">
+              <a:buNone/>
+              <a:defRPr sz="2240" b="1"/>
             </a:lvl7pPr>
-            <a:lvl8pPr marL="3200464" indent="0">
-              <a:buNone/>
-              <a:defRPr sz="1600" b="1"/>
+            <a:lvl8pPr marL="4480560" indent="0">
+              <a:buNone/>
+              <a:defRPr sz="2240" b="1"/>
             </a:lvl8pPr>
-            <a:lvl9pPr marL="3657673" indent="0">
-              <a:buNone/>
-              <a:defRPr sz="1600" b="1"/>
+            <a:lvl9pPr marL="5120640" indent="0">
+              <a:buNone/>
+              <a:defRPr sz="2240" b="1"/>
             </a:lvl9pPr>
           </a:lstStyle>
           <a:p>
@@ -6047,8 +6047,8 @@
         </p:nvSpPr>
         <p:spPr>
           <a:xfrm>
-            <a:off x="4446352" y="3695521"/>
-            <a:ext cx="3475634" cy="3828899"/>
+            <a:off x="5928470" y="3695521"/>
+            <a:ext cx="4634179" cy="3828899"/>
           </a:xfrm>
         </p:spPr>
         <p:txBody>
@@ -6058,39 +6058,39 @@
           <a:lstStyle>
             <a:lvl1pPr marL="0" indent="0" algn="ctr">
               <a:buNone/>
+              <a:defRPr sz="1960"/>
+            </a:lvl1pPr>
+            <a:lvl2pPr marL="640080" indent="0">
+              <a:buNone/>
+              <a:defRPr sz="1680"/>
+            </a:lvl2pPr>
+            <a:lvl3pPr marL="1280160" indent="0">
+              <a:buNone/>
               <a:defRPr sz="1400"/>
-            </a:lvl1pPr>
-            <a:lvl2pPr marL="457209" indent="0">
-              <a:buNone/>
-              <a:defRPr sz="1200"/>
-            </a:lvl2pPr>
-            <a:lvl3pPr marL="914418" indent="0">
-              <a:buNone/>
-              <a:defRPr sz="1000"/>
             </a:lvl3pPr>
-            <a:lvl4pPr marL="1371627" indent="0">
-              <a:buNone/>
-              <a:defRPr sz="900"/>
+            <a:lvl4pPr marL="1920240" indent="0">
+              <a:buNone/>
+              <a:defRPr sz="1260"/>
             </a:lvl4pPr>
-            <a:lvl5pPr marL="1828837" indent="0">
-              <a:buNone/>
-              <a:defRPr sz="900"/>
+            <a:lvl5pPr marL="2560320" indent="0">
+              <a:buNone/>
+              <a:defRPr sz="1260"/>
             </a:lvl5pPr>
-            <a:lvl6pPr marL="2286046" indent="0">
-              <a:buNone/>
-              <a:defRPr sz="900"/>
+            <a:lvl6pPr marL="3200400" indent="0">
+              <a:buNone/>
+              <a:defRPr sz="1260"/>
             </a:lvl6pPr>
-            <a:lvl7pPr marL="2743255" indent="0">
-              <a:buNone/>
-              <a:defRPr sz="900"/>
+            <a:lvl7pPr marL="3840480" indent="0">
+              <a:buNone/>
+              <a:defRPr sz="1260"/>
             </a:lvl7pPr>
-            <a:lvl8pPr marL="3200464" indent="0">
-              <a:buNone/>
-              <a:defRPr sz="900"/>
+            <a:lvl8pPr marL="4480560" indent="0">
+              <a:buNone/>
+              <a:defRPr sz="1260"/>
             </a:lvl8pPr>
-            <a:lvl9pPr marL="3657673" indent="0">
-              <a:buNone/>
-              <a:defRPr sz="900"/>
+            <a:lvl9pPr marL="5120640" indent="0">
+              <a:buNone/>
+              <a:defRPr sz="1260"/>
             </a:lvl9pPr>
           </a:lstStyle>
           <a:p>
@@ -6114,8 +6114,8 @@
         </p:nvSpPr>
         <p:spPr>
           <a:xfrm>
-            <a:off x="8158899" y="2888753"/>
-            <a:ext cx="3475634" cy="806767"/>
+            <a:off x="10878532" y="2888753"/>
+            <a:ext cx="4634179" cy="806767"/>
           </a:xfrm>
         </p:spPr>
         <p:txBody>
@@ -6128,43 +6128,43 @@
                 <a:spcPct val="90000"/>
               </a:lnSpc>
               <a:buNone/>
-              <a:defRPr sz="2400" b="0">
+              <a:defRPr sz="3360" b="0">
                 <a:solidFill>
                   <a:schemeClr val="accent1"/>
                 </a:solidFill>
               </a:defRPr>
             </a:lvl1pPr>
-            <a:lvl2pPr marL="457209" indent="0">
-              <a:buNone/>
-              <a:defRPr sz="2000" b="1"/>
+            <a:lvl2pPr marL="640080" indent="0">
+              <a:buNone/>
+              <a:defRPr sz="2800" b="1"/>
             </a:lvl2pPr>
-            <a:lvl3pPr marL="914418" indent="0">
-              <a:buNone/>
-              <a:defRPr sz="1800" b="1"/>
+            <a:lvl3pPr marL="1280160" indent="0">
+              <a:buNone/>
+              <a:defRPr sz="2520" b="1"/>
             </a:lvl3pPr>
-            <a:lvl4pPr marL="1371627" indent="0">
-              <a:buNone/>
-              <a:defRPr sz="1600" b="1"/>
+            <a:lvl4pPr marL="1920240" indent="0">
+              <a:buNone/>
+              <a:defRPr sz="2240" b="1"/>
             </a:lvl4pPr>
-            <a:lvl5pPr marL="1828837" indent="0">
-              <a:buNone/>
-              <a:defRPr sz="1600" b="1"/>
+            <a:lvl5pPr marL="2560320" indent="0">
+              <a:buNone/>
+              <a:defRPr sz="2240" b="1"/>
             </a:lvl5pPr>
-            <a:lvl6pPr marL="2286046" indent="0">
-              <a:buNone/>
-              <a:defRPr sz="1600" b="1"/>
+            <a:lvl6pPr marL="3200400" indent="0">
+              <a:buNone/>
+              <a:defRPr sz="2240" b="1"/>
             </a:lvl6pPr>
-            <a:lvl7pPr marL="2743255" indent="0">
-              <a:buNone/>
-              <a:defRPr sz="1600" b="1"/>
+            <a:lvl7pPr marL="3840480" indent="0">
+              <a:buNone/>
+              <a:defRPr sz="2240" b="1"/>
             </a:lvl7pPr>
-            <a:lvl8pPr marL="3200464" indent="0">
-              <a:buNone/>
-              <a:defRPr sz="1600" b="1"/>
+            <a:lvl8pPr marL="4480560" indent="0">
+              <a:buNone/>
+              <a:defRPr sz="2240" b="1"/>
             </a:lvl8pPr>
-            <a:lvl9pPr marL="3657673" indent="0">
-              <a:buNone/>
-              <a:defRPr sz="1600" b="1"/>
+            <a:lvl9pPr marL="5120640" indent="0">
+              <a:buNone/>
+              <a:defRPr sz="2240" b="1"/>
             </a:lvl9pPr>
           </a:lstStyle>
           <a:p>
@@ -6188,8 +6188,8 @@
         </p:nvSpPr>
         <p:spPr>
           <a:xfrm>
-            <a:off x="8158899" y="3695521"/>
-            <a:ext cx="3475634" cy="3828899"/>
+            <a:off x="10878532" y="3695521"/>
+            <a:ext cx="4634179" cy="3828899"/>
           </a:xfrm>
         </p:spPr>
         <p:txBody>
@@ -6199,39 +6199,39 @@
           <a:lstStyle>
             <a:lvl1pPr marL="0" indent="0" algn="ctr">
               <a:buNone/>
+              <a:defRPr sz="1960"/>
+            </a:lvl1pPr>
+            <a:lvl2pPr marL="640080" indent="0">
+              <a:buNone/>
+              <a:defRPr sz="1680"/>
+            </a:lvl2pPr>
+            <a:lvl3pPr marL="1280160" indent="0">
+              <a:buNone/>
               <a:defRPr sz="1400"/>
-            </a:lvl1pPr>
-            <a:lvl2pPr marL="457209" indent="0">
-              <a:buNone/>
-              <a:defRPr sz="1200"/>
-            </a:lvl2pPr>
-            <a:lvl3pPr marL="914418" indent="0">
-              <a:buNone/>
-              <a:defRPr sz="1000"/>
             </a:lvl3pPr>
-            <a:lvl4pPr marL="1371627" indent="0">
-              <a:buNone/>
-              <a:defRPr sz="900"/>
+            <a:lvl4pPr marL="1920240" indent="0">
+              <a:buNone/>
+              <a:defRPr sz="1260"/>
             </a:lvl4pPr>
-            <a:lvl5pPr marL="1828837" indent="0">
-              <a:buNone/>
-              <a:defRPr sz="900"/>
+            <a:lvl5pPr marL="2560320" indent="0">
+              <a:buNone/>
+              <a:defRPr sz="1260"/>
             </a:lvl5pPr>
-            <a:lvl6pPr marL="2286046" indent="0">
-              <a:buNone/>
-              <a:defRPr sz="900"/>
+            <a:lvl6pPr marL="3200400" indent="0">
+              <a:buNone/>
+              <a:defRPr sz="1260"/>
             </a:lvl6pPr>
-            <a:lvl7pPr marL="2743255" indent="0">
-              <a:buNone/>
-              <a:defRPr sz="900"/>
+            <a:lvl7pPr marL="3840480" indent="0">
+              <a:buNone/>
+              <a:defRPr sz="1260"/>
             </a:lvl7pPr>
-            <a:lvl8pPr marL="3200464" indent="0">
-              <a:buNone/>
-              <a:defRPr sz="900"/>
+            <a:lvl8pPr marL="4480560" indent="0">
+              <a:buNone/>
+              <a:defRPr sz="1260"/>
             </a:lvl8pPr>
-            <a:lvl9pPr marL="3657673" indent="0">
-              <a:buNone/>
-              <a:defRPr sz="900"/>
+            <a:lvl9pPr marL="5120640" indent="0">
+              <a:buNone/>
+              <a:defRPr sz="1260"/>
             </a:lvl9pPr>
           </a:lstStyle>
           <a:p>
@@ -6311,7 +6311,7 @@
     </p:spTree>
     <p:extLst>
       <p:ext uri="{BB962C8B-B14F-4D97-AF65-F5344CB8AC3E}">
-        <p14:creationId xmlns:p14="http://schemas.microsoft.com/office/powerpoint/2010/main" val="944122928"/>
+        <p14:creationId xmlns:p14="http://schemas.microsoft.com/office/powerpoint/2010/main" val="2489081633"/>
       </p:ext>
     </p:extLst>
   </p:cSld>
@@ -6350,8 +6350,8 @@
         </p:nvSpPr>
         <p:spPr>
           <a:xfrm>
-            <a:off x="720091" y="960122"/>
-            <a:ext cx="10916726" cy="1612751"/>
+            <a:off x="960121" y="960121"/>
+            <a:ext cx="14555635" cy="1612751"/>
           </a:xfrm>
         </p:spPr>
         <p:txBody>
@@ -6382,8 +6382,8 @@
         </p:nvSpPr>
         <p:spPr>
           <a:xfrm>
-            <a:off x="726432" y="5338235"/>
-            <a:ext cx="3475634" cy="806767"/>
+            <a:off x="968576" y="5338235"/>
+            <a:ext cx="4634179" cy="806767"/>
           </a:xfrm>
         </p:spPr>
         <p:txBody>
@@ -6396,43 +6396,43 @@
                 <a:spcPct val="90000"/>
               </a:lnSpc>
               <a:buNone/>
-              <a:defRPr sz="2200" b="0">
+              <a:defRPr sz="3080" b="0">
                 <a:solidFill>
                   <a:schemeClr val="accent1"/>
                 </a:solidFill>
               </a:defRPr>
             </a:lvl1pPr>
-            <a:lvl2pPr marL="457209" indent="0">
-              <a:buNone/>
-              <a:defRPr sz="2000" b="1"/>
+            <a:lvl2pPr marL="640080" indent="0">
+              <a:buNone/>
+              <a:defRPr sz="2800" b="1"/>
             </a:lvl2pPr>
-            <a:lvl3pPr marL="914418" indent="0">
-              <a:buNone/>
-              <a:defRPr sz="1800" b="1"/>
+            <a:lvl3pPr marL="1280160" indent="0">
+              <a:buNone/>
+              <a:defRPr sz="2520" b="1"/>
             </a:lvl3pPr>
-            <a:lvl4pPr marL="1371627" indent="0">
-              <a:buNone/>
-              <a:defRPr sz="1600" b="1"/>
+            <a:lvl4pPr marL="1920240" indent="0">
+              <a:buNone/>
+              <a:defRPr sz="2240" b="1"/>
             </a:lvl4pPr>
-            <a:lvl5pPr marL="1828837" indent="0">
-              <a:buNone/>
-              <a:defRPr sz="1600" b="1"/>
+            <a:lvl5pPr marL="2560320" indent="0">
+              <a:buNone/>
+              <a:defRPr sz="2240" b="1"/>
             </a:lvl5pPr>
-            <a:lvl6pPr marL="2286046" indent="0">
-              <a:buNone/>
-              <a:defRPr sz="1600" b="1"/>
+            <a:lvl6pPr marL="3200400" indent="0">
+              <a:buNone/>
+              <a:defRPr sz="2240" b="1"/>
             </a:lvl6pPr>
-            <a:lvl7pPr marL="2743255" indent="0">
-              <a:buNone/>
-              <a:defRPr sz="1600" b="1"/>
+            <a:lvl7pPr marL="3840480" indent="0">
+              <a:buNone/>
+              <a:defRPr sz="2240" b="1"/>
             </a:lvl7pPr>
-            <a:lvl8pPr marL="3200464" indent="0">
-              <a:buNone/>
-              <a:defRPr sz="1600" b="1"/>
+            <a:lvl8pPr marL="4480560" indent="0">
+              <a:buNone/>
+              <a:defRPr sz="2240" b="1"/>
             </a:lvl8pPr>
-            <a:lvl9pPr marL="3657673" indent="0">
-              <a:buNone/>
-              <a:defRPr sz="1600" b="1"/>
+            <a:lvl9pPr marL="5120640" indent="0">
+              <a:buNone/>
+              <a:defRPr sz="2240" b="1"/>
             </a:lvl9pPr>
           </a:lstStyle>
           <a:p>
@@ -6456,8 +6456,8 @@
         </p:nvSpPr>
         <p:spPr>
           <a:xfrm>
-            <a:off x="720069" y="2888755"/>
-            <a:ext cx="3475634" cy="2151415"/>
+            <a:off x="960092" y="2888754"/>
+            <a:ext cx="4634179" cy="2151415"/>
           </a:xfrm>
           <a:prstGeom prst="roundRect">
             <a:avLst>
@@ -6480,39 +6480,39 @@
           <a:lstStyle>
             <a:lvl1pPr marL="0" indent="0" algn="ctr">
               <a:buNone/>
-              <a:defRPr sz="1600"/>
+              <a:defRPr sz="2240"/>
             </a:lvl1pPr>
-            <a:lvl2pPr marL="457209" indent="0">
-              <a:buNone/>
-              <a:defRPr sz="1600"/>
+            <a:lvl2pPr marL="640080" indent="0">
+              <a:buNone/>
+              <a:defRPr sz="2240"/>
             </a:lvl2pPr>
-            <a:lvl3pPr marL="914418" indent="0">
-              <a:buNone/>
-              <a:defRPr sz="1600"/>
+            <a:lvl3pPr marL="1280160" indent="0">
+              <a:buNone/>
+              <a:defRPr sz="2240"/>
             </a:lvl3pPr>
-            <a:lvl4pPr marL="1371627" indent="0">
-              <a:buNone/>
-              <a:defRPr sz="1600"/>
+            <a:lvl4pPr marL="1920240" indent="0">
+              <a:buNone/>
+              <a:defRPr sz="2240"/>
             </a:lvl4pPr>
-            <a:lvl5pPr marL="1828837" indent="0">
-              <a:buNone/>
-              <a:defRPr sz="1600"/>
+            <a:lvl5pPr marL="2560320" indent="0">
+              <a:buNone/>
+              <a:defRPr sz="2240"/>
             </a:lvl5pPr>
-            <a:lvl6pPr marL="2286046" indent="0">
-              <a:buNone/>
-              <a:defRPr sz="1600"/>
+            <a:lvl6pPr marL="3200400" indent="0">
+              <a:buNone/>
+              <a:defRPr sz="2240"/>
             </a:lvl6pPr>
-            <a:lvl7pPr marL="2743255" indent="0">
-              <a:buNone/>
-              <a:defRPr sz="1600"/>
+            <a:lvl7pPr marL="3840480" indent="0">
+              <a:buNone/>
+              <a:defRPr sz="2240"/>
             </a:lvl7pPr>
-            <a:lvl8pPr marL="3200464" indent="0">
-              <a:buNone/>
-              <a:defRPr sz="1600"/>
+            <a:lvl8pPr marL="4480560" indent="0">
+              <a:buNone/>
+              <a:defRPr sz="2240"/>
             </a:lvl8pPr>
-            <a:lvl9pPr marL="3657673" indent="0">
-              <a:buNone/>
-              <a:defRPr sz="1600"/>
+            <a:lvl9pPr marL="5120640" indent="0">
+              <a:buNone/>
+              <a:defRPr sz="2240"/>
             </a:lvl9pPr>
           </a:lstStyle>
           <a:p>
@@ -6536,8 +6536,8 @@
         </p:nvSpPr>
         <p:spPr>
           <a:xfrm>
-            <a:off x="726432" y="6145004"/>
-            <a:ext cx="3475634" cy="1379419"/>
+            <a:off x="968576" y="6145002"/>
+            <a:ext cx="4634179" cy="1379419"/>
           </a:xfrm>
         </p:spPr>
         <p:txBody>
@@ -6547,39 +6547,39 @@
           <a:lstStyle>
             <a:lvl1pPr marL="0" indent="0" algn="ctr">
               <a:buNone/>
+              <a:defRPr sz="1960"/>
+            </a:lvl1pPr>
+            <a:lvl2pPr marL="640080" indent="0">
+              <a:buNone/>
+              <a:defRPr sz="1680"/>
+            </a:lvl2pPr>
+            <a:lvl3pPr marL="1280160" indent="0">
+              <a:buNone/>
               <a:defRPr sz="1400"/>
-            </a:lvl1pPr>
-            <a:lvl2pPr marL="457209" indent="0">
-              <a:buNone/>
-              <a:defRPr sz="1200"/>
-            </a:lvl2pPr>
-            <a:lvl3pPr marL="914418" indent="0">
-              <a:buNone/>
-              <a:defRPr sz="1000"/>
             </a:lvl3pPr>
-            <a:lvl4pPr marL="1371627" indent="0">
-              <a:buNone/>
-              <a:defRPr sz="900"/>
+            <a:lvl4pPr marL="1920240" indent="0">
+              <a:buNone/>
+              <a:defRPr sz="1260"/>
             </a:lvl4pPr>
-            <a:lvl5pPr marL="1828837" indent="0">
-              <a:buNone/>
-              <a:defRPr sz="900"/>
+            <a:lvl5pPr marL="2560320" indent="0">
+              <a:buNone/>
+              <a:defRPr sz="1260"/>
             </a:lvl5pPr>
-            <a:lvl6pPr marL="2286046" indent="0">
-              <a:buNone/>
-              <a:defRPr sz="900"/>
+            <a:lvl6pPr marL="3200400" indent="0">
+              <a:buNone/>
+              <a:defRPr sz="1260"/>
             </a:lvl6pPr>
-            <a:lvl7pPr marL="2743255" indent="0">
-              <a:buNone/>
-              <a:defRPr sz="900"/>
+            <a:lvl7pPr marL="3840480" indent="0">
+              <a:buNone/>
+              <a:defRPr sz="1260"/>
             </a:lvl7pPr>
-            <a:lvl8pPr marL="3200464" indent="0">
-              <a:buNone/>
-              <a:defRPr sz="900"/>
+            <a:lvl8pPr marL="4480560" indent="0">
+              <a:buNone/>
+              <a:defRPr sz="1260"/>
             </a:lvl8pPr>
-            <a:lvl9pPr marL="3657673" indent="0">
-              <a:buNone/>
-              <a:defRPr sz="900"/>
+            <a:lvl9pPr marL="5120640" indent="0">
+              <a:buNone/>
+              <a:defRPr sz="1260"/>
             </a:lvl9pPr>
           </a:lstStyle>
           <a:p>
@@ -6603,8 +6603,8 @@
         </p:nvSpPr>
         <p:spPr>
           <a:xfrm>
-            <a:off x="4449281" y="5338235"/>
-            <a:ext cx="3475634" cy="806767"/>
+            <a:off x="5932374" y="5338235"/>
+            <a:ext cx="4634179" cy="806767"/>
           </a:xfrm>
         </p:spPr>
         <p:txBody>
@@ -6617,43 +6617,43 @@
                 <a:spcPct val="90000"/>
               </a:lnSpc>
               <a:buNone/>
-              <a:defRPr sz="2200" b="0">
+              <a:defRPr sz="3080" b="0">
                 <a:solidFill>
                   <a:schemeClr val="accent1"/>
                 </a:solidFill>
               </a:defRPr>
             </a:lvl1pPr>
-            <a:lvl2pPr marL="457209" indent="0">
-              <a:buNone/>
-              <a:defRPr sz="2000" b="1"/>
+            <a:lvl2pPr marL="640080" indent="0">
+              <a:buNone/>
+              <a:defRPr sz="2800" b="1"/>
             </a:lvl2pPr>
-            <a:lvl3pPr marL="914418" indent="0">
-              <a:buNone/>
-              <a:defRPr sz="1800" b="1"/>
+            <a:lvl3pPr marL="1280160" indent="0">
+              <a:buNone/>
+              <a:defRPr sz="2520" b="1"/>
             </a:lvl3pPr>
-            <a:lvl4pPr marL="1371627" indent="0">
-              <a:buNone/>
-              <a:defRPr sz="1600" b="1"/>
+            <a:lvl4pPr marL="1920240" indent="0">
+              <a:buNone/>
+              <a:defRPr sz="2240" b="1"/>
             </a:lvl4pPr>
-            <a:lvl5pPr marL="1828837" indent="0">
-              <a:buNone/>
-              <a:defRPr sz="1600" b="1"/>
+            <a:lvl5pPr marL="2560320" indent="0">
+              <a:buNone/>
+              <a:defRPr sz="2240" b="1"/>
             </a:lvl5pPr>
-            <a:lvl6pPr marL="2286046" indent="0">
-              <a:buNone/>
-              <a:defRPr sz="1600" b="1"/>
+            <a:lvl6pPr marL="3200400" indent="0">
+              <a:buNone/>
+              <a:defRPr sz="2240" b="1"/>
             </a:lvl6pPr>
-            <a:lvl7pPr marL="2743255" indent="0">
-              <a:buNone/>
-              <a:defRPr sz="1600" b="1"/>
+            <a:lvl7pPr marL="3840480" indent="0">
+              <a:buNone/>
+              <a:defRPr sz="2240" b="1"/>
             </a:lvl7pPr>
-            <a:lvl8pPr marL="3200464" indent="0">
-              <a:buNone/>
-              <a:defRPr sz="1600" b="1"/>
+            <a:lvl8pPr marL="4480560" indent="0">
+              <a:buNone/>
+              <a:defRPr sz="2240" b="1"/>
             </a:lvl8pPr>
-            <a:lvl9pPr marL="3657673" indent="0">
-              <a:buNone/>
-              <a:defRPr sz="1600" b="1"/>
+            <a:lvl9pPr marL="5120640" indent="0">
+              <a:buNone/>
+              <a:defRPr sz="2240" b="1"/>
             </a:lvl9pPr>
           </a:lstStyle>
           <a:p>
@@ -6677,8 +6677,8 @@
         </p:nvSpPr>
         <p:spPr>
           <a:xfrm>
-            <a:off x="4447799" y="2888755"/>
-            <a:ext cx="3475634" cy="2149332"/>
+            <a:off x="5930399" y="2888754"/>
+            <a:ext cx="4634179" cy="2149332"/>
           </a:xfrm>
           <a:prstGeom prst="roundRect">
             <a:avLst>
@@ -6701,39 +6701,39 @@
           <a:lstStyle>
             <a:lvl1pPr marL="0" indent="0" algn="ctr">
               <a:buNone/>
-              <a:defRPr sz="1600"/>
+              <a:defRPr sz="2240"/>
             </a:lvl1pPr>
-            <a:lvl2pPr marL="457209" indent="0">
-              <a:buNone/>
-              <a:defRPr sz="1600"/>
+            <a:lvl2pPr marL="640080" indent="0">
+              <a:buNone/>
+              <a:defRPr sz="2240"/>
             </a:lvl2pPr>
-            <a:lvl3pPr marL="914418" indent="0">
-              <a:buNone/>
-              <a:defRPr sz="1600"/>
+            <a:lvl3pPr marL="1280160" indent="0">
+              <a:buNone/>
+              <a:defRPr sz="2240"/>
             </a:lvl3pPr>
-            <a:lvl4pPr marL="1371627" indent="0">
-              <a:buNone/>
-              <a:defRPr sz="1600"/>
+            <a:lvl4pPr marL="1920240" indent="0">
+              <a:buNone/>
+              <a:defRPr sz="2240"/>
             </a:lvl4pPr>
-            <a:lvl5pPr marL="1828837" indent="0">
-              <a:buNone/>
-              <a:defRPr sz="1600"/>
+            <a:lvl5pPr marL="2560320" indent="0">
+              <a:buNone/>
+              <a:defRPr sz="2240"/>
             </a:lvl5pPr>
-            <a:lvl6pPr marL="2286046" indent="0">
-              <a:buNone/>
-              <a:defRPr sz="1600"/>
+            <a:lvl6pPr marL="3200400" indent="0">
+              <a:buNone/>
+              <a:defRPr sz="2240"/>
             </a:lvl6pPr>
-            <a:lvl7pPr marL="2743255" indent="0">
-              <a:buNone/>
-              <a:defRPr sz="1600"/>
+            <a:lvl7pPr marL="3840480" indent="0">
+              <a:buNone/>
+              <a:defRPr sz="2240"/>
             </a:lvl7pPr>
-            <a:lvl8pPr marL="3200464" indent="0">
-              <a:buNone/>
-              <a:defRPr sz="1600"/>
+            <a:lvl8pPr marL="4480560" indent="0">
+              <a:buNone/>
+              <a:defRPr sz="2240"/>
             </a:lvl8pPr>
-            <a:lvl9pPr marL="3657673" indent="0">
-              <a:buNone/>
-              <a:defRPr sz="1600"/>
+            <a:lvl9pPr marL="5120640" indent="0">
+              <a:buNone/>
+              <a:defRPr sz="2240"/>
             </a:lvl9pPr>
           </a:lstStyle>
           <a:p>
@@ -6757,8 +6757,8 @@
         </p:nvSpPr>
         <p:spPr>
           <a:xfrm>
-            <a:off x="4447799" y="6145000"/>
-            <a:ext cx="3475634" cy="1379420"/>
+            <a:off x="5930399" y="6145000"/>
+            <a:ext cx="4634179" cy="1379420"/>
           </a:xfrm>
         </p:spPr>
         <p:txBody>
@@ -6768,39 +6768,39 @@
           <a:lstStyle>
             <a:lvl1pPr marL="0" indent="0" algn="ctr">
               <a:buNone/>
+              <a:defRPr sz="1960"/>
+            </a:lvl1pPr>
+            <a:lvl2pPr marL="640080" indent="0">
+              <a:buNone/>
+              <a:defRPr sz="1680"/>
+            </a:lvl2pPr>
+            <a:lvl3pPr marL="1280160" indent="0">
+              <a:buNone/>
               <a:defRPr sz="1400"/>
-            </a:lvl1pPr>
-            <a:lvl2pPr marL="457209" indent="0">
-              <a:buNone/>
-              <a:defRPr sz="1200"/>
-            </a:lvl2pPr>
-            <a:lvl3pPr marL="914418" indent="0">
-              <a:buNone/>
-              <a:defRPr sz="1000"/>
             </a:lvl3pPr>
-            <a:lvl4pPr marL="1371627" indent="0">
-              <a:buNone/>
-              <a:defRPr sz="900"/>
+            <a:lvl4pPr marL="1920240" indent="0">
+              <a:buNone/>
+              <a:defRPr sz="1260"/>
             </a:lvl4pPr>
-            <a:lvl5pPr marL="1828837" indent="0">
-              <a:buNone/>
-              <a:defRPr sz="900"/>
+            <a:lvl5pPr marL="2560320" indent="0">
+              <a:buNone/>
+              <a:defRPr sz="1260"/>
             </a:lvl5pPr>
-            <a:lvl6pPr marL="2286046" indent="0">
-              <a:buNone/>
-              <a:defRPr sz="900"/>
+            <a:lvl6pPr marL="3200400" indent="0">
+              <a:buNone/>
+              <a:defRPr sz="1260"/>
             </a:lvl6pPr>
-            <a:lvl7pPr marL="2743255" indent="0">
-              <a:buNone/>
-              <a:defRPr sz="900"/>
+            <a:lvl7pPr marL="3840480" indent="0">
+              <a:buNone/>
+              <a:defRPr sz="1260"/>
             </a:lvl7pPr>
-            <a:lvl8pPr marL="3200464" indent="0">
-              <a:buNone/>
-              <a:defRPr sz="900"/>
+            <a:lvl8pPr marL="4480560" indent="0">
+              <a:buNone/>
+              <a:defRPr sz="1260"/>
             </a:lvl8pPr>
-            <a:lvl9pPr marL="3657673" indent="0">
-              <a:buNone/>
-              <a:defRPr sz="900"/>
+            <a:lvl9pPr marL="5120640" indent="0">
+              <a:buNone/>
+              <a:defRPr sz="1260"/>
             </a:lvl9pPr>
           </a:lstStyle>
           <a:p>
@@ -6824,8 +6824,8 @@
         </p:nvSpPr>
         <p:spPr>
           <a:xfrm>
-            <a:off x="8157391" y="5338235"/>
-            <a:ext cx="3475634" cy="806767"/>
+            <a:off x="10876522" y="5338235"/>
+            <a:ext cx="4634179" cy="806767"/>
           </a:xfrm>
         </p:spPr>
         <p:txBody>
@@ -6838,43 +6838,43 @@
                 <a:spcPct val="90000"/>
               </a:lnSpc>
               <a:buNone/>
-              <a:defRPr sz="2200" b="0">
+              <a:defRPr sz="3080" b="0">
                 <a:solidFill>
                   <a:schemeClr val="accent1"/>
                 </a:solidFill>
               </a:defRPr>
             </a:lvl1pPr>
-            <a:lvl2pPr marL="457209" indent="0">
-              <a:buNone/>
-              <a:defRPr sz="2000" b="1"/>
+            <a:lvl2pPr marL="640080" indent="0">
+              <a:buNone/>
+              <a:defRPr sz="2800" b="1"/>
             </a:lvl2pPr>
-            <a:lvl3pPr marL="914418" indent="0">
-              <a:buNone/>
-              <a:defRPr sz="1800" b="1"/>
+            <a:lvl3pPr marL="1280160" indent="0">
+              <a:buNone/>
+              <a:defRPr sz="2520" b="1"/>
             </a:lvl3pPr>
-            <a:lvl4pPr marL="1371627" indent="0">
-              <a:buNone/>
-              <a:defRPr sz="1600" b="1"/>
+            <a:lvl4pPr marL="1920240" indent="0">
+              <a:buNone/>
+              <a:defRPr sz="2240" b="1"/>
             </a:lvl4pPr>
-            <a:lvl5pPr marL="1828837" indent="0">
-              <a:buNone/>
-              <a:defRPr sz="1600" b="1"/>
+            <a:lvl5pPr marL="2560320" indent="0">
+              <a:buNone/>
+              <a:defRPr sz="2240" b="1"/>
             </a:lvl5pPr>
-            <a:lvl6pPr marL="2286046" indent="0">
-              <a:buNone/>
-              <a:defRPr sz="1600" b="1"/>
+            <a:lvl6pPr marL="3200400" indent="0">
+              <a:buNone/>
+              <a:defRPr sz="2240" b="1"/>
             </a:lvl6pPr>
-            <a:lvl7pPr marL="2743255" indent="0">
-              <a:buNone/>
-              <a:defRPr sz="1600" b="1"/>
+            <a:lvl7pPr marL="3840480" indent="0">
+              <a:buNone/>
+              <a:defRPr sz="2240" b="1"/>
             </a:lvl7pPr>
-            <a:lvl8pPr marL="3200464" indent="0">
-              <a:buNone/>
-              <a:defRPr sz="1600" b="1"/>
+            <a:lvl8pPr marL="4480560" indent="0">
+              <a:buNone/>
+              <a:defRPr sz="2240" b="1"/>
             </a:lvl8pPr>
-            <a:lvl9pPr marL="3657673" indent="0">
-              <a:buNone/>
-              <a:defRPr sz="1600" b="1"/>
+            <a:lvl9pPr marL="5120640" indent="0">
+              <a:buNone/>
+              <a:defRPr sz="2240" b="1"/>
             </a:lvl9pPr>
           </a:lstStyle>
           <a:p>
@@ -6898,8 +6898,8 @@
         </p:nvSpPr>
         <p:spPr>
           <a:xfrm>
-            <a:off x="8157260" y="2888752"/>
-            <a:ext cx="3475634" cy="2152074"/>
+            <a:off x="10876347" y="2888752"/>
+            <a:ext cx="4634179" cy="2152074"/>
           </a:xfrm>
           <a:prstGeom prst="roundRect">
             <a:avLst>
@@ -6922,39 +6922,39 @@
           <a:lstStyle>
             <a:lvl1pPr marL="0" indent="0" algn="ctr">
               <a:buNone/>
-              <a:defRPr sz="1600"/>
+              <a:defRPr sz="2240"/>
             </a:lvl1pPr>
-            <a:lvl2pPr marL="457209" indent="0">
-              <a:buNone/>
-              <a:defRPr sz="1600"/>
+            <a:lvl2pPr marL="640080" indent="0">
+              <a:buNone/>
+              <a:defRPr sz="2240"/>
             </a:lvl2pPr>
-            <a:lvl3pPr marL="914418" indent="0">
-              <a:buNone/>
-              <a:defRPr sz="1600"/>
+            <a:lvl3pPr marL="1280160" indent="0">
+              <a:buNone/>
+              <a:defRPr sz="2240"/>
             </a:lvl3pPr>
-            <a:lvl4pPr marL="1371627" indent="0">
-              <a:buNone/>
-              <a:defRPr sz="1600"/>
+            <a:lvl4pPr marL="1920240" indent="0">
+              <a:buNone/>
+              <a:defRPr sz="2240"/>
             </a:lvl4pPr>
-            <a:lvl5pPr marL="1828837" indent="0">
-              <a:buNone/>
-              <a:defRPr sz="1600"/>
+            <a:lvl5pPr marL="2560320" indent="0">
+              <a:buNone/>
+              <a:defRPr sz="2240"/>
             </a:lvl5pPr>
-            <a:lvl6pPr marL="2286046" indent="0">
-              <a:buNone/>
-              <a:defRPr sz="1600"/>
+            <a:lvl6pPr marL="3200400" indent="0">
+              <a:buNone/>
+              <a:defRPr sz="2240"/>
             </a:lvl6pPr>
-            <a:lvl7pPr marL="2743255" indent="0">
-              <a:buNone/>
-              <a:defRPr sz="1600"/>
+            <a:lvl7pPr marL="3840480" indent="0">
+              <a:buNone/>
+              <a:defRPr sz="2240"/>
             </a:lvl7pPr>
-            <a:lvl8pPr marL="3200464" indent="0">
-              <a:buNone/>
-              <a:defRPr sz="1600"/>
+            <a:lvl8pPr marL="4480560" indent="0">
+              <a:buNone/>
+              <a:defRPr sz="2240"/>
             </a:lvl8pPr>
-            <a:lvl9pPr marL="3657673" indent="0">
-              <a:buNone/>
-              <a:defRPr sz="1600"/>
+            <a:lvl9pPr marL="5120640" indent="0">
+              <a:buNone/>
+              <a:defRPr sz="2240"/>
             </a:lvl9pPr>
           </a:lstStyle>
           <a:p>
@@ -6978,8 +6978,8 @@
         </p:nvSpPr>
         <p:spPr>
           <a:xfrm>
-            <a:off x="8157260" y="6144999"/>
-            <a:ext cx="3475634" cy="1379423"/>
+            <a:off x="10876347" y="6144998"/>
+            <a:ext cx="4634179" cy="1379423"/>
           </a:xfrm>
         </p:spPr>
         <p:txBody>
@@ -6989,39 +6989,39 @@
           <a:lstStyle>
             <a:lvl1pPr marL="0" indent="0" algn="ctr">
               <a:buNone/>
+              <a:defRPr sz="1960"/>
+            </a:lvl1pPr>
+            <a:lvl2pPr marL="640080" indent="0">
+              <a:buNone/>
+              <a:defRPr sz="1680"/>
+            </a:lvl2pPr>
+            <a:lvl3pPr marL="1280160" indent="0">
+              <a:buNone/>
               <a:defRPr sz="1400"/>
-            </a:lvl1pPr>
-            <a:lvl2pPr marL="457209" indent="0">
-              <a:buNone/>
-              <a:defRPr sz="1200"/>
-            </a:lvl2pPr>
-            <a:lvl3pPr marL="914418" indent="0">
-              <a:buNone/>
-              <a:defRPr sz="1000"/>
             </a:lvl3pPr>
-            <a:lvl4pPr marL="1371627" indent="0">
-              <a:buNone/>
-              <a:defRPr sz="900"/>
+            <a:lvl4pPr marL="1920240" indent="0">
+              <a:buNone/>
+              <a:defRPr sz="1260"/>
             </a:lvl4pPr>
-            <a:lvl5pPr marL="1828837" indent="0">
-              <a:buNone/>
-              <a:defRPr sz="900"/>
+            <a:lvl5pPr marL="2560320" indent="0">
+              <a:buNone/>
+              <a:defRPr sz="1260"/>
             </a:lvl5pPr>
-            <a:lvl6pPr marL="2286046" indent="0">
-              <a:buNone/>
-              <a:defRPr sz="900"/>
+            <a:lvl6pPr marL="3200400" indent="0">
+              <a:buNone/>
+              <a:defRPr sz="1260"/>
             </a:lvl6pPr>
-            <a:lvl7pPr marL="2743255" indent="0">
-              <a:buNone/>
-              <a:defRPr sz="900"/>
+            <a:lvl7pPr marL="3840480" indent="0">
+              <a:buNone/>
+              <a:defRPr sz="1260"/>
             </a:lvl7pPr>
-            <a:lvl8pPr marL="3200464" indent="0">
-              <a:buNone/>
-              <a:defRPr sz="900"/>
+            <a:lvl8pPr marL="4480560" indent="0">
+              <a:buNone/>
+              <a:defRPr sz="1260"/>
             </a:lvl8pPr>
-            <a:lvl9pPr marL="3657673" indent="0">
-              <a:buNone/>
-              <a:defRPr sz="900"/>
+            <a:lvl9pPr marL="5120640" indent="0">
+              <a:buNone/>
+              <a:defRPr sz="1260"/>
             </a:lvl9pPr>
           </a:lstStyle>
           <a:p>
@@ -7101,7 +7101,7 @@
     </p:spTree>
     <p:extLst>
       <p:ext uri="{BB962C8B-B14F-4D97-AF65-F5344CB8AC3E}">
-        <p14:creationId xmlns:p14="http://schemas.microsoft.com/office/powerpoint/2010/main" val="3760798653"/>
+        <p14:creationId xmlns:p14="http://schemas.microsoft.com/office/powerpoint/2010/main" val="404181507"/>
       </p:ext>
     </p:extLst>
   </p:cSld>
@@ -7167,8 +7167,8 @@
         </p:nvSpPr>
         <p:spPr>
           <a:xfrm>
-            <a:off x="720092" y="2888754"/>
-            <a:ext cx="10914442" cy="4635666"/>
+            <a:off x="960121" y="2888754"/>
+            <a:ext cx="14552590" cy="4635666"/>
           </a:xfrm>
         </p:spPr>
         <p:txBody>
@@ -7280,7 +7280,7 @@
     </p:spTree>
     <p:extLst>
       <p:ext uri="{BB962C8B-B14F-4D97-AF65-F5344CB8AC3E}">
-        <p14:creationId xmlns:p14="http://schemas.microsoft.com/office/powerpoint/2010/main" val="1599388041"/>
+        <p14:creationId xmlns:p14="http://schemas.microsoft.com/office/powerpoint/2010/main" val="3765670284"/>
       </p:ext>
     </p:extLst>
   </p:cSld>
@@ -7319,8 +7319,8 @@
         </p:nvSpPr>
         <p:spPr>
           <a:xfrm>
-            <a:off x="9256655" y="960122"/>
-            <a:ext cx="2377878" cy="6564299"/>
+            <a:off x="12342207" y="960121"/>
+            <a:ext cx="3170504" cy="6564299"/>
           </a:xfrm>
         </p:spPr>
         <p:txBody>
@@ -7351,8 +7351,8 @@
         </p:nvSpPr>
         <p:spPr>
           <a:xfrm>
-            <a:off x="720091" y="960122"/>
-            <a:ext cx="8299653" cy="6564299"/>
+            <a:off x="960121" y="960121"/>
+            <a:ext cx="11066203" cy="6564299"/>
           </a:xfrm>
         </p:spPr>
         <p:txBody>
@@ -7464,7 +7464,7 @@
     </p:spTree>
     <p:extLst>
       <p:ext uri="{BB962C8B-B14F-4D97-AF65-F5344CB8AC3E}">
-        <p14:creationId xmlns:p14="http://schemas.microsoft.com/office/powerpoint/2010/main" val="390461675"/>
+        <p14:creationId xmlns:p14="http://schemas.microsoft.com/office/powerpoint/2010/main" val="3241685000"/>
       </p:ext>
     </p:extLst>
   </p:cSld>
@@ -7526,8 +7526,8 @@
         </p:nvSpPr>
         <p:spPr>
           <a:xfrm>
-            <a:off x="720092" y="2888756"/>
-            <a:ext cx="10914442" cy="4635665"/>
+            <a:off x="960121" y="2888755"/>
+            <a:ext cx="14552590" cy="4635665"/>
           </a:xfrm>
         </p:spPr>
         <p:txBody>
@@ -7639,7 +7639,7 @@
     </p:spTree>
     <p:extLst>
       <p:ext uri="{BB962C8B-B14F-4D97-AF65-F5344CB8AC3E}">
-        <p14:creationId xmlns:p14="http://schemas.microsoft.com/office/powerpoint/2010/main" val="3605658183"/>
+        <p14:creationId xmlns:p14="http://schemas.microsoft.com/office/powerpoint/2010/main" val="3455510764"/>
       </p:ext>
     </p:extLst>
   </p:cSld>
@@ -7678,8 +7678,8 @@
         </p:nvSpPr>
         <p:spPr>
           <a:xfrm>
-            <a:off x="720093" y="960122"/>
-            <a:ext cx="10914442" cy="4470882"/>
+            <a:off x="960122" y="960121"/>
+            <a:ext cx="14552590" cy="4470882"/>
           </a:xfrm>
         </p:spPr>
         <p:txBody>
@@ -7688,7 +7688,7 @@
           </a:bodyPr>
           <a:lstStyle>
             <a:lvl1pPr algn="l">
-              <a:defRPr sz="5400"/>
+              <a:defRPr sz="7560"/>
             </a:lvl1pPr>
           </a:lstStyle>
           <a:p>
@@ -7712,8 +7712,8 @@
         </p:nvSpPr>
         <p:spPr>
           <a:xfrm>
-            <a:off x="720093" y="5239174"/>
-            <a:ext cx="10914442" cy="2295460"/>
+            <a:off x="960122" y="5239174"/>
+            <a:ext cx="14552590" cy="2295460"/>
           </a:xfrm>
         </p:spPr>
         <p:txBody>
@@ -7723,7 +7723,7 @@
           <a:lstStyle>
             <a:lvl1pPr marL="0" indent="0" algn="l">
               <a:buNone/>
-              <a:defRPr sz="2000">
+              <a:defRPr sz="2800">
                 <a:solidFill>
                   <a:schemeClr val="bg1">
                     <a:lumMod val="50000"/>
@@ -7731,9 +7731,9 @@
                 </a:solidFill>
               </a:defRPr>
             </a:lvl1pPr>
-            <a:lvl2pPr marL="457209" indent="0">
-              <a:buNone/>
-              <a:defRPr sz="2000">
+            <a:lvl2pPr marL="640080" indent="0">
+              <a:buNone/>
+              <a:defRPr sz="2800">
                 <a:solidFill>
                   <a:schemeClr val="tx1">
                     <a:tint val="75000"/>
@@ -7741,9 +7741,9 @@
                 </a:solidFill>
               </a:defRPr>
             </a:lvl2pPr>
-            <a:lvl3pPr marL="914418" indent="0">
-              <a:buNone/>
-              <a:defRPr sz="1800">
+            <a:lvl3pPr marL="1280160" indent="0">
+              <a:buNone/>
+              <a:defRPr sz="2520">
                 <a:solidFill>
                   <a:schemeClr val="tx1">
                     <a:tint val="75000"/>
@@ -7751,9 +7751,9 @@
                 </a:solidFill>
               </a:defRPr>
             </a:lvl3pPr>
-            <a:lvl4pPr marL="1371627" indent="0">
-              <a:buNone/>
-              <a:defRPr sz="1600">
+            <a:lvl4pPr marL="1920240" indent="0">
+              <a:buNone/>
+              <a:defRPr sz="2240">
                 <a:solidFill>
                   <a:schemeClr val="tx1">
                     <a:tint val="75000"/>
@@ -7761,9 +7761,9 @@
                 </a:solidFill>
               </a:defRPr>
             </a:lvl4pPr>
-            <a:lvl5pPr marL="1828837" indent="0">
-              <a:buNone/>
-              <a:defRPr sz="1600">
+            <a:lvl5pPr marL="2560320" indent="0">
+              <a:buNone/>
+              <a:defRPr sz="2240">
                 <a:solidFill>
                   <a:schemeClr val="tx1">
                     <a:tint val="75000"/>
@@ -7771,9 +7771,9 @@
                 </a:solidFill>
               </a:defRPr>
             </a:lvl5pPr>
-            <a:lvl6pPr marL="2286046" indent="0">
-              <a:buNone/>
-              <a:defRPr sz="1600">
+            <a:lvl6pPr marL="3200400" indent="0">
+              <a:buNone/>
+              <a:defRPr sz="2240">
                 <a:solidFill>
                   <a:schemeClr val="tx1">
                     <a:tint val="75000"/>
@@ -7781,9 +7781,9 @@
                 </a:solidFill>
               </a:defRPr>
             </a:lvl6pPr>
-            <a:lvl7pPr marL="2743255" indent="0">
-              <a:buNone/>
-              <a:defRPr sz="1600">
+            <a:lvl7pPr marL="3840480" indent="0">
+              <a:buNone/>
+              <a:defRPr sz="2240">
                 <a:solidFill>
                   <a:schemeClr val="tx1">
                     <a:tint val="75000"/>
@@ -7791,9 +7791,9 @@
                 </a:solidFill>
               </a:defRPr>
             </a:lvl7pPr>
-            <a:lvl8pPr marL="3200464" indent="0">
-              <a:buNone/>
-              <a:defRPr sz="1600">
+            <a:lvl8pPr marL="4480560" indent="0">
+              <a:buNone/>
+              <a:defRPr sz="2240">
                 <a:solidFill>
                   <a:schemeClr val="tx1">
                     <a:tint val="75000"/>
@@ -7801,9 +7801,9 @@
                 </a:solidFill>
               </a:defRPr>
             </a:lvl8pPr>
-            <a:lvl9pPr marL="3657673" indent="0">
-              <a:buNone/>
-              <a:defRPr sz="1600">
+            <a:lvl9pPr marL="5120640" indent="0">
+              <a:buNone/>
+              <a:defRPr sz="2240">
                 <a:solidFill>
                   <a:schemeClr val="tx1">
                     <a:tint val="75000"/>
@@ -7889,7 +7889,7 @@
     </p:spTree>
     <p:extLst>
       <p:ext uri="{BB962C8B-B14F-4D97-AF65-F5344CB8AC3E}">
-        <p14:creationId xmlns:p14="http://schemas.microsoft.com/office/powerpoint/2010/main" val="303841673"/>
+        <p14:creationId xmlns:p14="http://schemas.microsoft.com/office/powerpoint/2010/main" val="3812228748"/>
       </p:ext>
     </p:extLst>
   </p:cSld>
@@ -7928,8 +7928,8 @@
         </p:nvSpPr>
         <p:spPr>
           <a:xfrm>
-            <a:off x="720091" y="960120"/>
-            <a:ext cx="10916726" cy="1621396"/>
+            <a:off x="960121" y="960120"/>
+            <a:ext cx="14555635" cy="1621396"/>
           </a:xfrm>
         </p:spPr>
         <p:txBody>
@@ -7956,8 +7956,8 @@
         </p:nvSpPr>
         <p:spPr>
           <a:xfrm>
-            <a:off x="720090" y="2888756"/>
-            <a:ext cx="5343150" cy="4635665"/>
+            <a:off x="960120" y="2888755"/>
+            <a:ext cx="7124200" cy="4635665"/>
           </a:xfrm>
         </p:spPr>
         <p:txBody>
@@ -8013,8 +8013,8 @@
         </p:nvSpPr>
         <p:spPr>
           <a:xfrm>
-            <a:off x="6293671" y="2888756"/>
-            <a:ext cx="5340865" cy="4635665"/>
+            <a:off x="8391560" y="2888755"/>
+            <a:ext cx="7121153" cy="4635665"/>
           </a:xfrm>
         </p:spPr>
         <p:txBody>
@@ -8126,7 +8126,7 @@
     </p:spTree>
     <p:extLst>
       <p:ext uri="{BB962C8B-B14F-4D97-AF65-F5344CB8AC3E}">
-        <p14:creationId xmlns:p14="http://schemas.microsoft.com/office/powerpoint/2010/main" val="45219808"/>
+        <p14:creationId xmlns:p14="http://schemas.microsoft.com/office/powerpoint/2010/main" val="2599909350"/>
       </p:ext>
     </p:extLst>
   </p:cSld>
@@ -8165,8 +8165,8 @@
         </p:nvSpPr>
         <p:spPr>
           <a:xfrm>
-            <a:off x="720093" y="960120"/>
-            <a:ext cx="10914442" cy="1621396"/>
+            <a:off x="960122" y="960120"/>
+            <a:ext cx="14552590" cy="1621396"/>
           </a:xfrm>
         </p:spPr>
         <p:txBody>
@@ -8193,8 +8193,8 @@
         </p:nvSpPr>
         <p:spPr>
           <a:xfrm>
-            <a:off x="964274" y="2888754"/>
-            <a:ext cx="5098966" cy="951992"/>
+            <a:off x="1285699" y="2888754"/>
+            <a:ext cx="6798621" cy="951992"/>
           </a:xfrm>
         </p:spPr>
         <p:txBody>
@@ -8207,43 +8207,43 @@
                 <a:spcPct val="90000"/>
               </a:lnSpc>
               <a:buNone/>
-              <a:defRPr sz="2600" b="0">
+              <a:defRPr sz="3640" b="0">
                 <a:solidFill>
                   <a:schemeClr val="accent1"/>
                 </a:solidFill>
               </a:defRPr>
             </a:lvl1pPr>
-            <a:lvl2pPr marL="457209" indent="0">
-              <a:buNone/>
-              <a:defRPr sz="2000" b="1"/>
+            <a:lvl2pPr marL="640080" indent="0">
+              <a:buNone/>
+              <a:defRPr sz="2800" b="1"/>
             </a:lvl2pPr>
-            <a:lvl3pPr marL="914418" indent="0">
-              <a:buNone/>
-              <a:defRPr sz="1800" b="1"/>
+            <a:lvl3pPr marL="1280160" indent="0">
+              <a:buNone/>
+              <a:defRPr sz="2520" b="1"/>
             </a:lvl3pPr>
-            <a:lvl4pPr marL="1371627" indent="0">
-              <a:buNone/>
-              <a:defRPr sz="1600" b="1"/>
+            <a:lvl4pPr marL="1920240" indent="0">
+              <a:buNone/>
+              <a:defRPr sz="2240" b="1"/>
             </a:lvl4pPr>
-            <a:lvl5pPr marL="1828837" indent="0">
-              <a:buNone/>
-              <a:defRPr sz="1600" b="1"/>
+            <a:lvl5pPr marL="2560320" indent="0">
+              <a:buNone/>
+              <a:defRPr sz="2240" b="1"/>
             </a:lvl5pPr>
-            <a:lvl6pPr marL="2286046" indent="0">
-              <a:buNone/>
-              <a:defRPr sz="1600" b="1"/>
+            <a:lvl6pPr marL="3200400" indent="0">
+              <a:buNone/>
+              <a:defRPr sz="2240" b="1"/>
             </a:lvl6pPr>
-            <a:lvl7pPr marL="2743255" indent="0">
-              <a:buNone/>
-              <a:defRPr sz="1600" b="1"/>
+            <a:lvl7pPr marL="3840480" indent="0">
+              <a:buNone/>
+              <a:defRPr sz="2240" b="1"/>
             </a:lvl7pPr>
-            <a:lvl8pPr marL="3200464" indent="0">
-              <a:buNone/>
-              <a:defRPr sz="1600" b="1"/>
+            <a:lvl8pPr marL="4480560" indent="0">
+              <a:buNone/>
+              <a:defRPr sz="2240" b="1"/>
             </a:lvl8pPr>
-            <a:lvl9pPr marL="3657673" indent="0">
-              <a:buNone/>
-              <a:defRPr sz="1600" b="1"/>
+            <a:lvl9pPr marL="5120640" indent="0">
+              <a:buNone/>
+              <a:defRPr sz="2240" b="1"/>
             </a:lvl9pPr>
           </a:lstStyle>
           <a:p>
@@ -8267,8 +8267,8 @@
         </p:nvSpPr>
         <p:spPr>
           <a:xfrm>
-            <a:off x="720092" y="4006426"/>
-            <a:ext cx="5343148" cy="3517993"/>
+            <a:off x="960123" y="4006426"/>
+            <a:ext cx="7124197" cy="3517993"/>
           </a:xfrm>
         </p:spPr>
         <p:txBody>
@@ -8324,8 +8324,8 @@
         </p:nvSpPr>
         <p:spPr>
           <a:xfrm>
-            <a:off x="6529102" y="2888754"/>
-            <a:ext cx="5107716" cy="951992"/>
+            <a:off x="8705468" y="2888754"/>
+            <a:ext cx="6810287" cy="951992"/>
           </a:xfrm>
         </p:spPr>
         <p:txBody>
@@ -8338,43 +8338,43 @@
                 <a:spcPct val="90000"/>
               </a:lnSpc>
               <a:buNone/>
-              <a:defRPr sz="2600" b="0">
+              <a:defRPr sz="3640" b="0">
                 <a:solidFill>
                   <a:schemeClr val="accent1"/>
                 </a:solidFill>
               </a:defRPr>
             </a:lvl1pPr>
-            <a:lvl2pPr marL="457209" indent="0">
-              <a:buNone/>
-              <a:defRPr sz="2000" b="1"/>
+            <a:lvl2pPr marL="640080" indent="0">
+              <a:buNone/>
+              <a:defRPr sz="2800" b="1"/>
             </a:lvl2pPr>
-            <a:lvl3pPr marL="914418" indent="0">
-              <a:buNone/>
-              <a:defRPr sz="1800" b="1"/>
+            <a:lvl3pPr marL="1280160" indent="0">
+              <a:buNone/>
+              <a:defRPr sz="2520" b="1"/>
             </a:lvl3pPr>
-            <a:lvl4pPr marL="1371627" indent="0">
-              <a:buNone/>
-              <a:defRPr sz="1600" b="1"/>
+            <a:lvl4pPr marL="1920240" indent="0">
+              <a:buNone/>
+              <a:defRPr sz="2240" b="1"/>
             </a:lvl4pPr>
-            <a:lvl5pPr marL="1828837" indent="0">
-              <a:buNone/>
-              <a:defRPr sz="1600" b="1"/>
+            <a:lvl5pPr marL="2560320" indent="0">
+              <a:buNone/>
+              <a:defRPr sz="2240" b="1"/>
             </a:lvl5pPr>
-            <a:lvl6pPr marL="2286046" indent="0">
-              <a:buNone/>
-              <a:defRPr sz="1600" b="1"/>
+            <a:lvl6pPr marL="3200400" indent="0">
+              <a:buNone/>
+              <a:defRPr sz="2240" b="1"/>
             </a:lvl6pPr>
-            <a:lvl7pPr marL="2743255" indent="0">
-              <a:buNone/>
-              <a:defRPr sz="1600" b="1"/>
+            <a:lvl7pPr marL="3840480" indent="0">
+              <a:buNone/>
+              <a:defRPr sz="2240" b="1"/>
             </a:lvl7pPr>
-            <a:lvl8pPr marL="3200464" indent="0">
-              <a:buNone/>
-              <a:defRPr sz="1600" b="1"/>
+            <a:lvl8pPr marL="4480560" indent="0">
+              <a:buNone/>
+              <a:defRPr sz="2240" b="1"/>
             </a:lvl8pPr>
-            <a:lvl9pPr marL="3657673" indent="0">
-              <a:buNone/>
-              <a:defRPr sz="1600" b="1"/>
+            <a:lvl9pPr marL="5120640" indent="0">
+              <a:buNone/>
+              <a:defRPr sz="2240" b="1"/>
             </a:lvl9pPr>
           </a:lstStyle>
           <a:p>
@@ -8398,8 +8398,8 @@
         </p:nvSpPr>
         <p:spPr>
           <a:xfrm>
-            <a:off x="6293669" y="4006426"/>
-            <a:ext cx="5343149" cy="3517993"/>
+            <a:off x="8391557" y="4006426"/>
+            <a:ext cx="7124198" cy="3517993"/>
           </a:xfrm>
         </p:spPr>
         <p:txBody>
@@ -8511,7 +8511,7 @@
     </p:spTree>
     <p:extLst>
       <p:ext uri="{BB962C8B-B14F-4D97-AF65-F5344CB8AC3E}">
-        <p14:creationId xmlns:p14="http://schemas.microsoft.com/office/powerpoint/2010/main" val="3669283389"/>
+        <p14:creationId xmlns:p14="http://schemas.microsoft.com/office/powerpoint/2010/main" val="3756726598"/>
       </p:ext>
     </p:extLst>
   </p:cSld>
@@ -8629,7 +8629,7 @@
     </p:spTree>
     <p:extLst>
       <p:ext uri="{BB962C8B-B14F-4D97-AF65-F5344CB8AC3E}">
-        <p14:creationId xmlns:p14="http://schemas.microsoft.com/office/powerpoint/2010/main" val="3902746108"/>
+        <p14:creationId xmlns:p14="http://schemas.microsoft.com/office/powerpoint/2010/main" val="3647715168"/>
       </p:ext>
     </p:extLst>
   </p:cSld>
@@ -8724,7 +8724,7 @@
     </p:spTree>
     <p:extLst>
       <p:ext uri="{BB962C8B-B14F-4D97-AF65-F5344CB8AC3E}">
-        <p14:creationId xmlns:p14="http://schemas.microsoft.com/office/powerpoint/2010/main" val="538975160"/>
+        <p14:creationId xmlns:p14="http://schemas.microsoft.com/office/powerpoint/2010/main" val="1146082001"/>
       </p:ext>
     </p:extLst>
   </p:cSld>
@@ -8763,8 +8763,8 @@
         </p:nvSpPr>
         <p:spPr>
           <a:xfrm>
-            <a:off x="728325" y="960120"/>
-            <a:ext cx="4333203" cy="2832553"/>
+            <a:off x="971100" y="960120"/>
+            <a:ext cx="5777604" cy="2832553"/>
           </a:xfrm>
         </p:spPr>
         <p:txBody>
@@ -8773,7 +8773,7 @@
           </a:bodyPr>
           <a:lstStyle>
             <a:lvl1pPr algn="ctr">
-              <a:defRPr sz="3600"/>
+              <a:defRPr sz="5040"/>
             </a:lvl1pPr>
           </a:lstStyle>
           <a:p>
@@ -8797,8 +8797,8 @@
         </p:nvSpPr>
         <p:spPr>
           <a:xfrm>
-            <a:off x="5298440" y="960122"/>
-            <a:ext cx="6336094" cy="6564299"/>
+            <a:off x="7064586" y="960121"/>
+            <a:ext cx="8448125" cy="6564299"/>
           </a:xfrm>
         </p:spPr>
         <p:txBody>
@@ -8854,8 +8854,8 @@
         </p:nvSpPr>
         <p:spPr>
           <a:xfrm>
-            <a:off x="728326" y="3792675"/>
-            <a:ext cx="4333204" cy="3731746"/>
+            <a:off x="971100" y="3792674"/>
+            <a:ext cx="5777605" cy="3731746"/>
           </a:xfrm>
         </p:spPr>
         <p:txBody>
@@ -8865,39 +8865,39 @@
           <a:lstStyle>
             <a:lvl1pPr marL="0" indent="0" algn="ctr">
               <a:buNone/>
-              <a:defRPr sz="1800"/>
+              <a:defRPr sz="2520"/>
             </a:lvl1pPr>
-            <a:lvl2pPr marL="457209" indent="0">
+            <a:lvl2pPr marL="640080" indent="0">
+              <a:buNone/>
+              <a:defRPr sz="1960"/>
+            </a:lvl2pPr>
+            <a:lvl3pPr marL="1280160" indent="0">
+              <a:buNone/>
+              <a:defRPr sz="1680"/>
+            </a:lvl3pPr>
+            <a:lvl4pPr marL="1920240" indent="0">
               <a:buNone/>
               <a:defRPr sz="1400"/>
-            </a:lvl2pPr>
-            <a:lvl3pPr marL="914418" indent="0">
-              <a:buNone/>
-              <a:defRPr sz="1200"/>
-            </a:lvl3pPr>
-            <a:lvl4pPr marL="1371627" indent="0">
-              <a:buNone/>
-              <a:defRPr sz="1000"/>
             </a:lvl4pPr>
-            <a:lvl5pPr marL="1828837" indent="0">
-              <a:buNone/>
-              <a:defRPr sz="1000"/>
+            <a:lvl5pPr marL="2560320" indent="0">
+              <a:buNone/>
+              <a:defRPr sz="1400"/>
             </a:lvl5pPr>
-            <a:lvl6pPr marL="2286046" indent="0">
-              <a:buNone/>
-              <a:defRPr sz="1000"/>
+            <a:lvl6pPr marL="3200400" indent="0">
+              <a:buNone/>
+              <a:defRPr sz="1400"/>
             </a:lvl6pPr>
-            <a:lvl7pPr marL="2743255" indent="0">
-              <a:buNone/>
-              <a:defRPr sz="1000"/>
+            <a:lvl7pPr marL="3840480" indent="0">
+              <a:buNone/>
+              <a:defRPr sz="1400"/>
             </a:lvl7pPr>
-            <a:lvl8pPr marL="3200464" indent="0">
-              <a:buNone/>
-              <a:defRPr sz="1000"/>
+            <a:lvl8pPr marL="4480560" indent="0">
+              <a:buNone/>
+              <a:defRPr sz="1400"/>
             </a:lvl8pPr>
-            <a:lvl9pPr marL="3657673" indent="0">
-              <a:buNone/>
-              <a:defRPr sz="1000"/>
+            <a:lvl9pPr marL="5120640" indent="0">
+              <a:buNone/>
+              <a:defRPr sz="1400"/>
             </a:lvl9pPr>
           </a:lstStyle>
           <a:p>
@@ -8977,7 +8977,7 @@
     </p:spTree>
     <p:extLst>
       <p:ext uri="{BB962C8B-B14F-4D97-AF65-F5344CB8AC3E}">
-        <p14:creationId xmlns:p14="http://schemas.microsoft.com/office/powerpoint/2010/main" val="354789026"/>
+        <p14:creationId xmlns:p14="http://schemas.microsoft.com/office/powerpoint/2010/main" val="3917864242"/>
       </p:ext>
     </p:extLst>
   </p:cSld>
@@ -9016,8 +9016,8 @@
         </p:nvSpPr>
         <p:spPr>
           <a:xfrm>
-            <a:off x="720090" y="960120"/>
-            <a:ext cx="6662567" cy="2832553"/>
+            <a:off x="960120" y="960120"/>
+            <a:ext cx="8883423" cy="2832553"/>
           </a:xfrm>
         </p:spPr>
         <p:txBody>
@@ -9026,7 +9026,7 @@
           </a:bodyPr>
           <a:lstStyle>
             <a:lvl1pPr algn="ctr">
-              <a:defRPr sz="3600"/>
+              <a:defRPr sz="5040"/>
             </a:lvl1pPr>
           </a:lstStyle>
           <a:p>
@@ -9050,8 +9050,8 @@
         </p:nvSpPr>
         <p:spPr>
           <a:xfrm>
-            <a:off x="7856480" y="2"/>
-            <a:ext cx="3778053" cy="7100146"/>
+            <a:off x="10475307" y="1"/>
+            <a:ext cx="5037404" cy="7100146"/>
           </a:xfrm>
           <a:ln w="57150" cmpd="thinThick">
             <a:solidFill>
@@ -9067,39 +9067,39 @@
           <a:lstStyle>
             <a:lvl1pPr marL="0" indent="0" algn="ctr">
               <a:buNone/>
-              <a:defRPr sz="3200"/>
+              <a:defRPr sz="4480"/>
             </a:lvl1pPr>
-            <a:lvl2pPr marL="457209" indent="0">
+            <a:lvl2pPr marL="640080" indent="0">
+              <a:buNone/>
+              <a:defRPr sz="3920"/>
+            </a:lvl2pPr>
+            <a:lvl3pPr marL="1280160" indent="0">
+              <a:buNone/>
+              <a:defRPr sz="3360"/>
+            </a:lvl3pPr>
+            <a:lvl4pPr marL="1920240" indent="0">
               <a:buNone/>
               <a:defRPr sz="2800"/>
-            </a:lvl2pPr>
-            <a:lvl3pPr marL="914418" indent="0">
-              <a:buNone/>
-              <a:defRPr sz="2400"/>
-            </a:lvl3pPr>
-            <a:lvl4pPr marL="1371627" indent="0">
-              <a:buNone/>
-              <a:defRPr sz="2000"/>
             </a:lvl4pPr>
-            <a:lvl5pPr marL="1828837" indent="0">
-              <a:buNone/>
-              <a:defRPr sz="2000"/>
+            <a:lvl5pPr marL="2560320" indent="0">
+              <a:buNone/>
+              <a:defRPr sz="2800"/>
             </a:lvl5pPr>
-            <a:lvl6pPr marL="2286046" indent="0">
-              <a:buNone/>
-              <a:defRPr sz="2000"/>
+            <a:lvl6pPr marL="3200400" indent="0">
+              <a:buNone/>
+              <a:defRPr sz="2800"/>
             </a:lvl6pPr>
-            <a:lvl7pPr marL="2743255" indent="0">
-              <a:buNone/>
-              <a:defRPr sz="2000"/>
+            <a:lvl7pPr marL="3840480" indent="0">
+              <a:buNone/>
+              <a:defRPr sz="2800"/>
             </a:lvl7pPr>
-            <a:lvl8pPr marL="3200464" indent="0">
-              <a:buNone/>
-              <a:defRPr sz="2000"/>
+            <a:lvl8pPr marL="4480560" indent="0">
+              <a:buNone/>
+              <a:defRPr sz="2800"/>
             </a:lvl8pPr>
-            <a:lvl9pPr marL="3657673" indent="0">
-              <a:buNone/>
-              <a:defRPr sz="2000"/>
+            <a:lvl9pPr marL="5120640" indent="0">
+              <a:buNone/>
+              <a:defRPr sz="2800"/>
             </a:lvl9pPr>
           </a:lstStyle>
           <a:p>
@@ -9123,8 +9123,8 @@
         </p:nvSpPr>
         <p:spPr>
           <a:xfrm>
-            <a:off x="720093" y="3792675"/>
-            <a:ext cx="6662566" cy="3307473"/>
+            <a:off x="960122" y="3792674"/>
+            <a:ext cx="8883421" cy="3307473"/>
           </a:xfrm>
         </p:spPr>
         <p:txBody>
@@ -9134,39 +9134,39 @@
           <a:lstStyle>
             <a:lvl1pPr marL="0" indent="0" algn="ctr">
               <a:buNone/>
-              <a:defRPr sz="1800"/>
+              <a:defRPr sz="2520"/>
             </a:lvl1pPr>
-            <a:lvl2pPr marL="457209" indent="0">
+            <a:lvl2pPr marL="640080" indent="0">
+              <a:buNone/>
+              <a:defRPr sz="1960"/>
+            </a:lvl2pPr>
+            <a:lvl3pPr marL="1280160" indent="0">
+              <a:buNone/>
+              <a:defRPr sz="1680"/>
+            </a:lvl3pPr>
+            <a:lvl4pPr marL="1920240" indent="0">
               <a:buNone/>
               <a:defRPr sz="1400"/>
-            </a:lvl2pPr>
-            <a:lvl3pPr marL="914418" indent="0">
-              <a:buNone/>
-              <a:defRPr sz="1200"/>
-            </a:lvl3pPr>
-            <a:lvl4pPr marL="1371627" indent="0">
-              <a:buNone/>
-              <a:defRPr sz="1000"/>
             </a:lvl4pPr>
-            <a:lvl5pPr marL="1828837" indent="0">
-              <a:buNone/>
-              <a:defRPr sz="1000"/>
+            <a:lvl5pPr marL="2560320" indent="0">
+              <a:buNone/>
+              <a:defRPr sz="1400"/>
             </a:lvl5pPr>
-            <a:lvl6pPr marL="2286046" indent="0">
-              <a:buNone/>
-              <a:defRPr sz="1000"/>
+            <a:lvl6pPr marL="3200400" indent="0">
+              <a:buNone/>
+              <a:defRPr sz="1400"/>
             </a:lvl6pPr>
-            <a:lvl7pPr marL="2743255" indent="0">
-              <a:buNone/>
-              <a:defRPr sz="1000"/>
+            <a:lvl7pPr marL="3840480" indent="0">
+              <a:buNone/>
+              <a:defRPr sz="1400"/>
             </a:lvl7pPr>
-            <a:lvl8pPr marL="3200464" indent="0">
-              <a:buNone/>
-              <a:defRPr sz="1000"/>
+            <a:lvl8pPr marL="4480560" indent="0">
+              <a:buNone/>
+              <a:defRPr sz="1400"/>
             </a:lvl8pPr>
-            <a:lvl9pPr marL="3657673" indent="0">
-              <a:buNone/>
-              <a:defRPr sz="1000"/>
+            <a:lvl9pPr marL="5120640" indent="0">
+              <a:buNone/>
+              <a:defRPr sz="1400"/>
             </a:lvl9pPr>
           </a:lstStyle>
           <a:p>
@@ -9246,7 +9246,7 @@
     </p:spTree>
     <p:extLst>
       <p:ext uri="{BB962C8B-B14F-4D97-AF65-F5344CB8AC3E}">
-        <p14:creationId xmlns:p14="http://schemas.microsoft.com/office/powerpoint/2010/main" val="842163736"/>
+        <p14:creationId xmlns:p14="http://schemas.microsoft.com/office/powerpoint/2010/main" val="2166431201"/>
       </p:ext>
     </p:extLst>
   </p:cSld>
@@ -9301,7 +9301,7 @@
         <p:spPr>
           <a:xfrm>
             <a:off x="0" y="0"/>
-            <a:ext cx="12801600" cy="9601200"/>
+            <a:ext cx="17068800" cy="9601200"/>
           </a:xfrm>
           <a:prstGeom prst="rect">
             <a:avLst/>
@@ -9316,8 +9316,8 @@
         </p:nvGrpSpPr>
         <p:grpSpPr>
           <a:xfrm>
-            <a:off x="-26667" y="2"/>
-            <a:ext cx="12605618" cy="9301713"/>
+            <a:off x="-35556" y="1"/>
+            <a:ext cx="16807490" cy="9301713"/>
             <a:chOff x="-25397" y="0"/>
             <a:chExt cx="12005350" cy="6644081"/>
           </a:xfrm>
@@ -9480,8 +9480,8 @@
         </p:nvSpPr>
         <p:spPr>
           <a:xfrm>
-            <a:off x="720091" y="960122"/>
-            <a:ext cx="10916726" cy="1612751"/>
+            <a:off x="960121" y="960121"/>
+            <a:ext cx="14555635" cy="1612751"/>
           </a:xfrm>
           <a:prstGeom prst="rect">
             <a:avLst/>
@@ -9513,8 +9513,8 @@
         </p:nvSpPr>
         <p:spPr>
           <a:xfrm>
-            <a:off x="720092" y="2888756"/>
-            <a:ext cx="10916727" cy="4635665"/>
+            <a:off x="960121" y="2888755"/>
+            <a:ext cx="14555636" cy="4635665"/>
           </a:xfrm>
           <a:prstGeom prst="rect">
             <a:avLst/>
@@ -9575,8 +9575,8 @@
         </p:nvSpPr>
         <p:spPr>
           <a:xfrm>
-            <a:off x="7662987" y="8060268"/>
-            <a:ext cx="3973830" cy="697858"/>
+            <a:off x="10217316" y="8060268"/>
+            <a:ext cx="5298440" cy="697858"/>
           </a:xfrm>
           <a:prstGeom prst="rect">
             <a:avLst/>
@@ -9586,7 +9586,7 @@
           <a:bodyPr vert="horz" lIns="91440" tIns="45720" rIns="91440" bIns="45720" rtlCol="0" anchor="ctr"/>
           <a:lstStyle>
             <a:lvl1pPr algn="r">
-              <a:defRPr sz="3200" cap="all" baseline="0">
+              <a:defRPr sz="4480" cap="all" baseline="0">
                 <a:solidFill>
                   <a:schemeClr val="accent1">
                     <a:lumMod val="50000"/>
@@ -9616,8 +9616,8 @@
         </p:nvSpPr>
         <p:spPr>
           <a:xfrm>
-            <a:off x="720093" y="8060268"/>
-            <a:ext cx="5774705" cy="697858"/>
+            <a:off x="960122" y="8060268"/>
+            <a:ext cx="7699607" cy="697858"/>
           </a:xfrm>
           <a:prstGeom prst="rect">
             <a:avLst/>
@@ -9627,7 +9627,7 @@
           <a:bodyPr vert="horz" lIns="91440" tIns="45720" rIns="91440" bIns="45720" rtlCol="0" anchor="ctr"/>
           <a:lstStyle>
             <a:lvl1pPr algn="l">
-              <a:defRPr sz="3200" cap="all" baseline="0">
+              <a:defRPr sz="4480" cap="all" baseline="0">
                 <a:solidFill>
                   <a:schemeClr val="accent1">
                     <a:lumMod val="50000"/>
@@ -9653,8 +9653,8 @@
         </p:nvSpPr>
         <p:spPr>
           <a:xfrm>
-            <a:off x="6601477" y="8060268"/>
-            <a:ext cx="952545" cy="697858"/>
+            <a:off x="8801970" y="8060268"/>
+            <a:ext cx="1270060" cy="697858"/>
           </a:xfrm>
           <a:prstGeom prst="rect">
             <a:avLst/>
@@ -9664,7 +9664,7 @@
           <a:bodyPr vert="horz" lIns="91440" tIns="45720" rIns="91440" bIns="45720" rtlCol="0" anchor="ctr"/>
           <a:lstStyle>
             <a:lvl1pPr algn="ctr">
-              <a:defRPr sz="3200" cap="all" baseline="0">
+              <a:defRPr sz="4480" cap="all" baseline="0">
                 <a:solidFill>
                   <a:schemeClr val="accent1">
                     <a:lumMod val="50000"/>
@@ -9685,33 +9685,33 @@
     </p:spTree>
     <p:extLst>
       <p:ext uri="{BB962C8B-B14F-4D97-AF65-F5344CB8AC3E}">
-        <p14:creationId xmlns:p14="http://schemas.microsoft.com/office/powerpoint/2010/main" val="4155559860"/>
+        <p14:creationId xmlns:p14="http://schemas.microsoft.com/office/powerpoint/2010/main" val="2464117616"/>
       </p:ext>
     </p:extLst>
   </p:cSld>
   <p:clrMap bg1="lt1" tx1="dk1" bg2="lt2" tx2="dk2" accent1="accent1" accent2="accent2" accent3="accent3" accent4="accent4" accent5="accent5" accent6="accent6" hlink="hlink" folHlink="folHlink"/>
   <p:sldLayoutIdLst>
-    <p:sldLayoutId id="2147483661" r:id="rId1"/>
-    <p:sldLayoutId id="2147483662" r:id="rId2"/>
-    <p:sldLayoutId id="2147483663" r:id="rId3"/>
-    <p:sldLayoutId id="2147483664" r:id="rId4"/>
-    <p:sldLayoutId id="2147483665" r:id="rId5"/>
-    <p:sldLayoutId id="2147483666" r:id="rId6"/>
-    <p:sldLayoutId id="2147483667" r:id="rId7"/>
-    <p:sldLayoutId id="2147483668" r:id="rId8"/>
-    <p:sldLayoutId id="2147483669" r:id="rId9"/>
-    <p:sldLayoutId id="2147483670" r:id="rId10"/>
-    <p:sldLayoutId id="2147483671" r:id="rId11"/>
-    <p:sldLayoutId id="2147483672" r:id="rId12"/>
-    <p:sldLayoutId id="2147483673" r:id="rId13"/>
-    <p:sldLayoutId id="2147483674" r:id="rId14"/>
-    <p:sldLayoutId id="2147483675" r:id="rId15"/>
-    <p:sldLayoutId id="2147483676" r:id="rId16"/>
-    <p:sldLayoutId id="2147483677" r:id="rId17"/>
+    <p:sldLayoutId id="2147483679" r:id="rId1"/>
+    <p:sldLayoutId id="2147483680" r:id="rId2"/>
+    <p:sldLayoutId id="2147483681" r:id="rId3"/>
+    <p:sldLayoutId id="2147483682" r:id="rId4"/>
+    <p:sldLayoutId id="2147483683" r:id="rId5"/>
+    <p:sldLayoutId id="2147483684" r:id="rId6"/>
+    <p:sldLayoutId id="2147483685" r:id="rId7"/>
+    <p:sldLayoutId id="2147483686" r:id="rId8"/>
+    <p:sldLayoutId id="2147483687" r:id="rId9"/>
+    <p:sldLayoutId id="2147483688" r:id="rId10"/>
+    <p:sldLayoutId id="2147483689" r:id="rId11"/>
+    <p:sldLayoutId id="2147483690" r:id="rId12"/>
+    <p:sldLayoutId id="2147483691" r:id="rId13"/>
+    <p:sldLayoutId id="2147483692" r:id="rId14"/>
+    <p:sldLayoutId id="2147483693" r:id="rId15"/>
+    <p:sldLayoutId id="2147483694" r:id="rId16"/>
+    <p:sldLayoutId id="2147483695" r:id="rId17"/>
   </p:sldLayoutIdLst>
   <p:txStyles>
     <p:titleStyle>
-      <a:lvl1pPr algn="l" defTabSz="914418" rtl="0" eaLnBrk="1" latinLnBrk="0" hangingPunct="1">
+      <a:lvl1pPr algn="l" defTabSz="1280160" rtl="0" eaLnBrk="1" latinLnBrk="0" hangingPunct="1">
         <a:lnSpc>
           <a:spcPct val="90000"/>
         </a:lnSpc>
@@ -9719,7 +9719,7 @@
           <a:spcPct val="0"/>
         </a:spcBef>
         <a:buNone/>
-        <a:defRPr sz="5400" kern="1200" cap="all" baseline="0">
+        <a:defRPr sz="7560" kern="1200" cap="all" baseline="0">
           <a:solidFill>
             <a:schemeClr val="accent1"/>
           </a:solidFill>
@@ -9731,12 +9731,12 @@
       </a:lvl1pPr>
     </p:titleStyle>
     <p:bodyStyle>
-      <a:lvl1pPr marL="228605" indent="-228605" algn="l" defTabSz="914418" rtl="0" eaLnBrk="1" latinLnBrk="0" hangingPunct="1">
+      <a:lvl1pPr marL="320040" indent="-320040" algn="l" defTabSz="1280160" rtl="0" eaLnBrk="1" latinLnBrk="0" hangingPunct="1">
         <a:lnSpc>
           <a:spcPct val="120000"/>
         </a:lnSpc>
         <a:spcBef>
-          <a:spcPts val="1000"/>
+          <a:spcPts val="1400"/>
         </a:spcBef>
         <a:buClr>
           <a:schemeClr val="accent1"/>
@@ -9744,7 +9744,7 @@
         <a:buSzPct val="160000"/>
         <a:buFont typeface="Arial" panose="020B0604020202020204" pitchFamily="34" charset="0"/>
         <a:buChar char="•"/>
-        <a:defRPr sz="2000" kern="1200" cap="all" baseline="0">
+        <a:defRPr sz="2800" kern="1200" cap="all" baseline="0">
           <a:solidFill>
             <a:schemeClr val="tx1"/>
           </a:solidFill>
@@ -9754,12 +9754,12 @@
           <a:cs typeface="+mn-cs"/>
         </a:defRPr>
       </a:lvl1pPr>
-      <a:lvl2pPr marL="685814" indent="-228605" algn="l" defTabSz="914418" rtl="0" eaLnBrk="1" latinLnBrk="0" hangingPunct="1">
+      <a:lvl2pPr marL="960120" indent="-320040" algn="l" defTabSz="1280160" rtl="0" eaLnBrk="1" latinLnBrk="0" hangingPunct="1">
         <a:lnSpc>
           <a:spcPct val="120000"/>
         </a:lnSpc>
         <a:spcBef>
-          <a:spcPts val="500"/>
+          <a:spcPts val="700"/>
         </a:spcBef>
         <a:buClr>
           <a:schemeClr val="accent1"/>
@@ -9767,7 +9767,7 @@
         <a:buSzPct val="160000"/>
         <a:buFont typeface="Arial" panose="020B0604020202020204" pitchFamily="34" charset="0"/>
         <a:buChar char="•"/>
-        <a:defRPr sz="1800" kern="1200" cap="all" baseline="0">
+        <a:defRPr sz="2520" kern="1200" cap="all" baseline="0">
           <a:solidFill>
             <a:schemeClr val="tx1"/>
           </a:solidFill>
@@ -9777,12 +9777,12 @@
           <a:cs typeface="+mn-cs"/>
         </a:defRPr>
       </a:lvl2pPr>
-      <a:lvl3pPr marL="1143023" indent="-228605" algn="l" defTabSz="914418" rtl="0" eaLnBrk="1" latinLnBrk="0" hangingPunct="1">
+      <a:lvl3pPr marL="1600200" indent="-320040" algn="l" defTabSz="1280160" rtl="0" eaLnBrk="1" latinLnBrk="0" hangingPunct="1">
         <a:lnSpc>
           <a:spcPct val="120000"/>
         </a:lnSpc>
         <a:spcBef>
-          <a:spcPts val="500"/>
+          <a:spcPts val="700"/>
         </a:spcBef>
         <a:buClr>
           <a:schemeClr val="accent1"/>
@@ -9790,7 +9790,7 @@
         <a:buSzPct val="160000"/>
         <a:buFont typeface="Arial" panose="020B0604020202020204" pitchFamily="34" charset="0"/>
         <a:buChar char="•"/>
-        <a:defRPr sz="1600" kern="1200" cap="all" baseline="0">
+        <a:defRPr sz="2240" kern="1200" cap="all" baseline="0">
           <a:solidFill>
             <a:schemeClr val="tx1"/>
           </a:solidFill>
@@ -9800,12 +9800,12 @@
           <a:cs typeface="+mn-cs"/>
         </a:defRPr>
       </a:lvl3pPr>
-      <a:lvl4pPr marL="1600232" indent="-228605" algn="l" defTabSz="914418" rtl="0" eaLnBrk="1" latinLnBrk="0" hangingPunct="1">
+      <a:lvl4pPr marL="2240280" indent="-320040" algn="l" defTabSz="1280160" rtl="0" eaLnBrk="1" latinLnBrk="0" hangingPunct="1">
         <a:lnSpc>
           <a:spcPct val="120000"/>
         </a:lnSpc>
         <a:spcBef>
-          <a:spcPts val="500"/>
+          <a:spcPts val="700"/>
         </a:spcBef>
         <a:buClr>
           <a:schemeClr val="accent1"/>
@@ -9813,7 +9813,7 @@
         <a:buSzPct val="160000"/>
         <a:buFont typeface="Arial" panose="020B0604020202020204" pitchFamily="34" charset="0"/>
         <a:buChar char="•"/>
-        <a:defRPr sz="1400" kern="1200" cap="all" baseline="0">
+        <a:defRPr sz="1960" kern="1200" cap="all" baseline="0">
           <a:solidFill>
             <a:schemeClr val="tx1"/>
           </a:solidFill>
@@ -9823,12 +9823,12 @@
           <a:cs typeface="+mn-cs"/>
         </a:defRPr>
       </a:lvl4pPr>
-      <a:lvl5pPr marL="2057441" indent="-228605" algn="l" defTabSz="914418" rtl="0" eaLnBrk="1" latinLnBrk="0" hangingPunct="1">
+      <a:lvl5pPr marL="2880360" indent="-320040" algn="l" defTabSz="1280160" rtl="0" eaLnBrk="1" latinLnBrk="0" hangingPunct="1">
         <a:lnSpc>
           <a:spcPct val="120000"/>
         </a:lnSpc>
         <a:spcBef>
-          <a:spcPts val="500"/>
+          <a:spcPts val="700"/>
         </a:spcBef>
         <a:buClr>
           <a:schemeClr val="accent1"/>
@@ -9836,7 +9836,7 @@
         <a:buSzPct val="160000"/>
         <a:buFont typeface="Arial" panose="020B0604020202020204" pitchFamily="34" charset="0"/>
         <a:buChar char="•"/>
-        <a:defRPr sz="1400" kern="1200" cap="all" baseline="0">
+        <a:defRPr sz="1960" kern="1200" cap="all" baseline="0">
           <a:solidFill>
             <a:schemeClr val="tx1"/>
           </a:solidFill>
@@ -9846,12 +9846,12 @@
           <a:cs typeface="+mn-cs"/>
         </a:defRPr>
       </a:lvl5pPr>
-      <a:lvl6pPr marL="2514650" indent="-228605" algn="l" defTabSz="914418" rtl="0" eaLnBrk="1" latinLnBrk="0" hangingPunct="1">
+      <a:lvl6pPr marL="3520440" indent="-320040" algn="l" defTabSz="1280160" rtl="0" eaLnBrk="1" latinLnBrk="0" hangingPunct="1">
         <a:lnSpc>
           <a:spcPct val="120000"/>
         </a:lnSpc>
         <a:spcBef>
-          <a:spcPts val="500"/>
+          <a:spcPts val="700"/>
         </a:spcBef>
         <a:buClr>
           <a:schemeClr val="accent1"/>
@@ -9859,7 +9859,7 @@
         <a:buSzPct val="160000"/>
         <a:buFont typeface="Arial" panose="020B0604020202020204" pitchFamily="34" charset="0"/>
         <a:buChar char="•"/>
-        <a:defRPr sz="1400" kern="1200" cap="all" baseline="0">
+        <a:defRPr sz="1960" kern="1200" cap="all" baseline="0">
           <a:solidFill>
             <a:schemeClr val="tx1"/>
           </a:solidFill>
@@ -9869,12 +9869,12 @@
           <a:cs typeface="+mn-cs"/>
         </a:defRPr>
       </a:lvl6pPr>
-      <a:lvl7pPr marL="2971859" indent="-228605" algn="l" defTabSz="914418" rtl="0" eaLnBrk="1" latinLnBrk="0" hangingPunct="1">
+      <a:lvl7pPr marL="4160520" indent="-320040" algn="l" defTabSz="1280160" rtl="0" eaLnBrk="1" latinLnBrk="0" hangingPunct="1">
         <a:lnSpc>
           <a:spcPct val="120000"/>
         </a:lnSpc>
         <a:spcBef>
-          <a:spcPts val="500"/>
+          <a:spcPts val="700"/>
         </a:spcBef>
         <a:buClr>
           <a:schemeClr val="accent1"/>
@@ -9882,7 +9882,7 @@
         <a:buSzPct val="160000"/>
         <a:buFont typeface="Arial" panose="020B0604020202020204" pitchFamily="34" charset="0"/>
         <a:buChar char="•"/>
-        <a:defRPr sz="1400" kern="1200" cap="all" baseline="0">
+        <a:defRPr sz="1960" kern="1200" cap="all" baseline="0">
           <a:solidFill>
             <a:schemeClr val="tx1"/>
           </a:solidFill>
@@ -9892,12 +9892,12 @@
           <a:cs typeface="+mn-cs"/>
         </a:defRPr>
       </a:lvl7pPr>
-      <a:lvl8pPr marL="3429069" indent="-228605" algn="l" defTabSz="914418" rtl="0" eaLnBrk="1" latinLnBrk="0" hangingPunct="1">
+      <a:lvl8pPr marL="4800600" indent="-320040" algn="l" defTabSz="1280160" rtl="0" eaLnBrk="1" latinLnBrk="0" hangingPunct="1">
         <a:lnSpc>
           <a:spcPct val="120000"/>
         </a:lnSpc>
         <a:spcBef>
-          <a:spcPts val="500"/>
+          <a:spcPts val="700"/>
         </a:spcBef>
         <a:buClr>
           <a:schemeClr val="accent1"/>
@@ -9905,7 +9905,7 @@
         <a:buSzPct val="160000"/>
         <a:buFont typeface="Arial" panose="020B0604020202020204" pitchFamily="34" charset="0"/>
         <a:buChar char="•"/>
-        <a:defRPr sz="1400" kern="1200" cap="all" baseline="0">
+        <a:defRPr sz="1960" kern="1200" cap="all" baseline="0">
           <a:solidFill>
             <a:schemeClr val="tx1"/>
           </a:solidFill>
@@ -9915,12 +9915,12 @@
           <a:cs typeface="+mn-cs"/>
         </a:defRPr>
       </a:lvl8pPr>
-      <a:lvl9pPr marL="3886278" indent="-228605" algn="l" defTabSz="914418" rtl="0" eaLnBrk="1" latinLnBrk="0" hangingPunct="1">
+      <a:lvl9pPr marL="5440680" indent="-320040" algn="l" defTabSz="1280160" rtl="0" eaLnBrk="1" latinLnBrk="0" hangingPunct="1">
         <a:lnSpc>
           <a:spcPct val="120000"/>
         </a:lnSpc>
         <a:spcBef>
-          <a:spcPts val="500"/>
+          <a:spcPts val="700"/>
         </a:spcBef>
         <a:buClr>
           <a:schemeClr val="accent1"/>
@@ -9928,7 +9928,7 @@
         <a:buSzPct val="160000"/>
         <a:buFont typeface="Arial" panose="020B0604020202020204" pitchFamily="34" charset="0"/>
         <a:buChar char="•"/>
-        <a:defRPr sz="1400" kern="1200" cap="all" baseline="0">
+        <a:defRPr sz="1960" kern="1200" cap="all" baseline="0">
           <a:solidFill>
             <a:schemeClr val="tx1"/>
           </a:solidFill>
@@ -9943,8 +9943,8 @@
       <a:defPPr>
         <a:defRPr lang="en-US"/>
       </a:defPPr>
-      <a:lvl1pPr marL="0" algn="l" defTabSz="914418" rtl="0" eaLnBrk="1" latinLnBrk="0" hangingPunct="1">
-        <a:defRPr sz="1800" kern="1200">
+      <a:lvl1pPr marL="0" algn="l" defTabSz="1280160" rtl="0" eaLnBrk="1" latinLnBrk="0" hangingPunct="1">
+        <a:defRPr sz="2520" kern="1200">
           <a:solidFill>
             <a:schemeClr val="tx1"/>
           </a:solidFill>
@@ -9953,8 +9953,8 @@
           <a:cs typeface="+mn-cs"/>
         </a:defRPr>
       </a:lvl1pPr>
-      <a:lvl2pPr marL="457209" algn="l" defTabSz="914418" rtl="0" eaLnBrk="1" latinLnBrk="0" hangingPunct="1">
-        <a:defRPr sz="1800" kern="1200">
+      <a:lvl2pPr marL="640080" algn="l" defTabSz="1280160" rtl="0" eaLnBrk="1" latinLnBrk="0" hangingPunct="1">
+        <a:defRPr sz="2520" kern="1200">
           <a:solidFill>
             <a:schemeClr val="tx1"/>
           </a:solidFill>
@@ -9963,8 +9963,8 @@
           <a:cs typeface="+mn-cs"/>
         </a:defRPr>
       </a:lvl2pPr>
-      <a:lvl3pPr marL="914418" algn="l" defTabSz="914418" rtl="0" eaLnBrk="1" latinLnBrk="0" hangingPunct="1">
-        <a:defRPr sz="1800" kern="1200">
+      <a:lvl3pPr marL="1280160" algn="l" defTabSz="1280160" rtl="0" eaLnBrk="1" latinLnBrk="0" hangingPunct="1">
+        <a:defRPr sz="2520" kern="1200">
           <a:solidFill>
             <a:schemeClr val="tx1"/>
           </a:solidFill>
@@ -9973,8 +9973,8 @@
           <a:cs typeface="+mn-cs"/>
         </a:defRPr>
       </a:lvl3pPr>
-      <a:lvl4pPr marL="1371627" algn="l" defTabSz="914418" rtl="0" eaLnBrk="1" latinLnBrk="0" hangingPunct="1">
-        <a:defRPr sz="1800" kern="1200">
+      <a:lvl4pPr marL="1920240" algn="l" defTabSz="1280160" rtl="0" eaLnBrk="1" latinLnBrk="0" hangingPunct="1">
+        <a:defRPr sz="2520" kern="1200">
           <a:solidFill>
             <a:schemeClr val="tx1"/>
           </a:solidFill>
@@ -9983,8 +9983,8 @@
           <a:cs typeface="+mn-cs"/>
         </a:defRPr>
       </a:lvl4pPr>
-      <a:lvl5pPr marL="1828837" algn="l" defTabSz="914418" rtl="0" eaLnBrk="1" latinLnBrk="0" hangingPunct="1">
-        <a:defRPr sz="1800" kern="1200">
+      <a:lvl5pPr marL="2560320" algn="l" defTabSz="1280160" rtl="0" eaLnBrk="1" latinLnBrk="0" hangingPunct="1">
+        <a:defRPr sz="2520" kern="1200">
           <a:solidFill>
             <a:schemeClr val="tx1"/>
           </a:solidFill>
@@ -9993,8 +9993,8 @@
           <a:cs typeface="+mn-cs"/>
         </a:defRPr>
       </a:lvl5pPr>
-      <a:lvl6pPr marL="2286046" algn="l" defTabSz="914418" rtl="0" eaLnBrk="1" latinLnBrk="0" hangingPunct="1">
-        <a:defRPr sz="1800" kern="1200">
+      <a:lvl6pPr marL="3200400" algn="l" defTabSz="1280160" rtl="0" eaLnBrk="1" latinLnBrk="0" hangingPunct="1">
+        <a:defRPr sz="2520" kern="1200">
           <a:solidFill>
             <a:schemeClr val="tx1"/>
           </a:solidFill>
@@ -10003,8 +10003,8 @@
           <a:cs typeface="+mn-cs"/>
         </a:defRPr>
       </a:lvl6pPr>
-      <a:lvl7pPr marL="2743255" algn="l" defTabSz="914418" rtl="0" eaLnBrk="1" latinLnBrk="0" hangingPunct="1">
-        <a:defRPr sz="1800" kern="1200">
+      <a:lvl7pPr marL="3840480" algn="l" defTabSz="1280160" rtl="0" eaLnBrk="1" latinLnBrk="0" hangingPunct="1">
+        <a:defRPr sz="2520" kern="1200">
           <a:solidFill>
             <a:schemeClr val="tx1"/>
           </a:solidFill>
@@ -10013,8 +10013,8 @@
           <a:cs typeface="+mn-cs"/>
         </a:defRPr>
       </a:lvl7pPr>
-      <a:lvl8pPr marL="3200464" algn="l" defTabSz="914418" rtl="0" eaLnBrk="1" latinLnBrk="0" hangingPunct="1">
-        <a:defRPr sz="1800" kern="1200">
+      <a:lvl8pPr marL="4480560" algn="l" defTabSz="1280160" rtl="0" eaLnBrk="1" latinLnBrk="0" hangingPunct="1">
+        <a:defRPr sz="2520" kern="1200">
           <a:solidFill>
             <a:schemeClr val="tx1"/>
           </a:solidFill>
@@ -10023,8 +10023,8 @@
           <a:cs typeface="+mn-cs"/>
         </a:defRPr>
       </a:lvl8pPr>
-      <a:lvl9pPr marL="3657673" algn="l" defTabSz="914418" rtl="0" eaLnBrk="1" latinLnBrk="0" hangingPunct="1">
-        <a:defRPr sz="1800" kern="1200">
+      <a:lvl9pPr marL="5120640" algn="l" defTabSz="1280160" rtl="0" eaLnBrk="1" latinLnBrk="0" hangingPunct="1">
+        <a:defRPr sz="2520" kern="1200">
           <a:solidFill>
             <a:schemeClr val="tx1"/>
           </a:solidFill>
@@ -10076,8 +10076,8 @@
         </p:blipFill>
         <p:spPr bwMode="auto">
           <a:xfrm>
-            <a:off x="10010116" y="189512"/>
-            <a:ext cx="1502092" cy="670504"/>
+            <a:off x="13346822" y="-1347517"/>
+            <a:ext cx="2002789" cy="894005"/>
           </a:xfrm>
           <a:prstGeom prst="rect">
             <a:avLst/>
@@ -10106,8 +10106,8 @@
         </p:blipFill>
         <p:spPr bwMode="auto">
           <a:xfrm>
-            <a:off x="7919951" y="356724"/>
-            <a:ext cx="2027924" cy="435532"/>
+            <a:off x="10559935" y="-1124568"/>
+            <a:ext cx="2703899" cy="580709"/>
           </a:xfrm>
           <a:prstGeom prst="rect">
             <a:avLst/>
@@ -10123,8 +10123,8 @@
         </p:nvSpPr>
         <p:spPr>
           <a:xfrm>
-            <a:off x="1148548" y="143941"/>
-            <a:ext cx="6519734" cy="830997"/>
+            <a:off x="1531398" y="-1408279"/>
+            <a:ext cx="8635697" cy="1077218"/>
           </a:xfrm>
           <a:prstGeom prst="rect">
             <a:avLst/>
@@ -10138,13 +10138,13 @@
           <a:lstStyle/>
           <a:p>
             <a:r>
-              <a:rPr lang="en-ZA" sz="4000" b="1" dirty="0">
+              <a:rPr lang="en-ZA" sz="5333" b="1" dirty="0">
                 <a:latin typeface="Berlin Sans FB Demi" panose="020E0802020502020306" pitchFamily="34" charset="0"/>
               </a:rPr>
               <a:t>DVT </a:t>
             </a:r>
             <a:r>
-              <a:rPr lang="en-ZA" sz="4800" b="1" dirty="0">
+              <a:rPr lang="en-ZA" sz="6400" b="1" dirty="0">
                 <a:solidFill>
                   <a:schemeClr val="accent4">
                     <a:lumMod val="50000"/>
@@ -10155,14 +10155,11 @@
               <a:t>DriveStats</a:t>
             </a:r>
             <a:r>
-              <a:rPr lang="en-ZA" sz="4000" b="1" dirty="0">
+              <a:rPr lang="en-ZA" sz="5333" b="1" dirty="0">
                 <a:latin typeface="Berlin Sans FB Demi" panose="020E0802020502020306" pitchFamily="34" charset="0"/>
               </a:rPr>
               <a:t> Algorithm</a:t>
             </a:r>
-            <a:endParaRPr lang="en-ZA" sz="4000" b="1" dirty="0">
-              <a:latin typeface="Berlin Sans FB Demi" panose="020E0802020502020306" pitchFamily="34" charset="0"/>
-            </a:endParaRPr>
           </a:p>
         </p:txBody>
       </p:sp>
@@ -10174,8 +10171,8 @@
         </p:nvSpPr>
         <p:spPr>
           <a:xfrm>
-            <a:off x="70421" y="1508834"/>
-            <a:ext cx="3492841" cy="1433383"/>
+            <a:off x="93896" y="411580"/>
+            <a:ext cx="4657121" cy="1911177"/>
           </a:xfrm>
           <a:prstGeom prst="roundRect">
             <a:avLst/>
@@ -10203,7 +10200,7 @@
           <a:p>
             <a:pPr algn="ctr"/>
             <a:r>
-              <a:rPr lang="en-ZA" dirty="0">
+              <a:rPr lang="en-ZA" sz="2823" dirty="0">
                 <a:latin typeface="Berlin Sans FB Demi" panose="020E0802020502020306" pitchFamily="34" charset="0"/>
               </a:rPr>
               <a:t>What is an algorithm?</a:t>
@@ -10212,7 +10209,7 @@
           <a:p>
             <a:pPr algn="just"/>
             <a:r>
-              <a:rPr lang="en-ZA" sz="1200" dirty="0">
+              <a:rPr lang="en-ZA" sz="1600" dirty="0">
                 <a:solidFill>
                   <a:srgbClr val="002060"/>
                 </a:solidFill>
@@ -10220,12 +10217,6 @@
               </a:rPr>
               <a:t>Algorithm is a process and set of rules to be followed in calculations or other problem-solving operations, especially by a computer.</a:t>
             </a:r>
-            <a:endParaRPr lang="en-ZA" sz="1200" dirty="0">
-              <a:solidFill>
-                <a:srgbClr val="002060"/>
-              </a:solidFill>
-              <a:latin typeface="Berlin Sans FB Demi" panose="020E0802020502020306" pitchFamily="34" charset="0"/>
-            </a:endParaRPr>
           </a:p>
         </p:txBody>
       </p:sp>
@@ -10237,8 +10228,8 @@
         </p:nvSpPr>
         <p:spPr>
           <a:xfrm>
-            <a:off x="4106757" y="1508834"/>
-            <a:ext cx="3492841" cy="1433383"/>
+            <a:off x="5475677" y="411580"/>
+            <a:ext cx="4657121" cy="1911177"/>
           </a:xfrm>
           <a:prstGeom prst="roundRect">
             <a:avLst/>
@@ -10266,7 +10257,7 @@
           <a:p>
             <a:pPr algn="ctr"/>
             <a:r>
-              <a:rPr lang="en-ZA" dirty="0">
+              <a:rPr lang="en-ZA" sz="2823" dirty="0">
                 <a:latin typeface="Berlin Sans FB Demi" panose="020E0802020502020306" pitchFamily="34" charset="0"/>
               </a:rPr>
               <a:t>What does the DVT DriveStats algorithm do?</a:t>
@@ -10275,7 +10266,7 @@
           <a:p>
             <a:pPr algn="just"/>
             <a:r>
-              <a:rPr lang="en-ZA" sz="1200" dirty="0">
+              <a:rPr lang="en-ZA" sz="1600" dirty="0">
                 <a:solidFill>
                   <a:schemeClr val="accent2">
                     <a:lumMod val="50000"/>
@@ -10285,14 +10276,6 @@
               </a:rPr>
               <a:t>Our algorithm makes use of a few very interesting properties of common statistics to give a driver a score for the quality of the their driving out of 10.</a:t>
             </a:r>
-            <a:endParaRPr lang="en-ZA" sz="1200" dirty="0">
-              <a:solidFill>
-                <a:schemeClr val="accent2">
-                  <a:lumMod val="50000"/>
-                </a:schemeClr>
-              </a:solidFill>
-              <a:latin typeface="Berlin Sans FB Demi" panose="020E0802020502020306" pitchFamily="34" charset="0"/>
-            </a:endParaRPr>
           </a:p>
         </p:txBody>
       </p:sp>
@@ -10304,8 +10287,8 @@
         </p:nvSpPr>
         <p:spPr>
           <a:xfrm>
-            <a:off x="3579560" y="2035477"/>
-            <a:ext cx="610304" cy="305952"/>
+            <a:off x="4772747" y="1113769"/>
+            <a:ext cx="813739" cy="407936"/>
           </a:xfrm>
           <a:prstGeom prst="rightArrow">
             <a:avLst/>
@@ -10332,7 +10315,7 @@
           <a:lstStyle/>
           <a:p>
             <a:pPr algn="ctr"/>
-            <a:endParaRPr lang="en-ZA">
+            <a:endParaRPr lang="en-ZA" sz="2823">
               <a:latin typeface="Berlin Sans FB Demi" panose="020E0802020502020306" pitchFamily="34" charset="0"/>
             </a:endParaRPr>
           </a:p>
@@ -10346,8 +10329,8 @@
         </p:nvSpPr>
         <p:spPr>
           <a:xfrm>
-            <a:off x="8143094" y="1436832"/>
-            <a:ext cx="3492841" cy="1600963"/>
+            <a:off x="10857460" y="315577"/>
+            <a:ext cx="4657121" cy="2134617"/>
           </a:xfrm>
           <a:prstGeom prst="roundRect">
             <a:avLst/>
@@ -10375,7 +10358,7 @@
           <a:p>
             <a:pPr algn="ctr"/>
             <a:r>
-              <a:rPr lang="en-ZA" dirty="0">
+              <a:rPr lang="en-ZA" sz="2823" dirty="0">
                 <a:latin typeface="Berlin Sans FB Demi" panose="020E0802020502020306" pitchFamily="34" charset="0"/>
               </a:rPr>
               <a:t>How does it work?</a:t>
@@ -10384,7 +10367,7 @@
           <a:p>
             <a:pPr algn="just"/>
             <a:r>
-              <a:rPr lang="en-ZA" sz="1050" dirty="0">
+              <a:rPr lang="en-ZA" sz="1400" dirty="0">
                 <a:solidFill>
                   <a:schemeClr val="accent2">
                     <a:lumMod val="75000"/>
@@ -10394,7 +10377,7 @@
               </a:rPr>
               <a:t>Using the data gathered from sensors built into all modern android devices we are able to determine a person’s acceleration in the x, y, and z axes, as well as many other important facts. By taking samples from these sensors at regular intervals (currently we have found that 1/3 of a second works well), we are able to estimate the manner in which an individual has been driving.</a:t>
             </a:r>
-            <a:endParaRPr lang="en-ZA" sz="1200" dirty="0">
+            <a:endParaRPr lang="en-ZA" sz="1600" dirty="0">
               <a:solidFill>
                 <a:schemeClr val="accent2">
                   <a:lumMod val="75000"/>
@@ -10413,8 +10396,8 @@
         </p:nvSpPr>
         <p:spPr>
           <a:xfrm>
-            <a:off x="7599597" y="2072547"/>
-            <a:ext cx="610304" cy="305952"/>
+            <a:off x="10132796" y="1163196"/>
+            <a:ext cx="813739" cy="407936"/>
           </a:xfrm>
           <a:prstGeom prst="rightArrow">
             <a:avLst/>
@@ -10441,14 +10424,14 @@
           <a:lstStyle/>
           <a:p>
             <a:pPr algn="ctr"/>
-            <a:endParaRPr lang="en-ZA">
+            <a:endParaRPr lang="en-ZA" sz="2823">
               <a:latin typeface="Berlin Sans FB Demi" panose="020E0802020502020306" pitchFamily="34" charset="0"/>
             </a:endParaRPr>
           </a:p>
         </p:txBody>
       </p:sp>
-      <mc:AlternateContent xmlns:mc="http://schemas.openxmlformats.org/markup-compatibility/2006">
-        <mc:Choice xmlns:a14="http://schemas.microsoft.com/office/drawing/2010/main" Requires="a14">
+      <mc:AlternateContent xmlns:mc="http://schemas.openxmlformats.org/markup-compatibility/2006" xmlns:a14="http://schemas.microsoft.com/office/drawing/2010/main">
+        <mc:Choice Requires="a14">
           <p:sp>
             <p:nvSpPr>
               <p:cNvPr id="14" name="Rounded Rectangle 13"/>
@@ -10457,8 +10440,8 @@
             </p:nvSpPr>
             <p:spPr>
               <a:xfrm>
-                <a:off x="70421" y="3037795"/>
-                <a:ext cx="3492841" cy="4658405"/>
+                <a:off x="93896" y="2450194"/>
+                <a:ext cx="4657121" cy="6211207"/>
               </a:xfrm>
               <a:prstGeom prst="roundRect">
                 <a:avLst/>
@@ -10483,19 +10466,19 @@
               <a:lstStyle/>
               <a:p>
                 <a:pPr algn="ctr"/>
-                <a:endParaRPr lang="en-ZA" sz="1600" dirty="0">
+                <a:endParaRPr lang="en-ZA" sz="2133" dirty="0">
                   <a:latin typeface="Berlin Sans FB Demi" panose="020E0802020502020306" pitchFamily="34" charset="0"/>
                 </a:endParaRPr>
               </a:p>
               <a:p>
                 <a:pPr algn="ctr"/>
                 <a:r>
-                  <a:rPr lang="en-ZA" sz="1600" dirty="0">
+                  <a:rPr lang="en-ZA" sz="2133" dirty="0">
                     <a:latin typeface="Berlin Sans FB Demi" panose="020E0802020502020306" pitchFamily="34" charset="0"/>
                   </a:rPr>
                   <a:t>What problems did we overcome?</a:t>
                 </a:r>
-                <a:endParaRPr lang="en-ZA" sz="800" b="1" dirty="0">
+                <a:endParaRPr lang="en-ZA" sz="1067" b="1" dirty="0">
                   <a:solidFill>
                     <a:schemeClr val="accent2">
                       <a:lumMod val="50000"/>
@@ -10507,7 +10490,7 @@
               <a:p>
                 <a:pPr algn="just"/>
                 <a:r>
-                  <a:rPr lang="en-ZA" sz="800" b="1" dirty="0">
+                  <a:rPr lang="en-ZA" sz="1067" b="1" dirty="0">
                     <a:solidFill>
                       <a:schemeClr val="accent2">
                         <a:lumMod val="50000"/>
@@ -10521,7 +10504,7 @@
               <a:p>
                 <a:pPr algn="just"/>
                 <a:r>
-                  <a:rPr lang="en-ZA" sz="800" dirty="0">
+                  <a:rPr lang="en-ZA" sz="1067" dirty="0">
                     <a:solidFill>
                       <a:schemeClr val="accent2">
                         <a:lumMod val="50000"/>
@@ -10529,24 +10512,13 @@
                     </a:solidFill>
                     <a:latin typeface="Berlin Sans FB Demi" panose="020E0802020502020306" pitchFamily="34" charset="0"/>
                   </a:rPr>
-                  <a:t>1</a:t>
-                </a:r>
-                <a:r>
-                  <a:rPr lang="en-ZA" sz="800" dirty="0">
-                    <a:solidFill>
-                      <a:schemeClr val="accent2">
-                        <a:lumMod val="50000"/>
-                      </a:schemeClr>
-                    </a:solidFill>
-                    <a:latin typeface="Berlin Sans FB Demi" panose="020E0802020502020306" pitchFamily="34" charset="0"/>
-                  </a:rPr>
-                  <a:t>) What data should we gather?</a:t>
+                  <a:t>1) What data should we gather?</a:t>
                 </a:r>
               </a:p>
               <a:p>
                 <a:pPr algn="just"/>
                 <a:r>
-                  <a:rPr lang="en-ZA" sz="800" dirty="0">
+                  <a:rPr lang="en-ZA" sz="1067" dirty="0">
                     <a:solidFill>
                       <a:schemeClr val="accent2">
                         <a:lumMod val="75000"/>
@@ -10560,7 +10532,7 @@
               <a:p>
                 <a:pPr algn="just"/>
                 <a:r>
-                  <a:rPr lang="en-ZA" sz="800" dirty="0">
+                  <a:rPr lang="en-ZA" sz="1067" dirty="0">
                     <a:solidFill>
                       <a:schemeClr val="accent1">
                         <a:lumMod val="50000"/>
@@ -10574,7 +10546,7 @@
               <a:p>
                 <a:pPr algn="just"/>
                 <a:r>
-                  <a:rPr lang="en-ZA" sz="800" dirty="0">
+                  <a:rPr lang="en-ZA" sz="1067" dirty="0">
                     <a:solidFill>
                       <a:schemeClr val="accent1">
                         <a:lumMod val="60000"/>
@@ -10589,7 +10561,7 @@
               <a:p>
                 <a:pPr algn="just"/>
                 <a:r>
-                  <a:rPr lang="en-ZA" sz="800" b="1" dirty="0">
+                  <a:rPr lang="en-ZA" sz="1067" b="1" dirty="0">
                     <a:solidFill>
                       <a:schemeClr val="accent1">
                         <a:lumMod val="60000"/>
@@ -10601,7 +10573,7 @@
                   <a:t>Forward Acceleration</a:t>
                 </a:r>
                 <a:r>
-                  <a:rPr lang="en-ZA" sz="800" dirty="0">
+                  <a:rPr lang="en-ZA" sz="1067" dirty="0">
                     <a:solidFill>
                       <a:schemeClr val="accent1">
                         <a:lumMod val="60000"/>
@@ -10615,7 +10587,7 @@
                 <a14:m>
                   <m:oMath xmlns:m="http://schemas.openxmlformats.org/officeDocument/2006/math">
                     <m:r>
-                      <a:rPr lang="en-ZA" sz="800" i="1" dirty="0">
+                      <a:rPr lang="en-ZA" sz="1067" i="1" dirty="0">
                         <a:solidFill>
                           <a:schemeClr val="accent1">
                             <a:lumMod val="60000"/>
@@ -10627,7 +10599,7 @@
                       <m:t>4.2</m:t>
                     </m:r>
                     <m:r>
-                      <a:rPr lang="en-ZA" sz="800" i="1">
+                      <a:rPr lang="en-ZA" sz="1067" i="1">
                         <a:solidFill>
                           <a:schemeClr val="accent1">
                             <a:lumMod val="60000"/>
@@ -10641,7 +10613,7 @@
                     <m:sSup>
                       <m:sSupPr>
                         <m:ctrlPr>
-                          <a:rPr lang="en-ZA" sz="800" i="1">
+                          <a:rPr lang="en-ZA" sz="1067" i="1">
                             <a:solidFill>
                               <a:schemeClr val="accent1">
                                 <a:lumMod val="60000"/>
@@ -10654,7 +10626,7 @@
                       </m:sSupPr>
                       <m:e>
                         <m:r>
-                          <a:rPr lang="en-ZA" sz="800" i="1">
+                          <a:rPr lang="en-ZA" sz="1067" i="1">
                             <a:solidFill>
                               <a:schemeClr val="accent1">
                                 <a:lumMod val="60000"/>
@@ -10668,7 +10640,7 @@
                       </m:e>
                       <m:sup>
                         <m:r>
-                          <a:rPr lang="en-ZA" sz="800" i="1">
+                          <a:rPr lang="en-ZA" sz="1067" i="1">
                             <a:solidFill>
                               <a:schemeClr val="accent1">
                                 <a:lumMod val="60000"/>
@@ -10683,7 +10655,7 @@
                     </m:sSup>
                   </m:oMath>
                 </a14:m>
-                <a:endParaRPr lang="en-ZA" sz="800" dirty="0">
+                <a:endParaRPr lang="en-ZA" sz="1067" dirty="0">
                   <a:solidFill>
                     <a:schemeClr val="accent1">
                       <a:lumMod val="60000"/>
@@ -10696,7 +10668,7 @@
               <a:p>
                 <a:pPr algn="just"/>
                 <a:r>
-                  <a:rPr lang="en-ZA" sz="800" dirty="0">
+                  <a:rPr lang="en-ZA" sz="1067" dirty="0">
                     <a:solidFill>
                       <a:schemeClr val="accent1">
                         <a:lumMod val="60000"/>
@@ -10710,7 +10682,7 @@
                 <a14:m>
                   <m:oMath xmlns:m="http://schemas.openxmlformats.org/officeDocument/2006/math">
                     <m:r>
-                      <a:rPr lang="en-ZA" sz="800" i="1">
+                      <a:rPr lang="en-ZA" sz="1067" i="1">
                         <a:solidFill>
                           <a:schemeClr val="accent1">
                             <a:lumMod val="60000"/>
@@ -10722,7 +10694,7 @@
                       <m:t>3</m:t>
                     </m:r>
                     <m:r>
-                      <a:rPr lang="en-ZA" sz="800" i="1">
+                      <a:rPr lang="en-ZA" sz="1067" i="1">
                         <a:solidFill>
                           <a:schemeClr val="accent1">
                             <a:lumMod val="60000"/>
@@ -10736,7 +10708,7 @@
                     <m:sSup>
                       <m:sSupPr>
                         <m:ctrlPr>
-                          <a:rPr lang="en-ZA" sz="800" i="1">
+                          <a:rPr lang="en-ZA" sz="1067" i="1">
                             <a:solidFill>
                               <a:schemeClr val="accent1">
                                 <a:lumMod val="60000"/>
@@ -10749,7 +10721,7 @@
                       </m:sSupPr>
                       <m:e>
                         <m:r>
-                          <a:rPr lang="en-ZA" sz="800" i="1">
+                          <a:rPr lang="en-ZA" sz="1067" i="1">
                             <a:solidFill>
                               <a:schemeClr val="accent1">
                                 <a:lumMod val="60000"/>
@@ -10763,7 +10735,7 @@
                       </m:e>
                       <m:sup>
                         <m:r>
-                          <a:rPr lang="en-ZA" sz="800" i="1">
+                          <a:rPr lang="en-ZA" sz="1067" i="1">
                             <a:solidFill>
                               <a:schemeClr val="accent1">
                                 <a:lumMod val="60000"/>
@@ -10778,7 +10750,7 @@
                     </m:sSup>
                   </m:oMath>
                 </a14:m>
-                <a:endParaRPr lang="en-ZA" sz="800" dirty="0">
+                <a:endParaRPr lang="en-ZA" sz="1067" dirty="0">
                   <a:solidFill>
                     <a:schemeClr val="accent1">
                       <a:lumMod val="60000"/>
@@ -10791,7 +10763,7 @@
               <a:p>
                 <a:pPr algn="just"/>
                 <a:r>
-                  <a:rPr lang="en-ZA" sz="800" b="1" dirty="0">
+                  <a:rPr lang="en-ZA" sz="1067" b="1" dirty="0">
                     <a:solidFill>
                       <a:schemeClr val="accent1">
                         <a:lumMod val="60000"/>
@@ -10803,7 +10775,7 @@
                   <a:t>Vertical Acceleration</a:t>
                 </a:r>
                 <a:r>
-                  <a:rPr lang="en-ZA" sz="800" dirty="0">
+                  <a:rPr lang="en-ZA" sz="1067" dirty="0">
                     <a:solidFill>
                       <a:schemeClr val="accent1">
                         <a:lumMod val="60000"/>
@@ -10817,7 +10789,7 @@
                 <a14:m>
                   <m:oMath xmlns:m="http://schemas.openxmlformats.org/officeDocument/2006/math">
                     <m:r>
-                      <a:rPr lang="en-ZA" sz="800" i="1" dirty="0">
+                      <a:rPr lang="en-ZA" sz="1067" i="1" dirty="0">
                         <a:solidFill>
                           <a:schemeClr val="accent1">
                             <a:lumMod val="60000"/>
@@ -10829,7 +10801,7 @@
                       <m:t>2</m:t>
                     </m:r>
                     <m:r>
-                      <a:rPr lang="en-ZA" sz="800" i="1">
+                      <a:rPr lang="en-ZA" sz="1067" i="1">
                         <a:solidFill>
                           <a:schemeClr val="accent1">
                             <a:lumMod val="60000"/>
@@ -10843,7 +10815,7 @@
                     <m:sSup>
                       <m:sSupPr>
                         <m:ctrlPr>
-                          <a:rPr lang="en-ZA" sz="800" i="1">
+                          <a:rPr lang="en-ZA" sz="1067" i="1">
                             <a:solidFill>
                               <a:schemeClr val="accent1">
                                 <a:lumMod val="60000"/>
@@ -10856,7 +10828,7 @@
                       </m:sSupPr>
                       <m:e>
                         <m:r>
-                          <a:rPr lang="en-ZA" sz="800" i="1">
+                          <a:rPr lang="en-ZA" sz="1067" i="1">
                             <a:solidFill>
                               <a:schemeClr val="accent1">
                                 <a:lumMod val="60000"/>
@@ -10870,7 +10842,7 @@
                       </m:e>
                       <m:sup>
                         <m:r>
-                          <a:rPr lang="en-ZA" sz="800" i="1">
+                          <a:rPr lang="en-ZA" sz="1067" i="1">
                             <a:solidFill>
                               <a:schemeClr val="accent1">
                                 <a:lumMod val="60000"/>
@@ -10885,7 +10857,7 @@
                     </m:sSup>
                   </m:oMath>
                 </a14:m>
-                <a:endParaRPr lang="en-ZA" sz="800" dirty="0">
+                <a:endParaRPr lang="en-ZA" sz="1067" dirty="0">
                   <a:solidFill>
                     <a:schemeClr val="tx1">
                       <a:lumMod val="95000"/>
@@ -10898,7 +10870,7 @@
               <a:p>
                 <a:pPr algn="just"/>
                 <a:r>
-                  <a:rPr lang="en-ZA" sz="800" dirty="0">
+                  <a:rPr lang="en-ZA" sz="1067" dirty="0">
                     <a:solidFill>
                       <a:schemeClr val="tx1">
                         <a:lumMod val="95000"/>
@@ -10913,7 +10885,7 @@
               <a:p>
                 <a:pPr algn="just"/>
                 <a:r>
-                  <a:rPr lang="en-ZA" sz="800" dirty="0">
+                  <a:rPr lang="en-ZA" sz="1067" dirty="0">
                     <a:solidFill>
                       <a:schemeClr val="bg1">
                         <a:lumMod val="50000"/>
@@ -10927,7 +10899,7 @@
               <a:p>
                 <a:pPr algn="just"/>
                 <a:r>
-                  <a:rPr lang="en-ZA" sz="800" dirty="0">
+                  <a:rPr lang="en-ZA" sz="1067" dirty="0">
                     <a:solidFill>
                       <a:schemeClr val="accent6">
                         <a:lumMod val="50000"/>
@@ -10941,7 +10913,7 @@
               <a:p>
                 <a:pPr algn="just"/>
                 <a:r>
-                  <a:rPr lang="en-ZA" sz="800" dirty="0">
+                  <a:rPr lang="en-ZA" sz="1067" dirty="0">
                     <a:solidFill>
                       <a:schemeClr val="accent6">
                         <a:lumMod val="60000"/>
@@ -10950,45 +10922,12 @@
                     </a:solidFill>
                     <a:latin typeface="Berlin Sans FB Demi" panose="020E0802020502020306" pitchFamily="34" charset="0"/>
                   </a:rPr>
-                  <a:t>Fortunately, follows </a:t>
+                  <a:t>Fortunately, follows a layout called a Poisson distribution; because it expresses the probability of a given number of events occurring in a fixed interval of time and/or space if these events occur with a known average rate. Because of several properties of our data we observe out data closely approximating a normal distribution.</a:t>
                 </a:r>
-                <a:r>
-                  <a:rPr lang="en-ZA" sz="800" dirty="0">
-                    <a:solidFill>
-                      <a:schemeClr val="accent6">
-                        <a:lumMod val="60000"/>
-                        <a:lumOff val="40000"/>
-                      </a:schemeClr>
-                    </a:solidFill>
-                    <a:latin typeface="Berlin Sans FB Demi" panose="020E0802020502020306" pitchFamily="34" charset="0"/>
-                  </a:rPr>
-                  <a:t>a layout called a Poisson distribution; because it expresses the probability of a given number of events occurring in a fixed interval of time and/or space if these events occur with a known average </a:t>
-                </a:r>
-                <a:r>
-                  <a:rPr lang="en-ZA" sz="800" dirty="0">
-                    <a:solidFill>
-                      <a:schemeClr val="accent6">
-                        <a:lumMod val="60000"/>
-                        <a:lumOff val="40000"/>
-                      </a:schemeClr>
-                    </a:solidFill>
-                    <a:latin typeface="Berlin Sans FB Demi" panose="020E0802020502020306" pitchFamily="34" charset="0"/>
-                  </a:rPr>
-                  <a:t>rate. Because of several properties of our data we observe out data closely approximating a normal distribution.</a:t>
-                </a:r>
-                <a:endParaRPr lang="en-ZA" sz="800" dirty="0">
-                  <a:solidFill>
-                    <a:schemeClr val="accent6">
-                      <a:lumMod val="60000"/>
-                      <a:lumOff val="40000"/>
-                    </a:schemeClr>
-                  </a:solidFill>
-                  <a:latin typeface="Berlin Sans FB Demi" panose="020E0802020502020306" pitchFamily="34" charset="0"/>
-                </a:endParaRPr>
               </a:p>
               <a:p>
                 <a:pPr algn="just"/>
-                <a:endParaRPr lang="en-ZA" sz="1200" dirty="0">
+                <a:endParaRPr lang="en-ZA" sz="1600" dirty="0">
                   <a:solidFill>
                     <a:schemeClr val="accent1">
                       <a:lumMod val="60000"/>
@@ -11000,7 +10939,7 @@
               </a:p>
               <a:p>
                 <a:pPr algn="just"/>
-                <a:endParaRPr lang="en-ZA" sz="1200" dirty="0">
+                <a:endParaRPr lang="en-ZA" sz="1600" dirty="0">
                   <a:solidFill>
                     <a:schemeClr val="accent2">
                       <a:lumMod val="50000"/>
@@ -11011,7 +10950,7 @@
               </a:p>
               <a:p>
                 <a:pPr algn="just"/>
-                <a:endParaRPr lang="en-ZA" sz="1200" dirty="0">
+                <a:endParaRPr lang="en-ZA" sz="1600" dirty="0">
                   <a:solidFill>
                     <a:schemeClr val="accent2">
                       <a:lumMod val="50000"/>
@@ -11021,10 +10960,10 @@
                 </a:endParaRPr>
               </a:p>
               <a:p>
-                <a:pPr marL="228605" indent="-228605" algn="just">
+                <a:pPr marL="304799" indent="-304799" algn="just">
                   <a:buAutoNum type="arabicParenR"/>
                 </a:pPr>
-                <a:endParaRPr lang="en-ZA" sz="1200" dirty="0">
+                <a:endParaRPr lang="en-ZA" sz="1600" dirty="0">
                   <a:solidFill>
                     <a:schemeClr val="accent2">
                       <a:lumMod val="50000"/>
@@ -11034,10 +10973,10 @@
                 </a:endParaRPr>
               </a:p>
               <a:p>
-                <a:pPr marL="228605" indent="-228605" algn="just">
+                <a:pPr marL="304799" indent="-304799" algn="just">
                   <a:buAutoNum type="arabicParenR"/>
                 </a:pPr>
-                <a:endParaRPr lang="en-ZA" sz="1200" dirty="0">
+                <a:endParaRPr lang="en-ZA" sz="1600" dirty="0">
                   <a:solidFill>
                     <a:schemeClr val="accent2">
                       <a:lumMod val="50000"/>
@@ -11049,7 +10988,7 @@
             </p:txBody>
           </p:sp>
         </mc:Choice>
-        <mc:Fallback>
+        <mc:Fallback xmlns="">
           <p:sp>
             <p:nvSpPr>
               <p:cNvPr id="14" name="Rounded Rectangle 13"/>
@@ -11109,8 +11048,8 @@
         </p:blipFill>
         <p:spPr bwMode="auto">
           <a:xfrm>
-            <a:off x="658415" y="6898933"/>
-            <a:ext cx="2309590" cy="513242"/>
+            <a:off x="877887" y="7598377"/>
+            <a:ext cx="3079453" cy="684323"/>
           </a:xfrm>
           <a:prstGeom prst="rect">
             <a:avLst/>
@@ -11140,8 +11079,8 @@
           </p:nvPr>
         </p:nvGraphicFramePr>
         <p:xfrm>
-          <a:off x="4545684" y="3505930"/>
-          <a:ext cx="5464432" cy="3642955"/>
+          <a:off x="6060912" y="3074374"/>
+          <a:ext cx="7285909" cy="4857273"/>
         </p:xfrm>
         <a:graphic>
           <a:graphicData uri="http://schemas.openxmlformats.org/drawingml/2006/diagram">
@@ -11172,8 +11111,8 @@
         </p:blipFill>
         <p:spPr bwMode="auto">
           <a:xfrm rot="1512699">
-            <a:off x="10474366" y="5147374"/>
-            <a:ext cx="1023394" cy="596259"/>
+            <a:off x="13965822" y="5262966"/>
+            <a:ext cx="1364525" cy="795012"/>
           </a:xfrm>
           <a:prstGeom prst="rect">
             <a:avLst/>
@@ -11220,8 +11159,8 @@
         </p:blipFill>
         <p:spPr bwMode="auto">
           <a:xfrm rot="20053135">
-            <a:off x="10445327" y="3465826"/>
-            <a:ext cx="895350" cy="596900"/>
+            <a:off x="13927103" y="3020901"/>
+            <a:ext cx="1193800" cy="795867"/>
           </a:xfrm>
           <a:prstGeom prst="rect">
             <a:avLst/>
@@ -11253,8 +11192,8 @@
         </p:nvSpPr>
         <p:spPr>
           <a:xfrm rot="9850399">
-            <a:off x="9992781" y="4103007"/>
-            <a:ext cx="453035" cy="64161"/>
+            <a:off x="13323709" y="3870477"/>
+            <a:ext cx="604047" cy="85548"/>
           </a:xfrm>
           <a:prstGeom prst="rightArrow">
             <a:avLst/>
@@ -11279,7 +11218,7 @@
           <a:lstStyle/>
           <a:p>
             <a:pPr algn="ctr"/>
-            <a:endParaRPr lang="en-ZA">
+            <a:endParaRPr lang="en-ZA" sz="2823">
               <a:latin typeface="Berlin Sans FB Demi" panose="020E0802020502020306" pitchFamily="34" charset="0"/>
             </a:endParaRPr>
           </a:p>
@@ -11293,8 +11232,8 @@
         </p:nvSpPr>
         <p:spPr>
           <a:xfrm rot="12134015">
-            <a:off x="10007220" y="5171760"/>
-            <a:ext cx="399939" cy="63266"/>
+            <a:off x="13342961" y="5295480"/>
+            <a:ext cx="533252" cy="84355"/>
           </a:xfrm>
           <a:prstGeom prst="rightArrow">
             <a:avLst/>
@@ -11319,7 +11258,7 @@
           <a:lstStyle/>
           <a:p>
             <a:pPr algn="ctr"/>
-            <a:endParaRPr lang="en-ZA">
+            <a:endParaRPr lang="en-ZA" sz="2823">
               <a:latin typeface="Berlin Sans FB Demi" panose="020E0802020502020306" pitchFamily="34" charset="0"/>
             </a:endParaRPr>
           </a:p>
@@ -11348,8 +11287,8 @@
         </p:blipFill>
         <p:spPr bwMode="auto">
           <a:xfrm rot="20218361">
-            <a:off x="7145848" y="6957618"/>
-            <a:ext cx="1217425" cy="382532"/>
+            <a:off x="9527798" y="7676624"/>
+            <a:ext cx="1623233" cy="510043"/>
           </a:xfrm>
           <a:prstGeom prst="rect">
             <a:avLst/>
@@ -11381,8 +11320,8 @@
         </p:nvSpPr>
         <p:spPr>
           <a:xfrm rot="14055460" flipV="1">
-            <a:off x="7238652" y="6969907"/>
-            <a:ext cx="335816" cy="45719"/>
+            <a:off x="9651536" y="7693010"/>
+            <a:ext cx="447755" cy="60959"/>
           </a:xfrm>
           <a:prstGeom prst="rightArrow">
             <a:avLst/>
@@ -11407,7 +11346,7 @@
           <a:lstStyle/>
           <a:p>
             <a:pPr algn="ctr"/>
-            <a:endParaRPr lang="en-ZA">
+            <a:endParaRPr lang="en-ZA" sz="2823">
               <a:latin typeface="Berlin Sans FB Demi" panose="020E0802020502020306" pitchFamily="34" charset="0"/>
             </a:endParaRPr>
           </a:p>
@@ -11421,8 +11360,8 @@
         </p:nvSpPr>
         <p:spPr>
           <a:xfrm>
-            <a:off x="11226800" y="9096375"/>
-            <a:ext cx="1574800" cy="504825"/>
+            <a:off x="14892469" y="8870750"/>
+            <a:ext cx="2099733" cy="673100"/>
           </a:xfrm>
           <a:prstGeom prst="round2DiagRect">
             <a:avLst/>
@@ -11449,7 +11388,7 @@
           <a:p>
             <a:pPr algn="just"/>
             <a:r>
-              <a:rPr lang="en-ZA" sz="500" dirty="0">
+              <a:rPr lang="en-ZA" sz="667" dirty="0">
                 <a:solidFill>
                   <a:schemeClr val="bg1"/>
                 </a:solidFill>
@@ -11460,12 +11399,12 @@
             </a:r>
           </a:p>
           <a:p>
-            <a:pPr marL="171454" indent="-171454" algn="just">
+            <a:pPr marL="228600" indent="-228600" algn="just">
               <a:buFont typeface="Arial" panose="020B0604020202020204" pitchFamily="34" charset="0"/>
               <a:buChar char="•"/>
             </a:pPr>
             <a:r>
-              <a:rPr lang="en-ZA" sz="500" dirty="0" err="1">
+              <a:rPr lang="en-ZA" sz="667" dirty="0" err="1">
                 <a:solidFill>
                   <a:schemeClr val="bg1"/>
                 </a:solidFill>
@@ -11475,7 +11414,7 @@
               <a:t>Prenil</a:t>
             </a:r>
             <a:r>
-              <a:rPr lang="en-ZA" sz="500" dirty="0">
+              <a:rPr lang="en-ZA" sz="667" dirty="0">
                 <a:solidFill>
                   <a:schemeClr val="bg1"/>
                 </a:solidFill>
@@ -11485,7 +11424,7 @@
               <a:t> </a:t>
             </a:r>
             <a:r>
-              <a:rPr lang="en-ZA" sz="500" dirty="0" err="1">
+              <a:rPr lang="en-ZA" sz="667" dirty="0" err="1">
                 <a:solidFill>
                   <a:schemeClr val="bg1"/>
                 </a:solidFill>
@@ -11494,7 +11433,7 @@
               </a:rPr>
               <a:t>Sewmohan</a:t>
             </a:r>
-            <a:endParaRPr lang="en-ZA" sz="500" dirty="0">
+            <a:endParaRPr lang="en-ZA" sz="667" dirty="0">
               <a:solidFill>
                 <a:schemeClr val="bg1"/>
               </a:solidFill>
@@ -11503,12 +11442,12 @@
             </a:endParaRPr>
           </a:p>
           <a:p>
-            <a:pPr marL="171454" indent="-171454" algn="just">
+            <a:pPr marL="228600" indent="-228600" algn="just">
               <a:buFont typeface="Arial" panose="020B0604020202020204" pitchFamily="34" charset="0"/>
               <a:buChar char="•"/>
             </a:pPr>
             <a:r>
-              <a:rPr lang="en-ZA" sz="500" dirty="0" err="1">
+              <a:rPr lang="en-ZA" sz="667" dirty="0" err="1">
                 <a:solidFill>
                   <a:schemeClr val="bg1"/>
                 </a:solidFill>
@@ -11518,7 +11457,7 @@
               <a:t>Jolandi</a:t>
             </a:r>
             <a:r>
-              <a:rPr lang="en-ZA" sz="500" dirty="0">
+              <a:rPr lang="en-ZA" sz="667" dirty="0">
                 <a:solidFill>
                   <a:schemeClr val="bg1"/>
                 </a:solidFill>
@@ -11528,7 +11467,7 @@
               <a:t> </a:t>
             </a:r>
             <a:r>
-              <a:rPr lang="en-ZA" sz="500" dirty="0" err="1">
+              <a:rPr lang="en-ZA" sz="667" dirty="0" err="1">
                 <a:solidFill>
                   <a:schemeClr val="bg1"/>
                 </a:solidFill>
@@ -11537,7 +11476,7 @@
               </a:rPr>
               <a:t>Swanepoel</a:t>
             </a:r>
-            <a:endParaRPr lang="en-ZA" sz="500" dirty="0">
+            <a:endParaRPr lang="en-ZA" sz="667" dirty="0">
               <a:solidFill>
                 <a:schemeClr val="bg1"/>
               </a:solidFill>
@@ -11570,8 +11509,8 @@
         </p:blipFill>
         <p:spPr bwMode="auto">
           <a:xfrm>
-            <a:off x="11956752" y="47198"/>
-            <a:ext cx="800398" cy="800398"/>
+            <a:off x="15942336" y="-1537269"/>
+            <a:ext cx="1067197" cy="1067197"/>
           </a:xfrm>
           <a:prstGeom prst="rect">
             <a:avLst/>

--- a/documentation/AlgorithmPoster.pptx
+++ b/documentation/AlgorithmPoster.pptx
@@ -898,7 +898,7 @@
 <dgm:dataModel xmlns:dgm="http://schemas.openxmlformats.org/drawingml/2006/diagram" xmlns:a="http://schemas.openxmlformats.org/drawingml/2006/main">
   <dgm:ptLst>
     <dgm:pt modelId="{69D9465D-5278-4893-90E4-FC4A404190FF}" type="doc">
-      <dgm:prSet loTypeId="urn:microsoft.com/office/officeart/2005/8/layout/bProcess4" loCatId="process" qsTypeId="urn:microsoft.com/office/officeart/2005/8/quickstyle/simple1" qsCatId="simple" csTypeId="urn:microsoft.com/office/officeart/2005/8/colors/colorful5" csCatId="colorful" phldr="1"/>
+      <dgm:prSet loTypeId="urn:microsoft.com/office/officeart/2005/8/layout/bProcess3" loCatId="process" qsTypeId="urn:microsoft.com/office/officeart/2005/8/quickstyle/simple1" qsCatId="simple" csTypeId="urn:microsoft.com/office/officeart/2005/8/colors/colorful5" csCatId="colorful" phldr="1"/>
       <dgm:spPr/>
       <dgm:t>
         <a:bodyPr/>
@@ -1205,7 +1205,7 @@
         <a:lstStyle/>
         <a:p>
           <a:r>
-            <a:rPr lang="en-ZA" smtClean="0">
+            <a:rPr lang="en-ZA" dirty="0" smtClean="0">
               <a:latin typeface="Corbel" panose="020B0503020204020204" pitchFamily="34" charset="0"/>
             </a:rPr>
             <a:t>Weightings are applied to the different readings from the sensors (because acceleration through a turn is worse than acceleration while moving forward, and acceleration upwards is even worse!)</a:t>
@@ -1279,11 +1279,11 @@
         </a:p>
       </dgm:t>
     </dgm:pt>
-    <dgm:pt modelId="{F41203AE-3D27-4DFC-B08E-BF6461080D2A}" type="pres">
+    <dgm:pt modelId="{AB7D1F4E-9312-4439-A2E4-A213510AFD26}" type="pres">
       <dgm:prSet presAssocID="{69D9465D-5278-4893-90E4-FC4A404190FF}" presName="Name0" presStyleCnt="0">
         <dgm:presLayoutVars>
           <dgm:dir/>
-          <dgm:resizeHandles/>
+          <dgm:resizeHandles val="exact"/>
         </dgm:presLayoutVars>
       </dgm:prSet>
       <dgm:spPr/>
@@ -1295,15 +1295,7 @@
         </a:p>
       </dgm:t>
     </dgm:pt>
-    <dgm:pt modelId="{9B9AB0DF-1520-478A-9272-0D99B8FD5BC6}" type="pres">
-      <dgm:prSet presAssocID="{D9BFE88D-86D5-4A4E-9864-049B66CE7B11}" presName="compNode" presStyleCnt="0"/>
-      <dgm:spPr/>
-    </dgm:pt>
-    <dgm:pt modelId="{DC903BB0-E430-4A21-B00B-32F4402C2D32}" type="pres">
-      <dgm:prSet presAssocID="{D9BFE88D-86D5-4A4E-9864-049B66CE7B11}" presName="dummyConnPt" presStyleCnt="0"/>
-      <dgm:spPr/>
-    </dgm:pt>
-    <dgm:pt modelId="{0111BCDE-244E-4E0C-9F45-971A15B0F1AB}" type="pres">
+    <dgm:pt modelId="{27F56413-FCFF-4273-949E-4AF04F853E29}" type="pres">
       <dgm:prSet presAssocID="{D9BFE88D-86D5-4A4E-9864-049B66CE7B11}" presName="node" presStyleLbl="node1" presStyleIdx="0" presStyleCnt="9">
         <dgm:presLayoutVars>
           <dgm:bulletEnabled val="1"/>
@@ -1318,8 +1310,8 @@
         </a:p>
       </dgm:t>
     </dgm:pt>
-    <dgm:pt modelId="{CF02E96F-6612-4447-A716-AF24BA2BAA38}" type="pres">
-      <dgm:prSet presAssocID="{8E23BBB5-4FFD-4603-8A8B-57D6A8F546C7}" presName="sibTrans" presStyleLbl="bgSibTrans2D1" presStyleIdx="0" presStyleCnt="8"/>
+    <dgm:pt modelId="{69300817-EA31-4152-B990-B317CFA67973}" type="pres">
+      <dgm:prSet presAssocID="{8E23BBB5-4FFD-4603-8A8B-57D6A8F546C7}" presName="sibTrans" presStyleLbl="sibTrans1D1" presStyleIdx="0" presStyleCnt="8"/>
       <dgm:spPr/>
       <dgm:t>
         <a:bodyPr/>
@@ -1329,15 +1321,18 @@
         </a:p>
       </dgm:t>
     </dgm:pt>
-    <dgm:pt modelId="{9A667FA2-187F-453F-A609-3E1D6425EF0B}" type="pres">
-      <dgm:prSet presAssocID="{F6AB84D7-DC04-4772-BBB8-08839E3E3B0E}" presName="compNode" presStyleCnt="0"/>
+    <dgm:pt modelId="{3192C467-49B7-423C-898A-FEF993C99F7E}" type="pres">
+      <dgm:prSet presAssocID="{8E23BBB5-4FFD-4603-8A8B-57D6A8F546C7}" presName="connectorText" presStyleLbl="sibTrans1D1" presStyleIdx="0" presStyleCnt="8"/>
       <dgm:spPr/>
+      <dgm:t>
+        <a:bodyPr/>
+        <a:lstStyle/>
+        <a:p>
+          <a:endParaRPr lang="en-ZA"/>
+        </a:p>
+      </dgm:t>
     </dgm:pt>
-    <dgm:pt modelId="{12C5FEA5-5DFB-44E9-A266-98FCF997518B}" type="pres">
-      <dgm:prSet presAssocID="{F6AB84D7-DC04-4772-BBB8-08839E3E3B0E}" presName="dummyConnPt" presStyleCnt="0"/>
-      <dgm:spPr/>
-    </dgm:pt>
-    <dgm:pt modelId="{5D23B8C8-D64B-484E-B55B-BD146A94EBE7}" type="pres">
+    <dgm:pt modelId="{2141B62C-AC3E-4A70-9DA9-08458AFC4B4F}" type="pres">
       <dgm:prSet presAssocID="{F6AB84D7-DC04-4772-BBB8-08839E3E3B0E}" presName="node" presStyleLbl="node1" presStyleIdx="1" presStyleCnt="9">
         <dgm:presLayoutVars>
           <dgm:bulletEnabled val="1"/>
@@ -1352,8 +1347,8 @@
         </a:p>
       </dgm:t>
     </dgm:pt>
-    <dgm:pt modelId="{6E02BA24-2FD9-4C78-8700-D63A6D75380B}" type="pres">
-      <dgm:prSet presAssocID="{730DAA83-5ECA-4C62-B660-9C169A24A198}" presName="sibTrans" presStyleLbl="bgSibTrans2D1" presStyleIdx="1" presStyleCnt="8"/>
+    <dgm:pt modelId="{6C2007A8-9FE5-4910-BD18-916BF21E7786}" type="pres">
+      <dgm:prSet presAssocID="{730DAA83-5ECA-4C62-B660-9C169A24A198}" presName="sibTrans" presStyleLbl="sibTrans1D1" presStyleIdx="1" presStyleCnt="8"/>
       <dgm:spPr/>
       <dgm:t>
         <a:bodyPr/>
@@ -1363,15 +1358,18 @@
         </a:p>
       </dgm:t>
     </dgm:pt>
-    <dgm:pt modelId="{35030BF2-BCB0-42C3-AB31-7179BE8CC150}" type="pres">
-      <dgm:prSet presAssocID="{C24C36EC-6312-42E6-85F3-613C20BC1376}" presName="compNode" presStyleCnt="0"/>
+    <dgm:pt modelId="{47429D45-F0E3-46D3-B01A-9F44F1D3371D}" type="pres">
+      <dgm:prSet presAssocID="{730DAA83-5ECA-4C62-B660-9C169A24A198}" presName="connectorText" presStyleLbl="sibTrans1D1" presStyleIdx="1" presStyleCnt="8"/>
       <dgm:spPr/>
+      <dgm:t>
+        <a:bodyPr/>
+        <a:lstStyle/>
+        <a:p>
+          <a:endParaRPr lang="en-ZA"/>
+        </a:p>
+      </dgm:t>
     </dgm:pt>
-    <dgm:pt modelId="{CB2515C7-E9BC-4E75-9C9B-EE2768D93063}" type="pres">
-      <dgm:prSet presAssocID="{C24C36EC-6312-42E6-85F3-613C20BC1376}" presName="dummyConnPt" presStyleCnt="0"/>
-      <dgm:spPr/>
-    </dgm:pt>
-    <dgm:pt modelId="{DB114CFE-3120-4EDC-8173-69948354E5C4}" type="pres">
+    <dgm:pt modelId="{2F582401-5E91-4678-A347-43B09F72D53E}" type="pres">
       <dgm:prSet presAssocID="{C24C36EC-6312-42E6-85F3-613C20BC1376}" presName="node" presStyleLbl="node1" presStyleIdx="2" presStyleCnt="9">
         <dgm:presLayoutVars>
           <dgm:bulletEnabled val="1"/>
@@ -1386,8 +1384,8 @@
         </a:p>
       </dgm:t>
     </dgm:pt>
-    <dgm:pt modelId="{B3F14615-A4E7-4DA6-B7C0-B9FBB08C1897}" type="pres">
-      <dgm:prSet presAssocID="{A015CC84-CBCB-49E3-9D9B-F66E30B67EB4}" presName="sibTrans" presStyleLbl="bgSibTrans2D1" presStyleIdx="2" presStyleCnt="8"/>
+    <dgm:pt modelId="{4316FBD8-E443-4F26-8A56-58843C2E3CA0}" type="pres">
+      <dgm:prSet presAssocID="{A015CC84-CBCB-49E3-9D9B-F66E30B67EB4}" presName="sibTrans" presStyleLbl="sibTrans1D1" presStyleIdx="2" presStyleCnt="8"/>
       <dgm:spPr/>
       <dgm:t>
         <a:bodyPr/>
@@ -1397,15 +1395,18 @@
         </a:p>
       </dgm:t>
     </dgm:pt>
-    <dgm:pt modelId="{51B2E9AB-3D79-49B1-BEBD-4D3750E0DBE2}" type="pres">
-      <dgm:prSet presAssocID="{AC0CA605-AB71-4DDA-8068-AE236D9C9B5B}" presName="compNode" presStyleCnt="0"/>
+    <dgm:pt modelId="{4421280F-03E8-4105-8A80-19B499284225}" type="pres">
+      <dgm:prSet presAssocID="{A015CC84-CBCB-49E3-9D9B-F66E30B67EB4}" presName="connectorText" presStyleLbl="sibTrans1D1" presStyleIdx="2" presStyleCnt="8"/>
       <dgm:spPr/>
+      <dgm:t>
+        <a:bodyPr/>
+        <a:lstStyle/>
+        <a:p>
+          <a:endParaRPr lang="en-ZA"/>
+        </a:p>
+      </dgm:t>
     </dgm:pt>
-    <dgm:pt modelId="{DBAF329C-2944-4956-911D-309355395790}" type="pres">
-      <dgm:prSet presAssocID="{AC0CA605-AB71-4DDA-8068-AE236D9C9B5B}" presName="dummyConnPt" presStyleCnt="0"/>
-      <dgm:spPr/>
-    </dgm:pt>
-    <dgm:pt modelId="{8B6115A6-6B88-4E8C-B7FC-E18F0AFA9CAB}" type="pres">
+    <dgm:pt modelId="{28ADFB63-5136-4E89-93B6-3A7E483E61F0}" type="pres">
       <dgm:prSet presAssocID="{AC0CA605-AB71-4DDA-8068-AE236D9C9B5B}" presName="node" presStyleLbl="node1" presStyleIdx="3" presStyleCnt="9">
         <dgm:presLayoutVars>
           <dgm:bulletEnabled val="1"/>
@@ -1420,8 +1421,8 @@
         </a:p>
       </dgm:t>
     </dgm:pt>
-    <dgm:pt modelId="{3C7DEFEB-D965-469F-891F-0F8B1239A0E7}" type="pres">
-      <dgm:prSet presAssocID="{A9DEF564-FDF7-4F00-998C-0108AF2F964C}" presName="sibTrans" presStyleLbl="bgSibTrans2D1" presStyleIdx="3" presStyleCnt="8"/>
+    <dgm:pt modelId="{059B6B66-3031-4510-8AE7-BB17D1B585F2}" type="pres">
+      <dgm:prSet presAssocID="{A9DEF564-FDF7-4F00-998C-0108AF2F964C}" presName="sibTrans" presStyleLbl="sibTrans1D1" presStyleIdx="3" presStyleCnt="8"/>
       <dgm:spPr/>
       <dgm:t>
         <a:bodyPr/>
@@ -1431,15 +1432,18 @@
         </a:p>
       </dgm:t>
     </dgm:pt>
-    <dgm:pt modelId="{95BA0601-87BE-4DEF-8582-2DEE0BA26A86}" type="pres">
-      <dgm:prSet presAssocID="{7B5F1AB1-A56B-4592-899D-948C07E9FCE7}" presName="compNode" presStyleCnt="0"/>
+    <dgm:pt modelId="{9056478E-F453-42D9-88A4-AC00F0403DF4}" type="pres">
+      <dgm:prSet presAssocID="{A9DEF564-FDF7-4F00-998C-0108AF2F964C}" presName="connectorText" presStyleLbl="sibTrans1D1" presStyleIdx="3" presStyleCnt="8"/>
       <dgm:spPr/>
+      <dgm:t>
+        <a:bodyPr/>
+        <a:lstStyle/>
+        <a:p>
+          <a:endParaRPr lang="en-ZA"/>
+        </a:p>
+      </dgm:t>
     </dgm:pt>
-    <dgm:pt modelId="{35B8CA03-6F34-4177-9B95-A8E8FDBAEAFD}" type="pres">
-      <dgm:prSet presAssocID="{7B5F1AB1-A56B-4592-899D-948C07E9FCE7}" presName="dummyConnPt" presStyleCnt="0"/>
-      <dgm:spPr/>
-    </dgm:pt>
-    <dgm:pt modelId="{4831F056-7731-46BB-8DF6-11307D2F1AEB}" type="pres">
+    <dgm:pt modelId="{97F24419-2708-42E8-9769-0A28F7BD71A6}" type="pres">
       <dgm:prSet presAssocID="{7B5F1AB1-A56B-4592-899D-948C07E9FCE7}" presName="node" presStyleLbl="node1" presStyleIdx="4" presStyleCnt="9">
         <dgm:presLayoutVars>
           <dgm:bulletEnabled val="1"/>
@@ -1454,8 +1458,8 @@
         </a:p>
       </dgm:t>
     </dgm:pt>
-    <dgm:pt modelId="{66DF8E1A-5511-4F36-8E47-F7C36D34BC9C}" type="pres">
-      <dgm:prSet presAssocID="{F9AFC70D-98A9-44D5-AE29-4B77D890DCE5}" presName="sibTrans" presStyleLbl="bgSibTrans2D1" presStyleIdx="4" presStyleCnt="8"/>
+    <dgm:pt modelId="{7AD9DE54-F97A-4516-9C25-7596D7760CC8}" type="pres">
+      <dgm:prSet presAssocID="{F9AFC70D-98A9-44D5-AE29-4B77D890DCE5}" presName="sibTrans" presStyleLbl="sibTrans1D1" presStyleIdx="4" presStyleCnt="8"/>
       <dgm:spPr/>
       <dgm:t>
         <a:bodyPr/>
@@ -1465,15 +1469,18 @@
         </a:p>
       </dgm:t>
     </dgm:pt>
-    <dgm:pt modelId="{0EC2B60E-4C2C-4D55-BEB5-A8216C7C4608}" type="pres">
-      <dgm:prSet presAssocID="{F7C8F245-4D7A-469E-B33C-5443AAA03436}" presName="compNode" presStyleCnt="0"/>
+    <dgm:pt modelId="{191F4B3B-7C00-4194-8D4F-CECA86D703A2}" type="pres">
+      <dgm:prSet presAssocID="{F9AFC70D-98A9-44D5-AE29-4B77D890DCE5}" presName="connectorText" presStyleLbl="sibTrans1D1" presStyleIdx="4" presStyleCnt="8"/>
       <dgm:spPr/>
+      <dgm:t>
+        <a:bodyPr/>
+        <a:lstStyle/>
+        <a:p>
+          <a:endParaRPr lang="en-ZA"/>
+        </a:p>
+      </dgm:t>
     </dgm:pt>
-    <dgm:pt modelId="{C7B5F477-8022-4CF3-B025-50DF2E02AE3E}" type="pres">
-      <dgm:prSet presAssocID="{F7C8F245-4D7A-469E-B33C-5443AAA03436}" presName="dummyConnPt" presStyleCnt="0"/>
-      <dgm:spPr/>
-    </dgm:pt>
-    <dgm:pt modelId="{E8D604B9-E6B5-427C-8D2D-C70DBA515C38}" type="pres">
+    <dgm:pt modelId="{75DDC09E-4521-44CE-83AE-96887047D0A7}" type="pres">
       <dgm:prSet presAssocID="{F7C8F245-4D7A-469E-B33C-5443AAA03436}" presName="node" presStyleLbl="node1" presStyleIdx="5" presStyleCnt="9">
         <dgm:presLayoutVars>
           <dgm:bulletEnabled val="1"/>
@@ -1488,8 +1495,8 @@
         </a:p>
       </dgm:t>
     </dgm:pt>
-    <dgm:pt modelId="{F464CA6F-950B-46FF-9EA4-EAFF6B879406}" type="pres">
-      <dgm:prSet presAssocID="{5925B536-8CDD-4273-9EA0-F3DFE28CFC0A}" presName="sibTrans" presStyleLbl="bgSibTrans2D1" presStyleIdx="5" presStyleCnt="8"/>
+    <dgm:pt modelId="{1AC55C4F-0C57-41CF-B1DD-AA1B3B966900}" type="pres">
+      <dgm:prSet presAssocID="{5925B536-8CDD-4273-9EA0-F3DFE28CFC0A}" presName="sibTrans" presStyleLbl="sibTrans1D1" presStyleIdx="5" presStyleCnt="8"/>
       <dgm:spPr/>
       <dgm:t>
         <a:bodyPr/>
@@ -1499,15 +1506,18 @@
         </a:p>
       </dgm:t>
     </dgm:pt>
-    <dgm:pt modelId="{42A1F50B-5B1B-4145-A083-09B1B095BC25}" type="pres">
-      <dgm:prSet presAssocID="{664F3033-06A2-4F92-8AED-49E5BB070394}" presName="compNode" presStyleCnt="0"/>
+    <dgm:pt modelId="{41E57713-78D3-4226-9328-E63F127319DB}" type="pres">
+      <dgm:prSet presAssocID="{5925B536-8CDD-4273-9EA0-F3DFE28CFC0A}" presName="connectorText" presStyleLbl="sibTrans1D1" presStyleIdx="5" presStyleCnt="8"/>
       <dgm:spPr/>
+      <dgm:t>
+        <a:bodyPr/>
+        <a:lstStyle/>
+        <a:p>
+          <a:endParaRPr lang="en-ZA"/>
+        </a:p>
+      </dgm:t>
     </dgm:pt>
-    <dgm:pt modelId="{433AA8C9-3897-4850-B5AE-3E09EF57FF22}" type="pres">
-      <dgm:prSet presAssocID="{664F3033-06A2-4F92-8AED-49E5BB070394}" presName="dummyConnPt" presStyleCnt="0"/>
-      <dgm:spPr/>
-    </dgm:pt>
-    <dgm:pt modelId="{E2F09AE3-E19A-4DEE-8439-BD770D589E30}" type="pres">
+    <dgm:pt modelId="{3F6E2F26-14C6-4160-AD3D-3A4C3799931F}" type="pres">
       <dgm:prSet presAssocID="{664F3033-06A2-4F92-8AED-49E5BB070394}" presName="node" presStyleLbl="node1" presStyleIdx="6" presStyleCnt="9">
         <dgm:presLayoutVars>
           <dgm:bulletEnabled val="1"/>
@@ -1522,8 +1532,8 @@
         </a:p>
       </dgm:t>
     </dgm:pt>
-    <dgm:pt modelId="{E6918614-9BE6-4F65-A414-6CA09685AE8E}" type="pres">
-      <dgm:prSet presAssocID="{24235BDA-3456-4472-A5F8-A95C033405D7}" presName="sibTrans" presStyleLbl="bgSibTrans2D1" presStyleIdx="6" presStyleCnt="8"/>
+    <dgm:pt modelId="{4AB84C51-7196-46C2-BF35-0E4A8C115E5F}" type="pres">
+      <dgm:prSet presAssocID="{24235BDA-3456-4472-A5F8-A95C033405D7}" presName="sibTrans" presStyleLbl="sibTrans1D1" presStyleIdx="6" presStyleCnt="8"/>
       <dgm:spPr/>
       <dgm:t>
         <a:bodyPr/>
@@ -1533,15 +1543,18 @@
         </a:p>
       </dgm:t>
     </dgm:pt>
-    <dgm:pt modelId="{1B166470-D870-4BDA-A5DA-F226145161FC}" type="pres">
-      <dgm:prSet presAssocID="{CE70E7C1-00A1-4F5C-B7F2-4DEA0098B5CC}" presName="compNode" presStyleCnt="0"/>
+    <dgm:pt modelId="{FE21FC5D-E990-448C-86C2-C806DFF0FC6B}" type="pres">
+      <dgm:prSet presAssocID="{24235BDA-3456-4472-A5F8-A95C033405D7}" presName="connectorText" presStyleLbl="sibTrans1D1" presStyleIdx="6" presStyleCnt="8"/>
       <dgm:spPr/>
+      <dgm:t>
+        <a:bodyPr/>
+        <a:lstStyle/>
+        <a:p>
+          <a:endParaRPr lang="en-ZA"/>
+        </a:p>
+      </dgm:t>
     </dgm:pt>
-    <dgm:pt modelId="{1B7E5009-3647-41FD-B39E-8D4E96783D89}" type="pres">
-      <dgm:prSet presAssocID="{CE70E7C1-00A1-4F5C-B7F2-4DEA0098B5CC}" presName="dummyConnPt" presStyleCnt="0"/>
-      <dgm:spPr/>
-    </dgm:pt>
-    <dgm:pt modelId="{6DEDC417-7D81-4270-BD28-D9247A7A935F}" type="pres">
+    <dgm:pt modelId="{D00CAAD7-313A-42A8-8AA6-07795844C1A9}" type="pres">
       <dgm:prSet presAssocID="{CE70E7C1-00A1-4F5C-B7F2-4DEA0098B5CC}" presName="node" presStyleLbl="node1" presStyleIdx="7" presStyleCnt="9">
         <dgm:presLayoutVars>
           <dgm:bulletEnabled val="1"/>
@@ -1556,8 +1569,8 @@
         </a:p>
       </dgm:t>
     </dgm:pt>
-    <dgm:pt modelId="{04175430-BE2F-45E9-8822-6B0CF5FF9864}" type="pres">
-      <dgm:prSet presAssocID="{31DAD7E9-CE7C-41E2-8D30-CCCC16BF810D}" presName="sibTrans" presStyleLbl="bgSibTrans2D1" presStyleIdx="7" presStyleCnt="8"/>
+    <dgm:pt modelId="{3A7AB653-5E27-4B23-A42A-C0CAEB14C9B2}" type="pres">
+      <dgm:prSet presAssocID="{31DAD7E9-CE7C-41E2-8D30-CCCC16BF810D}" presName="sibTrans" presStyleLbl="sibTrans1D1" presStyleIdx="7" presStyleCnt="8"/>
       <dgm:spPr/>
       <dgm:t>
         <a:bodyPr/>
@@ -1567,15 +1580,18 @@
         </a:p>
       </dgm:t>
     </dgm:pt>
-    <dgm:pt modelId="{0B625B18-E227-42A1-8BD7-FBC109D3EA62}" type="pres">
-      <dgm:prSet presAssocID="{F2809BA3-C65E-4889-8F5A-FF553707154C}" presName="compNode" presStyleCnt="0"/>
+    <dgm:pt modelId="{45216312-95A6-4DA6-98B8-814C28FC113E}" type="pres">
+      <dgm:prSet presAssocID="{31DAD7E9-CE7C-41E2-8D30-CCCC16BF810D}" presName="connectorText" presStyleLbl="sibTrans1D1" presStyleIdx="7" presStyleCnt="8"/>
       <dgm:spPr/>
+      <dgm:t>
+        <a:bodyPr/>
+        <a:lstStyle/>
+        <a:p>
+          <a:endParaRPr lang="en-ZA"/>
+        </a:p>
+      </dgm:t>
     </dgm:pt>
-    <dgm:pt modelId="{57704B1B-3CE8-4FEB-A14B-A42A5666C53B}" type="pres">
-      <dgm:prSet presAssocID="{F2809BA3-C65E-4889-8F5A-FF553707154C}" presName="dummyConnPt" presStyleCnt="0"/>
-      <dgm:spPr/>
-    </dgm:pt>
-    <dgm:pt modelId="{186C2779-A3E3-43E9-AE0E-189DFF42734F}" type="pres">
+    <dgm:pt modelId="{E2D83472-AD73-4502-8BBF-5619C87A89FF}" type="pres">
       <dgm:prSet presAssocID="{F2809BA3-C65E-4889-8F5A-FF553707154C}" presName="node" presStyleLbl="node1" presStyleIdx="8" presStyleCnt="9">
         <dgm:presLayoutVars>
           <dgm:bulletEnabled val="1"/>
@@ -1592,68 +1608,66 @@
     </dgm:pt>
   </dgm:ptLst>
   <dgm:cxnLst>
+    <dgm:cxn modelId="{56E98039-771D-4653-A621-261EB6296083}" type="presOf" srcId="{664F3033-06A2-4F92-8AED-49E5BB070394}" destId="{3F6E2F26-14C6-4160-AD3D-3A4C3799931F}" srcOrd="0" destOrd="0" presId="urn:microsoft.com/office/officeart/2005/8/layout/bProcess3"/>
+    <dgm:cxn modelId="{1EA91787-343D-46F0-A1A6-0C2FA465220B}" srcId="{69D9465D-5278-4893-90E4-FC4A404190FF}" destId="{C24C36EC-6312-42E6-85F3-613C20BC1376}" srcOrd="2" destOrd="0" parTransId="{05B560A1-CF69-4666-8BB8-D628BE42664F}" sibTransId="{A015CC84-CBCB-49E3-9D9B-F66E30B67EB4}"/>
+    <dgm:cxn modelId="{8B540F0B-2250-4B5E-BCCE-C3D246BFA6AE}" srcId="{69D9465D-5278-4893-90E4-FC4A404190FF}" destId="{CE70E7C1-00A1-4F5C-B7F2-4DEA0098B5CC}" srcOrd="7" destOrd="0" parTransId="{F234F055-B622-4D52-AFCB-3BA3D3341CFD}" sibTransId="{31DAD7E9-CE7C-41E2-8D30-CCCC16BF810D}"/>
+    <dgm:cxn modelId="{DD000514-39A2-4B76-AF87-CC1A291DCAA0}" type="presOf" srcId="{8E23BBB5-4FFD-4603-8A8B-57D6A8F546C7}" destId="{3192C467-49B7-423C-898A-FEF993C99F7E}" srcOrd="1" destOrd="0" presId="urn:microsoft.com/office/officeart/2005/8/layout/bProcess3"/>
+    <dgm:cxn modelId="{4F1F0396-DC65-4A9A-9F9F-6820240FE038}" type="presOf" srcId="{A015CC84-CBCB-49E3-9D9B-F66E30B67EB4}" destId="{4421280F-03E8-4105-8A80-19B499284225}" srcOrd="1" destOrd="0" presId="urn:microsoft.com/office/officeart/2005/8/layout/bProcess3"/>
+    <dgm:cxn modelId="{914D6D9D-CCDB-445F-859B-2E629975E6CA}" type="presOf" srcId="{31DAD7E9-CE7C-41E2-8D30-CCCC16BF810D}" destId="{45216312-95A6-4DA6-98B8-814C28FC113E}" srcOrd="1" destOrd="0" presId="urn:microsoft.com/office/officeart/2005/8/layout/bProcess3"/>
+    <dgm:cxn modelId="{3BEFAC9B-078E-4B97-AD89-0E28D5089970}" type="presOf" srcId="{D9BFE88D-86D5-4A4E-9864-049B66CE7B11}" destId="{27F56413-FCFF-4273-949E-4AF04F853E29}" srcOrd="0" destOrd="0" presId="urn:microsoft.com/office/officeart/2005/8/layout/bProcess3"/>
+    <dgm:cxn modelId="{66A4BB9E-B506-428E-AE4D-2C51B57BC95A}" type="presOf" srcId="{730DAA83-5ECA-4C62-B660-9C169A24A198}" destId="{6C2007A8-9FE5-4910-BD18-916BF21E7786}" srcOrd="0" destOrd="0" presId="urn:microsoft.com/office/officeart/2005/8/layout/bProcess3"/>
+    <dgm:cxn modelId="{614684B7-73F6-4C7D-9B80-D48683669E1D}" type="presOf" srcId="{730DAA83-5ECA-4C62-B660-9C169A24A198}" destId="{47429D45-F0E3-46D3-B01A-9F44F1D3371D}" srcOrd="1" destOrd="0" presId="urn:microsoft.com/office/officeart/2005/8/layout/bProcess3"/>
+    <dgm:cxn modelId="{035396E5-2515-4249-A369-5CFAFF997907}" type="presOf" srcId="{A9DEF564-FDF7-4F00-998C-0108AF2F964C}" destId="{9056478E-F453-42D9-88A4-AC00F0403DF4}" srcOrd="1" destOrd="0" presId="urn:microsoft.com/office/officeart/2005/8/layout/bProcess3"/>
+    <dgm:cxn modelId="{6B95947F-E4DB-4B6D-9C09-920446A46075}" type="presOf" srcId="{24235BDA-3456-4472-A5F8-A95C033405D7}" destId="{4AB84C51-7196-46C2-BF35-0E4A8C115E5F}" srcOrd="0" destOrd="0" presId="urn:microsoft.com/office/officeart/2005/8/layout/bProcess3"/>
+    <dgm:cxn modelId="{B3B9CAB9-2667-4815-A245-E1FC2B28DE7D}" srcId="{69D9465D-5278-4893-90E4-FC4A404190FF}" destId="{F2809BA3-C65E-4889-8F5A-FF553707154C}" srcOrd="8" destOrd="0" parTransId="{FC354316-0A86-49FE-B980-2848910173B1}" sibTransId="{342EE362-FB63-4B4A-A4F8-F7864A82DA6F}"/>
+    <dgm:cxn modelId="{134DE985-81C2-41BB-9A8C-B4B56F87F2E8}" srcId="{69D9465D-5278-4893-90E4-FC4A404190FF}" destId="{7B5F1AB1-A56B-4592-899D-948C07E9FCE7}" srcOrd="4" destOrd="0" parTransId="{32E3B1F7-D695-42F6-9E77-4159D9144FAF}" sibTransId="{F9AFC70D-98A9-44D5-AE29-4B77D890DCE5}"/>
+    <dgm:cxn modelId="{20A183BC-9E2F-4451-9622-7D1E3D1922B0}" type="presOf" srcId="{F6AB84D7-DC04-4772-BBB8-08839E3E3B0E}" destId="{2141B62C-AC3E-4A70-9DA9-08458AFC4B4F}" srcOrd="0" destOrd="0" presId="urn:microsoft.com/office/officeart/2005/8/layout/bProcess3"/>
+    <dgm:cxn modelId="{4AE66EED-62A5-4F1A-990D-CAB028D5B74F}" type="presOf" srcId="{A9DEF564-FDF7-4F00-998C-0108AF2F964C}" destId="{059B6B66-3031-4510-8AE7-BB17D1B585F2}" srcOrd="0" destOrd="0" presId="urn:microsoft.com/office/officeart/2005/8/layout/bProcess3"/>
+    <dgm:cxn modelId="{5D51E946-1572-4B32-A99B-B09C2D21BB4F}" srcId="{69D9465D-5278-4893-90E4-FC4A404190FF}" destId="{664F3033-06A2-4F92-8AED-49E5BB070394}" srcOrd="6" destOrd="0" parTransId="{67711992-C237-4337-995F-B75846ACA60F}" sibTransId="{24235BDA-3456-4472-A5F8-A95C033405D7}"/>
+    <dgm:cxn modelId="{5D11504B-F891-4E16-81AF-19A4EDD5D894}" srcId="{69D9465D-5278-4893-90E4-FC4A404190FF}" destId="{AC0CA605-AB71-4DDA-8068-AE236D9C9B5B}" srcOrd="3" destOrd="0" parTransId="{8CC74D62-4916-498D-B541-D6C5D6CF2E1B}" sibTransId="{A9DEF564-FDF7-4F00-998C-0108AF2F964C}"/>
+    <dgm:cxn modelId="{DB501B82-E6DE-4E4C-BB8E-E48A1D33CDBB}" type="presOf" srcId="{5925B536-8CDD-4273-9EA0-F3DFE28CFC0A}" destId="{41E57713-78D3-4226-9328-E63F127319DB}" srcOrd="1" destOrd="0" presId="urn:microsoft.com/office/officeart/2005/8/layout/bProcess3"/>
+    <dgm:cxn modelId="{FDCD777E-CA89-4F5C-89DE-969A8C0F8499}" type="presOf" srcId="{F9AFC70D-98A9-44D5-AE29-4B77D890DCE5}" destId="{7AD9DE54-F97A-4516-9C25-7596D7760CC8}" srcOrd="0" destOrd="0" presId="urn:microsoft.com/office/officeart/2005/8/layout/bProcess3"/>
+    <dgm:cxn modelId="{2AA4AD88-DEE0-4498-BBBA-098B55978CFC}" srcId="{69D9465D-5278-4893-90E4-FC4A404190FF}" destId="{F7C8F245-4D7A-469E-B33C-5443AAA03436}" srcOrd="5" destOrd="0" parTransId="{7004115D-85D0-4855-8403-56165FBD8C5D}" sibTransId="{5925B536-8CDD-4273-9EA0-F3DFE28CFC0A}"/>
+    <dgm:cxn modelId="{DC84B57A-AE1B-48A0-9979-F32FAA4A4346}" type="presOf" srcId="{F7C8F245-4D7A-469E-B33C-5443AAA03436}" destId="{75DDC09E-4521-44CE-83AE-96887047D0A7}" srcOrd="0" destOrd="0" presId="urn:microsoft.com/office/officeart/2005/8/layout/bProcess3"/>
+    <dgm:cxn modelId="{A31A9123-C79D-424C-9E56-01277907F9B2}" type="presOf" srcId="{C24C36EC-6312-42E6-85F3-613C20BC1376}" destId="{2F582401-5E91-4678-A347-43B09F72D53E}" srcOrd="0" destOrd="0" presId="urn:microsoft.com/office/officeart/2005/8/layout/bProcess3"/>
+    <dgm:cxn modelId="{9DCB5BF5-197A-4A12-B759-9340EE0B3C82}" type="presOf" srcId="{CE70E7C1-00A1-4F5C-B7F2-4DEA0098B5CC}" destId="{D00CAAD7-313A-42A8-8AA6-07795844C1A9}" srcOrd="0" destOrd="0" presId="urn:microsoft.com/office/officeart/2005/8/layout/bProcess3"/>
+    <dgm:cxn modelId="{11065857-00B5-45BF-9B0E-11F1FA9143D5}" type="presOf" srcId="{8E23BBB5-4FFD-4603-8A8B-57D6A8F546C7}" destId="{69300817-EA31-4152-B990-B317CFA67973}" srcOrd="0" destOrd="0" presId="urn:microsoft.com/office/officeart/2005/8/layout/bProcess3"/>
+    <dgm:cxn modelId="{8E306959-0771-4E82-AD73-16E7178BC058}" type="presOf" srcId="{F2809BA3-C65E-4889-8F5A-FF553707154C}" destId="{E2D83472-AD73-4502-8BBF-5619C87A89FF}" srcOrd="0" destOrd="0" presId="urn:microsoft.com/office/officeart/2005/8/layout/bProcess3"/>
+    <dgm:cxn modelId="{8F94D015-219D-40FF-B9FD-36F97B152059}" type="presOf" srcId="{31DAD7E9-CE7C-41E2-8D30-CCCC16BF810D}" destId="{3A7AB653-5E27-4B23-A42A-C0CAEB14C9B2}" srcOrd="0" destOrd="0" presId="urn:microsoft.com/office/officeart/2005/8/layout/bProcess3"/>
+    <dgm:cxn modelId="{75B350DD-836B-448D-B081-9D6DFD7B2F09}" type="presOf" srcId="{5925B536-8CDD-4273-9EA0-F3DFE28CFC0A}" destId="{1AC55C4F-0C57-41CF-B1DD-AA1B3B966900}" srcOrd="0" destOrd="0" presId="urn:microsoft.com/office/officeart/2005/8/layout/bProcess3"/>
+    <dgm:cxn modelId="{871E06EF-02C7-4874-988B-E4C46C7C8825}" type="presOf" srcId="{A015CC84-CBCB-49E3-9D9B-F66E30B67EB4}" destId="{4316FBD8-E443-4F26-8A56-58843C2E3CA0}" srcOrd="0" destOrd="0" presId="urn:microsoft.com/office/officeart/2005/8/layout/bProcess3"/>
+    <dgm:cxn modelId="{8F6A6AB6-3BE4-497A-A643-B4C8371E4C56}" type="presOf" srcId="{AC0CA605-AB71-4DDA-8068-AE236D9C9B5B}" destId="{28ADFB63-5136-4E89-93B6-3A7E483E61F0}" srcOrd="0" destOrd="0" presId="urn:microsoft.com/office/officeart/2005/8/layout/bProcess3"/>
+    <dgm:cxn modelId="{35FFAEAE-DC16-4986-AE73-A931A7283792}" srcId="{69D9465D-5278-4893-90E4-FC4A404190FF}" destId="{D9BFE88D-86D5-4A4E-9864-049B66CE7B11}" srcOrd="0" destOrd="0" parTransId="{F9F09A06-4B6D-4FE7-83E2-F8A428C27656}" sibTransId="{8E23BBB5-4FFD-4603-8A8B-57D6A8F546C7}"/>
+    <dgm:cxn modelId="{9B0E662B-D833-480C-AEC1-111736C85A9B}" type="presOf" srcId="{24235BDA-3456-4472-A5F8-A95C033405D7}" destId="{FE21FC5D-E990-448C-86C2-C806DFF0FC6B}" srcOrd="1" destOrd="0" presId="urn:microsoft.com/office/officeart/2005/8/layout/bProcess3"/>
     <dgm:cxn modelId="{FA601BAF-F0F4-41C1-9E74-90A3437D9622}" srcId="{69D9465D-5278-4893-90E4-FC4A404190FF}" destId="{F6AB84D7-DC04-4772-BBB8-08839E3E3B0E}" srcOrd="1" destOrd="0" parTransId="{F35EFF0E-EA0B-4C57-8CED-83FEB15CD0FD}" sibTransId="{730DAA83-5ECA-4C62-B660-9C169A24A198}"/>
-    <dgm:cxn modelId="{9D075F56-2E0B-4171-8175-C4780726D8AC}" type="presOf" srcId="{24235BDA-3456-4472-A5F8-A95C033405D7}" destId="{E6918614-9BE6-4F65-A414-6CA09685AE8E}" srcOrd="0" destOrd="0" presId="urn:microsoft.com/office/officeart/2005/8/layout/bProcess4"/>
-    <dgm:cxn modelId="{1EA91787-343D-46F0-A1A6-0C2FA465220B}" srcId="{69D9465D-5278-4893-90E4-FC4A404190FF}" destId="{C24C36EC-6312-42E6-85F3-613C20BC1376}" srcOrd="2" destOrd="0" parTransId="{05B560A1-CF69-4666-8BB8-D628BE42664F}" sibTransId="{A015CC84-CBCB-49E3-9D9B-F66E30B67EB4}"/>
-    <dgm:cxn modelId="{14055F04-8140-4BAE-862B-A1242381A950}" type="presOf" srcId="{A9DEF564-FDF7-4F00-998C-0108AF2F964C}" destId="{3C7DEFEB-D965-469F-891F-0F8B1239A0E7}" srcOrd="0" destOrd="0" presId="urn:microsoft.com/office/officeart/2005/8/layout/bProcess4"/>
-    <dgm:cxn modelId="{134DE985-81C2-41BB-9A8C-B4B56F87F2E8}" srcId="{69D9465D-5278-4893-90E4-FC4A404190FF}" destId="{7B5F1AB1-A56B-4592-899D-948C07E9FCE7}" srcOrd="4" destOrd="0" parTransId="{32E3B1F7-D695-42F6-9E77-4159D9144FAF}" sibTransId="{F9AFC70D-98A9-44D5-AE29-4B77D890DCE5}"/>
-    <dgm:cxn modelId="{2AA4AD88-DEE0-4498-BBBA-098B55978CFC}" srcId="{69D9465D-5278-4893-90E4-FC4A404190FF}" destId="{F7C8F245-4D7A-469E-B33C-5443AAA03436}" srcOrd="5" destOrd="0" parTransId="{7004115D-85D0-4855-8403-56165FBD8C5D}" sibTransId="{5925B536-8CDD-4273-9EA0-F3DFE28CFC0A}"/>
-    <dgm:cxn modelId="{FF8D777C-18B8-4623-AFA7-00093BE62503}" type="presOf" srcId="{D9BFE88D-86D5-4A4E-9864-049B66CE7B11}" destId="{0111BCDE-244E-4E0C-9F45-971A15B0F1AB}" srcOrd="0" destOrd="0" presId="urn:microsoft.com/office/officeart/2005/8/layout/bProcess4"/>
-    <dgm:cxn modelId="{8995703E-16EE-4A81-9B75-E9CF54A0823C}" type="presOf" srcId="{F9AFC70D-98A9-44D5-AE29-4B77D890DCE5}" destId="{66DF8E1A-5511-4F36-8E47-F7C36D34BC9C}" srcOrd="0" destOrd="0" presId="urn:microsoft.com/office/officeart/2005/8/layout/bProcess4"/>
-    <dgm:cxn modelId="{F8BF60C2-BE39-43A2-9A61-63EC368D0FEB}" type="presOf" srcId="{5925B536-8CDD-4273-9EA0-F3DFE28CFC0A}" destId="{F464CA6F-950B-46FF-9EA4-EAFF6B879406}" srcOrd="0" destOrd="0" presId="urn:microsoft.com/office/officeart/2005/8/layout/bProcess4"/>
-    <dgm:cxn modelId="{5D11504B-F891-4E16-81AF-19A4EDD5D894}" srcId="{69D9465D-5278-4893-90E4-FC4A404190FF}" destId="{AC0CA605-AB71-4DDA-8068-AE236D9C9B5B}" srcOrd="3" destOrd="0" parTransId="{8CC74D62-4916-498D-B541-D6C5D6CF2E1B}" sibTransId="{A9DEF564-FDF7-4F00-998C-0108AF2F964C}"/>
-    <dgm:cxn modelId="{A1F85789-4824-48E4-B23D-DB88A8247DF3}" type="presOf" srcId="{A015CC84-CBCB-49E3-9D9B-F66E30B67EB4}" destId="{B3F14615-A4E7-4DA6-B7C0-B9FBB08C1897}" srcOrd="0" destOrd="0" presId="urn:microsoft.com/office/officeart/2005/8/layout/bProcess4"/>
-    <dgm:cxn modelId="{D00831ED-127B-4987-AF88-67025158E8BF}" type="presOf" srcId="{C24C36EC-6312-42E6-85F3-613C20BC1376}" destId="{DB114CFE-3120-4EDC-8173-69948354E5C4}" srcOrd="0" destOrd="0" presId="urn:microsoft.com/office/officeart/2005/8/layout/bProcess4"/>
-    <dgm:cxn modelId="{29F4C0D2-AE92-4258-BBFD-9A40C4CCE94E}" type="presOf" srcId="{F7C8F245-4D7A-469E-B33C-5443AAA03436}" destId="{E8D604B9-E6B5-427C-8D2D-C70DBA515C38}" srcOrd="0" destOrd="0" presId="urn:microsoft.com/office/officeart/2005/8/layout/bProcess4"/>
-    <dgm:cxn modelId="{5D51E946-1572-4B32-A99B-B09C2D21BB4F}" srcId="{69D9465D-5278-4893-90E4-FC4A404190FF}" destId="{664F3033-06A2-4F92-8AED-49E5BB070394}" srcOrd="6" destOrd="0" parTransId="{67711992-C237-4337-995F-B75846ACA60F}" sibTransId="{24235BDA-3456-4472-A5F8-A95C033405D7}"/>
-    <dgm:cxn modelId="{B3B9CAB9-2667-4815-A245-E1FC2B28DE7D}" srcId="{69D9465D-5278-4893-90E4-FC4A404190FF}" destId="{F2809BA3-C65E-4889-8F5A-FF553707154C}" srcOrd="8" destOrd="0" parTransId="{FC354316-0A86-49FE-B980-2848910173B1}" sibTransId="{342EE362-FB63-4B4A-A4F8-F7864A82DA6F}"/>
-    <dgm:cxn modelId="{361F53CB-5A29-4DAB-A291-D994BF66FC9F}" type="presOf" srcId="{F2809BA3-C65E-4889-8F5A-FF553707154C}" destId="{186C2779-A3E3-43E9-AE0E-189DFF42734F}" srcOrd="0" destOrd="0" presId="urn:microsoft.com/office/officeart/2005/8/layout/bProcess4"/>
-    <dgm:cxn modelId="{E9634CB2-95B8-4A07-9924-3D7B5FC7A4F5}" type="presOf" srcId="{8E23BBB5-4FFD-4603-8A8B-57D6A8F546C7}" destId="{CF02E96F-6612-4447-A716-AF24BA2BAA38}" srcOrd="0" destOrd="0" presId="urn:microsoft.com/office/officeart/2005/8/layout/bProcess4"/>
-    <dgm:cxn modelId="{3B0582A2-3B3D-4DCD-93AC-A52D25E70D8E}" type="presOf" srcId="{7B5F1AB1-A56B-4592-899D-948C07E9FCE7}" destId="{4831F056-7731-46BB-8DF6-11307D2F1AEB}" srcOrd="0" destOrd="0" presId="urn:microsoft.com/office/officeart/2005/8/layout/bProcess4"/>
-    <dgm:cxn modelId="{BE8A410B-AB19-490E-B9A0-CFE7C4AE16AF}" type="presOf" srcId="{F6AB84D7-DC04-4772-BBB8-08839E3E3B0E}" destId="{5D23B8C8-D64B-484E-B55B-BD146A94EBE7}" srcOrd="0" destOrd="0" presId="urn:microsoft.com/office/officeart/2005/8/layout/bProcess4"/>
-    <dgm:cxn modelId="{2534C515-9526-4995-A442-803954094489}" type="presOf" srcId="{CE70E7C1-00A1-4F5C-B7F2-4DEA0098B5CC}" destId="{6DEDC417-7D81-4270-BD28-D9247A7A935F}" srcOrd="0" destOrd="0" presId="urn:microsoft.com/office/officeart/2005/8/layout/bProcess4"/>
-    <dgm:cxn modelId="{1841C2B5-F5D9-4C9D-BC8C-E01099CB1015}" type="presOf" srcId="{730DAA83-5ECA-4C62-B660-9C169A24A198}" destId="{6E02BA24-2FD9-4C78-8700-D63A6D75380B}" srcOrd="0" destOrd="0" presId="urn:microsoft.com/office/officeart/2005/8/layout/bProcess4"/>
-    <dgm:cxn modelId="{8E260BD3-C9D7-4508-A4AC-F2E5E19A10BF}" type="presOf" srcId="{AC0CA605-AB71-4DDA-8068-AE236D9C9B5B}" destId="{8B6115A6-6B88-4E8C-B7FC-E18F0AFA9CAB}" srcOrd="0" destOrd="0" presId="urn:microsoft.com/office/officeart/2005/8/layout/bProcess4"/>
-    <dgm:cxn modelId="{9F649EF0-789F-4CBD-9BDD-05CA7FD30C2F}" type="presOf" srcId="{31DAD7E9-CE7C-41E2-8D30-CCCC16BF810D}" destId="{04175430-BE2F-45E9-8822-6B0CF5FF9864}" srcOrd="0" destOrd="0" presId="urn:microsoft.com/office/officeart/2005/8/layout/bProcess4"/>
-    <dgm:cxn modelId="{35FFAEAE-DC16-4986-AE73-A931A7283792}" srcId="{69D9465D-5278-4893-90E4-FC4A404190FF}" destId="{D9BFE88D-86D5-4A4E-9864-049B66CE7B11}" srcOrd="0" destOrd="0" parTransId="{F9F09A06-4B6D-4FE7-83E2-F8A428C27656}" sibTransId="{8E23BBB5-4FFD-4603-8A8B-57D6A8F546C7}"/>
-    <dgm:cxn modelId="{1E40BCCB-1E76-43AB-8C55-8CF0256943F5}" type="presOf" srcId="{664F3033-06A2-4F92-8AED-49E5BB070394}" destId="{E2F09AE3-E19A-4DEE-8439-BD770D589E30}" srcOrd="0" destOrd="0" presId="urn:microsoft.com/office/officeart/2005/8/layout/bProcess4"/>
-    <dgm:cxn modelId="{8B540F0B-2250-4B5E-BCCE-C3D246BFA6AE}" srcId="{69D9465D-5278-4893-90E4-FC4A404190FF}" destId="{CE70E7C1-00A1-4F5C-B7F2-4DEA0098B5CC}" srcOrd="7" destOrd="0" parTransId="{F234F055-B622-4D52-AFCB-3BA3D3341CFD}" sibTransId="{31DAD7E9-CE7C-41E2-8D30-CCCC16BF810D}"/>
-    <dgm:cxn modelId="{7264B672-CA05-4F31-89F1-FEAC6C34D9E4}" type="presOf" srcId="{69D9465D-5278-4893-90E4-FC4A404190FF}" destId="{F41203AE-3D27-4DFC-B08E-BF6461080D2A}" srcOrd="0" destOrd="0" presId="urn:microsoft.com/office/officeart/2005/8/layout/bProcess4"/>
-    <dgm:cxn modelId="{CA5AFF5C-582E-4958-AD8B-4C61AA2F41AF}" type="presParOf" srcId="{F41203AE-3D27-4DFC-B08E-BF6461080D2A}" destId="{9B9AB0DF-1520-478A-9272-0D99B8FD5BC6}" srcOrd="0" destOrd="0" presId="urn:microsoft.com/office/officeart/2005/8/layout/bProcess4"/>
-    <dgm:cxn modelId="{15240594-B4C4-415C-9491-A30D89E98AC6}" type="presParOf" srcId="{9B9AB0DF-1520-478A-9272-0D99B8FD5BC6}" destId="{DC903BB0-E430-4A21-B00B-32F4402C2D32}" srcOrd="0" destOrd="0" presId="urn:microsoft.com/office/officeart/2005/8/layout/bProcess4"/>
-    <dgm:cxn modelId="{ED9933BF-C8EF-44BB-AE9A-1D88F0BDBBB7}" type="presParOf" srcId="{9B9AB0DF-1520-478A-9272-0D99B8FD5BC6}" destId="{0111BCDE-244E-4E0C-9F45-971A15B0F1AB}" srcOrd="1" destOrd="0" presId="urn:microsoft.com/office/officeart/2005/8/layout/bProcess4"/>
-    <dgm:cxn modelId="{FA1097A3-5155-4760-89F9-746689681550}" type="presParOf" srcId="{F41203AE-3D27-4DFC-B08E-BF6461080D2A}" destId="{CF02E96F-6612-4447-A716-AF24BA2BAA38}" srcOrd="1" destOrd="0" presId="urn:microsoft.com/office/officeart/2005/8/layout/bProcess4"/>
-    <dgm:cxn modelId="{BDB3B645-DBE0-418F-877F-85C3B44B76A5}" type="presParOf" srcId="{F41203AE-3D27-4DFC-B08E-BF6461080D2A}" destId="{9A667FA2-187F-453F-A609-3E1D6425EF0B}" srcOrd="2" destOrd="0" presId="urn:microsoft.com/office/officeart/2005/8/layout/bProcess4"/>
-    <dgm:cxn modelId="{52DE8A12-385C-454E-846D-FCC060C90274}" type="presParOf" srcId="{9A667FA2-187F-453F-A609-3E1D6425EF0B}" destId="{12C5FEA5-5DFB-44E9-A266-98FCF997518B}" srcOrd="0" destOrd="0" presId="urn:microsoft.com/office/officeart/2005/8/layout/bProcess4"/>
-    <dgm:cxn modelId="{6EFD2BB4-6154-49FF-98B5-39A713F94235}" type="presParOf" srcId="{9A667FA2-187F-453F-A609-3E1D6425EF0B}" destId="{5D23B8C8-D64B-484E-B55B-BD146A94EBE7}" srcOrd="1" destOrd="0" presId="urn:microsoft.com/office/officeart/2005/8/layout/bProcess4"/>
-    <dgm:cxn modelId="{16B51105-CD3E-46BA-B486-3F4CE049E7CA}" type="presParOf" srcId="{F41203AE-3D27-4DFC-B08E-BF6461080D2A}" destId="{6E02BA24-2FD9-4C78-8700-D63A6D75380B}" srcOrd="3" destOrd="0" presId="urn:microsoft.com/office/officeart/2005/8/layout/bProcess4"/>
-    <dgm:cxn modelId="{021F6B41-2550-4F24-B331-0C4AFBACEB53}" type="presParOf" srcId="{F41203AE-3D27-4DFC-B08E-BF6461080D2A}" destId="{35030BF2-BCB0-42C3-AB31-7179BE8CC150}" srcOrd="4" destOrd="0" presId="urn:microsoft.com/office/officeart/2005/8/layout/bProcess4"/>
-    <dgm:cxn modelId="{0D6E4739-E8CC-4C48-B2CC-0EFBE5D1E332}" type="presParOf" srcId="{35030BF2-BCB0-42C3-AB31-7179BE8CC150}" destId="{CB2515C7-E9BC-4E75-9C9B-EE2768D93063}" srcOrd="0" destOrd="0" presId="urn:microsoft.com/office/officeart/2005/8/layout/bProcess4"/>
-    <dgm:cxn modelId="{E5292FA2-132A-4830-BD6C-EA1844C8C96E}" type="presParOf" srcId="{35030BF2-BCB0-42C3-AB31-7179BE8CC150}" destId="{DB114CFE-3120-4EDC-8173-69948354E5C4}" srcOrd="1" destOrd="0" presId="urn:microsoft.com/office/officeart/2005/8/layout/bProcess4"/>
-    <dgm:cxn modelId="{872C1DFB-00BC-470C-893E-EED308FF86EF}" type="presParOf" srcId="{F41203AE-3D27-4DFC-B08E-BF6461080D2A}" destId="{B3F14615-A4E7-4DA6-B7C0-B9FBB08C1897}" srcOrd="5" destOrd="0" presId="urn:microsoft.com/office/officeart/2005/8/layout/bProcess4"/>
-    <dgm:cxn modelId="{D780329D-184D-4C77-9DE4-CE71C8375042}" type="presParOf" srcId="{F41203AE-3D27-4DFC-B08E-BF6461080D2A}" destId="{51B2E9AB-3D79-49B1-BEBD-4D3750E0DBE2}" srcOrd="6" destOrd="0" presId="urn:microsoft.com/office/officeart/2005/8/layout/bProcess4"/>
-    <dgm:cxn modelId="{D0DD72D6-0906-4FBA-9353-B5822734B50B}" type="presParOf" srcId="{51B2E9AB-3D79-49B1-BEBD-4D3750E0DBE2}" destId="{DBAF329C-2944-4956-911D-309355395790}" srcOrd="0" destOrd="0" presId="urn:microsoft.com/office/officeart/2005/8/layout/bProcess4"/>
-    <dgm:cxn modelId="{DCD78565-9883-4583-A427-BF3BE1B3D1F1}" type="presParOf" srcId="{51B2E9AB-3D79-49B1-BEBD-4D3750E0DBE2}" destId="{8B6115A6-6B88-4E8C-B7FC-E18F0AFA9CAB}" srcOrd="1" destOrd="0" presId="urn:microsoft.com/office/officeart/2005/8/layout/bProcess4"/>
-    <dgm:cxn modelId="{E45FDF8F-C134-4118-BBAD-351B4D61A606}" type="presParOf" srcId="{F41203AE-3D27-4DFC-B08E-BF6461080D2A}" destId="{3C7DEFEB-D965-469F-891F-0F8B1239A0E7}" srcOrd="7" destOrd="0" presId="urn:microsoft.com/office/officeart/2005/8/layout/bProcess4"/>
-    <dgm:cxn modelId="{10A5659F-D2B7-435F-99D5-01997329F952}" type="presParOf" srcId="{F41203AE-3D27-4DFC-B08E-BF6461080D2A}" destId="{95BA0601-87BE-4DEF-8582-2DEE0BA26A86}" srcOrd="8" destOrd="0" presId="urn:microsoft.com/office/officeart/2005/8/layout/bProcess4"/>
-    <dgm:cxn modelId="{C6F8B40E-95BE-4EE4-A362-BB08AFA79057}" type="presParOf" srcId="{95BA0601-87BE-4DEF-8582-2DEE0BA26A86}" destId="{35B8CA03-6F34-4177-9B95-A8E8FDBAEAFD}" srcOrd="0" destOrd="0" presId="urn:microsoft.com/office/officeart/2005/8/layout/bProcess4"/>
-    <dgm:cxn modelId="{23E2F483-11DE-4DE0-9551-F55A26837D98}" type="presParOf" srcId="{95BA0601-87BE-4DEF-8582-2DEE0BA26A86}" destId="{4831F056-7731-46BB-8DF6-11307D2F1AEB}" srcOrd="1" destOrd="0" presId="urn:microsoft.com/office/officeart/2005/8/layout/bProcess4"/>
-    <dgm:cxn modelId="{5CDDD9B9-4662-4F77-87BF-B6A17287C5D4}" type="presParOf" srcId="{F41203AE-3D27-4DFC-B08E-BF6461080D2A}" destId="{66DF8E1A-5511-4F36-8E47-F7C36D34BC9C}" srcOrd="9" destOrd="0" presId="urn:microsoft.com/office/officeart/2005/8/layout/bProcess4"/>
-    <dgm:cxn modelId="{2268B8AF-65CC-4C02-AB4E-43D42E115E3E}" type="presParOf" srcId="{F41203AE-3D27-4DFC-B08E-BF6461080D2A}" destId="{0EC2B60E-4C2C-4D55-BEB5-A8216C7C4608}" srcOrd="10" destOrd="0" presId="urn:microsoft.com/office/officeart/2005/8/layout/bProcess4"/>
-    <dgm:cxn modelId="{D0B57D9B-2D76-41E6-B974-3D286A2CD103}" type="presParOf" srcId="{0EC2B60E-4C2C-4D55-BEB5-A8216C7C4608}" destId="{C7B5F477-8022-4CF3-B025-50DF2E02AE3E}" srcOrd="0" destOrd="0" presId="urn:microsoft.com/office/officeart/2005/8/layout/bProcess4"/>
-    <dgm:cxn modelId="{74DDBF6B-6BEE-4A8C-8307-C0FC3B61314F}" type="presParOf" srcId="{0EC2B60E-4C2C-4D55-BEB5-A8216C7C4608}" destId="{E8D604B9-E6B5-427C-8D2D-C70DBA515C38}" srcOrd="1" destOrd="0" presId="urn:microsoft.com/office/officeart/2005/8/layout/bProcess4"/>
-    <dgm:cxn modelId="{D2489678-6DB6-4F50-8939-EF2B05AED99F}" type="presParOf" srcId="{F41203AE-3D27-4DFC-B08E-BF6461080D2A}" destId="{F464CA6F-950B-46FF-9EA4-EAFF6B879406}" srcOrd="11" destOrd="0" presId="urn:microsoft.com/office/officeart/2005/8/layout/bProcess4"/>
-    <dgm:cxn modelId="{5B1F33A7-87E6-4FE1-BF4C-C81441CABAB8}" type="presParOf" srcId="{F41203AE-3D27-4DFC-B08E-BF6461080D2A}" destId="{42A1F50B-5B1B-4145-A083-09B1B095BC25}" srcOrd="12" destOrd="0" presId="urn:microsoft.com/office/officeart/2005/8/layout/bProcess4"/>
-    <dgm:cxn modelId="{4CBB8F7D-C824-4220-A196-EC45FEC5C43C}" type="presParOf" srcId="{42A1F50B-5B1B-4145-A083-09B1B095BC25}" destId="{433AA8C9-3897-4850-B5AE-3E09EF57FF22}" srcOrd="0" destOrd="0" presId="urn:microsoft.com/office/officeart/2005/8/layout/bProcess4"/>
-    <dgm:cxn modelId="{FBA57ABC-E0B0-4B33-BDCE-C285EF5B0050}" type="presParOf" srcId="{42A1F50B-5B1B-4145-A083-09B1B095BC25}" destId="{E2F09AE3-E19A-4DEE-8439-BD770D589E30}" srcOrd="1" destOrd="0" presId="urn:microsoft.com/office/officeart/2005/8/layout/bProcess4"/>
-    <dgm:cxn modelId="{EA2AFB78-53B3-41F8-A021-C3723A455772}" type="presParOf" srcId="{F41203AE-3D27-4DFC-B08E-BF6461080D2A}" destId="{E6918614-9BE6-4F65-A414-6CA09685AE8E}" srcOrd="13" destOrd="0" presId="urn:microsoft.com/office/officeart/2005/8/layout/bProcess4"/>
-    <dgm:cxn modelId="{95C13A71-38F2-484B-BBA1-CC4647C4D62F}" type="presParOf" srcId="{F41203AE-3D27-4DFC-B08E-BF6461080D2A}" destId="{1B166470-D870-4BDA-A5DA-F226145161FC}" srcOrd="14" destOrd="0" presId="urn:microsoft.com/office/officeart/2005/8/layout/bProcess4"/>
-    <dgm:cxn modelId="{3979E22D-E500-4D43-8DAE-FE091A357B39}" type="presParOf" srcId="{1B166470-D870-4BDA-A5DA-F226145161FC}" destId="{1B7E5009-3647-41FD-B39E-8D4E96783D89}" srcOrd="0" destOrd="0" presId="urn:microsoft.com/office/officeart/2005/8/layout/bProcess4"/>
-    <dgm:cxn modelId="{05955F1B-8852-4592-991E-90E7D5C7A8CD}" type="presParOf" srcId="{1B166470-D870-4BDA-A5DA-F226145161FC}" destId="{6DEDC417-7D81-4270-BD28-D9247A7A935F}" srcOrd="1" destOrd="0" presId="urn:microsoft.com/office/officeart/2005/8/layout/bProcess4"/>
-    <dgm:cxn modelId="{0F869F07-825D-4BC8-A03C-7E555F6FFB8A}" type="presParOf" srcId="{F41203AE-3D27-4DFC-B08E-BF6461080D2A}" destId="{04175430-BE2F-45E9-8822-6B0CF5FF9864}" srcOrd="15" destOrd="0" presId="urn:microsoft.com/office/officeart/2005/8/layout/bProcess4"/>
-    <dgm:cxn modelId="{42A3066A-C788-40F7-ACAE-D83BC010CECC}" type="presParOf" srcId="{F41203AE-3D27-4DFC-B08E-BF6461080D2A}" destId="{0B625B18-E227-42A1-8BD7-FBC109D3EA62}" srcOrd="16" destOrd="0" presId="urn:microsoft.com/office/officeart/2005/8/layout/bProcess4"/>
-    <dgm:cxn modelId="{33F53840-24F4-40AF-A172-7A4EE0076046}" type="presParOf" srcId="{0B625B18-E227-42A1-8BD7-FBC109D3EA62}" destId="{57704B1B-3CE8-4FEB-A14B-A42A5666C53B}" srcOrd="0" destOrd="0" presId="urn:microsoft.com/office/officeart/2005/8/layout/bProcess4"/>
-    <dgm:cxn modelId="{CCF3E0E5-7344-40B3-A311-3A7A66B91D23}" type="presParOf" srcId="{0B625B18-E227-42A1-8BD7-FBC109D3EA62}" destId="{186C2779-A3E3-43E9-AE0E-189DFF42734F}" srcOrd="1" destOrd="0" presId="urn:microsoft.com/office/officeart/2005/8/layout/bProcess4"/>
+    <dgm:cxn modelId="{0E32D405-B0EE-4C90-A941-BC16EC0C7248}" type="presOf" srcId="{F9AFC70D-98A9-44D5-AE29-4B77D890DCE5}" destId="{191F4B3B-7C00-4194-8D4F-CECA86D703A2}" srcOrd="1" destOrd="0" presId="urn:microsoft.com/office/officeart/2005/8/layout/bProcess3"/>
+    <dgm:cxn modelId="{D1CB3532-38A6-46AF-9E72-C4D261661711}" type="presOf" srcId="{7B5F1AB1-A56B-4592-899D-948C07E9FCE7}" destId="{97F24419-2708-42E8-9769-0A28F7BD71A6}" srcOrd="0" destOrd="0" presId="urn:microsoft.com/office/officeart/2005/8/layout/bProcess3"/>
+    <dgm:cxn modelId="{E34C3354-1D74-4A1F-8195-05508E85ECD6}" type="presOf" srcId="{69D9465D-5278-4893-90E4-FC4A404190FF}" destId="{AB7D1F4E-9312-4439-A2E4-A213510AFD26}" srcOrd="0" destOrd="0" presId="urn:microsoft.com/office/officeart/2005/8/layout/bProcess3"/>
+    <dgm:cxn modelId="{E4EE961B-0963-4C92-ACB1-E6272FEEC90C}" type="presParOf" srcId="{AB7D1F4E-9312-4439-A2E4-A213510AFD26}" destId="{27F56413-FCFF-4273-949E-4AF04F853E29}" srcOrd="0" destOrd="0" presId="urn:microsoft.com/office/officeart/2005/8/layout/bProcess3"/>
+    <dgm:cxn modelId="{1EF6780E-D158-423E-8DB5-577ED8C74FAE}" type="presParOf" srcId="{AB7D1F4E-9312-4439-A2E4-A213510AFD26}" destId="{69300817-EA31-4152-B990-B317CFA67973}" srcOrd="1" destOrd="0" presId="urn:microsoft.com/office/officeart/2005/8/layout/bProcess3"/>
+    <dgm:cxn modelId="{10A3BE66-59E5-4222-817C-7D067B8FFCA2}" type="presParOf" srcId="{69300817-EA31-4152-B990-B317CFA67973}" destId="{3192C467-49B7-423C-898A-FEF993C99F7E}" srcOrd="0" destOrd="0" presId="urn:microsoft.com/office/officeart/2005/8/layout/bProcess3"/>
+    <dgm:cxn modelId="{6DEA69BF-9812-46E4-BCF1-8D670BBCAB84}" type="presParOf" srcId="{AB7D1F4E-9312-4439-A2E4-A213510AFD26}" destId="{2141B62C-AC3E-4A70-9DA9-08458AFC4B4F}" srcOrd="2" destOrd="0" presId="urn:microsoft.com/office/officeart/2005/8/layout/bProcess3"/>
+    <dgm:cxn modelId="{58F6D6BC-2B46-47F1-ABD4-E5A721DA6A23}" type="presParOf" srcId="{AB7D1F4E-9312-4439-A2E4-A213510AFD26}" destId="{6C2007A8-9FE5-4910-BD18-916BF21E7786}" srcOrd="3" destOrd="0" presId="urn:microsoft.com/office/officeart/2005/8/layout/bProcess3"/>
+    <dgm:cxn modelId="{560B83AE-7469-4A37-B77D-78169C120553}" type="presParOf" srcId="{6C2007A8-9FE5-4910-BD18-916BF21E7786}" destId="{47429D45-F0E3-46D3-B01A-9F44F1D3371D}" srcOrd="0" destOrd="0" presId="urn:microsoft.com/office/officeart/2005/8/layout/bProcess3"/>
+    <dgm:cxn modelId="{2D4F98E5-9C3F-4D5A-BE2F-B606DBB7A36E}" type="presParOf" srcId="{AB7D1F4E-9312-4439-A2E4-A213510AFD26}" destId="{2F582401-5E91-4678-A347-43B09F72D53E}" srcOrd="4" destOrd="0" presId="urn:microsoft.com/office/officeart/2005/8/layout/bProcess3"/>
+    <dgm:cxn modelId="{7B2478D8-4866-4597-A3F2-E23C10546EBD}" type="presParOf" srcId="{AB7D1F4E-9312-4439-A2E4-A213510AFD26}" destId="{4316FBD8-E443-4F26-8A56-58843C2E3CA0}" srcOrd="5" destOrd="0" presId="urn:microsoft.com/office/officeart/2005/8/layout/bProcess3"/>
+    <dgm:cxn modelId="{03D1A1AF-82C9-41C1-A5ED-34DB1306382C}" type="presParOf" srcId="{4316FBD8-E443-4F26-8A56-58843C2E3CA0}" destId="{4421280F-03E8-4105-8A80-19B499284225}" srcOrd="0" destOrd="0" presId="urn:microsoft.com/office/officeart/2005/8/layout/bProcess3"/>
+    <dgm:cxn modelId="{F8D1C889-684E-4365-B0C5-22183916B824}" type="presParOf" srcId="{AB7D1F4E-9312-4439-A2E4-A213510AFD26}" destId="{28ADFB63-5136-4E89-93B6-3A7E483E61F0}" srcOrd="6" destOrd="0" presId="urn:microsoft.com/office/officeart/2005/8/layout/bProcess3"/>
+    <dgm:cxn modelId="{3B6361EC-F2DD-4205-ACC0-6B4B0D4B1C29}" type="presParOf" srcId="{AB7D1F4E-9312-4439-A2E4-A213510AFD26}" destId="{059B6B66-3031-4510-8AE7-BB17D1B585F2}" srcOrd="7" destOrd="0" presId="urn:microsoft.com/office/officeart/2005/8/layout/bProcess3"/>
+    <dgm:cxn modelId="{A47E5AAB-B665-47F7-A8D1-FA32E2F853D6}" type="presParOf" srcId="{059B6B66-3031-4510-8AE7-BB17D1B585F2}" destId="{9056478E-F453-42D9-88A4-AC00F0403DF4}" srcOrd="0" destOrd="0" presId="urn:microsoft.com/office/officeart/2005/8/layout/bProcess3"/>
+    <dgm:cxn modelId="{7DDFED91-7A3B-433A-9AA5-420466112C69}" type="presParOf" srcId="{AB7D1F4E-9312-4439-A2E4-A213510AFD26}" destId="{97F24419-2708-42E8-9769-0A28F7BD71A6}" srcOrd="8" destOrd="0" presId="urn:microsoft.com/office/officeart/2005/8/layout/bProcess3"/>
+    <dgm:cxn modelId="{8825F6F7-A9D7-4D72-A3E4-E943296D96EE}" type="presParOf" srcId="{AB7D1F4E-9312-4439-A2E4-A213510AFD26}" destId="{7AD9DE54-F97A-4516-9C25-7596D7760CC8}" srcOrd="9" destOrd="0" presId="urn:microsoft.com/office/officeart/2005/8/layout/bProcess3"/>
+    <dgm:cxn modelId="{39104895-32A4-432F-A253-6AA200C51798}" type="presParOf" srcId="{7AD9DE54-F97A-4516-9C25-7596D7760CC8}" destId="{191F4B3B-7C00-4194-8D4F-CECA86D703A2}" srcOrd="0" destOrd="0" presId="urn:microsoft.com/office/officeart/2005/8/layout/bProcess3"/>
+    <dgm:cxn modelId="{C9E82DC9-C04A-4CCD-A5E7-1742B0E045D4}" type="presParOf" srcId="{AB7D1F4E-9312-4439-A2E4-A213510AFD26}" destId="{75DDC09E-4521-44CE-83AE-96887047D0A7}" srcOrd="10" destOrd="0" presId="urn:microsoft.com/office/officeart/2005/8/layout/bProcess3"/>
+    <dgm:cxn modelId="{F5905DE4-9D8E-47D7-A299-5D7207BBF107}" type="presParOf" srcId="{AB7D1F4E-9312-4439-A2E4-A213510AFD26}" destId="{1AC55C4F-0C57-41CF-B1DD-AA1B3B966900}" srcOrd="11" destOrd="0" presId="urn:microsoft.com/office/officeart/2005/8/layout/bProcess3"/>
+    <dgm:cxn modelId="{B1D5099C-48AA-4C6E-9022-8AA1A84A1095}" type="presParOf" srcId="{1AC55C4F-0C57-41CF-B1DD-AA1B3B966900}" destId="{41E57713-78D3-4226-9328-E63F127319DB}" srcOrd="0" destOrd="0" presId="urn:microsoft.com/office/officeart/2005/8/layout/bProcess3"/>
+    <dgm:cxn modelId="{EF4993EF-3C0B-490C-897A-13BA1E28BF70}" type="presParOf" srcId="{AB7D1F4E-9312-4439-A2E4-A213510AFD26}" destId="{3F6E2F26-14C6-4160-AD3D-3A4C3799931F}" srcOrd="12" destOrd="0" presId="urn:microsoft.com/office/officeart/2005/8/layout/bProcess3"/>
+    <dgm:cxn modelId="{73AD43F4-E136-4176-A28B-ED169FA49832}" type="presParOf" srcId="{AB7D1F4E-9312-4439-A2E4-A213510AFD26}" destId="{4AB84C51-7196-46C2-BF35-0E4A8C115E5F}" srcOrd="13" destOrd="0" presId="urn:microsoft.com/office/officeart/2005/8/layout/bProcess3"/>
+    <dgm:cxn modelId="{895CB221-9A3D-4605-9CAD-2A78FF3530A0}" type="presParOf" srcId="{4AB84C51-7196-46C2-BF35-0E4A8C115E5F}" destId="{FE21FC5D-E990-448C-86C2-C806DFF0FC6B}" srcOrd="0" destOrd="0" presId="urn:microsoft.com/office/officeart/2005/8/layout/bProcess3"/>
+    <dgm:cxn modelId="{6D8DA692-9887-462B-98E6-A78446E7F987}" type="presParOf" srcId="{AB7D1F4E-9312-4439-A2E4-A213510AFD26}" destId="{D00CAAD7-313A-42A8-8AA6-07795844C1A9}" srcOrd="14" destOrd="0" presId="urn:microsoft.com/office/officeart/2005/8/layout/bProcess3"/>
+    <dgm:cxn modelId="{4BA2E726-DA22-4C00-AD70-554FF6A1FAA0}" type="presParOf" srcId="{AB7D1F4E-9312-4439-A2E4-A213510AFD26}" destId="{3A7AB653-5E27-4B23-A42A-C0CAEB14C9B2}" srcOrd="15" destOrd="0" presId="urn:microsoft.com/office/officeart/2005/8/layout/bProcess3"/>
+    <dgm:cxn modelId="{140109FA-E27D-4C9E-9CB9-8EB3D8AF3967}" type="presParOf" srcId="{3A7AB653-5E27-4B23-A42A-C0CAEB14C9B2}" destId="{45216312-95A6-4DA6-98B8-814C28FC113E}" srcOrd="0" destOrd="0" presId="urn:microsoft.com/office/officeart/2005/8/layout/bProcess3"/>
+    <dgm:cxn modelId="{79D57866-43C3-43F8-8A16-EBC65F7AACF5}" type="presParOf" srcId="{AB7D1F4E-9312-4439-A2E4-A213510AFD26}" destId="{E2D83472-AD73-4502-8BBF-5619C87A89FF}" srcOrd="16" destOrd="0" presId="urn:microsoft.com/office/officeart/2005/8/layout/bProcess3"/>
   </dgm:cxnLst>
   <dgm:bg/>
   <dgm:whole/>
@@ -1673,61 +1687,97 @@
       <dsp:cNvGrpSpPr/>
     </dsp:nvGrpSpPr>
     <dsp:grpSpPr/>
-    <dsp:sp modelId="{CF02E96F-6612-4447-A716-AF24BA2BAA38}">
-      <dsp:nvSpPr>
-        <dsp:cNvPr id="0" name=""/>
-        <dsp:cNvSpPr/>
-      </dsp:nvSpPr>
-      <dsp:spPr>
-        <a:xfrm rot="5400000">
-          <a:off x="-334529" y="1290056"/>
-          <a:ext cx="1481686" cy="178981"/>
-        </a:xfrm>
-        <a:prstGeom prst="rect">
-          <a:avLst/>
-        </a:prstGeom>
-        <a:solidFill>
-          <a:schemeClr val="accent5">
-            <a:hueOff val="0"/>
-            <a:satOff val="0"/>
-            <a:lumOff val="0"/>
-            <a:alphaOff val="0"/>
-          </a:schemeClr>
-        </a:solidFill>
-        <a:ln>
-          <a:noFill/>
-        </a:ln>
-        <a:effectLst/>
-      </dsp:spPr>
-      <dsp:style>
-        <a:lnRef idx="0">
-          <a:scrgbClr r="0" g="0" b="0"/>
-        </a:lnRef>
-        <a:fillRef idx="1">
-          <a:scrgbClr r="0" g="0" b="0"/>
-        </a:fillRef>
-        <a:effectRef idx="0">
-          <a:scrgbClr r="0" g="0" b="0"/>
-        </a:effectRef>
-        <a:fontRef idx="minor">
-          <a:schemeClr val="lt1"/>
-        </a:fontRef>
-      </dsp:style>
-    </dsp:sp>
-    <dsp:sp modelId="{0111BCDE-244E-4E0C-9F45-971A15B0F1AB}">
+    <dsp:sp modelId="{69300817-EA31-4152-B990-B317CFA67973}">
       <dsp:nvSpPr>
         <dsp:cNvPr id="0" name=""/>
         <dsp:cNvSpPr/>
       </dsp:nvSpPr>
       <dsp:spPr>
         <a:xfrm>
-          <a:off x="3664" y="340519"/>
-          <a:ext cx="1988683" cy="1193209"/>
+          <a:off x="2185843" y="813594"/>
+          <a:ext cx="471224" cy="91440"/>
         </a:xfrm>
-        <a:prstGeom prst="roundRect">
-          <a:avLst>
-            <a:gd name="adj" fmla="val 10000"/>
-          </a:avLst>
+        <a:custGeom>
+          <a:avLst/>
+          <a:gdLst/>
+          <a:ahLst/>
+          <a:cxnLst/>
+          <a:rect l="0" t="0" r="0" b="0"/>
+          <a:pathLst>
+            <a:path>
+              <a:moveTo>
+                <a:pt x="0" y="45720"/>
+              </a:moveTo>
+              <a:lnTo>
+                <a:pt x="471224" y="45720"/>
+              </a:lnTo>
+            </a:path>
+          </a:pathLst>
+        </a:custGeom>
+        <a:noFill/>
+        <a:ln w="9525" cap="flat" cmpd="sng" algn="ctr">
+          <a:solidFill>
+            <a:schemeClr val="accent5">
+              <a:hueOff val="0"/>
+              <a:satOff val="0"/>
+              <a:lumOff val="0"/>
+              <a:alphaOff val="0"/>
+            </a:schemeClr>
+          </a:solidFill>
+          <a:prstDash val="solid"/>
+          <a:tailEnd type="arrow"/>
+        </a:ln>
+        <a:effectLst/>
+      </dsp:spPr>
+      <dsp:style>
+        <a:lnRef idx="1">
+          <a:scrgbClr r="0" g="0" b="0"/>
+        </a:lnRef>
+        <a:fillRef idx="0">
+          <a:scrgbClr r="0" g="0" b="0"/>
+        </a:fillRef>
+        <a:effectRef idx="0">
+          <a:scrgbClr r="0" g="0" b="0"/>
+        </a:effectRef>
+        <a:fontRef idx="minor"/>
+      </dsp:style>
+      <dsp:txBody>
+        <a:bodyPr spcFirstLastPara="0" vert="horz" wrap="square" lIns="12700" tIns="0" rIns="12700" bIns="0" numCol="1" spcCol="1270" anchor="ctr" anchorCtr="0">
+          <a:noAutofit/>
+        </a:bodyPr>
+        <a:lstStyle/>
+        <a:p>
+          <a:pPr lvl="0" algn="ctr" defTabSz="222250">
+            <a:lnSpc>
+              <a:spcPct val="90000"/>
+            </a:lnSpc>
+            <a:spcBef>
+              <a:spcPct val="0"/>
+            </a:spcBef>
+            <a:spcAft>
+              <a:spcPct val="35000"/>
+            </a:spcAft>
+          </a:pPr>
+          <a:endParaRPr lang="en-ZA" sz="500" kern="1200"/>
+        </a:p>
+      </dsp:txBody>
+      <dsp:txXfrm>
+        <a:off x="2408910" y="856805"/>
+        <a:ext cx="25091" cy="5018"/>
+      </dsp:txXfrm>
+    </dsp:sp>
+    <dsp:sp modelId="{27F56413-FCFF-4273-949E-4AF04F853E29}">
+      <dsp:nvSpPr>
+        <dsp:cNvPr id="0" name=""/>
+        <dsp:cNvSpPr/>
+      </dsp:nvSpPr>
+      <dsp:spPr>
+        <a:xfrm>
+          <a:off x="5796" y="204760"/>
+          <a:ext cx="2181847" cy="1309108"/>
+        </a:xfrm>
+        <a:prstGeom prst="rect">
+          <a:avLst/>
         </a:prstGeom>
         <a:solidFill>
           <a:schemeClr val="accent5">
@@ -1765,12 +1815,12 @@
         </a:fontRef>
       </dsp:style>
       <dsp:txBody>
-        <a:bodyPr spcFirstLastPara="0" vert="horz" wrap="square" lIns="38100" tIns="38100" rIns="38100" bIns="38100" numCol="1" spcCol="1270" anchor="ctr" anchorCtr="0">
+        <a:bodyPr spcFirstLastPara="0" vert="horz" wrap="square" lIns="78232" tIns="78232" rIns="78232" bIns="78232" numCol="1" spcCol="1270" anchor="ctr" anchorCtr="0">
           <a:noAutofit/>
         </a:bodyPr>
         <a:lstStyle/>
         <a:p>
-          <a:pPr lvl="0" algn="ctr" defTabSz="444500">
+          <a:pPr lvl="0" algn="ctr" defTabSz="488950">
             <a:lnSpc>
               <a:spcPct val="90000"/>
             </a:lnSpc>
@@ -1782,76 +1832,112 @@
             </a:spcAft>
           </a:pPr>
           <a:r>
-            <a:rPr lang="en-ZA" sz="1000" kern="1200" dirty="0" smtClean="0">
+            <a:rPr lang="en-ZA" sz="1100" kern="1200" dirty="0" smtClean="0">
               <a:latin typeface="Corbel" panose="020B0503020204020204" pitchFamily="34" charset="0"/>
             </a:rPr>
             <a:t>Collect data from the Android’s sensors.</a:t>
           </a:r>
-          <a:endParaRPr lang="en-ZA" sz="1000" kern="1200" dirty="0">
+          <a:endParaRPr lang="en-ZA" sz="1100" kern="1200" dirty="0">
             <a:latin typeface="Corbel" panose="020B0503020204020204" pitchFamily="34" charset="0"/>
           </a:endParaRPr>
         </a:p>
       </dsp:txBody>
       <dsp:txXfrm>
-        <a:off x="38612" y="375467"/>
-        <a:ext cx="1918787" cy="1123313"/>
+        <a:off x="5796" y="204760"/>
+        <a:ext cx="2181847" cy="1309108"/>
       </dsp:txXfrm>
     </dsp:sp>
-    <dsp:sp modelId="{6E02BA24-2FD9-4C78-8700-D63A6D75380B}">
-      <dsp:nvSpPr>
-        <dsp:cNvPr id="0" name=""/>
-        <dsp:cNvSpPr/>
-      </dsp:nvSpPr>
-      <dsp:spPr>
-        <a:xfrm rot="5400000">
-          <a:off x="-334529" y="2781569"/>
-          <a:ext cx="1481686" cy="178981"/>
-        </a:xfrm>
-        <a:prstGeom prst="rect">
-          <a:avLst/>
-        </a:prstGeom>
-        <a:solidFill>
-          <a:schemeClr val="accent5">
-            <a:hueOff val="431236"/>
-            <a:satOff val="-3289"/>
-            <a:lumOff val="-1457"/>
-            <a:alphaOff val="0"/>
-          </a:schemeClr>
-        </a:solidFill>
-        <a:ln>
-          <a:noFill/>
-        </a:ln>
-        <a:effectLst/>
-      </dsp:spPr>
-      <dsp:style>
-        <a:lnRef idx="0">
-          <a:scrgbClr r="0" g="0" b="0"/>
-        </a:lnRef>
-        <a:fillRef idx="1">
-          <a:scrgbClr r="0" g="0" b="0"/>
-        </a:fillRef>
-        <a:effectRef idx="0">
-          <a:scrgbClr r="0" g="0" b="0"/>
-        </a:effectRef>
-        <a:fontRef idx="minor">
-          <a:schemeClr val="lt1"/>
-        </a:fontRef>
-      </dsp:style>
-    </dsp:sp>
-    <dsp:sp modelId="{5D23B8C8-D64B-484E-B55B-BD146A94EBE7}">
+    <dsp:sp modelId="{6C2007A8-9FE5-4910-BD18-916BF21E7786}">
       <dsp:nvSpPr>
         <dsp:cNvPr id="0" name=""/>
         <dsp:cNvSpPr/>
       </dsp:nvSpPr>
       <dsp:spPr>
         <a:xfrm>
-          <a:off x="3664" y="1832031"/>
-          <a:ext cx="1988683" cy="1193209"/>
+          <a:off x="4869516" y="813594"/>
+          <a:ext cx="471224" cy="91440"/>
         </a:xfrm>
-        <a:prstGeom prst="roundRect">
-          <a:avLst>
-            <a:gd name="adj" fmla="val 10000"/>
-          </a:avLst>
+        <a:custGeom>
+          <a:avLst/>
+          <a:gdLst/>
+          <a:ahLst/>
+          <a:cxnLst/>
+          <a:rect l="0" t="0" r="0" b="0"/>
+          <a:pathLst>
+            <a:path>
+              <a:moveTo>
+                <a:pt x="0" y="45720"/>
+              </a:moveTo>
+              <a:lnTo>
+                <a:pt x="471224" y="45720"/>
+              </a:lnTo>
+            </a:path>
+          </a:pathLst>
+        </a:custGeom>
+        <a:noFill/>
+        <a:ln w="9525" cap="flat" cmpd="sng" algn="ctr">
+          <a:solidFill>
+            <a:schemeClr val="accent5">
+              <a:hueOff val="431236"/>
+              <a:satOff val="-3289"/>
+              <a:lumOff val="-1457"/>
+              <a:alphaOff val="0"/>
+            </a:schemeClr>
+          </a:solidFill>
+          <a:prstDash val="solid"/>
+          <a:tailEnd type="arrow"/>
+        </a:ln>
+        <a:effectLst/>
+      </dsp:spPr>
+      <dsp:style>
+        <a:lnRef idx="1">
+          <a:scrgbClr r="0" g="0" b="0"/>
+        </a:lnRef>
+        <a:fillRef idx="0">
+          <a:scrgbClr r="0" g="0" b="0"/>
+        </a:fillRef>
+        <a:effectRef idx="0">
+          <a:scrgbClr r="0" g="0" b="0"/>
+        </a:effectRef>
+        <a:fontRef idx="minor"/>
+      </dsp:style>
+      <dsp:txBody>
+        <a:bodyPr spcFirstLastPara="0" vert="horz" wrap="square" lIns="12700" tIns="0" rIns="12700" bIns="0" numCol="1" spcCol="1270" anchor="ctr" anchorCtr="0">
+          <a:noAutofit/>
+        </a:bodyPr>
+        <a:lstStyle/>
+        <a:p>
+          <a:pPr lvl="0" algn="ctr" defTabSz="222250">
+            <a:lnSpc>
+              <a:spcPct val="90000"/>
+            </a:lnSpc>
+            <a:spcBef>
+              <a:spcPct val="0"/>
+            </a:spcBef>
+            <a:spcAft>
+              <a:spcPct val="35000"/>
+            </a:spcAft>
+          </a:pPr>
+          <a:endParaRPr lang="en-ZA" sz="500" kern="1200"/>
+        </a:p>
+      </dsp:txBody>
+      <dsp:txXfrm>
+        <a:off x="5092583" y="856805"/>
+        <a:ext cx="25091" cy="5018"/>
+      </dsp:txXfrm>
+    </dsp:sp>
+    <dsp:sp modelId="{2141B62C-AC3E-4A70-9DA9-08458AFC4B4F}">
+      <dsp:nvSpPr>
+        <dsp:cNvPr id="0" name=""/>
+        <dsp:cNvSpPr/>
+      </dsp:nvSpPr>
+      <dsp:spPr>
+        <a:xfrm>
+          <a:off x="2689468" y="204760"/>
+          <a:ext cx="2181847" cy="1309108"/>
+        </a:xfrm>
+        <a:prstGeom prst="rect">
+          <a:avLst/>
         </a:prstGeom>
         <a:solidFill>
           <a:schemeClr val="accent5">
@@ -1889,12 +1975,12 @@
         </a:fontRef>
       </dsp:style>
       <dsp:txBody>
-        <a:bodyPr spcFirstLastPara="0" vert="horz" wrap="square" lIns="38100" tIns="38100" rIns="38100" bIns="38100" numCol="1" spcCol="1270" anchor="ctr" anchorCtr="0">
+        <a:bodyPr spcFirstLastPara="0" vert="horz" wrap="square" lIns="78232" tIns="78232" rIns="78232" bIns="78232" numCol="1" spcCol="1270" anchor="ctr" anchorCtr="0">
           <a:noAutofit/>
         </a:bodyPr>
         <a:lstStyle/>
         <a:p>
-          <a:pPr lvl="0" algn="ctr" defTabSz="444500">
+          <a:pPr lvl="0" algn="ctr" defTabSz="488950">
             <a:lnSpc>
               <a:spcPct val="90000"/>
             </a:lnSpc>
@@ -1906,76 +1992,118 @@
             </a:spcAft>
           </a:pPr>
           <a:r>
-            <a:rPr lang="en-ZA" sz="1000" kern="1200" dirty="0" smtClean="0">
+            <a:rPr lang="en-ZA" sz="1100" kern="1200" dirty="0" smtClean="0">
               <a:latin typeface="Corbel" panose="020B0503020204020204" pitchFamily="34" charset="0"/>
             </a:rPr>
             <a:t>We determine many bad things all previous users have averaged per second. And transform that data into a normal distribution.</a:t>
           </a:r>
-          <a:endParaRPr lang="en-ZA" sz="1000" kern="1200" dirty="0">
+          <a:endParaRPr lang="en-ZA" sz="1100" kern="1200" dirty="0">
             <a:latin typeface="Corbel" panose="020B0503020204020204" pitchFamily="34" charset="0"/>
           </a:endParaRPr>
         </a:p>
       </dsp:txBody>
       <dsp:txXfrm>
-        <a:off x="38612" y="1866979"/>
-        <a:ext cx="1918787" cy="1123313"/>
+        <a:off x="2689468" y="204760"/>
+        <a:ext cx="2181847" cy="1309108"/>
       </dsp:txXfrm>
     </dsp:sp>
-    <dsp:sp modelId="{B3F14615-A4E7-4DA6-B7C0-B9FBB08C1897}">
+    <dsp:sp modelId="{4316FBD8-E443-4F26-8A56-58843C2E3CA0}">
       <dsp:nvSpPr>
         <dsp:cNvPr id="0" name=""/>
         <dsp:cNvSpPr/>
       </dsp:nvSpPr>
       <dsp:spPr>
         <a:xfrm>
-          <a:off x="411227" y="3527325"/>
-          <a:ext cx="2635122" cy="178981"/>
+          <a:off x="1096719" y="1512068"/>
+          <a:ext cx="5367345" cy="471224"/>
         </a:xfrm>
-        <a:prstGeom prst="rect">
+        <a:custGeom>
           <a:avLst/>
-        </a:prstGeom>
-        <a:solidFill>
-          <a:schemeClr val="accent5">
-            <a:hueOff val="862472"/>
-            <a:satOff val="-6578"/>
-            <a:lumOff val="-2913"/>
-            <a:alphaOff val="0"/>
-          </a:schemeClr>
-        </a:solidFill>
-        <a:ln>
-          <a:noFill/>
+          <a:gdLst/>
+          <a:ahLst/>
+          <a:cxnLst/>
+          <a:rect l="0" t="0" r="0" b="0"/>
+          <a:pathLst>
+            <a:path>
+              <a:moveTo>
+                <a:pt x="5367345" y="0"/>
+              </a:moveTo>
+              <a:lnTo>
+                <a:pt x="5367345" y="252712"/>
+              </a:lnTo>
+              <a:lnTo>
+                <a:pt x="0" y="252712"/>
+              </a:lnTo>
+              <a:lnTo>
+                <a:pt x="0" y="471224"/>
+              </a:lnTo>
+            </a:path>
+          </a:pathLst>
+        </a:custGeom>
+        <a:noFill/>
+        <a:ln w="9525" cap="flat" cmpd="sng" algn="ctr">
+          <a:solidFill>
+            <a:schemeClr val="accent5">
+              <a:hueOff val="862472"/>
+              <a:satOff val="-6578"/>
+              <a:lumOff val="-2913"/>
+              <a:alphaOff val="0"/>
+            </a:schemeClr>
+          </a:solidFill>
+          <a:prstDash val="solid"/>
+          <a:tailEnd type="arrow"/>
         </a:ln>
         <a:effectLst/>
       </dsp:spPr>
       <dsp:style>
-        <a:lnRef idx="0">
+        <a:lnRef idx="1">
           <a:scrgbClr r="0" g="0" b="0"/>
         </a:lnRef>
-        <a:fillRef idx="1">
+        <a:fillRef idx="0">
           <a:scrgbClr r="0" g="0" b="0"/>
         </a:fillRef>
         <a:effectRef idx="0">
           <a:scrgbClr r="0" g="0" b="0"/>
         </a:effectRef>
-        <a:fontRef idx="minor">
-          <a:schemeClr val="lt1"/>
-        </a:fontRef>
+        <a:fontRef idx="minor"/>
       </dsp:style>
+      <dsp:txBody>
+        <a:bodyPr spcFirstLastPara="0" vert="horz" wrap="square" lIns="12700" tIns="0" rIns="12700" bIns="0" numCol="1" spcCol="1270" anchor="ctr" anchorCtr="0">
+          <a:noAutofit/>
+        </a:bodyPr>
+        <a:lstStyle/>
+        <a:p>
+          <a:pPr lvl="0" algn="ctr" defTabSz="222250">
+            <a:lnSpc>
+              <a:spcPct val="90000"/>
+            </a:lnSpc>
+            <a:spcBef>
+              <a:spcPct val="0"/>
+            </a:spcBef>
+            <a:spcAft>
+              <a:spcPct val="35000"/>
+            </a:spcAft>
+          </a:pPr>
+          <a:endParaRPr lang="en-ZA" sz="500" kern="1200"/>
+        </a:p>
+      </dsp:txBody>
+      <dsp:txXfrm>
+        <a:off x="3645623" y="1745172"/>
+        <a:ext cx="269537" cy="5018"/>
+      </dsp:txXfrm>
     </dsp:sp>
-    <dsp:sp modelId="{DB114CFE-3120-4EDC-8173-69948354E5C4}">
+    <dsp:sp modelId="{2F582401-5E91-4678-A347-43B09F72D53E}">
       <dsp:nvSpPr>
         <dsp:cNvPr id="0" name=""/>
         <dsp:cNvSpPr/>
       </dsp:nvSpPr>
       <dsp:spPr>
         <a:xfrm>
-          <a:off x="3664" y="3323543"/>
-          <a:ext cx="1988683" cy="1193209"/>
+          <a:off x="5373141" y="204760"/>
+          <a:ext cx="2181847" cy="1309108"/>
         </a:xfrm>
-        <a:prstGeom prst="roundRect">
-          <a:avLst>
-            <a:gd name="adj" fmla="val 10000"/>
-          </a:avLst>
+        <a:prstGeom prst="rect">
+          <a:avLst/>
         </a:prstGeom>
         <a:solidFill>
           <a:schemeClr val="accent5">
@@ -2013,12 +2141,12 @@
         </a:fontRef>
       </dsp:style>
       <dsp:txBody>
-        <a:bodyPr spcFirstLastPara="0" vert="horz" wrap="square" lIns="38100" tIns="38100" rIns="38100" bIns="38100" numCol="1" spcCol="1270" anchor="ctr" anchorCtr="0">
+        <a:bodyPr spcFirstLastPara="0" vert="horz" wrap="square" lIns="78232" tIns="78232" rIns="78232" bIns="78232" numCol="1" spcCol="1270" anchor="ctr" anchorCtr="0">
           <a:noAutofit/>
         </a:bodyPr>
         <a:lstStyle/>
         <a:p>
-          <a:pPr lvl="0" algn="ctr" defTabSz="444500">
+          <a:pPr lvl="0" algn="ctr" defTabSz="488950">
             <a:lnSpc>
               <a:spcPct val="90000"/>
             </a:lnSpc>
@@ -2030,76 +2158,112 @@
             </a:spcAft>
           </a:pPr>
           <a:r>
-            <a:rPr lang="en-ZA" sz="1000" kern="1200" dirty="0" smtClean="0">
+            <a:rPr lang="en-ZA" sz="1100" kern="1200" dirty="0" smtClean="0">
               <a:latin typeface="Corbel" panose="020B0503020204020204" pitchFamily="34" charset="0"/>
             </a:rPr>
             <a:t>Determine how many bad things the current user does per second.</a:t>
           </a:r>
-          <a:endParaRPr lang="en-ZA" sz="1000" kern="1200" dirty="0">
+          <a:endParaRPr lang="en-ZA" sz="1100" kern="1200" dirty="0">
             <a:latin typeface="Corbel" panose="020B0503020204020204" pitchFamily="34" charset="0"/>
           </a:endParaRPr>
         </a:p>
       </dsp:txBody>
       <dsp:txXfrm>
-        <a:off x="38612" y="3358491"/>
-        <a:ext cx="1918787" cy="1123313"/>
+        <a:off x="5373141" y="204760"/>
+        <a:ext cx="2181847" cy="1309108"/>
       </dsp:txXfrm>
     </dsp:sp>
-    <dsp:sp modelId="{3C7DEFEB-D965-469F-891F-0F8B1239A0E7}">
-      <dsp:nvSpPr>
-        <dsp:cNvPr id="0" name=""/>
-        <dsp:cNvSpPr/>
-      </dsp:nvSpPr>
-      <dsp:spPr>
-        <a:xfrm rot="16200000">
-          <a:off x="2310419" y="2781569"/>
-          <a:ext cx="1481686" cy="178981"/>
-        </a:xfrm>
-        <a:prstGeom prst="rect">
-          <a:avLst/>
-        </a:prstGeom>
-        <a:solidFill>
-          <a:schemeClr val="accent5">
-            <a:hueOff val="1293708"/>
-            <a:satOff val="-9867"/>
-            <a:lumOff val="-4370"/>
-            <a:alphaOff val="0"/>
-          </a:schemeClr>
-        </a:solidFill>
-        <a:ln>
-          <a:noFill/>
-        </a:ln>
-        <a:effectLst/>
-      </dsp:spPr>
-      <dsp:style>
-        <a:lnRef idx="0">
-          <a:scrgbClr r="0" g="0" b="0"/>
-        </a:lnRef>
-        <a:fillRef idx="1">
-          <a:scrgbClr r="0" g="0" b="0"/>
-        </a:fillRef>
-        <a:effectRef idx="0">
-          <a:scrgbClr r="0" g="0" b="0"/>
-        </a:effectRef>
-        <a:fontRef idx="minor">
-          <a:schemeClr val="lt1"/>
-        </a:fontRef>
-      </dsp:style>
-    </dsp:sp>
-    <dsp:sp modelId="{8B6115A6-6B88-4E8C-B7FC-E18F0AFA9CAB}">
+    <dsp:sp modelId="{059B6B66-3031-4510-8AE7-BB17D1B585F2}">
       <dsp:nvSpPr>
         <dsp:cNvPr id="0" name=""/>
         <dsp:cNvSpPr/>
       </dsp:nvSpPr>
       <dsp:spPr>
         <a:xfrm>
-          <a:off x="2648612" y="3323543"/>
-          <a:ext cx="1988683" cy="1193209"/>
+          <a:off x="2185843" y="2624528"/>
+          <a:ext cx="471224" cy="91440"/>
         </a:xfrm>
-        <a:prstGeom prst="roundRect">
-          <a:avLst>
-            <a:gd name="adj" fmla="val 10000"/>
-          </a:avLst>
+        <a:custGeom>
+          <a:avLst/>
+          <a:gdLst/>
+          <a:ahLst/>
+          <a:cxnLst/>
+          <a:rect l="0" t="0" r="0" b="0"/>
+          <a:pathLst>
+            <a:path>
+              <a:moveTo>
+                <a:pt x="0" y="45720"/>
+              </a:moveTo>
+              <a:lnTo>
+                <a:pt x="471224" y="45720"/>
+              </a:lnTo>
+            </a:path>
+          </a:pathLst>
+        </a:custGeom>
+        <a:noFill/>
+        <a:ln w="9525" cap="flat" cmpd="sng" algn="ctr">
+          <a:solidFill>
+            <a:schemeClr val="accent5">
+              <a:hueOff val="1293708"/>
+              <a:satOff val="-9867"/>
+              <a:lumOff val="-4370"/>
+              <a:alphaOff val="0"/>
+            </a:schemeClr>
+          </a:solidFill>
+          <a:prstDash val="solid"/>
+          <a:tailEnd type="arrow"/>
+        </a:ln>
+        <a:effectLst/>
+      </dsp:spPr>
+      <dsp:style>
+        <a:lnRef idx="1">
+          <a:scrgbClr r="0" g="0" b="0"/>
+        </a:lnRef>
+        <a:fillRef idx="0">
+          <a:scrgbClr r="0" g="0" b="0"/>
+        </a:fillRef>
+        <a:effectRef idx="0">
+          <a:scrgbClr r="0" g="0" b="0"/>
+        </a:effectRef>
+        <a:fontRef idx="minor"/>
+      </dsp:style>
+      <dsp:txBody>
+        <a:bodyPr spcFirstLastPara="0" vert="horz" wrap="square" lIns="12700" tIns="0" rIns="12700" bIns="0" numCol="1" spcCol="1270" anchor="ctr" anchorCtr="0">
+          <a:noAutofit/>
+        </a:bodyPr>
+        <a:lstStyle/>
+        <a:p>
+          <a:pPr lvl="0" algn="ctr" defTabSz="222250">
+            <a:lnSpc>
+              <a:spcPct val="90000"/>
+            </a:lnSpc>
+            <a:spcBef>
+              <a:spcPct val="0"/>
+            </a:spcBef>
+            <a:spcAft>
+              <a:spcPct val="35000"/>
+            </a:spcAft>
+          </a:pPr>
+          <a:endParaRPr lang="en-ZA" sz="500" kern="1200"/>
+        </a:p>
+      </dsp:txBody>
+      <dsp:txXfrm>
+        <a:off x="2408910" y="2667738"/>
+        <a:ext cx="25091" cy="5018"/>
+      </dsp:txXfrm>
+    </dsp:sp>
+    <dsp:sp modelId="{28ADFB63-5136-4E89-93B6-3A7E483E61F0}">
+      <dsp:nvSpPr>
+        <dsp:cNvPr id="0" name=""/>
+        <dsp:cNvSpPr/>
+      </dsp:nvSpPr>
+      <dsp:spPr>
+        <a:xfrm>
+          <a:off x="5796" y="2015693"/>
+          <a:ext cx="2181847" cy="1309108"/>
+        </a:xfrm>
+        <a:prstGeom prst="rect">
+          <a:avLst/>
         </a:prstGeom>
         <a:solidFill>
           <a:schemeClr val="accent5">
@@ -2137,12 +2301,12 @@
         </a:fontRef>
       </dsp:style>
       <dsp:txBody>
-        <a:bodyPr spcFirstLastPara="0" vert="horz" wrap="square" lIns="38100" tIns="38100" rIns="38100" bIns="38100" numCol="1" spcCol="1270" anchor="ctr" anchorCtr="0">
+        <a:bodyPr spcFirstLastPara="0" vert="horz" wrap="square" lIns="78232" tIns="78232" rIns="78232" bIns="78232" numCol="1" spcCol="1270" anchor="ctr" anchorCtr="0">
           <a:noAutofit/>
         </a:bodyPr>
         <a:lstStyle/>
         <a:p>
-          <a:pPr lvl="0" algn="ctr" defTabSz="444500">
+          <a:pPr lvl="0" algn="ctr" defTabSz="488950">
             <a:lnSpc>
               <a:spcPct val="90000"/>
             </a:lnSpc>
@@ -2154,76 +2318,112 @@
             </a:spcAft>
           </a:pPr>
           <a:r>
-            <a:rPr lang="en-ZA" sz="1000" kern="1200" dirty="0" smtClean="0">
+            <a:rPr lang="en-ZA" sz="1100" kern="1200" dirty="0" smtClean="0">
               <a:latin typeface="Corbel" panose="020B0503020204020204" pitchFamily="34" charset="0"/>
             </a:rPr>
             <a:t>One of the useful properties of the data we exploit, is that we are able to estimate a position on a normal distribution for the likelihood of the observed results in terms of the number of bad things per second.</a:t>
           </a:r>
-          <a:endParaRPr lang="en-ZA" sz="1000" kern="1200" dirty="0">
+          <a:endParaRPr lang="en-ZA" sz="1100" kern="1200" dirty="0">
             <a:latin typeface="Corbel" panose="020B0503020204020204" pitchFamily="34" charset="0"/>
           </a:endParaRPr>
         </a:p>
       </dsp:txBody>
       <dsp:txXfrm>
-        <a:off x="2683560" y="3358491"/>
-        <a:ext cx="1918787" cy="1123313"/>
+        <a:off x="5796" y="2015693"/>
+        <a:ext cx="2181847" cy="1309108"/>
       </dsp:txXfrm>
     </dsp:sp>
-    <dsp:sp modelId="{66DF8E1A-5511-4F36-8E47-F7C36D34BC9C}">
-      <dsp:nvSpPr>
-        <dsp:cNvPr id="0" name=""/>
-        <dsp:cNvSpPr/>
-      </dsp:nvSpPr>
-      <dsp:spPr>
-        <a:xfrm rot="16200000">
-          <a:off x="2310419" y="1290056"/>
-          <a:ext cx="1481686" cy="178981"/>
-        </a:xfrm>
-        <a:prstGeom prst="rect">
-          <a:avLst/>
-        </a:prstGeom>
-        <a:solidFill>
-          <a:schemeClr val="accent5">
-            <a:hueOff val="1724944"/>
-            <a:satOff val="-13155"/>
-            <a:lumOff val="-5826"/>
-            <a:alphaOff val="0"/>
-          </a:schemeClr>
-        </a:solidFill>
-        <a:ln>
-          <a:noFill/>
-        </a:ln>
-        <a:effectLst/>
-      </dsp:spPr>
-      <dsp:style>
-        <a:lnRef idx="0">
-          <a:scrgbClr r="0" g="0" b="0"/>
-        </a:lnRef>
-        <a:fillRef idx="1">
-          <a:scrgbClr r="0" g="0" b="0"/>
-        </a:fillRef>
-        <a:effectRef idx="0">
-          <a:scrgbClr r="0" g="0" b="0"/>
-        </a:effectRef>
-        <a:fontRef idx="minor">
-          <a:schemeClr val="lt1"/>
-        </a:fontRef>
-      </dsp:style>
-    </dsp:sp>
-    <dsp:sp modelId="{4831F056-7731-46BB-8DF6-11307D2F1AEB}">
+    <dsp:sp modelId="{7AD9DE54-F97A-4516-9C25-7596D7760CC8}">
       <dsp:nvSpPr>
         <dsp:cNvPr id="0" name=""/>
         <dsp:cNvSpPr/>
       </dsp:nvSpPr>
       <dsp:spPr>
         <a:xfrm>
-          <a:off x="2648612" y="1832031"/>
-          <a:ext cx="1988683" cy="1193209"/>
+          <a:off x="4869516" y="2624528"/>
+          <a:ext cx="471224" cy="91440"/>
         </a:xfrm>
-        <a:prstGeom prst="roundRect">
-          <a:avLst>
-            <a:gd name="adj" fmla="val 10000"/>
-          </a:avLst>
+        <a:custGeom>
+          <a:avLst/>
+          <a:gdLst/>
+          <a:ahLst/>
+          <a:cxnLst/>
+          <a:rect l="0" t="0" r="0" b="0"/>
+          <a:pathLst>
+            <a:path>
+              <a:moveTo>
+                <a:pt x="0" y="45720"/>
+              </a:moveTo>
+              <a:lnTo>
+                <a:pt x="471224" y="45720"/>
+              </a:lnTo>
+            </a:path>
+          </a:pathLst>
+        </a:custGeom>
+        <a:noFill/>
+        <a:ln w="9525" cap="flat" cmpd="sng" algn="ctr">
+          <a:solidFill>
+            <a:schemeClr val="accent5">
+              <a:hueOff val="1724944"/>
+              <a:satOff val="-13155"/>
+              <a:lumOff val="-5826"/>
+              <a:alphaOff val="0"/>
+            </a:schemeClr>
+          </a:solidFill>
+          <a:prstDash val="solid"/>
+          <a:tailEnd type="arrow"/>
+        </a:ln>
+        <a:effectLst/>
+      </dsp:spPr>
+      <dsp:style>
+        <a:lnRef idx="1">
+          <a:scrgbClr r="0" g="0" b="0"/>
+        </a:lnRef>
+        <a:fillRef idx="0">
+          <a:scrgbClr r="0" g="0" b="0"/>
+        </a:fillRef>
+        <a:effectRef idx="0">
+          <a:scrgbClr r="0" g="0" b="0"/>
+        </a:effectRef>
+        <a:fontRef idx="minor"/>
+      </dsp:style>
+      <dsp:txBody>
+        <a:bodyPr spcFirstLastPara="0" vert="horz" wrap="square" lIns="12700" tIns="0" rIns="12700" bIns="0" numCol="1" spcCol="1270" anchor="ctr" anchorCtr="0">
+          <a:noAutofit/>
+        </a:bodyPr>
+        <a:lstStyle/>
+        <a:p>
+          <a:pPr lvl="0" algn="ctr" defTabSz="222250">
+            <a:lnSpc>
+              <a:spcPct val="90000"/>
+            </a:lnSpc>
+            <a:spcBef>
+              <a:spcPct val="0"/>
+            </a:spcBef>
+            <a:spcAft>
+              <a:spcPct val="35000"/>
+            </a:spcAft>
+          </a:pPr>
+          <a:endParaRPr lang="en-ZA" sz="500" kern="1200"/>
+        </a:p>
+      </dsp:txBody>
+      <dsp:txXfrm>
+        <a:off x="5092583" y="2667738"/>
+        <a:ext cx="25091" cy="5018"/>
+      </dsp:txXfrm>
+    </dsp:sp>
+    <dsp:sp modelId="{97F24419-2708-42E8-9769-0A28F7BD71A6}">
+      <dsp:nvSpPr>
+        <dsp:cNvPr id="0" name=""/>
+        <dsp:cNvSpPr/>
+      </dsp:nvSpPr>
+      <dsp:spPr>
+        <a:xfrm>
+          <a:off x="2689468" y="2015693"/>
+          <a:ext cx="2181847" cy="1309108"/>
+        </a:xfrm>
+        <a:prstGeom prst="rect">
+          <a:avLst/>
         </a:prstGeom>
         <a:solidFill>
           <a:schemeClr val="accent5">
@@ -2261,12 +2461,12 @@
         </a:fontRef>
       </dsp:style>
       <dsp:txBody>
-        <a:bodyPr spcFirstLastPara="0" vert="horz" wrap="square" lIns="38100" tIns="38100" rIns="38100" bIns="38100" numCol="1" spcCol="1270" anchor="ctr" anchorCtr="0">
+        <a:bodyPr spcFirstLastPara="0" vert="horz" wrap="square" lIns="78232" tIns="78232" rIns="78232" bIns="78232" numCol="1" spcCol="1270" anchor="ctr" anchorCtr="0">
           <a:noAutofit/>
         </a:bodyPr>
         <a:lstStyle/>
         <a:p>
-          <a:pPr lvl="0" algn="ctr" defTabSz="444500">
+          <a:pPr lvl="0" algn="ctr" defTabSz="488950">
             <a:lnSpc>
               <a:spcPct val="90000"/>
             </a:lnSpc>
@@ -2278,76 +2478,118 @@
             </a:spcAft>
           </a:pPr>
           <a:r>
-            <a:rPr lang="en-ZA" sz="1000" kern="1200" smtClean="0">
+            <a:rPr lang="en-ZA" sz="1100" kern="1200" dirty="0" smtClean="0">
               <a:latin typeface="Corbel" panose="020B0503020204020204" pitchFamily="34" charset="0"/>
             </a:rPr>
             <a:t>Weightings are applied to the different readings from the sensors (because acceleration through a turn is worse than acceleration while moving forward, and acceleration upwards is even worse!)</a:t>
           </a:r>
-          <a:endParaRPr lang="en-ZA" sz="1000" kern="1200" dirty="0">
+          <a:endParaRPr lang="en-ZA" sz="1100" kern="1200" dirty="0">
             <a:latin typeface="Corbel" panose="020B0503020204020204" pitchFamily="34" charset="0"/>
           </a:endParaRPr>
         </a:p>
       </dsp:txBody>
       <dsp:txXfrm>
-        <a:off x="2683560" y="1866979"/>
-        <a:ext cx="1918787" cy="1123313"/>
+        <a:off x="2689468" y="2015693"/>
+        <a:ext cx="2181847" cy="1309108"/>
       </dsp:txXfrm>
     </dsp:sp>
-    <dsp:sp modelId="{F464CA6F-950B-46FF-9EA4-EAFF6B879406}">
+    <dsp:sp modelId="{1AC55C4F-0C57-41CF-B1DD-AA1B3B966900}">
       <dsp:nvSpPr>
         <dsp:cNvPr id="0" name=""/>
         <dsp:cNvSpPr/>
       </dsp:nvSpPr>
       <dsp:spPr>
         <a:xfrm>
-          <a:off x="3056175" y="544300"/>
-          <a:ext cx="2635122" cy="178981"/>
+          <a:off x="1096719" y="3323002"/>
+          <a:ext cx="5367345" cy="471224"/>
         </a:xfrm>
-        <a:prstGeom prst="rect">
+        <a:custGeom>
           <a:avLst/>
-        </a:prstGeom>
-        <a:solidFill>
-          <a:schemeClr val="accent5">
-            <a:hueOff val="2156180"/>
-            <a:satOff val="-16444"/>
-            <a:lumOff val="-7283"/>
-            <a:alphaOff val="0"/>
-          </a:schemeClr>
-        </a:solidFill>
-        <a:ln>
-          <a:noFill/>
+          <a:gdLst/>
+          <a:ahLst/>
+          <a:cxnLst/>
+          <a:rect l="0" t="0" r="0" b="0"/>
+          <a:pathLst>
+            <a:path>
+              <a:moveTo>
+                <a:pt x="5367345" y="0"/>
+              </a:moveTo>
+              <a:lnTo>
+                <a:pt x="5367345" y="252712"/>
+              </a:lnTo>
+              <a:lnTo>
+                <a:pt x="0" y="252712"/>
+              </a:lnTo>
+              <a:lnTo>
+                <a:pt x="0" y="471224"/>
+              </a:lnTo>
+            </a:path>
+          </a:pathLst>
+        </a:custGeom>
+        <a:noFill/>
+        <a:ln w="9525" cap="flat" cmpd="sng" algn="ctr">
+          <a:solidFill>
+            <a:schemeClr val="accent5">
+              <a:hueOff val="2156180"/>
+              <a:satOff val="-16444"/>
+              <a:lumOff val="-7283"/>
+              <a:alphaOff val="0"/>
+            </a:schemeClr>
+          </a:solidFill>
+          <a:prstDash val="solid"/>
+          <a:tailEnd type="arrow"/>
         </a:ln>
         <a:effectLst/>
       </dsp:spPr>
       <dsp:style>
-        <a:lnRef idx="0">
+        <a:lnRef idx="1">
           <a:scrgbClr r="0" g="0" b="0"/>
         </a:lnRef>
-        <a:fillRef idx="1">
+        <a:fillRef idx="0">
           <a:scrgbClr r="0" g="0" b="0"/>
         </a:fillRef>
         <a:effectRef idx="0">
           <a:scrgbClr r="0" g="0" b="0"/>
         </a:effectRef>
-        <a:fontRef idx="minor">
-          <a:schemeClr val="lt1"/>
-        </a:fontRef>
+        <a:fontRef idx="minor"/>
       </dsp:style>
+      <dsp:txBody>
+        <a:bodyPr spcFirstLastPara="0" vert="horz" wrap="square" lIns="12700" tIns="0" rIns="12700" bIns="0" numCol="1" spcCol="1270" anchor="ctr" anchorCtr="0">
+          <a:noAutofit/>
+        </a:bodyPr>
+        <a:lstStyle/>
+        <a:p>
+          <a:pPr lvl="0" algn="ctr" defTabSz="222250">
+            <a:lnSpc>
+              <a:spcPct val="90000"/>
+            </a:lnSpc>
+            <a:spcBef>
+              <a:spcPct val="0"/>
+            </a:spcBef>
+            <a:spcAft>
+              <a:spcPct val="35000"/>
+            </a:spcAft>
+          </a:pPr>
+          <a:endParaRPr lang="en-ZA" sz="500" kern="1200"/>
+        </a:p>
+      </dsp:txBody>
+      <dsp:txXfrm>
+        <a:off x="3645623" y="3556105"/>
+        <a:ext cx="269537" cy="5018"/>
+      </dsp:txXfrm>
     </dsp:sp>
-    <dsp:sp modelId="{E8D604B9-E6B5-427C-8D2D-C70DBA515C38}">
+    <dsp:sp modelId="{75DDC09E-4521-44CE-83AE-96887047D0A7}">
       <dsp:nvSpPr>
         <dsp:cNvPr id="0" name=""/>
         <dsp:cNvSpPr/>
       </dsp:nvSpPr>
       <dsp:spPr>
         <a:xfrm>
-          <a:off x="2648612" y="340519"/>
-          <a:ext cx="1988683" cy="1193209"/>
+          <a:off x="5373141" y="2015693"/>
+          <a:ext cx="2181847" cy="1309108"/>
         </a:xfrm>
-        <a:prstGeom prst="roundRect">
-          <a:avLst>
-            <a:gd name="adj" fmla="val 10000"/>
-          </a:avLst>
+        <a:prstGeom prst="rect">
+          <a:avLst/>
         </a:prstGeom>
         <a:solidFill>
           <a:schemeClr val="accent5">
@@ -2385,12 +2627,12 @@
         </a:fontRef>
       </dsp:style>
       <dsp:txBody>
-        <a:bodyPr spcFirstLastPara="0" vert="horz" wrap="square" lIns="38100" tIns="38100" rIns="38100" bIns="38100" numCol="1" spcCol="1270" anchor="ctr" anchorCtr="0">
+        <a:bodyPr spcFirstLastPara="0" vert="horz" wrap="square" lIns="78232" tIns="78232" rIns="78232" bIns="78232" numCol="1" spcCol="1270" anchor="ctr" anchorCtr="0">
           <a:noAutofit/>
         </a:bodyPr>
         <a:lstStyle/>
         <a:p>
-          <a:pPr lvl="0" algn="ctr" defTabSz="444500">
+          <a:pPr lvl="0" algn="ctr" defTabSz="488950">
             <a:lnSpc>
               <a:spcPct val="90000"/>
             </a:lnSpc>
@@ -2402,76 +2644,112 @@
             </a:spcAft>
           </a:pPr>
           <a:r>
-            <a:rPr lang="en-ZA" sz="1000" kern="1200" dirty="0" smtClean="0">
+            <a:rPr lang="en-ZA" sz="1100" kern="1200" dirty="0" smtClean="0">
               <a:latin typeface="Corbel" panose="020B0503020204020204" pitchFamily="34" charset="0"/>
             </a:rPr>
             <a:t>Using this information, we are able to estimate a probability that the score of the current trip was a result of random chance when compared to the normal distribution of all other drivers.</a:t>
           </a:r>
-          <a:endParaRPr lang="en-ZA" sz="1000" kern="1200" dirty="0">
+          <a:endParaRPr lang="en-ZA" sz="1100" kern="1200" dirty="0">
             <a:latin typeface="Corbel" panose="020B0503020204020204" pitchFamily="34" charset="0"/>
           </a:endParaRPr>
         </a:p>
       </dsp:txBody>
       <dsp:txXfrm>
-        <a:off x="2683560" y="375467"/>
-        <a:ext cx="1918787" cy="1123313"/>
+        <a:off x="5373141" y="2015693"/>
+        <a:ext cx="2181847" cy="1309108"/>
       </dsp:txXfrm>
     </dsp:sp>
-    <dsp:sp modelId="{E6918614-9BE6-4F65-A414-6CA09685AE8E}">
-      <dsp:nvSpPr>
-        <dsp:cNvPr id="0" name=""/>
-        <dsp:cNvSpPr/>
-      </dsp:nvSpPr>
-      <dsp:spPr>
-        <a:xfrm rot="5400000">
-          <a:off x="4955368" y="1290056"/>
-          <a:ext cx="1481686" cy="178981"/>
-        </a:xfrm>
-        <a:prstGeom prst="rect">
-          <a:avLst/>
-        </a:prstGeom>
-        <a:solidFill>
-          <a:schemeClr val="accent5">
-            <a:hueOff val="2587415"/>
-            <a:satOff val="-19733"/>
-            <a:lumOff val="-8739"/>
-            <a:alphaOff val="0"/>
-          </a:schemeClr>
-        </a:solidFill>
-        <a:ln>
-          <a:noFill/>
-        </a:ln>
-        <a:effectLst/>
-      </dsp:spPr>
-      <dsp:style>
-        <a:lnRef idx="0">
-          <a:scrgbClr r="0" g="0" b="0"/>
-        </a:lnRef>
-        <a:fillRef idx="1">
-          <a:scrgbClr r="0" g="0" b="0"/>
-        </a:fillRef>
-        <a:effectRef idx="0">
-          <a:scrgbClr r="0" g="0" b="0"/>
-        </a:effectRef>
-        <a:fontRef idx="minor">
-          <a:schemeClr val="lt1"/>
-        </a:fontRef>
-      </dsp:style>
-    </dsp:sp>
-    <dsp:sp modelId="{E2F09AE3-E19A-4DEE-8439-BD770D589E30}">
+    <dsp:sp modelId="{4AB84C51-7196-46C2-BF35-0E4A8C115E5F}">
       <dsp:nvSpPr>
         <dsp:cNvPr id="0" name=""/>
         <dsp:cNvSpPr/>
       </dsp:nvSpPr>
       <dsp:spPr>
         <a:xfrm>
-          <a:off x="5293561" y="340519"/>
-          <a:ext cx="1988683" cy="1193209"/>
+          <a:off x="2185843" y="4435461"/>
+          <a:ext cx="471224" cy="91440"/>
         </a:xfrm>
-        <a:prstGeom prst="roundRect">
-          <a:avLst>
-            <a:gd name="adj" fmla="val 10000"/>
-          </a:avLst>
+        <a:custGeom>
+          <a:avLst/>
+          <a:gdLst/>
+          <a:ahLst/>
+          <a:cxnLst/>
+          <a:rect l="0" t="0" r="0" b="0"/>
+          <a:pathLst>
+            <a:path>
+              <a:moveTo>
+                <a:pt x="0" y="45720"/>
+              </a:moveTo>
+              <a:lnTo>
+                <a:pt x="471224" y="45720"/>
+              </a:lnTo>
+            </a:path>
+          </a:pathLst>
+        </a:custGeom>
+        <a:noFill/>
+        <a:ln w="9525" cap="flat" cmpd="sng" algn="ctr">
+          <a:solidFill>
+            <a:schemeClr val="accent5">
+              <a:hueOff val="2587415"/>
+              <a:satOff val="-19733"/>
+              <a:lumOff val="-8739"/>
+              <a:alphaOff val="0"/>
+            </a:schemeClr>
+          </a:solidFill>
+          <a:prstDash val="solid"/>
+          <a:tailEnd type="arrow"/>
+        </a:ln>
+        <a:effectLst/>
+      </dsp:spPr>
+      <dsp:style>
+        <a:lnRef idx="1">
+          <a:scrgbClr r="0" g="0" b="0"/>
+        </a:lnRef>
+        <a:fillRef idx="0">
+          <a:scrgbClr r="0" g="0" b="0"/>
+        </a:fillRef>
+        <a:effectRef idx="0">
+          <a:scrgbClr r="0" g="0" b="0"/>
+        </a:effectRef>
+        <a:fontRef idx="minor"/>
+      </dsp:style>
+      <dsp:txBody>
+        <a:bodyPr spcFirstLastPara="0" vert="horz" wrap="square" lIns="12700" tIns="0" rIns="12700" bIns="0" numCol="1" spcCol="1270" anchor="ctr" anchorCtr="0">
+          <a:noAutofit/>
+        </a:bodyPr>
+        <a:lstStyle/>
+        <a:p>
+          <a:pPr lvl="0" algn="ctr" defTabSz="222250">
+            <a:lnSpc>
+              <a:spcPct val="90000"/>
+            </a:lnSpc>
+            <a:spcBef>
+              <a:spcPct val="0"/>
+            </a:spcBef>
+            <a:spcAft>
+              <a:spcPct val="35000"/>
+            </a:spcAft>
+          </a:pPr>
+          <a:endParaRPr lang="en-ZA" sz="500" kern="1200"/>
+        </a:p>
+      </dsp:txBody>
+      <dsp:txXfrm>
+        <a:off x="2408910" y="4478672"/>
+        <a:ext cx="25091" cy="5018"/>
+      </dsp:txXfrm>
+    </dsp:sp>
+    <dsp:sp modelId="{3F6E2F26-14C6-4160-AD3D-3A4C3799931F}">
+      <dsp:nvSpPr>
+        <dsp:cNvPr id="0" name=""/>
+        <dsp:cNvSpPr/>
+      </dsp:nvSpPr>
+      <dsp:spPr>
+        <a:xfrm>
+          <a:off x="5796" y="3826627"/>
+          <a:ext cx="2181847" cy="1309108"/>
+        </a:xfrm>
+        <a:prstGeom prst="rect">
+          <a:avLst/>
         </a:prstGeom>
         <a:solidFill>
           <a:schemeClr val="accent5">
@@ -2509,12 +2787,12 @@
         </a:fontRef>
       </dsp:style>
       <dsp:txBody>
-        <a:bodyPr spcFirstLastPara="0" vert="horz" wrap="square" lIns="38100" tIns="38100" rIns="38100" bIns="38100" numCol="1" spcCol="1270" anchor="ctr" anchorCtr="0">
+        <a:bodyPr spcFirstLastPara="0" vert="horz" wrap="square" lIns="78232" tIns="78232" rIns="78232" bIns="78232" numCol="1" spcCol="1270" anchor="ctr" anchorCtr="0">
           <a:noAutofit/>
         </a:bodyPr>
         <a:lstStyle/>
         <a:p>
-          <a:pPr lvl="0" algn="ctr" defTabSz="444500">
+          <a:pPr lvl="0" algn="ctr" defTabSz="488950">
             <a:lnSpc>
               <a:spcPct val="90000"/>
             </a:lnSpc>
@@ -2526,14 +2804,14 @@
             </a:spcAft>
           </a:pPr>
           <a:r>
-            <a:rPr lang="en-ZA" sz="1000" kern="1200" dirty="0" smtClean="0">
+            <a:rPr lang="en-ZA" sz="1100" kern="1200" dirty="0" smtClean="0">
               <a:latin typeface="Corbel" panose="020B0503020204020204" pitchFamily="34" charset="0"/>
             </a:rPr>
             <a:t>From this data we calculate a Z-score for the distance of the person’s number of bad things from the normal distribution of the number of bad things.</a:t>
           </a:r>
         </a:p>
         <a:p>
-          <a:pPr lvl="0" algn="ctr" defTabSz="444500">
+          <a:pPr lvl="0" algn="ctr" defTabSz="488950">
             <a:lnSpc>
               <a:spcPct val="90000"/>
             </a:lnSpc>
@@ -2544,71 +2822,107 @@
               <a:spcPct val="35000"/>
             </a:spcAft>
           </a:pPr>
-          <a:endParaRPr lang="en-ZA" sz="1000" kern="1200" dirty="0">
+          <a:endParaRPr lang="en-ZA" sz="1100" kern="1200" dirty="0">
             <a:latin typeface="Corbel" panose="020B0503020204020204" pitchFamily="34" charset="0"/>
           </a:endParaRPr>
         </a:p>
       </dsp:txBody>
       <dsp:txXfrm>
-        <a:off x="5328509" y="375467"/>
-        <a:ext cx="1918787" cy="1123313"/>
+        <a:off x="5796" y="3826627"/>
+        <a:ext cx="2181847" cy="1309108"/>
       </dsp:txXfrm>
     </dsp:sp>
-    <dsp:sp modelId="{04175430-BE2F-45E9-8822-6B0CF5FF9864}">
-      <dsp:nvSpPr>
-        <dsp:cNvPr id="0" name=""/>
-        <dsp:cNvSpPr/>
-      </dsp:nvSpPr>
-      <dsp:spPr>
-        <a:xfrm rot="5400000">
-          <a:off x="4955368" y="2781569"/>
-          <a:ext cx="1481686" cy="178981"/>
-        </a:xfrm>
-        <a:prstGeom prst="rect">
-          <a:avLst/>
-        </a:prstGeom>
-        <a:solidFill>
-          <a:schemeClr val="accent5">
-            <a:hueOff val="3018651"/>
-            <a:satOff val="-23022"/>
-            <a:lumOff val="-10196"/>
-            <a:alphaOff val="0"/>
-          </a:schemeClr>
-        </a:solidFill>
-        <a:ln>
-          <a:noFill/>
-        </a:ln>
-        <a:effectLst/>
-      </dsp:spPr>
-      <dsp:style>
-        <a:lnRef idx="0">
-          <a:scrgbClr r="0" g="0" b="0"/>
-        </a:lnRef>
-        <a:fillRef idx="1">
-          <a:scrgbClr r="0" g="0" b="0"/>
-        </a:fillRef>
-        <a:effectRef idx="0">
-          <a:scrgbClr r="0" g="0" b="0"/>
-        </a:effectRef>
-        <a:fontRef idx="minor">
-          <a:schemeClr val="lt1"/>
-        </a:fontRef>
-      </dsp:style>
-    </dsp:sp>
-    <dsp:sp modelId="{6DEDC417-7D81-4270-BD28-D9247A7A935F}">
+    <dsp:sp modelId="{3A7AB653-5E27-4B23-A42A-C0CAEB14C9B2}">
       <dsp:nvSpPr>
         <dsp:cNvPr id="0" name=""/>
         <dsp:cNvSpPr/>
       </dsp:nvSpPr>
       <dsp:spPr>
         <a:xfrm>
-          <a:off x="5293561" y="1832031"/>
-          <a:ext cx="1988683" cy="1193209"/>
+          <a:off x="4869516" y="4435461"/>
+          <a:ext cx="471224" cy="91440"/>
         </a:xfrm>
-        <a:prstGeom prst="roundRect">
-          <a:avLst>
-            <a:gd name="adj" fmla="val 10000"/>
-          </a:avLst>
+        <a:custGeom>
+          <a:avLst/>
+          <a:gdLst/>
+          <a:ahLst/>
+          <a:cxnLst/>
+          <a:rect l="0" t="0" r="0" b="0"/>
+          <a:pathLst>
+            <a:path>
+              <a:moveTo>
+                <a:pt x="0" y="45720"/>
+              </a:moveTo>
+              <a:lnTo>
+                <a:pt x="471224" y="45720"/>
+              </a:lnTo>
+            </a:path>
+          </a:pathLst>
+        </a:custGeom>
+        <a:noFill/>
+        <a:ln w="9525" cap="flat" cmpd="sng" algn="ctr">
+          <a:solidFill>
+            <a:schemeClr val="accent5">
+              <a:hueOff val="3018651"/>
+              <a:satOff val="-23022"/>
+              <a:lumOff val="-10196"/>
+              <a:alphaOff val="0"/>
+            </a:schemeClr>
+          </a:solidFill>
+          <a:prstDash val="solid"/>
+          <a:tailEnd type="arrow"/>
+        </a:ln>
+        <a:effectLst/>
+      </dsp:spPr>
+      <dsp:style>
+        <a:lnRef idx="1">
+          <a:scrgbClr r="0" g="0" b="0"/>
+        </a:lnRef>
+        <a:fillRef idx="0">
+          <a:scrgbClr r="0" g="0" b="0"/>
+        </a:fillRef>
+        <a:effectRef idx="0">
+          <a:scrgbClr r="0" g="0" b="0"/>
+        </a:effectRef>
+        <a:fontRef idx="minor"/>
+      </dsp:style>
+      <dsp:txBody>
+        <a:bodyPr spcFirstLastPara="0" vert="horz" wrap="square" lIns="12700" tIns="0" rIns="12700" bIns="0" numCol="1" spcCol="1270" anchor="ctr" anchorCtr="0">
+          <a:noAutofit/>
+        </a:bodyPr>
+        <a:lstStyle/>
+        <a:p>
+          <a:pPr lvl="0" algn="ctr" defTabSz="222250">
+            <a:lnSpc>
+              <a:spcPct val="90000"/>
+            </a:lnSpc>
+            <a:spcBef>
+              <a:spcPct val="0"/>
+            </a:spcBef>
+            <a:spcAft>
+              <a:spcPct val="35000"/>
+            </a:spcAft>
+          </a:pPr>
+          <a:endParaRPr lang="en-ZA" sz="500" kern="1200"/>
+        </a:p>
+      </dsp:txBody>
+      <dsp:txXfrm>
+        <a:off x="5092583" y="4478672"/>
+        <a:ext cx="25091" cy="5018"/>
+      </dsp:txXfrm>
+    </dsp:sp>
+    <dsp:sp modelId="{D00CAAD7-313A-42A8-8AA6-07795844C1A9}">
+      <dsp:nvSpPr>
+        <dsp:cNvPr id="0" name=""/>
+        <dsp:cNvSpPr/>
+      </dsp:nvSpPr>
+      <dsp:spPr>
+        <a:xfrm>
+          <a:off x="2689468" y="3826627"/>
+          <a:ext cx="2181847" cy="1309108"/>
+        </a:xfrm>
+        <a:prstGeom prst="rect">
+          <a:avLst/>
         </a:prstGeom>
         <a:solidFill>
           <a:schemeClr val="accent5">
@@ -2646,12 +2960,12 @@
         </a:fontRef>
       </dsp:style>
       <dsp:txBody>
-        <a:bodyPr spcFirstLastPara="0" vert="horz" wrap="square" lIns="38100" tIns="38100" rIns="38100" bIns="38100" numCol="1" spcCol="1270" anchor="ctr" anchorCtr="0">
+        <a:bodyPr spcFirstLastPara="0" vert="horz" wrap="square" lIns="78232" tIns="78232" rIns="78232" bIns="78232" numCol="1" spcCol="1270" anchor="ctr" anchorCtr="0">
           <a:noAutofit/>
         </a:bodyPr>
         <a:lstStyle/>
         <a:p>
-          <a:pPr lvl="0" algn="ctr" defTabSz="444500">
+          <a:pPr lvl="0" algn="ctr" defTabSz="488950">
             <a:lnSpc>
               <a:spcPct val="90000"/>
             </a:lnSpc>
@@ -2663,35 +2977,33 @@
             </a:spcAft>
           </a:pPr>
           <a:r>
-            <a:rPr lang="en-ZA" sz="1000" kern="1200" dirty="0" smtClean="0">
+            <a:rPr lang="en-ZA" sz="1100" kern="1200" dirty="0" smtClean="0">
               <a:latin typeface="Corbel" panose="020B0503020204020204" pitchFamily="34" charset="0"/>
             </a:rPr>
             <a:t>Using our z-score and by integrating the normal distribution function, we are able to estimate the area to the left of the normal distribution’s score.</a:t>
           </a:r>
-          <a:endParaRPr lang="en-ZA" sz="1000" kern="1200" dirty="0">
+          <a:endParaRPr lang="en-ZA" sz="1100" kern="1200" dirty="0">
             <a:latin typeface="Corbel" panose="020B0503020204020204" pitchFamily="34" charset="0"/>
           </a:endParaRPr>
         </a:p>
       </dsp:txBody>
       <dsp:txXfrm>
-        <a:off x="5328509" y="1866979"/>
-        <a:ext cx="1918787" cy="1123313"/>
+        <a:off x="2689468" y="3826627"/>
+        <a:ext cx="2181847" cy="1309108"/>
       </dsp:txXfrm>
     </dsp:sp>
-    <dsp:sp modelId="{186C2779-A3E3-43E9-AE0E-189DFF42734F}">
+    <dsp:sp modelId="{E2D83472-AD73-4502-8BBF-5619C87A89FF}">
       <dsp:nvSpPr>
         <dsp:cNvPr id="0" name=""/>
         <dsp:cNvSpPr/>
       </dsp:nvSpPr>
       <dsp:spPr>
         <a:xfrm>
-          <a:off x="5293561" y="3323543"/>
-          <a:ext cx="1988683" cy="1193209"/>
+          <a:off x="5373141" y="3826627"/>
+          <a:ext cx="2181847" cy="1309108"/>
         </a:xfrm>
-        <a:prstGeom prst="roundRect">
-          <a:avLst>
-            <a:gd name="adj" fmla="val 10000"/>
-          </a:avLst>
+        <a:prstGeom prst="rect">
+          <a:avLst/>
         </a:prstGeom>
         <a:solidFill>
           <a:schemeClr val="accent5">
@@ -2729,12 +3041,12 @@
         </a:fontRef>
       </dsp:style>
       <dsp:txBody>
-        <a:bodyPr spcFirstLastPara="0" vert="horz" wrap="square" lIns="38100" tIns="38100" rIns="38100" bIns="38100" numCol="1" spcCol="1270" anchor="ctr" anchorCtr="0">
+        <a:bodyPr spcFirstLastPara="0" vert="horz" wrap="square" lIns="78232" tIns="78232" rIns="78232" bIns="78232" numCol="1" spcCol="1270" anchor="ctr" anchorCtr="0">
           <a:noAutofit/>
         </a:bodyPr>
         <a:lstStyle/>
         <a:p>
-          <a:pPr lvl="0" algn="ctr" defTabSz="444500">
+          <a:pPr lvl="0" algn="ctr" defTabSz="488950">
             <a:lnSpc>
               <a:spcPct val="90000"/>
             </a:lnSpc>
@@ -2746,19 +3058,19 @@
             </a:spcAft>
           </a:pPr>
           <a:r>
-            <a:rPr lang="en-ZA" sz="1000" kern="1200" dirty="0" smtClean="0">
+            <a:rPr lang="en-ZA" sz="1100" kern="1200" dirty="0" smtClean="0">
               <a:latin typeface="Corbel" panose="020B0503020204020204" pitchFamily="34" charset="0"/>
             </a:rPr>
             <a:t>Because the area under a normal distribution always equals 1, we can simply multiply the area by 10 to achieve a score out of 10 for the quality of that person’s driving.</a:t>
           </a:r>
-          <a:endParaRPr lang="en-ZA" sz="1000" kern="1200" dirty="0">
+          <a:endParaRPr lang="en-ZA" sz="1100" kern="1200" dirty="0">
             <a:latin typeface="Corbel" panose="020B0503020204020204" pitchFamily="34" charset="0"/>
           </a:endParaRPr>
         </a:p>
       </dsp:txBody>
       <dsp:txXfrm>
-        <a:off x="5328509" y="3358491"/>
-        <a:ext cx="1918787" cy="1123313"/>
+        <a:off x="5373141" y="3826627"/>
+        <a:ext cx="2181847" cy="1309108"/>
       </dsp:txXfrm>
     </dsp:sp>
   </dsp:spTree>
@@ -2766,11 +3078,11 @@
 </file>
 
 <file path=ppt/diagrams/layout1.xml><?xml version="1.0" encoding="utf-8"?>
-<dgm:layoutDef xmlns:dgm="http://schemas.openxmlformats.org/drawingml/2006/diagram" xmlns:a="http://schemas.openxmlformats.org/drawingml/2006/main" uniqueId="urn:microsoft.com/office/officeart/2005/8/layout/bProcess4">
+<dgm:layoutDef xmlns:dgm="http://schemas.openxmlformats.org/drawingml/2006/diagram" xmlns:a="http://schemas.openxmlformats.org/drawingml/2006/main" uniqueId="urn:microsoft.com/office/officeart/2005/8/layout/bProcess3">
   <dgm:title val=""/>
   <dgm:desc val=""/>
   <dgm:catLst>
-    <dgm:cat type="process" pri="19000"/>
+    <dgm:cat type="process" pri="18000"/>
   </dgm:catLst>
   <dgm:sampData>
     <dgm:dataModel>
@@ -2791,29 +3103,13 @@
         <dgm:pt modelId="5">
           <dgm:prSet phldr="1"/>
         </dgm:pt>
-        <dgm:pt modelId="6">
-          <dgm:prSet phldr="1"/>
-        </dgm:pt>
-        <dgm:pt modelId="7">
-          <dgm:prSet phldr="1"/>
-        </dgm:pt>
-        <dgm:pt modelId="8">
-          <dgm:prSet phldr="1"/>
-        </dgm:pt>
-        <dgm:pt modelId="9">
-          <dgm:prSet phldr="1"/>
-        </dgm:pt>
       </dgm:ptLst>
       <dgm:cxnLst>
-        <dgm:cxn modelId="10" srcId="0" destId="1" srcOrd="0" destOrd="0"/>
-        <dgm:cxn modelId="11" srcId="0" destId="2" srcOrd="1" destOrd="0"/>
-        <dgm:cxn modelId="12" srcId="0" destId="3" srcOrd="2" destOrd="0"/>
-        <dgm:cxn modelId="13" srcId="0" destId="4" srcOrd="3" destOrd="0"/>
-        <dgm:cxn modelId="14" srcId="0" destId="5" srcOrd="4" destOrd="0"/>
-        <dgm:cxn modelId="15" srcId="0" destId="6" srcOrd="5" destOrd="0"/>
-        <dgm:cxn modelId="16" srcId="0" destId="7" srcOrd="6" destOrd="0"/>
-        <dgm:cxn modelId="17" srcId="0" destId="8" srcOrd="7" destOrd="0"/>
-        <dgm:cxn modelId="18" srcId="0" destId="9" srcOrd="8" destOrd="0"/>
+        <dgm:cxn modelId="7" srcId="0" destId="1" srcOrd="0" destOrd="0"/>
+        <dgm:cxn modelId="8" srcId="0" destId="2" srcOrd="1" destOrd="0"/>
+        <dgm:cxn modelId="9" srcId="0" destId="3" srcOrd="2" destOrd="0"/>
+        <dgm:cxn modelId="10" srcId="0" destId="4" srcOrd="3" destOrd="0"/>
+        <dgm:cxn modelId="11" srcId="0" destId="5" srcOrd="4" destOrd="0"/>
       </dgm:cxnLst>
       <dgm:bg/>
       <dgm:whole/>
@@ -2842,16 +3138,12 @@
         <dgm:pt modelId="2"/>
         <dgm:pt modelId="3"/>
         <dgm:pt modelId="4"/>
-        <dgm:pt modelId="5"/>
-        <dgm:pt modelId="6"/>
       </dgm:ptLst>
       <dgm:cxnLst>
-        <dgm:cxn modelId="7" srcId="0" destId="1" srcOrd="0" destOrd="0"/>
-        <dgm:cxn modelId="8" srcId="0" destId="2" srcOrd="1" destOrd="0"/>
-        <dgm:cxn modelId="9" srcId="0" destId="3" srcOrd="2" destOrd="0"/>
-        <dgm:cxn modelId="10" srcId="0" destId="4" srcOrd="3" destOrd="0"/>
-        <dgm:cxn modelId="11" srcId="0" destId="5" srcOrd="4" destOrd="0"/>
-        <dgm:cxn modelId="12" srcId="0" destId="6" srcOrd="5" destOrd="0"/>
+        <dgm:cxn modelId="5" srcId="0" destId="1" srcOrd="0" destOrd="0"/>
+        <dgm:cxn modelId="6" srcId="0" destId="2" srcOrd="1" destOrd="0"/>
+        <dgm:cxn modelId="7" srcId="0" destId="3" srcOrd="2" destOrd="0"/>
+        <dgm:cxn modelId="8" srcId="0" destId="4" srcOrd="3" destOrd="0"/>
       </dgm:cxnLst>
       <dgm:bg/>
       <dgm:whole/>
@@ -2860,23 +3152,23 @@
   <dgm:layoutNode name="Name0">
     <dgm:varLst>
       <dgm:dir/>
-      <dgm:resizeHandles/>
+      <dgm:resizeHandles val="exact"/>
     </dgm:varLst>
     <dgm:choose name="Name1">
-      <dgm:if name="Name2" func="var" arg="dir" op="equ" val="norm">
+      <dgm:if name="Name2" axis="self" func="var" arg="dir" op="equ" val="norm">
         <dgm:alg type="snake">
           <dgm:param type="grDir" val="tL"/>
-          <dgm:param type="flowDir" val="col"/>
-          <dgm:param type="contDir" val="revDir"/>
-          <dgm:param type="bkpt" val="bal"/>
+          <dgm:param type="flowDir" val="row"/>
+          <dgm:param type="contDir" val="sameDir"/>
+          <dgm:param type="bkpt" val="endCnv"/>
         </dgm:alg>
       </dgm:if>
       <dgm:else name="Name3">
         <dgm:alg type="snake">
           <dgm:param type="grDir" val="tR"/>
-          <dgm:param type="flowDir" val="col"/>
-          <dgm:param type="contDir" val="revDir"/>
-          <dgm:param type="bkpt" val="bal"/>
+          <dgm:param type="flowDir" val="row"/>
+          <dgm:param type="contDir" val="sameDir"/>
+          <dgm:param type="bkpt" val="endCnv"/>
         </dgm:alg>
       </dgm:else>
     </dgm:choose>
@@ -2885,99 +3177,50 @@
     </dgm:shape>
     <dgm:presOf/>
     <dgm:constrLst>
-      <dgm:constr type="w" for="ch" forName="compNode" refType="w"/>
-      <dgm:constr type="h" for="ch" forName="compNode" refType="w" fact="0.6"/>
-      <dgm:constr type="h" for="ch" forName="sibTrans" refType="h" refFor="ch" refForName="compNode" op="equ" fact="0.25"/>
-      <dgm:constr type="sp" refType="w" fact="0.33"/>
-      <dgm:constr type="primFontSz" for="des" forName="node" op="equ" val="65"/>
+      <dgm:constr type="w" for="ch" ptType="node" refType="w"/>
+      <dgm:constr type="w" for="ch" forName="sibTrans" refType="w" refFor="ch" refPtType="node" op="equ" fact="0.23"/>
+      <dgm:constr type="sp" refType="w" refFor="ch" refForName="sibTrans" op="equ"/>
+      <dgm:constr type="userB" for="des" forName="connectorText" refType="sp"/>
+      <dgm:constr type="primFontSz" for="ch" ptType="node" op="equ" val="65"/>
+      <dgm:constr type="h" for="ch" ptType="sibTrans" op="equ"/>
+      <dgm:constr type="primFontSz" for="des" forName="connectorText" op="equ" val="55"/>
+      <dgm:constr type="primFontSz" for="des" forName="connectorText" refType="primFontSz" refFor="ch" refPtType="node" op="lte" fact="0.8"/>
     </dgm:constrLst>
     <dgm:ruleLst/>
     <dgm:forEach name="nodesForEach" axis="ch" ptType="node">
-      <dgm:layoutNode name="compNode">
-        <dgm:alg type="composite"/>
-        <dgm:shape xmlns:r="http://schemas.openxmlformats.org/officeDocument/2006/relationships" r:blip="">
+      <dgm:layoutNode name="node">
+        <dgm:varLst>
+          <dgm:bulletEnabled val="1"/>
+        </dgm:varLst>
+        <dgm:alg type="tx"/>
+        <dgm:shape xmlns:r="http://schemas.openxmlformats.org/officeDocument/2006/relationships" type="rect" r:blip="">
           <dgm:adjLst/>
         </dgm:shape>
-        <dgm:presOf/>
-        <dgm:choose name="Name4">
-          <dgm:if name="Name5" axis="self" func="var" arg="dir" op="equ" val="norm">
-            <dgm:constrLst>
-              <dgm:constr type="l" for="ch" forName="dummyConnPt" refType="w" fact="0.2"/>
-              <dgm:constr type="t" for="ch" forName="dummyConnPt" refType="w" fact="0.145"/>
-              <dgm:constr type="l" for="ch" forName="node"/>
-              <dgm:constr type="t" for="ch" forName="node"/>
-              <dgm:constr type="h" for="ch" forName="node" refType="h"/>
-              <dgm:constr type="w" for="ch" forName="node" refType="w"/>
-            </dgm:constrLst>
-          </dgm:if>
-          <dgm:else name="Name6">
-            <dgm:constrLst>
-              <dgm:constr type="l" for="ch" forName="dummyConnPt" refType="w" fact="0.8"/>
-              <dgm:constr type="t" for="ch" forName="dummyConnPt" refType="w" fact="0.145"/>
-              <dgm:constr type="l" for="ch" forName="node"/>
-              <dgm:constr type="t" for="ch" forName="node"/>
-              <dgm:constr type="h" for="ch" forName="node" refType="h"/>
-              <dgm:constr type="w" for="ch" forName="node" refType="w"/>
-            </dgm:constrLst>
-          </dgm:else>
-        </dgm:choose>
-        <dgm:ruleLst/>
-        <dgm:layoutNode name="dummyConnPt" styleLbl="node1" moveWith="node">
-          <dgm:alg type="sp"/>
-          <dgm:shape xmlns:r="http://schemas.openxmlformats.org/officeDocument/2006/relationships" r:blip="">
-            <dgm:adjLst/>
-          </dgm:shape>
-          <dgm:presOf/>
-          <dgm:constrLst>
-            <dgm:constr type="w" val="1"/>
-            <dgm:constr type="h" val="1"/>
-          </dgm:constrLst>
-          <dgm:ruleLst/>
-        </dgm:layoutNode>
-        <dgm:layoutNode name="node">
-          <dgm:varLst>
-            <dgm:bulletEnabled val="1"/>
-          </dgm:varLst>
-          <dgm:alg type="tx"/>
-          <dgm:shape xmlns:r="http://schemas.openxmlformats.org/officeDocument/2006/relationships" type="roundRect" r:blip="">
-            <dgm:adjLst>
-              <dgm:adj idx="1" val="0.1"/>
-            </dgm:adjLst>
-          </dgm:shape>
-          <dgm:presOf axis="desOrSelf" ptType="node"/>
-          <dgm:constrLst>
-            <dgm:constr type="tMarg" refType="primFontSz" fact="0.3"/>
-            <dgm:constr type="bMarg" refType="primFontSz" fact="0.3"/>
-            <dgm:constr type="lMarg" refType="primFontSz" fact="0.3"/>
-            <dgm:constr type="rMarg" refType="primFontSz" fact="0.3"/>
-            <dgm:constr type="primFontSz" val="65"/>
-          </dgm:constrLst>
-          <dgm:ruleLst>
-            <dgm:rule type="primFontSz" val="5" fact="NaN" max="NaN"/>
-          </dgm:ruleLst>
-        </dgm:layoutNode>
+        <dgm:presOf axis="desOrSelf" ptType="node"/>
+        <dgm:constrLst>
+          <dgm:constr type="h" refType="w" fact="0.6"/>
+        </dgm:constrLst>
+        <dgm:ruleLst>
+          <dgm:rule type="primFontSz" val="5" fact="NaN" max="NaN"/>
+        </dgm:ruleLst>
       </dgm:layoutNode>
-      <dgm:forEach name="sibTransForEach" axis="followSib" cnt="1">
-        <dgm:layoutNode name="sibTrans" styleLbl="bgSibTrans2D1">
-          <dgm:choose name="Name7">
-            <dgm:if name="Name8" axis="self" func="var" arg="dir" op="equ" val="norm">
+      <dgm:forEach name="sibTransForEach" axis="followSib" ptType="sibTrans" cnt="1">
+        <dgm:layoutNode name="sibTrans">
+          <dgm:choose name="Name4">
+            <dgm:if name="Name5" axis="self" func="var" arg="dir" op="equ" val="norm">
               <dgm:alg type="conn">
-                <dgm:param type="srcNode" val="dummyConnPt"/>
-                <dgm:param type="dstNode" val="dummyConnPt"/>
-                <dgm:param type="begPts" val="bCtr, midR, tCtr"/>
-                <dgm:param type="endPts" val="tCtr, midL, bCtr"/>
-                <dgm:param type="begSty" val="noArr"/>
-                <dgm:param type="endSty" val="noArr"/>
+                <dgm:param type="connRout" val="bend"/>
+                <dgm:param type="dim" val="1D"/>
+                <dgm:param type="begPts" val="midR bCtr"/>
+                <dgm:param type="endPts" val="midL tCtr"/>
               </dgm:alg>
             </dgm:if>
-            <dgm:else name="Name9">
+            <dgm:else name="Name6">
               <dgm:alg type="conn">
-                <dgm:param type="srcNode" val="dummyConnPt"/>
-                <dgm:param type="dstNode" val="dummyConnPt"/>
-                <dgm:param type="begPts" val="bCtr, midL, tCtr"/>
-                <dgm:param type="endPts" val="tCtr, midR, bCtr"/>
-                <dgm:param type="begSty" val="noArr"/>
-                <dgm:param type="endSty" val="noArr"/>
+                <dgm:param type="connRout" val="bend"/>
+                <dgm:param type="dim" val="1D"/>
+                <dgm:param type="begPts" val="midL bCtr"/>
+                <dgm:param type="endPts" val="midR tCtr"/>
               </dgm:alg>
             </dgm:else>
           </dgm:choose>
@@ -2986,10 +3229,35 @@
           </dgm:shape>
           <dgm:presOf axis="self"/>
           <dgm:constrLst>
-            <dgm:constr type="begPad"/>
-            <dgm:constr type="endPad"/>
+            <dgm:constr type="begPad" val="-0.05"/>
+            <dgm:constr type="endPad" val="0.9"/>
+            <dgm:constr type="userA" for="ch" refType="connDist"/>
           </dgm:constrLst>
           <dgm:ruleLst/>
+          <dgm:layoutNode name="connectorText">
+            <dgm:alg type="tx">
+              <dgm:param type="autoTxRot" val="upr"/>
+            </dgm:alg>
+            <dgm:shape xmlns:r="http://schemas.openxmlformats.org/officeDocument/2006/relationships" type="rect" r:blip="" hideGeom="1">
+              <dgm:adjLst/>
+            </dgm:shape>
+            <dgm:presOf axis="self"/>
+            <dgm:constrLst>
+              <dgm:constr type="userA"/>
+              <dgm:constr type="userB"/>
+              <dgm:constr type="w" refType="userA" fact="0.05"/>
+              <dgm:constr type="h" refType="userB" fact="0.01"/>
+              <dgm:constr type="lMarg" val="1"/>
+              <dgm:constr type="rMarg" val="1"/>
+              <dgm:constr type="tMarg"/>
+              <dgm:constr type="bMarg"/>
+            </dgm:constrLst>
+            <dgm:ruleLst>
+              <dgm:rule type="w" val="NaN" fact="0.6" max="NaN"/>
+              <dgm:rule type="h" val="NaN" fact="0.6" max="NaN"/>
+              <dgm:rule type="primFontSz" val="5" fact="NaN" max="NaN"/>
+            </dgm:ruleLst>
+          </dgm:layoutNode>
         </dgm:layoutNode>
       </dgm:forEach>
     </dgm:forEach>
@@ -4484,7 +4752,7 @@
           <a:p>
             <a:fld id="{876717B3-76BD-4CF3-B287-483EF058EC68}" type="datetimeFigureOut">
               <a:rPr lang="en-ZA" smtClean="0"/>
-              <a:t>2015-10-19</a:t>
+              <a:t>2015-10-20</a:t>
             </a:fld>
             <a:endParaRPr lang="en-ZA"/>
           </a:p>
@@ -4816,7 +5084,7 @@
           <a:p>
             <a:fld id="{876717B3-76BD-4CF3-B287-483EF058EC68}" type="datetimeFigureOut">
               <a:rPr lang="en-ZA" smtClean="0"/>
-              <a:t>2015-10-19</a:t>
+              <a:t>2015-10-20</a:t>
             </a:fld>
             <a:endParaRPr lang="en-ZA"/>
           </a:p>
@@ -5012,7 +5280,7 @@
           <a:p>
             <a:fld id="{876717B3-76BD-4CF3-B287-483EF058EC68}" type="datetimeFigureOut">
               <a:rPr lang="en-ZA" smtClean="0"/>
-              <a:t>2015-10-19</a:t>
+              <a:t>2015-10-20</a:t>
             </a:fld>
             <a:endParaRPr lang="en-ZA"/>
           </a:p>
@@ -5282,7 +5550,7 @@
           <a:p>
             <a:fld id="{876717B3-76BD-4CF3-B287-483EF058EC68}" type="datetimeFigureOut">
               <a:rPr lang="en-ZA" smtClean="0"/>
-              <a:t>2015-10-19</a:t>
+              <a:t>2015-10-20</a:t>
             </a:fld>
             <a:endParaRPr lang="en-ZA"/>
           </a:p>
@@ -5710,7 +5978,7 @@
           <a:p>
             <a:fld id="{876717B3-76BD-4CF3-B287-483EF058EC68}" type="datetimeFigureOut">
               <a:rPr lang="en-ZA" smtClean="0"/>
-              <a:t>2015-10-19</a:t>
+              <a:t>2015-10-20</a:t>
             </a:fld>
             <a:endParaRPr lang="en-ZA"/>
           </a:p>
@@ -6260,7 +6528,7 @@
           <a:p>
             <a:fld id="{876717B3-76BD-4CF3-B287-483EF058EC68}" type="datetimeFigureOut">
               <a:rPr lang="en-ZA" smtClean="0"/>
-              <a:t>2015-10-19</a:t>
+              <a:t>2015-10-20</a:t>
             </a:fld>
             <a:endParaRPr lang="en-ZA"/>
           </a:p>
@@ -7050,7 +7318,7 @@
           <a:p>
             <a:fld id="{876717B3-76BD-4CF3-B287-483EF058EC68}" type="datetimeFigureOut">
               <a:rPr lang="en-ZA" smtClean="0"/>
-              <a:t>2015-10-19</a:t>
+              <a:t>2015-10-20</a:t>
             </a:fld>
             <a:endParaRPr lang="en-ZA"/>
           </a:p>
@@ -7229,7 +7497,7 @@
           <a:p>
             <a:fld id="{876717B3-76BD-4CF3-B287-483EF058EC68}" type="datetimeFigureOut">
               <a:rPr lang="en-ZA" smtClean="0"/>
-              <a:t>2015-10-19</a:t>
+              <a:t>2015-10-20</a:t>
             </a:fld>
             <a:endParaRPr lang="en-ZA"/>
           </a:p>
@@ -7413,7 +7681,7 @@
           <a:p>
             <a:fld id="{876717B3-76BD-4CF3-B287-483EF058EC68}" type="datetimeFigureOut">
               <a:rPr lang="en-ZA" smtClean="0"/>
-              <a:t>2015-10-19</a:t>
+              <a:t>2015-10-20</a:t>
             </a:fld>
             <a:endParaRPr lang="en-ZA"/>
           </a:p>
@@ -7588,7 +7856,7 @@
           <a:p>
             <a:fld id="{876717B3-76BD-4CF3-B287-483EF058EC68}" type="datetimeFigureOut">
               <a:rPr lang="en-ZA" smtClean="0"/>
-              <a:t>2015-10-19</a:t>
+              <a:t>2015-10-20</a:t>
             </a:fld>
             <a:endParaRPr lang="en-ZA"/>
           </a:p>
@@ -7838,7 +8106,7 @@
           <a:p>
             <a:fld id="{876717B3-76BD-4CF3-B287-483EF058EC68}" type="datetimeFigureOut">
               <a:rPr lang="en-ZA" smtClean="0"/>
-              <a:t>2015-10-19</a:t>
+              <a:t>2015-10-20</a:t>
             </a:fld>
             <a:endParaRPr lang="en-ZA"/>
           </a:p>
@@ -8075,7 +8343,7 @@
           <a:p>
             <a:fld id="{876717B3-76BD-4CF3-B287-483EF058EC68}" type="datetimeFigureOut">
               <a:rPr lang="en-ZA" smtClean="0"/>
-              <a:t>2015-10-19</a:t>
+              <a:t>2015-10-20</a:t>
             </a:fld>
             <a:endParaRPr lang="en-ZA"/>
           </a:p>
@@ -8460,7 +8728,7 @@
           <a:p>
             <a:fld id="{876717B3-76BD-4CF3-B287-483EF058EC68}" type="datetimeFigureOut">
               <a:rPr lang="en-ZA" smtClean="0"/>
-              <a:t>2015-10-19</a:t>
+              <a:t>2015-10-20</a:t>
             </a:fld>
             <a:endParaRPr lang="en-ZA"/>
           </a:p>
@@ -8578,7 +8846,7 @@
           <a:p>
             <a:fld id="{876717B3-76BD-4CF3-B287-483EF058EC68}" type="datetimeFigureOut">
               <a:rPr lang="en-ZA" smtClean="0"/>
-              <a:t>2015-10-19</a:t>
+              <a:t>2015-10-20</a:t>
             </a:fld>
             <a:endParaRPr lang="en-ZA"/>
           </a:p>
@@ -8673,7 +8941,7 @@
           <a:p>
             <a:fld id="{876717B3-76BD-4CF3-B287-483EF058EC68}" type="datetimeFigureOut">
               <a:rPr lang="en-ZA" smtClean="0"/>
-              <a:t>2015-10-19</a:t>
+              <a:t>2015-10-20</a:t>
             </a:fld>
             <a:endParaRPr lang="en-ZA"/>
           </a:p>
@@ -8926,7 +9194,7 @@
           <a:p>
             <a:fld id="{876717B3-76BD-4CF3-B287-483EF058EC68}" type="datetimeFigureOut">
               <a:rPr lang="en-ZA" smtClean="0"/>
-              <a:t>2015-10-19</a:t>
+              <a:t>2015-10-20</a:t>
             </a:fld>
             <a:endParaRPr lang="en-ZA"/>
           </a:p>
@@ -9195,7 +9463,7 @@
           <a:p>
             <a:fld id="{876717B3-76BD-4CF3-B287-483EF058EC68}" type="datetimeFigureOut">
               <a:rPr lang="en-ZA" smtClean="0"/>
-              <a:t>2015-10-19</a:t>
+              <a:t>2015-10-20</a:t>
             </a:fld>
             <a:endParaRPr lang="en-ZA"/>
           </a:p>
@@ -9598,7 +9866,7 @@
           <a:p>
             <a:fld id="{876717B3-76BD-4CF3-B287-483EF058EC68}" type="datetimeFigureOut">
               <a:rPr lang="en-ZA" smtClean="0"/>
-              <a:t>2015-10-19</a:t>
+              <a:t>2015-10-20</a:t>
             </a:fld>
             <a:endParaRPr lang="en-ZA"/>
           </a:p>
@@ -10076,7 +10344,7 @@
         </p:blipFill>
         <p:spPr bwMode="auto">
           <a:xfrm>
-            <a:off x="13346822" y="-1347517"/>
+            <a:off x="13329491" y="253411"/>
             <a:ext cx="2002789" cy="894005"/>
           </a:xfrm>
           <a:prstGeom prst="rect">
@@ -10106,7 +10374,7 @@
         </p:blipFill>
         <p:spPr bwMode="auto">
           <a:xfrm>
-            <a:off x="10559935" y="-1124568"/>
+            <a:off x="10542604" y="476360"/>
             <a:ext cx="2703899" cy="580709"/>
           </a:xfrm>
           <a:prstGeom prst="rect">
@@ -10123,7 +10391,7 @@
         </p:nvSpPr>
         <p:spPr>
           <a:xfrm>
-            <a:off x="1531398" y="-1408279"/>
+            <a:off x="1514067" y="192649"/>
             <a:ext cx="8635697" cy="1077218"/>
           </a:xfrm>
           <a:prstGeom prst="rect">
@@ -10171,7 +10439,7 @@
         </p:nvSpPr>
         <p:spPr>
           <a:xfrm>
-            <a:off x="93896" y="411580"/>
+            <a:off x="0" y="1294029"/>
             <a:ext cx="4657121" cy="1911177"/>
           </a:xfrm>
           <a:prstGeom prst="roundRect">
@@ -10211,7 +10479,9 @@
             <a:r>
               <a:rPr lang="en-ZA" sz="1600" dirty="0">
                 <a:solidFill>
-                  <a:srgbClr val="002060"/>
+                  <a:schemeClr val="accent1">
+                    <a:lumMod val="50000"/>
+                  </a:schemeClr>
                 </a:solidFill>
                 <a:latin typeface="Berlin Sans FB Demi" panose="020E0802020502020306" pitchFamily="34" charset="0"/>
               </a:rPr>
@@ -10228,7 +10498,7 @@
         </p:nvSpPr>
         <p:spPr>
           <a:xfrm>
-            <a:off x="5475677" y="411580"/>
+            <a:off x="5381781" y="1294029"/>
             <a:ext cx="4657121" cy="1911177"/>
           </a:xfrm>
           <a:prstGeom prst="roundRect">
@@ -10287,7 +10557,7 @@
         </p:nvSpPr>
         <p:spPr>
           <a:xfrm>
-            <a:off x="4772747" y="1113769"/>
+            <a:off x="4678851" y="1996218"/>
             <a:ext cx="813739" cy="407936"/>
           </a:xfrm>
           <a:prstGeom prst="rightArrow">
@@ -10329,8 +10599,8 @@
         </p:nvSpPr>
         <p:spPr>
           <a:xfrm>
-            <a:off x="10857460" y="315577"/>
-            <a:ext cx="4657121" cy="2134617"/>
+            <a:off x="10763564" y="1198026"/>
+            <a:ext cx="4657121" cy="2255707"/>
           </a:xfrm>
           <a:prstGeom prst="roundRect">
             <a:avLst/>
@@ -10369,8 +10639,8 @@
             <a:r>
               <a:rPr lang="en-ZA" sz="1400" dirty="0">
                 <a:solidFill>
-                  <a:schemeClr val="accent2">
-                    <a:lumMod val="75000"/>
+                  <a:schemeClr val="accent4">
+                    <a:lumMod val="50000"/>
                   </a:schemeClr>
                 </a:solidFill>
                 <a:latin typeface="Berlin Sans FB Demi" panose="020E0802020502020306" pitchFamily="34" charset="0"/>
@@ -10379,8 +10649,8 @@
             </a:r>
             <a:endParaRPr lang="en-ZA" sz="1600" dirty="0">
               <a:solidFill>
-                <a:schemeClr val="accent2">
-                  <a:lumMod val="75000"/>
+                <a:schemeClr val="accent4">
+                  <a:lumMod val="50000"/>
                 </a:schemeClr>
               </a:solidFill>
               <a:latin typeface="Berlin Sans FB Demi" panose="020E0802020502020306" pitchFamily="34" charset="0"/>
@@ -10396,7 +10666,7 @@
         </p:nvSpPr>
         <p:spPr>
           <a:xfrm>
-            <a:off x="10132796" y="1163196"/>
+            <a:off x="10038900" y="2045645"/>
             <a:ext cx="813739" cy="407936"/>
           </a:xfrm>
           <a:prstGeom prst="rightArrow">
@@ -10430,8 +10700,8 @@
           </a:p>
         </p:txBody>
       </p:sp>
-      <mc:AlternateContent xmlns:mc="http://schemas.openxmlformats.org/markup-compatibility/2006" xmlns:a14="http://schemas.microsoft.com/office/drawing/2010/main">
-        <mc:Choice Requires="a14">
+      <mc:AlternateContent xmlns:mc="http://schemas.openxmlformats.org/markup-compatibility/2006">
+        <mc:Choice xmlns:a14="http://schemas.microsoft.com/office/drawing/2010/main" Requires="a14">
           <p:sp>
             <p:nvSpPr>
               <p:cNvPr id="14" name="Rounded Rectangle 13"/>
@@ -10440,7 +10710,7 @@
             </p:nvSpPr>
             <p:spPr>
               <a:xfrm>
-                <a:off x="93896" y="2450194"/>
+                <a:off x="0" y="3332643"/>
                 <a:ext cx="4657121" cy="6211207"/>
               </a:xfrm>
               <a:prstGeom prst="roundRect">
@@ -10490,7 +10760,7 @@
               <a:p>
                 <a:pPr algn="just"/>
                 <a:r>
-                  <a:rPr lang="en-ZA" sz="1067" b="1" dirty="0">
+                  <a:rPr lang="en-ZA" sz="1067" dirty="0" smtClean="0">
                     <a:solidFill>
                       <a:schemeClr val="accent2">
                         <a:lumMod val="50000"/>
@@ -10498,11 +10768,8 @@
                     </a:solidFill>
                     <a:latin typeface="Berlin Sans FB Demi" panose="020E0802020502020306" pitchFamily="34" charset="0"/>
                   </a:rPr>
-                  <a:t>Steps:</a:t>
+                  <a:t>1</a:t>
                 </a:r>
-              </a:p>
-              <a:p>
-                <a:pPr algn="just"/>
                 <a:r>
                   <a:rPr lang="en-ZA" sz="1067" dirty="0">
                     <a:solidFill>
@@ -10512,7 +10779,7 @@
                     </a:solidFill>
                     <a:latin typeface="Berlin Sans FB Demi" panose="020E0802020502020306" pitchFamily="34" charset="0"/>
                   </a:rPr>
-                  <a:t>1) What data should we gather?</a:t>
+                  <a:t>) What data should we gather?</a:t>
                 </a:r>
               </a:p>
               <a:p>
@@ -10526,15 +10793,37 @@
                     </a:solidFill>
                     <a:latin typeface="Berlin Sans FB Demi" panose="020E0802020502020306" pitchFamily="34" charset="0"/>
                   </a:rPr>
-                  <a:t>We decided that the most meaningful data we could collect would revolve around the acceleration, speed, and location of the car.</a:t>
+                  <a:t>We decided that the most meaningful data we could collect would revolve around the acceleration, speed, and location of the car</a:t>
                 </a:r>
+                <a:r>
+                  <a:rPr lang="en-ZA" sz="1067" dirty="0" smtClean="0">
+                    <a:solidFill>
+                      <a:schemeClr val="accent2">
+                        <a:lumMod val="75000"/>
+                      </a:schemeClr>
+                    </a:solidFill>
+                    <a:latin typeface="Berlin Sans FB Demi" panose="020E0802020502020306" pitchFamily="34" charset="0"/>
+                  </a:rPr>
+                  <a:t>.</a:t>
+                </a:r>
+              </a:p>
+              <a:p>
+                <a:pPr algn="just"/>
+                <a:endParaRPr lang="en-ZA" sz="1067" dirty="0">
+                  <a:solidFill>
+                    <a:schemeClr val="accent2">
+                      <a:lumMod val="75000"/>
+                    </a:schemeClr>
+                  </a:solidFill>
+                  <a:latin typeface="Berlin Sans FB Demi" panose="020E0802020502020306" pitchFamily="34" charset="0"/>
+                </a:endParaRPr>
               </a:p>
               <a:p>
                 <a:pPr algn="just"/>
                 <a:r>
                   <a:rPr lang="en-ZA" sz="1067" dirty="0">
                     <a:solidFill>
-                      <a:schemeClr val="accent1">
+                      <a:schemeClr val="accent2">
                         <a:lumMod val="50000"/>
                       </a:schemeClr>
                     </a:solidFill>
@@ -10548,9 +10837,8 @@
                 <a:r>
                   <a:rPr lang="en-ZA" sz="1067" dirty="0">
                     <a:solidFill>
-                      <a:schemeClr val="accent1">
-                        <a:lumMod val="60000"/>
-                        <a:lumOff val="40000"/>
+                      <a:schemeClr val="accent2">
+                        <a:lumMod val="75000"/>
                       </a:schemeClr>
                     </a:solidFill>
                     <a:latin typeface="Berlin Sans FB Demi" panose="020E0802020502020306" pitchFamily="34" charset="0"/>
@@ -10561,93 +10849,75 @@
               <a:p>
                 <a:pPr algn="just"/>
                 <a:r>
-                  <a:rPr lang="en-ZA" sz="1067" b="1" dirty="0">
+                  <a:rPr lang="en-ZA" sz="1067" dirty="0">
                     <a:solidFill>
-                      <a:schemeClr val="accent1">
-                        <a:lumMod val="60000"/>
-                        <a:lumOff val="40000"/>
+                      <a:schemeClr val="accent2">
+                        <a:lumMod val="75000"/>
                       </a:schemeClr>
                     </a:solidFill>
                     <a:latin typeface="Berlin Sans FB Demi" panose="020E0802020502020306" pitchFamily="34" charset="0"/>
                   </a:rPr>
-                  <a:t>Forward Acceleration</a:t>
-                </a:r>
-                <a:r>
-                  <a:rPr lang="en-ZA" sz="1067" dirty="0">
-                    <a:solidFill>
-                      <a:schemeClr val="accent1">
-                        <a:lumMod val="60000"/>
-                        <a:lumOff val="40000"/>
-                      </a:schemeClr>
-                    </a:solidFill>
-                    <a:latin typeface="Berlin Sans FB Demi" panose="020E0802020502020306" pitchFamily="34" charset="0"/>
-                  </a:rPr>
-                  <a:t>: </a:t>
+                  <a:t>Forward Acceleration: </a:t>
                 </a:r>
                 <a14:m>
                   <m:oMath xmlns:m="http://schemas.openxmlformats.org/officeDocument/2006/math">
                     <m:r>
-                      <a:rPr lang="en-ZA" sz="1067" i="1" dirty="0">
+                      <a:rPr lang="en-ZA" sz="1067" dirty="0">
                         <a:solidFill>
-                          <a:schemeClr val="accent1">
-                            <a:lumMod val="60000"/>
-                            <a:lumOff val="40000"/>
+                          <a:schemeClr val="accent2">
+                            <a:lumMod val="75000"/>
                           </a:schemeClr>
                         </a:solidFill>
-                        <a:latin typeface="Cambria Math" panose="02040503050406030204" pitchFamily="18" charset="0"/>
+                        <a:latin typeface="Berlin Sans FB Demi" panose="020E0802020502020306" pitchFamily="34" charset="0"/>
                       </a:rPr>
                       <m:t>4.2</m:t>
                     </m:r>
                     <m:r>
-                      <a:rPr lang="en-ZA" sz="1067" i="1">
+                      <a:rPr lang="en-ZA" sz="1067">
                         <a:solidFill>
-                          <a:schemeClr val="accent1">
-                            <a:lumMod val="60000"/>
-                            <a:lumOff val="40000"/>
+                          <a:schemeClr val="accent2">
+                            <a:lumMod val="75000"/>
                           </a:schemeClr>
                         </a:solidFill>
-                        <a:latin typeface="Cambria Math" panose="02040503050406030204" pitchFamily="18" charset="0"/>
+                        <a:latin typeface="Berlin Sans FB Demi" panose="020E0802020502020306" pitchFamily="34" charset="0"/>
                       </a:rPr>
                       <m:t>𝑚</m:t>
                     </m:r>
                     <m:sSup>
                       <m:sSupPr>
                         <m:ctrlPr>
-                          <a:rPr lang="en-ZA" sz="1067" i="1">
+                          <a:rPr lang="en-ZA" sz="1067">
                             <a:solidFill>
-                              <a:schemeClr val="accent1">
-                                <a:lumMod val="60000"/>
-                                <a:lumOff val="40000"/>
+                              <a:schemeClr val="accent2">
+                                <a:lumMod val="75000"/>
                               </a:schemeClr>
                             </a:solidFill>
-                            <a:latin typeface="Cambria Math" panose="02040503050406030204" pitchFamily="18" charset="0"/>
+                            <a:latin typeface="Berlin Sans FB Demi" panose="020E0802020502020306" pitchFamily="34" charset="0"/>
                           </a:rPr>
                         </m:ctrlPr>
                       </m:sSupPr>
                       <m:e>
                         <m:r>
-                          <a:rPr lang="en-ZA" sz="1067" i="1">
+                          <a:rPr lang="en-ZA" sz="1067">
                             <a:solidFill>
-                              <a:schemeClr val="accent1">
-                                <a:lumMod val="60000"/>
-                                <a:lumOff val="40000"/>
+                              <a:schemeClr val="accent2">
+                                <a:lumMod val="75000"/>
                               </a:schemeClr>
                             </a:solidFill>
-                            <a:latin typeface="Cambria Math" panose="02040503050406030204" pitchFamily="18" charset="0"/>
+                            <a:latin typeface="Berlin Sans FB Demi" panose="020E0802020502020306" pitchFamily="34" charset="0"/>
                           </a:rPr>
                           <m:t>𝑠</m:t>
                         </m:r>
                       </m:e>
                       <m:sup>
                         <m:r>
-                          <a:rPr lang="en-ZA" sz="1067" i="1">
+                          <a:rPr lang="en-ZA" sz="1067">
                             <a:solidFill>
-                              <a:schemeClr val="accent1">
-                                <a:lumMod val="60000"/>
-                                <a:lumOff val="40000"/>
+                              <a:schemeClr val="accent2">
+                                <a:lumMod val="75000"/>
                               </a:schemeClr>
                             </a:solidFill>
-                            <a:latin typeface="Cambria Math" panose="02040503050406030204" pitchFamily="18" charset="0"/>
+                            <a:latin typeface="Berlin Sans FB Demi" panose="020E0802020502020306" pitchFamily="34" charset="0"/>
                           </a:rPr>
                           <m:t>−2</m:t>
                         </m:r>
@@ -10657,9 +10927,8 @@
                 </a14:m>
                 <a:endParaRPr lang="en-ZA" sz="1067" dirty="0">
                   <a:solidFill>
-                    <a:schemeClr val="accent1">
-                      <a:lumMod val="60000"/>
-                      <a:lumOff val="40000"/>
+                    <a:schemeClr val="accent2">
+                      <a:lumMod val="75000"/>
                     </a:schemeClr>
                   </a:solidFill>
                   <a:latin typeface="Berlin Sans FB Demi" panose="020E0802020502020306" pitchFamily="34" charset="0"/>
@@ -10670,9 +10939,8 @@
                 <a:r>
                   <a:rPr lang="en-ZA" sz="1067" dirty="0">
                     <a:solidFill>
-                      <a:schemeClr val="accent1">
-                        <a:lumMod val="60000"/>
-                        <a:lumOff val="40000"/>
+                      <a:schemeClr val="accent2">
+                        <a:lumMod val="75000"/>
                       </a:schemeClr>
                     </a:solidFill>
                     <a:latin typeface="Berlin Sans FB Demi" panose="020E0802020502020306" pitchFamily="34" charset="0"/>
@@ -10682,67 +10950,62 @@
                 <a14:m>
                   <m:oMath xmlns:m="http://schemas.openxmlformats.org/officeDocument/2006/math">
                     <m:r>
-                      <a:rPr lang="en-ZA" sz="1067" i="1">
+                      <a:rPr lang="en-ZA" sz="1067">
                         <a:solidFill>
-                          <a:schemeClr val="accent1">
-                            <a:lumMod val="60000"/>
-                            <a:lumOff val="40000"/>
+                          <a:schemeClr val="accent2">
+                            <a:lumMod val="75000"/>
                           </a:schemeClr>
                         </a:solidFill>
-                        <a:latin typeface="Cambria Math" panose="02040503050406030204" pitchFamily="18" charset="0"/>
+                        <a:latin typeface="Berlin Sans FB Demi" panose="020E0802020502020306" pitchFamily="34" charset="0"/>
                       </a:rPr>
                       <m:t>3</m:t>
                     </m:r>
                     <m:r>
-                      <a:rPr lang="en-ZA" sz="1067" i="1">
+                      <a:rPr lang="en-ZA" sz="1067">
                         <a:solidFill>
-                          <a:schemeClr val="accent1">
-                            <a:lumMod val="60000"/>
-                            <a:lumOff val="40000"/>
+                          <a:schemeClr val="accent2">
+                            <a:lumMod val="75000"/>
                           </a:schemeClr>
                         </a:solidFill>
-                        <a:latin typeface="Cambria Math" panose="02040503050406030204" pitchFamily="18" charset="0"/>
+                        <a:latin typeface="Berlin Sans FB Demi" panose="020E0802020502020306" pitchFamily="34" charset="0"/>
                       </a:rPr>
                       <m:t>𝑚</m:t>
                     </m:r>
                     <m:sSup>
                       <m:sSupPr>
                         <m:ctrlPr>
-                          <a:rPr lang="en-ZA" sz="1067" i="1">
+                          <a:rPr lang="en-ZA" sz="1067">
                             <a:solidFill>
-                              <a:schemeClr val="accent1">
-                                <a:lumMod val="60000"/>
-                                <a:lumOff val="40000"/>
+                              <a:schemeClr val="accent2">
+                                <a:lumMod val="75000"/>
                               </a:schemeClr>
                             </a:solidFill>
-                            <a:latin typeface="Cambria Math" panose="02040503050406030204" pitchFamily="18" charset="0"/>
+                            <a:latin typeface="Berlin Sans FB Demi" panose="020E0802020502020306" pitchFamily="34" charset="0"/>
                           </a:rPr>
                         </m:ctrlPr>
                       </m:sSupPr>
                       <m:e>
                         <m:r>
-                          <a:rPr lang="en-ZA" sz="1067" i="1">
+                          <a:rPr lang="en-ZA" sz="1067">
                             <a:solidFill>
-                              <a:schemeClr val="accent1">
-                                <a:lumMod val="60000"/>
-                                <a:lumOff val="40000"/>
+                              <a:schemeClr val="accent2">
+                                <a:lumMod val="75000"/>
                               </a:schemeClr>
                             </a:solidFill>
-                            <a:latin typeface="Cambria Math" panose="02040503050406030204" pitchFamily="18" charset="0"/>
+                            <a:latin typeface="Berlin Sans FB Demi" panose="020E0802020502020306" pitchFamily="34" charset="0"/>
                           </a:rPr>
                           <m:t>𝑠</m:t>
                         </m:r>
                       </m:e>
                       <m:sup>
                         <m:r>
-                          <a:rPr lang="en-ZA" sz="1067" i="1">
+                          <a:rPr lang="en-ZA" sz="1067">
                             <a:solidFill>
-                              <a:schemeClr val="accent1">
-                                <a:lumMod val="60000"/>
-                                <a:lumOff val="40000"/>
+                              <a:schemeClr val="accent2">
+                                <a:lumMod val="75000"/>
                               </a:schemeClr>
                             </a:solidFill>
-                            <a:latin typeface="Cambria Math" panose="02040503050406030204" pitchFamily="18" charset="0"/>
+                            <a:latin typeface="Berlin Sans FB Demi" panose="020E0802020502020306" pitchFamily="34" charset="0"/>
                           </a:rPr>
                           <m:t>−2</m:t>
                         </m:r>
@@ -10752,116 +11015,8 @@
                 </a14:m>
                 <a:endParaRPr lang="en-ZA" sz="1067" dirty="0">
                   <a:solidFill>
-                    <a:schemeClr val="accent1">
-                      <a:lumMod val="60000"/>
-                      <a:lumOff val="40000"/>
-                    </a:schemeClr>
-                  </a:solidFill>
-                  <a:latin typeface="Berlin Sans FB Demi" panose="020E0802020502020306" pitchFamily="34" charset="0"/>
-                </a:endParaRPr>
-              </a:p>
-              <a:p>
-                <a:pPr algn="just"/>
-                <a:r>
-                  <a:rPr lang="en-ZA" sz="1067" b="1" dirty="0">
-                    <a:solidFill>
-                      <a:schemeClr val="accent1">
-                        <a:lumMod val="60000"/>
-                        <a:lumOff val="40000"/>
-                      </a:schemeClr>
-                    </a:solidFill>
-                    <a:latin typeface="Berlin Sans FB Demi" panose="020E0802020502020306" pitchFamily="34" charset="0"/>
-                  </a:rPr>
-                  <a:t>Vertical Acceleration</a:t>
-                </a:r>
-                <a:r>
-                  <a:rPr lang="en-ZA" sz="1067" dirty="0">
-                    <a:solidFill>
-                      <a:schemeClr val="accent1">
-                        <a:lumMod val="60000"/>
-                        <a:lumOff val="40000"/>
-                      </a:schemeClr>
-                    </a:solidFill>
-                    <a:latin typeface="Berlin Sans FB Demi" panose="020E0802020502020306" pitchFamily="34" charset="0"/>
-                  </a:rPr>
-                  <a:t>: </a:t>
-                </a:r>
-                <a14:m>
-                  <m:oMath xmlns:m="http://schemas.openxmlformats.org/officeDocument/2006/math">
-                    <m:r>
-                      <a:rPr lang="en-ZA" sz="1067" i="1" dirty="0">
-                        <a:solidFill>
-                          <a:schemeClr val="accent1">
-                            <a:lumMod val="60000"/>
-                            <a:lumOff val="40000"/>
-                          </a:schemeClr>
-                        </a:solidFill>
-                        <a:latin typeface="Cambria Math" panose="02040503050406030204" pitchFamily="18" charset="0"/>
-                      </a:rPr>
-                      <m:t>2</m:t>
-                    </m:r>
-                    <m:r>
-                      <a:rPr lang="en-ZA" sz="1067" i="1">
-                        <a:solidFill>
-                          <a:schemeClr val="accent1">
-                            <a:lumMod val="60000"/>
-                            <a:lumOff val="40000"/>
-                          </a:schemeClr>
-                        </a:solidFill>
-                        <a:latin typeface="Cambria Math" panose="02040503050406030204" pitchFamily="18" charset="0"/>
-                      </a:rPr>
-                      <m:t>𝑚</m:t>
-                    </m:r>
-                    <m:sSup>
-                      <m:sSupPr>
-                        <m:ctrlPr>
-                          <a:rPr lang="en-ZA" sz="1067" i="1">
-                            <a:solidFill>
-                              <a:schemeClr val="accent1">
-                                <a:lumMod val="60000"/>
-                                <a:lumOff val="40000"/>
-                              </a:schemeClr>
-                            </a:solidFill>
-                            <a:latin typeface="Cambria Math" panose="02040503050406030204" pitchFamily="18" charset="0"/>
-                          </a:rPr>
-                        </m:ctrlPr>
-                      </m:sSupPr>
-                      <m:e>
-                        <m:r>
-                          <a:rPr lang="en-ZA" sz="1067" i="1">
-                            <a:solidFill>
-                              <a:schemeClr val="accent1">
-                                <a:lumMod val="60000"/>
-                                <a:lumOff val="40000"/>
-                              </a:schemeClr>
-                            </a:solidFill>
-                            <a:latin typeface="Cambria Math" panose="02040503050406030204" pitchFamily="18" charset="0"/>
-                          </a:rPr>
-                          <m:t>𝑠</m:t>
-                        </m:r>
-                      </m:e>
-                      <m:sup>
-                        <m:r>
-                          <a:rPr lang="en-ZA" sz="1067" i="1">
-                            <a:solidFill>
-                              <a:schemeClr val="accent1">
-                                <a:lumMod val="60000"/>
-                                <a:lumOff val="40000"/>
-                              </a:schemeClr>
-                            </a:solidFill>
-                            <a:latin typeface="Cambria Math" panose="02040503050406030204" pitchFamily="18" charset="0"/>
-                          </a:rPr>
-                          <m:t>−2</m:t>
-                        </m:r>
-                      </m:sup>
-                    </m:sSup>
-                  </m:oMath>
-                </a14:m>
-                <a:endParaRPr lang="en-ZA" sz="1067" dirty="0">
-                  <a:solidFill>
-                    <a:schemeClr val="tx1">
-                      <a:lumMod val="95000"/>
-                      <a:lumOff val="5000"/>
+                    <a:schemeClr val="accent2">
+                      <a:lumMod val="75000"/>
                     </a:schemeClr>
                   </a:solidFill>
                   <a:latin typeface="Berlin Sans FB Demi" panose="020E0802020502020306" pitchFamily="34" charset="0"/>
@@ -10872,9 +11027,107 @@
                 <a:r>
                   <a:rPr lang="en-ZA" sz="1067" dirty="0">
                     <a:solidFill>
-                      <a:schemeClr val="tx1">
-                        <a:lumMod val="95000"/>
-                        <a:lumOff val="5000"/>
+                      <a:schemeClr val="accent2">
+                        <a:lumMod val="75000"/>
+                      </a:schemeClr>
+                    </a:solidFill>
+                    <a:latin typeface="Berlin Sans FB Demi" panose="020E0802020502020306" pitchFamily="34" charset="0"/>
+                  </a:rPr>
+                  <a:t>Vertical Acceleration: </a:t>
+                </a:r>
+                <a14:m>
+                  <m:oMath xmlns:m="http://schemas.openxmlformats.org/officeDocument/2006/math">
+                    <m:r>
+                      <a:rPr lang="en-ZA" sz="1067" dirty="0">
+                        <a:solidFill>
+                          <a:schemeClr val="accent2">
+                            <a:lumMod val="75000"/>
+                          </a:schemeClr>
+                        </a:solidFill>
+                        <a:latin typeface="Berlin Sans FB Demi" panose="020E0802020502020306" pitchFamily="34" charset="0"/>
+                      </a:rPr>
+                      <m:t>2</m:t>
+                    </m:r>
+                    <m:r>
+                      <a:rPr lang="en-ZA" sz="1067">
+                        <a:solidFill>
+                          <a:schemeClr val="accent2">
+                            <a:lumMod val="75000"/>
+                          </a:schemeClr>
+                        </a:solidFill>
+                        <a:latin typeface="Berlin Sans FB Demi" panose="020E0802020502020306" pitchFamily="34" charset="0"/>
+                      </a:rPr>
+                      <m:t>𝑚</m:t>
+                    </m:r>
+                    <m:sSup>
+                      <m:sSupPr>
+                        <m:ctrlPr>
+                          <a:rPr lang="en-ZA" sz="1067">
+                            <a:solidFill>
+                              <a:schemeClr val="accent2">
+                                <a:lumMod val="75000"/>
+                              </a:schemeClr>
+                            </a:solidFill>
+                            <a:latin typeface="Berlin Sans FB Demi" panose="020E0802020502020306" pitchFamily="34" charset="0"/>
+                          </a:rPr>
+                        </m:ctrlPr>
+                      </m:sSupPr>
+                      <m:e>
+                        <m:r>
+                          <a:rPr lang="en-ZA" sz="1067">
+                            <a:solidFill>
+                              <a:schemeClr val="accent2">
+                                <a:lumMod val="75000"/>
+                              </a:schemeClr>
+                            </a:solidFill>
+                            <a:latin typeface="Berlin Sans FB Demi" panose="020E0802020502020306" pitchFamily="34" charset="0"/>
+                          </a:rPr>
+                          <m:t>𝑠</m:t>
+                        </m:r>
+                      </m:e>
+                      <m:sup>
+                        <m:r>
+                          <a:rPr lang="en-ZA" sz="1067">
+                            <a:solidFill>
+                              <a:schemeClr val="accent2">
+                                <a:lumMod val="75000"/>
+                              </a:schemeClr>
+                            </a:solidFill>
+                            <a:latin typeface="Berlin Sans FB Demi" panose="020E0802020502020306" pitchFamily="34" charset="0"/>
+                          </a:rPr>
+                          <m:t>−2</m:t>
+                        </m:r>
+                      </m:sup>
+                    </m:sSup>
+                  </m:oMath>
+                </a14:m>
+                <a:endParaRPr lang="en-ZA" sz="1067" dirty="0" smtClean="0">
+                  <a:solidFill>
+                    <a:schemeClr val="accent2">
+                      <a:lumMod val="75000"/>
+                    </a:schemeClr>
+                  </a:solidFill>
+                  <a:latin typeface="Berlin Sans FB Demi" panose="020E0802020502020306" pitchFamily="34" charset="0"/>
+                </a:endParaRPr>
+              </a:p>
+              <a:p>
+                <a:pPr algn="just"/>
+                <a:endParaRPr lang="en-ZA" sz="1067" dirty="0">
+                  <a:solidFill>
+                    <a:schemeClr val="accent2">
+                      <a:lumMod val="75000"/>
+                    </a:schemeClr>
+                  </a:solidFill>
+                  <a:latin typeface="Berlin Sans FB Demi" panose="020E0802020502020306" pitchFamily="34" charset="0"/>
+                </a:endParaRPr>
+              </a:p>
+              <a:p>
+                <a:pPr algn="just"/>
+                <a:r>
+                  <a:rPr lang="en-ZA" sz="1067" dirty="0">
+                    <a:solidFill>
+                      <a:schemeClr val="accent2">
+                        <a:lumMod val="50000"/>
                       </a:schemeClr>
                     </a:solidFill>
                     <a:latin typeface="Berlin Sans FB Demi" panose="020E0802020502020306" pitchFamily="34" charset="0"/>
@@ -10887,37 +11140,77 @@
                 <a:r>
                   <a:rPr lang="en-ZA" sz="1067" dirty="0">
                     <a:solidFill>
-                      <a:schemeClr val="bg1">
-                        <a:lumMod val="50000"/>
+                      <a:schemeClr val="accent2">
+                        <a:lumMod val="75000"/>
                       </a:schemeClr>
                     </a:solidFill>
                     <a:latin typeface="Berlin Sans FB Demi" panose="020E0802020502020306" pitchFamily="34" charset="0"/>
                   </a:rPr>
-                  <a:t>We used the data of our user and compared it to a normal distribution to determine how the number of poor data readings at any given instant compared.</a:t>
+                  <a:t>We used the data of our user and compared it to a normal distribution to determine how the number of poor data readings at any given instant compared</a:t>
                 </a:r>
+                <a:r>
+                  <a:rPr lang="en-ZA" sz="1067" dirty="0" smtClean="0">
+                    <a:solidFill>
+                      <a:schemeClr val="accent2">
+                        <a:lumMod val="75000"/>
+                      </a:schemeClr>
+                    </a:solidFill>
+                    <a:latin typeface="Berlin Sans FB Demi" panose="020E0802020502020306" pitchFamily="34" charset="0"/>
+                  </a:rPr>
+                  <a:t>.</a:t>
+                </a:r>
+              </a:p>
+              <a:p>
+                <a:pPr algn="just"/>
+                <a:endParaRPr lang="en-ZA" sz="1067" dirty="0">
+                  <a:solidFill>
+                    <a:schemeClr val="accent2">
+                      <a:lumMod val="75000"/>
+                    </a:schemeClr>
+                  </a:solidFill>
+                  <a:latin typeface="Berlin Sans FB Demi" panose="020E0802020502020306" pitchFamily="34" charset="0"/>
+                </a:endParaRPr>
               </a:p>
               <a:p>
                 <a:pPr algn="just"/>
                 <a:r>
                   <a:rPr lang="en-ZA" sz="1067" dirty="0">
                     <a:solidFill>
-                      <a:schemeClr val="accent6">
+                      <a:schemeClr val="accent2">
                         <a:lumMod val="50000"/>
                       </a:schemeClr>
                     </a:solidFill>
                     <a:latin typeface="Berlin Sans FB Demi" panose="020E0802020502020306" pitchFamily="34" charset="0"/>
                   </a:rPr>
-                  <a:t>4) How do you turn randomly collected data into a normal distribution?</a:t>
+                  <a:t>4) How do you turn randomly collected data into a normal distribution</a:t>
                 </a:r>
+                <a:r>
+                  <a:rPr lang="en-ZA" sz="1067" dirty="0" smtClean="0">
+                    <a:solidFill>
+                      <a:schemeClr val="accent2">
+                        <a:lumMod val="50000"/>
+                      </a:schemeClr>
+                    </a:solidFill>
+                    <a:latin typeface="Berlin Sans FB Demi" panose="020E0802020502020306" pitchFamily="34" charset="0"/>
+                  </a:rPr>
+                  <a:t>?</a:t>
+                </a:r>
+                <a:endParaRPr lang="en-ZA" sz="1067" dirty="0">
+                  <a:solidFill>
+                    <a:schemeClr val="accent2">
+                      <a:lumMod val="50000"/>
+                    </a:schemeClr>
+                  </a:solidFill>
+                  <a:latin typeface="Berlin Sans FB Demi" panose="020E0802020502020306" pitchFamily="34" charset="0"/>
+                </a:endParaRPr>
               </a:p>
               <a:p>
                 <a:pPr algn="just"/>
                 <a:r>
                   <a:rPr lang="en-ZA" sz="1067" dirty="0">
                     <a:solidFill>
-                      <a:schemeClr val="accent6">
-                        <a:lumMod val="60000"/>
-                        <a:lumOff val="40000"/>
+                      <a:schemeClr val="accent2">
+                        <a:lumMod val="75000"/>
                       </a:schemeClr>
                     </a:solidFill>
                     <a:latin typeface="Berlin Sans FB Demi" panose="020E0802020502020306" pitchFamily="34" charset="0"/>
@@ -10988,7 +11281,7 @@
             </p:txBody>
           </p:sp>
         </mc:Choice>
-        <mc:Fallback xmlns="">
+        <mc:Fallback>
           <p:sp>
             <p:nvSpPr>
               <p:cNvPr id="14" name="Rounded Rectangle 13"/>
@@ -10999,8 +11292,8 @@
             </p:nvSpPr>
             <p:spPr>
               <a:xfrm>
-                <a:off x="70421" y="3037795"/>
-                <a:ext cx="3492841" cy="4658405"/>
+                <a:off x="0" y="3332643"/>
+                <a:ext cx="4657121" cy="6211207"/>
               </a:xfrm>
               <a:prstGeom prst="roundRect">
                 <a:avLst/>
@@ -11048,7 +11341,7 @@
         </p:blipFill>
         <p:spPr bwMode="auto">
           <a:xfrm>
-            <a:off x="877887" y="7598377"/>
+            <a:off x="671165" y="8528588"/>
             <a:ext cx="3079453" cy="684323"/>
           </a:xfrm>
           <a:prstGeom prst="rect">
@@ -11073,14 +11366,14 @@
           <p:nvPr>
             <p:extLst>
               <p:ext uri="{D42A27DB-BD31-4B8C-83A1-F6EECF244321}">
-                <p14:modId xmlns:p14="http://schemas.microsoft.com/office/powerpoint/2010/main" val="3965772672"/>
+                <p14:modId xmlns:p14="http://schemas.microsoft.com/office/powerpoint/2010/main" val="959720907"/>
               </p:ext>
             </p:extLst>
           </p:nvPr>
         </p:nvGraphicFramePr>
         <p:xfrm>
-          <a:off x="6060912" y="3074374"/>
-          <a:ext cx="7285909" cy="4857273"/>
+          <a:off x="6762211" y="3345488"/>
+          <a:ext cx="7560785" cy="5340496"/>
         </p:xfrm>
         <a:graphic>
           <a:graphicData uri="http://schemas.openxmlformats.org/drawingml/2006/diagram">
@@ -11110,9 +11403,9 @@
           </a:stretch>
         </p:blipFill>
         <p:spPr bwMode="auto">
-          <a:xfrm rot="1512699">
-            <a:off x="13965822" y="5262966"/>
-            <a:ext cx="1364525" cy="795012"/>
+          <a:xfrm>
+            <a:off x="11024155" y="8685984"/>
+            <a:ext cx="1410813" cy="839531"/>
           </a:xfrm>
           <a:prstGeom prst="rect">
             <a:avLst/>
@@ -11122,7 +11415,7 @@
           </a:ln>
           <a:effectLst>
             <a:glow rad="228600">
-              <a:schemeClr val="accent1">
+              <a:schemeClr val="accent4">
                 <a:satMod val="175000"/>
                 <a:alpha val="40000"/>
               </a:schemeClr>
@@ -11159,7 +11452,7 @@
         </p:blipFill>
         <p:spPr bwMode="auto">
           <a:xfrm rot="20053135">
-            <a:off x="13927103" y="3020901"/>
+            <a:off x="5044134" y="7914853"/>
             <a:ext cx="1193800" cy="795867"/>
           </a:xfrm>
           <a:prstGeom prst="rect">
@@ -11191,8 +11484,8 @@
           <p:nvPr/>
         </p:nvSpPr>
         <p:spPr>
-          <a:xfrm rot="9850399">
-            <a:off x="13323709" y="3870477"/>
+          <a:xfrm rot="20123098">
+            <a:off x="6162931" y="7865681"/>
             <a:ext cx="604047" cy="85548"/>
           </a:xfrm>
           <a:prstGeom prst="rightArrow">
@@ -11224,46 +11517,6 @@
           </a:p>
         </p:txBody>
       </p:sp>
-      <p:sp>
-        <p:nvSpPr>
-          <p:cNvPr id="23" name="Right Arrow 22"/>
-          <p:cNvSpPr/>
-          <p:nvPr/>
-        </p:nvSpPr>
-        <p:spPr>
-          <a:xfrm rot="12134015">
-            <a:off x="13342961" y="5295480"/>
-            <a:ext cx="533252" cy="84355"/>
-          </a:xfrm>
-          <a:prstGeom prst="rightArrow">
-            <a:avLst/>
-          </a:prstGeom>
-        </p:spPr>
-        <p:style>
-          <a:lnRef idx="0">
-            <a:schemeClr val="accent2"/>
-          </a:lnRef>
-          <a:fillRef idx="3">
-            <a:schemeClr val="accent2"/>
-          </a:fillRef>
-          <a:effectRef idx="3">
-            <a:schemeClr val="accent2"/>
-          </a:effectRef>
-          <a:fontRef idx="minor">
-            <a:schemeClr val="lt1"/>
-          </a:fontRef>
-        </p:style>
-        <p:txBody>
-          <a:bodyPr rtlCol="0" anchor="ctr"/>
-          <a:lstStyle/>
-          <a:p>
-            <a:pPr algn="ctr"/>
-            <a:endParaRPr lang="en-ZA" sz="2823">
-              <a:latin typeface="Berlin Sans FB Demi" panose="020E0802020502020306" pitchFamily="34" charset="0"/>
-            </a:endParaRPr>
-          </a:p>
-        </p:txBody>
-      </p:sp>
       <p:pic>
         <p:nvPicPr>
           <p:cNvPr id="1040" name="Picture 16" descr="http://ww2.tnstate.edu/ganter/BIO311-CH4-Eq1a.gif"/>
@@ -11287,7 +11540,7 @@
         </p:blipFill>
         <p:spPr bwMode="auto">
           <a:xfrm rot="20218361">
-            <a:off x="9527798" y="7676624"/>
+            <a:off x="5043773" y="5651282"/>
             <a:ext cx="1623233" cy="510043"/>
           </a:xfrm>
           <a:prstGeom prst="rect">
@@ -11319,9 +11572,9 @@
           <p:nvPr/>
         </p:nvSpPr>
         <p:spPr>
-          <a:xfrm rot="14055460" flipV="1">
-            <a:off x="9651536" y="7693010"/>
-            <a:ext cx="447755" cy="60959"/>
+          <a:xfrm rot="1716007" flipV="1">
+            <a:off x="6329985" y="5914585"/>
+            <a:ext cx="426524" cy="99901"/>
           </a:xfrm>
           <a:prstGeom prst="rightArrow">
             <a:avLst/>
@@ -11509,7 +11762,7 @@
         </p:blipFill>
         <p:spPr bwMode="auto">
           <a:xfrm>
-            <a:off x="15942336" y="-1537269"/>
+            <a:off x="15925005" y="63659"/>
             <a:ext cx="1067197" cy="1067197"/>
           </a:xfrm>
           <a:prstGeom prst="rect">
@@ -11527,6 +11780,58 @@
           </a:extLst>
         </p:spPr>
       </p:pic>
+      <p:sp>
+        <p:nvSpPr>
+          <p:cNvPr id="8" name="Bent-Up Arrow 7"/>
+          <p:cNvSpPr/>
+          <p:nvPr/>
+        </p:nvSpPr>
+        <p:spPr>
+          <a:xfrm flipH="1">
+            <a:off x="10149761" y="8293100"/>
+            <a:ext cx="866582" cy="919811"/>
+          </a:xfrm>
+          <a:prstGeom prst="bentUpArrow">
+            <a:avLst>
+              <a:gd name="adj1" fmla="val 4980"/>
+              <a:gd name="adj2" fmla="val 5609"/>
+              <a:gd name="adj3" fmla="val 3547"/>
+            </a:avLst>
+          </a:prstGeom>
+          <a:solidFill>
+            <a:schemeClr val="accent2"/>
+          </a:solidFill>
+          <a:ln>
+            <a:solidFill>
+              <a:schemeClr val="accent2"/>
+            </a:solidFill>
+          </a:ln>
+        </p:spPr>
+        <p:style>
+          <a:lnRef idx="2">
+            <a:schemeClr val="accent1">
+              <a:shade val="50000"/>
+            </a:schemeClr>
+          </a:lnRef>
+          <a:fillRef idx="1">
+            <a:schemeClr val="accent1"/>
+          </a:fillRef>
+          <a:effectRef idx="0">
+            <a:schemeClr val="accent1"/>
+          </a:effectRef>
+          <a:fontRef idx="minor">
+            <a:schemeClr val="lt1"/>
+          </a:fontRef>
+        </p:style>
+        <p:txBody>
+          <a:bodyPr rtlCol="0" anchor="ctr"/>
+          <a:lstStyle/>
+          <a:p>
+            <a:pPr algn="ctr"/>
+            <a:endParaRPr lang="en-ZA"/>
+          </a:p>
+        </p:txBody>
+      </p:sp>
     </p:spTree>
     <p:extLst>
       <p:ext uri="{BB962C8B-B14F-4D97-AF65-F5344CB8AC3E}">
